--- a/docs/urcad/poster.pptx
+++ b/docs/urcad/poster.pptx
@@ -159,6 +159,10 @@
 </p:presentation>
 </file>
 
+<file path=ppt/revisionInfo.xml><?xml version="1.0" encoding="utf-8"?>
+<p1510:revInfo xmlns:a="http://schemas.openxmlformats.org/drawingml/2006/main" xmlns:r="http://schemas.openxmlformats.org/officeDocument/2006/relationships" xmlns:p1510="http://schemas.microsoft.com/office/powerpoint/2015/10/main"/>
+</file>
+
 <file path=ppt/handoutMasters/handoutMaster1.xml><?xml version="1.0" encoding="utf-8"?>
 <p:handoutMaster xmlns:a="http://schemas.openxmlformats.org/drawingml/2006/main" xmlns:r="http://schemas.openxmlformats.org/officeDocument/2006/relationships" xmlns:p="http://schemas.openxmlformats.org/presentationml/2006/main">
   <p:cSld>
@@ -595,35 +599,35 @@
           <a:p>
             <a:pPr lvl="0"/>
             <a:r>
-              <a:rPr lang="en-US" noProof="0" smtClean="0"/>
+              <a:rPr lang="en-US" noProof="0"/>
               <a:t>Click to edit Master text styles</a:t>
             </a:r>
           </a:p>
           <a:p>
             <a:pPr lvl="1"/>
             <a:r>
-              <a:rPr lang="en-US" noProof="0" smtClean="0"/>
+              <a:rPr lang="en-US" noProof="0"/>
               <a:t>Second level</a:t>
             </a:r>
           </a:p>
           <a:p>
             <a:pPr lvl="2"/>
             <a:r>
-              <a:rPr lang="en-US" noProof="0" smtClean="0"/>
+              <a:rPr lang="en-US" noProof="0"/>
               <a:t>Third level</a:t>
             </a:r>
           </a:p>
           <a:p>
             <a:pPr lvl="3"/>
             <a:r>
-              <a:rPr lang="en-US" noProof="0" smtClean="0"/>
+              <a:rPr lang="en-US" noProof="0"/>
               <a:t>Fourth level</a:t>
             </a:r>
           </a:p>
           <a:p>
             <a:pPr lvl="4"/>
             <a:r>
-              <a:rPr lang="en-US" noProof="0" smtClean="0"/>
+              <a:rPr lang="en-US" noProof="0"/>
               <a:t>Fifth level</a:t>
             </a:r>
           </a:p>
@@ -1034,7 +1038,7 @@
               <a:pPr eaLnBrk="1" hangingPunct="1"/>
               <a:t>1</a:t>
             </a:fld>
-            <a:endParaRPr lang="en-US" sz="1200" smtClean="0">
+            <a:endParaRPr lang="en-US" sz="1200">
               <a:latin typeface="Arial" charset="0"/>
             </a:endParaRPr>
           </a:p>
@@ -1096,7 +1100,7 @@
           <a:lstStyle/>
           <a:p>
             <a:pPr eaLnBrk="1" hangingPunct="1"/>
-            <a:endParaRPr lang="en-US" smtClean="0"/>
+            <a:endParaRPr lang="en-US"/>
           </a:p>
         </p:txBody>
       </p:sp>
@@ -1191,10 +1195,9 @@
           </a:lstStyle>
           <a:p>
             <a:r>
-              <a:rPr lang="en-US" smtClean="0"/>
+              <a:rPr lang="en-US"/>
               <a:t>Click to edit Master subtitle style</a:t>
             </a:r>
-            <a:endParaRPr lang="en-US"/>
           </a:p>
         </p:txBody>
       </p:sp>
@@ -1320,13 +1323,6 @@
   <p:clrMapOvr>
     <a:masterClrMapping/>
   </p:clrMapOvr>
-  <p:timing>
-    <p:tnLst>
-      <p:par>
-        <p:cTn id="1" dur="indefinite" restart="never" nodeType="tmRoot"/>
-      </p:par>
-    </p:tnLst>
-  </p:timing>
 </p:sldLayout>
 </file>
 
@@ -1371,10 +1367,9 @@
           <a:lstStyle/>
           <a:p>
             <a:r>
-              <a:rPr lang="en-US" smtClean="0"/>
+              <a:rPr lang="en-US"/>
               <a:t>Click to edit Master title style</a:t>
             </a:r>
-            <a:endParaRPr lang="en-US"/>
           </a:p>
         </p:txBody>
       </p:sp>
@@ -1403,38 +1398,37 @@
           <a:p>
             <a:pPr lvl="0"/>
             <a:r>
-              <a:rPr lang="en-US" smtClean="0"/>
+              <a:rPr lang="en-US"/>
               <a:t>Click to edit Master text styles</a:t>
             </a:r>
           </a:p>
           <a:p>
             <a:pPr lvl="1"/>
             <a:r>
-              <a:rPr lang="en-US" smtClean="0"/>
+              <a:rPr lang="en-US"/>
               <a:t>Second level</a:t>
             </a:r>
           </a:p>
           <a:p>
             <a:pPr lvl="2"/>
             <a:r>
-              <a:rPr lang="en-US" smtClean="0"/>
+              <a:rPr lang="en-US"/>
               <a:t>Third level</a:t>
             </a:r>
           </a:p>
           <a:p>
             <a:pPr lvl="3"/>
             <a:r>
-              <a:rPr lang="en-US" smtClean="0"/>
+              <a:rPr lang="en-US"/>
               <a:t>Fourth level</a:t>
             </a:r>
           </a:p>
           <a:p>
             <a:pPr lvl="4"/>
             <a:r>
-              <a:rPr lang="en-US" smtClean="0"/>
+              <a:rPr lang="en-US"/>
               <a:t>Fifth level</a:t>
             </a:r>
-            <a:endParaRPr lang="en-US"/>
           </a:p>
         </p:txBody>
       </p:sp>
@@ -1604,10 +1598,9 @@
           <a:lstStyle/>
           <a:p>
             <a:r>
-              <a:rPr lang="en-US" smtClean="0"/>
+              <a:rPr lang="en-US"/>
               <a:t>Click to edit Master title style</a:t>
             </a:r>
-            <a:endParaRPr lang="en-US"/>
           </a:p>
         </p:txBody>
       </p:sp>
@@ -1636,38 +1629,37 @@
           <a:p>
             <a:pPr lvl="0"/>
             <a:r>
-              <a:rPr lang="en-US" smtClean="0"/>
+              <a:rPr lang="en-US"/>
               <a:t>Click to edit Master text styles</a:t>
             </a:r>
           </a:p>
           <a:p>
             <a:pPr lvl="1"/>
             <a:r>
-              <a:rPr lang="en-US" smtClean="0"/>
+              <a:rPr lang="en-US"/>
               <a:t>Second level</a:t>
             </a:r>
           </a:p>
           <a:p>
             <a:pPr lvl="2"/>
             <a:r>
-              <a:rPr lang="en-US" smtClean="0"/>
+              <a:rPr lang="en-US"/>
               <a:t>Third level</a:t>
             </a:r>
           </a:p>
           <a:p>
             <a:pPr lvl="3"/>
             <a:r>
-              <a:rPr lang="en-US" smtClean="0"/>
+              <a:rPr lang="en-US"/>
               <a:t>Fourth level</a:t>
             </a:r>
           </a:p>
           <a:p>
             <a:pPr lvl="4"/>
             <a:r>
-              <a:rPr lang="en-US" smtClean="0"/>
+              <a:rPr lang="en-US"/>
               <a:t>Fifth level</a:t>
             </a:r>
-            <a:endParaRPr lang="en-US"/>
           </a:p>
         </p:txBody>
       </p:sp>
@@ -1793,13 +1785,6 @@
   <p:clrMapOvr>
     <a:masterClrMapping/>
   </p:clrMapOvr>
-  <p:timing>
-    <p:tnLst>
-      <p:par>
-        <p:cTn id="1" dur="indefinite" restart="never" nodeType="tmRoot"/>
-      </p:par>
-    </p:tnLst>
-  </p:timing>
 </p:sldLayout>
 </file>
 
@@ -1844,10 +1829,9 @@
           <a:lstStyle/>
           <a:p>
             <a:r>
-              <a:rPr lang="en-US" smtClean="0"/>
+              <a:rPr lang="en-US"/>
               <a:t>Click to edit Master title style</a:t>
             </a:r>
-            <a:endParaRPr lang="en-US"/>
           </a:p>
         </p:txBody>
       </p:sp>
@@ -1973,13 +1957,6 @@
   <p:clrMapOvr>
     <a:masterClrMapping/>
   </p:clrMapOvr>
-  <p:timing>
-    <p:tnLst>
-      <p:par>
-        <p:cTn id="1" dur="indefinite" restart="never" nodeType="tmRoot"/>
-      </p:par>
-    </p:tnLst>
-  </p:timing>
 </p:sldLayout>
 </file>
 
@@ -2028,10 +2005,9 @@
           </a:lstStyle>
           <a:p>
             <a:r>
-              <a:rPr lang="en-US" smtClean="0"/>
+              <a:rPr lang="en-US"/>
               <a:t>Click to edit Master title style</a:t>
             </a:r>
-            <a:endParaRPr lang="en-US"/>
           </a:p>
         </p:txBody>
       </p:sp>
@@ -2097,7 +2073,7 @@
           <a:p>
             <a:pPr lvl="0"/>
             <a:r>
-              <a:rPr lang="en-US" smtClean="0"/>
+              <a:rPr lang="en-US"/>
               <a:t>Click to edit Master text styles</a:t>
             </a:r>
           </a:p>
@@ -2225,13 +2201,6 @@
   <p:clrMapOvr>
     <a:masterClrMapping/>
   </p:clrMapOvr>
-  <p:timing>
-    <p:tnLst>
-      <p:par>
-        <p:cTn id="1" dur="indefinite" restart="never" nodeType="tmRoot"/>
-      </p:par>
-    </p:tnLst>
-  </p:timing>
 </p:sldLayout>
 </file>
 
@@ -2276,10 +2245,9 @@
           <a:lstStyle/>
           <a:p>
             <a:r>
-              <a:rPr lang="en-US" smtClean="0"/>
+              <a:rPr lang="en-US"/>
               <a:t>Click to edit Master title style</a:t>
             </a:r>
-            <a:endParaRPr lang="en-US"/>
           </a:p>
         </p:txBody>
       </p:sp>
@@ -2336,38 +2304,37 @@
           <a:p>
             <a:pPr lvl="0"/>
             <a:r>
-              <a:rPr lang="en-US" smtClean="0"/>
+              <a:rPr lang="en-US"/>
               <a:t>Click to edit Master text styles</a:t>
             </a:r>
           </a:p>
           <a:p>
             <a:pPr lvl="1"/>
             <a:r>
-              <a:rPr lang="en-US" smtClean="0"/>
+              <a:rPr lang="en-US"/>
               <a:t>Second level</a:t>
             </a:r>
           </a:p>
           <a:p>
             <a:pPr lvl="2"/>
             <a:r>
-              <a:rPr lang="en-US" smtClean="0"/>
+              <a:rPr lang="en-US"/>
               <a:t>Third level</a:t>
             </a:r>
           </a:p>
           <a:p>
             <a:pPr lvl="3"/>
             <a:r>
-              <a:rPr lang="en-US" smtClean="0"/>
+              <a:rPr lang="en-US"/>
               <a:t>Fourth level</a:t>
             </a:r>
           </a:p>
           <a:p>
             <a:pPr lvl="4"/>
             <a:r>
-              <a:rPr lang="en-US" smtClean="0"/>
+              <a:rPr lang="en-US"/>
               <a:t>Fifth level</a:t>
             </a:r>
-            <a:endParaRPr lang="en-US"/>
           </a:p>
         </p:txBody>
       </p:sp>
@@ -2424,38 +2391,37 @@
           <a:p>
             <a:pPr lvl="0"/>
             <a:r>
-              <a:rPr lang="en-US" smtClean="0"/>
+              <a:rPr lang="en-US"/>
               <a:t>Click to edit Master text styles</a:t>
             </a:r>
           </a:p>
           <a:p>
             <a:pPr lvl="1"/>
             <a:r>
-              <a:rPr lang="en-US" smtClean="0"/>
+              <a:rPr lang="en-US"/>
               <a:t>Second level</a:t>
             </a:r>
           </a:p>
           <a:p>
             <a:pPr lvl="2"/>
             <a:r>
-              <a:rPr lang="en-US" smtClean="0"/>
+              <a:rPr lang="en-US"/>
               <a:t>Third level</a:t>
             </a:r>
           </a:p>
           <a:p>
             <a:pPr lvl="3"/>
             <a:r>
-              <a:rPr lang="en-US" smtClean="0"/>
+              <a:rPr lang="en-US"/>
               <a:t>Fourth level</a:t>
             </a:r>
           </a:p>
           <a:p>
             <a:pPr lvl="4"/>
             <a:r>
-              <a:rPr lang="en-US" smtClean="0"/>
+              <a:rPr lang="en-US"/>
               <a:t>Fifth level</a:t>
             </a:r>
-            <a:endParaRPr lang="en-US"/>
           </a:p>
         </p:txBody>
       </p:sp>
@@ -2629,10 +2595,9 @@
           </a:lstStyle>
           <a:p>
             <a:r>
-              <a:rPr lang="en-US" smtClean="0"/>
+              <a:rPr lang="en-US"/>
               <a:t>Click to edit Master title style</a:t>
             </a:r>
-            <a:endParaRPr lang="en-US"/>
           </a:p>
         </p:txBody>
       </p:sp>
@@ -2698,7 +2663,7 @@
           <a:p>
             <a:pPr lvl="0"/>
             <a:r>
-              <a:rPr lang="en-US" smtClean="0"/>
+              <a:rPr lang="en-US"/>
               <a:t>Click to edit Master text styles</a:t>
             </a:r>
           </a:p>
@@ -2757,38 +2722,37 @@
           <a:p>
             <a:pPr lvl="0"/>
             <a:r>
-              <a:rPr lang="en-US" smtClean="0"/>
+              <a:rPr lang="en-US"/>
               <a:t>Click to edit Master text styles</a:t>
             </a:r>
           </a:p>
           <a:p>
             <a:pPr lvl="1"/>
             <a:r>
-              <a:rPr lang="en-US" smtClean="0"/>
+              <a:rPr lang="en-US"/>
               <a:t>Second level</a:t>
             </a:r>
           </a:p>
           <a:p>
             <a:pPr lvl="2"/>
             <a:r>
-              <a:rPr lang="en-US" smtClean="0"/>
+              <a:rPr lang="en-US"/>
               <a:t>Third level</a:t>
             </a:r>
           </a:p>
           <a:p>
             <a:pPr lvl="3"/>
             <a:r>
-              <a:rPr lang="en-US" smtClean="0"/>
+              <a:rPr lang="en-US"/>
               <a:t>Fourth level</a:t>
             </a:r>
           </a:p>
           <a:p>
             <a:pPr lvl="4"/>
             <a:r>
-              <a:rPr lang="en-US" smtClean="0"/>
+              <a:rPr lang="en-US"/>
               <a:t>Fifth level</a:t>
             </a:r>
-            <a:endParaRPr lang="en-US"/>
           </a:p>
         </p:txBody>
       </p:sp>
@@ -2854,7 +2818,7 @@
           <a:p>
             <a:pPr lvl="0"/>
             <a:r>
-              <a:rPr lang="en-US" smtClean="0"/>
+              <a:rPr lang="en-US"/>
               <a:t>Click to edit Master text styles</a:t>
             </a:r>
           </a:p>
@@ -2913,38 +2877,37 @@
           <a:p>
             <a:pPr lvl="0"/>
             <a:r>
-              <a:rPr lang="en-US" smtClean="0"/>
+              <a:rPr lang="en-US"/>
               <a:t>Click to edit Master text styles</a:t>
             </a:r>
           </a:p>
           <a:p>
             <a:pPr lvl="1"/>
             <a:r>
-              <a:rPr lang="en-US" smtClean="0"/>
+              <a:rPr lang="en-US"/>
               <a:t>Second level</a:t>
             </a:r>
           </a:p>
           <a:p>
             <a:pPr lvl="2"/>
             <a:r>
-              <a:rPr lang="en-US" smtClean="0"/>
+              <a:rPr lang="en-US"/>
               <a:t>Third level</a:t>
             </a:r>
           </a:p>
           <a:p>
             <a:pPr lvl="3"/>
             <a:r>
-              <a:rPr lang="en-US" smtClean="0"/>
+              <a:rPr lang="en-US"/>
               <a:t>Fourth level</a:t>
             </a:r>
           </a:p>
           <a:p>
             <a:pPr lvl="4"/>
             <a:r>
-              <a:rPr lang="en-US" smtClean="0"/>
+              <a:rPr lang="en-US"/>
               <a:t>Fifth level</a:t>
             </a:r>
-            <a:endParaRPr lang="en-US"/>
           </a:p>
         </p:txBody>
       </p:sp>
@@ -3114,10 +3077,9 @@
           <a:lstStyle/>
           <a:p>
             <a:r>
-              <a:rPr lang="en-US" smtClean="0"/>
+              <a:rPr lang="en-US"/>
               <a:t>Click to edit Master title style</a:t>
             </a:r>
-            <a:endParaRPr lang="en-US"/>
           </a:p>
         </p:txBody>
       </p:sp>
@@ -3433,10 +3395,9 @@
           </a:lstStyle>
           <a:p>
             <a:r>
-              <a:rPr lang="en-US" smtClean="0"/>
+              <a:rPr lang="en-US"/>
               <a:t>Click to edit Master title style</a:t>
             </a:r>
-            <a:endParaRPr lang="en-US"/>
           </a:p>
         </p:txBody>
       </p:sp>
@@ -3493,38 +3454,37 @@
           <a:p>
             <a:pPr lvl="0"/>
             <a:r>
-              <a:rPr lang="en-US" smtClean="0"/>
+              <a:rPr lang="en-US"/>
               <a:t>Click to edit Master text styles</a:t>
             </a:r>
           </a:p>
           <a:p>
             <a:pPr lvl="1"/>
             <a:r>
-              <a:rPr lang="en-US" smtClean="0"/>
+              <a:rPr lang="en-US"/>
               <a:t>Second level</a:t>
             </a:r>
           </a:p>
           <a:p>
             <a:pPr lvl="2"/>
             <a:r>
-              <a:rPr lang="en-US" smtClean="0"/>
+              <a:rPr lang="en-US"/>
               <a:t>Third level</a:t>
             </a:r>
           </a:p>
           <a:p>
             <a:pPr lvl="3"/>
             <a:r>
-              <a:rPr lang="en-US" smtClean="0"/>
+              <a:rPr lang="en-US"/>
               <a:t>Fourth level</a:t>
             </a:r>
           </a:p>
           <a:p>
             <a:pPr lvl="4"/>
             <a:r>
-              <a:rPr lang="en-US" smtClean="0"/>
+              <a:rPr lang="en-US"/>
               <a:t>Fifth level</a:t>
             </a:r>
-            <a:endParaRPr lang="en-US"/>
           </a:p>
         </p:txBody>
       </p:sp>
@@ -3590,7 +3550,7 @@
           <a:p>
             <a:pPr lvl="0"/>
             <a:r>
-              <a:rPr lang="en-US" smtClean="0"/>
+              <a:rPr lang="en-US"/>
               <a:t>Click to edit Master text styles</a:t>
             </a:r>
           </a:p>
@@ -3766,10 +3726,9 @@
           </a:lstStyle>
           <a:p>
             <a:r>
-              <a:rPr lang="en-US" smtClean="0"/>
+              <a:rPr lang="en-US"/>
               <a:t>Click to edit Master title style</a:t>
             </a:r>
-            <a:endParaRPr lang="en-US"/>
           </a:p>
         </p:txBody>
       </p:sp>
@@ -3834,7 +3793,7 @@
           </a:lstStyle>
           <a:p>
             <a:pPr lvl="0"/>
-            <a:endParaRPr lang="en-US" noProof="0" smtClean="0"/>
+            <a:endParaRPr lang="en-US" noProof="0"/>
           </a:p>
         </p:txBody>
       </p:sp>
@@ -3900,7 +3859,7 @@
           <a:p>
             <a:pPr lvl="0"/>
             <a:r>
-              <a:rPr lang="en-US" smtClean="0"/>
+              <a:rPr lang="en-US"/>
               <a:t>Click to edit Master text styles</a:t>
             </a:r>
           </a:p>
@@ -4028,13 +3987,6 @@
   <p:clrMapOvr>
     <a:masterClrMapping/>
   </p:clrMapOvr>
-  <p:timing>
-    <p:tnLst>
-      <p:par>
-        <p:cTn id="1" dur="indefinite" restart="never" nodeType="tmRoot"/>
-      </p:par>
-    </p:tnLst>
-  </p:timing>
 </p:sldLayout>
 </file>
 
@@ -4113,7 +4065,7 @@
               <a:buNone/>
               <a:tabLst/>
             </a:pPr>
-            <a:endParaRPr kumimoji="0" lang="en-US" sz="7500" b="0" i="0" u="none" strike="noStrike" cap="none" normalizeH="0" baseline="0" smtClean="0">
+            <a:endParaRPr kumimoji="0" lang="en-US" sz="7500" b="0" i="0" u="none" strike="noStrike" cap="none" normalizeH="0" baseline="0">
               <a:ln>
                 <a:noFill/>
               </a:ln>
@@ -4176,7 +4128,7 @@
               <a:buNone/>
               <a:tabLst/>
             </a:pPr>
-            <a:endParaRPr kumimoji="0" lang="en-US" sz="7500" b="0" i="0" u="none" strike="noStrike" cap="none" normalizeH="0" baseline="0" smtClean="0">
+            <a:endParaRPr kumimoji="0" lang="en-US" sz="7500" b="0" i="0" u="none" strike="noStrike" cap="none" normalizeH="0" baseline="0">
               <a:ln>
                 <a:noFill/>
               </a:ln>
@@ -4248,7 +4200,7 @@
               <a:buNone/>
               <a:tabLst/>
             </a:pPr>
-            <a:endParaRPr kumimoji="0" lang="en-US" sz="7500" b="0" i="0" u="none" strike="noStrike" cap="none" normalizeH="0" baseline="0" dirty="0" smtClean="0">
+            <a:endParaRPr kumimoji="0" lang="en-US" sz="7500" b="0" i="0" u="none" strike="noStrike" cap="none" normalizeH="0" baseline="0" dirty="0">
               <a:ln>
                 <a:noFill/>
               </a:ln>
@@ -4948,7 +4900,7 @@
               <a:buNone/>
               <a:tabLst/>
             </a:pPr>
-            <a:endParaRPr kumimoji="0" lang="en-US" sz="7500" b="0" i="0" u="none" strike="noStrike" cap="none" normalizeH="0" baseline="0" smtClean="0">
+            <a:endParaRPr kumimoji="0" lang="en-US" sz="7500" b="0" i="0" u="none" strike="noStrike" cap="none" normalizeH="0" baseline="0">
               <a:ln>
                 <a:noFill/>
               </a:ln>
@@ -5013,7 +4965,7 @@
               <a:buNone/>
               <a:tabLst/>
             </a:pPr>
-            <a:endParaRPr kumimoji="0" lang="en-US" sz="7500" b="0" i="0" u="none" strike="noStrike" cap="none" normalizeH="0" baseline="0" smtClean="0">
+            <a:endParaRPr kumimoji="0" lang="en-US" sz="7500" b="0" i="0" u="none" strike="noStrike" cap="none" normalizeH="0" baseline="0">
               <a:ln>
                 <a:noFill/>
               </a:ln>
@@ -5076,7 +5028,7 @@
               <a:buNone/>
               <a:tabLst/>
             </a:pPr>
-            <a:endParaRPr kumimoji="0" lang="en-US" sz="7500" b="0" i="0" u="none" strike="noStrike" cap="none" normalizeH="0" baseline="0" smtClean="0">
+            <a:endParaRPr kumimoji="0" lang="en-US" sz="7500" b="0" i="0" u="none" strike="noStrike" cap="none" normalizeH="0" baseline="0">
               <a:ln>
                 <a:noFill/>
               </a:ln>
@@ -5139,7 +5091,7 @@
               <a:buNone/>
               <a:tabLst/>
             </a:pPr>
-            <a:endParaRPr kumimoji="0" lang="en-US" sz="7500" b="0" i="0" u="none" strike="noStrike" cap="none" normalizeH="0" baseline="0" smtClean="0">
+            <a:endParaRPr kumimoji="0" lang="en-US" sz="7500" b="0" i="0" u="none" strike="noStrike" cap="none" normalizeH="0" baseline="0">
               <a:ln>
                 <a:noFill/>
               </a:ln>
@@ -5168,13 +5120,6 @@
     <p:sldLayoutId id="2147483658" r:id="rId10"/>
     <p:sldLayoutId id="2147483659" r:id="rId11"/>
   </p:sldLayoutIdLst>
-  <p:timing>
-    <p:tnLst>
-      <p:par>
-        <p:cTn id="1" dur="indefinite" restart="never" nodeType="tmRoot"/>
-      </p:par>
-    </p:tnLst>
-  </p:timing>
   <p:txStyles>
     <p:titleStyle>
       <a:lvl1pPr algn="ctr" defTabSz="2819400" rtl="0" eaLnBrk="0" fontAlgn="base" hangingPunct="0">
@@ -5619,7 +5564,7 @@
               <a:buNone/>
               <a:tabLst/>
             </a:pPr>
-            <a:endParaRPr kumimoji="0" lang="en-US" sz="7500" b="0" i="0" u="none" strike="noStrike" cap="none" normalizeH="0" baseline="0" smtClean="0">
+            <a:endParaRPr kumimoji="0" lang="en-US" sz="7500" b="0" i="0" u="none" strike="noStrike" cap="none" normalizeH="0" baseline="0">
               <a:ln>
                 <a:noFill/>
               </a:ln>
@@ -6051,15 +5996,7 @@
                   <a:schemeClr val="bg1"/>
                 </a:solidFill>
               </a:rPr>
-              <a:t>What are Galois Fields</a:t>
-            </a:r>
-            <a:r>
-              <a:rPr lang="en-US" sz="3200" b="1" dirty="0" smtClean="0">
-                <a:solidFill>
-                  <a:schemeClr val="bg1"/>
-                </a:solidFill>
-              </a:rPr>
-              <a:t>?</a:t>
+              <a:t>What are Galois Fields?</a:t>
             </a:r>
             <a:endParaRPr lang="en-US" sz="1000" b="1" dirty="0">
               <a:solidFill>
@@ -6070,352 +6007,28 @@
           </a:p>
           <a:p>
             <a:pPr algn="ctr"/>
-            <a:endParaRPr lang="en-US" sz="2800" dirty="0" smtClean="0"/>
+            <a:endParaRPr lang="en-US" sz="2800" dirty="0"/>
           </a:p>
           <a:p>
             <a:pPr algn="just"/>
             <a:r>
-              <a:rPr lang="en-US" sz="2800" dirty="0" smtClean="0"/>
+              <a:rPr lang="en-US" sz="2800" dirty="0"/>
               <a:t>A field with a finite number of elements, Galois fields are a key part of number theory, abstract algebra, arithmetic algebraic geometry, and cryptography. In error detection and correction, Galois fields are utilized in cyclic redundancy check (CRC) which are used in digital networks and storage devices to detect accidental changes to raw data.</a:t>
             </a:r>
           </a:p>
           <a:p>
             <a:pPr algn="just"/>
-            <a:endParaRPr lang="en-US" sz="2800" dirty="0" smtClean="0"/>
+            <a:endParaRPr lang="en-US" sz="2800" dirty="0"/>
           </a:p>
           <a:p>
             <a:pPr algn="ctr"/>
             <a:r>
-              <a:rPr lang="en-US" sz="2800" b="1" dirty="0" smtClean="0"/>
+              <a:rPr lang="en-US" sz="2800" b="1" dirty="0"/>
               <a:t>Table 1:</a:t>
             </a:r>
             <a:r>
-              <a:rPr lang="en-US" sz="2800" dirty="0" smtClean="0"/>
+              <a:rPr lang="en-US" sz="2800" dirty="0"/>
               <a:t> Elements of </a:t>
-            </a:r>
-            <a:r>
-              <a:rPr lang="en-US" sz="2800" dirty="0" smtClean="0">
-                <a:solidFill>
-                  <a:srgbClr val="000000"/>
-                </a:solidFill>
-                <a:latin typeface="Arial" panose="020B0604020202020204" pitchFamily="34" charset="0"/>
-              </a:rPr>
-              <a:t>x</a:t>
-            </a:r>
-            <a:r>
-              <a:rPr lang="en-US" sz="2800" baseline="30000" dirty="0" smtClean="0">
-                <a:solidFill>
-                  <a:srgbClr val="000000"/>
-                </a:solidFill>
-                <a:latin typeface="Arial" panose="020B0604020202020204" pitchFamily="34" charset="0"/>
-              </a:rPr>
-              <a:t>3</a:t>
-            </a:r>
-            <a:r>
-              <a:rPr lang="en-US" sz="2800" dirty="0" smtClean="0">
-                <a:solidFill>
-                  <a:srgbClr val="000000"/>
-                </a:solidFill>
-                <a:latin typeface="Arial" panose="020B0604020202020204" pitchFamily="34" charset="0"/>
-              </a:rPr>
-              <a:t> </a:t>
-            </a:r>
-            <a:r>
-              <a:rPr lang="en-US" sz="2800" dirty="0">
-                <a:solidFill>
-                  <a:srgbClr val="000000"/>
-                </a:solidFill>
-                <a:latin typeface="Arial" panose="020B0604020202020204" pitchFamily="34" charset="0"/>
-              </a:rPr>
-              <a:t>+ </a:t>
-            </a:r>
-            <a:r>
-              <a:rPr lang="en-US" sz="2800" dirty="0" smtClean="0">
-                <a:solidFill>
-                  <a:srgbClr val="000000"/>
-                </a:solidFill>
-                <a:latin typeface="Arial" panose="020B0604020202020204" pitchFamily="34" charset="0"/>
-              </a:rPr>
-              <a:t>x</a:t>
-            </a:r>
-            <a:r>
-              <a:rPr lang="en-US" sz="2800" baseline="30000" dirty="0" smtClean="0">
-                <a:solidFill>
-                  <a:srgbClr val="000000"/>
-                </a:solidFill>
-                <a:latin typeface="Arial" panose="020B0604020202020204" pitchFamily="34" charset="0"/>
-              </a:rPr>
-              <a:t>2</a:t>
-            </a:r>
-            <a:r>
-              <a:rPr lang="en-US" sz="2800" dirty="0" smtClean="0">
-                <a:solidFill>
-                  <a:srgbClr val="000000"/>
-                </a:solidFill>
-                <a:latin typeface="Arial" panose="020B0604020202020204" pitchFamily="34" charset="0"/>
-              </a:rPr>
-              <a:t> </a:t>
-            </a:r>
-            <a:r>
-              <a:rPr lang="en-US" sz="2800" dirty="0">
-                <a:solidFill>
-                  <a:srgbClr val="000000"/>
-                </a:solidFill>
-                <a:latin typeface="Arial" panose="020B0604020202020204" pitchFamily="34" charset="0"/>
-              </a:rPr>
-              <a:t>+ </a:t>
-            </a:r>
-            <a:r>
-              <a:rPr lang="en-US" sz="2800" dirty="0" smtClean="0">
-                <a:solidFill>
-                  <a:srgbClr val="000000"/>
-                </a:solidFill>
-                <a:latin typeface="Arial" panose="020B0604020202020204" pitchFamily="34" charset="0"/>
-              </a:rPr>
-              <a:t>x</a:t>
-            </a:r>
-            <a:r>
-              <a:rPr lang="en-US" sz="2800" baseline="30000" dirty="0" smtClean="0">
-                <a:solidFill>
-                  <a:srgbClr val="000000"/>
-                </a:solidFill>
-                <a:latin typeface="Arial" panose="020B0604020202020204" pitchFamily="34" charset="0"/>
-              </a:rPr>
-              <a:t>0</a:t>
-            </a:r>
-          </a:p>
-          <a:p>
-            <a:pPr algn="ctr"/>
-            <a:endParaRPr lang="en-US" sz="2800" baseline="30000" dirty="0" smtClean="0">
-              <a:solidFill>
-                <a:srgbClr val="000000"/>
-              </a:solidFill>
-              <a:latin typeface="Arial" panose="020B0604020202020204" pitchFamily="34" charset="0"/>
-            </a:endParaRPr>
-          </a:p>
-          <a:p>
-            <a:pPr algn="just"/>
-            <a:endParaRPr lang="en-US" sz="2800" baseline="30000" dirty="0">
-              <a:solidFill>
-                <a:srgbClr val="000000"/>
-              </a:solidFill>
-              <a:latin typeface="Arial" panose="020B0604020202020204" pitchFamily="34" charset="0"/>
-            </a:endParaRPr>
-          </a:p>
-          <a:p>
-            <a:pPr algn="just"/>
-            <a:endParaRPr lang="en-US" sz="2800" baseline="30000" dirty="0" smtClean="0">
-              <a:solidFill>
-                <a:srgbClr val="000000"/>
-              </a:solidFill>
-              <a:latin typeface="Arial" panose="020B0604020202020204" pitchFamily="34" charset="0"/>
-            </a:endParaRPr>
-          </a:p>
-          <a:p>
-            <a:pPr algn="just"/>
-            <a:endParaRPr lang="en-US" sz="2800" baseline="30000" dirty="0">
-              <a:solidFill>
-                <a:srgbClr val="000000"/>
-              </a:solidFill>
-              <a:latin typeface="Arial" panose="020B0604020202020204" pitchFamily="34" charset="0"/>
-            </a:endParaRPr>
-          </a:p>
-          <a:p>
-            <a:pPr algn="just"/>
-            <a:endParaRPr lang="en-US" sz="2800" baseline="30000" dirty="0" smtClean="0">
-              <a:solidFill>
-                <a:srgbClr val="000000"/>
-              </a:solidFill>
-              <a:latin typeface="Arial" panose="020B0604020202020204" pitchFamily="34" charset="0"/>
-            </a:endParaRPr>
-          </a:p>
-          <a:p>
-            <a:pPr algn="just"/>
-            <a:endParaRPr lang="en-US" sz="2800" baseline="30000" dirty="0">
-              <a:solidFill>
-                <a:srgbClr val="000000"/>
-              </a:solidFill>
-              <a:latin typeface="Arial" panose="020B0604020202020204" pitchFamily="34" charset="0"/>
-            </a:endParaRPr>
-          </a:p>
-          <a:p>
-            <a:pPr algn="just"/>
-            <a:endParaRPr lang="en-US" sz="2800" baseline="30000" dirty="0" smtClean="0">
-              <a:solidFill>
-                <a:srgbClr val="000000"/>
-              </a:solidFill>
-              <a:latin typeface="Arial" panose="020B0604020202020204" pitchFamily="34" charset="0"/>
-            </a:endParaRPr>
-          </a:p>
-          <a:p>
-            <a:pPr algn="just"/>
-            <a:endParaRPr lang="en-US" sz="2800" baseline="30000" dirty="0">
-              <a:solidFill>
-                <a:srgbClr val="000000"/>
-              </a:solidFill>
-              <a:latin typeface="Arial" panose="020B0604020202020204" pitchFamily="34" charset="0"/>
-            </a:endParaRPr>
-          </a:p>
-          <a:p>
-            <a:pPr algn="just"/>
-            <a:endParaRPr lang="en-US" sz="2800" baseline="30000" dirty="0" smtClean="0">
-              <a:solidFill>
-                <a:srgbClr val="000000"/>
-              </a:solidFill>
-              <a:latin typeface="Arial" panose="020B0604020202020204" pitchFamily="34" charset="0"/>
-            </a:endParaRPr>
-          </a:p>
-          <a:p>
-            <a:pPr algn="just"/>
-            <a:endParaRPr lang="en-US" sz="2800" baseline="30000" dirty="0">
-              <a:solidFill>
-                <a:srgbClr val="000000"/>
-              </a:solidFill>
-              <a:latin typeface="Arial" panose="020B0604020202020204" pitchFamily="34" charset="0"/>
-            </a:endParaRPr>
-          </a:p>
-          <a:p>
-            <a:pPr algn="just"/>
-            <a:endParaRPr lang="en-US" sz="2800" baseline="30000" dirty="0" smtClean="0">
-              <a:solidFill>
-                <a:srgbClr val="000000"/>
-              </a:solidFill>
-              <a:latin typeface="Arial" panose="020B0604020202020204" pitchFamily="34" charset="0"/>
-            </a:endParaRPr>
-          </a:p>
-          <a:p>
-            <a:pPr algn="just"/>
-            <a:endParaRPr lang="en-US" sz="2800" baseline="30000" dirty="0">
-              <a:solidFill>
-                <a:srgbClr val="000000"/>
-              </a:solidFill>
-              <a:latin typeface="Arial" panose="020B0604020202020204" pitchFamily="34" charset="0"/>
-            </a:endParaRPr>
-          </a:p>
-          <a:p>
-            <a:pPr algn="just"/>
-            <a:endParaRPr lang="en-US" sz="2800" baseline="30000" dirty="0" smtClean="0">
-              <a:solidFill>
-                <a:srgbClr val="000000"/>
-              </a:solidFill>
-              <a:latin typeface="Arial" panose="020B0604020202020204" pitchFamily="34" charset="0"/>
-            </a:endParaRPr>
-          </a:p>
-          <a:p>
-            <a:pPr algn="just"/>
-            <a:endParaRPr lang="en-US" sz="2800" baseline="30000" dirty="0">
-              <a:solidFill>
-                <a:srgbClr val="000000"/>
-              </a:solidFill>
-              <a:latin typeface="Arial" panose="020B0604020202020204" pitchFamily="34" charset="0"/>
-            </a:endParaRPr>
-          </a:p>
-          <a:p>
-            <a:pPr algn="just"/>
-            <a:endParaRPr lang="en-US" sz="2800" baseline="30000" dirty="0" smtClean="0">
-              <a:solidFill>
-                <a:srgbClr val="000000"/>
-              </a:solidFill>
-              <a:latin typeface="Arial" panose="020B0604020202020204" pitchFamily="34" charset="0"/>
-            </a:endParaRPr>
-          </a:p>
-          <a:p>
-            <a:pPr algn="just"/>
-            <a:endParaRPr lang="en-US" sz="2800" baseline="30000" dirty="0">
-              <a:solidFill>
-                <a:srgbClr val="000000"/>
-              </a:solidFill>
-              <a:latin typeface="Arial" panose="020B0604020202020204" pitchFamily="34" charset="0"/>
-            </a:endParaRPr>
-          </a:p>
-          <a:p>
-            <a:pPr algn="just"/>
-            <a:endParaRPr lang="en-US" sz="2800" baseline="30000" dirty="0" smtClean="0">
-              <a:solidFill>
-                <a:srgbClr val="000000"/>
-              </a:solidFill>
-              <a:latin typeface="Arial" panose="020B0604020202020204" pitchFamily="34" charset="0"/>
-            </a:endParaRPr>
-          </a:p>
-          <a:p>
-            <a:pPr algn="just"/>
-            <a:endParaRPr lang="en-US" sz="2800" baseline="30000" dirty="0">
-              <a:solidFill>
-                <a:srgbClr val="000000"/>
-              </a:solidFill>
-              <a:latin typeface="Arial" panose="020B0604020202020204" pitchFamily="34" charset="0"/>
-            </a:endParaRPr>
-          </a:p>
-          <a:p>
-            <a:pPr algn="just"/>
-            <a:endParaRPr lang="en-US" sz="2800" baseline="30000" dirty="0" smtClean="0">
-              <a:solidFill>
-                <a:srgbClr val="000000"/>
-              </a:solidFill>
-              <a:latin typeface="Arial" panose="020B0604020202020204" pitchFamily="34" charset="0"/>
-            </a:endParaRPr>
-          </a:p>
-          <a:p>
-            <a:pPr algn="just"/>
-            <a:endParaRPr lang="en-US" sz="2800" baseline="30000" dirty="0">
-              <a:solidFill>
-                <a:srgbClr val="000000"/>
-              </a:solidFill>
-              <a:latin typeface="Arial" panose="020B0604020202020204" pitchFamily="34" charset="0"/>
-            </a:endParaRPr>
-          </a:p>
-          <a:p>
-            <a:pPr algn="just"/>
-            <a:endParaRPr lang="en-US" sz="2800" baseline="30000" dirty="0" smtClean="0">
-              <a:solidFill>
-                <a:srgbClr val="000000"/>
-              </a:solidFill>
-              <a:latin typeface="Arial" panose="020B0604020202020204" pitchFamily="34" charset="0"/>
-            </a:endParaRPr>
-          </a:p>
-          <a:p>
-            <a:pPr algn="just"/>
-            <a:endParaRPr lang="en-US" sz="2800" baseline="30000" dirty="0" smtClean="0">
-              <a:solidFill>
-                <a:srgbClr val="000000"/>
-              </a:solidFill>
-              <a:latin typeface="Arial" panose="020B0604020202020204" pitchFamily="34" charset="0"/>
-            </a:endParaRPr>
-          </a:p>
-          <a:p>
-            <a:pPr algn="just"/>
-            <a:endParaRPr lang="en-US" sz="2800" baseline="-25000" dirty="0" smtClean="0">
-              <a:solidFill>
-                <a:srgbClr val="000000"/>
-              </a:solidFill>
-              <a:latin typeface="Arial" panose="020B0604020202020204" pitchFamily="34" charset="0"/>
-            </a:endParaRPr>
-          </a:p>
-          <a:p>
-            <a:pPr algn="ctr"/>
-            <a:r>
-              <a:rPr lang="en-US" sz="2800" b="1" dirty="0" smtClean="0">
-                <a:solidFill>
-                  <a:srgbClr val="000000"/>
-                </a:solidFill>
-              </a:rPr>
-              <a:t>Figure 1:</a:t>
-            </a:r>
-            <a:r>
-              <a:rPr lang="en-US" sz="2800" dirty="0" smtClean="0">
-                <a:solidFill>
-                  <a:srgbClr val="000000"/>
-                </a:solidFill>
-              </a:rPr>
-              <a:t> Operations of </a:t>
-            </a:r>
-            <a:r>
-              <a:rPr lang="en-US" sz="2800" dirty="0" smtClean="0"/>
-              <a:t>elements </a:t>
-            </a:r>
-            <a:r>
-              <a:rPr lang="en-US" sz="2800" dirty="0"/>
-              <a:t>of </a:t>
             </a:r>
             <a:r>
               <a:rPr lang="en-US" sz="2800" dirty="0">
@@ -6460,10 +6073,249 @@
                 </a:solidFill>
                 <a:latin typeface="Arial" panose="020B0604020202020204" pitchFamily="34" charset="0"/>
               </a:rPr>
-              <a:t> + </a:t>
+              <a:t> + x</a:t>
             </a:r>
             <a:r>
-              <a:rPr lang="en-US" sz="2800" dirty="0" smtClean="0">
+              <a:rPr lang="en-US" sz="2800" baseline="30000" dirty="0">
+                <a:solidFill>
+                  <a:srgbClr val="000000"/>
+                </a:solidFill>
+                <a:latin typeface="Arial" panose="020B0604020202020204" pitchFamily="34" charset="0"/>
+              </a:rPr>
+              <a:t>0</a:t>
+            </a:r>
+          </a:p>
+          <a:p>
+            <a:pPr algn="ctr"/>
+            <a:endParaRPr lang="en-US" sz="2800" baseline="30000" dirty="0">
+              <a:solidFill>
+                <a:srgbClr val="000000"/>
+              </a:solidFill>
+              <a:latin typeface="Arial" panose="020B0604020202020204" pitchFamily="34" charset="0"/>
+            </a:endParaRPr>
+          </a:p>
+          <a:p>
+            <a:pPr algn="just"/>
+            <a:endParaRPr lang="en-US" sz="2800" baseline="30000" dirty="0">
+              <a:solidFill>
+                <a:srgbClr val="000000"/>
+              </a:solidFill>
+              <a:latin typeface="Arial" panose="020B0604020202020204" pitchFamily="34" charset="0"/>
+            </a:endParaRPr>
+          </a:p>
+          <a:p>
+            <a:pPr algn="just"/>
+            <a:endParaRPr lang="en-US" sz="2800" baseline="30000" dirty="0">
+              <a:solidFill>
+                <a:srgbClr val="000000"/>
+              </a:solidFill>
+              <a:latin typeface="Arial" panose="020B0604020202020204" pitchFamily="34" charset="0"/>
+            </a:endParaRPr>
+          </a:p>
+          <a:p>
+            <a:pPr algn="just"/>
+            <a:endParaRPr lang="en-US" sz="2800" baseline="30000" dirty="0">
+              <a:solidFill>
+                <a:srgbClr val="000000"/>
+              </a:solidFill>
+              <a:latin typeface="Arial" panose="020B0604020202020204" pitchFamily="34" charset="0"/>
+            </a:endParaRPr>
+          </a:p>
+          <a:p>
+            <a:pPr algn="just"/>
+            <a:endParaRPr lang="en-US" sz="2800" baseline="30000" dirty="0">
+              <a:solidFill>
+                <a:srgbClr val="000000"/>
+              </a:solidFill>
+              <a:latin typeface="Arial" panose="020B0604020202020204" pitchFamily="34" charset="0"/>
+            </a:endParaRPr>
+          </a:p>
+          <a:p>
+            <a:pPr algn="just"/>
+            <a:endParaRPr lang="en-US" sz="2800" baseline="30000" dirty="0">
+              <a:solidFill>
+                <a:srgbClr val="000000"/>
+              </a:solidFill>
+              <a:latin typeface="Arial" panose="020B0604020202020204" pitchFamily="34" charset="0"/>
+            </a:endParaRPr>
+          </a:p>
+          <a:p>
+            <a:pPr algn="just"/>
+            <a:endParaRPr lang="en-US" sz="2800" baseline="30000" dirty="0">
+              <a:solidFill>
+                <a:srgbClr val="000000"/>
+              </a:solidFill>
+              <a:latin typeface="Arial" panose="020B0604020202020204" pitchFamily="34" charset="0"/>
+            </a:endParaRPr>
+          </a:p>
+          <a:p>
+            <a:pPr algn="just"/>
+            <a:endParaRPr lang="en-US" sz="2800" baseline="30000" dirty="0">
+              <a:solidFill>
+                <a:srgbClr val="000000"/>
+              </a:solidFill>
+              <a:latin typeface="Arial" panose="020B0604020202020204" pitchFamily="34" charset="0"/>
+            </a:endParaRPr>
+          </a:p>
+          <a:p>
+            <a:pPr algn="just"/>
+            <a:endParaRPr lang="en-US" sz="2800" baseline="30000" dirty="0">
+              <a:solidFill>
+                <a:srgbClr val="000000"/>
+              </a:solidFill>
+              <a:latin typeface="Arial" panose="020B0604020202020204" pitchFamily="34" charset="0"/>
+            </a:endParaRPr>
+          </a:p>
+          <a:p>
+            <a:pPr algn="just"/>
+            <a:endParaRPr lang="en-US" sz="2800" baseline="30000" dirty="0">
+              <a:solidFill>
+                <a:srgbClr val="000000"/>
+              </a:solidFill>
+              <a:latin typeface="Arial" panose="020B0604020202020204" pitchFamily="34" charset="0"/>
+            </a:endParaRPr>
+          </a:p>
+          <a:p>
+            <a:pPr algn="just"/>
+            <a:endParaRPr lang="en-US" sz="2800" baseline="30000" dirty="0">
+              <a:solidFill>
+                <a:srgbClr val="000000"/>
+              </a:solidFill>
+              <a:latin typeface="Arial" panose="020B0604020202020204" pitchFamily="34" charset="0"/>
+            </a:endParaRPr>
+          </a:p>
+          <a:p>
+            <a:pPr algn="just"/>
+            <a:endParaRPr lang="en-US" sz="2800" baseline="30000" dirty="0">
+              <a:solidFill>
+                <a:srgbClr val="000000"/>
+              </a:solidFill>
+              <a:latin typeface="Arial" panose="020B0604020202020204" pitchFamily="34" charset="0"/>
+            </a:endParaRPr>
+          </a:p>
+          <a:p>
+            <a:pPr algn="just"/>
+            <a:endParaRPr lang="en-US" sz="2800" baseline="30000" dirty="0">
+              <a:solidFill>
+                <a:srgbClr val="000000"/>
+              </a:solidFill>
+              <a:latin typeface="Arial" panose="020B0604020202020204" pitchFamily="34" charset="0"/>
+            </a:endParaRPr>
+          </a:p>
+          <a:p>
+            <a:pPr algn="just"/>
+            <a:endParaRPr lang="en-US" sz="2800" baseline="30000" dirty="0">
+              <a:solidFill>
+                <a:srgbClr val="000000"/>
+              </a:solidFill>
+              <a:latin typeface="Arial" panose="020B0604020202020204" pitchFamily="34" charset="0"/>
+            </a:endParaRPr>
+          </a:p>
+          <a:p>
+            <a:pPr algn="just"/>
+            <a:endParaRPr lang="en-US" sz="2800" baseline="30000" dirty="0">
+              <a:solidFill>
+                <a:srgbClr val="000000"/>
+              </a:solidFill>
+              <a:latin typeface="Arial" panose="020B0604020202020204" pitchFamily="34" charset="0"/>
+            </a:endParaRPr>
+          </a:p>
+          <a:p>
+            <a:pPr algn="just"/>
+            <a:endParaRPr lang="en-US" sz="2800" baseline="30000" dirty="0">
+              <a:solidFill>
+                <a:srgbClr val="000000"/>
+              </a:solidFill>
+              <a:latin typeface="Arial" panose="020B0604020202020204" pitchFamily="34" charset="0"/>
+            </a:endParaRPr>
+          </a:p>
+          <a:p>
+            <a:pPr algn="just"/>
+            <a:endParaRPr lang="en-US" sz="2800" baseline="30000" dirty="0">
+              <a:solidFill>
+                <a:srgbClr val="000000"/>
+              </a:solidFill>
+              <a:latin typeface="Arial" panose="020B0604020202020204" pitchFamily="34" charset="0"/>
+            </a:endParaRPr>
+          </a:p>
+          <a:p>
+            <a:pPr algn="just"/>
+            <a:endParaRPr lang="en-US" sz="2800" baseline="30000" dirty="0">
+              <a:solidFill>
+                <a:srgbClr val="000000"/>
+              </a:solidFill>
+              <a:latin typeface="Arial" panose="020B0604020202020204" pitchFamily="34" charset="0"/>
+            </a:endParaRPr>
+          </a:p>
+          <a:p>
+            <a:pPr algn="just"/>
+            <a:endParaRPr lang="en-US" sz="2800" baseline="30000" dirty="0">
+              <a:solidFill>
+                <a:srgbClr val="000000"/>
+              </a:solidFill>
+              <a:latin typeface="Arial" panose="020B0604020202020204" pitchFamily="34" charset="0"/>
+            </a:endParaRPr>
+          </a:p>
+          <a:p>
+            <a:pPr algn="just"/>
+            <a:endParaRPr lang="en-US" sz="2800" baseline="30000" dirty="0">
+              <a:solidFill>
+                <a:srgbClr val="000000"/>
+              </a:solidFill>
+              <a:latin typeface="Arial" panose="020B0604020202020204" pitchFamily="34" charset="0"/>
+            </a:endParaRPr>
+          </a:p>
+          <a:p>
+            <a:pPr algn="just"/>
+            <a:endParaRPr lang="en-US" sz="2800" baseline="30000" dirty="0">
+              <a:solidFill>
+                <a:srgbClr val="000000"/>
+              </a:solidFill>
+              <a:latin typeface="Arial" panose="020B0604020202020204" pitchFamily="34" charset="0"/>
+            </a:endParaRPr>
+          </a:p>
+          <a:p>
+            <a:pPr algn="just"/>
+            <a:endParaRPr lang="en-US" sz="2800" baseline="30000" dirty="0">
+              <a:solidFill>
+                <a:srgbClr val="000000"/>
+              </a:solidFill>
+              <a:latin typeface="Arial" panose="020B0604020202020204" pitchFamily="34" charset="0"/>
+            </a:endParaRPr>
+          </a:p>
+          <a:p>
+            <a:pPr algn="just"/>
+            <a:endParaRPr lang="en-US" sz="2800" baseline="-25000" dirty="0">
+              <a:solidFill>
+                <a:srgbClr val="000000"/>
+              </a:solidFill>
+              <a:latin typeface="Arial" panose="020B0604020202020204" pitchFamily="34" charset="0"/>
+            </a:endParaRPr>
+          </a:p>
+          <a:p>
+            <a:pPr algn="ctr"/>
+            <a:r>
+              <a:rPr lang="en-US" sz="2800" b="1" dirty="0">
+                <a:solidFill>
+                  <a:srgbClr val="000000"/>
+                </a:solidFill>
+              </a:rPr>
+              <a:t>Figure 1:</a:t>
+            </a:r>
+            <a:r>
+              <a:rPr lang="en-US" sz="2800" dirty="0">
+                <a:solidFill>
+                  <a:srgbClr val="000000"/>
+                </a:solidFill>
+              </a:rPr>
+              <a:t> Operations of </a:t>
+            </a:r>
+            <a:r>
+              <a:rPr lang="en-US" sz="2800" dirty="0"/>
+              <a:t>elements of </a:t>
+            </a:r>
+            <a:r>
+              <a:rPr lang="en-US" sz="2800" dirty="0">
                 <a:solidFill>
                   <a:srgbClr val="000000"/>
                 </a:solidFill>
@@ -6472,7 +6324,43 @@
               <a:t>x</a:t>
             </a:r>
             <a:r>
-              <a:rPr lang="en-US" sz="2800" baseline="30000" dirty="0" smtClean="0">
+              <a:rPr lang="en-US" sz="2800" baseline="30000" dirty="0">
+                <a:solidFill>
+                  <a:srgbClr val="000000"/>
+                </a:solidFill>
+                <a:latin typeface="Arial" panose="020B0604020202020204" pitchFamily="34" charset="0"/>
+              </a:rPr>
+              <a:t>3</a:t>
+            </a:r>
+            <a:r>
+              <a:rPr lang="en-US" sz="2800" dirty="0">
+                <a:solidFill>
+                  <a:srgbClr val="000000"/>
+                </a:solidFill>
+                <a:latin typeface="Arial" panose="020B0604020202020204" pitchFamily="34" charset="0"/>
+              </a:rPr>
+              <a:t> + x</a:t>
+            </a:r>
+            <a:r>
+              <a:rPr lang="en-US" sz="2800" baseline="30000" dirty="0">
+                <a:solidFill>
+                  <a:srgbClr val="000000"/>
+                </a:solidFill>
+                <a:latin typeface="Arial" panose="020B0604020202020204" pitchFamily="34" charset="0"/>
+              </a:rPr>
+              <a:t>2</a:t>
+            </a:r>
+            <a:r>
+              <a:rPr lang="en-US" sz="2800" dirty="0">
+                <a:solidFill>
+                  <a:srgbClr val="000000"/>
+                </a:solidFill>
+                <a:latin typeface="Arial" panose="020B0604020202020204" pitchFamily="34" charset="0"/>
+              </a:rPr>
+              <a:t> + x</a:t>
+            </a:r>
+            <a:r>
+              <a:rPr lang="en-US" sz="2800" baseline="30000" dirty="0">
                 <a:solidFill>
                   <a:srgbClr val="000000"/>
                 </a:solidFill>
@@ -6501,7 +6389,7 @@
           </a:p>
           <a:p>
             <a:pPr algn="ctr"/>
-            <a:endParaRPr lang="en-US" sz="2800" dirty="0" smtClean="0"/>
+            <a:endParaRPr lang="en-US" sz="2800" dirty="0"/>
           </a:p>
           <a:p>
             <a:pPr algn="ctr"/>
@@ -6530,7 +6418,7 @@
           <a:p>
             <a:pPr algn="ctr"/>
             <a:r>
-              <a:rPr lang="en-US" sz="3200" b="1" dirty="0" smtClean="0">
+              <a:rPr lang="en-US" sz="3200" b="1" dirty="0">
                 <a:solidFill>
                   <a:schemeClr val="bg1"/>
                 </a:solidFill>
@@ -6540,7 +6428,7 @@
           </a:p>
           <a:p>
             <a:pPr algn="just"/>
-            <a:endParaRPr lang="en-US" sz="2800" b="1" dirty="0" smtClean="0">
+            <a:endParaRPr lang="en-US" sz="2800" b="1" dirty="0">
               <a:solidFill>
                 <a:schemeClr val="bg1"/>
               </a:solidFill>
@@ -6550,7 +6438,7 @@
           <a:p>
             <a:pPr algn="just"/>
             <a:r>
-              <a:rPr lang="en-US" sz="2800" dirty="0" smtClean="0">
+              <a:rPr lang="en-US" sz="2800" dirty="0">
                 <a:solidFill>
                   <a:srgbClr val="000000"/>
                 </a:solidFill>
@@ -6561,7 +6449,7 @@
           </a:p>
           <a:p>
             <a:pPr algn="just"/>
-            <a:endParaRPr lang="en-US" sz="2800" dirty="0" smtClean="0">
+            <a:endParaRPr lang="en-US" sz="2800" dirty="0">
               <a:solidFill>
                 <a:srgbClr val="000000"/>
               </a:solidFill>
@@ -6571,7 +6459,7 @@
           <a:p>
             <a:pPr algn="ctr"/>
             <a:r>
-              <a:rPr lang="en-US" sz="3200" b="1" dirty="0" smtClean="0">
+              <a:rPr lang="en-US" sz="3200" b="1" dirty="0">
                 <a:solidFill>
                   <a:schemeClr val="bg1"/>
                 </a:solidFill>
@@ -6581,7 +6469,7 @@
           </a:p>
           <a:p>
             <a:pPr algn="ctr"/>
-            <a:endParaRPr lang="en-US" sz="2800" b="1" dirty="0" smtClean="0">
+            <a:endParaRPr lang="en-US" sz="2800" b="1" dirty="0">
               <a:solidFill>
                 <a:schemeClr val="bg1"/>
               </a:solidFill>
@@ -6594,7 +6482,7 @@
               <a:buChar char="§"/>
             </a:pPr>
             <a:r>
-              <a:rPr lang="en-US" sz="2800" dirty="0" smtClean="0">
+              <a:rPr lang="en-US" sz="2800" dirty="0">
                 <a:solidFill>
                   <a:srgbClr val="000000"/>
                 </a:solidFill>
@@ -6615,7 +6503,7 @@
               <a:buChar char="§"/>
             </a:pPr>
             <a:r>
-              <a:rPr lang="en-US" sz="2800" dirty="0" smtClean="0">
+              <a:rPr lang="en-US" sz="2800" dirty="0">
                 <a:solidFill>
                   <a:srgbClr val="000000"/>
                 </a:solidFill>
@@ -6636,22 +6524,13 @@
               <a:buChar char="§"/>
             </a:pPr>
             <a:r>
-              <a:rPr lang="en-US" sz="2800" dirty="0" smtClean="0">
-                <a:solidFill>
-                  <a:srgbClr val="000000"/>
-                </a:solidFill>
-                <a:latin typeface="Arial" panose="020B0604020202020204" pitchFamily="34" charset="0"/>
-              </a:rPr>
-              <a:t>Capability </a:t>
-            </a:r>
-            <a:r>
               <a:rPr lang="en-US" sz="2800" dirty="0">
                 <a:solidFill>
                   <a:srgbClr val="000000"/>
                 </a:solidFill>
                 <a:latin typeface="Arial" panose="020B0604020202020204" pitchFamily="34" charset="0"/>
               </a:rPr>
-              <a:t>of design limited only by external memory capacity</a:t>
+              <a:t>Capability of design limited only by external memory capacity</a:t>
             </a:r>
           </a:p>
           <a:p>
@@ -6675,16 +6554,7 @@
                 </a:solidFill>
                 <a:latin typeface="Arial" panose="020B0604020202020204" pitchFamily="34" charset="0"/>
               </a:rPr>
-              <a:t>&lt;BRIAN</a:t>
-            </a:r>
-            <a:r>
-              <a:rPr lang="en-US" sz="2800" b="1" dirty="0" smtClean="0">
-                <a:solidFill>
-                  <a:srgbClr val="000000"/>
-                </a:solidFill>
-                <a:latin typeface="Arial" panose="020B0604020202020204" pitchFamily="34" charset="0"/>
-              </a:rPr>
-              <a:t>&gt;</a:t>
+              <a:t>&lt;BRIAN&gt;</a:t>
             </a:r>
           </a:p>
           <a:p>
@@ -6707,15 +6577,7 @@
                   <a:schemeClr val="bg1"/>
                 </a:solidFill>
               </a:rPr>
-              <a:t>Prototype Design </a:t>
-            </a:r>
-            <a:r>
-              <a:rPr lang="en-US" sz="3200" b="1" dirty="0" smtClean="0">
-                <a:solidFill>
-                  <a:schemeClr val="bg1"/>
-                </a:solidFill>
-              </a:rPr>
-              <a:t>Specification</a:t>
+              <a:t>Prototype Design Specification</a:t>
             </a:r>
             <a:endParaRPr lang="en-US" sz="3200" b="1" dirty="0">
               <a:solidFill>
@@ -6761,16 +6623,7 @@
                 </a:solidFill>
                 <a:latin typeface="Arial" panose="020B0604020202020204" pitchFamily="34" charset="0"/>
               </a:rPr>
-              <a:t>Budget under $</a:t>
-            </a:r>
-            <a:r>
-              <a:rPr lang="en-US" sz="2800" dirty="0" smtClean="0">
-                <a:solidFill>
-                  <a:srgbClr val="000000"/>
-                </a:solidFill>
-                <a:latin typeface="Arial" panose="020B0604020202020204" pitchFamily="34" charset="0"/>
-              </a:rPr>
-              <a:t>400.</a:t>
+              <a:t>Budget under $400.</a:t>
             </a:r>
           </a:p>
           <a:p>
@@ -6785,31 +6638,13 @@
               <a:buChar char="§"/>
             </a:pPr>
             <a:r>
-              <a:rPr lang="en-US" sz="2800" dirty="0" smtClean="0">
-                <a:solidFill>
-                  <a:srgbClr val="000000"/>
-                </a:solidFill>
-                <a:latin typeface="Arial" panose="020B0604020202020204" pitchFamily="34" charset="0"/>
-              </a:rPr>
-              <a:t>Cost </a:t>
-            </a:r>
-            <a:r>
               <a:rPr lang="en-US" sz="2800" dirty="0">
                 <a:solidFill>
                   <a:srgbClr val="000000"/>
                 </a:solidFill>
                 <a:latin typeface="Arial" panose="020B0604020202020204" pitchFamily="34" charset="0"/>
               </a:rPr>
-              <a:t>of large scale production less than $1 per </a:t>
-            </a:r>
-            <a:r>
-              <a:rPr lang="en-US" sz="2800" dirty="0" smtClean="0">
-                <a:solidFill>
-                  <a:srgbClr val="000000"/>
-                </a:solidFill>
-                <a:latin typeface="Arial" panose="020B0604020202020204" pitchFamily="34" charset="0"/>
-              </a:rPr>
-              <a:t>chip</a:t>
+              <a:t>Cost of large scale production less than $1 per chip</a:t>
             </a:r>
           </a:p>
           <a:p>
@@ -6824,22 +6659,13 @@
               <a:buChar char="§"/>
             </a:pPr>
             <a:r>
-              <a:rPr lang="en-US" sz="2800" dirty="0" smtClean="0">
-                <a:solidFill>
-                  <a:srgbClr val="000000"/>
-                </a:solidFill>
-                <a:latin typeface="Arial" panose="020B0604020202020204" pitchFamily="34" charset="0"/>
-              </a:rPr>
-              <a:t>Area </a:t>
-            </a:r>
-            <a:r>
               <a:rPr lang="en-US" sz="2800" dirty="0">
                 <a:solidFill>
                   <a:srgbClr val="000000"/>
                 </a:solidFill>
                 <a:latin typeface="Arial" panose="020B0604020202020204" pitchFamily="34" charset="0"/>
               </a:rPr>
-              <a:t>of less than 24 in</a:t>
+              <a:t>Area of less than 24 in</a:t>
             </a:r>
             <a:r>
               <a:rPr lang="en-US" sz="2800" baseline="30000" dirty="0">
@@ -7021,7 +6847,7 @@
           <a:p>
             <a:pPr algn="ctr"/>
             <a:r>
-              <a:rPr lang="en-US" sz="3600" b="1" dirty="0" smtClean="0">
+              <a:rPr lang="en-US" sz="3600" b="1" dirty="0">
                 <a:solidFill>
                   <a:schemeClr val="bg1"/>
                 </a:solidFill>
@@ -7030,13 +6856,6 @@
               </a:rPr>
               <a:t>Results</a:t>
             </a:r>
-            <a:endParaRPr lang="en-US" sz="3600" b="1" dirty="0">
-              <a:solidFill>
-                <a:schemeClr val="bg1"/>
-              </a:solidFill>
-              <a:latin typeface="Ubuntu" panose="020B0504030602030204" pitchFamily="34" charset="0"/>
-              <a:cs typeface="Arial" panose="020B0604020202020204" pitchFamily="34" charset="0"/>
-            </a:endParaRPr>
           </a:p>
         </p:txBody>
       </p:sp>
@@ -7063,12 +6882,48 @@
             <a:tbl>
               <a:tblPr/>
               <a:tblGrid>
-                <a:gridCol w="1551709"/>
-                <a:gridCol w="1447800"/>
-                <a:gridCol w="1572491"/>
-                <a:gridCol w="1981200"/>
-                <a:gridCol w="1447800"/>
-                <a:gridCol w="1544903"/>
+                <a:gridCol w="1551709">
+                  <a:extLst>
+                    <a:ext uri="{9D8B030D-6E8A-4147-A177-3AD203B41FA5}">
+                      <a16:colId xmlns:a16="http://schemas.microsoft.com/office/drawing/2014/main" val="20000"/>
+                    </a:ext>
+                  </a:extLst>
+                </a:gridCol>
+                <a:gridCol w="1447800">
+                  <a:extLst>
+                    <a:ext uri="{9D8B030D-6E8A-4147-A177-3AD203B41FA5}">
+                      <a16:colId xmlns:a16="http://schemas.microsoft.com/office/drawing/2014/main" val="20001"/>
+                    </a:ext>
+                  </a:extLst>
+                </a:gridCol>
+                <a:gridCol w="1572491">
+                  <a:extLst>
+                    <a:ext uri="{9D8B030D-6E8A-4147-A177-3AD203B41FA5}">
+                      <a16:colId xmlns:a16="http://schemas.microsoft.com/office/drawing/2014/main" val="20002"/>
+                    </a:ext>
+                  </a:extLst>
+                </a:gridCol>
+                <a:gridCol w="1981200">
+                  <a:extLst>
+                    <a:ext uri="{9D8B030D-6E8A-4147-A177-3AD203B41FA5}">
+                      <a16:colId xmlns:a16="http://schemas.microsoft.com/office/drawing/2014/main" val="20003"/>
+                    </a:ext>
+                  </a:extLst>
+                </a:gridCol>
+                <a:gridCol w="1447800">
+                  <a:extLst>
+                    <a:ext uri="{9D8B030D-6E8A-4147-A177-3AD203B41FA5}">
+                      <a16:colId xmlns:a16="http://schemas.microsoft.com/office/drawing/2014/main" val="20004"/>
+                    </a:ext>
+                  </a:extLst>
+                </a:gridCol>
+                <a:gridCol w="1544903">
+                  <a:extLst>
+                    <a:ext uri="{9D8B030D-6E8A-4147-A177-3AD203B41FA5}">
+                      <a16:colId xmlns:a16="http://schemas.microsoft.com/office/drawing/2014/main" val="20005"/>
+                    </a:ext>
+                  </a:extLst>
+                </a:gridCol>
               </a:tblGrid>
               <a:tr h="653454">
                 <a:tc>
@@ -7557,6 +7412,11 @@
                     </a:solidFill>
                   </a:tcPr>
                 </a:tc>
+                <a:extLst>
+                  <a:ext uri="{0D108BD9-81ED-4DB2-BD59-A6C34878D82A}">
+                    <a16:rowId xmlns:a16="http://schemas.microsoft.com/office/drawing/2014/main" val="10000"/>
+                  </a:ext>
+                </a:extLst>
               </a:tr>
               <a:tr h="621520">
                 <a:tc>
@@ -7573,7 +7433,7 @@
                         </a:spcAft>
                       </a:pPr>
                       <a:r>
-                        <a:rPr lang="en-US" sz="2800" b="0" i="0" u="none" strike="noStrike" dirty="0" smtClean="0">
+                        <a:rPr lang="en-US" sz="2800" b="0" i="0" u="none" strike="noStrike" dirty="0">
                           <a:solidFill>
                             <a:srgbClr val="000000"/>
                           </a:solidFill>
@@ -8027,6 +7887,11 @@
                     </a:lnBlToTr>
                   </a:tcPr>
                 </a:tc>
+                <a:extLst>
+                  <a:ext uri="{0D108BD9-81ED-4DB2-BD59-A6C34878D82A}">
+                    <a16:rowId xmlns:a16="http://schemas.microsoft.com/office/drawing/2014/main" val="10001"/>
+                  </a:ext>
+                </a:extLst>
               </a:tr>
               <a:tr h="621520">
                 <a:tc>
@@ -8519,6 +8384,11 @@
                     </a:lnBlToTr>
                   </a:tcPr>
                 </a:tc>
+                <a:extLst>
+                  <a:ext uri="{0D108BD9-81ED-4DB2-BD59-A6C34878D82A}">
+                    <a16:rowId xmlns:a16="http://schemas.microsoft.com/office/drawing/2014/main" val="10002"/>
+                  </a:ext>
+                </a:extLst>
               </a:tr>
               <a:tr h="621520">
                 <a:tc>
@@ -9022,6 +8892,11 @@
                     </a:lnBlToTr>
                   </a:tcPr>
                 </a:tc>
+                <a:extLst>
+                  <a:ext uri="{0D108BD9-81ED-4DB2-BD59-A6C34878D82A}">
+                    <a16:rowId xmlns:a16="http://schemas.microsoft.com/office/drawing/2014/main" val="10003"/>
+                  </a:ext>
+                </a:extLst>
               </a:tr>
               <a:tr h="621520">
                 <a:tc>
@@ -9525,6 +9400,11 @@
                     </a:lnBlToTr>
                   </a:tcPr>
                 </a:tc>
+                <a:extLst>
+                  <a:ext uri="{0D108BD9-81ED-4DB2-BD59-A6C34878D82A}">
+                    <a16:rowId xmlns:a16="http://schemas.microsoft.com/office/drawing/2014/main" val="10004"/>
+                  </a:ext>
+                </a:extLst>
               </a:tr>
               <a:tr h="621520">
                 <a:tc>
@@ -10039,6 +9919,11 @@
                     </a:lnBlToTr>
                   </a:tcPr>
                 </a:tc>
+                <a:extLst>
+                  <a:ext uri="{0D108BD9-81ED-4DB2-BD59-A6C34878D82A}">
+                    <a16:rowId xmlns:a16="http://schemas.microsoft.com/office/drawing/2014/main" val="10005"/>
+                  </a:ext>
+                </a:extLst>
               </a:tr>
               <a:tr h="626290">
                 <a:tc>
@@ -10575,6 +10460,11 @@
                     </a:lnBlToTr>
                   </a:tcPr>
                 </a:tc>
+                <a:extLst>
+                  <a:ext uri="{0D108BD9-81ED-4DB2-BD59-A6C34878D82A}">
+                    <a16:rowId xmlns:a16="http://schemas.microsoft.com/office/drawing/2014/main" val="10006"/>
+                  </a:ext>
+                </a:extLst>
               </a:tr>
               <a:tr h="621520">
                 <a:tc>
@@ -11089,6 +10979,11 @@
                     </a:lnBlToTr>
                   </a:tcPr>
                 </a:tc>
+                <a:extLst>
+                  <a:ext uri="{0D108BD9-81ED-4DB2-BD59-A6C34878D82A}">
+                    <a16:rowId xmlns:a16="http://schemas.microsoft.com/office/drawing/2014/main" val="10007"/>
+                  </a:ext>
+                </a:extLst>
               </a:tr>
               <a:tr h="621520">
                 <a:tc>
@@ -11614,6 +11509,11 @@
                     </a:lnBlToTr>
                   </a:tcPr>
                 </a:tc>
+                <a:extLst>
+                  <a:ext uri="{0D108BD9-81ED-4DB2-BD59-A6C34878D82A}">
+                    <a16:rowId xmlns:a16="http://schemas.microsoft.com/office/drawing/2014/main" val="10008"/>
+                  </a:ext>
+                </a:extLst>
               </a:tr>
             </a:tbl>
           </a:graphicData>
@@ -11660,7 +11560,7 @@
           <a:p>
             <a:pPr algn="ctr"/>
             <a:r>
-              <a:rPr lang="en-US" sz="3600" b="1" dirty="0" smtClean="0">
+              <a:rPr lang="en-US" sz="3600" b="1" dirty="0">
                 <a:solidFill>
                   <a:schemeClr val="bg1"/>
                 </a:solidFill>
@@ -11686,7 +11586,7 @@
         </p:nvSpPr>
         <p:spPr>
           <a:xfrm>
-            <a:off x="13130769" y="4391204"/>
+            <a:off x="13159536" y="4267200"/>
             <a:ext cx="10407230" cy="23421796"/>
           </a:xfrm>
           <a:prstGeom prst="rect">
@@ -11707,14 +11607,6 @@
             </a:endParaRPr>
           </a:p>
           <a:p>
-            <a:endParaRPr lang="en-US" sz="2800" dirty="0" smtClean="0">
-              <a:solidFill>
-                <a:srgbClr val="000000"/>
-              </a:solidFill>
-              <a:latin typeface="+mn-lt"/>
-            </a:endParaRPr>
-          </a:p>
-          <a:p>
             <a:endParaRPr lang="en-US" sz="2800" dirty="0">
               <a:solidFill>
                 <a:srgbClr val="000000"/>
@@ -11723,14 +11615,6 @@
             </a:endParaRPr>
           </a:p>
           <a:p>
-            <a:endParaRPr lang="en-US" sz="2800" dirty="0" smtClean="0">
-              <a:solidFill>
-                <a:srgbClr val="000000"/>
-              </a:solidFill>
-              <a:latin typeface="+mn-lt"/>
-            </a:endParaRPr>
-          </a:p>
-          <a:p>
             <a:endParaRPr lang="en-US" sz="2800" dirty="0">
               <a:solidFill>
                 <a:srgbClr val="000000"/>
@@ -11739,14 +11623,6 @@
             </a:endParaRPr>
           </a:p>
           <a:p>
-            <a:endParaRPr lang="en-US" sz="2800" dirty="0" smtClean="0">
-              <a:solidFill>
-                <a:srgbClr val="000000"/>
-              </a:solidFill>
-              <a:latin typeface="+mn-lt"/>
-            </a:endParaRPr>
-          </a:p>
-          <a:p>
             <a:endParaRPr lang="en-US" sz="2800" dirty="0">
               <a:solidFill>
                 <a:srgbClr val="000000"/>
@@ -11755,14 +11631,6 @@
             </a:endParaRPr>
           </a:p>
           <a:p>
-            <a:endParaRPr lang="en-US" sz="2800" dirty="0" smtClean="0">
-              <a:solidFill>
-                <a:srgbClr val="000000"/>
-              </a:solidFill>
-              <a:latin typeface="+mn-lt"/>
-            </a:endParaRPr>
-          </a:p>
-          <a:p>
             <a:endParaRPr lang="en-US" sz="2800" dirty="0">
               <a:solidFill>
                 <a:srgbClr val="000000"/>
@@ -11779,34 +11647,52 @@
             </a:endParaRPr>
           </a:p>
           <a:p>
+            <a:endParaRPr lang="en-US" sz="2800" dirty="0">
+              <a:solidFill>
+                <a:srgbClr val="000000"/>
+              </a:solidFill>
+              <a:latin typeface="+mn-lt"/>
+            </a:endParaRPr>
+          </a:p>
+          <a:p>
+            <a:endParaRPr lang="en-US" sz="2800" dirty="0">
+              <a:solidFill>
+                <a:srgbClr val="000000"/>
+              </a:solidFill>
+              <a:latin typeface="+mn-lt"/>
+            </a:endParaRPr>
+          </a:p>
+          <a:p>
+            <a:endParaRPr lang="en-US" sz="2800" dirty="0">
+              <a:solidFill>
+                <a:srgbClr val="000000"/>
+              </a:solidFill>
+              <a:latin typeface="+mn-lt"/>
+            </a:endParaRPr>
+          </a:p>
+          <a:p>
+            <a:endParaRPr lang="en-US" sz="2800" dirty="0">
+              <a:solidFill>
+                <a:srgbClr val="000000"/>
+              </a:solidFill>
+              <a:latin typeface="+mn-lt"/>
+            </a:endParaRPr>
+          </a:p>
+          <a:p>
             <a:pPr algn="ctr"/>
             <a:r>
               <a:rPr lang="en-US" sz="2800" b="1" dirty="0">
                 <a:latin typeface="Arial" panose="020B0604020202020204" pitchFamily="34" charset="0"/>
                 <a:cs typeface="Arial" panose="020B0604020202020204" pitchFamily="34" charset="0"/>
               </a:rPr>
-              <a:t>Figure </a:t>
-            </a:r>
-            <a:r>
-              <a:rPr lang="en-US" sz="2800" b="1" dirty="0" smtClean="0">
-                <a:latin typeface="Arial" panose="020B0604020202020204" pitchFamily="34" charset="0"/>
-                <a:cs typeface="Arial" panose="020B0604020202020204" pitchFamily="34" charset="0"/>
-              </a:rPr>
-              <a:t>3: </a:t>
+              <a:t>Figure 3: </a:t>
             </a:r>
             <a:r>
               <a:rPr lang="en-US" sz="2800" dirty="0">
                 <a:latin typeface="Arial" panose="020B0604020202020204" pitchFamily="34" charset="0"/>
                 <a:cs typeface="Arial" panose="020B0604020202020204" pitchFamily="34" charset="0"/>
               </a:rPr>
-              <a:t>Functional Flow </a:t>
-            </a:r>
-            <a:r>
-              <a:rPr lang="en-US" sz="2800" dirty="0" smtClean="0">
-                <a:latin typeface="Arial" panose="020B0604020202020204" pitchFamily="34" charset="0"/>
-                <a:cs typeface="Arial" panose="020B0604020202020204" pitchFamily="34" charset="0"/>
-              </a:rPr>
-              <a:t>Diagram</a:t>
+              <a:t>Functional Flow Diagram</a:t>
             </a:r>
           </a:p>
           <a:p>
@@ -11818,7 +11704,7 @@
           </a:p>
           <a:p>
             <a:pPr algn="ctr"/>
-            <a:endParaRPr lang="en-US" sz="2800" dirty="0" smtClean="0">
+            <a:endParaRPr lang="en-US" sz="2800" dirty="0">
               <a:latin typeface="Arial" panose="020B0604020202020204" pitchFamily="34" charset="0"/>
               <a:cs typeface="Arial" panose="020B0604020202020204" pitchFamily="34" charset="0"/>
             </a:endParaRPr>
@@ -11832,7 +11718,7 @@
           </a:p>
           <a:p>
             <a:pPr algn="ctr"/>
-            <a:endParaRPr lang="en-US" sz="2800" dirty="0" smtClean="0">
+            <a:endParaRPr lang="en-US" sz="2800" dirty="0">
               <a:latin typeface="Arial" panose="020B0604020202020204" pitchFamily="34" charset="0"/>
               <a:cs typeface="Arial" panose="020B0604020202020204" pitchFamily="34" charset="0"/>
             </a:endParaRPr>
@@ -11846,7 +11732,7 @@
           </a:p>
           <a:p>
             <a:pPr algn="ctr"/>
-            <a:endParaRPr lang="en-US" sz="2800" dirty="0" smtClean="0">
+            <a:endParaRPr lang="en-US" sz="2800" dirty="0">
               <a:latin typeface="Arial" panose="020B0604020202020204" pitchFamily="34" charset="0"/>
               <a:cs typeface="Arial" panose="020B0604020202020204" pitchFamily="34" charset="0"/>
             </a:endParaRPr>
@@ -11860,7 +11746,7 @@
           </a:p>
           <a:p>
             <a:pPr algn="ctr"/>
-            <a:endParaRPr lang="en-US" sz="2800" dirty="0" smtClean="0">
+            <a:endParaRPr lang="en-US" sz="2800" dirty="0">
               <a:latin typeface="Arial" panose="020B0604020202020204" pitchFamily="34" charset="0"/>
               <a:cs typeface="Arial" panose="020B0604020202020204" pitchFamily="34" charset="0"/>
             </a:endParaRPr>
@@ -11874,7 +11760,7 @@
           </a:p>
           <a:p>
             <a:pPr algn="ctr"/>
-            <a:endParaRPr lang="en-US" sz="2800" dirty="0" smtClean="0">
+            <a:endParaRPr lang="en-US" sz="2800" dirty="0">
               <a:latin typeface="Arial" panose="020B0604020202020204" pitchFamily="34" charset="0"/>
               <a:cs typeface="Arial" panose="020B0604020202020204" pitchFamily="34" charset="0"/>
             </a:endParaRPr>
@@ -11888,7 +11774,7 @@
           </a:p>
           <a:p>
             <a:pPr algn="ctr"/>
-            <a:endParaRPr lang="en-US" sz="2800" dirty="0" smtClean="0">
+            <a:endParaRPr lang="en-US" sz="2800" dirty="0">
               <a:latin typeface="Arial" panose="020B0604020202020204" pitchFamily="34" charset="0"/>
               <a:cs typeface="Arial" panose="020B0604020202020204" pitchFamily="34" charset="0"/>
             </a:endParaRPr>
@@ -11902,7 +11788,7 @@
           </a:p>
           <a:p>
             <a:pPr algn="ctr"/>
-            <a:endParaRPr lang="en-US" sz="2800" dirty="0" smtClean="0">
+            <a:endParaRPr lang="en-US" sz="2800" dirty="0">
               <a:latin typeface="Arial" panose="020B0604020202020204" pitchFamily="34" charset="0"/>
               <a:cs typeface="Arial" panose="020B0604020202020204" pitchFamily="34" charset="0"/>
             </a:endParaRPr>
@@ -11923,7 +11809,7 @@
           </a:p>
           <a:p>
             <a:pPr algn="ctr"/>
-            <a:endParaRPr lang="en-US" sz="2800" dirty="0" smtClean="0">
+            <a:endParaRPr lang="en-US" sz="2800" dirty="0">
               <a:latin typeface="Arial" panose="020B0604020202020204" pitchFamily="34" charset="0"/>
               <a:cs typeface="Arial" panose="020B0604020202020204" pitchFamily="34" charset="0"/>
             </a:endParaRPr>
@@ -11937,25 +11823,7 @@
                 </a:solidFill>
                 <a:latin typeface="Arial" panose="020B0604020202020204" pitchFamily="34" charset="0"/>
               </a:rPr>
-              <a:t> Figure </a:t>
-            </a:r>
-            <a:r>
-              <a:rPr lang="en-US" sz="2800" b="1" dirty="0" smtClean="0">
-                <a:solidFill>
-                  <a:srgbClr val="000000"/>
-                </a:solidFill>
-                <a:latin typeface="Arial" panose="020B0604020202020204" pitchFamily="34" charset="0"/>
-              </a:rPr>
-              <a:t>4: </a:t>
-            </a:r>
-            <a:r>
-              <a:rPr lang="en-US" sz="2800" dirty="0" smtClean="0">
-                <a:solidFill>
-                  <a:srgbClr val="000000"/>
-                </a:solidFill>
-                <a:latin typeface="Arial" panose="020B0604020202020204" pitchFamily="34" charset="0"/>
-              </a:rPr>
-              <a:t>High Level </a:t>
+              <a:t> Figure 4: </a:t>
             </a:r>
             <a:r>
               <a:rPr lang="en-US" sz="2800" dirty="0">
@@ -11964,17 +11832,11 @@
                 </a:solidFill>
                 <a:latin typeface="Arial" panose="020B0604020202020204" pitchFamily="34" charset="0"/>
               </a:rPr>
-              <a:t>Block </a:t>
+              <a:t>High Level Block Schematic</a:t>
             </a:r>
-            <a:r>
-              <a:rPr lang="en-US" sz="2800" dirty="0" smtClean="0">
-                <a:solidFill>
-                  <a:srgbClr val="000000"/>
-                </a:solidFill>
-                <a:latin typeface="Arial" panose="020B0604020202020204" pitchFamily="34" charset="0"/>
-              </a:rPr>
-              <a:t>Schematic</a:t>
-            </a:r>
+          </a:p>
+          <a:p>
+            <a:pPr algn="ctr"/>
             <a:endParaRPr lang="en-US" sz="2800" dirty="0">
               <a:solidFill>
                 <a:srgbClr val="000000"/>
@@ -11984,17 +11846,8 @@
           </a:p>
           <a:p>
             <a:pPr algn="ctr"/>
-            <a:endParaRPr lang="en-US" sz="2800" dirty="0" smtClean="0">
-              <a:solidFill>
-                <a:srgbClr val="000000"/>
-              </a:solidFill>
-              <a:latin typeface="Arial" panose="020B0604020202020204" pitchFamily="34" charset="0"/>
-            </a:endParaRPr>
-          </a:p>
-          <a:p>
-            <a:pPr algn="ctr"/>
             <a:r>
-              <a:rPr lang="en-US" sz="3200" b="1" dirty="0" smtClean="0">
+              <a:rPr lang="en-US" sz="3200" b="1" dirty="0">
                 <a:solidFill>
                   <a:srgbClr val="006435"/>
                 </a:solidFill>
@@ -12237,16 +12090,7 @@
                 </a:solidFill>
                 <a:latin typeface="Arial" panose="020B0604020202020204" pitchFamily="34" charset="0"/>
               </a:rPr>
-              <a:t>Determines operations requested through </a:t>
-            </a:r>
-            <a:r>
-              <a:rPr lang="en-US" sz="2800" dirty="0" smtClean="0">
-                <a:solidFill>
-                  <a:srgbClr val="000000"/>
-                </a:solidFill>
-                <a:latin typeface="Arial" panose="020B0604020202020204" pitchFamily="34" charset="0"/>
-              </a:rPr>
-              <a:t>6-bit opcode</a:t>
+              <a:t>Determines operations requested through 6-bit opcode</a:t>
             </a:r>
           </a:p>
           <a:p>
@@ -12321,20 +12165,14 @@
               <a:buChar char="§"/>
             </a:pPr>
             <a:r>
-              <a:rPr lang="en-US" sz="2800" dirty="0" err="1">
+              <a:rPr lang="en-US" sz="2800" dirty="0">
                 <a:solidFill>
                   <a:srgbClr val="000000"/>
                 </a:solidFill>
                 <a:latin typeface="Arial" panose="020B0604020202020204" pitchFamily="34" charset="0"/>
               </a:rPr>
-              <a:t>Afsdfs</a:t>
+              <a:t>Handles all communication between GFAU and external device</a:t>
             </a:r>
-            <a:endParaRPr lang="en-US" sz="2800" dirty="0">
-              <a:solidFill>
-                <a:srgbClr val="000000"/>
-              </a:solidFill>
-              <a:latin typeface="Arial" panose="020B0604020202020204" pitchFamily="34" charset="0"/>
-            </a:endParaRPr>
           </a:p>
           <a:p>
             <a:pPr marL="914400" lvl="1" indent="-457200">
@@ -12348,40 +12186,22 @@
               <a:buChar char="§"/>
             </a:pPr>
             <a:r>
-              <a:rPr lang="en-US" sz="2800" dirty="0" err="1" smtClean="0">
+              <a:rPr lang="en-US" sz="2800" dirty="0" err="1">
                 <a:solidFill>
                   <a:srgbClr val="000000"/>
                 </a:solidFill>
                 <a:latin typeface="Arial" panose="020B0604020202020204" pitchFamily="34" charset="0"/>
               </a:rPr>
-              <a:t>Asffds</a:t>
+              <a:t>Asychronous</a:t>
             </a:r>
-            <a:endParaRPr lang="en-US" sz="2800" dirty="0" smtClean="0">
-              <a:solidFill>
-                <a:srgbClr val="000000"/>
-              </a:solidFill>
-              <a:latin typeface="Arial" panose="020B0604020202020204" pitchFamily="34" charset="0"/>
-            </a:endParaRPr>
-          </a:p>
-          <a:p>
-            <a:pPr marL="914400" lvl="1" indent="-457200">
-              <a:spcBef>
-                <a:spcPts val="0"/>
-              </a:spcBef>
-              <a:spcAft>
-                <a:spcPts val="0"/>
-              </a:spcAft>
-              <a:buFont typeface="Wingdings" panose="05000000000000000000" pitchFamily="2" charset="2"/>
-              <a:buChar char="§"/>
-            </a:pPr>
             <a:r>
-              <a:rPr lang="en-US" sz="2800" dirty="0" smtClean="0">
+              <a:rPr lang="en-US" sz="2800" dirty="0">
                 <a:solidFill>
                   <a:srgbClr val="000000"/>
                 </a:solidFill>
                 <a:latin typeface="Arial" panose="020B0604020202020204" pitchFamily="34" charset="0"/>
               </a:rPr>
-              <a:t>f</a:t>
+              <a:t> parallel protocol and scalable IO bus make communication fast and flexible</a:t>
             </a:r>
           </a:p>
           <a:p>
@@ -12423,23 +12243,8 @@
                 </a:solidFill>
                 <a:latin typeface="Arial" panose="020B0604020202020204" pitchFamily="34" charset="0"/>
               </a:rPr>
-              <a:t>Handle memory read and write requests from the generator, operators and control </a:t>
+              <a:t>Handle memory read and write requests from the generator, operators and control unit</a:t>
             </a:r>
-            <a:r>
-              <a:rPr lang="en-US" sz="2800" dirty="0" smtClean="0">
-                <a:solidFill>
-                  <a:srgbClr val="000000"/>
-                </a:solidFill>
-                <a:latin typeface="Arial" panose="020B0604020202020204" pitchFamily="34" charset="0"/>
-              </a:rPr>
-              <a:t>unit</a:t>
-            </a:r>
-            <a:endParaRPr lang="en-US" sz="2800" dirty="0">
-              <a:solidFill>
-                <a:srgbClr val="000000"/>
-              </a:solidFill>
-              <a:latin typeface="Arial" panose="020B0604020202020204" pitchFamily="34" charset="0"/>
-            </a:endParaRPr>
           </a:p>
         </p:txBody>
       </p:sp>
@@ -12507,7 +12312,7 @@
         </p:blipFill>
         <p:spPr bwMode="auto">
           <a:xfrm>
-            <a:off x="20116801" y="24074384"/>
+            <a:off x="24843698" y="23741757"/>
             <a:ext cx="3396030" cy="1817517"/>
           </a:xfrm>
           <a:prstGeom prst="rect">
@@ -12566,7 +12371,7 @@
           <a:p>
             <a:pPr algn="ctr"/>
             <a:r>
-              <a:rPr lang="en-US" sz="3600" b="1" dirty="0" smtClean="0">
+              <a:rPr lang="en-US" sz="3600" b="1" dirty="0">
                 <a:solidFill>
                   <a:schemeClr val="bg1"/>
                 </a:solidFill>
@@ -12575,13 +12380,6 @@
               </a:rPr>
               <a:t>Conclusion</a:t>
             </a:r>
-            <a:endParaRPr lang="en-US" sz="3600" b="1" dirty="0">
-              <a:solidFill>
-                <a:schemeClr val="bg1"/>
-              </a:solidFill>
-              <a:latin typeface="Ubuntu" panose="020B0504030602030204" pitchFamily="34" charset="0"/>
-              <a:cs typeface="Arial" panose="020B0604020202020204" pitchFamily="34" charset="0"/>
-            </a:endParaRPr>
           </a:p>
         </p:txBody>
       </p:sp>
@@ -12644,15 +12442,7 @@
               <a:srgbClr val="FFFFFF"/>
             </a:contourClr>
           </a:sp3d>
-          <a:extLst>
-            <a:ext uri="{909E8E84-426E-40DD-AFC4-6F175D3DCCD1}">
-              <a14:hiddenFill xmlns:a14="http://schemas.microsoft.com/office/drawing/2010/main">
-                <a:solidFill>
-                  <a:srgbClr val="FFFFFF"/>
-                </a:solidFill>
-              </a14:hiddenFill>
-            </a:ext>
-          </a:extLst>
+          <a:extLst/>
         </p:spPr>
       </p:pic>
       <p:pic>
@@ -12737,19 +12527,9 @@
                 <a:latin typeface="+mn-lt"/>
                 <a:cs typeface="Times New Roman" panose="02020603050405020304" pitchFamily="18" charset="0"/>
               </a:rPr>
-              <a:t>Galois Field Arithmetic Unit (GFAU</a:t>
+              <a:t>Galois Field Arithmetic Unit (GFAU)</a:t>
             </a:r>
-            <a:r>
-              <a:rPr lang="en-US" sz="4800" b="1" dirty="0" smtClean="0">
-                <a:solidFill>
-                  <a:schemeClr val="bg1"/>
-                </a:solidFill>
-                <a:latin typeface="+mn-lt"/>
-                <a:cs typeface="Times New Roman" panose="02020603050405020304" pitchFamily="18" charset="0"/>
-              </a:rPr>
-              <a:t>)</a:t>
-            </a:r>
-            <a:endParaRPr lang="en-US" sz="1000" b="1" dirty="0" smtClean="0">
+            <a:endParaRPr lang="en-US" sz="1000" b="1" dirty="0">
               <a:solidFill>
                 <a:schemeClr val="bg1"/>
               </a:solidFill>
@@ -12767,19 +12547,9 @@
                 <a:latin typeface="+mn-lt"/>
                 <a:cs typeface="Times New Roman" panose="02020603050405020304" pitchFamily="18" charset="0"/>
               </a:rPr>
-              <a:t> </a:t>
+              <a:t>   </a:t>
             </a:r>
-            <a:r>
-              <a:rPr lang="en-US" sz="1000" b="1" dirty="0" smtClean="0">
-                <a:solidFill>
-                  <a:schemeClr val="bg1"/>
-                </a:solidFill>
-                <a:latin typeface="+mn-lt"/>
-                <a:cs typeface="Times New Roman" panose="02020603050405020304" pitchFamily="18" charset="0"/>
-              </a:rPr>
-              <a:t>  </a:t>
-            </a:r>
-            <a:endParaRPr lang="en-US" sz="4600" dirty="0" smtClean="0">
+            <a:endParaRPr lang="en-US" sz="4600" dirty="0">
               <a:solidFill>
                 <a:schemeClr val="bg1"/>
               </a:solidFill>
@@ -12790,7 +12560,7 @@
           <a:p>
             <a:pPr algn="ctr"/>
             <a:r>
-              <a:rPr lang="en-US" sz="4600" dirty="0" err="1" smtClean="0">
+              <a:rPr lang="en-US" sz="4600" dirty="0" err="1">
                 <a:solidFill>
                   <a:schemeClr val="bg1"/>
                 </a:solidFill>
@@ -12800,16 +12570,6 @@
               <a:t>Sabbir</a:t>
             </a:r>
             <a:r>
-              <a:rPr lang="en-US" sz="4600" dirty="0" smtClean="0">
-                <a:solidFill>
-                  <a:schemeClr val="bg1"/>
-                </a:solidFill>
-                <a:latin typeface="+mn-lt"/>
-                <a:cs typeface="Times New Roman" panose="02020603050405020304" pitchFamily="18" charset="0"/>
-              </a:rPr>
-              <a:t> </a:t>
-            </a:r>
-            <a:r>
               <a:rPr lang="en-US" sz="4600" dirty="0">
                 <a:solidFill>
                   <a:schemeClr val="bg1"/>
@@ -12817,7 +12577,7 @@
                 <a:latin typeface="+mn-lt"/>
                 <a:cs typeface="Times New Roman" panose="02020603050405020304" pitchFamily="18" charset="0"/>
               </a:rPr>
-              <a:t>Ahmed, Jeffrey </a:t>
+              <a:t> Ahmed, Jeffrey </a:t>
             </a:r>
             <a:r>
               <a:rPr lang="en-US" sz="4600" dirty="0" err="1">
@@ -12867,45 +12627,8 @@
                 <a:latin typeface="+mj-lt"/>
                 <a:cs typeface="Times New Roman" panose="02020603050405020304" pitchFamily="18" charset="0"/>
               </a:rPr>
-              <a:t>Department of Computer Science and Electrical Engineering, </a:t>
+              <a:t>Department of Computer Science and Electrical Engineering, University of Maryland, Baltimore County</a:t>
             </a:r>
-            <a:r>
-              <a:rPr lang="en-US" sz="4200" dirty="0" smtClean="0">
-                <a:solidFill>
-                  <a:schemeClr val="bg1"/>
-                </a:solidFill>
-                <a:latin typeface="+mj-lt"/>
-                <a:cs typeface="Times New Roman" panose="02020603050405020304" pitchFamily="18" charset="0"/>
-              </a:rPr>
-              <a:t>University </a:t>
-            </a:r>
-            <a:r>
-              <a:rPr lang="en-US" sz="4200" dirty="0">
-                <a:solidFill>
-                  <a:schemeClr val="bg1"/>
-                </a:solidFill>
-                <a:latin typeface="+mj-lt"/>
-                <a:cs typeface="Times New Roman" panose="02020603050405020304" pitchFamily="18" charset="0"/>
-              </a:rPr>
-              <a:t>of Maryland, Baltimore </a:t>
-            </a:r>
-            <a:r>
-              <a:rPr lang="en-US" sz="4200" dirty="0" smtClean="0">
-                <a:solidFill>
-                  <a:schemeClr val="bg1"/>
-                </a:solidFill>
-                <a:latin typeface="+mj-lt"/>
-                <a:cs typeface="Times New Roman" panose="02020603050405020304" pitchFamily="18" charset="0"/>
-              </a:rPr>
-              <a:t>County</a:t>
-            </a:r>
-            <a:endParaRPr lang="en-US" sz="4200" dirty="0">
-              <a:solidFill>
-                <a:schemeClr val="bg1"/>
-              </a:solidFill>
-              <a:latin typeface="+mj-lt"/>
-              <a:cs typeface="Times New Roman" panose="02020603050405020304" pitchFamily="18" charset="0"/>
-            </a:endParaRPr>
           </a:p>
         </p:txBody>
       </p:sp>
@@ -12973,7 +12696,7 @@
                 <a:buNone/>
                 <a:tabLst/>
               </a:pPr>
-              <a:endParaRPr kumimoji="0" lang="en-US" sz="7500" b="0" i="0" u="none" strike="noStrike" cap="none" normalizeH="0" baseline="0" smtClean="0">
+              <a:endParaRPr kumimoji="0" lang="en-US" sz="7500" b="0" i="0" u="none" strike="noStrike" cap="none" normalizeH="0" baseline="0">
                 <a:ln>
                   <a:noFill/>
                 </a:ln>
@@ -13279,13 +13002,6 @@
   <p:clrMapOvr>
     <a:masterClrMapping/>
   </p:clrMapOvr>
-  <p:timing>
-    <p:tnLst>
-      <p:par>
-        <p:cTn id="1" dur="indefinite" restart="never" nodeType="tmRoot"/>
-      </p:par>
-    </p:tnLst>
-  </p:timing>
 </p:sld>
 </file>
 

--- a/docs/urcad/poster.pptx
+++ b/docs/urcad/poster.pptx
@@ -159,10 +159,6 @@
 </p:presentation>
 </file>
 
-<file path=ppt/revisionInfo.xml><?xml version="1.0" encoding="utf-8"?>
-<p1510:revInfo xmlns:a="http://schemas.openxmlformats.org/drawingml/2006/main" xmlns:r="http://schemas.openxmlformats.org/officeDocument/2006/relationships" xmlns:p1510="http://schemas.microsoft.com/office/powerpoint/2015/10/main"/>
-</file>
-
 <file path=ppt/handoutMasters/handoutMaster1.xml><?xml version="1.0" encoding="utf-8"?>
 <p:handoutMaster xmlns:a="http://schemas.openxmlformats.org/drawingml/2006/main" xmlns:r="http://schemas.openxmlformats.org/officeDocument/2006/relationships" xmlns:p="http://schemas.openxmlformats.org/presentationml/2006/main">
   <p:cSld>
@@ -599,35 +595,35 @@
           <a:p>
             <a:pPr lvl="0"/>
             <a:r>
-              <a:rPr lang="en-US" noProof="0"/>
+              <a:rPr lang="en-US" noProof="0" smtClean="0"/>
               <a:t>Click to edit Master text styles</a:t>
             </a:r>
           </a:p>
           <a:p>
             <a:pPr lvl="1"/>
             <a:r>
-              <a:rPr lang="en-US" noProof="0"/>
+              <a:rPr lang="en-US" noProof="0" smtClean="0"/>
               <a:t>Second level</a:t>
             </a:r>
           </a:p>
           <a:p>
             <a:pPr lvl="2"/>
             <a:r>
-              <a:rPr lang="en-US" noProof="0"/>
+              <a:rPr lang="en-US" noProof="0" smtClean="0"/>
               <a:t>Third level</a:t>
             </a:r>
           </a:p>
           <a:p>
             <a:pPr lvl="3"/>
             <a:r>
-              <a:rPr lang="en-US" noProof="0"/>
+              <a:rPr lang="en-US" noProof="0" smtClean="0"/>
               <a:t>Fourth level</a:t>
             </a:r>
           </a:p>
           <a:p>
             <a:pPr lvl="4"/>
             <a:r>
-              <a:rPr lang="en-US" noProof="0"/>
+              <a:rPr lang="en-US" noProof="0" smtClean="0"/>
               <a:t>Fifth level</a:t>
             </a:r>
           </a:p>
@@ -1038,7 +1034,7 @@
               <a:pPr eaLnBrk="1" hangingPunct="1"/>
               <a:t>1</a:t>
             </a:fld>
-            <a:endParaRPr lang="en-US" sz="1200">
+            <a:endParaRPr lang="en-US" sz="1200" smtClean="0">
               <a:latin typeface="Arial" charset="0"/>
             </a:endParaRPr>
           </a:p>
@@ -1100,7 +1096,7 @@
           <a:lstStyle/>
           <a:p>
             <a:pPr eaLnBrk="1" hangingPunct="1"/>
-            <a:endParaRPr lang="en-US"/>
+            <a:endParaRPr lang="en-US" smtClean="0"/>
           </a:p>
         </p:txBody>
       </p:sp>
@@ -1195,9 +1191,10 @@
           </a:lstStyle>
           <a:p>
             <a:r>
-              <a:rPr lang="en-US"/>
+              <a:rPr lang="en-US" smtClean="0"/>
               <a:t>Click to edit Master subtitle style</a:t>
             </a:r>
+            <a:endParaRPr lang="en-US"/>
           </a:p>
         </p:txBody>
       </p:sp>
@@ -1323,6 +1320,13 @@
   <p:clrMapOvr>
     <a:masterClrMapping/>
   </p:clrMapOvr>
+  <p:timing>
+    <p:tnLst>
+      <p:par>
+        <p:cTn id="1" dur="indefinite" restart="never" nodeType="tmRoot"/>
+      </p:par>
+    </p:tnLst>
+  </p:timing>
 </p:sldLayout>
 </file>
 
@@ -1367,9 +1371,10 @@
           <a:lstStyle/>
           <a:p>
             <a:r>
-              <a:rPr lang="en-US"/>
+              <a:rPr lang="en-US" smtClean="0"/>
               <a:t>Click to edit Master title style</a:t>
             </a:r>
+            <a:endParaRPr lang="en-US"/>
           </a:p>
         </p:txBody>
       </p:sp>
@@ -1398,37 +1403,38 @@
           <a:p>
             <a:pPr lvl="0"/>
             <a:r>
-              <a:rPr lang="en-US"/>
+              <a:rPr lang="en-US" smtClean="0"/>
               <a:t>Click to edit Master text styles</a:t>
             </a:r>
           </a:p>
           <a:p>
             <a:pPr lvl="1"/>
             <a:r>
-              <a:rPr lang="en-US"/>
+              <a:rPr lang="en-US" smtClean="0"/>
               <a:t>Second level</a:t>
             </a:r>
           </a:p>
           <a:p>
             <a:pPr lvl="2"/>
             <a:r>
-              <a:rPr lang="en-US"/>
+              <a:rPr lang="en-US" smtClean="0"/>
               <a:t>Third level</a:t>
             </a:r>
           </a:p>
           <a:p>
             <a:pPr lvl="3"/>
             <a:r>
-              <a:rPr lang="en-US"/>
+              <a:rPr lang="en-US" smtClean="0"/>
               <a:t>Fourth level</a:t>
             </a:r>
           </a:p>
           <a:p>
             <a:pPr lvl="4"/>
             <a:r>
-              <a:rPr lang="en-US"/>
+              <a:rPr lang="en-US" smtClean="0"/>
               <a:t>Fifth level</a:t>
             </a:r>
+            <a:endParaRPr lang="en-US"/>
           </a:p>
         </p:txBody>
       </p:sp>
@@ -1598,9 +1604,10 @@
           <a:lstStyle/>
           <a:p>
             <a:r>
-              <a:rPr lang="en-US"/>
+              <a:rPr lang="en-US" smtClean="0"/>
               <a:t>Click to edit Master title style</a:t>
             </a:r>
+            <a:endParaRPr lang="en-US"/>
           </a:p>
         </p:txBody>
       </p:sp>
@@ -1629,37 +1636,38 @@
           <a:p>
             <a:pPr lvl="0"/>
             <a:r>
-              <a:rPr lang="en-US"/>
+              <a:rPr lang="en-US" smtClean="0"/>
               <a:t>Click to edit Master text styles</a:t>
             </a:r>
           </a:p>
           <a:p>
             <a:pPr lvl="1"/>
             <a:r>
-              <a:rPr lang="en-US"/>
+              <a:rPr lang="en-US" smtClean="0"/>
               <a:t>Second level</a:t>
             </a:r>
           </a:p>
           <a:p>
             <a:pPr lvl="2"/>
             <a:r>
-              <a:rPr lang="en-US"/>
+              <a:rPr lang="en-US" smtClean="0"/>
               <a:t>Third level</a:t>
             </a:r>
           </a:p>
           <a:p>
             <a:pPr lvl="3"/>
             <a:r>
-              <a:rPr lang="en-US"/>
+              <a:rPr lang="en-US" smtClean="0"/>
               <a:t>Fourth level</a:t>
             </a:r>
           </a:p>
           <a:p>
             <a:pPr lvl="4"/>
             <a:r>
-              <a:rPr lang="en-US"/>
+              <a:rPr lang="en-US" smtClean="0"/>
               <a:t>Fifth level</a:t>
             </a:r>
+            <a:endParaRPr lang="en-US"/>
           </a:p>
         </p:txBody>
       </p:sp>
@@ -1785,6 +1793,13 @@
   <p:clrMapOvr>
     <a:masterClrMapping/>
   </p:clrMapOvr>
+  <p:timing>
+    <p:tnLst>
+      <p:par>
+        <p:cTn id="1" dur="indefinite" restart="never" nodeType="tmRoot"/>
+      </p:par>
+    </p:tnLst>
+  </p:timing>
 </p:sldLayout>
 </file>
 
@@ -1829,9 +1844,10 @@
           <a:lstStyle/>
           <a:p>
             <a:r>
-              <a:rPr lang="en-US"/>
+              <a:rPr lang="en-US" smtClean="0"/>
               <a:t>Click to edit Master title style</a:t>
             </a:r>
+            <a:endParaRPr lang="en-US"/>
           </a:p>
         </p:txBody>
       </p:sp>
@@ -1957,6 +1973,13 @@
   <p:clrMapOvr>
     <a:masterClrMapping/>
   </p:clrMapOvr>
+  <p:timing>
+    <p:tnLst>
+      <p:par>
+        <p:cTn id="1" dur="indefinite" restart="never" nodeType="tmRoot"/>
+      </p:par>
+    </p:tnLst>
+  </p:timing>
 </p:sldLayout>
 </file>
 
@@ -2005,9 +2028,10 @@
           </a:lstStyle>
           <a:p>
             <a:r>
-              <a:rPr lang="en-US"/>
+              <a:rPr lang="en-US" smtClean="0"/>
               <a:t>Click to edit Master title style</a:t>
             </a:r>
+            <a:endParaRPr lang="en-US"/>
           </a:p>
         </p:txBody>
       </p:sp>
@@ -2073,7 +2097,7 @@
           <a:p>
             <a:pPr lvl="0"/>
             <a:r>
-              <a:rPr lang="en-US"/>
+              <a:rPr lang="en-US" smtClean="0"/>
               <a:t>Click to edit Master text styles</a:t>
             </a:r>
           </a:p>
@@ -2201,6 +2225,13 @@
   <p:clrMapOvr>
     <a:masterClrMapping/>
   </p:clrMapOvr>
+  <p:timing>
+    <p:tnLst>
+      <p:par>
+        <p:cTn id="1" dur="indefinite" restart="never" nodeType="tmRoot"/>
+      </p:par>
+    </p:tnLst>
+  </p:timing>
 </p:sldLayout>
 </file>
 
@@ -2245,9 +2276,10 @@
           <a:lstStyle/>
           <a:p>
             <a:r>
-              <a:rPr lang="en-US"/>
+              <a:rPr lang="en-US" smtClean="0"/>
               <a:t>Click to edit Master title style</a:t>
             </a:r>
+            <a:endParaRPr lang="en-US"/>
           </a:p>
         </p:txBody>
       </p:sp>
@@ -2304,37 +2336,38 @@
           <a:p>
             <a:pPr lvl="0"/>
             <a:r>
-              <a:rPr lang="en-US"/>
+              <a:rPr lang="en-US" smtClean="0"/>
               <a:t>Click to edit Master text styles</a:t>
             </a:r>
           </a:p>
           <a:p>
             <a:pPr lvl="1"/>
             <a:r>
-              <a:rPr lang="en-US"/>
+              <a:rPr lang="en-US" smtClean="0"/>
               <a:t>Second level</a:t>
             </a:r>
           </a:p>
           <a:p>
             <a:pPr lvl="2"/>
             <a:r>
-              <a:rPr lang="en-US"/>
+              <a:rPr lang="en-US" smtClean="0"/>
               <a:t>Third level</a:t>
             </a:r>
           </a:p>
           <a:p>
             <a:pPr lvl="3"/>
             <a:r>
-              <a:rPr lang="en-US"/>
+              <a:rPr lang="en-US" smtClean="0"/>
               <a:t>Fourth level</a:t>
             </a:r>
           </a:p>
           <a:p>
             <a:pPr lvl="4"/>
             <a:r>
-              <a:rPr lang="en-US"/>
+              <a:rPr lang="en-US" smtClean="0"/>
               <a:t>Fifth level</a:t>
             </a:r>
+            <a:endParaRPr lang="en-US"/>
           </a:p>
         </p:txBody>
       </p:sp>
@@ -2391,37 +2424,38 @@
           <a:p>
             <a:pPr lvl="0"/>
             <a:r>
-              <a:rPr lang="en-US"/>
+              <a:rPr lang="en-US" smtClean="0"/>
               <a:t>Click to edit Master text styles</a:t>
             </a:r>
           </a:p>
           <a:p>
             <a:pPr lvl="1"/>
             <a:r>
-              <a:rPr lang="en-US"/>
+              <a:rPr lang="en-US" smtClean="0"/>
               <a:t>Second level</a:t>
             </a:r>
           </a:p>
           <a:p>
             <a:pPr lvl="2"/>
             <a:r>
-              <a:rPr lang="en-US"/>
+              <a:rPr lang="en-US" smtClean="0"/>
               <a:t>Third level</a:t>
             </a:r>
           </a:p>
           <a:p>
             <a:pPr lvl="3"/>
             <a:r>
-              <a:rPr lang="en-US"/>
+              <a:rPr lang="en-US" smtClean="0"/>
               <a:t>Fourth level</a:t>
             </a:r>
           </a:p>
           <a:p>
             <a:pPr lvl="4"/>
             <a:r>
-              <a:rPr lang="en-US"/>
+              <a:rPr lang="en-US" smtClean="0"/>
               <a:t>Fifth level</a:t>
             </a:r>
+            <a:endParaRPr lang="en-US"/>
           </a:p>
         </p:txBody>
       </p:sp>
@@ -2595,9 +2629,10 @@
           </a:lstStyle>
           <a:p>
             <a:r>
-              <a:rPr lang="en-US"/>
+              <a:rPr lang="en-US" smtClean="0"/>
               <a:t>Click to edit Master title style</a:t>
             </a:r>
+            <a:endParaRPr lang="en-US"/>
           </a:p>
         </p:txBody>
       </p:sp>
@@ -2663,7 +2698,7 @@
           <a:p>
             <a:pPr lvl="0"/>
             <a:r>
-              <a:rPr lang="en-US"/>
+              <a:rPr lang="en-US" smtClean="0"/>
               <a:t>Click to edit Master text styles</a:t>
             </a:r>
           </a:p>
@@ -2722,37 +2757,38 @@
           <a:p>
             <a:pPr lvl="0"/>
             <a:r>
-              <a:rPr lang="en-US"/>
+              <a:rPr lang="en-US" smtClean="0"/>
               <a:t>Click to edit Master text styles</a:t>
             </a:r>
           </a:p>
           <a:p>
             <a:pPr lvl="1"/>
             <a:r>
-              <a:rPr lang="en-US"/>
+              <a:rPr lang="en-US" smtClean="0"/>
               <a:t>Second level</a:t>
             </a:r>
           </a:p>
           <a:p>
             <a:pPr lvl="2"/>
             <a:r>
-              <a:rPr lang="en-US"/>
+              <a:rPr lang="en-US" smtClean="0"/>
               <a:t>Third level</a:t>
             </a:r>
           </a:p>
           <a:p>
             <a:pPr lvl="3"/>
             <a:r>
-              <a:rPr lang="en-US"/>
+              <a:rPr lang="en-US" smtClean="0"/>
               <a:t>Fourth level</a:t>
             </a:r>
           </a:p>
           <a:p>
             <a:pPr lvl="4"/>
             <a:r>
-              <a:rPr lang="en-US"/>
+              <a:rPr lang="en-US" smtClean="0"/>
               <a:t>Fifth level</a:t>
             </a:r>
+            <a:endParaRPr lang="en-US"/>
           </a:p>
         </p:txBody>
       </p:sp>
@@ -2818,7 +2854,7 @@
           <a:p>
             <a:pPr lvl="0"/>
             <a:r>
-              <a:rPr lang="en-US"/>
+              <a:rPr lang="en-US" smtClean="0"/>
               <a:t>Click to edit Master text styles</a:t>
             </a:r>
           </a:p>
@@ -2877,37 +2913,38 @@
           <a:p>
             <a:pPr lvl="0"/>
             <a:r>
-              <a:rPr lang="en-US"/>
+              <a:rPr lang="en-US" smtClean="0"/>
               <a:t>Click to edit Master text styles</a:t>
             </a:r>
           </a:p>
           <a:p>
             <a:pPr lvl="1"/>
             <a:r>
-              <a:rPr lang="en-US"/>
+              <a:rPr lang="en-US" smtClean="0"/>
               <a:t>Second level</a:t>
             </a:r>
           </a:p>
           <a:p>
             <a:pPr lvl="2"/>
             <a:r>
-              <a:rPr lang="en-US"/>
+              <a:rPr lang="en-US" smtClean="0"/>
               <a:t>Third level</a:t>
             </a:r>
           </a:p>
           <a:p>
             <a:pPr lvl="3"/>
             <a:r>
-              <a:rPr lang="en-US"/>
+              <a:rPr lang="en-US" smtClean="0"/>
               <a:t>Fourth level</a:t>
             </a:r>
           </a:p>
           <a:p>
             <a:pPr lvl="4"/>
             <a:r>
-              <a:rPr lang="en-US"/>
+              <a:rPr lang="en-US" smtClean="0"/>
               <a:t>Fifth level</a:t>
             </a:r>
+            <a:endParaRPr lang="en-US"/>
           </a:p>
         </p:txBody>
       </p:sp>
@@ -3077,9 +3114,10 @@
           <a:lstStyle/>
           <a:p>
             <a:r>
-              <a:rPr lang="en-US"/>
+              <a:rPr lang="en-US" smtClean="0"/>
               <a:t>Click to edit Master title style</a:t>
             </a:r>
+            <a:endParaRPr lang="en-US"/>
           </a:p>
         </p:txBody>
       </p:sp>
@@ -3395,9 +3433,10 @@
           </a:lstStyle>
           <a:p>
             <a:r>
-              <a:rPr lang="en-US"/>
+              <a:rPr lang="en-US" smtClean="0"/>
               <a:t>Click to edit Master title style</a:t>
             </a:r>
+            <a:endParaRPr lang="en-US"/>
           </a:p>
         </p:txBody>
       </p:sp>
@@ -3454,37 +3493,38 @@
           <a:p>
             <a:pPr lvl="0"/>
             <a:r>
-              <a:rPr lang="en-US"/>
+              <a:rPr lang="en-US" smtClean="0"/>
               <a:t>Click to edit Master text styles</a:t>
             </a:r>
           </a:p>
           <a:p>
             <a:pPr lvl="1"/>
             <a:r>
-              <a:rPr lang="en-US"/>
+              <a:rPr lang="en-US" smtClean="0"/>
               <a:t>Second level</a:t>
             </a:r>
           </a:p>
           <a:p>
             <a:pPr lvl="2"/>
             <a:r>
-              <a:rPr lang="en-US"/>
+              <a:rPr lang="en-US" smtClean="0"/>
               <a:t>Third level</a:t>
             </a:r>
           </a:p>
           <a:p>
             <a:pPr lvl="3"/>
             <a:r>
-              <a:rPr lang="en-US"/>
+              <a:rPr lang="en-US" smtClean="0"/>
               <a:t>Fourth level</a:t>
             </a:r>
           </a:p>
           <a:p>
             <a:pPr lvl="4"/>
             <a:r>
-              <a:rPr lang="en-US"/>
+              <a:rPr lang="en-US" smtClean="0"/>
               <a:t>Fifth level</a:t>
             </a:r>
+            <a:endParaRPr lang="en-US"/>
           </a:p>
         </p:txBody>
       </p:sp>
@@ -3550,7 +3590,7 @@
           <a:p>
             <a:pPr lvl="0"/>
             <a:r>
-              <a:rPr lang="en-US"/>
+              <a:rPr lang="en-US" smtClean="0"/>
               <a:t>Click to edit Master text styles</a:t>
             </a:r>
           </a:p>
@@ -3726,9 +3766,10 @@
           </a:lstStyle>
           <a:p>
             <a:r>
-              <a:rPr lang="en-US"/>
+              <a:rPr lang="en-US" smtClean="0"/>
               <a:t>Click to edit Master title style</a:t>
             </a:r>
+            <a:endParaRPr lang="en-US"/>
           </a:p>
         </p:txBody>
       </p:sp>
@@ -3793,7 +3834,7 @@
           </a:lstStyle>
           <a:p>
             <a:pPr lvl="0"/>
-            <a:endParaRPr lang="en-US" noProof="0"/>
+            <a:endParaRPr lang="en-US" noProof="0" smtClean="0"/>
           </a:p>
         </p:txBody>
       </p:sp>
@@ -3859,7 +3900,7 @@
           <a:p>
             <a:pPr lvl="0"/>
             <a:r>
-              <a:rPr lang="en-US"/>
+              <a:rPr lang="en-US" smtClean="0"/>
               <a:t>Click to edit Master text styles</a:t>
             </a:r>
           </a:p>
@@ -3987,6 +4028,13 @@
   <p:clrMapOvr>
     <a:masterClrMapping/>
   </p:clrMapOvr>
+  <p:timing>
+    <p:tnLst>
+      <p:par>
+        <p:cTn id="1" dur="indefinite" restart="never" nodeType="tmRoot"/>
+      </p:par>
+    </p:tnLst>
+  </p:timing>
 </p:sldLayout>
 </file>
 
@@ -4017,14 +4065,14 @@
       </p:grpSpPr>
       <p:sp>
         <p:nvSpPr>
-          <p:cNvPr id="18" name="Rectangle 17"/>
+          <p:cNvPr id="14" name="Rectangle 13"/>
           <p:cNvSpPr/>
           <p:nvPr userDrawn="1"/>
         </p:nvSpPr>
         <p:spPr bwMode="auto">
           <a:xfrm>
-            <a:off x="23772114" y="3528820"/>
-            <a:ext cx="1371600" cy="23903180"/>
+            <a:off x="12142245" y="3200400"/>
+            <a:ext cx="137160" cy="24231600"/>
           </a:xfrm>
           <a:prstGeom prst="rect">
             <a:avLst/>
@@ -4065,7 +4113,7 @@
               <a:buNone/>
               <a:tabLst/>
             </a:pPr>
-            <a:endParaRPr kumimoji="0" lang="en-US" sz="7500" b="0" i="0" u="none" strike="noStrike" cap="none" normalizeH="0" baseline="0">
+            <a:endParaRPr kumimoji="0" lang="en-US" sz="7500" b="0" i="0" u="none" strike="noStrike" cap="none" normalizeH="0" baseline="0" smtClean="0">
               <a:ln>
                 <a:noFill/>
               </a:ln>
@@ -4080,14 +4128,14 @@
       </p:sp>
       <p:sp>
         <p:nvSpPr>
-          <p:cNvPr id="17" name="Rectangle 16"/>
+          <p:cNvPr id="15" name="Rectangle 14"/>
           <p:cNvSpPr/>
           <p:nvPr userDrawn="1"/>
         </p:nvSpPr>
         <p:spPr bwMode="auto">
           <a:xfrm>
-            <a:off x="11533598" y="3546561"/>
-            <a:ext cx="1371600" cy="23903180"/>
+            <a:off x="24380761" y="3200400"/>
+            <a:ext cx="137160" cy="9144000"/>
           </a:xfrm>
           <a:prstGeom prst="rect">
             <a:avLst/>
@@ -4128,7 +4176,525 @@
               <a:buNone/>
               <a:tabLst/>
             </a:pPr>
-            <a:endParaRPr kumimoji="0" lang="en-US" sz="7500" b="0" i="0" u="none" strike="noStrike" cap="none" normalizeH="0" baseline="0">
+            <a:endParaRPr kumimoji="0" lang="en-US" sz="7500" b="0" i="0" u="none" strike="noStrike" cap="none" normalizeH="0" baseline="0" smtClean="0">
+              <a:ln>
+                <a:noFill/>
+              </a:ln>
+              <a:solidFill>
+                <a:schemeClr val="tx1"/>
+              </a:solidFill>
+              <a:effectLst/>
+              <a:latin typeface="MS Gothic" pitchFamily="49" charset="-128"/>
+            </a:endParaRPr>
+          </a:p>
+        </p:txBody>
+      </p:sp>
+      <p:sp>
+        <p:nvSpPr>
+          <p:cNvPr id="18" name="Rectangle 17"/>
+          <p:cNvSpPr/>
+          <p:nvPr userDrawn="1"/>
+        </p:nvSpPr>
+        <p:spPr bwMode="auto">
+          <a:xfrm>
+            <a:off x="23772114" y="3528820"/>
+            <a:ext cx="1371600" cy="7596380"/>
+          </a:xfrm>
+          <a:prstGeom prst="rect">
+            <a:avLst/>
+          </a:prstGeom>
+          <a:solidFill>
+            <a:schemeClr val="bg2">
+              <a:lumMod val="20000"/>
+              <a:lumOff val="80000"/>
+            </a:schemeClr>
+          </a:solidFill>
+          <a:ln w="9525" cap="flat" cmpd="sng" algn="ctr">
+            <a:noFill/>
+            <a:prstDash val="solid"/>
+            <a:round/>
+            <a:headEnd type="none" w="med" len="med"/>
+            <a:tailEnd type="none" w="med" len="med"/>
+          </a:ln>
+          <a:effectLst/>
+        </p:spPr>
+        <p:txBody>
+          <a:bodyPr vert="horz" wrap="square" lIns="91440" tIns="45720" rIns="91440" bIns="45720" numCol="1" rtlCol="0" anchor="t" anchorCtr="0" compatLnSpc="1">
+            <a:prstTxWarp prst="textNoShape">
+              <a:avLst/>
+            </a:prstTxWarp>
+          </a:bodyPr>
+          <a:lstStyle/>
+          <a:p>
+            <a:pPr marL="0" marR="0" indent="0" algn="l" defTabSz="3760788" rtl="0" eaLnBrk="1" fontAlgn="base" latinLnBrk="0" hangingPunct="1">
+              <a:lnSpc>
+                <a:spcPct val="100000"/>
+              </a:lnSpc>
+              <a:spcBef>
+                <a:spcPct val="0"/>
+              </a:spcBef>
+              <a:spcAft>
+                <a:spcPct val="0"/>
+              </a:spcAft>
+              <a:buClrTx/>
+              <a:buSzTx/>
+              <a:buFontTx/>
+              <a:buNone/>
+              <a:tabLst/>
+            </a:pPr>
+            <a:endParaRPr kumimoji="0" lang="en-US" sz="7500" b="0" i="0" u="none" strike="noStrike" cap="none" normalizeH="0" baseline="0" smtClean="0">
+              <a:ln>
+                <a:noFill/>
+              </a:ln>
+              <a:solidFill>
+                <a:schemeClr val="tx1"/>
+              </a:solidFill>
+              <a:effectLst/>
+              <a:latin typeface="MS Gothic" pitchFamily="49" charset="-128"/>
+            </a:endParaRPr>
+          </a:p>
+        </p:txBody>
+      </p:sp>
+      <p:sp>
+        <p:nvSpPr>
+          <p:cNvPr id="17" name="Rectangle 16"/>
+          <p:cNvSpPr/>
+          <p:nvPr userDrawn="1"/>
+        </p:nvSpPr>
+        <p:spPr bwMode="auto">
+          <a:xfrm>
+            <a:off x="11533598" y="3546561"/>
+            <a:ext cx="1371600" cy="23903180"/>
+          </a:xfrm>
+          <a:prstGeom prst="rect">
+            <a:avLst/>
+          </a:prstGeom>
+          <a:solidFill>
+            <a:schemeClr val="bg2">
+              <a:lumMod val="20000"/>
+              <a:lumOff val="80000"/>
+            </a:schemeClr>
+          </a:solidFill>
+          <a:ln w="9525" cap="flat" cmpd="sng" algn="ctr">
+            <a:noFill/>
+            <a:prstDash val="solid"/>
+            <a:round/>
+            <a:headEnd type="none" w="med" len="med"/>
+            <a:tailEnd type="none" w="med" len="med"/>
+          </a:ln>
+          <a:effectLst/>
+        </p:spPr>
+        <p:txBody>
+          <a:bodyPr vert="horz" wrap="square" lIns="91440" tIns="45720" rIns="91440" bIns="45720" numCol="1" rtlCol="0" anchor="t" anchorCtr="0" compatLnSpc="1">
+            <a:prstTxWarp prst="textNoShape">
+              <a:avLst/>
+            </a:prstTxWarp>
+          </a:bodyPr>
+          <a:lstStyle/>
+          <a:p>
+            <a:pPr marL="0" marR="0" indent="0" algn="l" defTabSz="3760788" rtl="0" eaLnBrk="1" fontAlgn="base" latinLnBrk="0" hangingPunct="1">
+              <a:lnSpc>
+                <a:spcPct val="100000"/>
+              </a:lnSpc>
+              <a:spcBef>
+                <a:spcPct val="0"/>
+              </a:spcBef>
+              <a:spcAft>
+                <a:spcPct val="0"/>
+              </a:spcAft>
+              <a:buClrTx/>
+              <a:buSzTx/>
+              <a:buFontTx/>
+              <a:buNone/>
+              <a:tabLst/>
+            </a:pPr>
+            <a:endParaRPr kumimoji="0" lang="en-US" sz="7500" b="0" i="0" u="none" strike="noStrike" cap="none" normalizeH="0" baseline="0" smtClean="0">
+              <a:ln>
+                <a:noFill/>
+              </a:ln>
+              <a:solidFill>
+                <a:schemeClr val="tx1"/>
+              </a:solidFill>
+              <a:effectLst/>
+              <a:latin typeface="MS Gothic" pitchFamily="49" charset="-128"/>
+            </a:endParaRPr>
+          </a:p>
+        </p:txBody>
+      </p:sp>
+      <p:sp>
+        <p:nvSpPr>
+          <p:cNvPr id="16" name="Rectangle 15"/>
+          <p:cNvSpPr/>
+          <p:nvPr userDrawn="1"/>
+        </p:nvSpPr>
+        <p:spPr bwMode="auto">
+          <a:xfrm>
+            <a:off x="0" y="3581032"/>
+            <a:ext cx="685800" cy="23903180"/>
+          </a:xfrm>
+          <a:prstGeom prst="rect">
+            <a:avLst/>
+          </a:prstGeom>
+          <a:solidFill>
+            <a:schemeClr val="bg2">
+              <a:lumMod val="20000"/>
+              <a:lumOff val="80000"/>
+            </a:schemeClr>
+          </a:solidFill>
+          <a:ln w="9525" cap="flat" cmpd="sng" algn="ctr">
+            <a:noFill/>
+            <a:prstDash val="solid"/>
+            <a:round/>
+            <a:headEnd type="none" w="med" len="med"/>
+            <a:tailEnd type="none" w="med" len="med"/>
+          </a:ln>
+          <a:effectLst/>
+        </p:spPr>
+        <p:txBody>
+          <a:bodyPr vert="horz" wrap="square" lIns="91440" tIns="45720" rIns="91440" bIns="45720" numCol="1" rtlCol="0" anchor="t" anchorCtr="0" compatLnSpc="1">
+            <a:prstTxWarp prst="textNoShape">
+              <a:avLst/>
+            </a:prstTxWarp>
+          </a:bodyPr>
+          <a:lstStyle/>
+          <a:p>
+            <a:pPr marL="0" marR="0" indent="0" algn="l" defTabSz="3760788" rtl="0" eaLnBrk="1" fontAlgn="base" latinLnBrk="0" hangingPunct="1">
+              <a:lnSpc>
+                <a:spcPct val="100000"/>
+              </a:lnSpc>
+              <a:spcBef>
+                <a:spcPct val="0"/>
+              </a:spcBef>
+              <a:spcAft>
+                <a:spcPct val="0"/>
+              </a:spcAft>
+              <a:buClrTx/>
+              <a:buSzTx/>
+              <a:buFontTx/>
+              <a:buNone/>
+              <a:tabLst/>
+            </a:pPr>
+            <a:endParaRPr kumimoji="0" lang="en-US" sz="7500" b="0" i="0" u="none" strike="noStrike" cap="none" normalizeH="0" baseline="0" smtClean="0">
+              <a:ln>
+                <a:noFill/>
+              </a:ln>
+              <a:solidFill>
+                <a:schemeClr val="tx1"/>
+              </a:solidFill>
+              <a:effectLst/>
+              <a:latin typeface="MS Gothic" pitchFamily="49" charset="-128"/>
+            </a:endParaRPr>
+          </a:p>
+        </p:txBody>
+      </p:sp>
+      <p:sp>
+        <p:nvSpPr>
+          <p:cNvPr id="19" name="Rectangle 18"/>
+          <p:cNvSpPr/>
+          <p:nvPr userDrawn="1"/>
+        </p:nvSpPr>
+        <p:spPr bwMode="auto">
+          <a:xfrm>
+            <a:off x="35890199" y="3546561"/>
+            <a:ext cx="685800" cy="23903180"/>
+          </a:xfrm>
+          <a:prstGeom prst="rect">
+            <a:avLst/>
+          </a:prstGeom>
+          <a:solidFill>
+            <a:schemeClr val="bg2">
+              <a:lumMod val="20000"/>
+              <a:lumOff val="80000"/>
+            </a:schemeClr>
+          </a:solidFill>
+          <a:ln w="9525" cap="flat" cmpd="sng" algn="ctr">
+            <a:noFill/>
+            <a:prstDash val="solid"/>
+            <a:round/>
+            <a:headEnd type="none" w="med" len="med"/>
+            <a:tailEnd type="none" w="med" len="med"/>
+          </a:ln>
+          <a:effectLst/>
+        </p:spPr>
+        <p:txBody>
+          <a:bodyPr vert="horz" wrap="square" lIns="91440" tIns="45720" rIns="91440" bIns="45720" numCol="1" rtlCol="0" anchor="t" anchorCtr="0" compatLnSpc="1">
+            <a:prstTxWarp prst="textNoShape">
+              <a:avLst/>
+            </a:prstTxWarp>
+          </a:bodyPr>
+          <a:lstStyle/>
+          <a:p>
+            <a:pPr marL="0" marR="0" indent="0" algn="l" defTabSz="3760788" rtl="0" eaLnBrk="1" fontAlgn="base" latinLnBrk="0" hangingPunct="1">
+              <a:lnSpc>
+                <a:spcPct val="100000"/>
+              </a:lnSpc>
+              <a:spcBef>
+                <a:spcPct val="0"/>
+              </a:spcBef>
+              <a:spcAft>
+                <a:spcPct val="0"/>
+              </a:spcAft>
+              <a:buClrTx/>
+              <a:buSzTx/>
+              <a:buFontTx/>
+              <a:buNone/>
+              <a:tabLst/>
+            </a:pPr>
+            <a:endParaRPr kumimoji="0" lang="en-US" sz="7500" b="0" i="0" u="none" strike="noStrike" cap="none" normalizeH="0" baseline="0" smtClean="0">
+              <a:ln>
+                <a:noFill/>
+              </a:ln>
+              <a:solidFill>
+                <a:schemeClr val="tx1"/>
+              </a:solidFill>
+              <a:effectLst/>
+              <a:latin typeface="MS Gothic" pitchFamily="49" charset="-128"/>
+            </a:endParaRPr>
+          </a:p>
+        </p:txBody>
+      </p:sp>
+      <p:sp>
+        <p:nvSpPr>
+          <p:cNvPr id="21" name="Rectangle 20"/>
+          <p:cNvSpPr/>
+          <p:nvPr userDrawn="1"/>
+        </p:nvSpPr>
+        <p:spPr bwMode="auto">
+          <a:xfrm>
+            <a:off x="0" y="2566813"/>
+            <a:ext cx="36575999" cy="25312097"/>
+          </a:xfrm>
+          <a:prstGeom prst="rect">
+            <a:avLst/>
+          </a:prstGeom>
+          <a:solidFill>
+            <a:schemeClr val="bg1">
+              <a:lumMod val="95000"/>
+            </a:schemeClr>
+          </a:solidFill>
+          <a:ln w="9525" cap="flat" cmpd="sng" algn="ctr">
+            <a:noFill/>
+            <a:prstDash val="solid"/>
+            <a:round/>
+            <a:headEnd type="none" w="med" len="med"/>
+            <a:tailEnd type="none" w="med" len="med"/>
+          </a:ln>
+          <a:effectLst/>
+        </p:spPr>
+        <p:txBody>
+          <a:bodyPr vert="horz" wrap="square" lIns="91440" tIns="45720" rIns="91440" bIns="45720" numCol="1" rtlCol="0" anchor="t" anchorCtr="0" compatLnSpc="1">
+            <a:prstTxWarp prst="textNoShape">
+              <a:avLst/>
+            </a:prstTxWarp>
+          </a:bodyPr>
+          <a:lstStyle/>
+          <a:p>
+            <a:pPr marL="0" marR="0" indent="0" algn="l" defTabSz="3760788" rtl="0" eaLnBrk="1" fontAlgn="base" latinLnBrk="0" hangingPunct="1">
+              <a:lnSpc>
+                <a:spcPct val="100000"/>
+              </a:lnSpc>
+              <a:spcBef>
+                <a:spcPct val="0"/>
+              </a:spcBef>
+              <a:spcAft>
+                <a:spcPct val="0"/>
+              </a:spcAft>
+              <a:buClrTx/>
+              <a:buSzTx/>
+              <a:buFontTx/>
+              <a:buNone/>
+              <a:tabLst/>
+            </a:pPr>
+            <a:endParaRPr kumimoji="0" lang="en-US" sz="7500" b="0" i="0" u="none" strike="noStrike" cap="none" normalizeH="0" baseline="0" smtClean="0">
+              <a:ln>
+                <a:noFill/>
+              </a:ln>
+              <a:solidFill>
+                <a:schemeClr val="tx1"/>
+              </a:solidFill>
+              <a:effectLst/>
+              <a:latin typeface="MS Gothic" pitchFamily="49" charset="-128"/>
+            </a:endParaRPr>
+          </a:p>
+        </p:txBody>
+      </p:sp>
+      <p:sp>
+        <p:nvSpPr>
+          <p:cNvPr id="4" name="Rectangle 3"/>
+          <p:cNvSpPr/>
+          <p:nvPr userDrawn="1"/>
+        </p:nvSpPr>
+        <p:spPr bwMode="auto">
+          <a:xfrm>
+            <a:off x="569983" y="1981200"/>
+            <a:ext cx="10789920" cy="25897710"/>
+          </a:xfrm>
+          <a:prstGeom prst="rect">
+            <a:avLst/>
+          </a:prstGeom>
+          <a:solidFill>
+            <a:schemeClr val="bg1"/>
+          </a:solidFill>
+          <a:ln w="9525" cap="flat" cmpd="sng" algn="ctr">
+            <a:noFill/>
+            <a:prstDash val="solid"/>
+            <a:round/>
+            <a:headEnd type="none" w="med" len="med"/>
+            <a:tailEnd type="none" w="med" len="med"/>
+          </a:ln>
+          <a:effectLst/>
+        </p:spPr>
+        <p:txBody>
+          <a:bodyPr vert="horz" wrap="square" lIns="91440" tIns="45720" rIns="91440" bIns="45720" numCol="1" rtlCol="0" anchor="t" anchorCtr="0" compatLnSpc="1">
+            <a:prstTxWarp prst="textNoShape">
+              <a:avLst/>
+            </a:prstTxWarp>
+          </a:bodyPr>
+          <a:lstStyle/>
+          <a:p>
+            <a:pPr marL="0" marR="0" indent="0" algn="l" defTabSz="3760788" rtl="0" eaLnBrk="1" fontAlgn="base" latinLnBrk="0" hangingPunct="1">
+              <a:lnSpc>
+                <a:spcPct val="100000"/>
+              </a:lnSpc>
+              <a:spcBef>
+                <a:spcPct val="0"/>
+              </a:spcBef>
+              <a:spcAft>
+                <a:spcPct val="0"/>
+              </a:spcAft>
+              <a:buClrTx/>
+              <a:buSzTx/>
+              <a:buFontTx/>
+              <a:buNone/>
+              <a:tabLst/>
+            </a:pPr>
+            <a:endParaRPr kumimoji="0" lang="en-US" sz="7500" b="0" i="0" u="none" strike="noStrike" cap="none" normalizeH="0" baseline="0" smtClean="0">
+              <a:ln>
+                <a:noFill/>
+              </a:ln>
+              <a:solidFill>
+                <a:schemeClr val="tx1"/>
+              </a:solidFill>
+              <a:effectLst/>
+              <a:latin typeface="MS Gothic" pitchFamily="49" charset="-128"/>
+            </a:endParaRPr>
+          </a:p>
+        </p:txBody>
+      </p:sp>
+      <p:sp>
+        <p:nvSpPr>
+          <p:cNvPr id="12" name="Rectangle 11"/>
+          <p:cNvSpPr/>
+          <p:nvPr userDrawn="1"/>
+        </p:nvSpPr>
+        <p:spPr bwMode="auto">
+          <a:xfrm>
+            <a:off x="11929886" y="2552445"/>
+            <a:ext cx="12641559" cy="10993413"/>
+          </a:xfrm>
+          <a:prstGeom prst="rect">
+            <a:avLst/>
+          </a:prstGeom>
+          <a:solidFill>
+            <a:schemeClr val="bg1"/>
+          </a:solidFill>
+          <a:ln w="9525" cap="flat" cmpd="sng" algn="ctr">
+            <a:noFill/>
+            <a:prstDash val="solid"/>
+            <a:round/>
+            <a:headEnd type="none" w="med" len="med"/>
+            <a:tailEnd type="none" w="med" len="med"/>
+          </a:ln>
+          <a:effectLst/>
+        </p:spPr>
+        <p:txBody>
+          <a:bodyPr vert="horz" wrap="square" lIns="91440" tIns="45720" rIns="91440" bIns="45720" numCol="1" rtlCol="0" anchor="t" anchorCtr="0" compatLnSpc="1">
+            <a:prstTxWarp prst="textNoShape">
+              <a:avLst/>
+            </a:prstTxWarp>
+          </a:bodyPr>
+          <a:lstStyle/>
+          <a:p>
+            <a:pPr marL="0" marR="0" indent="0" algn="l" defTabSz="3760788" rtl="0" eaLnBrk="1" fontAlgn="base" latinLnBrk="0" hangingPunct="1">
+              <a:lnSpc>
+                <a:spcPct val="100000"/>
+              </a:lnSpc>
+              <a:spcBef>
+                <a:spcPct val="0"/>
+              </a:spcBef>
+              <a:spcAft>
+                <a:spcPct val="0"/>
+              </a:spcAft>
+              <a:buClrTx/>
+              <a:buSzTx/>
+              <a:buFontTx/>
+              <a:buNone/>
+              <a:tabLst/>
+            </a:pPr>
+            <a:endParaRPr kumimoji="0" lang="en-US" sz="7500" b="0" i="0" u="none" strike="noStrike" cap="none" normalizeH="0" baseline="0" dirty="0" smtClean="0">
+              <a:ln>
+                <a:noFill/>
+              </a:ln>
+              <a:solidFill>
+                <a:schemeClr val="tx1"/>
+              </a:solidFill>
+              <a:effectLst/>
+              <a:latin typeface="MS Gothic" pitchFamily="49" charset="-128"/>
+            </a:endParaRPr>
+          </a:p>
+        </p:txBody>
+      </p:sp>
+      <p:sp>
+        <p:nvSpPr>
+          <p:cNvPr id="13" name="Rectangle 12"/>
+          <p:cNvSpPr/>
+          <p:nvPr userDrawn="1"/>
+        </p:nvSpPr>
+        <p:spPr bwMode="auto">
+          <a:xfrm>
+            <a:off x="25146000" y="2459579"/>
+            <a:ext cx="10789920" cy="11090851"/>
+          </a:xfrm>
+          <a:prstGeom prst="rect">
+            <a:avLst/>
+          </a:prstGeom>
+          <a:solidFill>
+            <a:schemeClr val="bg1"/>
+          </a:solidFill>
+          <a:ln w="9525" cap="flat" cmpd="sng" algn="ctr">
+            <a:noFill/>
+            <a:prstDash val="solid"/>
+            <a:round/>
+            <a:headEnd type="none" w="med" len="med"/>
+            <a:tailEnd type="none" w="med" len="med"/>
+          </a:ln>
+          <a:effectLst/>
+        </p:spPr>
+        <p:txBody>
+          <a:bodyPr vert="horz" wrap="square" lIns="91440" tIns="45720" rIns="91440" bIns="45720" numCol="1" rtlCol="0" anchor="t" anchorCtr="0" compatLnSpc="1">
+            <a:prstTxWarp prst="textNoShape">
+              <a:avLst/>
+            </a:prstTxWarp>
+          </a:bodyPr>
+          <a:lstStyle/>
+          <a:p>
+            <a:pPr marL="0" marR="0" indent="0" algn="l" defTabSz="3760788" rtl="0" eaLnBrk="1" fontAlgn="base" latinLnBrk="0" hangingPunct="1">
+              <a:lnSpc>
+                <a:spcPct val="100000"/>
+              </a:lnSpc>
+              <a:spcBef>
+                <a:spcPct val="0"/>
+              </a:spcBef>
+              <a:spcAft>
+                <a:spcPct val="0"/>
+              </a:spcAft>
+              <a:buClrTx/>
+              <a:buSzTx/>
+              <a:buFontTx/>
+              <a:buNone/>
+              <a:tabLst/>
+            </a:pPr>
+            <a:endParaRPr kumimoji="0" lang="en-US" sz="7500" b="0" i="0" u="none" strike="noStrike" cap="none" normalizeH="0" baseline="0" smtClean="0">
               <a:ln>
                 <a:noFill/>
               </a:ln>
@@ -4200,7 +4766,7 @@
               <a:buNone/>
               <a:tabLst/>
             </a:pPr>
-            <a:endParaRPr kumimoji="0" lang="en-US" sz="7500" b="0" i="0" u="none" strike="noStrike" cap="none" normalizeH="0" baseline="0" dirty="0">
+            <a:endParaRPr kumimoji="0" lang="en-US" sz="7500" b="0" i="0" u="none" strike="noStrike" cap="none" normalizeH="0" baseline="0" dirty="0" smtClean="0">
               <a:ln>
                 <a:noFill/>
               </a:ln>
@@ -4221,8 +4787,8 @@
         </p:nvSpPr>
         <p:spPr>
           <a:xfrm>
-            <a:off x="-54430" y="-94349"/>
-            <a:ext cx="36630429" cy="2075549"/>
+            <a:off x="-32658" y="-94349"/>
+            <a:ext cx="36608657" cy="2075549"/>
           </a:xfrm>
           <a:custGeom>
             <a:avLst/>
@@ -4850,144 +5416,14 @@
       </p:sp>
       <p:sp>
         <p:nvSpPr>
-          <p:cNvPr id="14" name="Rectangle 13"/>
+          <p:cNvPr id="20" name="Rectangle 19"/>
           <p:cNvSpPr/>
           <p:nvPr userDrawn="1"/>
         </p:nvSpPr>
         <p:spPr bwMode="auto">
           <a:xfrm>
-            <a:off x="12142245" y="3200400"/>
-            <a:ext cx="137160" cy="24231600"/>
-          </a:xfrm>
-          <a:prstGeom prst="rect">
-            <a:avLst/>
-          </a:prstGeom>
-          <a:solidFill>
-            <a:schemeClr val="bg1">
-              <a:lumMod val="65000"/>
-            </a:schemeClr>
-          </a:solidFill>
-          <a:ln w="9525" cap="flat" cmpd="sng" algn="ctr">
-            <a:noFill/>
-            <a:prstDash val="solid"/>
-            <a:round/>
-            <a:headEnd type="none" w="med" len="med"/>
-            <a:tailEnd type="none" w="med" len="med"/>
-          </a:ln>
-          <a:effectLst/>
-        </p:spPr>
-        <p:txBody>
-          <a:bodyPr vert="horz" wrap="square" lIns="91440" tIns="45720" rIns="91440" bIns="45720" numCol="1" rtlCol="0" anchor="t" anchorCtr="0" compatLnSpc="1">
-            <a:prstTxWarp prst="textNoShape">
-              <a:avLst/>
-            </a:prstTxWarp>
-          </a:bodyPr>
-          <a:lstStyle/>
-          <a:p>
-            <a:pPr marL="0" marR="0" indent="0" algn="l" defTabSz="3760788" rtl="0" eaLnBrk="1" fontAlgn="base" latinLnBrk="0" hangingPunct="1">
-              <a:lnSpc>
-                <a:spcPct val="100000"/>
-              </a:lnSpc>
-              <a:spcBef>
-                <a:spcPct val="0"/>
-              </a:spcBef>
-              <a:spcAft>
-                <a:spcPct val="0"/>
-              </a:spcAft>
-              <a:buClrTx/>
-              <a:buSzTx/>
-              <a:buFontTx/>
-              <a:buNone/>
-              <a:tabLst/>
-            </a:pPr>
-            <a:endParaRPr kumimoji="0" lang="en-US" sz="7500" b="0" i="0" u="none" strike="noStrike" cap="none" normalizeH="0" baseline="0">
-              <a:ln>
-                <a:noFill/>
-              </a:ln>
-              <a:solidFill>
-                <a:schemeClr val="tx1"/>
-              </a:solidFill>
-              <a:effectLst/>
-              <a:latin typeface="MS Gothic" pitchFamily="49" charset="-128"/>
-            </a:endParaRPr>
-          </a:p>
-        </p:txBody>
-      </p:sp>
-      <p:sp>
-        <p:nvSpPr>
-          <p:cNvPr id="15" name="Rectangle 14"/>
-          <p:cNvSpPr/>
-          <p:nvPr userDrawn="1"/>
-        </p:nvSpPr>
-        <p:spPr bwMode="auto">
-          <a:xfrm>
-            <a:off x="24380761" y="3200400"/>
-            <a:ext cx="137160" cy="24231600"/>
-          </a:xfrm>
-          <a:prstGeom prst="rect">
-            <a:avLst/>
-          </a:prstGeom>
-          <a:solidFill>
-            <a:schemeClr val="bg1">
-              <a:lumMod val="65000"/>
-            </a:schemeClr>
-          </a:solidFill>
-          <a:ln w="9525" cap="flat" cmpd="sng" algn="ctr">
-            <a:noFill/>
-            <a:prstDash val="solid"/>
-            <a:round/>
-            <a:headEnd type="none" w="med" len="med"/>
-            <a:tailEnd type="none" w="med" len="med"/>
-          </a:ln>
-          <a:effectLst/>
-        </p:spPr>
-        <p:txBody>
-          <a:bodyPr vert="horz" wrap="square" lIns="91440" tIns="45720" rIns="91440" bIns="45720" numCol="1" rtlCol="0" anchor="t" anchorCtr="0" compatLnSpc="1">
-            <a:prstTxWarp prst="textNoShape">
-              <a:avLst/>
-            </a:prstTxWarp>
-          </a:bodyPr>
-          <a:lstStyle/>
-          <a:p>
-            <a:pPr marL="0" marR="0" indent="0" algn="l" defTabSz="3760788" rtl="0" eaLnBrk="1" fontAlgn="base" latinLnBrk="0" hangingPunct="1">
-              <a:lnSpc>
-                <a:spcPct val="100000"/>
-              </a:lnSpc>
-              <a:spcBef>
-                <a:spcPct val="0"/>
-              </a:spcBef>
-              <a:spcAft>
-                <a:spcPct val="0"/>
-              </a:spcAft>
-              <a:buClrTx/>
-              <a:buSzTx/>
-              <a:buFontTx/>
-              <a:buNone/>
-              <a:tabLst/>
-            </a:pPr>
-            <a:endParaRPr kumimoji="0" lang="en-US" sz="7500" b="0" i="0" u="none" strike="noStrike" cap="none" normalizeH="0" baseline="0">
-              <a:ln>
-                <a:noFill/>
-              </a:ln>
-              <a:solidFill>
-                <a:schemeClr val="tx1"/>
-              </a:solidFill>
-              <a:effectLst/>
-              <a:latin typeface="MS Gothic" pitchFamily="49" charset="-128"/>
-            </a:endParaRPr>
-          </a:p>
-        </p:txBody>
-      </p:sp>
-      <p:sp>
-        <p:nvSpPr>
-          <p:cNvPr id="16" name="Rectangle 15"/>
-          <p:cNvSpPr/>
-          <p:nvPr userDrawn="1"/>
-        </p:nvSpPr>
-        <p:spPr bwMode="auto">
-          <a:xfrm>
-            <a:off x="0" y="3581032"/>
-            <a:ext cx="685800" cy="23903180"/>
+            <a:off x="11914502" y="14020800"/>
+            <a:ext cx="24026522" cy="12954000"/>
           </a:xfrm>
           <a:prstGeom prst="rect">
             <a:avLst/>
@@ -5028,70 +5464,7 @@
               <a:buNone/>
               <a:tabLst/>
             </a:pPr>
-            <a:endParaRPr kumimoji="0" lang="en-US" sz="7500" b="0" i="0" u="none" strike="noStrike" cap="none" normalizeH="0" baseline="0">
-              <a:ln>
-                <a:noFill/>
-              </a:ln>
-              <a:solidFill>
-                <a:schemeClr val="tx1"/>
-              </a:solidFill>
-              <a:effectLst/>
-              <a:latin typeface="MS Gothic" pitchFamily="49" charset="-128"/>
-            </a:endParaRPr>
-          </a:p>
-        </p:txBody>
-      </p:sp>
-      <p:sp>
-        <p:nvSpPr>
-          <p:cNvPr id="19" name="Rectangle 18"/>
-          <p:cNvSpPr/>
-          <p:nvPr userDrawn="1"/>
-        </p:nvSpPr>
-        <p:spPr bwMode="auto">
-          <a:xfrm>
-            <a:off x="35890199" y="3546561"/>
-            <a:ext cx="685800" cy="23903180"/>
-          </a:xfrm>
-          <a:prstGeom prst="rect">
-            <a:avLst/>
-          </a:prstGeom>
-          <a:solidFill>
-            <a:schemeClr val="bg1"/>
-          </a:solidFill>
-          <a:ln w="9525" cap="flat" cmpd="sng" algn="ctr">
-            <a:noFill/>
-            <a:prstDash val="solid"/>
-            <a:round/>
-            <a:headEnd type="none" w="med" len="med"/>
-            <a:tailEnd type="none" w="med" len="med"/>
-          </a:ln>
-          <a:effectLst/>
-        </p:spPr>
-        <p:txBody>
-          <a:bodyPr vert="horz" wrap="square" lIns="91440" tIns="45720" rIns="91440" bIns="45720" numCol="1" rtlCol="0" anchor="t" anchorCtr="0" compatLnSpc="1">
-            <a:prstTxWarp prst="textNoShape">
-              <a:avLst/>
-            </a:prstTxWarp>
-          </a:bodyPr>
-          <a:lstStyle/>
-          <a:p>
-            <a:pPr marL="0" marR="0" indent="0" algn="l" defTabSz="3760788" rtl="0" eaLnBrk="1" fontAlgn="base" latinLnBrk="0" hangingPunct="1">
-              <a:lnSpc>
-                <a:spcPct val="100000"/>
-              </a:lnSpc>
-              <a:spcBef>
-                <a:spcPct val="0"/>
-              </a:spcBef>
-              <a:spcAft>
-                <a:spcPct val="0"/>
-              </a:spcAft>
-              <a:buClrTx/>
-              <a:buSzTx/>
-              <a:buFontTx/>
-              <a:buNone/>
-              <a:tabLst/>
-            </a:pPr>
-            <a:endParaRPr kumimoji="0" lang="en-US" sz="7500" b="0" i="0" u="none" strike="noStrike" cap="none" normalizeH="0" baseline="0">
+            <a:endParaRPr kumimoji="0" lang="en-US" sz="7500" b="0" i="0" u="none" strike="noStrike" cap="none" normalizeH="0" baseline="0" smtClean="0">
               <a:ln>
                 <a:noFill/>
               </a:ln>
@@ -5120,6 +5493,13 @@
     <p:sldLayoutId id="2147483658" r:id="rId10"/>
     <p:sldLayoutId id="2147483659" r:id="rId11"/>
   </p:sldLayoutIdLst>
+  <p:timing>
+    <p:tnLst>
+      <p:par>
+        <p:cTn id="1" dur="indefinite" restart="never" nodeType="tmRoot"/>
+      </p:par>
+    </p:tnLst>
+  </p:timing>
   <p:txStyles>
     <p:titleStyle>
       <a:lvl1pPr algn="ctr" defTabSz="2819400" rtl="0" eaLnBrk="0" fontAlgn="base" hangingPunct="0">
@@ -5516,70 +5896,315 @@
       </p:grpSpPr>
       <p:sp>
         <p:nvSpPr>
-          <p:cNvPr id="14" name="Rounded Rectangle 13"/>
+          <p:cNvPr id="34" name="Rectangle 33"/>
           <p:cNvSpPr/>
           <p:nvPr/>
         </p:nvSpPr>
-        <p:spPr bwMode="auto">
+        <p:spPr>
           <a:xfrm>
-            <a:off x="12952398" y="4267200"/>
-            <a:ext cx="10862013" cy="5148150"/>
+            <a:off x="18288000" y="3789508"/>
+            <a:ext cx="5888579" cy="9571851"/>
           </a:xfrm>
-          <a:prstGeom prst="roundRect">
+          <a:prstGeom prst="rect">
             <a:avLst/>
           </a:prstGeom>
-          <a:solidFill>
-            <a:schemeClr val="accent5"/>
-          </a:solidFill>
-          <a:ln w="9525" cap="flat" cmpd="sng" algn="ctr">
-            <a:noFill/>
-            <a:prstDash val="solid"/>
-            <a:round/>
-            <a:headEnd type="none" w="med" len="med"/>
-            <a:tailEnd type="none" w="med" len="med"/>
+          <a:ln>
+            <a:solidFill>
+              <a:schemeClr val="bg1"/>
+            </a:solidFill>
           </a:ln>
-          <a:effectLst/>
         </p:spPr>
         <p:txBody>
-          <a:bodyPr vert="horz" wrap="square" lIns="91440" tIns="45720" rIns="91440" bIns="45720" numCol="1" rtlCol="0" anchor="t" anchorCtr="0" compatLnSpc="1">
-            <a:prstTxWarp prst="textNoShape">
-              <a:avLst/>
-            </a:prstTxWarp>
+          <a:bodyPr wrap="square" numCol="1">
+            <a:spAutoFit/>
           </a:bodyPr>
           <a:lstStyle/>
           <a:p>
-            <a:pPr marL="0" marR="0" indent="0" algn="l" defTabSz="3760788" rtl="0" eaLnBrk="1" fontAlgn="base" latinLnBrk="0" hangingPunct="1">
-              <a:lnSpc>
-                <a:spcPct val="100000"/>
-              </a:lnSpc>
+            <a:pPr marL="469933" indent="-457200">
               <a:spcBef>
-                <a:spcPct val="0"/>
+                <a:spcPts val="0"/>
               </a:spcBef>
               <a:spcAft>
-                <a:spcPct val="0"/>
+                <a:spcPts val="0"/>
               </a:spcAft>
-              <a:buClrTx/>
-              <a:buSzTx/>
-              <a:buFontTx/>
-              <a:buNone/>
-              <a:tabLst/>
+              <a:buFont typeface="Wingdings" panose="05000000000000000000" pitchFamily="2" charset="2"/>
+              <a:buChar char="§"/>
             </a:pPr>
-            <a:endParaRPr kumimoji="0" lang="en-US" sz="7500" b="0" i="0" u="none" strike="noStrike" cap="none" normalizeH="0" baseline="0">
-              <a:ln>
-                <a:noFill/>
-              </a:ln>
+            <a:r>
+              <a:rPr lang="en-US" sz="2800" b="1" dirty="0" smtClean="0">
+                <a:latin typeface="Arial" panose="020B0604020202020204" pitchFamily="34" charset="0"/>
+              </a:rPr>
+              <a:t>IO Handler</a:t>
+            </a:r>
+          </a:p>
+          <a:p>
+            <a:pPr marL="914400" lvl="1" indent="-457200">
+              <a:spcBef>
+                <a:spcPts val="0"/>
+              </a:spcBef>
+              <a:spcAft>
+                <a:spcPts val="0"/>
+              </a:spcAft>
+              <a:buFont typeface="Courier New" panose="02070309020205020404" pitchFamily="49" charset="0"/>
+              <a:buChar char="o"/>
+            </a:pPr>
+            <a:r>
+              <a:rPr lang="en-US" sz="2800" dirty="0" smtClean="0">
+                <a:latin typeface="Arial" panose="020B0604020202020204" pitchFamily="34" charset="0"/>
+              </a:rPr>
+              <a:t>Handles </a:t>
+            </a:r>
+            <a:r>
+              <a:rPr lang="en-US" sz="2800" dirty="0">
+                <a:latin typeface="Arial" panose="020B0604020202020204" pitchFamily="34" charset="0"/>
+              </a:rPr>
+              <a:t>all communication between GFAU and external device</a:t>
+            </a:r>
+          </a:p>
+          <a:p>
+            <a:pPr marL="914400" lvl="1" indent="-457200">
+              <a:spcBef>
+                <a:spcPts val="0"/>
+              </a:spcBef>
+              <a:spcAft>
+                <a:spcPts val="0"/>
+              </a:spcAft>
+              <a:buFont typeface="Courier New" panose="02070309020205020404" pitchFamily="49" charset="0"/>
+              <a:buChar char="o"/>
+            </a:pPr>
+            <a:r>
+              <a:rPr lang="en-US" sz="2800" dirty="0" smtClean="0">
+                <a:latin typeface="Arial" panose="020B0604020202020204" pitchFamily="34" charset="0"/>
+              </a:rPr>
+              <a:t>Asynchronous </a:t>
+            </a:r>
+            <a:r>
+              <a:rPr lang="en-US" sz="2800" dirty="0">
+                <a:latin typeface="Arial" panose="020B0604020202020204" pitchFamily="34" charset="0"/>
+              </a:rPr>
+              <a:t>parallel protocol and scalable IO bus make communication fast and </a:t>
+            </a:r>
+            <a:r>
+              <a:rPr lang="en-US" sz="2800" dirty="0" smtClean="0">
+                <a:latin typeface="Arial" panose="020B0604020202020204" pitchFamily="34" charset="0"/>
+              </a:rPr>
+              <a:t>flexible</a:t>
+            </a:r>
+          </a:p>
+          <a:p>
+            <a:pPr marL="914400" lvl="1" indent="-457200">
+              <a:spcBef>
+                <a:spcPts val="0"/>
+              </a:spcBef>
+              <a:spcAft>
+                <a:spcPts val="0"/>
+              </a:spcAft>
+              <a:buFont typeface="Wingdings" panose="05000000000000000000" pitchFamily="2" charset="2"/>
+              <a:buChar char="§"/>
+            </a:pPr>
+            <a:endParaRPr lang="en-US" sz="2800" dirty="0">
+              <a:latin typeface="Arial" panose="020B0604020202020204" pitchFamily="34" charset="0"/>
+            </a:endParaRPr>
+          </a:p>
+          <a:p>
+            <a:pPr marL="914400" lvl="1" indent="-457200">
+              <a:spcBef>
+                <a:spcPts val="0"/>
+              </a:spcBef>
+              <a:spcAft>
+                <a:spcPts val="0"/>
+              </a:spcAft>
+              <a:buFont typeface="Wingdings" panose="05000000000000000000" pitchFamily="2" charset="2"/>
+              <a:buChar char="§"/>
+            </a:pPr>
+            <a:endParaRPr lang="en-US" sz="2800" dirty="0" smtClean="0">
+              <a:latin typeface="Arial" panose="020B0604020202020204" pitchFamily="34" charset="0"/>
+            </a:endParaRPr>
+          </a:p>
+          <a:p>
+            <a:pPr marL="914400" lvl="1" indent="-457200">
+              <a:spcBef>
+                <a:spcPts val="0"/>
+              </a:spcBef>
+              <a:spcAft>
+                <a:spcPts val="0"/>
+              </a:spcAft>
+              <a:buFont typeface="Wingdings" panose="05000000000000000000" pitchFamily="2" charset="2"/>
+              <a:buChar char="§"/>
+            </a:pPr>
+            <a:endParaRPr lang="en-US" sz="2800" dirty="0">
+              <a:latin typeface="Arial" panose="020B0604020202020204" pitchFamily="34" charset="0"/>
+            </a:endParaRPr>
+          </a:p>
+          <a:p>
+            <a:pPr marL="914400" lvl="1" indent="-457200">
+              <a:spcBef>
+                <a:spcPts val="0"/>
+              </a:spcBef>
+              <a:spcAft>
+                <a:spcPts val="0"/>
+              </a:spcAft>
+              <a:buFont typeface="Wingdings" panose="05000000000000000000" pitchFamily="2" charset="2"/>
+              <a:buChar char="§"/>
+            </a:pPr>
+            <a:endParaRPr lang="en-US" sz="2800" dirty="0" smtClean="0">
+              <a:latin typeface="Arial" panose="020B0604020202020204" pitchFamily="34" charset="0"/>
+            </a:endParaRPr>
+          </a:p>
+          <a:p>
+            <a:pPr marL="914400" lvl="1" indent="-457200">
+              <a:spcBef>
+                <a:spcPts val="0"/>
+              </a:spcBef>
+              <a:spcAft>
+                <a:spcPts val="0"/>
+              </a:spcAft>
+              <a:buFont typeface="Wingdings" panose="05000000000000000000" pitchFamily="2" charset="2"/>
+              <a:buChar char="§"/>
+            </a:pPr>
+            <a:endParaRPr lang="en-US" sz="2800" dirty="0">
+              <a:latin typeface="Arial" panose="020B0604020202020204" pitchFamily="34" charset="0"/>
+            </a:endParaRPr>
+          </a:p>
+          <a:p>
+            <a:pPr marL="914400" lvl="1" indent="-457200">
+              <a:spcBef>
+                <a:spcPts val="0"/>
+              </a:spcBef>
+              <a:spcAft>
+                <a:spcPts val="0"/>
+              </a:spcAft>
+              <a:buFont typeface="Wingdings" panose="05000000000000000000" pitchFamily="2" charset="2"/>
+              <a:buChar char="§"/>
+            </a:pPr>
+            <a:endParaRPr lang="en-US" sz="2800" dirty="0" smtClean="0">
+              <a:latin typeface="Arial" panose="020B0604020202020204" pitchFamily="34" charset="0"/>
+            </a:endParaRPr>
+          </a:p>
+          <a:p>
+            <a:pPr marL="914400" lvl="1" indent="-457200">
+              <a:spcBef>
+                <a:spcPts val="0"/>
+              </a:spcBef>
+              <a:spcAft>
+                <a:spcPts val="0"/>
+              </a:spcAft>
+              <a:buFont typeface="Wingdings" panose="05000000000000000000" pitchFamily="2" charset="2"/>
+              <a:buChar char="§"/>
+            </a:pPr>
+            <a:endParaRPr lang="en-US" sz="2800" dirty="0">
+              <a:latin typeface="Arial" panose="020B0604020202020204" pitchFamily="34" charset="0"/>
+            </a:endParaRPr>
+          </a:p>
+          <a:p>
+            <a:pPr marL="457200" lvl="1" indent="0">
+              <a:spcBef>
+                <a:spcPts val="0"/>
+              </a:spcBef>
+              <a:spcAft>
+                <a:spcPts val="0"/>
+              </a:spcAft>
+            </a:pPr>
+            <a:r>
+              <a:rPr lang="en-US" sz="2800" b="1" dirty="0" smtClean="0">
+                <a:latin typeface="Arial" panose="020B0604020202020204" pitchFamily="34" charset="0"/>
+              </a:rPr>
+              <a:t>      Figure 3: </a:t>
+            </a:r>
+            <a:r>
+              <a:rPr lang="en-US" sz="2800" dirty="0" smtClean="0">
+                <a:latin typeface="Arial" panose="020B0604020202020204" pitchFamily="34" charset="0"/>
+              </a:rPr>
+              <a:t>Timing Diagram </a:t>
+            </a:r>
+            <a:endParaRPr lang="en-US" sz="2800" dirty="0">
+              <a:latin typeface="Arial" panose="020B0604020202020204" pitchFamily="34" charset="0"/>
+            </a:endParaRPr>
+          </a:p>
+          <a:p>
+            <a:pPr marL="457200" lvl="1" indent="0">
+              <a:spcBef>
+                <a:spcPts val="0"/>
+              </a:spcBef>
+              <a:spcAft>
+                <a:spcPts val="0"/>
+              </a:spcAft>
+            </a:pPr>
+            <a:endParaRPr lang="en-US" sz="2800" dirty="0">
+              <a:latin typeface="Arial" panose="020B0604020202020204" pitchFamily="34" charset="0"/>
+            </a:endParaRPr>
+          </a:p>
+          <a:p>
+            <a:pPr marL="469933" indent="-457200">
+              <a:spcBef>
+                <a:spcPts val="0"/>
+              </a:spcBef>
+              <a:spcAft>
+                <a:spcPts val="0"/>
+              </a:spcAft>
+              <a:buFont typeface="Wingdings" panose="05000000000000000000" pitchFamily="2" charset="2"/>
+              <a:buChar char="§"/>
+            </a:pPr>
+            <a:r>
+              <a:rPr lang="en-US" sz="2800" b="1" dirty="0" smtClean="0">
+                <a:solidFill>
+                  <a:srgbClr val="000000"/>
+                </a:solidFill>
+                <a:latin typeface="Arial" panose="020B0604020202020204" pitchFamily="34" charset="0"/>
+              </a:rPr>
+              <a:t>Memory </a:t>
+            </a:r>
+            <a:r>
+              <a:rPr lang="en-US" sz="2800" b="1" dirty="0">
+                <a:solidFill>
+                  <a:srgbClr val="000000"/>
+                </a:solidFill>
+                <a:latin typeface="Arial" panose="020B0604020202020204" pitchFamily="34" charset="0"/>
+              </a:rPr>
+              <a:t>wrapper</a:t>
+            </a:r>
+          </a:p>
+          <a:p>
+            <a:pPr marL="914400" lvl="1" indent="-457200">
+              <a:spcBef>
+                <a:spcPts val="0"/>
+              </a:spcBef>
+              <a:spcAft>
+                <a:spcPts val="0"/>
+              </a:spcAft>
+              <a:buFont typeface="Courier New" panose="02070309020205020404" pitchFamily="49" charset="0"/>
+              <a:buChar char="o"/>
+            </a:pPr>
+            <a:r>
+              <a:rPr lang="en-US" sz="2800" dirty="0">
+                <a:solidFill>
+                  <a:srgbClr val="000000"/>
+                </a:solidFill>
+                <a:latin typeface="Arial" panose="020B0604020202020204" pitchFamily="34" charset="0"/>
+              </a:rPr>
+              <a:t>Handle memory read and write requests from the generator, operators and control </a:t>
+            </a:r>
+            <a:r>
+              <a:rPr lang="en-US" sz="2800" dirty="0" smtClean="0">
+                <a:solidFill>
+                  <a:srgbClr val="000000"/>
+                </a:solidFill>
+                <a:latin typeface="Arial" panose="020B0604020202020204" pitchFamily="34" charset="0"/>
+              </a:rPr>
+              <a:t>unit</a:t>
+            </a:r>
+            <a:endParaRPr lang="en-US" sz="2800" dirty="0">
               <a:solidFill>
-                <a:schemeClr val="tx1"/>
+                <a:srgbClr val="000000"/>
               </a:solidFill>
-              <a:effectLst/>
-              <a:latin typeface="MS Gothic" pitchFamily="49" charset="-128"/>
+              <a:latin typeface="Arial" panose="020B0604020202020204" pitchFamily="34" charset="0"/>
             </a:endParaRPr>
           </a:p>
         </p:txBody>
       </p:sp>
       <p:sp>
         <p:nvSpPr>
-          <p:cNvPr id="30" name="Rectangle 22"/>
+          <p:cNvPr id="31" name="Rectangle 22"/>
           <p:cNvSpPr>
             <a:spLocks noChangeArrowheads="1"/>
           </p:cNvSpPr>
@@ -5587,7 +6212,51 @@
         </p:nvSpPr>
         <p:spPr bwMode="auto">
           <a:xfrm>
-            <a:off x="685799" y="23706588"/>
+            <a:off x="569847" y="20658588"/>
+            <a:ext cx="10902521" cy="601212"/>
+          </a:xfrm>
+          <a:prstGeom prst="rect">
+            <a:avLst/>
+          </a:prstGeom>
+          <a:solidFill>
+            <a:srgbClr val="008D4A"/>
+          </a:solidFill>
+          <a:ln w="76200">
+            <a:noFill/>
+            <a:miter lim="800000"/>
+            <a:headEnd/>
+            <a:tailEnd/>
+          </a:ln>
+          <a:effectLst/>
+        </p:spPr>
+        <p:txBody>
+          <a:bodyPr wrap="square" lIns="57149" tIns="23379" rIns="57149" bIns="23379">
+            <a:spAutoFit/>
+          </a:bodyPr>
+          <a:lstStyle/>
+          <a:p>
+            <a:pPr algn="ctr"/>
+            <a:endParaRPr lang="en-US" sz="3600" b="1" dirty="0">
+              <a:solidFill>
+                <a:schemeClr val="bg1"/>
+              </a:solidFill>
+              <a:latin typeface="+mj-lt"/>
+              <a:cs typeface="Arial" panose="020B0604020202020204" pitchFamily="34" charset="0"/>
+            </a:endParaRPr>
+          </a:p>
+        </p:txBody>
+      </p:sp>
+      <p:sp>
+        <p:nvSpPr>
+          <p:cNvPr id="36" name="Rectangle 22"/>
+          <p:cNvSpPr>
+            <a:spLocks noChangeArrowheads="1"/>
+          </p:cNvSpPr>
+          <p:nvPr/>
+        </p:nvSpPr>
+        <p:spPr bwMode="auto">
+          <a:xfrm>
+            <a:off x="553417" y="3188296"/>
             <a:ext cx="10881360" cy="601212"/>
           </a:xfrm>
           <a:prstGeom prst="rect">
@@ -5602,13 +6271,7 @@
             <a:headEnd/>
             <a:tailEnd/>
           </a:ln>
-          <a:effectLst>
-            <a:outerShdw blurRad="177800" dist="76200" dir="2700000" algn="tl" rotWithShape="0">
-              <a:prstClr val="black">
-                <a:alpha val="50000"/>
-              </a:prstClr>
-            </a:outerShdw>
-          </a:effectLst>
+          <a:effectLst/>
         </p:spPr>
         <p:txBody>
           <a:bodyPr wrap="square" lIns="57149" tIns="23379" rIns="57149" bIns="23379">
@@ -5629,7 +6292,7 @@
       </p:sp>
       <p:sp>
         <p:nvSpPr>
-          <p:cNvPr id="36" name="Rectangle 22"/>
+          <p:cNvPr id="29" name="Rectangle 22"/>
           <p:cNvSpPr>
             <a:spLocks noChangeArrowheads="1"/>
           </p:cNvSpPr>
@@ -5637,7 +6300,7 @@
         </p:nvSpPr>
         <p:spPr bwMode="auto">
           <a:xfrm>
-            <a:off x="671206" y="3188296"/>
+            <a:off x="568010" y="16696188"/>
             <a:ext cx="10881360" cy="601212"/>
           </a:xfrm>
           <a:prstGeom prst="rect">
@@ -5652,13 +6315,7 @@
             <a:headEnd/>
             <a:tailEnd/>
           </a:ln>
-          <a:effectLst>
-            <a:outerShdw blurRad="177800" dist="76200" dir="2700000" algn="tl" rotWithShape="0">
-              <a:prstClr val="black">
-                <a:alpha val="50000"/>
-              </a:prstClr>
-            </a:outerShdw>
-          </a:effectLst>
+          <a:effectLst/>
         </p:spPr>
         <p:txBody>
           <a:bodyPr wrap="square" lIns="57149" tIns="23379" rIns="57149" bIns="23379">
@@ -5679,7 +6336,7 @@
       </p:sp>
       <p:sp>
         <p:nvSpPr>
-          <p:cNvPr id="29" name="Rectangle 22"/>
+          <p:cNvPr id="27" name="Rectangle 22"/>
           <p:cNvSpPr>
             <a:spLocks noChangeArrowheads="1"/>
           </p:cNvSpPr>
@@ -5687,7 +6344,7 @@
         </p:nvSpPr>
         <p:spPr bwMode="auto">
           <a:xfrm>
-            <a:off x="685799" y="19780211"/>
+            <a:off x="533400" y="13722029"/>
             <a:ext cx="10881360" cy="601212"/>
           </a:xfrm>
           <a:prstGeom prst="rect">
@@ -5702,13 +6359,7 @@
             <a:headEnd/>
             <a:tailEnd/>
           </a:ln>
-          <a:effectLst>
-            <a:outerShdw blurRad="177800" dist="76200" dir="2700000" algn="tl" rotWithShape="0">
-              <a:prstClr val="black">
-                <a:alpha val="50000"/>
-              </a:prstClr>
-            </a:outerShdw>
-          </a:effectLst>
+          <a:effectLst/>
         </p:spPr>
         <p:txBody>
           <a:bodyPr wrap="square" lIns="57149" tIns="23379" rIns="57149" bIns="23379">
@@ -5723,230 +6374,6 @@
               </a:solidFill>
               <a:latin typeface="+mj-lt"/>
               <a:cs typeface="Arial" panose="020B0604020202020204" pitchFamily="34" charset="0"/>
-            </a:endParaRPr>
-          </a:p>
-        </p:txBody>
-      </p:sp>
-      <p:sp>
-        <p:nvSpPr>
-          <p:cNvPr id="27" name="Rectangle 22"/>
-          <p:cNvSpPr>
-            <a:spLocks noChangeArrowheads="1"/>
-          </p:cNvSpPr>
-          <p:nvPr/>
-        </p:nvSpPr>
-        <p:spPr bwMode="auto">
-          <a:xfrm>
-            <a:off x="651189" y="16796849"/>
-            <a:ext cx="10881360" cy="601212"/>
-          </a:xfrm>
-          <a:prstGeom prst="rect">
-            <a:avLst/>
-          </a:prstGeom>
-          <a:solidFill>
-            <a:srgbClr val="008D4A"/>
-          </a:solidFill>
-          <a:ln w="76200">
-            <a:noFill/>
-            <a:miter lim="800000"/>
-            <a:headEnd/>
-            <a:tailEnd/>
-          </a:ln>
-          <a:effectLst>
-            <a:outerShdw blurRad="177800" dist="76200" dir="2700000" algn="tl" rotWithShape="0">
-              <a:prstClr val="black">
-                <a:alpha val="50000"/>
-              </a:prstClr>
-            </a:outerShdw>
-          </a:effectLst>
-        </p:spPr>
-        <p:txBody>
-          <a:bodyPr wrap="square" lIns="57149" tIns="23379" rIns="57149" bIns="23379">
-            <a:spAutoFit/>
-          </a:bodyPr>
-          <a:lstStyle/>
-          <a:p>
-            <a:pPr algn="ctr"/>
-            <a:endParaRPr lang="en-US" sz="3600" b="1" dirty="0">
-              <a:solidFill>
-                <a:schemeClr val="bg1"/>
-              </a:solidFill>
-              <a:latin typeface="+mj-lt"/>
-              <a:cs typeface="Arial" panose="020B0604020202020204" pitchFamily="34" charset="0"/>
-            </a:endParaRPr>
-          </a:p>
-        </p:txBody>
-      </p:sp>
-      <p:sp>
-        <p:nvSpPr>
-          <p:cNvPr id="2052" name="Text Box 13"/>
-          <p:cNvSpPr txBox="1">
-            <a:spLocks noChangeArrowheads="1"/>
-          </p:cNvSpPr>
-          <p:nvPr/>
-        </p:nvSpPr>
-        <p:spPr bwMode="auto">
-          <a:xfrm>
-            <a:off x="7679583" y="2949774"/>
-            <a:ext cx="21367139" cy="1200327"/>
-          </a:xfrm>
-          <a:prstGeom prst="rect">
-            <a:avLst/>
-          </a:prstGeom>
-          <a:noFill/>
-          <a:ln>
-            <a:noFill/>
-          </a:ln>
-          <a:extLst>
-            <a:ext uri="{909E8E84-426E-40DD-AFC4-6F175D3DCCD1}">
-              <a14:hiddenFill xmlns:a14="http://schemas.microsoft.com/office/drawing/2010/main">
-                <a:solidFill>
-                  <a:srgbClr val="FFFFFF"/>
-                </a:solidFill>
-              </a14:hiddenFill>
-            </a:ext>
-            <a:ext uri="{91240B29-F687-4F45-9708-019B960494DF}">
-              <a14:hiddenLine xmlns:a14="http://schemas.microsoft.com/office/drawing/2010/main" w="3175" cap="rnd">
-                <a:solidFill>
-                  <a:srgbClr val="000000"/>
-                </a:solidFill>
-                <a:prstDash val="sysDot"/>
-                <a:miter lim="800000"/>
-                <a:headEnd/>
-                <a:tailEnd/>
-              </a14:hiddenLine>
-            </a:ext>
-          </a:extLst>
-        </p:spPr>
-        <p:txBody>
-          <a:bodyPr wrap="square" lIns="91438" tIns="45719" rIns="91438" bIns="45719">
-            <a:spAutoFit/>
-          </a:bodyPr>
-          <a:lstStyle>
-            <a:lvl1pPr defTabSz="3760788" eaLnBrk="0" hangingPunct="0">
-              <a:defRPr sz="5600">
-                <a:solidFill>
-                  <a:schemeClr val="tx1"/>
-                </a:solidFill>
-                <a:latin typeface="MS Gothic" pitchFamily="49" charset="-128"/>
-                <a:ea typeface="ＭＳ Ｐゴシック" pitchFamily="-112" charset="-128"/>
-              </a:defRPr>
-            </a:lvl1pPr>
-            <a:lvl2pPr marL="742950" indent="-285750" defTabSz="3760788" eaLnBrk="0" hangingPunct="0">
-              <a:defRPr sz="5600">
-                <a:solidFill>
-                  <a:schemeClr val="tx1"/>
-                </a:solidFill>
-                <a:latin typeface="MS Gothic" pitchFamily="49" charset="-128"/>
-                <a:ea typeface="ＭＳ Ｐゴシック" pitchFamily="-112" charset="-128"/>
-              </a:defRPr>
-            </a:lvl2pPr>
-            <a:lvl3pPr marL="1143000" indent="-228600" defTabSz="3760788" eaLnBrk="0" hangingPunct="0">
-              <a:defRPr sz="5600">
-                <a:solidFill>
-                  <a:schemeClr val="tx1"/>
-                </a:solidFill>
-                <a:latin typeface="MS Gothic" pitchFamily="49" charset="-128"/>
-                <a:ea typeface="ＭＳ Ｐゴシック" pitchFamily="-112" charset="-128"/>
-              </a:defRPr>
-            </a:lvl3pPr>
-            <a:lvl4pPr marL="1600200" indent="-228600" defTabSz="3760788" eaLnBrk="0" hangingPunct="0">
-              <a:defRPr sz="5600">
-                <a:solidFill>
-                  <a:schemeClr val="tx1"/>
-                </a:solidFill>
-                <a:latin typeface="MS Gothic" pitchFamily="49" charset="-128"/>
-                <a:ea typeface="ＭＳ Ｐゴシック" pitchFamily="-112" charset="-128"/>
-              </a:defRPr>
-            </a:lvl4pPr>
-            <a:lvl5pPr marL="2057400" indent="-228600" defTabSz="3760788" eaLnBrk="0" hangingPunct="0">
-              <a:defRPr sz="5600">
-                <a:solidFill>
-                  <a:schemeClr val="tx1"/>
-                </a:solidFill>
-                <a:latin typeface="MS Gothic" pitchFamily="49" charset="-128"/>
-                <a:ea typeface="ＭＳ Ｐゴシック" pitchFamily="-112" charset="-128"/>
-              </a:defRPr>
-            </a:lvl5pPr>
-            <a:lvl6pPr marL="2514600" indent="-228600" defTabSz="3760788" eaLnBrk="0" fontAlgn="base" hangingPunct="0">
-              <a:spcBef>
-                <a:spcPct val="0"/>
-              </a:spcBef>
-              <a:spcAft>
-                <a:spcPct val="0"/>
-              </a:spcAft>
-              <a:defRPr sz="5600">
-                <a:solidFill>
-                  <a:schemeClr val="tx1"/>
-                </a:solidFill>
-                <a:latin typeface="MS Gothic" pitchFamily="49" charset="-128"/>
-                <a:ea typeface="ＭＳ Ｐゴシック" pitchFamily="-112" charset="-128"/>
-              </a:defRPr>
-            </a:lvl6pPr>
-            <a:lvl7pPr marL="2971800" indent="-228600" defTabSz="3760788" eaLnBrk="0" fontAlgn="base" hangingPunct="0">
-              <a:spcBef>
-                <a:spcPct val="0"/>
-              </a:spcBef>
-              <a:spcAft>
-                <a:spcPct val="0"/>
-              </a:spcAft>
-              <a:defRPr sz="5600">
-                <a:solidFill>
-                  <a:schemeClr val="tx1"/>
-                </a:solidFill>
-                <a:latin typeface="MS Gothic" pitchFamily="49" charset="-128"/>
-                <a:ea typeface="ＭＳ Ｐゴシック" pitchFamily="-112" charset="-128"/>
-              </a:defRPr>
-            </a:lvl7pPr>
-            <a:lvl8pPr marL="3429000" indent="-228600" defTabSz="3760788" eaLnBrk="0" fontAlgn="base" hangingPunct="0">
-              <a:spcBef>
-                <a:spcPct val="0"/>
-              </a:spcBef>
-              <a:spcAft>
-                <a:spcPct val="0"/>
-              </a:spcAft>
-              <a:defRPr sz="5600">
-                <a:solidFill>
-                  <a:schemeClr val="tx1"/>
-                </a:solidFill>
-                <a:latin typeface="MS Gothic" pitchFamily="49" charset="-128"/>
-                <a:ea typeface="ＭＳ Ｐゴシック" pitchFamily="-112" charset="-128"/>
-              </a:defRPr>
-            </a:lvl8pPr>
-            <a:lvl9pPr marL="3886200" indent="-228600" defTabSz="3760788" eaLnBrk="0" fontAlgn="base" hangingPunct="0">
-              <a:spcBef>
-                <a:spcPct val="0"/>
-              </a:spcBef>
-              <a:spcAft>
-                <a:spcPct val="0"/>
-              </a:spcAft>
-              <a:defRPr sz="5600">
-                <a:solidFill>
-                  <a:schemeClr val="tx1"/>
-                </a:solidFill>
-                <a:latin typeface="MS Gothic" pitchFamily="49" charset="-128"/>
-                <a:ea typeface="ＭＳ Ｐゴシック" pitchFamily="-112" charset="-128"/>
-              </a:defRPr>
-            </a:lvl9pPr>
-          </a:lstStyle>
-          <a:p>
-            <a:pPr algn="ctr" eaLnBrk="1" hangingPunct="1"/>
-            <a:r>
-              <a:rPr lang="en-US" sz="7200" b="1" dirty="0">
-                <a:solidFill>
-                  <a:schemeClr val="bg1"/>
-                </a:solidFill>
-                <a:latin typeface="Times New Roman" pitchFamily="-112" charset="0"/>
-                <a:ea typeface="宋体" pitchFamily="-112" charset="-122"/>
-              </a:rPr>
-              <a:t>Title Here</a:t>
-            </a:r>
-            <a:endParaRPr lang="en-US" sz="6000" b="1" dirty="0">
-              <a:solidFill>
-                <a:schemeClr val="bg1"/>
-              </a:solidFill>
-              <a:latin typeface="Times New Roman" pitchFamily="-112" charset="0"/>
-              <a:ea typeface="宋体" pitchFamily="-112" charset="-122"/>
             </a:endParaRPr>
           </a:p>
         </p:txBody>
@@ -5959,7 +6386,7 @@
         </p:nvSpPr>
         <p:spPr>
           <a:xfrm flipH="1">
-            <a:off x="914398" y="3188949"/>
+            <a:off x="796609" y="3200400"/>
             <a:ext cx="10354942" cy="4229978"/>
           </a:xfrm>
           <a:prstGeom prst="rect">
@@ -5996,7 +6423,15 @@
                   <a:schemeClr val="bg1"/>
                 </a:solidFill>
               </a:rPr>
-              <a:t>What are Galois Fields?</a:t>
+              <a:t>What are Galois Fields</a:t>
+            </a:r>
+            <a:r>
+              <a:rPr lang="en-US" sz="3200" b="1" dirty="0" smtClean="0">
+                <a:solidFill>
+                  <a:schemeClr val="bg1"/>
+                </a:solidFill>
+              </a:rPr>
+              <a:t>?</a:t>
             </a:r>
             <a:endParaRPr lang="en-US" sz="1000" b="1" dirty="0">
               <a:solidFill>
@@ -6007,28 +6442,328 @@
           </a:p>
           <a:p>
             <a:pPr algn="ctr"/>
-            <a:endParaRPr lang="en-US" sz="2800" dirty="0"/>
+            <a:endParaRPr lang="en-US" sz="2800" dirty="0" smtClean="0"/>
           </a:p>
           <a:p>
             <a:pPr algn="just"/>
             <a:r>
               <a:rPr lang="en-US" sz="2800" dirty="0"/>
-              <a:t>A field with a finite number of elements, Galois fields are a key part of number theory, abstract algebra, arithmetic algebraic geometry, and cryptography. In error detection and correction, Galois fields are utilized in cyclic redundancy check (CRC) which are used in digital networks and storage devices to detect accidental changes to raw data.</a:t>
+              <a:t>Galois fields (pronounced “Gal-o-AH</a:t>
+            </a:r>
+            <a:r>
+              <a:rPr lang="en-US" sz="2800" dirty="0" smtClean="0"/>
+              <a:t>”), or fields with a finite field order</a:t>
+            </a:r>
+            <a:r>
+              <a:rPr lang="en-US" sz="2800" dirty="0" smtClean="0"/>
+              <a:t>, are </a:t>
+            </a:r>
+            <a:r>
+              <a:rPr lang="en-US" sz="2800" dirty="0" smtClean="0"/>
+              <a:t>a key part of number theory, abstract algebra, arithmetic algebraic geometry, and cryptography. In error detection and </a:t>
+            </a:r>
+            <a:r>
+              <a:rPr lang="en-US" sz="2800" dirty="0" smtClean="0"/>
+              <a:t>correction. Galois </a:t>
+            </a:r>
+            <a:r>
+              <a:rPr lang="en-US" sz="2800" dirty="0" smtClean="0"/>
+              <a:t>fields are utilized in cyclic redundancy check (CRC) which are used in digital networks and storage devices to detect accidental changes to raw data.</a:t>
             </a:r>
           </a:p>
           <a:p>
             <a:pPr algn="just"/>
-            <a:endParaRPr lang="en-US" sz="2800" dirty="0"/>
+            <a:endParaRPr lang="en-US" sz="2800" dirty="0" smtClean="0"/>
+          </a:p>
+          <a:p>
+            <a:r>
+              <a:rPr lang="en-US" sz="2800" b="1" dirty="0" smtClean="0"/>
+              <a:t>Table 1:</a:t>
+            </a:r>
+            <a:r>
+              <a:rPr lang="en-US" sz="2800" dirty="0" smtClean="0"/>
+              <a:t> Elements of </a:t>
+            </a:r>
+            <a:r>
+              <a:rPr lang="en-US" sz="2800" dirty="0" smtClean="0"/>
+              <a:t>GF[</a:t>
+            </a:r>
+            <a:r>
+              <a:rPr lang="en-US" sz="2800" dirty="0" smtClean="0">
+                <a:solidFill>
+                  <a:srgbClr val="000000"/>
+                </a:solidFill>
+                <a:latin typeface="Arial" panose="020B0604020202020204" pitchFamily="34" charset="0"/>
+              </a:rPr>
+              <a:t>x</a:t>
+            </a:r>
+            <a:r>
+              <a:rPr lang="en-US" sz="2800" dirty="0" smtClean="0"/>
+              <a:t>](2</a:t>
+            </a:r>
+            <a:r>
+              <a:rPr lang="en-US" sz="2800" baseline="30000" dirty="0" smtClean="0">
+                <a:solidFill>
+                  <a:srgbClr val="000000"/>
+                </a:solidFill>
+                <a:latin typeface="Arial" panose="020B0604020202020204" pitchFamily="34" charset="0"/>
+              </a:rPr>
+              <a:t>3</a:t>
+            </a:r>
+            <a:r>
+              <a:rPr lang="en-US" sz="2800" dirty="0" smtClean="0"/>
+              <a:t>) = </a:t>
+            </a:r>
+            <a:r>
+              <a:rPr lang="en-US" sz="2800" dirty="0" smtClean="0">
+                <a:solidFill>
+                  <a:srgbClr val="000000"/>
+                </a:solidFill>
+                <a:latin typeface="Arial" panose="020B0604020202020204" pitchFamily="34" charset="0"/>
+              </a:rPr>
+              <a:t>x</a:t>
+            </a:r>
+            <a:r>
+              <a:rPr lang="en-US" sz="2800" baseline="30000" dirty="0" smtClean="0">
+                <a:solidFill>
+                  <a:srgbClr val="000000"/>
+                </a:solidFill>
+                <a:latin typeface="Arial" panose="020B0604020202020204" pitchFamily="34" charset="0"/>
+              </a:rPr>
+              <a:t>3</a:t>
+            </a:r>
+            <a:r>
+              <a:rPr lang="en-US" sz="2800" dirty="0" smtClean="0">
+                <a:solidFill>
+                  <a:srgbClr val="000000"/>
+                </a:solidFill>
+                <a:latin typeface="Arial" panose="020B0604020202020204" pitchFamily="34" charset="0"/>
+              </a:rPr>
+              <a:t> </a:t>
+            </a:r>
+            <a:r>
+              <a:rPr lang="en-US" sz="2800" dirty="0">
+                <a:solidFill>
+                  <a:srgbClr val="000000"/>
+                </a:solidFill>
+                <a:latin typeface="Arial" panose="020B0604020202020204" pitchFamily="34" charset="0"/>
+              </a:rPr>
+              <a:t>+ </a:t>
+            </a:r>
+            <a:r>
+              <a:rPr lang="en-US" sz="2800" dirty="0" smtClean="0">
+                <a:solidFill>
+                  <a:srgbClr val="000000"/>
+                </a:solidFill>
+                <a:latin typeface="Arial" panose="020B0604020202020204" pitchFamily="34" charset="0"/>
+              </a:rPr>
+              <a:t>x</a:t>
+            </a:r>
+            <a:r>
+              <a:rPr lang="en-US" sz="2800" baseline="30000" dirty="0" smtClean="0">
+                <a:solidFill>
+                  <a:srgbClr val="000000"/>
+                </a:solidFill>
+                <a:latin typeface="Arial" panose="020B0604020202020204" pitchFamily="34" charset="0"/>
+              </a:rPr>
+              <a:t>2</a:t>
+            </a:r>
+            <a:r>
+              <a:rPr lang="en-US" sz="2800" dirty="0" smtClean="0">
+                <a:solidFill>
+                  <a:srgbClr val="000000"/>
+                </a:solidFill>
+                <a:latin typeface="Arial" panose="020B0604020202020204" pitchFamily="34" charset="0"/>
+              </a:rPr>
+              <a:t> + x</a:t>
+            </a:r>
+            <a:r>
+              <a:rPr lang="en-US" sz="2800" baseline="30000" dirty="0" smtClean="0">
+                <a:solidFill>
+                  <a:srgbClr val="000000"/>
+                </a:solidFill>
+                <a:latin typeface="Arial" panose="020B0604020202020204" pitchFamily="34" charset="0"/>
+              </a:rPr>
+              <a:t>0</a:t>
+            </a:r>
+          </a:p>
+          <a:p>
+            <a:r>
+              <a:rPr lang="en-US" sz="2800" baseline="30000" dirty="0" smtClean="0">
+                <a:solidFill>
+                  <a:srgbClr val="000000"/>
+                </a:solidFill>
+                <a:latin typeface="Arial" panose="020B0604020202020204" pitchFamily="34" charset="0"/>
+              </a:rPr>
+              <a:t>    </a:t>
+            </a:r>
           </a:p>
           <a:p>
             <a:pPr algn="ctr"/>
-            <a:r>
-              <a:rPr lang="en-US" sz="2800" b="1" dirty="0"/>
-              <a:t>Table 1:</a:t>
+            <a:endParaRPr lang="en-US" sz="2800" baseline="30000" dirty="0" smtClean="0">
+              <a:solidFill>
+                <a:srgbClr val="000000"/>
+              </a:solidFill>
+              <a:latin typeface="Arial" panose="020B0604020202020204" pitchFamily="34" charset="0"/>
+            </a:endParaRPr>
+          </a:p>
+          <a:p>
+            <a:pPr algn="just"/>
+            <a:endParaRPr lang="en-US" sz="2800" baseline="30000" dirty="0">
+              <a:solidFill>
+                <a:srgbClr val="000000"/>
+              </a:solidFill>
+              <a:latin typeface="Arial" panose="020B0604020202020204" pitchFamily="34" charset="0"/>
+            </a:endParaRPr>
+          </a:p>
+          <a:p>
+            <a:pPr algn="just"/>
+            <a:endParaRPr lang="en-US" sz="2800" baseline="30000" dirty="0" smtClean="0">
+              <a:solidFill>
+                <a:srgbClr val="000000"/>
+              </a:solidFill>
+              <a:latin typeface="Arial" panose="020B0604020202020204" pitchFamily="34" charset="0"/>
+            </a:endParaRPr>
+          </a:p>
+          <a:p>
+            <a:pPr algn="just"/>
+            <a:endParaRPr lang="en-US" sz="2800" baseline="30000" dirty="0">
+              <a:solidFill>
+                <a:srgbClr val="000000"/>
+              </a:solidFill>
+              <a:latin typeface="Arial" panose="020B0604020202020204" pitchFamily="34" charset="0"/>
+            </a:endParaRPr>
+          </a:p>
+          <a:p>
+            <a:pPr algn="just"/>
+            <a:endParaRPr lang="en-US" sz="2800" baseline="30000" dirty="0" smtClean="0">
+              <a:solidFill>
+                <a:srgbClr val="000000"/>
+              </a:solidFill>
+              <a:latin typeface="Arial" panose="020B0604020202020204" pitchFamily="34" charset="0"/>
+            </a:endParaRPr>
+          </a:p>
+          <a:p>
+            <a:pPr algn="just"/>
+            <a:endParaRPr lang="en-US" sz="2800" baseline="30000" dirty="0" smtClean="0">
+              <a:solidFill>
+                <a:srgbClr val="000000"/>
+              </a:solidFill>
+              <a:latin typeface="Arial" panose="020B0604020202020204" pitchFamily="34" charset="0"/>
+            </a:endParaRPr>
+          </a:p>
+          <a:p>
+            <a:pPr algn="just"/>
+            <a:endParaRPr lang="en-US" sz="2800" baseline="30000" dirty="0">
+              <a:solidFill>
+                <a:srgbClr val="000000"/>
+              </a:solidFill>
+              <a:latin typeface="Arial" panose="020B0604020202020204" pitchFamily="34" charset="0"/>
+            </a:endParaRPr>
+          </a:p>
+          <a:p>
+            <a:pPr algn="just"/>
+            <a:endParaRPr lang="en-US" sz="2800" baseline="30000" dirty="0">
+              <a:solidFill>
+                <a:srgbClr val="000000"/>
+              </a:solidFill>
+              <a:latin typeface="Arial" panose="020B0604020202020204" pitchFamily="34" charset="0"/>
+            </a:endParaRPr>
+          </a:p>
+          <a:p>
+            <a:pPr algn="just"/>
+            <a:endParaRPr lang="en-US" sz="2800" baseline="30000" dirty="0" smtClean="0">
+              <a:solidFill>
+                <a:srgbClr val="000000"/>
+              </a:solidFill>
+              <a:latin typeface="Arial" panose="020B0604020202020204" pitchFamily="34" charset="0"/>
+            </a:endParaRPr>
+          </a:p>
+          <a:p>
+            <a:pPr algn="just"/>
+            <a:endParaRPr lang="en-US" sz="2800" baseline="30000" dirty="0">
+              <a:solidFill>
+                <a:srgbClr val="000000"/>
+              </a:solidFill>
+              <a:latin typeface="Arial" panose="020B0604020202020204" pitchFamily="34" charset="0"/>
+            </a:endParaRPr>
+          </a:p>
+          <a:p>
+            <a:pPr algn="just"/>
+            <a:endParaRPr lang="en-US" sz="2800" baseline="30000" dirty="0" smtClean="0">
+              <a:solidFill>
+                <a:srgbClr val="000000"/>
+              </a:solidFill>
+              <a:latin typeface="Arial" panose="020B0604020202020204" pitchFamily="34" charset="0"/>
+            </a:endParaRPr>
+          </a:p>
+          <a:p>
+            <a:pPr algn="just"/>
+            <a:endParaRPr lang="en-US" sz="2800" baseline="30000" dirty="0">
+              <a:solidFill>
+                <a:srgbClr val="000000"/>
+              </a:solidFill>
+              <a:latin typeface="Arial" panose="020B0604020202020204" pitchFamily="34" charset="0"/>
+            </a:endParaRPr>
+          </a:p>
+          <a:p>
+            <a:pPr algn="just"/>
+            <a:endParaRPr lang="en-US" sz="2800" baseline="30000" dirty="0">
+              <a:solidFill>
+                <a:srgbClr val="000000"/>
+              </a:solidFill>
+              <a:latin typeface="Arial" panose="020B0604020202020204" pitchFamily="34" charset="0"/>
+            </a:endParaRPr>
+          </a:p>
+          <a:p>
+            <a:pPr algn="just"/>
+            <a:endParaRPr lang="en-US" sz="2800" baseline="30000" dirty="0" smtClean="0">
+              <a:solidFill>
+                <a:srgbClr val="000000"/>
+              </a:solidFill>
+              <a:latin typeface="Arial" panose="020B0604020202020204" pitchFamily="34" charset="0"/>
+            </a:endParaRPr>
+          </a:p>
+          <a:p>
+            <a:r>
+              <a:rPr lang="en-US" sz="2800" b="1" dirty="0" smtClean="0">
+                <a:solidFill>
+                  <a:srgbClr val="000000"/>
+                </a:solidFill>
+              </a:rPr>
+              <a:t>                                                                Figure </a:t>
+            </a:r>
+            <a:r>
+              <a:rPr lang="en-US" sz="2800" b="1" dirty="0">
+                <a:solidFill>
+                  <a:srgbClr val="000000"/>
+                </a:solidFill>
+              </a:rPr>
+              <a:t>1:</a:t>
+            </a:r>
+            <a:r>
+              <a:rPr lang="en-US" sz="2800" dirty="0">
+                <a:solidFill>
+                  <a:srgbClr val="000000"/>
+                </a:solidFill>
+              </a:rPr>
+              <a:t> </a:t>
+            </a:r>
+            <a:r>
+              <a:rPr lang="en-US" sz="2800" dirty="0" smtClean="0">
+                <a:solidFill>
+                  <a:srgbClr val="000000"/>
+                </a:solidFill>
+              </a:rPr>
+              <a:t>Example 							        Operations </a:t>
+            </a:r>
+            <a:r>
+              <a:rPr lang="en-US" sz="2800" dirty="0" smtClean="0"/>
+              <a:t>in </a:t>
             </a:r>
             <a:r>
               <a:rPr lang="en-US" sz="2800" dirty="0"/>
-              <a:t> Elements of </a:t>
+              <a:t>GF[</a:t>
             </a:r>
             <a:r>
               <a:rPr lang="en-US" sz="2800" dirty="0">
@@ -6040,6 +6775,10 @@
               <a:t>x</a:t>
             </a:r>
             <a:r>
+              <a:rPr lang="en-US" sz="2800" dirty="0"/>
+              <a:t>](2</a:t>
+            </a:r>
+            <a:r>
               <a:rPr lang="en-US" sz="2800" baseline="30000" dirty="0">
                 <a:solidFill>
                   <a:srgbClr val="000000"/>
@@ -6049,45 +6788,10 @@
               <a:t>3</a:t>
             </a:r>
             <a:r>
-              <a:rPr lang="en-US" sz="2800" dirty="0">
-                <a:solidFill>
-                  <a:srgbClr val="000000"/>
-                </a:solidFill>
-                <a:latin typeface="Arial" panose="020B0604020202020204" pitchFamily="34" charset="0"/>
-              </a:rPr>
-              <a:t> + x</a:t>
-            </a:r>
-            <a:r>
-              <a:rPr lang="en-US" sz="2800" baseline="30000" dirty="0">
-                <a:solidFill>
-                  <a:srgbClr val="000000"/>
-                </a:solidFill>
-                <a:latin typeface="Arial" panose="020B0604020202020204" pitchFamily="34" charset="0"/>
-              </a:rPr>
-              <a:t>2</a:t>
-            </a:r>
-            <a:r>
-              <a:rPr lang="en-US" sz="2800" dirty="0">
-                <a:solidFill>
-                  <a:srgbClr val="000000"/>
-                </a:solidFill>
-                <a:latin typeface="Arial" panose="020B0604020202020204" pitchFamily="34" charset="0"/>
-              </a:rPr>
-              <a:t> + x</a:t>
-            </a:r>
-            <a:r>
-              <a:rPr lang="en-US" sz="2800" baseline="30000" dirty="0">
-                <a:solidFill>
-                  <a:srgbClr val="000000"/>
-                </a:solidFill>
-                <a:latin typeface="Arial" panose="020B0604020202020204" pitchFamily="34" charset="0"/>
-              </a:rPr>
-              <a:t>0</a:t>
-            </a:r>
-          </a:p>
-          <a:p>
-            <a:pPr algn="ctr"/>
-            <a:endParaRPr lang="en-US" sz="2800" baseline="30000" dirty="0">
+              <a:rPr lang="en-US" sz="2800" dirty="0"/>
+              <a:t>)</a:t>
+            </a:r>
+            <a:endParaRPr lang="en-US" sz="2800" baseline="30000" dirty="0" smtClean="0">
               <a:solidFill>
                 <a:srgbClr val="000000"/>
               </a:solidFill>
@@ -6096,7 +6800,7 @@
           </a:p>
           <a:p>
             <a:pPr algn="just"/>
-            <a:endParaRPr lang="en-US" sz="2800" baseline="30000" dirty="0">
+            <a:endParaRPr lang="en-US" sz="2800" baseline="30000" dirty="0" smtClean="0">
               <a:solidFill>
                 <a:srgbClr val="000000"/>
               </a:solidFill>
@@ -6104,8 +6808,56 @@
             </a:endParaRPr>
           </a:p>
           <a:p>
-            <a:pPr algn="just"/>
-            <a:endParaRPr lang="en-US" sz="2800" baseline="30000" dirty="0">
+            <a:pPr algn="ctr"/>
+            <a:endParaRPr lang="en-US" sz="1000" b="1" dirty="0" smtClean="0">
+              <a:solidFill>
+                <a:schemeClr val="bg1"/>
+              </a:solidFill>
+            </a:endParaRPr>
+          </a:p>
+          <a:p>
+            <a:pPr algn="ctr"/>
+            <a:endParaRPr lang="en-US" sz="1000" b="1" dirty="0">
+              <a:solidFill>
+                <a:schemeClr val="bg1"/>
+              </a:solidFill>
+            </a:endParaRPr>
+          </a:p>
+          <a:p>
+            <a:pPr algn="ctr"/>
+            <a:endParaRPr lang="en-US" sz="1000" b="1" dirty="0" smtClean="0">
+              <a:solidFill>
+                <a:schemeClr val="bg1"/>
+              </a:solidFill>
+            </a:endParaRPr>
+          </a:p>
+          <a:p>
+            <a:pPr algn="ctr"/>
+            <a:endParaRPr lang="en-US" sz="1000" b="1" dirty="0">
+              <a:solidFill>
+                <a:schemeClr val="bg1"/>
+              </a:solidFill>
+            </a:endParaRPr>
+          </a:p>
+          <a:p>
+            <a:pPr algn="ctr"/>
+            <a:endParaRPr lang="en-US" sz="1000" b="1" dirty="0">
+              <a:solidFill>
+                <a:schemeClr val="bg1"/>
+              </a:solidFill>
+            </a:endParaRPr>
+          </a:p>
+          <a:p>
+            <a:pPr algn="ctr"/>
+            <a:r>
+              <a:rPr lang="en-US" sz="3200" b="1" dirty="0" smtClean="0">
+                <a:solidFill>
+                  <a:schemeClr val="bg1"/>
+                </a:solidFill>
+              </a:rPr>
+              <a:t>Objective</a:t>
+            </a:r>
+            <a:endParaRPr lang="en-US" sz="3200" baseline="30000" dirty="0">
               <a:solidFill>
                 <a:srgbClr val="000000"/>
               </a:solidFill>
@@ -6113,322 +6865,8 @@
             </a:endParaRPr>
           </a:p>
           <a:p>
-            <a:pPr algn="just"/>
-            <a:endParaRPr lang="en-US" sz="2800" baseline="30000" dirty="0">
-              <a:solidFill>
-                <a:srgbClr val="000000"/>
-              </a:solidFill>
-              <a:latin typeface="Arial" panose="020B0604020202020204" pitchFamily="34" charset="0"/>
-            </a:endParaRPr>
-          </a:p>
-          <a:p>
-            <a:pPr algn="just"/>
-            <a:endParaRPr lang="en-US" sz="2800" baseline="30000" dirty="0">
-              <a:solidFill>
-                <a:srgbClr val="000000"/>
-              </a:solidFill>
-              <a:latin typeface="Arial" panose="020B0604020202020204" pitchFamily="34" charset="0"/>
-            </a:endParaRPr>
-          </a:p>
-          <a:p>
-            <a:pPr algn="just"/>
-            <a:endParaRPr lang="en-US" sz="2800" baseline="30000" dirty="0">
-              <a:solidFill>
-                <a:srgbClr val="000000"/>
-              </a:solidFill>
-              <a:latin typeface="Arial" panose="020B0604020202020204" pitchFamily="34" charset="0"/>
-            </a:endParaRPr>
-          </a:p>
-          <a:p>
-            <a:pPr algn="just"/>
-            <a:endParaRPr lang="en-US" sz="2800" baseline="30000" dirty="0">
-              <a:solidFill>
-                <a:srgbClr val="000000"/>
-              </a:solidFill>
-              <a:latin typeface="Arial" panose="020B0604020202020204" pitchFamily="34" charset="0"/>
-            </a:endParaRPr>
-          </a:p>
-          <a:p>
-            <a:pPr algn="just"/>
-            <a:endParaRPr lang="en-US" sz="2800" baseline="30000" dirty="0">
-              <a:solidFill>
-                <a:srgbClr val="000000"/>
-              </a:solidFill>
-              <a:latin typeface="Arial" panose="020B0604020202020204" pitchFamily="34" charset="0"/>
-            </a:endParaRPr>
-          </a:p>
-          <a:p>
-            <a:pPr algn="just"/>
-            <a:endParaRPr lang="en-US" sz="2800" baseline="30000" dirty="0">
-              <a:solidFill>
-                <a:srgbClr val="000000"/>
-              </a:solidFill>
-              <a:latin typeface="Arial" panose="020B0604020202020204" pitchFamily="34" charset="0"/>
-            </a:endParaRPr>
-          </a:p>
-          <a:p>
-            <a:pPr algn="just"/>
-            <a:endParaRPr lang="en-US" sz="2800" baseline="30000" dirty="0">
-              <a:solidFill>
-                <a:srgbClr val="000000"/>
-              </a:solidFill>
-              <a:latin typeface="Arial" panose="020B0604020202020204" pitchFamily="34" charset="0"/>
-            </a:endParaRPr>
-          </a:p>
-          <a:p>
-            <a:pPr algn="just"/>
-            <a:endParaRPr lang="en-US" sz="2800" baseline="30000" dirty="0">
-              <a:solidFill>
-                <a:srgbClr val="000000"/>
-              </a:solidFill>
-              <a:latin typeface="Arial" panose="020B0604020202020204" pitchFamily="34" charset="0"/>
-            </a:endParaRPr>
-          </a:p>
-          <a:p>
-            <a:pPr algn="just"/>
-            <a:endParaRPr lang="en-US" sz="2800" baseline="30000" dirty="0">
-              <a:solidFill>
-                <a:srgbClr val="000000"/>
-              </a:solidFill>
-              <a:latin typeface="Arial" panose="020B0604020202020204" pitchFamily="34" charset="0"/>
-            </a:endParaRPr>
-          </a:p>
-          <a:p>
-            <a:pPr algn="just"/>
-            <a:endParaRPr lang="en-US" sz="2800" baseline="30000" dirty="0">
-              <a:solidFill>
-                <a:srgbClr val="000000"/>
-              </a:solidFill>
-              <a:latin typeface="Arial" panose="020B0604020202020204" pitchFamily="34" charset="0"/>
-            </a:endParaRPr>
-          </a:p>
-          <a:p>
-            <a:pPr algn="just"/>
-            <a:endParaRPr lang="en-US" sz="2800" baseline="30000" dirty="0">
-              <a:solidFill>
-                <a:srgbClr val="000000"/>
-              </a:solidFill>
-              <a:latin typeface="Arial" panose="020B0604020202020204" pitchFamily="34" charset="0"/>
-            </a:endParaRPr>
-          </a:p>
-          <a:p>
-            <a:pPr algn="just"/>
-            <a:endParaRPr lang="en-US" sz="2800" baseline="30000" dirty="0">
-              <a:solidFill>
-                <a:srgbClr val="000000"/>
-              </a:solidFill>
-              <a:latin typeface="Arial" panose="020B0604020202020204" pitchFamily="34" charset="0"/>
-            </a:endParaRPr>
-          </a:p>
-          <a:p>
-            <a:pPr algn="just"/>
-            <a:endParaRPr lang="en-US" sz="2800" baseline="30000" dirty="0">
-              <a:solidFill>
-                <a:srgbClr val="000000"/>
-              </a:solidFill>
-              <a:latin typeface="Arial" panose="020B0604020202020204" pitchFamily="34" charset="0"/>
-            </a:endParaRPr>
-          </a:p>
-          <a:p>
-            <a:pPr algn="just"/>
-            <a:endParaRPr lang="en-US" sz="2800" baseline="30000" dirty="0">
-              <a:solidFill>
-                <a:srgbClr val="000000"/>
-              </a:solidFill>
-              <a:latin typeface="Arial" panose="020B0604020202020204" pitchFamily="34" charset="0"/>
-            </a:endParaRPr>
-          </a:p>
-          <a:p>
-            <a:pPr algn="just"/>
-            <a:endParaRPr lang="en-US" sz="2800" baseline="30000" dirty="0">
-              <a:solidFill>
-                <a:srgbClr val="000000"/>
-              </a:solidFill>
-              <a:latin typeface="Arial" panose="020B0604020202020204" pitchFamily="34" charset="0"/>
-            </a:endParaRPr>
-          </a:p>
-          <a:p>
-            <a:pPr algn="just"/>
-            <a:endParaRPr lang="en-US" sz="2800" baseline="30000" dirty="0">
-              <a:solidFill>
-                <a:srgbClr val="000000"/>
-              </a:solidFill>
-              <a:latin typeface="Arial" panose="020B0604020202020204" pitchFamily="34" charset="0"/>
-            </a:endParaRPr>
-          </a:p>
-          <a:p>
-            <a:pPr algn="just"/>
-            <a:endParaRPr lang="en-US" sz="2800" baseline="30000" dirty="0">
-              <a:solidFill>
-                <a:srgbClr val="000000"/>
-              </a:solidFill>
-              <a:latin typeface="Arial" panose="020B0604020202020204" pitchFamily="34" charset="0"/>
-            </a:endParaRPr>
-          </a:p>
-          <a:p>
-            <a:pPr algn="just"/>
-            <a:endParaRPr lang="en-US" sz="2800" baseline="30000" dirty="0">
-              <a:solidFill>
-                <a:srgbClr val="000000"/>
-              </a:solidFill>
-              <a:latin typeface="Arial" panose="020B0604020202020204" pitchFamily="34" charset="0"/>
-            </a:endParaRPr>
-          </a:p>
-          <a:p>
-            <a:pPr algn="just"/>
-            <a:endParaRPr lang="en-US" sz="2800" baseline="30000" dirty="0">
-              <a:solidFill>
-                <a:srgbClr val="000000"/>
-              </a:solidFill>
-              <a:latin typeface="Arial" panose="020B0604020202020204" pitchFamily="34" charset="0"/>
-            </a:endParaRPr>
-          </a:p>
-          <a:p>
-            <a:pPr algn="just"/>
-            <a:endParaRPr lang="en-US" sz="2800" baseline="-25000" dirty="0">
-              <a:solidFill>
-                <a:srgbClr val="000000"/>
-              </a:solidFill>
-              <a:latin typeface="Arial" panose="020B0604020202020204" pitchFamily="34" charset="0"/>
-            </a:endParaRPr>
-          </a:p>
-          <a:p>
             <a:pPr algn="ctr"/>
-            <a:r>
-              <a:rPr lang="en-US" sz="2800" b="1" dirty="0">
-                <a:solidFill>
-                  <a:srgbClr val="000000"/>
-                </a:solidFill>
-              </a:rPr>
-              <a:t>Figure 1:</a:t>
-            </a:r>
-            <a:r>
-              <a:rPr lang="en-US" sz="2800" dirty="0">
-                <a:solidFill>
-                  <a:srgbClr val="000000"/>
-                </a:solidFill>
-              </a:rPr>
-              <a:t> Operations of </a:t>
-            </a:r>
-            <a:r>
-              <a:rPr lang="en-US" sz="2800" dirty="0"/>
-              <a:t>elements of </a:t>
-            </a:r>
-            <a:r>
-              <a:rPr lang="en-US" sz="2800" dirty="0">
-                <a:solidFill>
-                  <a:srgbClr val="000000"/>
-                </a:solidFill>
-                <a:latin typeface="Arial" panose="020B0604020202020204" pitchFamily="34" charset="0"/>
-              </a:rPr>
-              <a:t>x</a:t>
-            </a:r>
-            <a:r>
-              <a:rPr lang="en-US" sz="2800" baseline="30000" dirty="0">
-                <a:solidFill>
-                  <a:srgbClr val="000000"/>
-                </a:solidFill>
-                <a:latin typeface="Arial" panose="020B0604020202020204" pitchFamily="34" charset="0"/>
-              </a:rPr>
-              <a:t>3</a:t>
-            </a:r>
-            <a:r>
-              <a:rPr lang="en-US" sz="2800" dirty="0">
-                <a:solidFill>
-                  <a:srgbClr val="000000"/>
-                </a:solidFill>
-                <a:latin typeface="Arial" panose="020B0604020202020204" pitchFamily="34" charset="0"/>
-              </a:rPr>
-              <a:t> + x</a:t>
-            </a:r>
-            <a:r>
-              <a:rPr lang="en-US" sz="2800" baseline="30000" dirty="0">
-                <a:solidFill>
-                  <a:srgbClr val="000000"/>
-                </a:solidFill>
-                <a:latin typeface="Arial" panose="020B0604020202020204" pitchFamily="34" charset="0"/>
-              </a:rPr>
-              <a:t>2</a:t>
-            </a:r>
-            <a:r>
-              <a:rPr lang="en-US" sz="2800" dirty="0">
-                <a:solidFill>
-                  <a:srgbClr val="000000"/>
-                </a:solidFill>
-                <a:latin typeface="Arial" panose="020B0604020202020204" pitchFamily="34" charset="0"/>
-              </a:rPr>
-              <a:t> + x</a:t>
-            </a:r>
-            <a:r>
-              <a:rPr lang="en-US" sz="2800" baseline="30000" dirty="0">
-                <a:solidFill>
-                  <a:srgbClr val="000000"/>
-                </a:solidFill>
-                <a:latin typeface="Arial" panose="020B0604020202020204" pitchFamily="34" charset="0"/>
-              </a:rPr>
-              <a:t>0</a:t>
-            </a:r>
-          </a:p>
-          <a:p>
-            <a:pPr algn="ctr"/>
-            <a:endParaRPr lang="en-US" sz="2800" baseline="30000" dirty="0">
-              <a:solidFill>
-                <a:srgbClr val="000000"/>
-              </a:solidFill>
-              <a:latin typeface="Arial" panose="020B0604020202020204" pitchFamily="34" charset="0"/>
-            </a:endParaRPr>
-          </a:p>
-          <a:p>
-            <a:pPr algn="just"/>
-            <a:endParaRPr lang="en-US" sz="2800" baseline="30000" dirty="0">
-              <a:solidFill>
-                <a:srgbClr val="000000"/>
-              </a:solidFill>
-              <a:latin typeface="Arial" panose="020B0604020202020204" pitchFamily="34" charset="0"/>
-            </a:endParaRPr>
-          </a:p>
-          <a:p>
-            <a:pPr algn="ctr"/>
-            <a:endParaRPr lang="en-US" sz="2800" dirty="0"/>
-          </a:p>
-          <a:p>
-            <a:pPr algn="ctr"/>
-            <a:endParaRPr lang="en-US" sz="2800" b="1" dirty="0">
-              <a:solidFill>
-                <a:schemeClr val="bg1"/>
-              </a:solidFill>
-            </a:endParaRPr>
-          </a:p>
-          <a:p>
-            <a:pPr algn="ctr"/>
-            <a:endParaRPr lang="en-US" sz="2800" b="1" dirty="0">
-              <a:solidFill>
-                <a:schemeClr val="bg1"/>
-              </a:solidFill>
-            </a:endParaRPr>
-          </a:p>
-          <a:p>
-            <a:pPr algn="ctr"/>
-            <a:endParaRPr lang="en-US" sz="2800" b="1" dirty="0">
-              <a:solidFill>
-                <a:schemeClr val="bg1"/>
-              </a:solidFill>
-            </a:endParaRPr>
-          </a:p>
-          <a:p>
-            <a:pPr algn="ctr"/>
-            <a:r>
-              <a:rPr lang="en-US" sz="3200" b="1" dirty="0">
-                <a:solidFill>
-                  <a:schemeClr val="bg1"/>
-                </a:solidFill>
-              </a:rPr>
-              <a:t>Objective</a:t>
-            </a:r>
-          </a:p>
-          <a:p>
-            <a:pPr algn="just"/>
-            <a:endParaRPr lang="en-US" sz="2800" b="1" dirty="0">
+            <a:endParaRPr lang="en-US" sz="2800" b="1" dirty="0" smtClean="0">
               <a:solidFill>
                 <a:schemeClr val="bg1"/>
               </a:solidFill>
@@ -6438,7 +6876,7 @@
           <a:p>
             <a:pPr algn="just"/>
             <a:r>
-              <a:rPr lang="en-US" sz="2800" dirty="0">
+              <a:rPr lang="en-US" sz="2800" dirty="0" smtClean="0">
                 <a:solidFill>
                   <a:srgbClr val="000000"/>
                 </a:solidFill>
@@ -6449,7 +6887,7 @@
           </a:p>
           <a:p>
             <a:pPr algn="just"/>
-            <a:endParaRPr lang="en-US" sz="2800" dirty="0">
+            <a:endParaRPr lang="en-US" sz="2800" dirty="0" smtClean="0">
               <a:solidFill>
                 <a:srgbClr val="000000"/>
               </a:solidFill>
@@ -6459,7 +6897,7 @@
           <a:p>
             <a:pPr algn="ctr"/>
             <a:r>
-              <a:rPr lang="en-US" sz="3200" b="1" dirty="0">
+              <a:rPr lang="en-US" sz="3200" b="1" dirty="0" smtClean="0">
                 <a:solidFill>
                   <a:schemeClr val="bg1"/>
                 </a:solidFill>
@@ -6469,7 +6907,7 @@
           </a:p>
           <a:p>
             <a:pPr algn="ctr"/>
-            <a:endParaRPr lang="en-US" sz="2800" b="1" dirty="0">
+            <a:endParaRPr lang="en-US" sz="2800" b="1" dirty="0" smtClean="0">
               <a:solidFill>
                 <a:schemeClr val="bg1"/>
               </a:solidFill>
@@ -6482,7 +6920,7 @@
               <a:buChar char="§"/>
             </a:pPr>
             <a:r>
-              <a:rPr lang="en-US" sz="2800" dirty="0">
+              <a:rPr lang="en-US" sz="2800" dirty="0" smtClean="0">
                 <a:solidFill>
                   <a:srgbClr val="000000"/>
                 </a:solidFill>
@@ -6503,7 +6941,7 @@
               <a:buChar char="§"/>
             </a:pPr>
             <a:r>
-              <a:rPr lang="en-US" sz="2800" dirty="0">
+              <a:rPr lang="en-US" sz="2800" dirty="0" smtClean="0">
                 <a:solidFill>
                   <a:srgbClr val="000000"/>
                 </a:solidFill>
@@ -6524,13 +6962,22 @@
               <a:buChar char="§"/>
             </a:pPr>
             <a:r>
+              <a:rPr lang="en-US" sz="2800" dirty="0" smtClean="0">
+                <a:solidFill>
+                  <a:srgbClr val="000000"/>
+                </a:solidFill>
+                <a:latin typeface="Arial" panose="020B0604020202020204" pitchFamily="34" charset="0"/>
+              </a:rPr>
+              <a:t>Capability </a:t>
+            </a:r>
+            <a:r>
               <a:rPr lang="en-US" sz="2800" dirty="0">
                 <a:solidFill>
                   <a:srgbClr val="000000"/>
                 </a:solidFill>
                 <a:latin typeface="Arial" panose="020B0604020202020204" pitchFamily="34" charset="0"/>
               </a:rPr>
-              <a:t>Capability of design limited only by external memory capacity</a:t>
+              <a:t>of design limited only by external memory capacity</a:t>
             </a:r>
           </a:p>
           <a:p>
@@ -6554,8 +7001,58 @@
                 </a:solidFill>
                 <a:latin typeface="Arial" panose="020B0604020202020204" pitchFamily="34" charset="0"/>
               </a:rPr>
-              <a:t>&lt;BRIAN&gt;</a:t>
-            </a:r>
+              <a:t>&lt;BRIAN</a:t>
+            </a:r>
+            <a:r>
+              <a:rPr lang="en-US" sz="2800" b="1" dirty="0" smtClean="0">
+                <a:solidFill>
+                  <a:srgbClr val="000000"/>
+                </a:solidFill>
+                <a:latin typeface="Arial" panose="020B0604020202020204" pitchFamily="34" charset="0"/>
+              </a:rPr>
+              <a:t>&gt;</a:t>
+            </a:r>
+          </a:p>
+          <a:p>
+            <a:pPr marL="457200" indent="-457200">
+              <a:buFont typeface="Wingdings" panose="05000000000000000000" pitchFamily="2" charset="2"/>
+              <a:buChar char="§"/>
+            </a:pPr>
+            <a:endParaRPr lang="en-US" sz="2800" b="1" dirty="0" smtClean="0">
+              <a:solidFill>
+                <a:srgbClr val="000000"/>
+              </a:solidFill>
+              <a:latin typeface="Arial" panose="020B0604020202020204" pitchFamily="34" charset="0"/>
+            </a:endParaRPr>
+          </a:p>
+          <a:p>
+            <a:pPr algn="ctr"/>
+            <a:r>
+              <a:rPr lang="en-US" sz="3200" b="1" dirty="0" smtClean="0">
+                <a:solidFill>
+                  <a:schemeClr val="bg1"/>
+                </a:solidFill>
+              </a:rPr>
+              <a:t>Design Overview</a:t>
+            </a:r>
+            <a:endParaRPr lang="en-US" sz="3200" b="1" dirty="0" smtClean="0">
+              <a:solidFill>
+                <a:schemeClr val="bg1"/>
+              </a:solidFill>
+              <a:cs typeface="Arial" panose="020B0604020202020204" pitchFamily="34" charset="0"/>
+            </a:endParaRPr>
+          </a:p>
+          <a:p>
+            <a:pPr marL="457200" indent="-457200">
+              <a:buFont typeface="Wingdings" panose="05000000000000000000" pitchFamily="2" charset="2"/>
+              <a:buChar char="§"/>
+            </a:pPr>
+            <a:endParaRPr lang="en-US" sz="2800" b="1" dirty="0" smtClean="0">
+              <a:solidFill>
+                <a:srgbClr val="000000"/>
+              </a:solidFill>
+              <a:latin typeface="Arial" panose="020B0604020202020204" pitchFamily="34" charset="0"/>
+            </a:endParaRPr>
           </a:p>
           <a:p>
             <a:pPr marL="457200" indent="-457200">
@@ -6570,26 +7067,154 @@
             </a:endParaRPr>
           </a:p>
           <a:p>
+            <a:pPr marL="457200" indent="-457200">
+              <a:buFont typeface="Wingdings" panose="05000000000000000000" pitchFamily="2" charset="2"/>
+              <a:buChar char="§"/>
+            </a:pPr>
+            <a:endParaRPr lang="en-US" sz="2800" b="1" dirty="0" smtClean="0">
+              <a:solidFill>
+                <a:srgbClr val="000000"/>
+              </a:solidFill>
+              <a:latin typeface="Arial" panose="020B0604020202020204" pitchFamily="34" charset="0"/>
+            </a:endParaRPr>
+          </a:p>
+          <a:p>
+            <a:pPr marL="457200" indent="-457200">
+              <a:buFont typeface="Wingdings" panose="05000000000000000000" pitchFamily="2" charset="2"/>
+              <a:buChar char="§"/>
+            </a:pPr>
+            <a:endParaRPr lang="en-US" sz="2800" b="1" dirty="0">
+              <a:solidFill>
+                <a:srgbClr val="000000"/>
+              </a:solidFill>
+              <a:latin typeface="Arial" panose="020B0604020202020204" pitchFamily="34" charset="0"/>
+            </a:endParaRPr>
+          </a:p>
+          <a:p>
+            <a:pPr marL="457200" indent="-457200">
+              <a:buFont typeface="Wingdings" panose="05000000000000000000" pitchFamily="2" charset="2"/>
+              <a:buChar char="§"/>
+            </a:pPr>
+            <a:endParaRPr lang="en-US" sz="2800" b="1" dirty="0" smtClean="0">
+              <a:solidFill>
+                <a:srgbClr val="000000"/>
+              </a:solidFill>
+              <a:latin typeface="Arial" panose="020B0604020202020204" pitchFamily="34" charset="0"/>
+            </a:endParaRPr>
+          </a:p>
+          <a:p>
+            <a:pPr marL="457200" indent="-457200">
+              <a:buFont typeface="Wingdings" panose="05000000000000000000" pitchFamily="2" charset="2"/>
+              <a:buChar char="§"/>
+            </a:pPr>
+            <a:endParaRPr lang="en-US" sz="2800" b="1" dirty="0">
+              <a:solidFill>
+                <a:srgbClr val="000000"/>
+              </a:solidFill>
+              <a:latin typeface="Arial" panose="020B0604020202020204" pitchFamily="34" charset="0"/>
+            </a:endParaRPr>
+          </a:p>
+          <a:p>
+            <a:pPr marL="457200" indent="-457200">
+              <a:buFont typeface="Wingdings" panose="05000000000000000000" pitchFamily="2" charset="2"/>
+              <a:buChar char="§"/>
+            </a:pPr>
+            <a:endParaRPr lang="en-US" sz="2800" b="1" dirty="0" smtClean="0">
+              <a:solidFill>
+                <a:srgbClr val="000000"/>
+              </a:solidFill>
+              <a:latin typeface="Arial" panose="020B0604020202020204" pitchFamily="34" charset="0"/>
+            </a:endParaRPr>
+          </a:p>
+          <a:p>
+            <a:pPr marL="457200" indent="-457200">
+              <a:buFont typeface="Wingdings" panose="05000000000000000000" pitchFamily="2" charset="2"/>
+              <a:buChar char="§"/>
+            </a:pPr>
+            <a:endParaRPr lang="en-US" sz="2800" b="1" dirty="0">
+              <a:solidFill>
+                <a:srgbClr val="000000"/>
+              </a:solidFill>
+              <a:latin typeface="Arial" panose="020B0604020202020204" pitchFamily="34" charset="0"/>
+            </a:endParaRPr>
+          </a:p>
+          <a:p>
+            <a:endParaRPr lang="en-US" sz="2800" b="1" dirty="0">
+              <a:solidFill>
+                <a:srgbClr val="000000"/>
+              </a:solidFill>
+              <a:latin typeface="Arial" panose="020B0604020202020204" pitchFamily="34" charset="0"/>
+            </a:endParaRPr>
+          </a:p>
+          <a:p>
+            <a:pPr marL="457200" indent="-457200">
+              <a:buFont typeface="Wingdings" panose="05000000000000000000" pitchFamily="2" charset="2"/>
+              <a:buChar char="§"/>
+            </a:pPr>
+            <a:endParaRPr lang="en-US" sz="2800" b="1" dirty="0" smtClean="0">
+              <a:solidFill>
+                <a:srgbClr val="000000"/>
+              </a:solidFill>
+              <a:latin typeface="Arial" panose="020B0604020202020204" pitchFamily="34" charset="0"/>
+            </a:endParaRPr>
+          </a:p>
+          <a:p>
+            <a:pPr marL="457200" indent="-457200">
+              <a:buFont typeface="Wingdings" panose="05000000000000000000" pitchFamily="2" charset="2"/>
+              <a:buChar char="§"/>
+            </a:pPr>
+            <a:endParaRPr lang="en-US" sz="2800" b="1" dirty="0">
+              <a:solidFill>
+                <a:srgbClr val="000000"/>
+              </a:solidFill>
+              <a:latin typeface="Arial" panose="020B0604020202020204" pitchFamily="34" charset="0"/>
+            </a:endParaRPr>
+          </a:p>
+          <a:p>
             <a:pPr algn="ctr"/>
             <a:r>
-              <a:rPr lang="en-US" sz="3200" b="1" dirty="0">
-                <a:solidFill>
-                  <a:schemeClr val="bg1"/>
-                </a:solidFill>
+              <a:rPr lang="en-US" sz="2800" b="1" dirty="0">
+                <a:latin typeface="Arial" panose="020B0604020202020204" pitchFamily="34" charset="0"/>
+                <a:cs typeface="Arial" panose="020B0604020202020204" pitchFamily="34" charset="0"/>
               </a:rPr>
-              <a:t>Prototype Design Specification</a:t>
-            </a:r>
-            <a:endParaRPr lang="en-US" sz="3200" b="1" dirty="0">
+              <a:t>Figure 3: </a:t>
+            </a:r>
+            <a:r>
+              <a:rPr lang="en-US" sz="2800" dirty="0">
+                <a:latin typeface="Arial" panose="020B0604020202020204" pitchFamily="34" charset="0"/>
+                <a:cs typeface="Arial" panose="020B0604020202020204" pitchFamily="34" charset="0"/>
+              </a:rPr>
+              <a:t>Functional Flow Diagram</a:t>
+            </a:r>
+          </a:p>
+          <a:p>
+            <a:pPr marL="457200" indent="-457200">
+              <a:buFont typeface="Wingdings" panose="05000000000000000000" pitchFamily="2" charset="2"/>
+              <a:buChar char="§"/>
+            </a:pPr>
+            <a:endParaRPr lang="en-US" sz="2800" b="1" dirty="0" smtClean="0">
               <a:solidFill>
-                <a:schemeClr val="bg1"/>
+                <a:srgbClr val="000000"/>
               </a:solidFill>
-              <a:cs typeface="Arial" panose="020B0604020202020204" pitchFamily="34" charset="0"/>
+              <a:latin typeface="Arial" panose="020B0604020202020204" pitchFamily="34" charset="0"/>
             </a:endParaRPr>
           </a:p>
           <a:p>
+            <a:pPr marL="457200" indent="-457200">
+              <a:buFont typeface="Wingdings" panose="05000000000000000000" pitchFamily="2" charset="2"/>
+              <a:buChar char="§"/>
+            </a:pPr>
+            <a:endParaRPr lang="en-US" sz="2800" b="1" dirty="0">
+              <a:solidFill>
+                <a:srgbClr val="000000"/>
+              </a:solidFill>
+              <a:latin typeface="Arial" panose="020B0604020202020204" pitchFamily="34" charset="0"/>
+            </a:endParaRPr>
+          </a:p>
+          <a:p>
             <a:pPr algn="ctr"/>
             <a:r>
-              <a:rPr lang="en-US" sz="2800" b="1" dirty="0">
+              <a:rPr lang="en-US" sz="2800" b="1" dirty="0" smtClean="0">
                 <a:solidFill>
                   <a:schemeClr val="bg1"/>
                 </a:solidFill>
@@ -6604,88 +7229,6 @@
               </a:solidFill>
               <a:latin typeface="Arial" panose="020B0604020202020204" pitchFamily="34" charset="0"/>
             </a:endParaRPr>
-          </a:p>
-          <a:p>
-            <a:pPr marL="457200" indent="-457200">
-              <a:spcBef>
-                <a:spcPts val="0"/>
-              </a:spcBef>
-              <a:spcAft>
-                <a:spcPts val="0"/>
-              </a:spcAft>
-              <a:buFont typeface="Wingdings" panose="05000000000000000000" pitchFamily="2" charset="2"/>
-              <a:buChar char="§"/>
-            </a:pPr>
-            <a:r>
-              <a:rPr lang="en-US" sz="2800" dirty="0">
-                <a:solidFill>
-                  <a:srgbClr val="000000"/>
-                </a:solidFill>
-                <a:latin typeface="Arial" panose="020B0604020202020204" pitchFamily="34" charset="0"/>
-              </a:rPr>
-              <a:t>Budget under $400.</a:t>
-            </a:r>
-          </a:p>
-          <a:p>
-            <a:pPr marL="457200" indent="-457200">
-              <a:spcBef>
-                <a:spcPts val="0"/>
-              </a:spcBef>
-              <a:spcAft>
-                <a:spcPts val="0"/>
-              </a:spcAft>
-              <a:buFont typeface="Wingdings" panose="05000000000000000000" pitchFamily="2" charset="2"/>
-              <a:buChar char="§"/>
-            </a:pPr>
-            <a:r>
-              <a:rPr lang="en-US" sz="2800" dirty="0">
-                <a:solidFill>
-                  <a:srgbClr val="000000"/>
-                </a:solidFill>
-                <a:latin typeface="Arial" panose="020B0604020202020204" pitchFamily="34" charset="0"/>
-              </a:rPr>
-              <a:t>Cost of large scale production less than $1 per chip</a:t>
-            </a:r>
-          </a:p>
-          <a:p>
-            <a:pPr marL="457200" indent="-457200">
-              <a:spcBef>
-                <a:spcPts val="0"/>
-              </a:spcBef>
-              <a:spcAft>
-                <a:spcPts val="0"/>
-              </a:spcAft>
-              <a:buFont typeface="Wingdings" panose="05000000000000000000" pitchFamily="2" charset="2"/>
-              <a:buChar char="§"/>
-            </a:pPr>
-            <a:r>
-              <a:rPr lang="en-US" sz="2800" dirty="0">
-                <a:solidFill>
-                  <a:srgbClr val="000000"/>
-                </a:solidFill>
-                <a:latin typeface="Arial" panose="020B0604020202020204" pitchFamily="34" charset="0"/>
-              </a:rPr>
-              <a:t>Area of less than 24 in</a:t>
-            </a:r>
-            <a:r>
-              <a:rPr lang="en-US" sz="2800" baseline="30000" dirty="0">
-                <a:solidFill>
-                  <a:srgbClr val="000000"/>
-                </a:solidFill>
-                <a:latin typeface="Arial" panose="020B0604020202020204" pitchFamily="34" charset="0"/>
-              </a:rPr>
-              <a:t>2</a:t>
-            </a:r>
-            <a:r>
-              <a:rPr lang="en-US" sz="2800" dirty="0">
-                <a:solidFill>
-                  <a:srgbClr val="000000"/>
-                </a:solidFill>
-                <a:latin typeface="Arial" panose="020B0604020202020204" pitchFamily="34" charset="0"/>
-              </a:rPr>
-              <a:t> </a:t>
-            </a:r>
-            <a:endParaRPr lang="en-US" sz="2800" dirty="0"/>
           </a:p>
         </p:txBody>
       </p:sp>
@@ -6806,59 +7349,6 @@
           </a:p>
         </p:txBody>
       </p:sp>
-      <p:sp>
-        <p:nvSpPr>
-          <p:cNvPr id="35" name="Rectangle 22"/>
-          <p:cNvSpPr>
-            <a:spLocks noChangeArrowheads="1"/>
-          </p:cNvSpPr>
-          <p:nvPr/>
-        </p:nvSpPr>
-        <p:spPr bwMode="auto">
-          <a:xfrm>
-            <a:off x="25022400" y="3146266"/>
-            <a:ext cx="10116446" cy="601212"/>
-          </a:xfrm>
-          <a:prstGeom prst="rect">
-            <a:avLst/>
-          </a:prstGeom>
-          <a:solidFill>
-            <a:srgbClr val="008D4A"/>
-          </a:solidFill>
-          <a:ln w="76200">
-            <a:noFill/>
-            <a:miter lim="800000"/>
-            <a:headEnd/>
-            <a:tailEnd/>
-          </a:ln>
-          <a:effectLst>
-            <a:outerShdw blurRad="177800" dist="76200" dir="2700000" algn="tl" rotWithShape="0">
-              <a:prstClr val="black">
-                <a:alpha val="50000"/>
-              </a:prstClr>
-            </a:outerShdw>
-          </a:effectLst>
-        </p:spPr>
-        <p:txBody>
-          <a:bodyPr wrap="square" lIns="57149" tIns="23379" rIns="57149" bIns="23379">
-            <a:spAutoFit/>
-          </a:bodyPr>
-          <a:lstStyle/>
-          <a:p>
-            <a:pPr algn="ctr"/>
-            <a:r>
-              <a:rPr lang="en-US" sz="3600" b="1" dirty="0">
-                <a:solidFill>
-                  <a:schemeClr val="bg1"/>
-                </a:solidFill>
-                <a:latin typeface="Ubuntu" panose="020B0504030602030204" pitchFamily="34" charset="0"/>
-                <a:cs typeface="Arial" panose="020B0604020202020204" pitchFamily="34" charset="0"/>
-              </a:rPr>
-              <a:t>Results</a:t>
-            </a:r>
-          </a:p>
-        </p:txBody>
-      </p:sp>
       <p:graphicFrame>
         <p:nvGraphicFramePr>
           <p:cNvPr id="8" name="Table 7"/>
@@ -6868,64 +7358,50 @@
           <p:nvPr>
             <p:extLst>
               <p:ext uri="{D42A27DB-BD31-4B8C-83A1-F6EECF244321}">
-                <p14:modId xmlns:p14="http://schemas.microsoft.com/office/powerpoint/2010/main" val="3695444999"/>
+                <p14:modId xmlns:p14="http://schemas.microsoft.com/office/powerpoint/2010/main" val="1785663986"/>
               </p:ext>
             </p:extLst>
           </p:nvPr>
         </p:nvGraphicFramePr>
         <p:xfrm>
-          <a:off x="1318917" y="7870397"/>
-          <a:ext cx="9545903" cy="5747390"/>
+          <a:off x="1014117" y="7679261"/>
+          <a:ext cx="5996283" cy="5478986"/>
         </p:xfrm>
         <a:graphic>
           <a:graphicData uri="http://schemas.openxmlformats.org/drawingml/2006/table">
             <a:tbl>
               <a:tblPr/>
               <a:tblGrid>
-                <a:gridCol w="1551709">
+                <a:gridCol w="1424283">
                   <a:extLst>
                     <a:ext uri="{9D8B030D-6E8A-4147-A177-3AD203B41FA5}">
                       <a16:colId xmlns:a16="http://schemas.microsoft.com/office/drawing/2014/main" val="20000"/>
                     </a:ext>
                   </a:extLst>
                 </a:gridCol>
-                <a:gridCol w="1447800">
+                <a:gridCol w="1371600">
                   <a:extLst>
                     <a:ext uri="{9D8B030D-6E8A-4147-A177-3AD203B41FA5}">
                       <a16:colId xmlns:a16="http://schemas.microsoft.com/office/drawing/2014/main" val="20001"/>
                     </a:ext>
                   </a:extLst>
                 </a:gridCol>
-                <a:gridCol w="1572491">
+                <a:gridCol w="1828800">
                   <a:extLst>
                     <a:ext uri="{9D8B030D-6E8A-4147-A177-3AD203B41FA5}">
                       <a16:colId xmlns:a16="http://schemas.microsoft.com/office/drawing/2014/main" val="20002"/>
                     </a:ext>
                   </a:extLst>
                 </a:gridCol>
-                <a:gridCol w="1981200">
+                <a:gridCol w="1371600">
                   <a:extLst>
                     <a:ext uri="{9D8B030D-6E8A-4147-A177-3AD203B41FA5}">
                       <a16:colId xmlns:a16="http://schemas.microsoft.com/office/drawing/2014/main" val="20003"/>
                     </a:ext>
                   </a:extLst>
                 </a:gridCol>
-                <a:gridCol w="1447800">
-                  <a:extLst>
-                    <a:ext uri="{9D8B030D-6E8A-4147-A177-3AD203B41FA5}">
-                      <a16:colId xmlns:a16="http://schemas.microsoft.com/office/drawing/2014/main" val="20004"/>
-                    </a:ext>
-                  </a:extLst>
-                </a:gridCol>
-                <a:gridCol w="1544903">
-                  <a:extLst>
-                    <a:ext uri="{9D8B030D-6E8A-4147-A177-3AD203B41FA5}">
-                      <a16:colId xmlns:a16="http://schemas.microsoft.com/office/drawing/2014/main" val="20005"/>
-                    </a:ext>
-                  </a:extLst>
-                </a:gridCol>
               </a:tblGrid>
-              <a:tr h="653454">
+              <a:tr h="628890">
                 <a:tc>
                   <a:txBody>
                     <a:bodyPr/>
@@ -6940,7 +7416,7 @@
                         </a:spcAft>
                       </a:pPr>
                       <a:r>
-                        <a:rPr lang="en-US" sz="2800" b="0" i="0" u="none" strike="noStrike" dirty="0">
+                        <a:rPr lang="en-US" sz="2600" b="0" i="0" u="none" strike="noStrike" dirty="0">
                           <a:solidFill>
                             <a:srgbClr val="FFFFFF"/>
                           </a:solidFill>
@@ -6950,7 +7426,7 @@
                         </a:rPr>
                         <a:t>Element</a:t>
                       </a:r>
-                      <a:endParaRPr lang="en-US" sz="2800" b="0" dirty="0">
+                      <a:endParaRPr lang="en-US" sz="2600" b="0" dirty="0">
                         <a:effectLst/>
                         <a:latin typeface="+mn-lt"/>
                         <a:cs typeface="Arial" panose="020B0604020202020204" pitchFamily="34" charset="0"/>
@@ -7021,7 +7497,7 @@
                         </a:spcAft>
                       </a:pPr>
                       <a:r>
-                        <a:rPr lang="en-US" sz="2800" b="0" i="0" u="none" strike="noStrike" dirty="0">
+                        <a:rPr lang="en-US" sz="2600" b="0" i="0" u="none" strike="noStrike" dirty="0">
                           <a:solidFill>
                             <a:srgbClr val="FFFFFF"/>
                           </a:solidFill>
@@ -7031,7 +7507,7 @@
                         </a:rPr>
                         <a:t>Symbol</a:t>
                       </a:r>
-                      <a:endParaRPr lang="en-US" sz="2800" b="0" dirty="0">
+                      <a:endParaRPr lang="en-US" sz="2600" b="0" dirty="0">
                         <a:effectLst/>
                         <a:latin typeface="+mn-lt"/>
                         <a:cs typeface="Arial" panose="020B0604020202020204" pitchFamily="34" charset="0"/>
@@ -7102,7 +7578,7 @@
                         </a:spcAft>
                       </a:pPr>
                       <a:r>
-                        <a:rPr lang="en-US" sz="2800" b="0" i="0" u="none" strike="noStrike" dirty="0">
+                        <a:rPr lang="en-US" sz="2600" b="0" i="0" u="none" strike="noStrike" dirty="0">
                           <a:solidFill>
                             <a:srgbClr val="FFFFFF"/>
                           </a:solidFill>
@@ -7110,9 +7586,9 @@
                           <a:latin typeface="+mn-lt"/>
                           <a:cs typeface="Arial" panose="020B0604020202020204" pitchFamily="34" charset="0"/>
                         </a:rPr>
-                        <a:t>Decimal</a:t>
+                        <a:t>Polynomial</a:t>
                       </a:r>
-                      <a:endParaRPr lang="en-US" sz="2800" b="0" dirty="0">
+                      <a:endParaRPr lang="en-US" sz="2600" b="0" dirty="0">
                         <a:effectLst/>
                         <a:latin typeface="+mn-lt"/>
                         <a:cs typeface="Arial" panose="020B0604020202020204" pitchFamily="34" charset="0"/>
@@ -7183,88 +7659,7 @@
                         </a:spcAft>
                       </a:pPr>
                       <a:r>
-                        <a:rPr lang="en-US" sz="2800" b="0" i="0" u="none" strike="noStrike" dirty="0">
-                          <a:solidFill>
-                            <a:srgbClr val="FFFFFF"/>
-                          </a:solidFill>
-                          <a:effectLst/>
-                          <a:latin typeface="+mn-lt"/>
-                          <a:cs typeface="Arial" panose="020B0604020202020204" pitchFamily="34" charset="0"/>
-                        </a:rPr>
-                        <a:t>Polynomial</a:t>
-                      </a:r>
-                      <a:endParaRPr lang="en-US" sz="2800" b="0" dirty="0">
-                        <a:effectLst/>
-                        <a:latin typeface="+mn-lt"/>
-                        <a:cs typeface="Arial" panose="020B0604020202020204" pitchFamily="34" charset="0"/>
-                      </a:endParaRPr>
-                    </a:p>
-                  </a:txBody>
-                  <a:tcPr marL="105011" marR="105011" marT="105011" marB="105011">
-                    <a:lnL w="28575" cap="flat" cmpd="sng" algn="ctr">
-                      <a:solidFill>
-                        <a:schemeClr val="tx1"/>
-                      </a:solidFill>
-                      <a:prstDash val="solid"/>
-                      <a:round/>
-                      <a:headEnd type="none" w="med" len="med"/>
-                      <a:tailEnd type="none" w="med" len="med"/>
-                    </a:lnL>
-                    <a:lnR w="28575" cap="flat" cmpd="sng" algn="ctr">
-                      <a:solidFill>
-                        <a:schemeClr val="tx1"/>
-                      </a:solidFill>
-                      <a:prstDash val="solid"/>
-                      <a:round/>
-                      <a:headEnd type="none" w="med" len="med"/>
-                      <a:tailEnd type="none" w="med" len="med"/>
-                    </a:lnR>
-                    <a:lnT w="28575" cap="flat" cmpd="sng" algn="ctr">
-                      <a:solidFill>
-                        <a:schemeClr val="tx1"/>
-                      </a:solidFill>
-                      <a:prstDash val="solid"/>
-                      <a:round/>
-                      <a:headEnd type="none" w="med" len="med"/>
-                      <a:tailEnd type="none" w="med" len="med"/>
-                    </a:lnT>
-                    <a:lnB w="28575" cap="flat" cmpd="sng" algn="ctr">
-                      <a:solidFill>
-                        <a:schemeClr val="tx1"/>
-                      </a:solidFill>
-                      <a:prstDash val="solid"/>
-                      <a:round/>
-                      <a:headEnd type="none" w="med" len="med"/>
-                      <a:tailEnd type="none" w="med" len="med"/>
-                    </a:lnB>
-                    <a:lnTlToBr w="12700" cmpd="sng">
-                      <a:noFill/>
-                      <a:prstDash val="solid"/>
-                    </a:lnTlToBr>
-                    <a:lnBlToTr w="12700" cmpd="sng">
-                      <a:noFill/>
-                      <a:prstDash val="solid"/>
-                    </a:lnBlToTr>
-                    <a:solidFill>
-                      <a:srgbClr val="0B9444"/>
-                    </a:solidFill>
-                  </a:tcPr>
-                </a:tc>
-                <a:tc>
-                  <a:txBody>
-                    <a:bodyPr/>
-                    <a:lstStyle/>
-                    <a:p>
-                      <a:pPr algn="ctr" rtl="0" fontAlgn="t">
-                        <a:spcBef>
-                          <a:spcPts val="0"/>
-                        </a:spcBef>
-                        <a:spcAft>
-                          <a:spcPts val="0"/>
-                        </a:spcAft>
-                      </a:pPr>
-                      <a:r>
-                        <a:rPr lang="en-US" sz="2800" b="0" i="0" u="none" strike="noStrike" dirty="0">
+                        <a:rPr lang="en-US" sz="2600" b="0" i="0" u="none" strike="noStrike" dirty="0">
                           <a:solidFill>
                             <a:srgbClr val="FFFFFF"/>
                           </a:solidFill>
@@ -7274,88 +7669,7 @@
                         </a:rPr>
                         <a:t>Symbol</a:t>
                       </a:r>
-                      <a:endParaRPr lang="en-US" sz="2800" b="0" dirty="0">
-                        <a:effectLst/>
-                        <a:latin typeface="+mn-lt"/>
-                        <a:cs typeface="Arial" panose="020B0604020202020204" pitchFamily="34" charset="0"/>
-                      </a:endParaRPr>
-                    </a:p>
-                  </a:txBody>
-                  <a:tcPr marL="105011" marR="105011" marT="105011" marB="105011">
-                    <a:lnL w="28575" cap="flat" cmpd="sng" algn="ctr">
-                      <a:solidFill>
-                        <a:schemeClr val="tx1"/>
-                      </a:solidFill>
-                      <a:prstDash val="solid"/>
-                      <a:round/>
-                      <a:headEnd type="none" w="med" len="med"/>
-                      <a:tailEnd type="none" w="med" len="med"/>
-                    </a:lnL>
-                    <a:lnR w="28575" cap="flat" cmpd="sng" algn="ctr">
-                      <a:solidFill>
-                        <a:schemeClr val="tx1"/>
-                      </a:solidFill>
-                      <a:prstDash val="solid"/>
-                      <a:round/>
-                      <a:headEnd type="none" w="med" len="med"/>
-                      <a:tailEnd type="none" w="med" len="med"/>
-                    </a:lnR>
-                    <a:lnT w="28575" cap="flat" cmpd="sng" algn="ctr">
-                      <a:solidFill>
-                        <a:schemeClr val="tx1"/>
-                      </a:solidFill>
-                      <a:prstDash val="solid"/>
-                      <a:round/>
-                      <a:headEnd type="none" w="med" len="med"/>
-                      <a:tailEnd type="none" w="med" len="med"/>
-                    </a:lnT>
-                    <a:lnB w="28575" cap="flat" cmpd="sng" algn="ctr">
-                      <a:solidFill>
-                        <a:schemeClr val="tx1"/>
-                      </a:solidFill>
-                      <a:prstDash val="solid"/>
-                      <a:round/>
-                      <a:headEnd type="none" w="med" len="med"/>
-                      <a:tailEnd type="none" w="med" len="med"/>
-                    </a:lnB>
-                    <a:lnTlToBr w="12700" cmpd="sng">
-                      <a:noFill/>
-                      <a:prstDash val="solid"/>
-                    </a:lnTlToBr>
-                    <a:lnBlToTr w="12700" cmpd="sng">
-                      <a:noFill/>
-                      <a:prstDash val="solid"/>
-                    </a:lnBlToTr>
-                    <a:solidFill>
-                      <a:srgbClr val="0B9444"/>
-                    </a:solidFill>
-                  </a:tcPr>
-                </a:tc>
-                <a:tc>
-                  <a:txBody>
-                    <a:bodyPr/>
-                    <a:lstStyle/>
-                    <a:p>
-                      <a:pPr algn="ctr" rtl="0" fontAlgn="t">
-                        <a:spcBef>
-                          <a:spcPts val="0"/>
-                        </a:spcBef>
-                        <a:spcAft>
-                          <a:spcPts val="0"/>
-                        </a:spcAft>
-                      </a:pPr>
-                      <a:r>
-                        <a:rPr lang="en-US" sz="2800" b="0" i="0" u="none" strike="noStrike" dirty="0">
-                          <a:solidFill>
-                            <a:srgbClr val="FFFFFF"/>
-                          </a:solidFill>
-                          <a:effectLst/>
-                          <a:latin typeface="+mn-lt"/>
-                          <a:cs typeface="Arial" panose="020B0604020202020204" pitchFamily="34" charset="0"/>
-                        </a:rPr>
-                        <a:t>Decimal</a:t>
-                      </a:r>
-                      <a:endParaRPr lang="en-US" sz="2800" b="0" dirty="0">
+                      <a:endParaRPr lang="en-US" sz="2600" b="0" dirty="0">
                         <a:effectLst/>
                         <a:latin typeface="+mn-lt"/>
                         <a:cs typeface="Arial" panose="020B0604020202020204" pitchFamily="34" charset="0"/>
@@ -7418,7 +7732,7 @@
                   </a:ext>
                 </a:extLst>
               </a:tr>
-              <a:tr h="621520">
+              <a:tr h="598156">
                 <a:tc>
                   <a:txBody>
                     <a:bodyPr/>
@@ -7433,7 +7747,7 @@
                         </a:spcAft>
                       </a:pPr>
                       <a:r>
-                        <a:rPr lang="en-US" sz="2800" b="0" i="0" u="none" strike="noStrike" dirty="0">
+                        <a:rPr lang="en-US" sz="2600" b="0" i="0" u="none" strike="noStrike" dirty="0" smtClean="0">
                           <a:solidFill>
                             <a:srgbClr val="000000"/>
                           </a:solidFill>
@@ -7443,7 +7757,7 @@
                         </a:rPr>
                         <a:t>0</a:t>
                       </a:r>
-                      <a:endParaRPr lang="en-US" sz="2800" dirty="0">
+                      <a:endParaRPr lang="en-US" sz="2600" dirty="0">
                         <a:effectLst/>
                         <a:latin typeface="+mn-lt"/>
                         <a:cs typeface="Arial" panose="020B0604020202020204" pitchFamily="34" charset="0"/>
@@ -7511,7 +7825,7 @@
                         </a:spcAft>
                       </a:pPr>
                       <a:r>
-                        <a:rPr lang="en-US" sz="2800" b="0" i="0" u="none" strike="noStrike">
+                        <a:rPr lang="en-US" sz="2600" b="0" i="0" u="none" strike="noStrike">
                           <a:solidFill>
                             <a:srgbClr val="000000"/>
                           </a:solidFill>
@@ -7521,7 +7835,7 @@
                         </a:rPr>
                         <a:t>NULL</a:t>
                       </a:r>
-                      <a:endParaRPr lang="en-US" sz="2800">
+                      <a:endParaRPr lang="en-US" sz="2600">
                         <a:effectLst/>
                         <a:latin typeface="+mn-lt"/>
                         <a:cs typeface="Arial" panose="020B0604020202020204" pitchFamily="34" charset="0"/>
@@ -7589,7 +7903,7 @@
                         </a:spcAft>
                       </a:pPr>
                       <a:r>
-                        <a:rPr lang="en-US" sz="2800" b="0" i="0" u="none" strike="noStrike" dirty="0">
+                        <a:rPr lang="en-US" sz="2600" b="0" i="0" u="none" strike="noStrike" dirty="0">
                           <a:solidFill>
                             <a:srgbClr val="000000"/>
                           </a:solidFill>
@@ -7597,9 +7911,9 @@
                           <a:latin typeface="+mn-lt"/>
                           <a:cs typeface="Arial" panose="020B0604020202020204" pitchFamily="34" charset="0"/>
                         </a:rPr>
-                        <a:t>NULL</a:t>
+                        <a:t>0 + 0 + 0</a:t>
                       </a:r>
-                      <a:endParaRPr lang="en-US" sz="2800" dirty="0">
+                      <a:endParaRPr lang="en-US" sz="2600" dirty="0">
                         <a:effectLst/>
                         <a:latin typeface="+mn-lt"/>
                         <a:cs typeface="Arial" panose="020B0604020202020204" pitchFamily="34" charset="0"/>
@@ -7667,7 +7981,7 @@
                         </a:spcAft>
                       </a:pPr>
                       <a:r>
-                        <a:rPr lang="en-US" sz="2800" b="0" i="0" u="none" strike="noStrike" dirty="0">
+                        <a:rPr lang="en-US" sz="2600" b="0" i="0" u="none" strike="noStrike" dirty="0">
                           <a:solidFill>
                             <a:srgbClr val="000000"/>
                           </a:solidFill>
@@ -7675,9 +7989,105 @@
                           <a:latin typeface="+mn-lt"/>
                           <a:cs typeface="Arial" panose="020B0604020202020204" pitchFamily="34" charset="0"/>
                         </a:rPr>
-                        <a:t>0 + 0 + 0</a:t>
+                        <a:t>000</a:t>
                       </a:r>
-                      <a:endParaRPr lang="en-US" sz="2800" dirty="0">
+                      <a:endParaRPr lang="en-US" sz="2600" dirty="0">
+                        <a:effectLst/>
+                        <a:latin typeface="+mn-lt"/>
+                        <a:cs typeface="Arial" panose="020B0604020202020204" pitchFamily="34" charset="0"/>
+                      </a:endParaRPr>
+                    </a:p>
+                  </a:txBody>
+                  <a:tcPr marL="105011" marR="105011" marT="105011" marB="105011">
+                    <a:lnL w="28575" cap="flat" cmpd="sng" algn="ctr">
+                      <a:solidFill>
+                        <a:schemeClr val="tx1"/>
+                      </a:solidFill>
+                      <a:prstDash val="solid"/>
+                      <a:round/>
+                      <a:headEnd type="none" w="med" len="med"/>
+                      <a:tailEnd type="none" w="med" len="med"/>
+                    </a:lnL>
+                    <a:lnR w="28575" cap="flat" cmpd="sng" algn="ctr">
+                      <a:solidFill>
+                        <a:schemeClr val="tx1"/>
+                      </a:solidFill>
+                      <a:prstDash val="solid"/>
+                      <a:round/>
+                      <a:headEnd type="none" w="med" len="med"/>
+                      <a:tailEnd type="none" w="med" len="med"/>
+                    </a:lnR>
+                    <a:lnT w="28575" cap="flat" cmpd="sng" algn="ctr">
+                      <a:solidFill>
+                        <a:schemeClr val="tx1"/>
+                      </a:solidFill>
+                      <a:prstDash val="solid"/>
+                      <a:round/>
+                      <a:headEnd type="none" w="med" len="med"/>
+                      <a:tailEnd type="none" w="med" len="med"/>
+                    </a:lnT>
+                    <a:lnB w="28575" cap="flat" cmpd="sng" algn="ctr">
+                      <a:solidFill>
+                        <a:schemeClr val="tx1"/>
+                      </a:solidFill>
+                      <a:prstDash val="solid"/>
+                      <a:round/>
+                      <a:headEnd type="none" w="med" len="med"/>
+                      <a:tailEnd type="none" w="med" len="med"/>
+                    </a:lnB>
+                    <a:lnTlToBr w="12700" cmpd="sng">
+                      <a:noFill/>
+                      <a:prstDash val="solid"/>
+                    </a:lnTlToBr>
+                    <a:lnBlToTr w="12700" cmpd="sng">
+                      <a:noFill/>
+                      <a:prstDash val="solid"/>
+                    </a:lnBlToTr>
+                  </a:tcPr>
+                </a:tc>
+                <a:extLst>
+                  <a:ext uri="{0D108BD9-81ED-4DB2-BD59-A6C34878D82A}">
+                    <a16:rowId xmlns:a16="http://schemas.microsoft.com/office/drawing/2014/main" val="10001"/>
+                  </a:ext>
+                </a:extLst>
+              </a:tr>
+              <a:tr h="598156">
+                <a:tc>
+                  <a:txBody>
+                    <a:bodyPr/>
+                    <a:lstStyle/>
+                    <a:p>
+                      <a:pPr rtl="0" fontAlgn="t">
+                        <a:spcBef>
+                          <a:spcPts val="0"/>
+                        </a:spcBef>
+                        <a:spcAft>
+                          <a:spcPts val="0"/>
+                        </a:spcAft>
+                      </a:pPr>
+                      <a:r>
+                        <a:rPr lang="en-US" sz="2600" b="0" i="0" u="none" strike="noStrike" dirty="0">
+                          <a:solidFill>
+                            <a:srgbClr val="000000"/>
+                          </a:solidFill>
+                          <a:effectLst/>
+                          <a:latin typeface="+mn-lt"/>
+                          <a:cs typeface="Arial" panose="020B0604020202020204" pitchFamily="34" charset="0"/>
+                        </a:rPr>
+                        <a:t>x</a:t>
+                      </a:r>
+                      <a:r>
+                        <a:rPr lang="en-US" sz="2600" b="0" i="0" u="none" strike="noStrike" baseline="30000" dirty="0">
+                          <a:solidFill>
+                            <a:srgbClr val="000000"/>
+                          </a:solidFill>
+                          <a:effectLst/>
+                          <a:latin typeface="+mn-lt"/>
+                          <a:cs typeface="Arial" panose="020B0604020202020204" pitchFamily="34" charset="0"/>
+                        </a:rPr>
+                        <a:t>0</a:t>
+                      </a:r>
+                      <a:endParaRPr lang="en-US" sz="2600" dirty="0">
                         <a:effectLst/>
                         <a:latin typeface="+mn-lt"/>
                         <a:cs typeface="Arial" panose="020B0604020202020204" pitchFamily="34" charset="0"/>
@@ -7745,7 +8155,7 @@
                         </a:spcAft>
                       </a:pPr>
                       <a:r>
-                        <a:rPr lang="en-US" sz="2800" b="0" i="0" u="none" strike="noStrike" dirty="0">
+                        <a:rPr lang="en-US" sz="2600" b="0" i="0" u="none" strike="noStrike" dirty="0">
                           <a:solidFill>
                             <a:srgbClr val="000000"/>
                           </a:solidFill>
@@ -7755,7 +8165,7 @@
                         </a:rPr>
                         <a:t>000</a:t>
                       </a:r>
-                      <a:endParaRPr lang="en-US" sz="2800" dirty="0">
+                      <a:endParaRPr lang="en-US" sz="2600" dirty="0">
                         <a:effectLst/>
                         <a:latin typeface="+mn-lt"/>
                         <a:cs typeface="Arial" panose="020B0604020202020204" pitchFamily="34" charset="0"/>
@@ -7823,7 +8233,18 @@
                         </a:spcAft>
                       </a:pPr>
                       <a:r>
-                        <a:rPr lang="en-US" sz="2800" b="0" i="0" u="none" strike="noStrike" dirty="0">
+                        <a:rPr lang="en-US" sz="2600" b="0" i="0" u="none" strike="noStrike" dirty="0">
+                          <a:solidFill>
+                            <a:srgbClr val="000000"/>
+                          </a:solidFill>
+                          <a:effectLst/>
+                          <a:latin typeface="+mn-lt"/>
+                          <a:cs typeface="Arial" panose="020B0604020202020204" pitchFamily="34" charset="0"/>
+                        </a:rPr>
+                        <a:t>0 + 0 + x</a:t>
+                      </a:r>
+                      <a:r>
+                        <a:rPr lang="en-US" sz="2600" b="0" i="0" u="none" strike="noStrike" baseline="30000" dirty="0">
                           <a:solidFill>
                             <a:srgbClr val="000000"/>
                           </a:solidFill>
@@ -7833,103 +8254,7 @@
                         </a:rPr>
                         <a:t>0</a:t>
                       </a:r>
-                      <a:endParaRPr lang="en-US" sz="2800" dirty="0">
-                        <a:effectLst/>
-                        <a:latin typeface="+mn-lt"/>
-                        <a:cs typeface="Arial" panose="020B0604020202020204" pitchFamily="34" charset="0"/>
-                      </a:endParaRPr>
-                    </a:p>
-                  </a:txBody>
-                  <a:tcPr marL="105011" marR="105011" marT="105011" marB="105011">
-                    <a:lnL w="28575" cap="flat" cmpd="sng" algn="ctr">
-                      <a:solidFill>
-                        <a:schemeClr val="tx1"/>
-                      </a:solidFill>
-                      <a:prstDash val="solid"/>
-                      <a:round/>
-                      <a:headEnd type="none" w="med" len="med"/>
-                      <a:tailEnd type="none" w="med" len="med"/>
-                    </a:lnL>
-                    <a:lnR w="28575" cap="flat" cmpd="sng" algn="ctr">
-                      <a:solidFill>
-                        <a:schemeClr val="tx1"/>
-                      </a:solidFill>
-                      <a:prstDash val="solid"/>
-                      <a:round/>
-                      <a:headEnd type="none" w="med" len="med"/>
-                      <a:tailEnd type="none" w="med" len="med"/>
-                    </a:lnR>
-                    <a:lnT w="28575" cap="flat" cmpd="sng" algn="ctr">
-                      <a:solidFill>
-                        <a:schemeClr val="tx1"/>
-                      </a:solidFill>
-                      <a:prstDash val="solid"/>
-                      <a:round/>
-                      <a:headEnd type="none" w="med" len="med"/>
-                      <a:tailEnd type="none" w="med" len="med"/>
-                    </a:lnT>
-                    <a:lnB w="28575" cap="flat" cmpd="sng" algn="ctr">
-                      <a:solidFill>
-                        <a:schemeClr val="tx1"/>
-                      </a:solidFill>
-                      <a:prstDash val="solid"/>
-                      <a:round/>
-                      <a:headEnd type="none" w="med" len="med"/>
-                      <a:tailEnd type="none" w="med" len="med"/>
-                    </a:lnB>
-                    <a:lnTlToBr w="12700" cmpd="sng">
-                      <a:noFill/>
-                      <a:prstDash val="solid"/>
-                    </a:lnTlToBr>
-                    <a:lnBlToTr w="12700" cmpd="sng">
-                      <a:noFill/>
-                      <a:prstDash val="solid"/>
-                    </a:lnBlToTr>
-                  </a:tcPr>
-                </a:tc>
-                <a:extLst>
-                  <a:ext uri="{0D108BD9-81ED-4DB2-BD59-A6C34878D82A}">
-                    <a16:rowId xmlns:a16="http://schemas.microsoft.com/office/drawing/2014/main" val="10001"/>
-                  </a:ext>
-                </a:extLst>
-              </a:tr>
-              <a:tr h="621520">
-                <a:tc>
-                  <a:txBody>
-                    <a:bodyPr/>
-                    <a:lstStyle/>
-                    <a:p>
-                      <a:pPr rtl="0" fontAlgn="t">
-                        <a:spcBef>
-                          <a:spcPts val="0"/>
-                        </a:spcBef>
-                        <a:spcAft>
-                          <a:spcPts val="0"/>
-                        </a:spcAft>
-                      </a:pPr>
-                      <a:r>
-                        <a:rPr lang="en-US" sz="2800" b="0" i="0" u="none" strike="noStrike" dirty="0">
-                          <a:solidFill>
-                            <a:srgbClr val="000000"/>
-                          </a:solidFill>
-                          <a:effectLst/>
-                          <a:latin typeface="+mn-lt"/>
-                          <a:cs typeface="Arial" panose="020B0604020202020204" pitchFamily="34" charset="0"/>
-                        </a:rPr>
-                        <a:t>x</a:t>
-                      </a:r>
-                      <a:r>
-                        <a:rPr lang="en-US" sz="2800" b="0" i="0" u="none" strike="noStrike" baseline="30000" dirty="0">
-                          <a:solidFill>
-                            <a:srgbClr val="000000"/>
-                          </a:solidFill>
-                          <a:effectLst/>
-                          <a:latin typeface="+mn-lt"/>
-                          <a:cs typeface="Arial" panose="020B0604020202020204" pitchFamily="34" charset="0"/>
-                        </a:rPr>
-                        <a:t>0</a:t>
-                      </a:r>
-                      <a:endParaRPr lang="en-US" sz="2800" dirty="0">
+                      <a:endParaRPr lang="en-US" sz="2600" dirty="0">
                         <a:effectLst/>
                         <a:latin typeface="+mn-lt"/>
                         <a:cs typeface="Arial" panose="020B0604020202020204" pitchFamily="34" charset="0"/>
@@ -7997,7 +8322,7 @@
                         </a:spcAft>
                       </a:pPr>
                       <a:r>
-                        <a:rPr lang="en-US" sz="2800" b="0" i="0" u="none" strike="noStrike" dirty="0">
+                        <a:rPr lang="en-US" sz="2600" b="0" i="0" u="none" strike="noStrike" dirty="0">
                           <a:solidFill>
                             <a:srgbClr val="000000"/>
                           </a:solidFill>
@@ -8005,9 +8330,105 @@
                           <a:latin typeface="+mn-lt"/>
                           <a:cs typeface="Arial" panose="020B0604020202020204" pitchFamily="34" charset="0"/>
                         </a:rPr>
-                        <a:t>000</a:t>
+                        <a:t>001</a:t>
                       </a:r>
-                      <a:endParaRPr lang="en-US" sz="2800" dirty="0">
+                      <a:endParaRPr lang="en-US" sz="2600" dirty="0">
+                        <a:effectLst/>
+                        <a:latin typeface="+mn-lt"/>
+                        <a:cs typeface="Arial" panose="020B0604020202020204" pitchFamily="34" charset="0"/>
+                      </a:endParaRPr>
+                    </a:p>
+                  </a:txBody>
+                  <a:tcPr marL="105011" marR="105011" marT="105011" marB="105011">
+                    <a:lnL w="28575" cap="flat" cmpd="sng" algn="ctr">
+                      <a:solidFill>
+                        <a:schemeClr val="tx1"/>
+                      </a:solidFill>
+                      <a:prstDash val="solid"/>
+                      <a:round/>
+                      <a:headEnd type="none" w="med" len="med"/>
+                      <a:tailEnd type="none" w="med" len="med"/>
+                    </a:lnL>
+                    <a:lnR w="28575" cap="flat" cmpd="sng" algn="ctr">
+                      <a:solidFill>
+                        <a:schemeClr val="tx1"/>
+                      </a:solidFill>
+                      <a:prstDash val="solid"/>
+                      <a:round/>
+                      <a:headEnd type="none" w="med" len="med"/>
+                      <a:tailEnd type="none" w="med" len="med"/>
+                    </a:lnR>
+                    <a:lnT w="28575" cap="flat" cmpd="sng" algn="ctr">
+                      <a:solidFill>
+                        <a:schemeClr val="tx1"/>
+                      </a:solidFill>
+                      <a:prstDash val="solid"/>
+                      <a:round/>
+                      <a:headEnd type="none" w="med" len="med"/>
+                      <a:tailEnd type="none" w="med" len="med"/>
+                    </a:lnT>
+                    <a:lnB w="28575" cap="flat" cmpd="sng" algn="ctr">
+                      <a:solidFill>
+                        <a:schemeClr val="tx1"/>
+                      </a:solidFill>
+                      <a:prstDash val="solid"/>
+                      <a:round/>
+                      <a:headEnd type="none" w="med" len="med"/>
+                      <a:tailEnd type="none" w="med" len="med"/>
+                    </a:lnB>
+                    <a:lnTlToBr w="12700" cmpd="sng">
+                      <a:noFill/>
+                      <a:prstDash val="solid"/>
+                    </a:lnTlToBr>
+                    <a:lnBlToTr w="12700" cmpd="sng">
+                      <a:noFill/>
+                      <a:prstDash val="solid"/>
+                    </a:lnBlToTr>
+                  </a:tcPr>
+                </a:tc>
+                <a:extLst>
+                  <a:ext uri="{0D108BD9-81ED-4DB2-BD59-A6C34878D82A}">
+                    <a16:rowId xmlns:a16="http://schemas.microsoft.com/office/drawing/2014/main" val="10002"/>
+                  </a:ext>
+                </a:extLst>
+              </a:tr>
+              <a:tr h="598156">
+                <a:tc>
+                  <a:txBody>
+                    <a:bodyPr/>
+                    <a:lstStyle/>
+                    <a:p>
+                      <a:pPr rtl="0" fontAlgn="t">
+                        <a:spcBef>
+                          <a:spcPts val="0"/>
+                        </a:spcBef>
+                        <a:spcAft>
+                          <a:spcPts val="0"/>
+                        </a:spcAft>
+                      </a:pPr>
+                      <a:r>
+                        <a:rPr lang="en-US" sz="2600" b="0" i="0" u="none" strike="noStrike" dirty="0">
+                          <a:solidFill>
+                            <a:srgbClr val="000000"/>
+                          </a:solidFill>
+                          <a:effectLst/>
+                          <a:latin typeface="+mn-lt"/>
+                          <a:cs typeface="Arial" panose="020B0604020202020204" pitchFamily="34" charset="0"/>
+                        </a:rPr>
+                        <a:t>x</a:t>
+                      </a:r>
+                      <a:r>
+                        <a:rPr lang="en-US" sz="2600" b="0" i="0" u="none" strike="noStrike" baseline="30000" dirty="0">
+                          <a:solidFill>
+                            <a:srgbClr val="000000"/>
+                          </a:solidFill>
+                          <a:effectLst/>
+                          <a:latin typeface="+mn-lt"/>
+                          <a:cs typeface="Arial" panose="020B0604020202020204" pitchFamily="34" charset="0"/>
+                        </a:rPr>
+                        <a:t>1</a:t>
+                      </a:r>
+                      <a:endParaRPr lang="en-US" sz="2600" dirty="0">
                         <a:effectLst/>
                         <a:latin typeface="+mn-lt"/>
                         <a:cs typeface="Arial" panose="020B0604020202020204" pitchFamily="34" charset="0"/>
@@ -8075,7 +8496,7 @@
                         </a:spcAft>
                       </a:pPr>
                       <a:r>
-                        <a:rPr lang="en-US" sz="2800" b="0" i="0" u="none" strike="noStrike">
+                        <a:rPr lang="en-US" sz="2600" b="0" i="0" u="none" strike="noStrike" dirty="0">
                           <a:solidFill>
                             <a:srgbClr val="000000"/>
                           </a:solidFill>
@@ -8083,9 +8504,9 @@
                           <a:latin typeface="+mn-lt"/>
                           <a:cs typeface="Arial" panose="020B0604020202020204" pitchFamily="34" charset="0"/>
                         </a:rPr>
-                        <a:t>0</a:t>
+                        <a:t>001</a:t>
                       </a:r>
-                      <a:endParaRPr lang="en-US" sz="2800">
+                      <a:endParaRPr lang="en-US" sz="2600" dirty="0">
                         <a:effectLst/>
                         <a:latin typeface="+mn-lt"/>
                         <a:cs typeface="Arial" panose="020B0604020202020204" pitchFamily="34" charset="0"/>
@@ -8153,7 +8574,7 @@
                         </a:spcAft>
                       </a:pPr>
                       <a:r>
-                        <a:rPr lang="en-US" sz="2800" b="0" i="0" u="none" strike="noStrike" dirty="0">
+                        <a:rPr lang="en-US" sz="2600" b="0" i="0" u="none" strike="noStrike" dirty="0">
                           <a:solidFill>
                             <a:srgbClr val="000000"/>
                           </a:solidFill>
@@ -8161,10 +8582,10 @@
                           <a:latin typeface="+mn-lt"/>
                           <a:cs typeface="Arial" panose="020B0604020202020204" pitchFamily="34" charset="0"/>
                         </a:rPr>
-                        <a:t>0 + 0 + x</a:t>
+                        <a:t>0 + x</a:t>
                       </a:r>
                       <a:r>
-                        <a:rPr lang="en-US" sz="2800" b="0" i="0" u="none" strike="noStrike" baseline="30000" dirty="0">
+                        <a:rPr lang="en-US" sz="2600" b="0" i="0" u="none" strike="noStrike" baseline="30000" dirty="0">
                           <a:solidFill>
                             <a:srgbClr val="000000"/>
                           </a:solidFill>
@@ -8172,9 +8593,20 @@
                           <a:latin typeface="+mn-lt"/>
                           <a:cs typeface="Arial" panose="020B0604020202020204" pitchFamily="34" charset="0"/>
                         </a:rPr>
-                        <a:t>0</a:t>
+                        <a:t>1</a:t>
                       </a:r>
-                      <a:endParaRPr lang="en-US" sz="2800" dirty="0">
+                      <a:r>
+                        <a:rPr lang="en-US" sz="2600" b="0" i="0" u="none" strike="noStrike" dirty="0">
+                          <a:solidFill>
+                            <a:srgbClr val="000000"/>
+                          </a:solidFill>
+                          <a:effectLst/>
+                          <a:latin typeface="+mn-lt"/>
+                          <a:cs typeface="Arial" panose="020B0604020202020204" pitchFamily="34" charset="0"/>
+                        </a:rPr>
+                        <a:t> + 0</a:t>
+                      </a:r>
+                      <a:endParaRPr lang="en-US" sz="2600" dirty="0">
                         <a:effectLst/>
                         <a:latin typeface="+mn-lt"/>
                         <a:cs typeface="Arial" panose="020B0604020202020204" pitchFamily="34" charset="0"/>
@@ -8242,7 +8674,7 @@
                         </a:spcAft>
                       </a:pPr>
                       <a:r>
-                        <a:rPr lang="en-US" sz="2800" b="0" i="0" u="none" strike="noStrike" dirty="0">
+                        <a:rPr lang="en-US" sz="2600" b="0" i="0" u="none" strike="noStrike" dirty="0">
                           <a:solidFill>
                             <a:srgbClr val="000000"/>
                           </a:solidFill>
@@ -8250,9 +8682,105 @@
                           <a:latin typeface="+mn-lt"/>
                           <a:cs typeface="Arial" panose="020B0604020202020204" pitchFamily="34" charset="0"/>
                         </a:rPr>
-                        <a:t>001</a:t>
+                        <a:t>010</a:t>
                       </a:r>
-                      <a:endParaRPr lang="en-US" sz="2800" dirty="0">
+                      <a:endParaRPr lang="en-US" sz="2600" dirty="0">
+                        <a:effectLst/>
+                        <a:latin typeface="+mn-lt"/>
+                        <a:cs typeface="Arial" panose="020B0604020202020204" pitchFamily="34" charset="0"/>
+                      </a:endParaRPr>
+                    </a:p>
+                  </a:txBody>
+                  <a:tcPr marL="105011" marR="105011" marT="105011" marB="105011">
+                    <a:lnL w="28575" cap="flat" cmpd="sng" algn="ctr">
+                      <a:solidFill>
+                        <a:schemeClr val="tx1"/>
+                      </a:solidFill>
+                      <a:prstDash val="solid"/>
+                      <a:round/>
+                      <a:headEnd type="none" w="med" len="med"/>
+                      <a:tailEnd type="none" w="med" len="med"/>
+                    </a:lnL>
+                    <a:lnR w="28575" cap="flat" cmpd="sng" algn="ctr">
+                      <a:solidFill>
+                        <a:schemeClr val="tx1"/>
+                      </a:solidFill>
+                      <a:prstDash val="solid"/>
+                      <a:round/>
+                      <a:headEnd type="none" w="med" len="med"/>
+                      <a:tailEnd type="none" w="med" len="med"/>
+                    </a:lnR>
+                    <a:lnT w="28575" cap="flat" cmpd="sng" algn="ctr">
+                      <a:solidFill>
+                        <a:schemeClr val="tx1"/>
+                      </a:solidFill>
+                      <a:prstDash val="solid"/>
+                      <a:round/>
+                      <a:headEnd type="none" w="med" len="med"/>
+                      <a:tailEnd type="none" w="med" len="med"/>
+                    </a:lnT>
+                    <a:lnB w="28575" cap="flat" cmpd="sng" algn="ctr">
+                      <a:solidFill>
+                        <a:schemeClr val="tx1"/>
+                      </a:solidFill>
+                      <a:prstDash val="solid"/>
+                      <a:round/>
+                      <a:headEnd type="none" w="med" len="med"/>
+                      <a:tailEnd type="none" w="med" len="med"/>
+                    </a:lnB>
+                    <a:lnTlToBr w="12700" cmpd="sng">
+                      <a:noFill/>
+                      <a:prstDash val="solid"/>
+                    </a:lnTlToBr>
+                    <a:lnBlToTr w="12700" cmpd="sng">
+                      <a:noFill/>
+                      <a:prstDash val="solid"/>
+                    </a:lnBlToTr>
+                  </a:tcPr>
+                </a:tc>
+                <a:extLst>
+                  <a:ext uri="{0D108BD9-81ED-4DB2-BD59-A6C34878D82A}">
+                    <a16:rowId xmlns:a16="http://schemas.microsoft.com/office/drawing/2014/main" val="10003"/>
+                  </a:ext>
+                </a:extLst>
+              </a:tr>
+              <a:tr h="598156">
+                <a:tc>
+                  <a:txBody>
+                    <a:bodyPr/>
+                    <a:lstStyle/>
+                    <a:p>
+                      <a:pPr rtl="0" fontAlgn="t">
+                        <a:spcBef>
+                          <a:spcPts val="0"/>
+                        </a:spcBef>
+                        <a:spcAft>
+                          <a:spcPts val="0"/>
+                        </a:spcAft>
+                      </a:pPr>
+                      <a:r>
+                        <a:rPr lang="en-US" sz="2600" b="0" i="0" u="none" strike="noStrike" dirty="0">
+                          <a:solidFill>
+                            <a:srgbClr val="000000"/>
+                          </a:solidFill>
+                          <a:effectLst/>
+                          <a:latin typeface="+mn-lt"/>
+                          <a:cs typeface="Arial" panose="020B0604020202020204" pitchFamily="34" charset="0"/>
+                        </a:rPr>
+                        <a:t>x</a:t>
+                      </a:r>
+                      <a:r>
+                        <a:rPr lang="en-US" sz="2600" b="0" i="0" u="none" strike="noStrike" baseline="30000" dirty="0">
+                          <a:solidFill>
+                            <a:srgbClr val="000000"/>
+                          </a:solidFill>
+                          <a:effectLst/>
+                          <a:latin typeface="+mn-lt"/>
+                          <a:cs typeface="Arial" panose="020B0604020202020204" pitchFamily="34" charset="0"/>
+                        </a:rPr>
+                        <a:t>2</a:t>
+                      </a:r>
+                      <a:endParaRPr lang="en-US" sz="2600" dirty="0">
                         <a:effectLst/>
                         <a:latin typeface="+mn-lt"/>
                         <a:cs typeface="Arial" panose="020B0604020202020204" pitchFamily="34" charset="0"/>
@@ -8320,7 +8848,7 @@
                         </a:spcAft>
                       </a:pPr>
                       <a:r>
-                        <a:rPr lang="en-US" sz="2800" b="0" i="0" u="none" strike="noStrike">
+                        <a:rPr lang="en-US" sz="2600" b="0" i="0" u="none" strike="noStrike" dirty="0">
                           <a:solidFill>
                             <a:srgbClr val="000000"/>
                           </a:solidFill>
@@ -8328,105 +8856,9 @@
                           <a:latin typeface="+mn-lt"/>
                           <a:cs typeface="Arial" panose="020B0604020202020204" pitchFamily="34" charset="0"/>
                         </a:rPr>
-                        <a:t>1</a:t>
+                        <a:t>010</a:t>
                       </a:r>
-                      <a:endParaRPr lang="en-US" sz="2800">
-                        <a:effectLst/>
-                        <a:latin typeface="+mn-lt"/>
-                        <a:cs typeface="Arial" panose="020B0604020202020204" pitchFamily="34" charset="0"/>
-                      </a:endParaRPr>
-                    </a:p>
-                  </a:txBody>
-                  <a:tcPr marL="105011" marR="105011" marT="105011" marB="105011">
-                    <a:lnL w="28575" cap="flat" cmpd="sng" algn="ctr">
-                      <a:solidFill>
-                        <a:schemeClr val="tx1"/>
-                      </a:solidFill>
-                      <a:prstDash val="solid"/>
-                      <a:round/>
-                      <a:headEnd type="none" w="med" len="med"/>
-                      <a:tailEnd type="none" w="med" len="med"/>
-                    </a:lnL>
-                    <a:lnR w="28575" cap="flat" cmpd="sng" algn="ctr">
-                      <a:solidFill>
-                        <a:schemeClr val="tx1"/>
-                      </a:solidFill>
-                      <a:prstDash val="solid"/>
-                      <a:round/>
-                      <a:headEnd type="none" w="med" len="med"/>
-                      <a:tailEnd type="none" w="med" len="med"/>
-                    </a:lnR>
-                    <a:lnT w="28575" cap="flat" cmpd="sng" algn="ctr">
-                      <a:solidFill>
-                        <a:schemeClr val="tx1"/>
-                      </a:solidFill>
-                      <a:prstDash val="solid"/>
-                      <a:round/>
-                      <a:headEnd type="none" w="med" len="med"/>
-                      <a:tailEnd type="none" w="med" len="med"/>
-                    </a:lnT>
-                    <a:lnB w="28575" cap="flat" cmpd="sng" algn="ctr">
-                      <a:solidFill>
-                        <a:schemeClr val="tx1"/>
-                      </a:solidFill>
-                      <a:prstDash val="solid"/>
-                      <a:round/>
-                      <a:headEnd type="none" w="med" len="med"/>
-                      <a:tailEnd type="none" w="med" len="med"/>
-                    </a:lnB>
-                    <a:lnTlToBr w="12700" cmpd="sng">
-                      <a:noFill/>
-                      <a:prstDash val="solid"/>
-                    </a:lnTlToBr>
-                    <a:lnBlToTr w="12700" cmpd="sng">
-                      <a:noFill/>
-                      <a:prstDash val="solid"/>
-                    </a:lnBlToTr>
-                  </a:tcPr>
-                </a:tc>
-                <a:extLst>
-                  <a:ext uri="{0D108BD9-81ED-4DB2-BD59-A6C34878D82A}">
-                    <a16:rowId xmlns:a16="http://schemas.microsoft.com/office/drawing/2014/main" val="10002"/>
-                  </a:ext>
-                </a:extLst>
-              </a:tr>
-              <a:tr h="621520">
-                <a:tc>
-                  <a:txBody>
-                    <a:bodyPr/>
-                    <a:lstStyle/>
-                    <a:p>
-                      <a:pPr rtl="0" fontAlgn="t">
-                        <a:spcBef>
-                          <a:spcPts val="0"/>
-                        </a:spcBef>
-                        <a:spcAft>
-                          <a:spcPts val="0"/>
-                        </a:spcAft>
-                      </a:pPr>
-                      <a:r>
-                        <a:rPr lang="en-US" sz="2800" b="0" i="0" u="none" strike="noStrike" dirty="0">
-                          <a:solidFill>
-                            <a:srgbClr val="000000"/>
-                          </a:solidFill>
-                          <a:effectLst/>
-                          <a:latin typeface="+mn-lt"/>
-                          <a:cs typeface="Arial" panose="020B0604020202020204" pitchFamily="34" charset="0"/>
-                        </a:rPr>
-                        <a:t>x</a:t>
-                      </a:r>
-                      <a:r>
-                        <a:rPr lang="en-US" sz="2800" b="0" i="0" u="none" strike="noStrike" baseline="30000" dirty="0">
-                          <a:solidFill>
-                            <a:srgbClr val="000000"/>
-                          </a:solidFill>
-                          <a:effectLst/>
-                          <a:latin typeface="+mn-lt"/>
-                          <a:cs typeface="Arial" panose="020B0604020202020204" pitchFamily="34" charset="0"/>
-                        </a:rPr>
-                        <a:t>1</a:t>
-                      </a:r>
-                      <a:endParaRPr lang="en-US" sz="2800" dirty="0">
+                      <a:endParaRPr lang="en-US" sz="2600" dirty="0">
                         <a:effectLst/>
                         <a:latin typeface="+mn-lt"/>
                         <a:cs typeface="Arial" panose="020B0604020202020204" pitchFamily="34" charset="0"/>
@@ -8494,7 +8926,7 @@
                         </a:spcAft>
                       </a:pPr>
                       <a:r>
-                        <a:rPr lang="en-US" sz="2800" b="0" i="0" u="none" strike="noStrike" dirty="0">
+                        <a:rPr lang="en-US" sz="2600" b="0" i="0" u="none" strike="noStrike" dirty="0">
                           <a:solidFill>
                             <a:srgbClr val="000000"/>
                           </a:solidFill>
@@ -8502,9 +8934,31 @@
                           <a:latin typeface="+mn-lt"/>
                           <a:cs typeface="Arial" panose="020B0604020202020204" pitchFamily="34" charset="0"/>
                         </a:rPr>
-                        <a:t>001</a:t>
+                        <a:t>x</a:t>
                       </a:r>
-                      <a:endParaRPr lang="en-US" sz="2800" dirty="0">
+                      <a:r>
+                        <a:rPr lang="en-US" sz="2600" b="0" i="0" u="none" strike="noStrike" baseline="30000" dirty="0">
+                          <a:solidFill>
+                            <a:srgbClr val="000000"/>
+                          </a:solidFill>
+                          <a:effectLst/>
+                          <a:latin typeface="+mn-lt"/>
+                          <a:cs typeface="Arial" panose="020B0604020202020204" pitchFamily="34" charset="0"/>
+                        </a:rPr>
+                        <a:t>2</a:t>
+                      </a:r>
+                      <a:r>
+                        <a:rPr lang="en-US" sz="2600" b="0" i="0" u="none" strike="noStrike" dirty="0">
+                          <a:solidFill>
+                            <a:srgbClr val="000000"/>
+                          </a:solidFill>
+                          <a:effectLst/>
+                          <a:latin typeface="+mn-lt"/>
+                          <a:cs typeface="Arial" panose="020B0604020202020204" pitchFamily="34" charset="0"/>
+                        </a:rPr>
+                        <a:t> + 0 + 0</a:t>
+                      </a:r>
+                      <a:endParaRPr lang="en-US" sz="2600" dirty="0">
                         <a:effectLst/>
                         <a:latin typeface="+mn-lt"/>
                         <a:cs typeface="Arial" panose="020B0604020202020204" pitchFamily="34" charset="0"/>
@@ -8572,7 +9026,7 @@
                         </a:spcAft>
                       </a:pPr>
                       <a:r>
-                        <a:rPr lang="en-US" sz="2800" b="0" i="0" u="none" strike="noStrike" dirty="0">
+                        <a:rPr lang="en-US" sz="2600" b="0" i="0" u="none" strike="noStrike" dirty="0">
                           <a:solidFill>
                             <a:srgbClr val="000000"/>
                           </a:solidFill>
@@ -8580,9 +9034,105 @@
                           <a:latin typeface="+mn-lt"/>
                           <a:cs typeface="Arial" panose="020B0604020202020204" pitchFamily="34" charset="0"/>
                         </a:rPr>
-                        <a:t>1</a:t>
+                        <a:t>100</a:t>
                       </a:r>
-                      <a:endParaRPr lang="en-US" sz="2800" dirty="0">
+                      <a:endParaRPr lang="en-US" sz="2600" dirty="0">
+                        <a:effectLst/>
+                        <a:latin typeface="+mn-lt"/>
+                        <a:cs typeface="Arial" panose="020B0604020202020204" pitchFamily="34" charset="0"/>
+                      </a:endParaRPr>
+                    </a:p>
+                  </a:txBody>
+                  <a:tcPr marL="105011" marR="105011" marT="105011" marB="105011">
+                    <a:lnL w="28575" cap="flat" cmpd="sng" algn="ctr">
+                      <a:solidFill>
+                        <a:schemeClr val="tx1"/>
+                      </a:solidFill>
+                      <a:prstDash val="solid"/>
+                      <a:round/>
+                      <a:headEnd type="none" w="med" len="med"/>
+                      <a:tailEnd type="none" w="med" len="med"/>
+                    </a:lnL>
+                    <a:lnR w="28575" cap="flat" cmpd="sng" algn="ctr">
+                      <a:solidFill>
+                        <a:schemeClr val="tx1"/>
+                      </a:solidFill>
+                      <a:prstDash val="solid"/>
+                      <a:round/>
+                      <a:headEnd type="none" w="med" len="med"/>
+                      <a:tailEnd type="none" w="med" len="med"/>
+                    </a:lnR>
+                    <a:lnT w="28575" cap="flat" cmpd="sng" algn="ctr">
+                      <a:solidFill>
+                        <a:schemeClr val="tx1"/>
+                      </a:solidFill>
+                      <a:prstDash val="solid"/>
+                      <a:round/>
+                      <a:headEnd type="none" w="med" len="med"/>
+                      <a:tailEnd type="none" w="med" len="med"/>
+                    </a:lnT>
+                    <a:lnB w="28575" cap="flat" cmpd="sng" algn="ctr">
+                      <a:solidFill>
+                        <a:schemeClr val="tx1"/>
+                      </a:solidFill>
+                      <a:prstDash val="solid"/>
+                      <a:round/>
+                      <a:headEnd type="none" w="med" len="med"/>
+                      <a:tailEnd type="none" w="med" len="med"/>
+                    </a:lnB>
+                    <a:lnTlToBr w="12700" cmpd="sng">
+                      <a:noFill/>
+                      <a:prstDash val="solid"/>
+                    </a:lnTlToBr>
+                    <a:lnBlToTr w="12700" cmpd="sng">
+                      <a:noFill/>
+                      <a:prstDash val="solid"/>
+                    </a:lnBlToTr>
+                  </a:tcPr>
+                </a:tc>
+                <a:extLst>
+                  <a:ext uri="{0D108BD9-81ED-4DB2-BD59-A6C34878D82A}">
+                    <a16:rowId xmlns:a16="http://schemas.microsoft.com/office/drawing/2014/main" val="10004"/>
+                  </a:ext>
+                </a:extLst>
+              </a:tr>
+              <a:tr h="598156">
+                <a:tc>
+                  <a:txBody>
+                    <a:bodyPr/>
+                    <a:lstStyle/>
+                    <a:p>
+                      <a:pPr rtl="0" fontAlgn="t">
+                        <a:spcBef>
+                          <a:spcPts val="0"/>
+                        </a:spcBef>
+                        <a:spcAft>
+                          <a:spcPts val="0"/>
+                        </a:spcAft>
+                      </a:pPr>
+                      <a:r>
+                        <a:rPr lang="en-US" sz="2600" b="0" i="0" u="none" strike="noStrike">
+                          <a:solidFill>
+                            <a:srgbClr val="000000"/>
+                          </a:solidFill>
+                          <a:effectLst/>
+                          <a:latin typeface="+mn-lt"/>
+                          <a:cs typeface="Arial" panose="020B0604020202020204" pitchFamily="34" charset="0"/>
+                        </a:rPr>
+                        <a:t>x</a:t>
+                      </a:r>
+                      <a:r>
+                        <a:rPr lang="en-US" sz="2600" b="0" i="0" u="none" strike="noStrike" baseline="30000">
+                          <a:solidFill>
+                            <a:srgbClr val="000000"/>
+                          </a:solidFill>
+                          <a:effectLst/>
+                          <a:latin typeface="+mn-lt"/>
+                          <a:cs typeface="Arial" panose="020B0604020202020204" pitchFamily="34" charset="0"/>
+                        </a:rPr>
+                        <a:t>3</a:t>
+                      </a:r>
+                      <a:endParaRPr lang="en-US" sz="2600">
                         <a:effectLst/>
                         <a:latin typeface="+mn-lt"/>
                         <a:cs typeface="Arial" panose="020B0604020202020204" pitchFamily="34" charset="0"/>
@@ -8650,7 +9200,7 @@
                         </a:spcAft>
                       </a:pPr>
                       <a:r>
-                        <a:rPr lang="en-US" sz="2800" b="0" i="0" u="none" strike="noStrike" dirty="0">
+                        <a:rPr lang="en-US" sz="2600" b="0" i="0" u="none" strike="noStrike" dirty="0">
                           <a:solidFill>
                             <a:srgbClr val="000000"/>
                           </a:solidFill>
@@ -8658,31 +9208,9 @@
                           <a:latin typeface="+mn-lt"/>
                           <a:cs typeface="Arial" panose="020B0604020202020204" pitchFamily="34" charset="0"/>
                         </a:rPr>
-                        <a:t>0 + x</a:t>
+                        <a:t>011</a:t>
                       </a:r>
-                      <a:r>
-                        <a:rPr lang="en-US" sz="2800" b="0" i="0" u="none" strike="noStrike" baseline="30000" dirty="0">
-                          <a:solidFill>
-                            <a:srgbClr val="000000"/>
-                          </a:solidFill>
-                          <a:effectLst/>
-                          <a:latin typeface="+mn-lt"/>
-                          <a:cs typeface="Arial" panose="020B0604020202020204" pitchFamily="34" charset="0"/>
-                        </a:rPr>
-                        <a:t>1</a:t>
-                      </a:r>
-                      <a:r>
-                        <a:rPr lang="en-US" sz="2800" b="0" i="0" u="none" strike="noStrike" dirty="0">
-                          <a:solidFill>
-                            <a:srgbClr val="000000"/>
-                          </a:solidFill>
-                          <a:effectLst/>
-                          <a:latin typeface="+mn-lt"/>
-                          <a:cs typeface="Arial" panose="020B0604020202020204" pitchFamily="34" charset="0"/>
-                        </a:rPr>
-                        <a:t> + 0</a:t>
-                      </a:r>
-                      <a:endParaRPr lang="en-US" sz="2800" dirty="0">
+                      <a:endParaRPr lang="en-US" sz="2600" dirty="0">
                         <a:effectLst/>
                         <a:latin typeface="+mn-lt"/>
                         <a:cs typeface="Arial" panose="020B0604020202020204" pitchFamily="34" charset="0"/>
@@ -8750,7 +9278,7 @@
                         </a:spcAft>
                       </a:pPr>
                       <a:r>
-                        <a:rPr lang="en-US" sz="2800" b="0" i="0" u="none" strike="noStrike" dirty="0">
+                        <a:rPr lang="en-US" sz="2600" b="0" i="0" u="none" strike="noStrike" dirty="0">
                           <a:solidFill>
                             <a:srgbClr val="000000"/>
                           </a:solidFill>
@@ -8758,9 +9286,42 @@
                           <a:latin typeface="+mn-lt"/>
                           <a:cs typeface="Arial" panose="020B0604020202020204" pitchFamily="34" charset="0"/>
                         </a:rPr>
-                        <a:t>010</a:t>
+                        <a:t>x</a:t>
                       </a:r>
-                      <a:endParaRPr lang="en-US" sz="2800" dirty="0">
+                      <a:r>
+                        <a:rPr lang="en-US" sz="2600" b="0" i="0" u="none" strike="noStrike" baseline="30000" dirty="0">
+                          <a:solidFill>
+                            <a:srgbClr val="000000"/>
+                          </a:solidFill>
+                          <a:effectLst/>
+                          <a:latin typeface="+mn-lt"/>
+                          <a:cs typeface="Arial" panose="020B0604020202020204" pitchFamily="34" charset="0"/>
+                        </a:rPr>
+                        <a:t>2</a:t>
+                      </a:r>
+                      <a:r>
+                        <a:rPr lang="en-US" sz="2600" b="0" i="0" u="none" strike="noStrike" dirty="0">
+                          <a:solidFill>
+                            <a:srgbClr val="000000"/>
+                          </a:solidFill>
+                          <a:effectLst/>
+                          <a:latin typeface="+mn-lt"/>
+                          <a:cs typeface="Arial" panose="020B0604020202020204" pitchFamily="34" charset="0"/>
+                        </a:rPr>
+                        <a:t> + 0 + x</a:t>
+                      </a:r>
+                      <a:r>
+                        <a:rPr lang="en-US" sz="2600" b="0" i="0" u="none" strike="noStrike" baseline="30000" dirty="0">
+                          <a:solidFill>
+                            <a:srgbClr val="000000"/>
+                          </a:solidFill>
+                          <a:effectLst/>
+                          <a:latin typeface="+mn-lt"/>
+                          <a:cs typeface="Arial" panose="020B0604020202020204" pitchFamily="34" charset="0"/>
+                        </a:rPr>
+                        <a:t>0</a:t>
+                      </a:r>
+                      <a:endParaRPr lang="en-US" sz="2600" dirty="0">
                         <a:effectLst/>
                         <a:latin typeface="+mn-lt"/>
                         <a:cs typeface="Arial" panose="020B0604020202020204" pitchFamily="34" charset="0"/>
@@ -8828,7 +9389,7 @@
                         </a:spcAft>
                       </a:pPr>
                       <a:r>
-                        <a:rPr lang="en-US" sz="2800" b="0" i="0" u="none" strike="noStrike">
+                        <a:rPr lang="en-US" sz="2600" b="0" i="0" u="none" strike="noStrike" dirty="0">
                           <a:solidFill>
                             <a:srgbClr val="000000"/>
                           </a:solidFill>
@@ -8836,9 +9397,9 @@
                           <a:latin typeface="+mn-lt"/>
                           <a:cs typeface="Arial" panose="020B0604020202020204" pitchFamily="34" charset="0"/>
                         </a:rPr>
-                        <a:t>2</a:t>
+                        <a:t>101</a:t>
                       </a:r>
-                      <a:endParaRPr lang="en-US" sz="2800">
+                      <a:endParaRPr lang="en-US" sz="2600" dirty="0">
                         <a:effectLst/>
                         <a:latin typeface="+mn-lt"/>
                         <a:cs typeface="Arial" panose="020B0604020202020204" pitchFamily="34" charset="0"/>
@@ -8894,11 +9455,11 @@
                 </a:tc>
                 <a:extLst>
                   <a:ext uri="{0D108BD9-81ED-4DB2-BD59-A6C34878D82A}">
-                    <a16:rowId xmlns:a16="http://schemas.microsoft.com/office/drawing/2014/main" val="10003"/>
+                    <a16:rowId xmlns:a16="http://schemas.microsoft.com/office/drawing/2014/main" val="10005"/>
                   </a:ext>
                 </a:extLst>
               </a:tr>
-              <a:tr h="621520">
+              <a:tr h="602747">
                 <a:tc>
                   <a:txBody>
                     <a:bodyPr/>
@@ -8913,7 +9474,7 @@
                         </a:spcAft>
                       </a:pPr>
                       <a:r>
-                        <a:rPr lang="en-US" sz="2800" b="0" i="0" u="none" strike="noStrike" dirty="0">
+                        <a:rPr lang="en-US" sz="2600" b="0" i="0" u="none" strike="noStrike">
                           <a:solidFill>
                             <a:srgbClr val="000000"/>
                           </a:solidFill>
@@ -8924,7 +9485,7 @@
                         <a:t>x</a:t>
                       </a:r>
                       <a:r>
-                        <a:rPr lang="en-US" sz="2800" b="0" i="0" u="none" strike="noStrike" baseline="30000" dirty="0">
+                        <a:rPr lang="en-US" sz="2600" b="0" i="0" u="none" strike="noStrike" baseline="30000">
                           <a:solidFill>
                             <a:srgbClr val="000000"/>
                           </a:solidFill>
@@ -8932,9 +9493,9 @@
                           <a:latin typeface="+mn-lt"/>
                           <a:cs typeface="Arial" panose="020B0604020202020204" pitchFamily="34" charset="0"/>
                         </a:rPr>
-                        <a:t>2</a:t>
+                        <a:t>4</a:t>
                       </a:r>
-                      <a:endParaRPr lang="en-US" sz="2800" dirty="0">
+                      <a:endParaRPr lang="en-US" sz="2600">
                         <a:effectLst/>
                         <a:latin typeface="+mn-lt"/>
                         <a:cs typeface="Arial" panose="020B0604020202020204" pitchFamily="34" charset="0"/>
@@ -9002,7 +9563,7 @@
                         </a:spcAft>
                       </a:pPr>
                       <a:r>
-                        <a:rPr lang="en-US" sz="2800" b="0" i="0" u="none" strike="noStrike" dirty="0">
+                        <a:rPr lang="en-US" sz="2600" b="0" i="0" u="none" strike="noStrike">
                           <a:solidFill>
                             <a:srgbClr val="000000"/>
                           </a:solidFill>
@@ -9010,9 +9571,9 @@
                           <a:latin typeface="+mn-lt"/>
                           <a:cs typeface="Arial" panose="020B0604020202020204" pitchFamily="34" charset="0"/>
                         </a:rPr>
-                        <a:t>010</a:t>
+                        <a:t>100</a:t>
                       </a:r>
-                      <a:endParaRPr lang="en-US" sz="2800" dirty="0">
+                      <a:endParaRPr lang="en-US" sz="2600">
                         <a:effectLst/>
                         <a:latin typeface="+mn-lt"/>
                         <a:cs typeface="Arial" panose="020B0604020202020204" pitchFamily="34" charset="0"/>
@@ -9080,7 +9641,18 @@
                         </a:spcAft>
                       </a:pPr>
                       <a:r>
-                        <a:rPr lang="en-US" sz="2800" b="0" i="0" u="none" strike="noStrike" dirty="0">
+                        <a:rPr lang="en-US" sz="2600" b="0" i="0" u="none" strike="noStrike" dirty="0">
+                          <a:solidFill>
+                            <a:srgbClr val="000000"/>
+                          </a:solidFill>
+                          <a:effectLst/>
+                          <a:latin typeface="+mn-lt"/>
+                          <a:cs typeface="Arial" panose="020B0604020202020204" pitchFamily="34" charset="0"/>
+                        </a:rPr>
+                        <a:t>x</a:t>
+                      </a:r>
+                      <a:r>
+                        <a:rPr lang="en-US" sz="2600" b="0" i="0" u="none" strike="noStrike" baseline="30000" dirty="0">
                           <a:solidFill>
                             <a:srgbClr val="000000"/>
                           </a:solidFill>
@@ -9090,7 +9662,51 @@
                         </a:rPr>
                         <a:t>2</a:t>
                       </a:r>
-                      <a:endParaRPr lang="en-US" sz="2800" dirty="0">
+                      <a:r>
+                        <a:rPr lang="en-US" sz="2600" b="0" i="0" u="none" strike="noStrike" dirty="0">
+                          <a:solidFill>
+                            <a:srgbClr val="000000"/>
+                          </a:solidFill>
+                          <a:effectLst/>
+                          <a:latin typeface="+mn-lt"/>
+                          <a:cs typeface="Arial" panose="020B0604020202020204" pitchFamily="34" charset="0"/>
+                        </a:rPr>
+                        <a:t> + x</a:t>
+                      </a:r>
+                      <a:r>
+                        <a:rPr lang="en-US" sz="2600" b="0" i="0" u="none" strike="noStrike" baseline="30000" dirty="0">
+                          <a:solidFill>
+                            <a:srgbClr val="000000"/>
+                          </a:solidFill>
+                          <a:effectLst/>
+                          <a:latin typeface="+mn-lt"/>
+                          <a:cs typeface="Arial" panose="020B0604020202020204" pitchFamily="34" charset="0"/>
+                        </a:rPr>
+                        <a:t>1</a:t>
+                      </a:r>
+                      <a:r>
+                        <a:rPr lang="en-US" sz="2600" b="0" i="0" u="none" strike="noStrike" dirty="0">
+                          <a:solidFill>
+                            <a:srgbClr val="000000"/>
+                          </a:solidFill>
+                          <a:effectLst/>
+                          <a:latin typeface="+mn-lt"/>
+                          <a:cs typeface="Arial" panose="020B0604020202020204" pitchFamily="34" charset="0"/>
+                        </a:rPr>
+                        <a:t> + x</a:t>
+                      </a:r>
+                      <a:r>
+                        <a:rPr lang="en-US" sz="2600" b="0" i="0" u="none" strike="noStrike" baseline="30000" dirty="0">
+                          <a:solidFill>
+                            <a:srgbClr val="000000"/>
+                          </a:solidFill>
+                          <a:effectLst/>
+                          <a:latin typeface="+mn-lt"/>
+                          <a:cs typeface="Arial" panose="020B0604020202020204" pitchFamily="34" charset="0"/>
+                        </a:rPr>
+                        <a:t>0</a:t>
+                      </a:r>
+                      <a:endParaRPr lang="en-US" sz="2600" dirty="0">
                         <a:effectLst/>
                         <a:latin typeface="+mn-lt"/>
                         <a:cs typeface="Arial" panose="020B0604020202020204" pitchFamily="34" charset="0"/>
@@ -9158,7 +9774,92 @@
                         </a:spcAft>
                       </a:pPr>
                       <a:r>
-                        <a:rPr lang="en-US" sz="2800" b="0" i="0" u="none" strike="noStrike" dirty="0">
+                        <a:rPr lang="en-US" sz="2600" b="0" i="0" u="none" strike="noStrike" dirty="0">
+                          <a:solidFill>
+                            <a:srgbClr val="000000"/>
+                          </a:solidFill>
+                          <a:effectLst/>
+                          <a:latin typeface="+mn-lt"/>
+                          <a:cs typeface="Arial" panose="020B0604020202020204" pitchFamily="34" charset="0"/>
+                        </a:rPr>
+                        <a:t>111</a:t>
+                      </a:r>
+                      <a:endParaRPr lang="en-US" sz="2600" dirty="0">
+                        <a:effectLst/>
+                        <a:latin typeface="+mn-lt"/>
+                        <a:cs typeface="Arial" panose="020B0604020202020204" pitchFamily="34" charset="0"/>
+                      </a:endParaRPr>
+                    </a:p>
+                  </a:txBody>
+                  <a:tcPr marL="105011" marR="105011" marT="105011" marB="105011">
+                    <a:lnL w="28575" cap="flat" cmpd="sng" algn="ctr">
+                      <a:solidFill>
+                        <a:schemeClr val="tx1"/>
+                      </a:solidFill>
+                      <a:prstDash val="solid"/>
+                      <a:round/>
+                      <a:headEnd type="none" w="med" len="med"/>
+                      <a:tailEnd type="none" w="med" len="med"/>
+                    </a:lnL>
+                    <a:lnR w="28575" cap="flat" cmpd="sng" algn="ctr">
+                      <a:solidFill>
+                        <a:schemeClr val="tx1"/>
+                      </a:solidFill>
+                      <a:prstDash val="solid"/>
+                      <a:round/>
+                      <a:headEnd type="none" w="med" len="med"/>
+                      <a:tailEnd type="none" w="med" len="med"/>
+                    </a:lnR>
+                    <a:lnT w="28575" cap="flat" cmpd="sng" algn="ctr">
+                      <a:solidFill>
+                        <a:schemeClr val="tx1"/>
+                      </a:solidFill>
+                      <a:prstDash val="solid"/>
+                      <a:round/>
+                      <a:headEnd type="none" w="med" len="med"/>
+                      <a:tailEnd type="none" w="med" len="med"/>
+                    </a:lnT>
+                    <a:lnB w="28575" cap="flat" cmpd="sng" algn="ctr">
+                      <a:solidFill>
+                        <a:schemeClr val="tx1"/>
+                      </a:solidFill>
+                      <a:prstDash val="solid"/>
+                      <a:round/>
+                      <a:headEnd type="none" w="med" len="med"/>
+                      <a:tailEnd type="none" w="med" len="med"/>
+                    </a:lnB>
+                    <a:lnTlToBr w="12700" cmpd="sng">
+                      <a:noFill/>
+                      <a:prstDash val="solid"/>
+                    </a:lnTlToBr>
+                    <a:lnBlToTr w="12700" cmpd="sng">
+                      <a:noFill/>
+                      <a:prstDash val="solid"/>
+                    </a:lnBlToTr>
+                  </a:tcPr>
+                </a:tc>
+                <a:extLst>
+                  <a:ext uri="{0D108BD9-81ED-4DB2-BD59-A6C34878D82A}">
+                    <a16:rowId xmlns:a16="http://schemas.microsoft.com/office/drawing/2014/main" val="10006"/>
+                  </a:ext>
+                </a:extLst>
+              </a:tr>
+              <a:tr h="598156">
+                <a:tc>
+                  <a:txBody>
+                    <a:bodyPr/>
+                    <a:lstStyle/>
+                    <a:p>
+                      <a:pPr rtl="0" fontAlgn="t">
+                        <a:spcBef>
+                          <a:spcPts val="0"/>
+                        </a:spcBef>
+                        <a:spcAft>
+                          <a:spcPts val="0"/>
+                        </a:spcAft>
+                      </a:pPr>
+                      <a:r>
+                        <a:rPr lang="en-US" sz="2600" b="0" i="0" u="none" strike="noStrike">
                           <a:solidFill>
                             <a:srgbClr val="000000"/>
                           </a:solidFill>
@@ -9169,7 +9870,7 @@
                         <a:t>x</a:t>
                       </a:r>
                       <a:r>
-                        <a:rPr lang="en-US" sz="2800" b="0" i="0" u="none" strike="noStrike" baseline="30000" dirty="0">
+                        <a:rPr lang="en-US" sz="2600" b="0" i="0" u="none" strike="noStrike" baseline="30000">
                           <a:solidFill>
                             <a:srgbClr val="000000"/>
                           </a:solidFill>
@@ -9177,20 +9878,9 @@
                           <a:latin typeface="+mn-lt"/>
                           <a:cs typeface="Arial" panose="020B0604020202020204" pitchFamily="34" charset="0"/>
                         </a:rPr>
-                        <a:t>2</a:t>
+                        <a:t>5</a:t>
                       </a:r>
-                      <a:r>
-                        <a:rPr lang="en-US" sz="2800" b="0" i="0" u="none" strike="noStrike" dirty="0">
-                          <a:solidFill>
-                            <a:srgbClr val="000000"/>
-                          </a:solidFill>
-                          <a:effectLst/>
-                          <a:latin typeface="+mn-lt"/>
-                          <a:cs typeface="Arial" panose="020B0604020202020204" pitchFamily="34" charset="0"/>
-                        </a:rPr>
-                        <a:t> + 0 + 0</a:t>
-                      </a:r>
-                      <a:endParaRPr lang="en-US" sz="2800" dirty="0">
+                      <a:endParaRPr lang="en-US" sz="2600">
                         <a:effectLst/>
                         <a:latin typeface="+mn-lt"/>
                         <a:cs typeface="Arial" panose="020B0604020202020204" pitchFamily="34" charset="0"/>
@@ -9258,7 +9948,7 @@
                         </a:spcAft>
                       </a:pPr>
                       <a:r>
-                        <a:rPr lang="en-US" sz="2800" b="0" i="0" u="none" strike="noStrike">
+                        <a:rPr lang="en-US" sz="2600" b="0" i="0" u="none" strike="noStrike">
                           <a:solidFill>
                             <a:srgbClr val="000000"/>
                           </a:solidFill>
@@ -9266,9 +9956,9 @@
                           <a:latin typeface="+mn-lt"/>
                           <a:cs typeface="Arial" panose="020B0604020202020204" pitchFamily="34" charset="0"/>
                         </a:rPr>
-                        <a:t>100</a:t>
+                        <a:t>101</a:t>
                       </a:r>
-                      <a:endParaRPr lang="en-US" sz="2800">
+                      <a:endParaRPr lang="en-US" sz="2600">
                         <a:effectLst/>
                         <a:latin typeface="+mn-lt"/>
                         <a:cs typeface="Arial" panose="020B0604020202020204" pitchFamily="34" charset="0"/>
@@ -9336,7 +10026,7 @@
                         </a:spcAft>
                       </a:pPr>
                       <a:r>
-                        <a:rPr lang="en-US" sz="2800" b="0" i="0" u="none" strike="noStrike">
+                        <a:rPr lang="en-US" sz="2600" b="0" i="0" u="none" strike="noStrike" dirty="0">
                           <a:solidFill>
                             <a:srgbClr val="000000"/>
                           </a:solidFill>
@@ -9344,84 +10034,10 @@
                           <a:latin typeface="+mn-lt"/>
                           <a:cs typeface="Arial" panose="020B0604020202020204" pitchFamily="34" charset="0"/>
                         </a:rPr>
-                        <a:t>4</a:t>
+                        <a:t>0 + x</a:t>
                       </a:r>
-                      <a:endParaRPr lang="en-US" sz="2800">
-                        <a:effectLst/>
-                        <a:latin typeface="+mn-lt"/>
-                        <a:cs typeface="Arial" panose="020B0604020202020204" pitchFamily="34" charset="0"/>
-                      </a:endParaRPr>
-                    </a:p>
-                  </a:txBody>
-                  <a:tcPr marL="105011" marR="105011" marT="105011" marB="105011">
-                    <a:lnL w="28575" cap="flat" cmpd="sng" algn="ctr">
-                      <a:solidFill>
-                        <a:schemeClr val="tx1"/>
-                      </a:solidFill>
-                      <a:prstDash val="solid"/>
-                      <a:round/>
-                      <a:headEnd type="none" w="med" len="med"/>
-                      <a:tailEnd type="none" w="med" len="med"/>
-                    </a:lnL>
-                    <a:lnR w="28575" cap="flat" cmpd="sng" algn="ctr">
-                      <a:solidFill>
-                        <a:schemeClr val="tx1"/>
-                      </a:solidFill>
-                      <a:prstDash val="solid"/>
-                      <a:round/>
-                      <a:headEnd type="none" w="med" len="med"/>
-                      <a:tailEnd type="none" w="med" len="med"/>
-                    </a:lnR>
-                    <a:lnT w="28575" cap="flat" cmpd="sng" algn="ctr">
-                      <a:solidFill>
-                        <a:schemeClr val="tx1"/>
-                      </a:solidFill>
-                      <a:prstDash val="solid"/>
-                      <a:round/>
-                      <a:headEnd type="none" w="med" len="med"/>
-                      <a:tailEnd type="none" w="med" len="med"/>
-                    </a:lnT>
-                    <a:lnB w="28575" cap="flat" cmpd="sng" algn="ctr">
-                      <a:solidFill>
-                        <a:schemeClr val="tx1"/>
-                      </a:solidFill>
-                      <a:prstDash val="solid"/>
-                      <a:round/>
-                      <a:headEnd type="none" w="med" len="med"/>
-                      <a:tailEnd type="none" w="med" len="med"/>
-                    </a:lnB>
-                    <a:lnTlToBr w="12700" cmpd="sng">
-                      <a:noFill/>
-                      <a:prstDash val="solid"/>
-                    </a:lnTlToBr>
-                    <a:lnBlToTr w="12700" cmpd="sng">
-                      <a:noFill/>
-                      <a:prstDash val="solid"/>
-                    </a:lnBlToTr>
-                  </a:tcPr>
-                </a:tc>
-                <a:extLst>
-                  <a:ext uri="{0D108BD9-81ED-4DB2-BD59-A6C34878D82A}">
-                    <a16:rowId xmlns:a16="http://schemas.microsoft.com/office/drawing/2014/main" val="10004"/>
-                  </a:ext>
-                </a:extLst>
-              </a:tr>
-              <a:tr h="621520">
-                <a:tc>
-                  <a:txBody>
-                    <a:bodyPr/>
-                    <a:lstStyle/>
-                    <a:p>
-                      <a:pPr rtl="0" fontAlgn="t">
-                        <a:spcBef>
-                          <a:spcPts val="0"/>
-                        </a:spcBef>
-                        <a:spcAft>
-                          <a:spcPts val="0"/>
-                        </a:spcAft>
-                      </a:pPr>
                       <a:r>
-                        <a:rPr lang="en-US" sz="2800" b="0" i="0" u="none" strike="noStrike">
+                        <a:rPr lang="en-US" sz="2600" b="0" i="0" u="none" strike="noStrike" baseline="30000" dirty="0">
                           <a:solidFill>
                             <a:srgbClr val="000000"/>
                           </a:solidFill>
@@ -9429,10 +10045,10 @@
                           <a:latin typeface="+mn-lt"/>
                           <a:cs typeface="Arial" panose="020B0604020202020204" pitchFamily="34" charset="0"/>
                         </a:rPr>
-                        <a:t>x</a:t>
+                        <a:t>1</a:t>
                       </a:r>
                       <a:r>
-                        <a:rPr lang="en-US" sz="2800" b="0" i="0" u="none" strike="noStrike" baseline="30000">
+                        <a:rPr lang="en-US" sz="2600" b="0" i="0" u="none" strike="noStrike" dirty="0">
                           <a:solidFill>
                             <a:srgbClr val="000000"/>
                           </a:solidFill>
@@ -9440,9 +10056,20 @@
                           <a:latin typeface="+mn-lt"/>
                           <a:cs typeface="Arial" panose="020B0604020202020204" pitchFamily="34" charset="0"/>
                         </a:rPr>
-                        <a:t>3</a:t>
+                        <a:t> + x</a:t>
                       </a:r>
-                      <a:endParaRPr lang="en-US" sz="2800">
+                      <a:r>
+                        <a:rPr lang="en-US" sz="2600" b="0" i="0" u="none" strike="noStrike" baseline="30000" dirty="0">
+                          <a:solidFill>
+                            <a:srgbClr val="000000"/>
+                          </a:solidFill>
+                          <a:effectLst/>
+                          <a:latin typeface="+mn-lt"/>
+                          <a:cs typeface="Arial" panose="020B0604020202020204" pitchFamily="34" charset="0"/>
+                        </a:rPr>
+                        <a:t>0</a:t>
+                      </a:r>
+                      <a:endParaRPr lang="en-US" sz="2600" dirty="0">
                         <a:effectLst/>
                         <a:latin typeface="+mn-lt"/>
                         <a:cs typeface="Arial" panose="020B0604020202020204" pitchFamily="34" charset="0"/>
@@ -9510,7 +10137,7 @@
                         </a:spcAft>
                       </a:pPr>
                       <a:r>
-                        <a:rPr lang="en-US" sz="2800" b="0" i="0" u="none" strike="noStrike" dirty="0">
+                        <a:rPr lang="en-US" sz="2600" b="0" i="0" u="none" strike="noStrike" dirty="0">
                           <a:solidFill>
                             <a:srgbClr val="000000"/>
                           </a:solidFill>
@@ -9520,7 +10147,103 @@
                         </a:rPr>
                         <a:t>011</a:t>
                       </a:r>
-                      <a:endParaRPr lang="en-US" sz="2800" dirty="0">
+                      <a:endParaRPr lang="en-US" sz="2600" dirty="0">
+                        <a:effectLst/>
+                        <a:latin typeface="+mn-lt"/>
+                        <a:cs typeface="Arial" panose="020B0604020202020204" pitchFamily="34" charset="0"/>
+                      </a:endParaRPr>
+                    </a:p>
+                  </a:txBody>
+                  <a:tcPr marL="105011" marR="105011" marT="105011" marB="105011">
+                    <a:lnL w="28575" cap="flat" cmpd="sng" algn="ctr">
+                      <a:solidFill>
+                        <a:schemeClr val="tx1"/>
+                      </a:solidFill>
+                      <a:prstDash val="solid"/>
+                      <a:round/>
+                      <a:headEnd type="none" w="med" len="med"/>
+                      <a:tailEnd type="none" w="med" len="med"/>
+                    </a:lnL>
+                    <a:lnR w="28575" cap="flat" cmpd="sng" algn="ctr">
+                      <a:solidFill>
+                        <a:schemeClr val="tx1"/>
+                      </a:solidFill>
+                      <a:prstDash val="solid"/>
+                      <a:round/>
+                      <a:headEnd type="none" w="med" len="med"/>
+                      <a:tailEnd type="none" w="med" len="med"/>
+                    </a:lnR>
+                    <a:lnT w="28575" cap="flat" cmpd="sng" algn="ctr">
+                      <a:solidFill>
+                        <a:schemeClr val="tx1"/>
+                      </a:solidFill>
+                      <a:prstDash val="solid"/>
+                      <a:round/>
+                      <a:headEnd type="none" w="med" len="med"/>
+                      <a:tailEnd type="none" w="med" len="med"/>
+                    </a:lnT>
+                    <a:lnB w="28575" cap="flat" cmpd="sng" algn="ctr">
+                      <a:solidFill>
+                        <a:schemeClr val="tx1"/>
+                      </a:solidFill>
+                      <a:prstDash val="solid"/>
+                      <a:round/>
+                      <a:headEnd type="none" w="med" len="med"/>
+                      <a:tailEnd type="none" w="med" len="med"/>
+                    </a:lnB>
+                    <a:lnTlToBr w="12700" cmpd="sng">
+                      <a:noFill/>
+                      <a:prstDash val="solid"/>
+                    </a:lnTlToBr>
+                    <a:lnBlToTr w="12700" cmpd="sng">
+                      <a:noFill/>
+                      <a:prstDash val="solid"/>
+                    </a:lnBlToTr>
+                  </a:tcPr>
+                </a:tc>
+                <a:extLst>
+                  <a:ext uri="{0D108BD9-81ED-4DB2-BD59-A6C34878D82A}">
+                    <a16:rowId xmlns:a16="http://schemas.microsoft.com/office/drawing/2014/main" val="10007"/>
+                  </a:ext>
+                </a:extLst>
+              </a:tr>
+              <a:tr h="598156">
+                <a:tc>
+                  <a:txBody>
+                    <a:bodyPr/>
+                    <a:lstStyle/>
+                    <a:p>
+                      <a:pPr rtl="0" fontAlgn="t">
+                        <a:spcBef>
+                          <a:spcPts val="0"/>
+                        </a:spcBef>
+                        <a:spcAft>
+                          <a:spcPts val="0"/>
+                        </a:spcAft>
+                      </a:pPr>
+                      <a:r>
+                        <a:rPr lang="en-US" sz="2600" b="0" i="0" u="none" strike="noStrike" dirty="0">
+                          <a:solidFill>
+                            <a:srgbClr val="000000"/>
+                          </a:solidFill>
+                          <a:effectLst/>
+                          <a:latin typeface="+mn-lt"/>
+                          <a:cs typeface="Arial" panose="020B0604020202020204" pitchFamily="34" charset="0"/>
+                        </a:rPr>
+                        <a:t>x</a:t>
+                      </a:r>
+                      <a:r>
+                        <a:rPr lang="en-US" sz="2600" b="0" i="0" u="none" strike="noStrike" baseline="30000" dirty="0">
+                          <a:solidFill>
+                            <a:srgbClr val="000000"/>
+                          </a:solidFill>
+                          <a:effectLst/>
+                          <a:latin typeface="+mn-lt"/>
+                          <a:cs typeface="Arial" panose="020B0604020202020204" pitchFamily="34" charset="0"/>
+                        </a:rPr>
+                        <a:t>6</a:t>
+                      </a:r>
+                      <a:endParaRPr lang="en-US" sz="2600" dirty="0">
                         <a:effectLst/>
                         <a:latin typeface="+mn-lt"/>
                         <a:cs typeface="Arial" panose="020B0604020202020204" pitchFamily="34" charset="0"/>
@@ -9588,7 +10311,7 @@
                         </a:spcAft>
                       </a:pPr>
                       <a:r>
-                        <a:rPr lang="en-US" sz="2800" b="0" i="0" u="none" strike="noStrike">
+                        <a:rPr lang="en-US" sz="2600" b="0" i="0" u="none" strike="noStrike" dirty="0">
                           <a:solidFill>
                             <a:srgbClr val="000000"/>
                           </a:solidFill>
@@ -9596,9 +10319,9 @@
                           <a:latin typeface="+mn-lt"/>
                           <a:cs typeface="Arial" panose="020B0604020202020204" pitchFamily="34" charset="0"/>
                         </a:rPr>
-                        <a:t>3</a:t>
+                        <a:t>110</a:t>
                       </a:r>
-                      <a:endParaRPr lang="en-US" sz="2800">
+                      <a:endParaRPr lang="en-US" sz="2600" dirty="0">
                         <a:effectLst/>
                         <a:latin typeface="+mn-lt"/>
                         <a:cs typeface="Arial" panose="020B0604020202020204" pitchFamily="34" charset="0"/>
@@ -9666,7 +10389,7 @@
                         </a:spcAft>
                       </a:pPr>
                       <a:r>
-                        <a:rPr lang="en-US" sz="2800" b="0" i="0" u="none" strike="noStrike" dirty="0">
+                        <a:rPr lang="en-US" sz="2600" b="0" i="0" u="none" strike="noStrike" dirty="0">
                           <a:solidFill>
                             <a:srgbClr val="000000"/>
                           </a:solidFill>
@@ -9677,7 +10400,7 @@
                         <a:t>x</a:t>
                       </a:r>
                       <a:r>
-                        <a:rPr lang="en-US" sz="2800" b="0" i="0" u="none" strike="noStrike" baseline="30000" dirty="0">
+                        <a:rPr lang="en-US" sz="2600" b="0" i="0" u="none" strike="noStrike" baseline="30000" dirty="0">
                           <a:solidFill>
                             <a:srgbClr val="000000"/>
                           </a:solidFill>
@@ -9688,7 +10411,7 @@
                         <a:t>2</a:t>
                       </a:r>
                       <a:r>
-                        <a:rPr lang="en-US" sz="2800" b="0" i="0" u="none" strike="noStrike" dirty="0">
+                        <a:rPr lang="en-US" sz="2600" b="0" i="0" u="none" strike="noStrike" dirty="0">
                           <a:solidFill>
                             <a:srgbClr val="000000"/>
                           </a:solidFill>
@@ -9696,10 +10419,10 @@
                           <a:latin typeface="+mn-lt"/>
                           <a:cs typeface="Arial" panose="020B0604020202020204" pitchFamily="34" charset="0"/>
                         </a:rPr>
-                        <a:t> + 0 + x</a:t>
+                        <a:t> + x</a:t>
                       </a:r>
                       <a:r>
-                        <a:rPr lang="en-US" sz="2800" b="0" i="0" u="none" strike="noStrike" baseline="30000" dirty="0">
+                        <a:rPr lang="en-US" sz="2600" b="0" i="0" u="none" strike="noStrike" baseline="30000" dirty="0">
                           <a:solidFill>
                             <a:srgbClr val="000000"/>
                           </a:solidFill>
@@ -9707,9 +10430,20 @@
                           <a:latin typeface="+mn-lt"/>
                           <a:cs typeface="Arial" panose="020B0604020202020204" pitchFamily="34" charset="0"/>
                         </a:rPr>
-                        <a:t>0</a:t>
+                        <a:t>1</a:t>
                       </a:r>
-                      <a:endParaRPr lang="en-US" sz="2800" dirty="0">
+                      <a:r>
+                        <a:rPr lang="en-US" sz="2600" b="0" i="0" u="none" strike="noStrike" dirty="0">
+                          <a:solidFill>
+                            <a:srgbClr val="000000"/>
+                          </a:solidFill>
+                          <a:effectLst/>
+                          <a:latin typeface="+mn-lt"/>
+                          <a:cs typeface="Arial" panose="020B0604020202020204" pitchFamily="34" charset="0"/>
+                        </a:rPr>
+                        <a:t> + 0</a:t>
+                      </a:r>
+                      <a:endParaRPr lang="en-US" sz="2600" dirty="0">
                         <a:effectLst/>
                         <a:latin typeface="+mn-lt"/>
                         <a:cs typeface="Arial" panose="020B0604020202020204" pitchFamily="34" charset="0"/>
@@ -9777,1319 +10511,7 @@
                         </a:spcAft>
                       </a:pPr>
                       <a:r>
-                        <a:rPr lang="en-US" sz="2800" b="0" i="0" u="none" strike="noStrike">
-                          <a:solidFill>
-                            <a:srgbClr val="000000"/>
-                          </a:solidFill>
-                          <a:effectLst/>
-                          <a:latin typeface="+mn-lt"/>
-                          <a:cs typeface="Arial" panose="020B0604020202020204" pitchFamily="34" charset="0"/>
-                        </a:rPr>
-                        <a:t>101</a:t>
-                      </a:r>
-                      <a:endParaRPr lang="en-US" sz="2800">
-                        <a:effectLst/>
-                        <a:latin typeface="+mn-lt"/>
-                        <a:cs typeface="Arial" panose="020B0604020202020204" pitchFamily="34" charset="0"/>
-                      </a:endParaRPr>
-                    </a:p>
-                  </a:txBody>
-                  <a:tcPr marL="105011" marR="105011" marT="105011" marB="105011">
-                    <a:lnL w="28575" cap="flat" cmpd="sng" algn="ctr">
-                      <a:solidFill>
-                        <a:schemeClr val="tx1"/>
-                      </a:solidFill>
-                      <a:prstDash val="solid"/>
-                      <a:round/>
-                      <a:headEnd type="none" w="med" len="med"/>
-                      <a:tailEnd type="none" w="med" len="med"/>
-                    </a:lnL>
-                    <a:lnR w="28575" cap="flat" cmpd="sng" algn="ctr">
-                      <a:solidFill>
-                        <a:schemeClr val="tx1"/>
-                      </a:solidFill>
-                      <a:prstDash val="solid"/>
-                      <a:round/>
-                      <a:headEnd type="none" w="med" len="med"/>
-                      <a:tailEnd type="none" w="med" len="med"/>
-                    </a:lnR>
-                    <a:lnT w="28575" cap="flat" cmpd="sng" algn="ctr">
-                      <a:solidFill>
-                        <a:schemeClr val="tx1"/>
-                      </a:solidFill>
-                      <a:prstDash val="solid"/>
-                      <a:round/>
-                      <a:headEnd type="none" w="med" len="med"/>
-                      <a:tailEnd type="none" w="med" len="med"/>
-                    </a:lnT>
-                    <a:lnB w="28575" cap="flat" cmpd="sng" algn="ctr">
-                      <a:solidFill>
-                        <a:schemeClr val="tx1"/>
-                      </a:solidFill>
-                      <a:prstDash val="solid"/>
-                      <a:round/>
-                      <a:headEnd type="none" w="med" len="med"/>
-                      <a:tailEnd type="none" w="med" len="med"/>
-                    </a:lnB>
-                    <a:lnTlToBr w="12700" cmpd="sng">
-                      <a:noFill/>
-                      <a:prstDash val="solid"/>
-                    </a:lnTlToBr>
-                    <a:lnBlToTr w="12700" cmpd="sng">
-                      <a:noFill/>
-                      <a:prstDash val="solid"/>
-                    </a:lnBlToTr>
-                  </a:tcPr>
-                </a:tc>
-                <a:tc>
-                  <a:txBody>
-                    <a:bodyPr/>
-                    <a:lstStyle/>
-                    <a:p>
-                      <a:pPr rtl="0" fontAlgn="t">
-                        <a:spcBef>
-                          <a:spcPts val="0"/>
-                        </a:spcBef>
-                        <a:spcAft>
-                          <a:spcPts val="0"/>
-                        </a:spcAft>
-                      </a:pPr>
-                      <a:r>
-                        <a:rPr lang="en-US" sz="2800" b="0" i="0" u="none" strike="noStrike">
-                          <a:solidFill>
-                            <a:srgbClr val="000000"/>
-                          </a:solidFill>
-                          <a:effectLst/>
-                          <a:latin typeface="+mn-lt"/>
-                          <a:cs typeface="Arial" panose="020B0604020202020204" pitchFamily="34" charset="0"/>
-                        </a:rPr>
-                        <a:t>5</a:t>
-                      </a:r>
-                      <a:endParaRPr lang="en-US" sz="2800">
-                        <a:effectLst/>
-                        <a:latin typeface="+mn-lt"/>
-                        <a:cs typeface="Arial" panose="020B0604020202020204" pitchFamily="34" charset="0"/>
-                      </a:endParaRPr>
-                    </a:p>
-                  </a:txBody>
-                  <a:tcPr marL="105011" marR="105011" marT="105011" marB="105011">
-                    <a:lnL w="28575" cap="flat" cmpd="sng" algn="ctr">
-                      <a:solidFill>
-                        <a:schemeClr val="tx1"/>
-                      </a:solidFill>
-                      <a:prstDash val="solid"/>
-                      <a:round/>
-                      <a:headEnd type="none" w="med" len="med"/>
-                      <a:tailEnd type="none" w="med" len="med"/>
-                    </a:lnL>
-                    <a:lnR w="28575" cap="flat" cmpd="sng" algn="ctr">
-                      <a:solidFill>
-                        <a:schemeClr val="tx1"/>
-                      </a:solidFill>
-                      <a:prstDash val="solid"/>
-                      <a:round/>
-                      <a:headEnd type="none" w="med" len="med"/>
-                      <a:tailEnd type="none" w="med" len="med"/>
-                    </a:lnR>
-                    <a:lnT w="28575" cap="flat" cmpd="sng" algn="ctr">
-                      <a:solidFill>
-                        <a:schemeClr val="tx1"/>
-                      </a:solidFill>
-                      <a:prstDash val="solid"/>
-                      <a:round/>
-                      <a:headEnd type="none" w="med" len="med"/>
-                      <a:tailEnd type="none" w="med" len="med"/>
-                    </a:lnT>
-                    <a:lnB w="28575" cap="flat" cmpd="sng" algn="ctr">
-                      <a:solidFill>
-                        <a:schemeClr val="tx1"/>
-                      </a:solidFill>
-                      <a:prstDash val="solid"/>
-                      <a:round/>
-                      <a:headEnd type="none" w="med" len="med"/>
-                      <a:tailEnd type="none" w="med" len="med"/>
-                    </a:lnB>
-                    <a:lnTlToBr w="12700" cmpd="sng">
-                      <a:noFill/>
-                      <a:prstDash val="solid"/>
-                    </a:lnTlToBr>
-                    <a:lnBlToTr w="12700" cmpd="sng">
-                      <a:noFill/>
-                      <a:prstDash val="solid"/>
-                    </a:lnBlToTr>
-                  </a:tcPr>
-                </a:tc>
-                <a:extLst>
-                  <a:ext uri="{0D108BD9-81ED-4DB2-BD59-A6C34878D82A}">
-                    <a16:rowId xmlns:a16="http://schemas.microsoft.com/office/drawing/2014/main" val="10005"/>
-                  </a:ext>
-                </a:extLst>
-              </a:tr>
-              <a:tr h="626290">
-                <a:tc>
-                  <a:txBody>
-                    <a:bodyPr/>
-                    <a:lstStyle/>
-                    <a:p>
-                      <a:pPr rtl="0" fontAlgn="t">
-                        <a:spcBef>
-                          <a:spcPts val="0"/>
-                        </a:spcBef>
-                        <a:spcAft>
-                          <a:spcPts val="0"/>
-                        </a:spcAft>
-                      </a:pPr>
-                      <a:r>
-                        <a:rPr lang="en-US" sz="2800" b="0" i="0" u="none" strike="noStrike">
-                          <a:solidFill>
-                            <a:srgbClr val="000000"/>
-                          </a:solidFill>
-                          <a:effectLst/>
-                          <a:latin typeface="+mn-lt"/>
-                          <a:cs typeface="Arial" panose="020B0604020202020204" pitchFamily="34" charset="0"/>
-                        </a:rPr>
-                        <a:t>x</a:t>
-                      </a:r>
-                      <a:r>
-                        <a:rPr lang="en-US" sz="2800" b="0" i="0" u="none" strike="noStrike" baseline="30000">
-                          <a:solidFill>
-                            <a:srgbClr val="000000"/>
-                          </a:solidFill>
-                          <a:effectLst/>
-                          <a:latin typeface="+mn-lt"/>
-                          <a:cs typeface="Arial" panose="020B0604020202020204" pitchFamily="34" charset="0"/>
-                        </a:rPr>
-                        <a:t>4</a:t>
-                      </a:r>
-                      <a:endParaRPr lang="en-US" sz="2800">
-                        <a:effectLst/>
-                        <a:latin typeface="+mn-lt"/>
-                        <a:cs typeface="Arial" panose="020B0604020202020204" pitchFamily="34" charset="0"/>
-                      </a:endParaRPr>
-                    </a:p>
-                  </a:txBody>
-                  <a:tcPr marL="105011" marR="105011" marT="105011" marB="105011">
-                    <a:lnL w="28575" cap="flat" cmpd="sng" algn="ctr">
-                      <a:solidFill>
-                        <a:schemeClr val="tx1"/>
-                      </a:solidFill>
-                      <a:prstDash val="solid"/>
-                      <a:round/>
-                      <a:headEnd type="none" w="med" len="med"/>
-                      <a:tailEnd type="none" w="med" len="med"/>
-                    </a:lnL>
-                    <a:lnR w="28575" cap="flat" cmpd="sng" algn="ctr">
-                      <a:solidFill>
-                        <a:schemeClr val="tx1"/>
-                      </a:solidFill>
-                      <a:prstDash val="solid"/>
-                      <a:round/>
-                      <a:headEnd type="none" w="med" len="med"/>
-                      <a:tailEnd type="none" w="med" len="med"/>
-                    </a:lnR>
-                    <a:lnT w="28575" cap="flat" cmpd="sng" algn="ctr">
-                      <a:solidFill>
-                        <a:schemeClr val="tx1"/>
-                      </a:solidFill>
-                      <a:prstDash val="solid"/>
-                      <a:round/>
-                      <a:headEnd type="none" w="med" len="med"/>
-                      <a:tailEnd type="none" w="med" len="med"/>
-                    </a:lnT>
-                    <a:lnB w="28575" cap="flat" cmpd="sng" algn="ctr">
-                      <a:solidFill>
-                        <a:schemeClr val="tx1"/>
-                      </a:solidFill>
-                      <a:prstDash val="solid"/>
-                      <a:round/>
-                      <a:headEnd type="none" w="med" len="med"/>
-                      <a:tailEnd type="none" w="med" len="med"/>
-                    </a:lnB>
-                    <a:lnTlToBr w="12700" cmpd="sng">
-                      <a:noFill/>
-                      <a:prstDash val="solid"/>
-                    </a:lnTlToBr>
-                    <a:lnBlToTr w="12700" cmpd="sng">
-                      <a:noFill/>
-                      <a:prstDash val="solid"/>
-                    </a:lnBlToTr>
-                  </a:tcPr>
-                </a:tc>
-                <a:tc>
-                  <a:txBody>
-                    <a:bodyPr/>
-                    <a:lstStyle/>
-                    <a:p>
-                      <a:pPr rtl="0" fontAlgn="t">
-                        <a:spcBef>
-                          <a:spcPts val="0"/>
-                        </a:spcBef>
-                        <a:spcAft>
-                          <a:spcPts val="0"/>
-                        </a:spcAft>
-                      </a:pPr>
-                      <a:r>
-                        <a:rPr lang="en-US" sz="2800" b="0" i="0" u="none" strike="noStrike">
-                          <a:solidFill>
-                            <a:srgbClr val="000000"/>
-                          </a:solidFill>
-                          <a:effectLst/>
-                          <a:latin typeface="+mn-lt"/>
-                          <a:cs typeface="Arial" panose="020B0604020202020204" pitchFamily="34" charset="0"/>
-                        </a:rPr>
-                        <a:t>100</a:t>
-                      </a:r>
-                      <a:endParaRPr lang="en-US" sz="2800">
-                        <a:effectLst/>
-                        <a:latin typeface="+mn-lt"/>
-                        <a:cs typeface="Arial" panose="020B0604020202020204" pitchFamily="34" charset="0"/>
-                      </a:endParaRPr>
-                    </a:p>
-                  </a:txBody>
-                  <a:tcPr marL="105011" marR="105011" marT="105011" marB="105011">
-                    <a:lnL w="28575" cap="flat" cmpd="sng" algn="ctr">
-                      <a:solidFill>
-                        <a:schemeClr val="tx1"/>
-                      </a:solidFill>
-                      <a:prstDash val="solid"/>
-                      <a:round/>
-                      <a:headEnd type="none" w="med" len="med"/>
-                      <a:tailEnd type="none" w="med" len="med"/>
-                    </a:lnL>
-                    <a:lnR w="28575" cap="flat" cmpd="sng" algn="ctr">
-                      <a:solidFill>
-                        <a:schemeClr val="tx1"/>
-                      </a:solidFill>
-                      <a:prstDash val="solid"/>
-                      <a:round/>
-                      <a:headEnd type="none" w="med" len="med"/>
-                      <a:tailEnd type="none" w="med" len="med"/>
-                    </a:lnR>
-                    <a:lnT w="28575" cap="flat" cmpd="sng" algn="ctr">
-                      <a:solidFill>
-                        <a:schemeClr val="tx1"/>
-                      </a:solidFill>
-                      <a:prstDash val="solid"/>
-                      <a:round/>
-                      <a:headEnd type="none" w="med" len="med"/>
-                      <a:tailEnd type="none" w="med" len="med"/>
-                    </a:lnT>
-                    <a:lnB w="28575" cap="flat" cmpd="sng" algn="ctr">
-                      <a:solidFill>
-                        <a:schemeClr val="tx1"/>
-                      </a:solidFill>
-                      <a:prstDash val="solid"/>
-                      <a:round/>
-                      <a:headEnd type="none" w="med" len="med"/>
-                      <a:tailEnd type="none" w="med" len="med"/>
-                    </a:lnB>
-                    <a:lnTlToBr w="12700" cmpd="sng">
-                      <a:noFill/>
-                      <a:prstDash val="solid"/>
-                    </a:lnTlToBr>
-                    <a:lnBlToTr w="12700" cmpd="sng">
-                      <a:noFill/>
-                      <a:prstDash val="solid"/>
-                    </a:lnBlToTr>
-                  </a:tcPr>
-                </a:tc>
-                <a:tc>
-                  <a:txBody>
-                    <a:bodyPr/>
-                    <a:lstStyle/>
-                    <a:p>
-                      <a:pPr rtl="0" fontAlgn="t">
-                        <a:spcBef>
-                          <a:spcPts val="0"/>
-                        </a:spcBef>
-                        <a:spcAft>
-                          <a:spcPts val="0"/>
-                        </a:spcAft>
-                      </a:pPr>
-                      <a:r>
-                        <a:rPr lang="en-US" sz="2800" b="0" i="0" u="none" strike="noStrike">
-                          <a:solidFill>
-                            <a:srgbClr val="000000"/>
-                          </a:solidFill>
-                          <a:effectLst/>
-                          <a:latin typeface="+mn-lt"/>
-                          <a:cs typeface="Arial" panose="020B0604020202020204" pitchFamily="34" charset="0"/>
-                        </a:rPr>
-                        <a:t>4</a:t>
-                      </a:r>
-                      <a:endParaRPr lang="en-US" sz="2800">
-                        <a:effectLst/>
-                        <a:latin typeface="+mn-lt"/>
-                        <a:cs typeface="Arial" panose="020B0604020202020204" pitchFamily="34" charset="0"/>
-                      </a:endParaRPr>
-                    </a:p>
-                  </a:txBody>
-                  <a:tcPr marL="105011" marR="105011" marT="105011" marB="105011">
-                    <a:lnL w="28575" cap="flat" cmpd="sng" algn="ctr">
-                      <a:solidFill>
-                        <a:schemeClr val="tx1"/>
-                      </a:solidFill>
-                      <a:prstDash val="solid"/>
-                      <a:round/>
-                      <a:headEnd type="none" w="med" len="med"/>
-                      <a:tailEnd type="none" w="med" len="med"/>
-                    </a:lnL>
-                    <a:lnR w="28575" cap="flat" cmpd="sng" algn="ctr">
-                      <a:solidFill>
-                        <a:schemeClr val="tx1"/>
-                      </a:solidFill>
-                      <a:prstDash val="solid"/>
-                      <a:round/>
-                      <a:headEnd type="none" w="med" len="med"/>
-                      <a:tailEnd type="none" w="med" len="med"/>
-                    </a:lnR>
-                    <a:lnT w="28575" cap="flat" cmpd="sng" algn="ctr">
-                      <a:solidFill>
-                        <a:schemeClr val="tx1"/>
-                      </a:solidFill>
-                      <a:prstDash val="solid"/>
-                      <a:round/>
-                      <a:headEnd type="none" w="med" len="med"/>
-                      <a:tailEnd type="none" w="med" len="med"/>
-                    </a:lnT>
-                    <a:lnB w="28575" cap="flat" cmpd="sng" algn="ctr">
-                      <a:solidFill>
-                        <a:schemeClr val="tx1"/>
-                      </a:solidFill>
-                      <a:prstDash val="solid"/>
-                      <a:round/>
-                      <a:headEnd type="none" w="med" len="med"/>
-                      <a:tailEnd type="none" w="med" len="med"/>
-                    </a:lnB>
-                    <a:lnTlToBr w="12700" cmpd="sng">
-                      <a:noFill/>
-                      <a:prstDash val="solid"/>
-                    </a:lnTlToBr>
-                    <a:lnBlToTr w="12700" cmpd="sng">
-                      <a:noFill/>
-                      <a:prstDash val="solid"/>
-                    </a:lnBlToTr>
-                  </a:tcPr>
-                </a:tc>
-                <a:tc>
-                  <a:txBody>
-                    <a:bodyPr/>
-                    <a:lstStyle/>
-                    <a:p>
-                      <a:pPr rtl="0" fontAlgn="t">
-                        <a:spcBef>
-                          <a:spcPts val="0"/>
-                        </a:spcBef>
-                        <a:spcAft>
-                          <a:spcPts val="0"/>
-                        </a:spcAft>
-                      </a:pPr>
-                      <a:r>
-                        <a:rPr lang="en-US" sz="2800" b="0" i="0" u="none" strike="noStrike" dirty="0">
-                          <a:solidFill>
-                            <a:srgbClr val="000000"/>
-                          </a:solidFill>
-                          <a:effectLst/>
-                          <a:latin typeface="+mn-lt"/>
-                          <a:cs typeface="Arial" panose="020B0604020202020204" pitchFamily="34" charset="0"/>
-                        </a:rPr>
-                        <a:t>x</a:t>
-                      </a:r>
-                      <a:r>
-                        <a:rPr lang="en-US" sz="2800" b="0" i="0" u="none" strike="noStrike" baseline="30000" dirty="0">
-                          <a:solidFill>
-                            <a:srgbClr val="000000"/>
-                          </a:solidFill>
-                          <a:effectLst/>
-                          <a:latin typeface="+mn-lt"/>
-                          <a:cs typeface="Arial" panose="020B0604020202020204" pitchFamily="34" charset="0"/>
-                        </a:rPr>
-                        <a:t>2</a:t>
-                      </a:r>
-                      <a:r>
-                        <a:rPr lang="en-US" sz="2800" b="0" i="0" u="none" strike="noStrike" dirty="0">
-                          <a:solidFill>
-                            <a:srgbClr val="000000"/>
-                          </a:solidFill>
-                          <a:effectLst/>
-                          <a:latin typeface="+mn-lt"/>
-                          <a:cs typeface="Arial" panose="020B0604020202020204" pitchFamily="34" charset="0"/>
-                        </a:rPr>
-                        <a:t> + x</a:t>
-                      </a:r>
-                      <a:r>
-                        <a:rPr lang="en-US" sz="2800" b="0" i="0" u="none" strike="noStrike" baseline="30000" dirty="0">
-                          <a:solidFill>
-                            <a:srgbClr val="000000"/>
-                          </a:solidFill>
-                          <a:effectLst/>
-                          <a:latin typeface="+mn-lt"/>
-                          <a:cs typeface="Arial" panose="020B0604020202020204" pitchFamily="34" charset="0"/>
-                        </a:rPr>
-                        <a:t>1</a:t>
-                      </a:r>
-                      <a:r>
-                        <a:rPr lang="en-US" sz="2800" b="0" i="0" u="none" strike="noStrike" dirty="0">
-                          <a:solidFill>
-                            <a:srgbClr val="000000"/>
-                          </a:solidFill>
-                          <a:effectLst/>
-                          <a:latin typeface="+mn-lt"/>
-                          <a:cs typeface="Arial" panose="020B0604020202020204" pitchFamily="34" charset="0"/>
-                        </a:rPr>
-                        <a:t> + x</a:t>
-                      </a:r>
-                      <a:r>
-                        <a:rPr lang="en-US" sz="2800" b="0" i="0" u="none" strike="noStrike" baseline="30000" dirty="0">
-                          <a:solidFill>
-                            <a:srgbClr val="000000"/>
-                          </a:solidFill>
-                          <a:effectLst/>
-                          <a:latin typeface="+mn-lt"/>
-                          <a:cs typeface="Arial" panose="020B0604020202020204" pitchFamily="34" charset="0"/>
-                        </a:rPr>
-                        <a:t>0</a:t>
-                      </a:r>
-                      <a:endParaRPr lang="en-US" sz="2800" dirty="0">
-                        <a:effectLst/>
-                        <a:latin typeface="+mn-lt"/>
-                        <a:cs typeface="Arial" panose="020B0604020202020204" pitchFamily="34" charset="0"/>
-                      </a:endParaRPr>
-                    </a:p>
-                  </a:txBody>
-                  <a:tcPr marL="105011" marR="105011" marT="105011" marB="105011">
-                    <a:lnL w="28575" cap="flat" cmpd="sng" algn="ctr">
-                      <a:solidFill>
-                        <a:schemeClr val="tx1"/>
-                      </a:solidFill>
-                      <a:prstDash val="solid"/>
-                      <a:round/>
-                      <a:headEnd type="none" w="med" len="med"/>
-                      <a:tailEnd type="none" w="med" len="med"/>
-                    </a:lnL>
-                    <a:lnR w="28575" cap="flat" cmpd="sng" algn="ctr">
-                      <a:solidFill>
-                        <a:schemeClr val="tx1"/>
-                      </a:solidFill>
-                      <a:prstDash val="solid"/>
-                      <a:round/>
-                      <a:headEnd type="none" w="med" len="med"/>
-                      <a:tailEnd type="none" w="med" len="med"/>
-                    </a:lnR>
-                    <a:lnT w="28575" cap="flat" cmpd="sng" algn="ctr">
-                      <a:solidFill>
-                        <a:schemeClr val="tx1"/>
-                      </a:solidFill>
-                      <a:prstDash val="solid"/>
-                      <a:round/>
-                      <a:headEnd type="none" w="med" len="med"/>
-                      <a:tailEnd type="none" w="med" len="med"/>
-                    </a:lnT>
-                    <a:lnB w="28575" cap="flat" cmpd="sng" algn="ctr">
-                      <a:solidFill>
-                        <a:schemeClr val="tx1"/>
-                      </a:solidFill>
-                      <a:prstDash val="solid"/>
-                      <a:round/>
-                      <a:headEnd type="none" w="med" len="med"/>
-                      <a:tailEnd type="none" w="med" len="med"/>
-                    </a:lnB>
-                    <a:lnTlToBr w="12700" cmpd="sng">
-                      <a:noFill/>
-                      <a:prstDash val="solid"/>
-                    </a:lnTlToBr>
-                    <a:lnBlToTr w="12700" cmpd="sng">
-                      <a:noFill/>
-                      <a:prstDash val="solid"/>
-                    </a:lnBlToTr>
-                  </a:tcPr>
-                </a:tc>
-                <a:tc>
-                  <a:txBody>
-                    <a:bodyPr/>
-                    <a:lstStyle/>
-                    <a:p>
-                      <a:pPr rtl="0" fontAlgn="t">
-                        <a:spcBef>
-                          <a:spcPts val="0"/>
-                        </a:spcBef>
-                        <a:spcAft>
-                          <a:spcPts val="0"/>
-                        </a:spcAft>
-                      </a:pPr>
-                      <a:r>
-                        <a:rPr lang="en-US" sz="2800" b="0" i="0" u="none" strike="noStrike">
-                          <a:solidFill>
-                            <a:srgbClr val="000000"/>
-                          </a:solidFill>
-                          <a:effectLst/>
-                          <a:latin typeface="+mn-lt"/>
-                          <a:cs typeface="Arial" panose="020B0604020202020204" pitchFamily="34" charset="0"/>
-                        </a:rPr>
-                        <a:t>111</a:t>
-                      </a:r>
-                      <a:endParaRPr lang="en-US" sz="2800">
-                        <a:effectLst/>
-                        <a:latin typeface="+mn-lt"/>
-                        <a:cs typeface="Arial" panose="020B0604020202020204" pitchFamily="34" charset="0"/>
-                      </a:endParaRPr>
-                    </a:p>
-                  </a:txBody>
-                  <a:tcPr marL="105011" marR="105011" marT="105011" marB="105011">
-                    <a:lnL w="28575" cap="flat" cmpd="sng" algn="ctr">
-                      <a:solidFill>
-                        <a:schemeClr val="tx1"/>
-                      </a:solidFill>
-                      <a:prstDash val="solid"/>
-                      <a:round/>
-                      <a:headEnd type="none" w="med" len="med"/>
-                      <a:tailEnd type="none" w="med" len="med"/>
-                    </a:lnL>
-                    <a:lnR w="28575" cap="flat" cmpd="sng" algn="ctr">
-                      <a:solidFill>
-                        <a:schemeClr val="tx1"/>
-                      </a:solidFill>
-                      <a:prstDash val="solid"/>
-                      <a:round/>
-                      <a:headEnd type="none" w="med" len="med"/>
-                      <a:tailEnd type="none" w="med" len="med"/>
-                    </a:lnR>
-                    <a:lnT w="28575" cap="flat" cmpd="sng" algn="ctr">
-                      <a:solidFill>
-                        <a:schemeClr val="tx1"/>
-                      </a:solidFill>
-                      <a:prstDash val="solid"/>
-                      <a:round/>
-                      <a:headEnd type="none" w="med" len="med"/>
-                      <a:tailEnd type="none" w="med" len="med"/>
-                    </a:lnT>
-                    <a:lnB w="28575" cap="flat" cmpd="sng" algn="ctr">
-                      <a:solidFill>
-                        <a:schemeClr val="tx1"/>
-                      </a:solidFill>
-                      <a:prstDash val="solid"/>
-                      <a:round/>
-                      <a:headEnd type="none" w="med" len="med"/>
-                      <a:tailEnd type="none" w="med" len="med"/>
-                    </a:lnB>
-                    <a:lnTlToBr w="12700" cmpd="sng">
-                      <a:noFill/>
-                      <a:prstDash val="solid"/>
-                    </a:lnTlToBr>
-                    <a:lnBlToTr w="12700" cmpd="sng">
-                      <a:noFill/>
-                      <a:prstDash val="solid"/>
-                    </a:lnBlToTr>
-                  </a:tcPr>
-                </a:tc>
-                <a:tc>
-                  <a:txBody>
-                    <a:bodyPr/>
-                    <a:lstStyle/>
-                    <a:p>
-                      <a:pPr rtl="0" fontAlgn="t">
-                        <a:spcBef>
-                          <a:spcPts val="0"/>
-                        </a:spcBef>
-                        <a:spcAft>
-                          <a:spcPts val="0"/>
-                        </a:spcAft>
-                      </a:pPr>
-                      <a:r>
-                        <a:rPr lang="en-US" sz="2800" b="0" i="0" u="none" strike="noStrike">
-                          <a:solidFill>
-                            <a:srgbClr val="000000"/>
-                          </a:solidFill>
-                          <a:effectLst/>
-                          <a:latin typeface="+mn-lt"/>
-                          <a:cs typeface="Arial" panose="020B0604020202020204" pitchFamily="34" charset="0"/>
-                        </a:rPr>
-                        <a:t>7</a:t>
-                      </a:r>
-                      <a:endParaRPr lang="en-US" sz="2800">
-                        <a:effectLst/>
-                        <a:latin typeface="+mn-lt"/>
-                        <a:cs typeface="Arial" panose="020B0604020202020204" pitchFamily="34" charset="0"/>
-                      </a:endParaRPr>
-                    </a:p>
-                  </a:txBody>
-                  <a:tcPr marL="105011" marR="105011" marT="105011" marB="105011">
-                    <a:lnL w="28575" cap="flat" cmpd="sng" algn="ctr">
-                      <a:solidFill>
-                        <a:schemeClr val="tx1"/>
-                      </a:solidFill>
-                      <a:prstDash val="solid"/>
-                      <a:round/>
-                      <a:headEnd type="none" w="med" len="med"/>
-                      <a:tailEnd type="none" w="med" len="med"/>
-                    </a:lnL>
-                    <a:lnR w="28575" cap="flat" cmpd="sng" algn="ctr">
-                      <a:solidFill>
-                        <a:schemeClr val="tx1"/>
-                      </a:solidFill>
-                      <a:prstDash val="solid"/>
-                      <a:round/>
-                      <a:headEnd type="none" w="med" len="med"/>
-                      <a:tailEnd type="none" w="med" len="med"/>
-                    </a:lnR>
-                    <a:lnT w="28575" cap="flat" cmpd="sng" algn="ctr">
-                      <a:solidFill>
-                        <a:schemeClr val="tx1"/>
-                      </a:solidFill>
-                      <a:prstDash val="solid"/>
-                      <a:round/>
-                      <a:headEnd type="none" w="med" len="med"/>
-                      <a:tailEnd type="none" w="med" len="med"/>
-                    </a:lnT>
-                    <a:lnB w="28575" cap="flat" cmpd="sng" algn="ctr">
-                      <a:solidFill>
-                        <a:schemeClr val="tx1"/>
-                      </a:solidFill>
-                      <a:prstDash val="solid"/>
-                      <a:round/>
-                      <a:headEnd type="none" w="med" len="med"/>
-                      <a:tailEnd type="none" w="med" len="med"/>
-                    </a:lnB>
-                    <a:lnTlToBr w="12700" cmpd="sng">
-                      <a:noFill/>
-                      <a:prstDash val="solid"/>
-                    </a:lnTlToBr>
-                    <a:lnBlToTr w="12700" cmpd="sng">
-                      <a:noFill/>
-                      <a:prstDash val="solid"/>
-                    </a:lnBlToTr>
-                  </a:tcPr>
-                </a:tc>
-                <a:extLst>
-                  <a:ext uri="{0D108BD9-81ED-4DB2-BD59-A6C34878D82A}">
-                    <a16:rowId xmlns:a16="http://schemas.microsoft.com/office/drawing/2014/main" val="10006"/>
-                  </a:ext>
-                </a:extLst>
-              </a:tr>
-              <a:tr h="621520">
-                <a:tc>
-                  <a:txBody>
-                    <a:bodyPr/>
-                    <a:lstStyle/>
-                    <a:p>
-                      <a:pPr rtl="0" fontAlgn="t">
-                        <a:spcBef>
-                          <a:spcPts val="0"/>
-                        </a:spcBef>
-                        <a:spcAft>
-                          <a:spcPts val="0"/>
-                        </a:spcAft>
-                      </a:pPr>
-                      <a:r>
-                        <a:rPr lang="en-US" sz="2800" b="0" i="0" u="none" strike="noStrike">
-                          <a:solidFill>
-                            <a:srgbClr val="000000"/>
-                          </a:solidFill>
-                          <a:effectLst/>
-                          <a:latin typeface="+mn-lt"/>
-                          <a:cs typeface="Arial" panose="020B0604020202020204" pitchFamily="34" charset="0"/>
-                        </a:rPr>
-                        <a:t>x</a:t>
-                      </a:r>
-                      <a:r>
-                        <a:rPr lang="en-US" sz="2800" b="0" i="0" u="none" strike="noStrike" baseline="30000">
-                          <a:solidFill>
-                            <a:srgbClr val="000000"/>
-                          </a:solidFill>
-                          <a:effectLst/>
-                          <a:latin typeface="+mn-lt"/>
-                          <a:cs typeface="Arial" panose="020B0604020202020204" pitchFamily="34" charset="0"/>
-                        </a:rPr>
-                        <a:t>5</a:t>
-                      </a:r>
-                      <a:endParaRPr lang="en-US" sz="2800">
-                        <a:effectLst/>
-                        <a:latin typeface="+mn-lt"/>
-                        <a:cs typeface="Arial" panose="020B0604020202020204" pitchFamily="34" charset="0"/>
-                      </a:endParaRPr>
-                    </a:p>
-                  </a:txBody>
-                  <a:tcPr marL="105011" marR="105011" marT="105011" marB="105011">
-                    <a:lnL w="28575" cap="flat" cmpd="sng" algn="ctr">
-                      <a:solidFill>
-                        <a:schemeClr val="tx1"/>
-                      </a:solidFill>
-                      <a:prstDash val="solid"/>
-                      <a:round/>
-                      <a:headEnd type="none" w="med" len="med"/>
-                      <a:tailEnd type="none" w="med" len="med"/>
-                    </a:lnL>
-                    <a:lnR w="28575" cap="flat" cmpd="sng" algn="ctr">
-                      <a:solidFill>
-                        <a:schemeClr val="tx1"/>
-                      </a:solidFill>
-                      <a:prstDash val="solid"/>
-                      <a:round/>
-                      <a:headEnd type="none" w="med" len="med"/>
-                      <a:tailEnd type="none" w="med" len="med"/>
-                    </a:lnR>
-                    <a:lnT w="28575" cap="flat" cmpd="sng" algn="ctr">
-                      <a:solidFill>
-                        <a:schemeClr val="tx1"/>
-                      </a:solidFill>
-                      <a:prstDash val="solid"/>
-                      <a:round/>
-                      <a:headEnd type="none" w="med" len="med"/>
-                      <a:tailEnd type="none" w="med" len="med"/>
-                    </a:lnT>
-                    <a:lnB w="28575" cap="flat" cmpd="sng" algn="ctr">
-                      <a:solidFill>
-                        <a:schemeClr val="tx1"/>
-                      </a:solidFill>
-                      <a:prstDash val="solid"/>
-                      <a:round/>
-                      <a:headEnd type="none" w="med" len="med"/>
-                      <a:tailEnd type="none" w="med" len="med"/>
-                    </a:lnB>
-                    <a:lnTlToBr w="12700" cmpd="sng">
-                      <a:noFill/>
-                      <a:prstDash val="solid"/>
-                    </a:lnTlToBr>
-                    <a:lnBlToTr w="12700" cmpd="sng">
-                      <a:noFill/>
-                      <a:prstDash val="solid"/>
-                    </a:lnBlToTr>
-                  </a:tcPr>
-                </a:tc>
-                <a:tc>
-                  <a:txBody>
-                    <a:bodyPr/>
-                    <a:lstStyle/>
-                    <a:p>
-                      <a:pPr rtl="0" fontAlgn="t">
-                        <a:spcBef>
-                          <a:spcPts val="0"/>
-                        </a:spcBef>
-                        <a:spcAft>
-                          <a:spcPts val="0"/>
-                        </a:spcAft>
-                      </a:pPr>
-                      <a:r>
-                        <a:rPr lang="en-US" sz="2800" b="0" i="0" u="none" strike="noStrike">
-                          <a:solidFill>
-                            <a:srgbClr val="000000"/>
-                          </a:solidFill>
-                          <a:effectLst/>
-                          <a:latin typeface="+mn-lt"/>
-                          <a:cs typeface="Arial" panose="020B0604020202020204" pitchFamily="34" charset="0"/>
-                        </a:rPr>
-                        <a:t>101</a:t>
-                      </a:r>
-                      <a:endParaRPr lang="en-US" sz="2800">
-                        <a:effectLst/>
-                        <a:latin typeface="+mn-lt"/>
-                        <a:cs typeface="Arial" panose="020B0604020202020204" pitchFamily="34" charset="0"/>
-                      </a:endParaRPr>
-                    </a:p>
-                  </a:txBody>
-                  <a:tcPr marL="105011" marR="105011" marT="105011" marB="105011">
-                    <a:lnL w="28575" cap="flat" cmpd="sng" algn="ctr">
-                      <a:solidFill>
-                        <a:schemeClr val="tx1"/>
-                      </a:solidFill>
-                      <a:prstDash val="solid"/>
-                      <a:round/>
-                      <a:headEnd type="none" w="med" len="med"/>
-                      <a:tailEnd type="none" w="med" len="med"/>
-                    </a:lnL>
-                    <a:lnR w="28575" cap="flat" cmpd="sng" algn="ctr">
-                      <a:solidFill>
-                        <a:schemeClr val="tx1"/>
-                      </a:solidFill>
-                      <a:prstDash val="solid"/>
-                      <a:round/>
-                      <a:headEnd type="none" w="med" len="med"/>
-                      <a:tailEnd type="none" w="med" len="med"/>
-                    </a:lnR>
-                    <a:lnT w="28575" cap="flat" cmpd="sng" algn="ctr">
-                      <a:solidFill>
-                        <a:schemeClr val="tx1"/>
-                      </a:solidFill>
-                      <a:prstDash val="solid"/>
-                      <a:round/>
-                      <a:headEnd type="none" w="med" len="med"/>
-                      <a:tailEnd type="none" w="med" len="med"/>
-                    </a:lnT>
-                    <a:lnB w="28575" cap="flat" cmpd="sng" algn="ctr">
-                      <a:solidFill>
-                        <a:schemeClr val="tx1"/>
-                      </a:solidFill>
-                      <a:prstDash val="solid"/>
-                      <a:round/>
-                      <a:headEnd type="none" w="med" len="med"/>
-                      <a:tailEnd type="none" w="med" len="med"/>
-                    </a:lnB>
-                    <a:lnTlToBr w="12700" cmpd="sng">
-                      <a:noFill/>
-                      <a:prstDash val="solid"/>
-                    </a:lnTlToBr>
-                    <a:lnBlToTr w="12700" cmpd="sng">
-                      <a:noFill/>
-                      <a:prstDash val="solid"/>
-                    </a:lnBlToTr>
-                  </a:tcPr>
-                </a:tc>
-                <a:tc>
-                  <a:txBody>
-                    <a:bodyPr/>
-                    <a:lstStyle/>
-                    <a:p>
-                      <a:pPr rtl="0" fontAlgn="t">
-                        <a:spcBef>
-                          <a:spcPts val="0"/>
-                        </a:spcBef>
-                        <a:spcAft>
-                          <a:spcPts val="0"/>
-                        </a:spcAft>
-                      </a:pPr>
-                      <a:r>
-                        <a:rPr lang="en-US" sz="2800" b="0" i="0" u="none" strike="noStrike">
-                          <a:solidFill>
-                            <a:srgbClr val="000000"/>
-                          </a:solidFill>
-                          <a:effectLst/>
-                          <a:latin typeface="+mn-lt"/>
-                          <a:cs typeface="Arial" panose="020B0604020202020204" pitchFamily="34" charset="0"/>
-                        </a:rPr>
-                        <a:t>5</a:t>
-                      </a:r>
-                      <a:endParaRPr lang="en-US" sz="2800">
-                        <a:effectLst/>
-                        <a:latin typeface="+mn-lt"/>
-                        <a:cs typeface="Arial" panose="020B0604020202020204" pitchFamily="34" charset="0"/>
-                      </a:endParaRPr>
-                    </a:p>
-                  </a:txBody>
-                  <a:tcPr marL="105011" marR="105011" marT="105011" marB="105011">
-                    <a:lnL w="28575" cap="flat" cmpd="sng" algn="ctr">
-                      <a:solidFill>
-                        <a:schemeClr val="tx1"/>
-                      </a:solidFill>
-                      <a:prstDash val="solid"/>
-                      <a:round/>
-                      <a:headEnd type="none" w="med" len="med"/>
-                      <a:tailEnd type="none" w="med" len="med"/>
-                    </a:lnL>
-                    <a:lnR w="28575" cap="flat" cmpd="sng" algn="ctr">
-                      <a:solidFill>
-                        <a:schemeClr val="tx1"/>
-                      </a:solidFill>
-                      <a:prstDash val="solid"/>
-                      <a:round/>
-                      <a:headEnd type="none" w="med" len="med"/>
-                      <a:tailEnd type="none" w="med" len="med"/>
-                    </a:lnR>
-                    <a:lnT w="28575" cap="flat" cmpd="sng" algn="ctr">
-                      <a:solidFill>
-                        <a:schemeClr val="tx1"/>
-                      </a:solidFill>
-                      <a:prstDash val="solid"/>
-                      <a:round/>
-                      <a:headEnd type="none" w="med" len="med"/>
-                      <a:tailEnd type="none" w="med" len="med"/>
-                    </a:lnT>
-                    <a:lnB w="28575" cap="flat" cmpd="sng" algn="ctr">
-                      <a:solidFill>
-                        <a:schemeClr val="tx1"/>
-                      </a:solidFill>
-                      <a:prstDash val="solid"/>
-                      <a:round/>
-                      <a:headEnd type="none" w="med" len="med"/>
-                      <a:tailEnd type="none" w="med" len="med"/>
-                    </a:lnB>
-                    <a:lnTlToBr w="12700" cmpd="sng">
-                      <a:noFill/>
-                      <a:prstDash val="solid"/>
-                    </a:lnTlToBr>
-                    <a:lnBlToTr w="12700" cmpd="sng">
-                      <a:noFill/>
-                      <a:prstDash val="solid"/>
-                    </a:lnBlToTr>
-                  </a:tcPr>
-                </a:tc>
-                <a:tc>
-                  <a:txBody>
-                    <a:bodyPr/>
-                    <a:lstStyle/>
-                    <a:p>
-                      <a:pPr rtl="0" fontAlgn="t">
-                        <a:spcBef>
-                          <a:spcPts val="0"/>
-                        </a:spcBef>
-                        <a:spcAft>
-                          <a:spcPts val="0"/>
-                        </a:spcAft>
-                      </a:pPr>
-                      <a:r>
-                        <a:rPr lang="en-US" sz="2800" b="0" i="0" u="none" strike="noStrike" dirty="0">
-                          <a:solidFill>
-                            <a:srgbClr val="000000"/>
-                          </a:solidFill>
-                          <a:effectLst/>
-                          <a:latin typeface="+mn-lt"/>
-                          <a:cs typeface="Arial" panose="020B0604020202020204" pitchFamily="34" charset="0"/>
-                        </a:rPr>
-                        <a:t>0 + x</a:t>
-                      </a:r>
-                      <a:r>
-                        <a:rPr lang="en-US" sz="2800" b="0" i="0" u="none" strike="noStrike" baseline="30000" dirty="0">
-                          <a:solidFill>
-                            <a:srgbClr val="000000"/>
-                          </a:solidFill>
-                          <a:effectLst/>
-                          <a:latin typeface="+mn-lt"/>
-                          <a:cs typeface="Arial" panose="020B0604020202020204" pitchFamily="34" charset="0"/>
-                        </a:rPr>
-                        <a:t>1</a:t>
-                      </a:r>
-                      <a:r>
-                        <a:rPr lang="en-US" sz="2800" b="0" i="0" u="none" strike="noStrike" dirty="0">
-                          <a:solidFill>
-                            <a:srgbClr val="000000"/>
-                          </a:solidFill>
-                          <a:effectLst/>
-                          <a:latin typeface="+mn-lt"/>
-                          <a:cs typeface="Arial" panose="020B0604020202020204" pitchFamily="34" charset="0"/>
-                        </a:rPr>
-                        <a:t> + x</a:t>
-                      </a:r>
-                      <a:r>
-                        <a:rPr lang="en-US" sz="2800" b="0" i="0" u="none" strike="noStrike" baseline="30000" dirty="0">
-                          <a:solidFill>
-                            <a:srgbClr val="000000"/>
-                          </a:solidFill>
-                          <a:effectLst/>
-                          <a:latin typeface="+mn-lt"/>
-                          <a:cs typeface="Arial" panose="020B0604020202020204" pitchFamily="34" charset="0"/>
-                        </a:rPr>
-                        <a:t>0</a:t>
-                      </a:r>
-                      <a:endParaRPr lang="en-US" sz="2800" dirty="0">
-                        <a:effectLst/>
-                        <a:latin typeface="+mn-lt"/>
-                        <a:cs typeface="Arial" panose="020B0604020202020204" pitchFamily="34" charset="0"/>
-                      </a:endParaRPr>
-                    </a:p>
-                  </a:txBody>
-                  <a:tcPr marL="105011" marR="105011" marT="105011" marB="105011">
-                    <a:lnL w="28575" cap="flat" cmpd="sng" algn="ctr">
-                      <a:solidFill>
-                        <a:schemeClr val="tx1"/>
-                      </a:solidFill>
-                      <a:prstDash val="solid"/>
-                      <a:round/>
-                      <a:headEnd type="none" w="med" len="med"/>
-                      <a:tailEnd type="none" w="med" len="med"/>
-                    </a:lnL>
-                    <a:lnR w="28575" cap="flat" cmpd="sng" algn="ctr">
-                      <a:solidFill>
-                        <a:schemeClr val="tx1"/>
-                      </a:solidFill>
-                      <a:prstDash val="solid"/>
-                      <a:round/>
-                      <a:headEnd type="none" w="med" len="med"/>
-                      <a:tailEnd type="none" w="med" len="med"/>
-                    </a:lnR>
-                    <a:lnT w="28575" cap="flat" cmpd="sng" algn="ctr">
-                      <a:solidFill>
-                        <a:schemeClr val="tx1"/>
-                      </a:solidFill>
-                      <a:prstDash val="solid"/>
-                      <a:round/>
-                      <a:headEnd type="none" w="med" len="med"/>
-                      <a:tailEnd type="none" w="med" len="med"/>
-                    </a:lnT>
-                    <a:lnB w="28575" cap="flat" cmpd="sng" algn="ctr">
-                      <a:solidFill>
-                        <a:schemeClr val="tx1"/>
-                      </a:solidFill>
-                      <a:prstDash val="solid"/>
-                      <a:round/>
-                      <a:headEnd type="none" w="med" len="med"/>
-                      <a:tailEnd type="none" w="med" len="med"/>
-                    </a:lnB>
-                    <a:lnTlToBr w="12700" cmpd="sng">
-                      <a:noFill/>
-                      <a:prstDash val="solid"/>
-                    </a:lnTlToBr>
-                    <a:lnBlToTr w="12700" cmpd="sng">
-                      <a:noFill/>
-                      <a:prstDash val="solid"/>
-                    </a:lnBlToTr>
-                  </a:tcPr>
-                </a:tc>
-                <a:tc>
-                  <a:txBody>
-                    <a:bodyPr/>
-                    <a:lstStyle/>
-                    <a:p>
-                      <a:pPr rtl="0" fontAlgn="t">
-                        <a:spcBef>
-                          <a:spcPts val="0"/>
-                        </a:spcBef>
-                        <a:spcAft>
-                          <a:spcPts val="0"/>
-                        </a:spcAft>
-                      </a:pPr>
-                      <a:r>
-                        <a:rPr lang="en-US" sz="2800" b="0" i="0" u="none" strike="noStrike" dirty="0">
-                          <a:solidFill>
-                            <a:srgbClr val="000000"/>
-                          </a:solidFill>
-                          <a:effectLst/>
-                          <a:latin typeface="+mn-lt"/>
-                          <a:cs typeface="Arial" panose="020B0604020202020204" pitchFamily="34" charset="0"/>
-                        </a:rPr>
-                        <a:t>011</a:t>
-                      </a:r>
-                      <a:endParaRPr lang="en-US" sz="2800" dirty="0">
-                        <a:effectLst/>
-                        <a:latin typeface="+mn-lt"/>
-                        <a:cs typeface="Arial" panose="020B0604020202020204" pitchFamily="34" charset="0"/>
-                      </a:endParaRPr>
-                    </a:p>
-                  </a:txBody>
-                  <a:tcPr marL="105011" marR="105011" marT="105011" marB="105011">
-                    <a:lnL w="28575" cap="flat" cmpd="sng" algn="ctr">
-                      <a:solidFill>
-                        <a:schemeClr val="tx1"/>
-                      </a:solidFill>
-                      <a:prstDash val="solid"/>
-                      <a:round/>
-                      <a:headEnd type="none" w="med" len="med"/>
-                      <a:tailEnd type="none" w="med" len="med"/>
-                    </a:lnL>
-                    <a:lnR w="28575" cap="flat" cmpd="sng" algn="ctr">
-                      <a:solidFill>
-                        <a:schemeClr val="tx1"/>
-                      </a:solidFill>
-                      <a:prstDash val="solid"/>
-                      <a:round/>
-                      <a:headEnd type="none" w="med" len="med"/>
-                      <a:tailEnd type="none" w="med" len="med"/>
-                    </a:lnR>
-                    <a:lnT w="28575" cap="flat" cmpd="sng" algn="ctr">
-                      <a:solidFill>
-                        <a:schemeClr val="tx1"/>
-                      </a:solidFill>
-                      <a:prstDash val="solid"/>
-                      <a:round/>
-                      <a:headEnd type="none" w="med" len="med"/>
-                      <a:tailEnd type="none" w="med" len="med"/>
-                    </a:lnT>
-                    <a:lnB w="28575" cap="flat" cmpd="sng" algn="ctr">
-                      <a:solidFill>
-                        <a:schemeClr val="tx1"/>
-                      </a:solidFill>
-                      <a:prstDash val="solid"/>
-                      <a:round/>
-                      <a:headEnd type="none" w="med" len="med"/>
-                      <a:tailEnd type="none" w="med" len="med"/>
-                    </a:lnB>
-                    <a:lnTlToBr w="12700" cmpd="sng">
-                      <a:noFill/>
-                      <a:prstDash val="solid"/>
-                    </a:lnTlToBr>
-                    <a:lnBlToTr w="12700" cmpd="sng">
-                      <a:noFill/>
-                      <a:prstDash val="solid"/>
-                    </a:lnBlToTr>
-                  </a:tcPr>
-                </a:tc>
-                <a:tc>
-                  <a:txBody>
-                    <a:bodyPr/>
-                    <a:lstStyle/>
-                    <a:p>
-                      <a:pPr rtl="0" fontAlgn="t">
-                        <a:spcBef>
-                          <a:spcPts val="0"/>
-                        </a:spcBef>
-                        <a:spcAft>
-                          <a:spcPts val="0"/>
-                        </a:spcAft>
-                      </a:pPr>
-                      <a:r>
-                        <a:rPr lang="en-US" sz="2800" b="0" i="0" u="none" strike="noStrike">
-                          <a:solidFill>
-                            <a:srgbClr val="000000"/>
-                          </a:solidFill>
-                          <a:effectLst/>
-                          <a:latin typeface="+mn-lt"/>
-                          <a:cs typeface="Arial" panose="020B0604020202020204" pitchFamily="34" charset="0"/>
-                        </a:rPr>
-                        <a:t>3</a:t>
-                      </a:r>
-                      <a:endParaRPr lang="en-US" sz="2800">
-                        <a:effectLst/>
-                        <a:latin typeface="+mn-lt"/>
-                        <a:cs typeface="Arial" panose="020B0604020202020204" pitchFamily="34" charset="0"/>
-                      </a:endParaRPr>
-                    </a:p>
-                  </a:txBody>
-                  <a:tcPr marL="105011" marR="105011" marT="105011" marB="105011">
-                    <a:lnL w="28575" cap="flat" cmpd="sng" algn="ctr">
-                      <a:solidFill>
-                        <a:schemeClr val="tx1"/>
-                      </a:solidFill>
-                      <a:prstDash val="solid"/>
-                      <a:round/>
-                      <a:headEnd type="none" w="med" len="med"/>
-                      <a:tailEnd type="none" w="med" len="med"/>
-                    </a:lnL>
-                    <a:lnR w="28575" cap="flat" cmpd="sng" algn="ctr">
-                      <a:solidFill>
-                        <a:schemeClr val="tx1"/>
-                      </a:solidFill>
-                      <a:prstDash val="solid"/>
-                      <a:round/>
-                      <a:headEnd type="none" w="med" len="med"/>
-                      <a:tailEnd type="none" w="med" len="med"/>
-                    </a:lnR>
-                    <a:lnT w="28575" cap="flat" cmpd="sng" algn="ctr">
-                      <a:solidFill>
-                        <a:schemeClr val="tx1"/>
-                      </a:solidFill>
-                      <a:prstDash val="solid"/>
-                      <a:round/>
-                      <a:headEnd type="none" w="med" len="med"/>
-                      <a:tailEnd type="none" w="med" len="med"/>
-                    </a:lnT>
-                    <a:lnB w="28575" cap="flat" cmpd="sng" algn="ctr">
-                      <a:solidFill>
-                        <a:schemeClr val="tx1"/>
-                      </a:solidFill>
-                      <a:prstDash val="solid"/>
-                      <a:round/>
-                      <a:headEnd type="none" w="med" len="med"/>
-                      <a:tailEnd type="none" w="med" len="med"/>
-                    </a:lnB>
-                    <a:lnTlToBr w="12700" cmpd="sng">
-                      <a:noFill/>
-                      <a:prstDash val="solid"/>
-                    </a:lnTlToBr>
-                    <a:lnBlToTr w="12700" cmpd="sng">
-                      <a:noFill/>
-                      <a:prstDash val="solid"/>
-                    </a:lnBlToTr>
-                  </a:tcPr>
-                </a:tc>
-                <a:extLst>
-                  <a:ext uri="{0D108BD9-81ED-4DB2-BD59-A6C34878D82A}">
-                    <a16:rowId xmlns:a16="http://schemas.microsoft.com/office/drawing/2014/main" val="10007"/>
-                  </a:ext>
-                </a:extLst>
-              </a:tr>
-              <a:tr h="621520">
-                <a:tc>
-                  <a:txBody>
-                    <a:bodyPr/>
-                    <a:lstStyle/>
-                    <a:p>
-                      <a:pPr rtl="0" fontAlgn="t">
-                        <a:spcBef>
-                          <a:spcPts val="0"/>
-                        </a:spcBef>
-                        <a:spcAft>
-                          <a:spcPts val="0"/>
-                        </a:spcAft>
-                      </a:pPr>
-                      <a:r>
-                        <a:rPr lang="en-US" sz="2800" b="0" i="0" u="none" strike="noStrike" dirty="0">
-                          <a:solidFill>
-                            <a:srgbClr val="000000"/>
-                          </a:solidFill>
-                          <a:effectLst/>
-                          <a:latin typeface="+mn-lt"/>
-                          <a:cs typeface="Arial" panose="020B0604020202020204" pitchFamily="34" charset="0"/>
-                        </a:rPr>
-                        <a:t>x</a:t>
-                      </a:r>
-                      <a:r>
-                        <a:rPr lang="en-US" sz="2800" b="0" i="0" u="none" strike="noStrike" baseline="30000" dirty="0">
-                          <a:solidFill>
-                            <a:srgbClr val="000000"/>
-                          </a:solidFill>
-                          <a:effectLst/>
-                          <a:latin typeface="+mn-lt"/>
-                          <a:cs typeface="Arial" panose="020B0604020202020204" pitchFamily="34" charset="0"/>
-                        </a:rPr>
-                        <a:t>6</a:t>
-                      </a:r>
-                      <a:endParaRPr lang="en-US" sz="2800" dirty="0">
-                        <a:effectLst/>
-                        <a:latin typeface="+mn-lt"/>
-                        <a:cs typeface="Arial" panose="020B0604020202020204" pitchFamily="34" charset="0"/>
-                      </a:endParaRPr>
-                    </a:p>
-                  </a:txBody>
-                  <a:tcPr marL="105011" marR="105011" marT="105011" marB="105011">
-                    <a:lnL w="28575" cap="flat" cmpd="sng" algn="ctr">
-                      <a:solidFill>
-                        <a:schemeClr val="tx1"/>
-                      </a:solidFill>
-                      <a:prstDash val="solid"/>
-                      <a:round/>
-                      <a:headEnd type="none" w="med" len="med"/>
-                      <a:tailEnd type="none" w="med" len="med"/>
-                    </a:lnL>
-                    <a:lnR w="28575" cap="flat" cmpd="sng" algn="ctr">
-                      <a:solidFill>
-                        <a:schemeClr val="tx1"/>
-                      </a:solidFill>
-                      <a:prstDash val="solid"/>
-                      <a:round/>
-                      <a:headEnd type="none" w="med" len="med"/>
-                      <a:tailEnd type="none" w="med" len="med"/>
-                    </a:lnR>
-                    <a:lnT w="28575" cap="flat" cmpd="sng" algn="ctr">
-                      <a:solidFill>
-                        <a:schemeClr val="tx1"/>
-                      </a:solidFill>
-                      <a:prstDash val="solid"/>
-                      <a:round/>
-                      <a:headEnd type="none" w="med" len="med"/>
-                      <a:tailEnd type="none" w="med" len="med"/>
-                    </a:lnT>
-                    <a:lnB w="28575" cap="flat" cmpd="sng" algn="ctr">
-                      <a:solidFill>
-                        <a:schemeClr val="tx1"/>
-                      </a:solidFill>
-                      <a:prstDash val="solid"/>
-                      <a:round/>
-                      <a:headEnd type="none" w="med" len="med"/>
-                      <a:tailEnd type="none" w="med" len="med"/>
-                    </a:lnB>
-                    <a:lnTlToBr w="12700" cmpd="sng">
-                      <a:noFill/>
-                      <a:prstDash val="solid"/>
-                    </a:lnTlToBr>
-                    <a:lnBlToTr w="12700" cmpd="sng">
-                      <a:noFill/>
-                      <a:prstDash val="solid"/>
-                    </a:lnBlToTr>
-                  </a:tcPr>
-                </a:tc>
-                <a:tc>
-                  <a:txBody>
-                    <a:bodyPr/>
-                    <a:lstStyle/>
-                    <a:p>
-                      <a:pPr rtl="0" fontAlgn="t">
-                        <a:spcBef>
-                          <a:spcPts val="0"/>
-                        </a:spcBef>
-                        <a:spcAft>
-                          <a:spcPts val="0"/>
-                        </a:spcAft>
-                      </a:pPr>
-                      <a:r>
-                        <a:rPr lang="en-US" sz="2800" b="0" i="0" u="none" strike="noStrike">
+                        <a:rPr lang="en-US" sz="2600" b="0" i="0" u="none" strike="noStrike" dirty="0">
                           <a:solidFill>
                             <a:srgbClr val="000000"/>
                           </a:solidFill>
@@ -11099,363 +10521,7 @@
                         </a:rPr>
                         <a:t>110</a:t>
                       </a:r>
-                      <a:endParaRPr lang="en-US" sz="2800">
-                        <a:effectLst/>
-                        <a:latin typeface="+mn-lt"/>
-                        <a:cs typeface="Arial" panose="020B0604020202020204" pitchFamily="34" charset="0"/>
-                      </a:endParaRPr>
-                    </a:p>
-                  </a:txBody>
-                  <a:tcPr marL="105011" marR="105011" marT="105011" marB="105011">
-                    <a:lnL w="28575" cap="flat" cmpd="sng" algn="ctr">
-                      <a:solidFill>
-                        <a:schemeClr val="tx1"/>
-                      </a:solidFill>
-                      <a:prstDash val="solid"/>
-                      <a:round/>
-                      <a:headEnd type="none" w="med" len="med"/>
-                      <a:tailEnd type="none" w="med" len="med"/>
-                    </a:lnL>
-                    <a:lnR w="28575" cap="flat" cmpd="sng" algn="ctr">
-                      <a:solidFill>
-                        <a:schemeClr val="tx1"/>
-                      </a:solidFill>
-                      <a:prstDash val="solid"/>
-                      <a:round/>
-                      <a:headEnd type="none" w="med" len="med"/>
-                      <a:tailEnd type="none" w="med" len="med"/>
-                    </a:lnR>
-                    <a:lnT w="28575" cap="flat" cmpd="sng" algn="ctr">
-                      <a:solidFill>
-                        <a:schemeClr val="tx1"/>
-                      </a:solidFill>
-                      <a:prstDash val="solid"/>
-                      <a:round/>
-                      <a:headEnd type="none" w="med" len="med"/>
-                      <a:tailEnd type="none" w="med" len="med"/>
-                    </a:lnT>
-                    <a:lnB w="28575" cap="flat" cmpd="sng" algn="ctr">
-                      <a:solidFill>
-                        <a:schemeClr val="tx1"/>
-                      </a:solidFill>
-                      <a:prstDash val="solid"/>
-                      <a:round/>
-                      <a:headEnd type="none" w="med" len="med"/>
-                      <a:tailEnd type="none" w="med" len="med"/>
-                    </a:lnB>
-                    <a:lnTlToBr w="12700" cmpd="sng">
-                      <a:noFill/>
-                      <a:prstDash val="solid"/>
-                    </a:lnTlToBr>
-                    <a:lnBlToTr w="12700" cmpd="sng">
-                      <a:noFill/>
-                      <a:prstDash val="solid"/>
-                    </a:lnBlToTr>
-                  </a:tcPr>
-                </a:tc>
-                <a:tc>
-                  <a:txBody>
-                    <a:bodyPr/>
-                    <a:lstStyle/>
-                    <a:p>
-                      <a:pPr rtl="0" fontAlgn="t">
-                        <a:spcBef>
-                          <a:spcPts val="0"/>
-                        </a:spcBef>
-                        <a:spcAft>
-                          <a:spcPts val="0"/>
-                        </a:spcAft>
-                      </a:pPr>
-                      <a:r>
-                        <a:rPr lang="en-US" sz="2800" b="0" i="0" u="none" strike="noStrike" dirty="0">
-                          <a:solidFill>
-                            <a:srgbClr val="000000"/>
-                          </a:solidFill>
-                          <a:effectLst/>
-                          <a:latin typeface="+mn-lt"/>
-                          <a:cs typeface="Arial" panose="020B0604020202020204" pitchFamily="34" charset="0"/>
-                        </a:rPr>
-                        <a:t>6</a:t>
-                      </a:r>
-                      <a:endParaRPr lang="en-US" sz="2800" dirty="0">
-                        <a:effectLst/>
-                        <a:latin typeface="+mn-lt"/>
-                        <a:cs typeface="Arial" panose="020B0604020202020204" pitchFamily="34" charset="0"/>
-                      </a:endParaRPr>
-                    </a:p>
-                  </a:txBody>
-                  <a:tcPr marL="105011" marR="105011" marT="105011" marB="105011">
-                    <a:lnL w="28575" cap="flat" cmpd="sng" algn="ctr">
-                      <a:solidFill>
-                        <a:schemeClr val="tx1"/>
-                      </a:solidFill>
-                      <a:prstDash val="solid"/>
-                      <a:round/>
-                      <a:headEnd type="none" w="med" len="med"/>
-                      <a:tailEnd type="none" w="med" len="med"/>
-                    </a:lnL>
-                    <a:lnR w="28575" cap="flat" cmpd="sng" algn="ctr">
-                      <a:solidFill>
-                        <a:schemeClr val="tx1"/>
-                      </a:solidFill>
-                      <a:prstDash val="solid"/>
-                      <a:round/>
-                      <a:headEnd type="none" w="med" len="med"/>
-                      <a:tailEnd type="none" w="med" len="med"/>
-                    </a:lnR>
-                    <a:lnT w="28575" cap="flat" cmpd="sng" algn="ctr">
-                      <a:solidFill>
-                        <a:schemeClr val="tx1"/>
-                      </a:solidFill>
-                      <a:prstDash val="solid"/>
-                      <a:round/>
-                      <a:headEnd type="none" w="med" len="med"/>
-                      <a:tailEnd type="none" w="med" len="med"/>
-                    </a:lnT>
-                    <a:lnB w="28575" cap="flat" cmpd="sng" algn="ctr">
-                      <a:solidFill>
-                        <a:schemeClr val="tx1"/>
-                      </a:solidFill>
-                      <a:prstDash val="solid"/>
-                      <a:round/>
-                      <a:headEnd type="none" w="med" len="med"/>
-                      <a:tailEnd type="none" w="med" len="med"/>
-                    </a:lnB>
-                    <a:lnTlToBr w="12700" cmpd="sng">
-                      <a:noFill/>
-                      <a:prstDash val="solid"/>
-                    </a:lnTlToBr>
-                    <a:lnBlToTr w="12700" cmpd="sng">
-                      <a:noFill/>
-                      <a:prstDash val="solid"/>
-                    </a:lnBlToTr>
-                  </a:tcPr>
-                </a:tc>
-                <a:tc>
-                  <a:txBody>
-                    <a:bodyPr/>
-                    <a:lstStyle/>
-                    <a:p>
-                      <a:pPr rtl="0" fontAlgn="t">
-                        <a:spcBef>
-                          <a:spcPts val="0"/>
-                        </a:spcBef>
-                        <a:spcAft>
-                          <a:spcPts val="0"/>
-                        </a:spcAft>
-                      </a:pPr>
-                      <a:r>
-                        <a:rPr lang="en-US" sz="2800" b="0" i="0" u="none" strike="noStrike" dirty="0">
-                          <a:solidFill>
-                            <a:srgbClr val="000000"/>
-                          </a:solidFill>
-                          <a:effectLst/>
-                          <a:latin typeface="+mn-lt"/>
-                          <a:cs typeface="Arial" panose="020B0604020202020204" pitchFamily="34" charset="0"/>
-                        </a:rPr>
-                        <a:t>x</a:t>
-                      </a:r>
-                      <a:r>
-                        <a:rPr lang="en-US" sz="2800" b="0" i="0" u="none" strike="noStrike" baseline="30000" dirty="0">
-                          <a:solidFill>
-                            <a:srgbClr val="000000"/>
-                          </a:solidFill>
-                          <a:effectLst/>
-                          <a:latin typeface="+mn-lt"/>
-                          <a:cs typeface="Arial" panose="020B0604020202020204" pitchFamily="34" charset="0"/>
-                        </a:rPr>
-                        <a:t>2</a:t>
-                      </a:r>
-                      <a:r>
-                        <a:rPr lang="en-US" sz="2800" b="0" i="0" u="none" strike="noStrike" dirty="0">
-                          <a:solidFill>
-                            <a:srgbClr val="000000"/>
-                          </a:solidFill>
-                          <a:effectLst/>
-                          <a:latin typeface="+mn-lt"/>
-                          <a:cs typeface="Arial" panose="020B0604020202020204" pitchFamily="34" charset="0"/>
-                        </a:rPr>
-                        <a:t> + x</a:t>
-                      </a:r>
-                      <a:r>
-                        <a:rPr lang="en-US" sz="2800" b="0" i="0" u="none" strike="noStrike" baseline="30000" dirty="0">
-                          <a:solidFill>
-                            <a:srgbClr val="000000"/>
-                          </a:solidFill>
-                          <a:effectLst/>
-                          <a:latin typeface="+mn-lt"/>
-                          <a:cs typeface="Arial" panose="020B0604020202020204" pitchFamily="34" charset="0"/>
-                        </a:rPr>
-                        <a:t>1</a:t>
-                      </a:r>
-                      <a:r>
-                        <a:rPr lang="en-US" sz="2800" b="0" i="0" u="none" strike="noStrike" dirty="0">
-                          <a:solidFill>
-                            <a:srgbClr val="000000"/>
-                          </a:solidFill>
-                          <a:effectLst/>
-                          <a:latin typeface="+mn-lt"/>
-                          <a:cs typeface="Arial" panose="020B0604020202020204" pitchFamily="34" charset="0"/>
-                        </a:rPr>
-                        <a:t> + 0</a:t>
-                      </a:r>
-                      <a:endParaRPr lang="en-US" sz="2800" dirty="0">
-                        <a:effectLst/>
-                        <a:latin typeface="+mn-lt"/>
-                        <a:cs typeface="Arial" panose="020B0604020202020204" pitchFamily="34" charset="0"/>
-                      </a:endParaRPr>
-                    </a:p>
-                  </a:txBody>
-                  <a:tcPr marL="105011" marR="105011" marT="105011" marB="105011">
-                    <a:lnL w="28575" cap="flat" cmpd="sng" algn="ctr">
-                      <a:solidFill>
-                        <a:schemeClr val="tx1"/>
-                      </a:solidFill>
-                      <a:prstDash val="solid"/>
-                      <a:round/>
-                      <a:headEnd type="none" w="med" len="med"/>
-                      <a:tailEnd type="none" w="med" len="med"/>
-                    </a:lnL>
-                    <a:lnR w="28575" cap="flat" cmpd="sng" algn="ctr">
-                      <a:solidFill>
-                        <a:schemeClr val="tx1"/>
-                      </a:solidFill>
-                      <a:prstDash val="solid"/>
-                      <a:round/>
-                      <a:headEnd type="none" w="med" len="med"/>
-                      <a:tailEnd type="none" w="med" len="med"/>
-                    </a:lnR>
-                    <a:lnT w="28575" cap="flat" cmpd="sng" algn="ctr">
-                      <a:solidFill>
-                        <a:schemeClr val="tx1"/>
-                      </a:solidFill>
-                      <a:prstDash val="solid"/>
-                      <a:round/>
-                      <a:headEnd type="none" w="med" len="med"/>
-                      <a:tailEnd type="none" w="med" len="med"/>
-                    </a:lnT>
-                    <a:lnB w="28575" cap="flat" cmpd="sng" algn="ctr">
-                      <a:solidFill>
-                        <a:schemeClr val="tx1"/>
-                      </a:solidFill>
-                      <a:prstDash val="solid"/>
-                      <a:round/>
-                      <a:headEnd type="none" w="med" len="med"/>
-                      <a:tailEnd type="none" w="med" len="med"/>
-                    </a:lnB>
-                    <a:lnTlToBr w="12700" cmpd="sng">
-                      <a:noFill/>
-                      <a:prstDash val="solid"/>
-                    </a:lnTlToBr>
-                    <a:lnBlToTr w="12700" cmpd="sng">
-                      <a:noFill/>
-                      <a:prstDash val="solid"/>
-                    </a:lnBlToTr>
-                  </a:tcPr>
-                </a:tc>
-                <a:tc>
-                  <a:txBody>
-                    <a:bodyPr/>
-                    <a:lstStyle/>
-                    <a:p>
-                      <a:pPr rtl="0" fontAlgn="t">
-                        <a:spcBef>
-                          <a:spcPts val="0"/>
-                        </a:spcBef>
-                        <a:spcAft>
-                          <a:spcPts val="0"/>
-                        </a:spcAft>
-                      </a:pPr>
-                      <a:r>
-                        <a:rPr lang="en-US" sz="2800" b="0" i="0" u="none" strike="noStrike" dirty="0">
-                          <a:solidFill>
-                            <a:srgbClr val="000000"/>
-                          </a:solidFill>
-                          <a:effectLst/>
-                          <a:latin typeface="+mn-lt"/>
-                          <a:cs typeface="Arial" panose="020B0604020202020204" pitchFamily="34" charset="0"/>
-                        </a:rPr>
-                        <a:t>110</a:t>
-                      </a:r>
-                      <a:endParaRPr lang="en-US" sz="2800" dirty="0">
-                        <a:effectLst/>
-                        <a:latin typeface="+mn-lt"/>
-                        <a:cs typeface="Arial" panose="020B0604020202020204" pitchFamily="34" charset="0"/>
-                      </a:endParaRPr>
-                    </a:p>
-                  </a:txBody>
-                  <a:tcPr marL="105011" marR="105011" marT="105011" marB="105011">
-                    <a:lnL w="28575" cap="flat" cmpd="sng" algn="ctr">
-                      <a:solidFill>
-                        <a:schemeClr val="tx1"/>
-                      </a:solidFill>
-                      <a:prstDash val="solid"/>
-                      <a:round/>
-                      <a:headEnd type="none" w="med" len="med"/>
-                      <a:tailEnd type="none" w="med" len="med"/>
-                    </a:lnL>
-                    <a:lnR w="28575" cap="flat" cmpd="sng" algn="ctr">
-                      <a:solidFill>
-                        <a:schemeClr val="tx1"/>
-                      </a:solidFill>
-                      <a:prstDash val="solid"/>
-                      <a:round/>
-                      <a:headEnd type="none" w="med" len="med"/>
-                      <a:tailEnd type="none" w="med" len="med"/>
-                    </a:lnR>
-                    <a:lnT w="28575" cap="flat" cmpd="sng" algn="ctr">
-                      <a:solidFill>
-                        <a:schemeClr val="tx1"/>
-                      </a:solidFill>
-                      <a:prstDash val="solid"/>
-                      <a:round/>
-                      <a:headEnd type="none" w="med" len="med"/>
-                      <a:tailEnd type="none" w="med" len="med"/>
-                    </a:lnT>
-                    <a:lnB w="28575" cap="flat" cmpd="sng" algn="ctr">
-                      <a:solidFill>
-                        <a:schemeClr val="tx1"/>
-                      </a:solidFill>
-                      <a:prstDash val="solid"/>
-                      <a:round/>
-                      <a:headEnd type="none" w="med" len="med"/>
-                      <a:tailEnd type="none" w="med" len="med"/>
-                    </a:lnB>
-                    <a:lnTlToBr w="12700" cmpd="sng">
-                      <a:noFill/>
-                      <a:prstDash val="solid"/>
-                    </a:lnTlToBr>
-                    <a:lnBlToTr w="12700" cmpd="sng">
-                      <a:noFill/>
-                      <a:prstDash val="solid"/>
-                    </a:lnBlToTr>
-                  </a:tcPr>
-                </a:tc>
-                <a:tc>
-                  <a:txBody>
-                    <a:bodyPr/>
-                    <a:lstStyle/>
-                    <a:p>
-                      <a:pPr rtl="0" fontAlgn="t">
-                        <a:spcBef>
-                          <a:spcPts val="0"/>
-                        </a:spcBef>
-                        <a:spcAft>
-                          <a:spcPts val="0"/>
-                        </a:spcAft>
-                      </a:pPr>
-                      <a:r>
-                        <a:rPr lang="en-US" sz="2800" b="0" i="0" u="none" strike="noStrike" dirty="0">
-                          <a:solidFill>
-                            <a:srgbClr val="000000"/>
-                          </a:solidFill>
-                          <a:effectLst/>
-                          <a:latin typeface="+mn-lt"/>
-                          <a:cs typeface="Arial" panose="020B0604020202020204" pitchFamily="34" charset="0"/>
-                        </a:rPr>
-                        <a:t>6</a:t>
-                      </a:r>
-                      <a:endParaRPr lang="en-US" sz="2800" dirty="0">
+                      <a:endParaRPr lang="en-US" sz="2600" dirty="0">
                         <a:effectLst/>
                         <a:latin typeface="+mn-lt"/>
                         <a:cs typeface="Arial" panose="020B0604020202020204" pitchFamily="34" charset="0"/>
@@ -11521,333 +10587,32 @@
       </p:graphicFrame>
       <p:sp>
         <p:nvSpPr>
-          <p:cNvPr id="31" name="Rectangle 22"/>
-          <p:cNvSpPr>
-            <a:spLocks noChangeArrowheads="1"/>
-          </p:cNvSpPr>
-          <p:nvPr/>
-        </p:nvSpPr>
-        <p:spPr bwMode="auto">
-          <a:xfrm>
-            <a:off x="12911891" y="3188296"/>
-            <a:ext cx="10902521" cy="601212"/>
-          </a:xfrm>
-          <a:prstGeom prst="rect">
-            <a:avLst/>
-          </a:prstGeom>
-          <a:solidFill>
-            <a:srgbClr val="008D4A"/>
-          </a:solidFill>
-          <a:ln w="76200">
-            <a:noFill/>
-            <a:miter lim="800000"/>
-            <a:headEnd/>
-            <a:tailEnd/>
-          </a:ln>
-          <a:effectLst>
-            <a:outerShdw blurRad="177800" dist="76200" dir="2700000" algn="tl" rotWithShape="0">
-              <a:prstClr val="black">
-                <a:alpha val="50000"/>
-              </a:prstClr>
-            </a:outerShdw>
-          </a:effectLst>
-        </p:spPr>
-        <p:txBody>
-          <a:bodyPr wrap="square" lIns="57149" tIns="23379" rIns="57149" bIns="23379">
-            <a:spAutoFit/>
-          </a:bodyPr>
-          <a:lstStyle/>
-          <a:p>
-            <a:pPr algn="ctr"/>
-            <a:r>
-              <a:rPr lang="en-US" sz="3600" b="1" dirty="0">
-                <a:solidFill>
-                  <a:schemeClr val="bg1"/>
-                </a:solidFill>
-                <a:latin typeface="+mj-lt"/>
-              </a:rPr>
-              <a:t>Design Overview</a:t>
-            </a:r>
-            <a:endParaRPr lang="en-US" sz="3600" b="1" dirty="0">
-              <a:solidFill>
-                <a:schemeClr val="bg1"/>
-              </a:solidFill>
-              <a:latin typeface="+mj-lt"/>
-              <a:cs typeface="Arial" panose="020B0604020202020204" pitchFamily="34" charset="0"/>
-            </a:endParaRPr>
-          </a:p>
-        </p:txBody>
-      </p:sp>
-      <p:sp>
-        <p:nvSpPr>
           <p:cNvPr id="13" name="Rectangle 12"/>
           <p:cNvSpPr/>
           <p:nvPr/>
         </p:nvSpPr>
         <p:spPr>
           <a:xfrm>
-            <a:off x="13159536" y="4267200"/>
-            <a:ext cx="10407230" cy="23421796"/>
+            <a:off x="12158688" y="3118306"/>
+            <a:ext cx="5997324" cy="11079956"/>
           </a:xfrm>
           <a:prstGeom prst="rect">
             <a:avLst/>
           </a:prstGeom>
+          <a:ln>
+            <a:solidFill>
+              <a:schemeClr val="bg1"/>
+            </a:solidFill>
+          </a:ln>
         </p:spPr>
         <p:txBody>
-          <a:bodyPr wrap="square">
+          <a:bodyPr wrap="square" numCol="1">
             <a:spAutoFit/>
           </a:bodyPr>
           <a:lstStyle/>
           <a:p>
-            <a:endParaRPr lang="en-US" sz="2800" dirty="0">
-              <a:solidFill>
-                <a:srgbClr val="000000"/>
-              </a:solidFill>
-              <a:latin typeface="+mn-lt"/>
-            </a:endParaRPr>
-          </a:p>
-          <a:p>
-            <a:endParaRPr lang="en-US" sz="2800" dirty="0">
-              <a:solidFill>
-                <a:srgbClr val="000000"/>
-              </a:solidFill>
-              <a:latin typeface="+mn-lt"/>
-            </a:endParaRPr>
-          </a:p>
-          <a:p>
-            <a:endParaRPr lang="en-US" sz="2800" dirty="0">
-              <a:solidFill>
-                <a:srgbClr val="000000"/>
-              </a:solidFill>
-              <a:latin typeface="+mn-lt"/>
-            </a:endParaRPr>
-          </a:p>
-          <a:p>
-            <a:endParaRPr lang="en-US" sz="2800" dirty="0">
-              <a:solidFill>
-                <a:srgbClr val="000000"/>
-              </a:solidFill>
-              <a:latin typeface="+mn-lt"/>
-            </a:endParaRPr>
-          </a:p>
-          <a:p>
-            <a:endParaRPr lang="en-US" sz="2800" dirty="0">
-              <a:solidFill>
-                <a:srgbClr val="000000"/>
-              </a:solidFill>
-              <a:latin typeface="+mn-lt"/>
-            </a:endParaRPr>
-          </a:p>
-          <a:p>
-            <a:endParaRPr lang="en-US" sz="2800" dirty="0">
-              <a:solidFill>
-                <a:srgbClr val="000000"/>
-              </a:solidFill>
-              <a:latin typeface="+mn-lt"/>
-            </a:endParaRPr>
-          </a:p>
-          <a:p>
-            <a:endParaRPr lang="en-US" sz="2800" dirty="0">
-              <a:solidFill>
-                <a:srgbClr val="000000"/>
-              </a:solidFill>
-              <a:latin typeface="+mn-lt"/>
-            </a:endParaRPr>
-          </a:p>
-          <a:p>
-            <a:endParaRPr lang="en-US" sz="2800" dirty="0">
-              <a:solidFill>
-                <a:srgbClr val="000000"/>
-              </a:solidFill>
-              <a:latin typeface="+mn-lt"/>
-            </a:endParaRPr>
-          </a:p>
-          <a:p>
-            <a:endParaRPr lang="en-US" sz="2800" dirty="0">
-              <a:solidFill>
-                <a:srgbClr val="000000"/>
-              </a:solidFill>
-              <a:latin typeface="+mn-lt"/>
-            </a:endParaRPr>
-          </a:p>
-          <a:p>
-            <a:endParaRPr lang="en-US" sz="2800" dirty="0">
-              <a:solidFill>
-                <a:srgbClr val="000000"/>
-              </a:solidFill>
-              <a:latin typeface="+mn-lt"/>
-            </a:endParaRPr>
-          </a:p>
-          <a:p>
-            <a:pPr algn="ctr"/>
-            <a:r>
-              <a:rPr lang="en-US" sz="2800" b="1" dirty="0">
-                <a:latin typeface="Arial" panose="020B0604020202020204" pitchFamily="34" charset="0"/>
-                <a:cs typeface="Arial" panose="020B0604020202020204" pitchFamily="34" charset="0"/>
-              </a:rPr>
-              <a:t>Figure 3: </a:t>
-            </a:r>
-            <a:r>
-              <a:rPr lang="en-US" sz="2800" dirty="0">
-                <a:latin typeface="Arial" panose="020B0604020202020204" pitchFamily="34" charset="0"/>
-                <a:cs typeface="Arial" panose="020B0604020202020204" pitchFamily="34" charset="0"/>
-              </a:rPr>
-              <a:t>Functional Flow Diagram</a:t>
-            </a:r>
-          </a:p>
-          <a:p>
-            <a:pPr algn="ctr"/>
-            <a:endParaRPr lang="en-US" sz="2800" dirty="0">
-              <a:latin typeface="Arial" panose="020B0604020202020204" pitchFamily="34" charset="0"/>
-              <a:cs typeface="Arial" panose="020B0604020202020204" pitchFamily="34" charset="0"/>
-            </a:endParaRPr>
-          </a:p>
-          <a:p>
-            <a:pPr algn="ctr"/>
-            <a:endParaRPr lang="en-US" sz="2800" dirty="0">
-              <a:latin typeface="Arial" panose="020B0604020202020204" pitchFamily="34" charset="0"/>
-              <a:cs typeface="Arial" panose="020B0604020202020204" pitchFamily="34" charset="0"/>
-            </a:endParaRPr>
-          </a:p>
-          <a:p>
-            <a:pPr algn="ctr"/>
-            <a:endParaRPr lang="en-US" sz="2800" dirty="0">
-              <a:latin typeface="Arial" panose="020B0604020202020204" pitchFamily="34" charset="0"/>
-              <a:cs typeface="Arial" panose="020B0604020202020204" pitchFamily="34" charset="0"/>
-            </a:endParaRPr>
-          </a:p>
-          <a:p>
-            <a:pPr algn="ctr"/>
-            <a:endParaRPr lang="en-US" sz="2800" dirty="0">
-              <a:latin typeface="Arial" panose="020B0604020202020204" pitchFamily="34" charset="0"/>
-              <a:cs typeface="Arial" panose="020B0604020202020204" pitchFamily="34" charset="0"/>
-            </a:endParaRPr>
-          </a:p>
-          <a:p>
-            <a:pPr algn="ctr"/>
-            <a:endParaRPr lang="en-US" sz="2800" dirty="0">
-              <a:latin typeface="Arial" panose="020B0604020202020204" pitchFamily="34" charset="0"/>
-              <a:cs typeface="Arial" panose="020B0604020202020204" pitchFamily="34" charset="0"/>
-            </a:endParaRPr>
-          </a:p>
-          <a:p>
-            <a:pPr algn="ctr"/>
-            <a:endParaRPr lang="en-US" sz="2800" dirty="0">
-              <a:latin typeface="Arial" panose="020B0604020202020204" pitchFamily="34" charset="0"/>
-              <a:cs typeface="Arial" panose="020B0604020202020204" pitchFamily="34" charset="0"/>
-            </a:endParaRPr>
-          </a:p>
-          <a:p>
-            <a:pPr algn="ctr"/>
-            <a:endParaRPr lang="en-US" sz="2800" dirty="0">
-              <a:latin typeface="Arial" panose="020B0604020202020204" pitchFamily="34" charset="0"/>
-              <a:cs typeface="Arial" panose="020B0604020202020204" pitchFamily="34" charset="0"/>
-            </a:endParaRPr>
-          </a:p>
-          <a:p>
-            <a:pPr algn="ctr"/>
-            <a:endParaRPr lang="en-US" sz="2800" dirty="0">
-              <a:latin typeface="Arial" panose="020B0604020202020204" pitchFamily="34" charset="0"/>
-              <a:cs typeface="Arial" panose="020B0604020202020204" pitchFamily="34" charset="0"/>
-            </a:endParaRPr>
-          </a:p>
-          <a:p>
-            <a:pPr algn="ctr"/>
-            <a:endParaRPr lang="en-US" sz="2800" dirty="0">
-              <a:latin typeface="Arial" panose="020B0604020202020204" pitchFamily="34" charset="0"/>
-              <a:cs typeface="Arial" panose="020B0604020202020204" pitchFamily="34" charset="0"/>
-            </a:endParaRPr>
-          </a:p>
-          <a:p>
-            <a:pPr algn="ctr"/>
-            <a:endParaRPr lang="en-US" sz="2800" dirty="0">
-              <a:latin typeface="Arial" panose="020B0604020202020204" pitchFamily="34" charset="0"/>
-              <a:cs typeface="Arial" panose="020B0604020202020204" pitchFamily="34" charset="0"/>
-            </a:endParaRPr>
-          </a:p>
-          <a:p>
-            <a:pPr algn="ctr"/>
-            <a:endParaRPr lang="en-US" sz="2800" dirty="0">
-              <a:latin typeface="Arial" panose="020B0604020202020204" pitchFamily="34" charset="0"/>
-              <a:cs typeface="Arial" panose="020B0604020202020204" pitchFamily="34" charset="0"/>
-            </a:endParaRPr>
-          </a:p>
-          <a:p>
-            <a:pPr algn="ctr"/>
-            <a:endParaRPr lang="en-US" sz="2800" dirty="0">
-              <a:latin typeface="Arial" panose="020B0604020202020204" pitchFamily="34" charset="0"/>
-              <a:cs typeface="Arial" panose="020B0604020202020204" pitchFamily="34" charset="0"/>
-            </a:endParaRPr>
-          </a:p>
-          <a:p>
-            <a:pPr algn="ctr"/>
-            <a:endParaRPr lang="en-US" sz="2800" dirty="0">
-              <a:latin typeface="Arial" panose="020B0604020202020204" pitchFamily="34" charset="0"/>
-              <a:cs typeface="Arial" panose="020B0604020202020204" pitchFamily="34" charset="0"/>
-            </a:endParaRPr>
-          </a:p>
-          <a:p>
-            <a:pPr algn="ctr"/>
-            <a:endParaRPr lang="en-US" sz="2800" dirty="0">
-              <a:latin typeface="Arial" panose="020B0604020202020204" pitchFamily="34" charset="0"/>
-              <a:cs typeface="Arial" panose="020B0604020202020204" pitchFamily="34" charset="0"/>
-            </a:endParaRPr>
-          </a:p>
-          <a:p>
-            <a:pPr algn="ctr"/>
-            <a:endParaRPr lang="en-US" sz="2800" dirty="0">
-              <a:latin typeface="Arial" panose="020B0604020202020204" pitchFamily="34" charset="0"/>
-              <a:cs typeface="Arial" panose="020B0604020202020204" pitchFamily="34" charset="0"/>
-            </a:endParaRPr>
-          </a:p>
-          <a:p>
-            <a:pPr algn="ctr"/>
-            <a:endParaRPr lang="en-US" sz="2800" dirty="0">
-              <a:latin typeface="Arial" panose="020B0604020202020204" pitchFamily="34" charset="0"/>
-              <a:cs typeface="Arial" panose="020B0604020202020204" pitchFamily="34" charset="0"/>
-            </a:endParaRPr>
-          </a:p>
-          <a:p>
-            <a:pPr algn="ctr"/>
-            <a:endParaRPr lang="en-US" sz="2800" dirty="0">
-              <a:latin typeface="Arial" panose="020B0604020202020204" pitchFamily="34" charset="0"/>
-              <a:cs typeface="Arial" panose="020B0604020202020204" pitchFamily="34" charset="0"/>
-            </a:endParaRPr>
-          </a:p>
-          <a:p>
-            <a:pPr algn="ctr"/>
-            <a:r>
-              <a:rPr lang="en-US" sz="2800" b="1" dirty="0">
-                <a:solidFill>
-                  <a:srgbClr val="000000"/>
-                </a:solidFill>
-                <a:latin typeface="Arial" panose="020B0604020202020204" pitchFamily="34" charset="0"/>
-              </a:rPr>
-              <a:t> Figure 4: </a:t>
-            </a:r>
-            <a:r>
-              <a:rPr lang="en-US" sz="2800" dirty="0">
-                <a:solidFill>
-                  <a:srgbClr val="000000"/>
-                </a:solidFill>
-                <a:latin typeface="Arial" panose="020B0604020202020204" pitchFamily="34" charset="0"/>
-              </a:rPr>
-              <a:t>High Level Block Schematic</a:t>
-            </a:r>
-          </a:p>
-          <a:p>
-            <a:pPr algn="ctr"/>
-            <a:endParaRPr lang="en-US" sz="2800" dirty="0">
-              <a:solidFill>
-                <a:srgbClr val="000000"/>
-              </a:solidFill>
-              <a:latin typeface="Arial" panose="020B0604020202020204" pitchFamily="34" charset="0"/>
-            </a:endParaRPr>
-          </a:p>
-          <a:p>
-            <a:pPr algn="ctr"/>
-            <a:r>
-              <a:rPr lang="en-US" sz="3200" b="1" dirty="0">
+            <a:r>
+              <a:rPr lang="en-US" sz="3200" b="1" dirty="0" smtClean="0">
                 <a:solidFill>
                   <a:srgbClr val="006435"/>
                 </a:solidFill>
@@ -11855,7 +10620,9 @@
               </a:rPr>
               <a:t>Modules</a:t>
             </a:r>
-            <a:endParaRPr lang="en-US" sz="2800" b="1" dirty="0">
+          </a:p>
+          <a:p>
+            <a:endParaRPr lang="en-US" sz="1000" b="1" dirty="0" smtClean="0">
               <a:solidFill>
                 <a:srgbClr val="006435"/>
               </a:solidFill>
@@ -11874,14 +10641,327 @@
               <a:buChar char="§"/>
             </a:pPr>
             <a:r>
+              <a:rPr lang="en-US" sz="2800" b="1" dirty="0" smtClean="0">
+                <a:solidFill>
+                  <a:srgbClr val="000000"/>
+                </a:solidFill>
+                <a:latin typeface="Arial" panose="020B0604020202020204" pitchFamily="34" charset="0"/>
+              </a:rPr>
+              <a:t>Global </a:t>
+            </a:r>
+            <a:r>
               <a:rPr lang="en-US" sz="2800" b="1" dirty="0">
                 <a:solidFill>
                   <a:srgbClr val="000000"/>
                 </a:solidFill>
                 <a:latin typeface="Arial" panose="020B0604020202020204" pitchFamily="34" charset="0"/>
               </a:rPr>
-              <a:t>Global Registers</a:t>
-            </a:r>
+              <a:t>Registers</a:t>
+            </a:r>
+          </a:p>
+          <a:p>
+            <a:pPr marL="914400" lvl="1" indent="-457200">
+              <a:spcBef>
+                <a:spcPts val="0"/>
+              </a:spcBef>
+              <a:spcAft>
+                <a:spcPts val="0"/>
+              </a:spcAft>
+              <a:buFont typeface="Courier New" panose="02070309020205020404" pitchFamily="49" charset="0"/>
+              <a:buChar char="o"/>
+            </a:pPr>
+            <a:r>
+              <a:rPr lang="en-US" sz="2800" dirty="0">
+                <a:solidFill>
+                  <a:srgbClr val="000000"/>
+                </a:solidFill>
+                <a:latin typeface="Arial" panose="020B0604020202020204" pitchFamily="34" charset="0"/>
+              </a:rPr>
+              <a:t>Generated by priority encoders</a:t>
+            </a:r>
+          </a:p>
+          <a:p>
+            <a:pPr marL="914400" lvl="1" indent="-457200">
+              <a:spcBef>
+                <a:spcPts val="0"/>
+              </a:spcBef>
+              <a:spcAft>
+                <a:spcPts val="0"/>
+              </a:spcAft>
+              <a:buFont typeface="Courier New" panose="02070309020205020404" pitchFamily="49" charset="0"/>
+              <a:buChar char="o"/>
+            </a:pPr>
+            <a:r>
+              <a:rPr lang="en-US" sz="2800" dirty="0">
+                <a:solidFill>
+                  <a:srgbClr val="000000"/>
+                </a:solidFill>
+                <a:latin typeface="Arial" panose="020B0604020202020204" pitchFamily="34" charset="0"/>
+              </a:rPr>
+              <a:t>Size index, most significant bit index, and mask</a:t>
+            </a:r>
+          </a:p>
+          <a:p>
+            <a:pPr marL="457200" indent="-457200" algn="just">
+              <a:spcBef>
+                <a:spcPts val="0"/>
+              </a:spcBef>
+              <a:spcAft>
+                <a:spcPts val="0"/>
+              </a:spcAft>
+              <a:buFont typeface="Wingdings" panose="05000000000000000000" pitchFamily="2" charset="2"/>
+              <a:buChar char="§"/>
+            </a:pPr>
+            <a:r>
+              <a:rPr lang="en-US" sz="2800" b="1" dirty="0">
+                <a:solidFill>
+                  <a:srgbClr val="000000"/>
+                </a:solidFill>
+                <a:latin typeface="Arial" panose="020B0604020202020204" pitchFamily="34" charset="0"/>
+              </a:rPr>
+              <a:t>Generator</a:t>
+            </a:r>
+          </a:p>
+          <a:p>
+            <a:pPr marL="914400" lvl="1" indent="-457200">
+              <a:spcBef>
+                <a:spcPts val="0"/>
+              </a:spcBef>
+              <a:spcAft>
+                <a:spcPts val="0"/>
+              </a:spcAft>
+              <a:buFont typeface="Courier New" panose="02070309020205020404" pitchFamily="49" charset="0"/>
+              <a:buChar char="o"/>
+            </a:pPr>
+            <a:r>
+              <a:rPr lang="en-US" sz="2800" dirty="0">
+                <a:solidFill>
+                  <a:srgbClr val="000000"/>
+                </a:solidFill>
+                <a:latin typeface="Arial" panose="020B0604020202020204" pitchFamily="34" charset="0"/>
+              </a:rPr>
+              <a:t>Generates elements in their element and polynomial forms</a:t>
+            </a:r>
+          </a:p>
+          <a:p>
+            <a:pPr marL="914400" lvl="1" indent="-457200">
+              <a:spcBef>
+                <a:spcPts val="0"/>
+              </a:spcBef>
+              <a:spcAft>
+                <a:spcPts val="0"/>
+              </a:spcAft>
+              <a:buFont typeface="Courier New" panose="02070309020205020404" pitchFamily="49" charset="0"/>
+              <a:buChar char="o"/>
+            </a:pPr>
+            <a:r>
+              <a:rPr lang="en-US" sz="2800" dirty="0">
+                <a:solidFill>
+                  <a:srgbClr val="000000"/>
+                </a:solidFill>
+                <a:latin typeface="Arial" panose="020B0604020202020204" pitchFamily="34" charset="0"/>
+              </a:rPr>
+              <a:t>Alerts the user when process is complete</a:t>
+            </a:r>
+          </a:p>
+          <a:p>
+            <a:pPr marL="457200" indent="-457200">
+              <a:spcBef>
+                <a:spcPts val="0"/>
+              </a:spcBef>
+              <a:spcAft>
+                <a:spcPts val="0"/>
+              </a:spcAft>
+              <a:buFont typeface="Wingdings" panose="05000000000000000000" pitchFamily="2" charset="2"/>
+              <a:buChar char="§"/>
+            </a:pPr>
+            <a:r>
+              <a:rPr lang="en-US" sz="2800" b="1" dirty="0">
+                <a:solidFill>
+                  <a:srgbClr val="000000"/>
+                </a:solidFill>
+                <a:latin typeface="Arial" panose="020B0604020202020204" pitchFamily="34" charset="0"/>
+              </a:rPr>
+              <a:t>Operators</a:t>
+            </a:r>
+          </a:p>
+          <a:p>
+            <a:pPr marL="914400" lvl="1" indent="-457200">
+              <a:spcBef>
+                <a:spcPts val="0"/>
+              </a:spcBef>
+              <a:spcAft>
+                <a:spcPts val="0"/>
+              </a:spcAft>
+              <a:buFont typeface="Courier New" panose="02070309020205020404" pitchFamily="49" charset="0"/>
+              <a:buChar char="o"/>
+            </a:pPr>
+            <a:r>
+              <a:rPr lang="en-US" sz="2800" dirty="0">
+                <a:solidFill>
+                  <a:srgbClr val="000000"/>
+                </a:solidFill>
+                <a:latin typeface="Arial" panose="020B0604020202020204" pitchFamily="34" charset="0"/>
+              </a:rPr>
+              <a:t>Performs addition, subtraction, multiplication, division and logarithm of Galois operands</a:t>
+            </a:r>
+          </a:p>
+          <a:p>
+            <a:pPr marL="914400" lvl="1" indent="-457200">
+              <a:spcBef>
+                <a:spcPts val="0"/>
+              </a:spcBef>
+              <a:spcAft>
+                <a:spcPts val="0"/>
+              </a:spcAft>
+              <a:buFont typeface="Courier New" panose="02070309020205020404" pitchFamily="49" charset="0"/>
+              <a:buChar char="o"/>
+            </a:pPr>
+            <a:r>
+              <a:rPr lang="en-US" sz="2800" dirty="0">
+                <a:solidFill>
+                  <a:srgbClr val="000000"/>
+                </a:solidFill>
+                <a:latin typeface="Arial" panose="020B0604020202020204" pitchFamily="34" charset="0"/>
+              </a:rPr>
+              <a:t>Checks null </a:t>
+            </a:r>
+            <a:r>
+              <a:rPr lang="en-US" sz="2800" dirty="0" smtClean="0">
+                <a:solidFill>
+                  <a:srgbClr val="000000"/>
+                </a:solidFill>
+                <a:latin typeface="Arial" panose="020B0604020202020204" pitchFamily="34" charset="0"/>
+              </a:rPr>
+              <a:t>errors</a:t>
+            </a:r>
+            <a:endParaRPr lang="en-US" sz="2800" dirty="0">
+              <a:solidFill>
+                <a:srgbClr val="000000"/>
+              </a:solidFill>
+              <a:latin typeface="Arial" panose="020B0604020202020204" pitchFamily="34" charset="0"/>
+            </a:endParaRPr>
+          </a:p>
+          <a:p>
+            <a:pPr marL="457200" indent="-457200" algn="just">
+              <a:spcBef>
+                <a:spcPts val="0"/>
+              </a:spcBef>
+              <a:spcAft>
+                <a:spcPts val="0"/>
+              </a:spcAft>
+              <a:buFont typeface="Wingdings" panose="05000000000000000000" pitchFamily="2" charset="2"/>
+              <a:buChar char="§"/>
+            </a:pPr>
+            <a:r>
+              <a:rPr lang="en-US" sz="2800" b="1" dirty="0">
+                <a:solidFill>
+                  <a:srgbClr val="000000"/>
+                </a:solidFill>
+                <a:latin typeface="Arial" panose="020B0604020202020204" pitchFamily="34" charset="0"/>
+              </a:rPr>
+              <a:t>Control unit</a:t>
+            </a:r>
+          </a:p>
+          <a:p>
+            <a:pPr marL="914400" lvl="1" indent="-457200">
+              <a:spcBef>
+                <a:spcPts val="0"/>
+              </a:spcBef>
+              <a:spcAft>
+                <a:spcPts val="0"/>
+              </a:spcAft>
+              <a:buFont typeface="Courier New" panose="02070309020205020404" pitchFamily="49" charset="0"/>
+              <a:buChar char="o"/>
+            </a:pPr>
+            <a:r>
+              <a:rPr lang="en-US" sz="2800" dirty="0">
+                <a:solidFill>
+                  <a:srgbClr val="000000"/>
+                </a:solidFill>
+                <a:latin typeface="Arial" panose="020B0604020202020204" pitchFamily="34" charset="0"/>
+              </a:rPr>
+              <a:t>Determines operations requested through 6-bit </a:t>
+            </a:r>
+            <a:r>
+              <a:rPr lang="en-US" sz="2800" dirty="0" smtClean="0">
+                <a:solidFill>
+                  <a:srgbClr val="000000"/>
+                </a:solidFill>
+                <a:latin typeface="Arial" panose="020B0604020202020204" pitchFamily="34" charset="0"/>
+              </a:rPr>
+              <a:t>opcode</a:t>
+            </a:r>
+          </a:p>
+          <a:p>
+            <a:pPr marL="914400" lvl="1" indent="-457200">
+              <a:spcBef>
+                <a:spcPts val="0"/>
+              </a:spcBef>
+              <a:spcAft>
+                <a:spcPts val="0"/>
+              </a:spcAft>
+              <a:buFont typeface="Courier New" panose="02070309020205020404" pitchFamily="49" charset="0"/>
+              <a:buChar char="o"/>
+            </a:pPr>
+            <a:r>
+              <a:rPr lang="en-US" sz="2800" dirty="0">
+                <a:solidFill>
+                  <a:srgbClr val="000000"/>
+                </a:solidFill>
+                <a:latin typeface="Arial" panose="020B0604020202020204" pitchFamily="34" charset="0"/>
+              </a:rPr>
+              <a:t>Converts operands into their counterpart forms if </a:t>
+            </a:r>
+            <a:r>
+              <a:rPr lang="en-US" sz="2800" dirty="0" smtClean="0">
+                <a:solidFill>
+                  <a:srgbClr val="000000"/>
+                </a:solidFill>
+                <a:latin typeface="Arial" panose="020B0604020202020204" pitchFamily="34" charset="0"/>
+              </a:rPr>
+              <a:t>necessary</a:t>
+            </a:r>
+          </a:p>
+          <a:p>
+            <a:pPr marL="914400" lvl="1" indent="-457200">
+              <a:spcBef>
+                <a:spcPts val="0"/>
+              </a:spcBef>
+              <a:spcAft>
+                <a:spcPts val="0"/>
+              </a:spcAft>
+              <a:buFont typeface="Courier New" panose="02070309020205020404" pitchFamily="49" charset="0"/>
+              <a:buChar char="o"/>
+            </a:pPr>
+            <a:r>
+              <a:rPr lang="en-US" sz="2800" dirty="0">
+                <a:solidFill>
+                  <a:srgbClr val="000000"/>
+                </a:solidFill>
+                <a:latin typeface="Arial" panose="020B0604020202020204" pitchFamily="34" charset="0"/>
+              </a:rPr>
+              <a:t>Checks operand memberships and null operands</a:t>
+            </a:r>
+            <a:endParaRPr lang="en-US" sz="2800" b="1" dirty="0">
+              <a:latin typeface="Arial" panose="020B0604020202020204" pitchFamily="34" charset="0"/>
+            </a:endParaRPr>
+          </a:p>
+          <a:p>
+            <a:pPr marL="457200" lvl="1" indent="0">
+              <a:spcBef>
+                <a:spcPts val="0"/>
+              </a:spcBef>
+              <a:spcAft>
+                <a:spcPts val="0"/>
+              </a:spcAft>
+            </a:pPr>
+            <a:endParaRPr lang="en-US" sz="2800" dirty="0">
+              <a:solidFill>
+                <a:srgbClr val="000000"/>
+              </a:solidFill>
+              <a:latin typeface="Arial" panose="020B0604020202020204" pitchFamily="34" charset="0"/>
+            </a:endParaRPr>
           </a:p>
           <a:p>
             <a:pPr marL="914400" lvl="1" indent="-457200">
@@ -11894,363 +10974,18 @@
               <a:buFont typeface="Wingdings" panose="05000000000000000000" pitchFamily="2" charset="2"/>
               <a:buChar char="§"/>
             </a:pPr>
-            <a:r>
-              <a:rPr lang="en-US" sz="2800" dirty="0">
-                <a:solidFill>
-                  <a:srgbClr val="000000"/>
-                </a:solidFill>
-                <a:latin typeface="Arial" panose="020B0604020202020204" pitchFamily="34" charset="0"/>
-              </a:rPr>
-              <a:t>Generated by priority encoders</a:t>
-            </a:r>
-          </a:p>
-          <a:p>
-            <a:pPr marL="914400" lvl="1" indent="-457200">
-              <a:spcBef>
-                <a:spcPts val="0"/>
-              </a:spcBef>
-              <a:spcAft>
-                <a:spcPts val="0"/>
-              </a:spcAft>
-              <a:buFont typeface="Wingdings" panose="05000000000000000000" pitchFamily="2" charset="2"/>
-              <a:buChar char="§"/>
-            </a:pPr>
-            <a:r>
-              <a:rPr lang="en-US" sz="2800" dirty="0">
-                <a:solidFill>
-                  <a:srgbClr val="000000"/>
-                </a:solidFill>
-                <a:latin typeface="Arial" panose="020B0604020202020204" pitchFamily="34" charset="0"/>
-              </a:rPr>
-              <a:t>Size index, most significant bit index, and mask</a:t>
-            </a:r>
-          </a:p>
-          <a:p>
-            <a:pPr marL="457200" indent="-457200">
-              <a:spcBef>
-                <a:spcPts val="0"/>
-              </a:spcBef>
-              <a:spcAft>
-                <a:spcPts val="0"/>
-              </a:spcAft>
-              <a:buFont typeface="Wingdings" panose="05000000000000000000" pitchFamily="2" charset="2"/>
-              <a:buChar char="§"/>
-            </a:pPr>
-            <a:r>
-              <a:rPr lang="en-US" sz="2800" b="1" dirty="0">
-                <a:solidFill>
-                  <a:srgbClr val="000000"/>
-                </a:solidFill>
-                <a:latin typeface="Arial" panose="020B0604020202020204" pitchFamily="34" charset="0"/>
-              </a:rPr>
-              <a:t>Generator</a:t>
-            </a:r>
-          </a:p>
-          <a:p>
-            <a:pPr marL="914400" lvl="1" indent="-457200">
-              <a:spcBef>
-                <a:spcPts val="0"/>
-              </a:spcBef>
-              <a:spcAft>
-                <a:spcPts val="0"/>
-              </a:spcAft>
-              <a:buFont typeface="Wingdings" panose="05000000000000000000" pitchFamily="2" charset="2"/>
-              <a:buChar char="§"/>
-            </a:pPr>
-            <a:r>
-              <a:rPr lang="en-US" sz="2800" dirty="0">
-                <a:solidFill>
-                  <a:srgbClr val="000000"/>
-                </a:solidFill>
-                <a:latin typeface="Arial" panose="020B0604020202020204" pitchFamily="34" charset="0"/>
-              </a:rPr>
-              <a:t>Generates elements in their element and polynomial forms</a:t>
-            </a:r>
-          </a:p>
-          <a:p>
-            <a:pPr marL="914400" lvl="1" indent="-457200">
-              <a:spcBef>
-                <a:spcPts val="0"/>
-              </a:spcBef>
-              <a:spcAft>
-                <a:spcPts val="0"/>
-              </a:spcAft>
-              <a:buFont typeface="Wingdings" panose="05000000000000000000" pitchFamily="2" charset="2"/>
-              <a:buChar char="§"/>
-            </a:pPr>
-            <a:r>
-              <a:rPr lang="en-US" sz="2800" dirty="0">
-                <a:solidFill>
-                  <a:srgbClr val="000000"/>
-                </a:solidFill>
-                <a:latin typeface="Arial" panose="020B0604020202020204" pitchFamily="34" charset="0"/>
-              </a:rPr>
-              <a:t>Alerts the user when process is complete</a:t>
-            </a:r>
-          </a:p>
-          <a:p>
-            <a:pPr marL="457200" indent="-457200">
-              <a:spcBef>
-                <a:spcPts val="0"/>
-              </a:spcBef>
-              <a:spcAft>
-                <a:spcPts val="0"/>
-              </a:spcAft>
-              <a:buFont typeface="Wingdings" panose="05000000000000000000" pitchFamily="2" charset="2"/>
-              <a:buChar char="§"/>
-            </a:pPr>
-            <a:r>
-              <a:rPr lang="en-US" sz="2800" b="1" dirty="0">
-                <a:solidFill>
-                  <a:srgbClr val="000000"/>
-                </a:solidFill>
-                <a:latin typeface="Arial" panose="020B0604020202020204" pitchFamily="34" charset="0"/>
-              </a:rPr>
-              <a:t>Operators</a:t>
-            </a:r>
-          </a:p>
-          <a:p>
-            <a:pPr marL="914400" lvl="1" indent="-457200">
-              <a:spcBef>
-                <a:spcPts val="0"/>
-              </a:spcBef>
-              <a:spcAft>
-                <a:spcPts val="0"/>
-              </a:spcAft>
-              <a:buFont typeface="Wingdings" panose="05000000000000000000" pitchFamily="2" charset="2"/>
-              <a:buChar char="§"/>
-            </a:pPr>
-            <a:r>
-              <a:rPr lang="en-US" sz="2800" dirty="0">
-                <a:solidFill>
-                  <a:srgbClr val="000000"/>
-                </a:solidFill>
-                <a:latin typeface="Arial" panose="020B0604020202020204" pitchFamily="34" charset="0"/>
-              </a:rPr>
-              <a:t>Performs addition, subtraction, multiplication, division and logarithm of Galois operands</a:t>
-            </a:r>
-          </a:p>
-          <a:p>
-            <a:pPr marL="914400" lvl="1" indent="-457200">
-              <a:spcBef>
-                <a:spcPts val="0"/>
-              </a:spcBef>
-              <a:spcAft>
-                <a:spcPts val="0"/>
-              </a:spcAft>
-              <a:buFont typeface="Wingdings" panose="05000000000000000000" pitchFamily="2" charset="2"/>
-              <a:buChar char="§"/>
-            </a:pPr>
-            <a:r>
-              <a:rPr lang="en-US" sz="2800" dirty="0">
-                <a:solidFill>
-                  <a:srgbClr val="000000"/>
-                </a:solidFill>
-                <a:latin typeface="Arial" panose="020B0604020202020204" pitchFamily="34" charset="0"/>
-              </a:rPr>
-              <a:t>Checks null errors</a:t>
-            </a:r>
-          </a:p>
-          <a:p>
-            <a:pPr marL="457200" indent="-457200">
-              <a:spcBef>
-                <a:spcPts val="0"/>
-              </a:spcBef>
-              <a:spcAft>
-                <a:spcPts val="0"/>
-              </a:spcAft>
-              <a:buFont typeface="Wingdings" panose="05000000000000000000" pitchFamily="2" charset="2"/>
-              <a:buChar char="§"/>
-            </a:pPr>
-            <a:r>
-              <a:rPr lang="en-US" sz="2800" b="1" dirty="0">
-                <a:solidFill>
-                  <a:srgbClr val="000000"/>
-                </a:solidFill>
-                <a:latin typeface="Arial" panose="020B0604020202020204" pitchFamily="34" charset="0"/>
-              </a:rPr>
-              <a:t>Control unit</a:t>
-            </a:r>
-          </a:p>
-          <a:p>
-            <a:pPr marL="914400" lvl="1" indent="-457200">
-              <a:spcBef>
-                <a:spcPts val="0"/>
-              </a:spcBef>
-              <a:spcAft>
-                <a:spcPts val="0"/>
-              </a:spcAft>
-              <a:buFont typeface="Wingdings" panose="05000000000000000000" pitchFamily="2" charset="2"/>
-              <a:buChar char="§"/>
-            </a:pPr>
-            <a:r>
-              <a:rPr lang="en-US" sz="2800" dirty="0">
-                <a:solidFill>
-                  <a:srgbClr val="000000"/>
-                </a:solidFill>
-                <a:latin typeface="Arial" panose="020B0604020202020204" pitchFamily="34" charset="0"/>
-              </a:rPr>
-              <a:t>Determines operations requested through 6-bit opcode</a:t>
-            </a:r>
-          </a:p>
-          <a:p>
-            <a:pPr marL="914400" lvl="1" indent="-457200">
-              <a:spcBef>
-                <a:spcPts val="0"/>
-              </a:spcBef>
-              <a:spcAft>
-                <a:spcPts val="0"/>
-              </a:spcAft>
-              <a:buFont typeface="Wingdings" panose="05000000000000000000" pitchFamily="2" charset="2"/>
-              <a:buChar char="§"/>
-            </a:pPr>
-            <a:r>
-              <a:rPr lang="en-US" sz="2800" dirty="0">
-                <a:solidFill>
-                  <a:srgbClr val="000000"/>
-                </a:solidFill>
-                <a:latin typeface="Arial" panose="020B0604020202020204" pitchFamily="34" charset="0"/>
-              </a:rPr>
-              <a:t>Converts operands into their counterpart forms if necessary</a:t>
-            </a:r>
-          </a:p>
-          <a:p>
-            <a:pPr marL="914400" lvl="1" indent="-457200">
-              <a:spcBef>
-                <a:spcPts val="0"/>
-              </a:spcBef>
-              <a:spcAft>
-                <a:spcPts val="0"/>
-              </a:spcAft>
-              <a:buFont typeface="Wingdings" panose="05000000000000000000" pitchFamily="2" charset="2"/>
-              <a:buChar char="§"/>
-            </a:pPr>
-            <a:r>
-              <a:rPr lang="en-US" sz="2800" dirty="0">
-                <a:solidFill>
-                  <a:srgbClr val="000000"/>
-                </a:solidFill>
-                <a:latin typeface="Arial" panose="020B0604020202020204" pitchFamily="34" charset="0"/>
-              </a:rPr>
-              <a:t>Checks operand memberships and null operands</a:t>
-            </a:r>
-          </a:p>
-          <a:p>
-            <a:pPr marL="469933" indent="-457200">
-              <a:spcBef>
-                <a:spcPts val="0"/>
-              </a:spcBef>
-              <a:spcAft>
-                <a:spcPts val="0"/>
-              </a:spcAft>
-              <a:buFont typeface="Wingdings" panose="05000000000000000000" pitchFamily="2" charset="2"/>
-              <a:buChar char="§"/>
-            </a:pPr>
-            <a:r>
-              <a:rPr lang="en-US" sz="2800" b="1" dirty="0">
-                <a:latin typeface="Arial" panose="020B0604020202020204" pitchFamily="34" charset="0"/>
-              </a:rPr>
-              <a:t>IO Handler</a:t>
-            </a:r>
-          </a:p>
-          <a:p>
-            <a:pPr marL="914400" lvl="1" indent="-457200">
-              <a:spcBef>
-                <a:spcPts val="0"/>
-              </a:spcBef>
-              <a:spcAft>
-                <a:spcPts val="0"/>
-              </a:spcAft>
-              <a:buFont typeface="Wingdings" panose="05000000000000000000" pitchFamily="2" charset="2"/>
-              <a:buChar char="§"/>
-            </a:pPr>
-            <a:r>
-              <a:rPr lang="en-US" sz="2800" dirty="0">
-                <a:solidFill>
-                  <a:srgbClr val="000000"/>
-                </a:solidFill>
-                <a:latin typeface="Arial" panose="020B0604020202020204" pitchFamily="34" charset="0"/>
-              </a:rPr>
-              <a:t>Handles all communication between GFAU and external device</a:t>
-            </a:r>
-          </a:p>
-          <a:p>
-            <a:pPr marL="914400" lvl="1" indent="-457200">
-              <a:spcBef>
-                <a:spcPts val="0"/>
-              </a:spcBef>
-              <a:spcAft>
-                <a:spcPts val="0"/>
-              </a:spcAft>
-              <a:buFont typeface="Wingdings" panose="05000000000000000000" pitchFamily="2" charset="2"/>
-              <a:buChar char="§"/>
-            </a:pPr>
-            <a:r>
-              <a:rPr lang="en-US" sz="2800" dirty="0" err="1">
-                <a:solidFill>
-                  <a:srgbClr val="000000"/>
-                </a:solidFill>
-                <a:latin typeface="Arial" panose="020B0604020202020204" pitchFamily="34" charset="0"/>
-              </a:rPr>
-              <a:t>Asychronous</a:t>
-            </a:r>
-            <a:r>
-              <a:rPr lang="en-US" sz="2800" dirty="0">
-                <a:solidFill>
-                  <a:srgbClr val="000000"/>
-                </a:solidFill>
-                <a:latin typeface="Arial" panose="020B0604020202020204" pitchFamily="34" charset="0"/>
-              </a:rPr>
-              <a:t> parallel protocol and scalable IO bus make communication fast and flexible</a:t>
-            </a:r>
-          </a:p>
-          <a:p>
-            <a:pPr marL="469933" indent="-457200">
-              <a:spcBef>
-                <a:spcPts val="0"/>
-              </a:spcBef>
-              <a:spcAft>
-                <a:spcPts val="0"/>
-              </a:spcAft>
-              <a:buFont typeface="Wingdings" panose="05000000000000000000" pitchFamily="2" charset="2"/>
-              <a:buChar char="§"/>
-            </a:pPr>
-            <a:r>
-              <a:rPr lang="en-US" sz="2800" b="1" dirty="0">
-                <a:solidFill>
-                  <a:srgbClr val="000000"/>
-                </a:solidFill>
-                <a:latin typeface="Arial" panose="020B0604020202020204" pitchFamily="34" charset="0"/>
-              </a:rPr>
-              <a:t>Memory wrapper</a:t>
-            </a:r>
-          </a:p>
-          <a:p>
-            <a:pPr marL="914400" lvl="1" indent="-457200">
-              <a:spcBef>
-                <a:spcPts val="0"/>
-              </a:spcBef>
-              <a:spcAft>
-                <a:spcPts val="0"/>
-              </a:spcAft>
-              <a:buFont typeface="Wingdings" panose="05000000000000000000" pitchFamily="2" charset="2"/>
-              <a:buChar char="§"/>
-            </a:pPr>
-            <a:r>
-              <a:rPr lang="en-US" sz="2800" dirty="0">
-                <a:solidFill>
-                  <a:srgbClr val="000000"/>
-                </a:solidFill>
-                <a:latin typeface="Arial" panose="020B0604020202020204" pitchFamily="34" charset="0"/>
-              </a:rPr>
-              <a:t>Handle memory read and write requests from the generator, operators and control unit</a:t>
-            </a:r>
+            <a:endParaRPr lang="en-US" sz="2800" dirty="0">
+              <a:solidFill>
+                <a:srgbClr val="000000"/>
+              </a:solidFill>
+              <a:latin typeface="Arial" panose="020B0604020202020204" pitchFamily="34" charset="0"/>
+            </a:endParaRPr>
           </a:p>
         </p:txBody>
       </p:sp>
       <p:pic>
         <p:nvPicPr>
-          <p:cNvPr id="1103" name="Picture 79" descr="https://lh3.googleusercontent.com/vcKJ4m2RWpz7ht6cmrLk6GJ6cd9Dddy8SnNBJphGJEMWSCl_pC0P9DQmjQJigs-dOKwM8-b8fkw-abdLtaE8WJslviv0nvLkL2KkJ01WBiHE_BElomXHrtexV3vYvhfdmZG_i5KD"/>
+          <p:cNvPr id="1108" name="Picture 84" descr="https://lh3.googleusercontent.com/hirWeZPpTW3JSU8t2ZEciFTJecjhN545DjPiLO7AvdCYXt9-Fc3nb0h3tPFPZk_eh36qvLvmiUc-IHuioHspDzrsrwTocV_pih5epDNdE-g44myI_rBU618ZRZt0eCcm7tpfBq5J"/>
           <p:cNvPicPr>
             <a:picLocks noChangeAspect="1" noChangeArrowheads="1"/>
           </p:cNvPicPr>
@@ -12271,8 +11006,8 @@
         </p:blipFill>
         <p:spPr bwMode="auto">
           <a:xfrm>
-            <a:off x="12623075" y="9467599"/>
-            <a:ext cx="10889755" cy="6416224"/>
+            <a:off x="19203069" y="7673558"/>
+            <a:ext cx="4664453" cy="2496364"/>
           </a:xfrm>
           <a:prstGeom prst="rect">
             <a:avLst/>
@@ -12291,100 +11026,6 @@
       </p:pic>
       <p:pic>
         <p:nvPicPr>
-          <p:cNvPr id="1108" name="Picture 84" descr="https://lh3.googleusercontent.com/hirWeZPpTW3JSU8t2ZEciFTJecjhN545DjPiLO7AvdCYXt9-Fc3nb0h3tPFPZk_eh36qvLvmiUc-IHuioHspDzrsrwTocV_pih5epDNdE-g44myI_rBU618ZRZt0eCcm7tpfBq5J"/>
-          <p:cNvPicPr>
-            <a:picLocks noChangeAspect="1" noChangeArrowheads="1"/>
-          </p:cNvPicPr>
-          <p:nvPr/>
-        </p:nvPicPr>
-        <p:blipFill>
-          <a:blip r:embed="rId4" cstate="print">
-            <a:extLst>
-              <a:ext uri="{28A0092B-C50C-407E-A947-70E740481C1C}">
-                <a14:useLocalDpi xmlns:a14="http://schemas.microsoft.com/office/drawing/2010/main" val="0"/>
-              </a:ext>
-            </a:extLst>
-          </a:blip>
-          <a:srcRect/>
-          <a:stretch>
-            <a:fillRect/>
-          </a:stretch>
-        </p:blipFill>
-        <p:spPr bwMode="auto">
-          <a:xfrm>
-            <a:off x="24843698" y="23741757"/>
-            <a:ext cx="3396030" cy="1817517"/>
-          </a:xfrm>
-          <a:prstGeom prst="rect">
-            <a:avLst/>
-          </a:prstGeom>
-          <a:noFill/>
-          <a:extLst>
-            <a:ext uri="{909E8E84-426E-40DD-AFC4-6F175D3DCCD1}">
-              <a14:hiddenFill xmlns:a14="http://schemas.microsoft.com/office/drawing/2010/main">
-                <a:solidFill>
-                  <a:srgbClr val="FFFFFF"/>
-                </a:solidFill>
-              </a14:hiddenFill>
-            </a:ext>
-          </a:extLst>
-        </p:spPr>
-      </p:pic>
-      <p:sp>
-        <p:nvSpPr>
-          <p:cNvPr id="43" name="Rectangle 22"/>
-          <p:cNvSpPr>
-            <a:spLocks noChangeArrowheads="1"/>
-          </p:cNvSpPr>
-          <p:nvPr/>
-        </p:nvSpPr>
-        <p:spPr bwMode="auto">
-          <a:xfrm>
-            <a:off x="24994691" y="11665146"/>
-            <a:ext cx="10116446" cy="601212"/>
-          </a:xfrm>
-          <a:prstGeom prst="rect">
-            <a:avLst/>
-          </a:prstGeom>
-          <a:solidFill>
-            <a:srgbClr val="008D4A"/>
-          </a:solidFill>
-          <a:ln w="76200">
-            <a:noFill/>
-            <a:miter lim="800000"/>
-            <a:headEnd/>
-            <a:tailEnd/>
-          </a:ln>
-          <a:effectLst>
-            <a:outerShdw blurRad="177800" dist="76200" dir="2700000" algn="tl" rotWithShape="0">
-              <a:prstClr val="black">
-                <a:alpha val="50000"/>
-              </a:prstClr>
-            </a:outerShdw>
-          </a:effectLst>
-        </p:spPr>
-        <p:txBody>
-          <a:bodyPr wrap="square" lIns="57149" tIns="23379" rIns="57149" bIns="23379">
-            <a:spAutoFit/>
-          </a:bodyPr>
-          <a:lstStyle/>
-          <a:p>
-            <a:pPr algn="ctr"/>
-            <a:r>
-              <a:rPr lang="en-US" sz="3600" b="1" dirty="0">
-                <a:solidFill>
-                  <a:schemeClr val="bg1"/>
-                </a:solidFill>
-                <a:latin typeface="Ubuntu" panose="020B0504030602030204" pitchFamily="34" charset="0"/>
-                <a:cs typeface="Arial" panose="020B0604020202020204" pitchFamily="34" charset="0"/>
-              </a:rPr>
-              <a:t>Conclusion</a:t>
-            </a:r>
-          </a:p>
-        </p:txBody>
-      </p:sp>
-      <p:pic>
-        <p:nvPicPr>
           <p:cNvPr id="1111" name="Picture 87" descr="https://upload.wikimedia.org/wikipedia/commons/thumb/e/e3/UMBC_COEIT.png/220px-UMBC_COEIT.png"/>
           <p:cNvPicPr>
             <a:picLocks noChangeAspect="1" noChangeArrowheads="1"/>
@@ -12392,7 +11033,7 @@
           <p:nvPr/>
         </p:nvPicPr>
         <p:blipFill>
-          <a:blip r:embed="rId5">
+          <a:blip r:embed="rId4">
             <a:extLst>
               <a:ext uri="{28A0092B-C50C-407E-A947-70E740481C1C}">
                 <a14:useLocalDpi xmlns:a14="http://schemas.microsoft.com/office/drawing/2010/main" val="0"/>
@@ -12454,7 +11095,7 @@
           <p:nvPr/>
         </p:nvPicPr>
         <p:blipFill>
-          <a:blip r:embed="rId6">
+          <a:blip r:embed="rId5">
             <a:extLst>
               <a:ext uri="{28A0092B-C50C-407E-A947-70E740481C1C}">
                 <a14:useLocalDpi xmlns:a14="http://schemas.microsoft.com/office/drawing/2010/main" val="0"/>
@@ -12506,7 +11147,7 @@
         <p:spPr>
           <a:xfrm>
             <a:off x="-38100" y="215112"/>
-            <a:ext cx="36575998" cy="2339102"/>
+            <a:ext cx="36575998" cy="2277547"/>
           </a:xfrm>
           <a:prstGeom prst="rect">
             <a:avLst/>
@@ -12520,22 +11161,25 @@
           <a:p>
             <a:pPr algn="ctr"/>
             <a:r>
-              <a:rPr lang="en-US" sz="4800" b="1" dirty="0">
+              <a:rPr lang="en-US" sz="5200" b="1" dirty="0">
                 <a:solidFill>
                   <a:schemeClr val="bg1"/>
                 </a:solidFill>
                 <a:latin typeface="+mn-lt"/>
                 <a:cs typeface="Times New Roman" panose="02020603050405020304" pitchFamily="18" charset="0"/>
               </a:rPr>
-              <a:t>Galois Field Arithmetic Unit (GFAU)</a:t>
-            </a:r>
-            <a:endParaRPr lang="en-US" sz="1000" b="1" dirty="0">
-              <a:solidFill>
-                <a:schemeClr val="bg1"/>
-              </a:solidFill>
-              <a:latin typeface="+mn-lt"/>
-              <a:cs typeface="Times New Roman" panose="02020603050405020304" pitchFamily="18" charset="0"/>
-            </a:endParaRPr>
+              <a:t>Galois Field Arithmetic Unit (GFAU</a:t>
+            </a:r>
+            <a:r>
+              <a:rPr lang="en-US" sz="5200" b="1" dirty="0" smtClean="0">
+                <a:solidFill>
+                  <a:schemeClr val="bg1"/>
+                </a:solidFill>
+                <a:latin typeface="+mn-lt"/>
+                <a:cs typeface="Times New Roman" panose="02020603050405020304" pitchFamily="18" charset="0"/>
+              </a:rPr>
+              <a:t>)</a:t>
+            </a:r>
           </a:p>
           <a:p>
             <a:pPr algn="ctr"/>
@@ -12547,9 +11191,19 @@
                 <a:latin typeface="+mn-lt"/>
                 <a:cs typeface="Times New Roman" panose="02020603050405020304" pitchFamily="18" charset="0"/>
               </a:rPr>
-              <a:t>   </a:t>
-            </a:r>
-            <a:endParaRPr lang="en-US" sz="4600" dirty="0">
+              <a:t> </a:t>
+            </a:r>
+            <a:r>
+              <a:rPr lang="en-US" sz="1000" b="1" dirty="0" smtClean="0">
+                <a:solidFill>
+                  <a:schemeClr val="bg1"/>
+                </a:solidFill>
+                <a:latin typeface="+mn-lt"/>
+                <a:cs typeface="Times New Roman" panose="02020603050405020304" pitchFamily="18" charset="0"/>
+              </a:rPr>
+              <a:t>  </a:t>
+            </a:r>
+            <a:endParaRPr lang="en-US" sz="4600" dirty="0" smtClean="0">
               <a:solidFill>
                 <a:schemeClr val="bg1"/>
               </a:solidFill>
@@ -12560,7 +11214,7 @@
           <a:p>
             <a:pPr algn="ctr"/>
             <a:r>
-              <a:rPr lang="en-US" sz="4600" dirty="0" err="1">
+              <a:rPr lang="en-US" sz="4000" b="1" dirty="0" err="1" smtClean="0">
                 <a:solidFill>
                   <a:schemeClr val="bg1"/>
                 </a:solidFill>
@@ -12570,17 +11224,27 @@
               <a:t>Sabbir</a:t>
             </a:r>
             <a:r>
-              <a:rPr lang="en-US" sz="4600" dirty="0">
+              <a:rPr lang="en-US" sz="4000" b="1" dirty="0" smtClean="0">
                 <a:solidFill>
                   <a:schemeClr val="bg1"/>
                 </a:solidFill>
                 <a:latin typeface="+mn-lt"/>
                 <a:cs typeface="Times New Roman" panose="02020603050405020304" pitchFamily="18" charset="0"/>
               </a:rPr>
-              <a:t> Ahmed, Jeffrey </a:t>
-            </a:r>
-            <a:r>
-              <a:rPr lang="en-US" sz="4600" dirty="0" err="1">
+              <a:t> </a:t>
+            </a:r>
+            <a:r>
+              <a:rPr lang="en-US" sz="4000" b="1" dirty="0">
+                <a:solidFill>
+                  <a:schemeClr val="bg1"/>
+                </a:solidFill>
+                <a:latin typeface="+mn-lt"/>
+                <a:cs typeface="Times New Roman" panose="02020603050405020304" pitchFamily="18" charset="0"/>
+              </a:rPr>
+              <a:t>Ahmed, Jeffrey </a:t>
+            </a:r>
+            <a:r>
+              <a:rPr lang="en-US" sz="4000" b="1" dirty="0" err="1">
                 <a:solidFill>
                   <a:schemeClr val="bg1"/>
                 </a:solidFill>
@@ -12590,7 +11254,7 @@
               <a:t>Osazuwa</a:t>
             </a:r>
             <a:r>
-              <a:rPr lang="en-US" sz="4600" dirty="0">
+              <a:rPr lang="en-US" sz="4000" b="1" dirty="0">
                 <a:solidFill>
                   <a:schemeClr val="bg1"/>
                 </a:solidFill>
@@ -12600,7 +11264,7 @@
               <a:t>, Howard To, Brian Weber, Dr. E.F. Charles </a:t>
             </a:r>
             <a:r>
-              <a:rPr lang="en-US" sz="4600" dirty="0" err="1">
+              <a:rPr lang="en-US" sz="4000" b="1" dirty="0" err="1">
                 <a:solidFill>
                   <a:schemeClr val="bg1"/>
                 </a:solidFill>
@@ -12609,7 +11273,7 @@
               </a:rPr>
               <a:t>LaBerge</a:t>
             </a:r>
-            <a:endParaRPr lang="en-US" sz="4600" dirty="0">
+            <a:endParaRPr lang="en-US" sz="4000" b="1" dirty="0">
               <a:solidFill>
                 <a:schemeClr val="bg1"/>
               </a:solidFill>
@@ -12620,15 +11284,52 @@
           <a:p>
             <a:pPr algn="ctr"/>
             <a:r>
-              <a:rPr lang="en-US" sz="4200" dirty="0">
+              <a:rPr lang="en-US" sz="4000" dirty="0">
                 <a:solidFill>
                   <a:schemeClr val="bg1"/>
                 </a:solidFill>
                 <a:latin typeface="+mj-lt"/>
                 <a:cs typeface="Times New Roman" panose="02020603050405020304" pitchFamily="18" charset="0"/>
               </a:rPr>
-              <a:t>Department of Computer Science and Electrical Engineering, University of Maryland, Baltimore County</a:t>
-            </a:r>
+              <a:t>Department of Computer Science and Electrical Engineering, </a:t>
+            </a:r>
+            <a:r>
+              <a:rPr lang="en-US" sz="4000" dirty="0" smtClean="0">
+                <a:solidFill>
+                  <a:schemeClr val="bg1"/>
+                </a:solidFill>
+                <a:latin typeface="+mj-lt"/>
+                <a:cs typeface="Times New Roman" panose="02020603050405020304" pitchFamily="18" charset="0"/>
+              </a:rPr>
+              <a:t>University </a:t>
+            </a:r>
+            <a:r>
+              <a:rPr lang="en-US" sz="4000" dirty="0">
+                <a:solidFill>
+                  <a:schemeClr val="bg1"/>
+                </a:solidFill>
+                <a:latin typeface="+mj-lt"/>
+                <a:cs typeface="Times New Roman" panose="02020603050405020304" pitchFamily="18" charset="0"/>
+              </a:rPr>
+              <a:t>of Maryland, Baltimore </a:t>
+            </a:r>
+            <a:r>
+              <a:rPr lang="en-US" sz="4000" dirty="0" smtClean="0">
+                <a:solidFill>
+                  <a:schemeClr val="bg1"/>
+                </a:solidFill>
+                <a:latin typeface="+mj-lt"/>
+                <a:cs typeface="Times New Roman" panose="02020603050405020304" pitchFamily="18" charset="0"/>
+              </a:rPr>
+              <a:t>County</a:t>
+            </a:r>
+            <a:endParaRPr lang="en-US" sz="4000" dirty="0">
+              <a:solidFill>
+                <a:schemeClr val="bg1"/>
+              </a:solidFill>
+              <a:latin typeface="+mj-lt"/>
+              <a:cs typeface="Times New Roman" panose="02020603050405020304" pitchFamily="18" charset="0"/>
+            </a:endParaRPr>
           </a:p>
         </p:txBody>
       </p:sp>
@@ -12640,10 +11341,10 @@
         </p:nvGrpSpPr>
         <p:grpSpPr>
           <a:xfrm>
-            <a:off x="1353527" y="14562386"/>
-            <a:ext cx="9545903" cy="1377276"/>
-            <a:chOff x="1353527" y="14562386"/>
-            <a:chExt cx="9545903" cy="1377276"/>
+            <a:off x="7392619" y="7679261"/>
+            <a:ext cx="3376082" cy="4086730"/>
+            <a:chOff x="6856244" y="9207972"/>
+            <a:chExt cx="3648817" cy="4519362"/>
           </a:xfrm>
         </p:grpSpPr>
         <p:sp>
@@ -12654,8 +11355,8 @@
           </p:nvSpPr>
           <p:spPr bwMode="auto">
             <a:xfrm>
-              <a:off x="1353527" y="14562386"/>
-              <a:ext cx="9545903" cy="1377276"/>
+              <a:off x="6856244" y="9207972"/>
+              <a:ext cx="3648817" cy="4519362"/>
             </a:xfrm>
             <a:prstGeom prst="roundRect">
               <a:avLst/>
@@ -12696,7 +11397,7 @@
                 <a:buNone/>
                 <a:tabLst/>
               </a:pPr>
-              <a:endParaRPr kumimoji="0" lang="en-US" sz="7500" b="0" i="0" u="none" strike="noStrike" cap="none" normalizeH="0" baseline="0">
+              <a:endParaRPr kumimoji="0" lang="en-US" sz="7500" b="0" i="0" u="none" strike="noStrike" cap="none" normalizeH="0" baseline="0" smtClean="0">
                 <a:ln>
                   <a:noFill/>
                 </a:ln>
@@ -12718,7 +11419,7 @@
             <p:nvPr/>
           </p:nvPicPr>
           <p:blipFill>
-            <a:blip r:embed="rId7">
+            <a:blip r:embed="rId6">
               <a:extLst>
                 <a:ext uri="{28A0092B-C50C-407E-A947-70E740481C1C}">
                   <a14:useLocalDpi xmlns:a14="http://schemas.microsoft.com/office/drawing/2010/main" val="0"/>
@@ -12732,7 +11433,7 @@
           </p:blipFill>
           <p:spPr bwMode="auto">
             <a:xfrm>
-              <a:off x="1840229" y="14749306"/>
+              <a:off x="7806043" y="9321325"/>
               <a:ext cx="2124075" cy="381000"/>
             </a:xfrm>
             <a:prstGeom prst="rect">
@@ -12759,7 +11460,7 @@
             <p:nvPr/>
           </p:nvPicPr>
           <p:blipFill>
-            <a:blip r:embed="rId8">
+            <a:blip r:embed="rId7">
               <a:extLst>
                 <a:ext uri="{28A0092B-C50C-407E-A947-70E740481C1C}">
                   <a14:useLocalDpi xmlns:a14="http://schemas.microsoft.com/office/drawing/2010/main" val="0"/>
@@ -12773,7 +11474,7 @@
           </p:blipFill>
           <p:spPr bwMode="auto">
             <a:xfrm>
-              <a:off x="1840229" y="15391524"/>
+              <a:off x="7729842" y="10082084"/>
               <a:ext cx="2085975" cy="352425"/>
             </a:xfrm>
             <a:prstGeom prst="rect">
@@ -12800,7 +11501,7 @@
             <p:nvPr/>
           </p:nvPicPr>
           <p:blipFill>
-            <a:blip r:embed="rId9">
+            <a:blip r:embed="rId8">
               <a:extLst>
                 <a:ext uri="{28A0092B-C50C-407E-A947-70E740481C1C}">
                   <a14:useLocalDpi xmlns:a14="http://schemas.microsoft.com/office/drawing/2010/main" val="0"/>
@@ -12814,7 +11515,7 @@
           </p:blipFill>
           <p:spPr bwMode="auto">
             <a:xfrm>
-              <a:off x="4825184" y="14744841"/>
+              <a:off x="7638636" y="10851119"/>
               <a:ext cx="2333625" cy="381000"/>
             </a:xfrm>
             <a:prstGeom prst="rect">
@@ -12841,7 +11542,7 @@
             <p:nvPr/>
           </p:nvPicPr>
           <p:blipFill>
-            <a:blip r:embed="rId10">
+            <a:blip r:embed="rId9">
               <a:extLst>
                 <a:ext uri="{28A0092B-C50C-407E-A947-70E740481C1C}">
                   <a14:useLocalDpi xmlns:a14="http://schemas.microsoft.com/office/drawing/2010/main" val="0"/>
@@ -12855,7 +11556,7 @@
           </p:blipFill>
           <p:spPr bwMode="auto">
             <a:xfrm>
-              <a:off x="8019689" y="14744841"/>
+              <a:off x="7536586" y="12380912"/>
               <a:ext cx="2314575" cy="381000"/>
             </a:xfrm>
             <a:prstGeom prst="rect">
@@ -12882,7 +11583,7 @@
             <p:nvPr/>
           </p:nvPicPr>
           <p:blipFill>
-            <a:blip r:embed="rId11">
+            <a:blip r:embed="rId10">
               <a:extLst>
                 <a:ext uri="{28A0092B-C50C-407E-A947-70E740481C1C}">
                   <a14:useLocalDpi xmlns:a14="http://schemas.microsoft.com/office/drawing/2010/main" val="0"/>
@@ -12896,7 +11597,7 @@
           </p:blipFill>
           <p:spPr bwMode="auto">
             <a:xfrm>
-              <a:off x="4825185" y="15375487"/>
+              <a:off x="7596493" y="11612479"/>
               <a:ext cx="2333625" cy="390525"/>
             </a:xfrm>
             <a:prstGeom prst="rect">
@@ -12923,7 +11624,7 @@
             <p:nvPr/>
           </p:nvPicPr>
           <p:blipFill>
-            <a:blip r:embed="rId12">
+            <a:blip r:embed="rId11">
               <a:extLst>
                 <a:ext uri="{28A0092B-C50C-407E-A947-70E740481C1C}">
                   <a14:useLocalDpi xmlns:a14="http://schemas.microsoft.com/office/drawing/2010/main" val="0"/>
@@ -12937,7 +11638,7 @@
           </p:blipFill>
           <p:spPr bwMode="auto">
             <a:xfrm>
-              <a:off x="8063219" y="15351486"/>
+              <a:off x="7925726" y="13135101"/>
               <a:ext cx="1657350" cy="390525"/>
             </a:xfrm>
             <a:prstGeom prst="rect">
@@ -12965,7 +11666,7 @@
           <p:nvPr/>
         </p:nvPicPr>
         <p:blipFill>
-          <a:blip r:embed="rId13">
+          <a:blip r:embed="rId12">
             <a:extLst>
               <a:ext uri="{28A0092B-C50C-407E-A947-70E740481C1C}">
                 <a14:useLocalDpi xmlns:a14="http://schemas.microsoft.com/office/drawing/2010/main" val="0"/>
@@ -12979,7 +11680,7 @@
         </p:blipFill>
         <p:spPr bwMode="auto">
           <a:xfrm>
-            <a:off x="12932145" y="4446546"/>
+            <a:off x="664638" y="21820822"/>
             <a:ext cx="10902521" cy="3858578"/>
           </a:xfrm>
           <a:prstGeom prst="rect">
@@ -12997,11 +11698,359 @@
           </a:extLst>
         </p:spPr>
       </p:pic>
+      <p:sp>
+        <p:nvSpPr>
+          <p:cNvPr id="33" name="Rectangle 22"/>
+          <p:cNvSpPr>
+            <a:spLocks noChangeArrowheads="1"/>
+          </p:cNvSpPr>
+          <p:nvPr/>
+        </p:nvSpPr>
+        <p:spPr bwMode="auto">
+          <a:xfrm>
+            <a:off x="25172351" y="3200399"/>
+            <a:ext cx="10698480" cy="601212"/>
+          </a:xfrm>
+          <a:prstGeom prst="rect">
+            <a:avLst/>
+          </a:prstGeom>
+          <a:solidFill>
+            <a:srgbClr val="008D4A"/>
+          </a:solidFill>
+          <a:ln w="76200">
+            <a:noFill/>
+            <a:miter lim="800000"/>
+            <a:headEnd/>
+            <a:tailEnd/>
+          </a:ln>
+          <a:effectLst/>
+        </p:spPr>
+        <p:txBody>
+          <a:bodyPr wrap="square" lIns="57149" tIns="23379" rIns="57149" bIns="23379">
+            <a:spAutoFit/>
+          </a:bodyPr>
+          <a:lstStyle/>
+          <a:p>
+            <a:pPr algn="ctr"/>
+            <a:endParaRPr lang="en-US" sz="3600" b="1" dirty="0">
+              <a:solidFill>
+                <a:schemeClr val="bg1"/>
+              </a:solidFill>
+              <a:latin typeface="+mj-lt"/>
+              <a:cs typeface="Arial" panose="020B0604020202020204" pitchFamily="34" charset="0"/>
+            </a:endParaRPr>
+          </a:p>
+        </p:txBody>
+      </p:sp>
+      <p:sp>
+        <p:nvSpPr>
+          <p:cNvPr id="37" name="Rectangle 22"/>
+          <p:cNvSpPr>
+            <a:spLocks noChangeArrowheads="1"/>
+          </p:cNvSpPr>
+          <p:nvPr/>
+        </p:nvSpPr>
+        <p:spPr bwMode="auto">
+          <a:xfrm>
+            <a:off x="25172351" y="8005736"/>
+            <a:ext cx="10698480" cy="601212"/>
+          </a:xfrm>
+          <a:prstGeom prst="rect">
+            <a:avLst/>
+          </a:prstGeom>
+          <a:solidFill>
+            <a:srgbClr val="008D4A"/>
+          </a:solidFill>
+          <a:ln w="76200">
+            <a:noFill/>
+            <a:miter lim="800000"/>
+            <a:headEnd/>
+            <a:tailEnd/>
+          </a:ln>
+          <a:effectLst/>
+        </p:spPr>
+        <p:txBody>
+          <a:bodyPr wrap="square" lIns="57149" tIns="23379" rIns="57149" bIns="23379">
+            <a:spAutoFit/>
+          </a:bodyPr>
+          <a:lstStyle/>
+          <a:p>
+            <a:pPr algn="ctr"/>
+            <a:endParaRPr lang="en-US" sz="3600" b="1" dirty="0">
+              <a:solidFill>
+                <a:schemeClr val="bg1"/>
+              </a:solidFill>
+              <a:latin typeface="+mj-lt"/>
+              <a:cs typeface="Arial" panose="020B0604020202020204" pitchFamily="34" charset="0"/>
+            </a:endParaRPr>
+          </a:p>
+        </p:txBody>
+      </p:sp>
+      <p:sp>
+        <p:nvSpPr>
+          <p:cNvPr id="5" name="Rectangle 4"/>
+          <p:cNvSpPr/>
+          <p:nvPr/>
+        </p:nvSpPr>
+        <p:spPr bwMode="auto">
+          <a:xfrm>
+            <a:off x="11914503" y="26974799"/>
+            <a:ext cx="24026522" cy="494607"/>
+          </a:xfrm>
+          <a:prstGeom prst="rect">
+            <a:avLst/>
+          </a:prstGeom>
+          <a:solidFill>
+            <a:srgbClr val="0B9444"/>
+          </a:solidFill>
+          <a:ln w="9525" cap="flat" cmpd="sng" algn="ctr">
+            <a:noFill/>
+            <a:prstDash val="solid"/>
+            <a:round/>
+            <a:headEnd type="none" w="med" len="med"/>
+            <a:tailEnd type="none" w="med" len="med"/>
+          </a:ln>
+          <a:effectLst/>
+        </p:spPr>
+        <p:txBody>
+          <a:bodyPr vert="horz" wrap="square" lIns="91440" tIns="45720" rIns="91440" bIns="45720" numCol="1" rtlCol="0" anchor="t" anchorCtr="0" compatLnSpc="1">
+            <a:prstTxWarp prst="textNoShape">
+              <a:avLst/>
+            </a:prstTxWarp>
+          </a:bodyPr>
+          <a:lstStyle/>
+          <a:p>
+            <a:pPr marL="0" marR="0" indent="0" algn="ctr" defTabSz="3760788" rtl="0" eaLnBrk="1" fontAlgn="base" latinLnBrk="0" hangingPunct="1">
+              <a:lnSpc>
+                <a:spcPct val="100000"/>
+              </a:lnSpc>
+              <a:spcBef>
+                <a:spcPct val="0"/>
+              </a:spcBef>
+              <a:spcAft>
+                <a:spcPct val="0"/>
+              </a:spcAft>
+              <a:buClrTx/>
+              <a:buSzTx/>
+              <a:buFontTx/>
+              <a:buNone/>
+              <a:tabLst/>
+            </a:pPr>
+            <a:r>
+              <a:rPr kumimoji="0" lang="en-US" sz="2800" b="1" i="0" u="none" strike="noStrike" cap="none" normalizeH="0" baseline="0" dirty="0" smtClean="0">
+                <a:ln>
+                  <a:noFill/>
+                </a:ln>
+                <a:solidFill>
+                  <a:schemeClr val="bg1"/>
+                </a:solidFill>
+                <a:effectLst/>
+                <a:latin typeface="+mj-lt"/>
+              </a:rPr>
+              <a:t>Figure</a:t>
+            </a:r>
+            <a:r>
+              <a:rPr kumimoji="0" lang="en-US" sz="2800" b="1" i="0" u="none" strike="noStrike" cap="none" normalizeH="0" dirty="0" smtClean="0">
+                <a:ln>
+                  <a:noFill/>
+                </a:ln>
+                <a:solidFill>
+                  <a:schemeClr val="bg1"/>
+                </a:solidFill>
+                <a:effectLst/>
+                <a:latin typeface="+mj-lt"/>
+              </a:rPr>
+              <a:t> x: </a:t>
+            </a:r>
+            <a:r>
+              <a:rPr kumimoji="0" lang="en-US" sz="2800" b="0" i="0" u="none" strike="noStrike" cap="none" normalizeH="0" dirty="0" smtClean="0">
+                <a:ln>
+                  <a:noFill/>
+                </a:ln>
+                <a:solidFill>
+                  <a:schemeClr val="bg1"/>
+                </a:solidFill>
+                <a:effectLst/>
+                <a:latin typeface="+mj-lt"/>
+              </a:rPr>
+              <a:t>GFAU Block Schematic</a:t>
+            </a:r>
+            <a:endParaRPr kumimoji="0" lang="en-US" sz="2800" b="0" i="0" u="none" strike="noStrike" cap="none" normalizeH="0" baseline="0" dirty="0" smtClean="0">
+              <a:ln>
+                <a:noFill/>
+              </a:ln>
+              <a:solidFill>
+                <a:schemeClr val="bg1"/>
+              </a:solidFill>
+              <a:effectLst/>
+              <a:latin typeface="+mj-lt"/>
+            </a:endParaRPr>
+          </a:p>
+        </p:txBody>
+      </p:sp>
+      <p:pic>
+        <p:nvPicPr>
+          <p:cNvPr id="9" name="Picture 8"/>
+          <p:cNvPicPr>
+            <a:picLocks noChangeAspect="1"/>
+          </p:cNvPicPr>
+          <p:nvPr/>
+        </p:nvPicPr>
+        <p:blipFill>
+          <a:blip r:embed="rId13">
+            <a:extLst>
+              <a:ext uri="{28A0092B-C50C-407E-A947-70E740481C1C}">
+                <a14:useLocalDpi xmlns:a14="http://schemas.microsoft.com/office/drawing/2010/main" val="0"/>
+              </a:ext>
+            </a:extLst>
+          </a:blip>
+          <a:stretch>
+            <a:fillRect/>
+          </a:stretch>
+        </p:blipFill>
+        <p:spPr>
+          <a:xfrm>
+            <a:off x="11914503" y="14325600"/>
+            <a:ext cx="23642945" cy="12328469"/>
+          </a:xfrm>
+          <a:prstGeom prst="rect">
+            <a:avLst/>
+          </a:prstGeom>
+        </p:spPr>
+      </p:pic>
+      <p:sp>
+        <p:nvSpPr>
+          <p:cNvPr id="38" name="Rectangle 37"/>
+          <p:cNvSpPr/>
+          <p:nvPr/>
+        </p:nvSpPr>
+        <p:spPr>
+          <a:xfrm flipH="1">
+            <a:off x="25344120" y="3200399"/>
+            <a:ext cx="10354942" cy="10160959"/>
+          </a:xfrm>
+          <a:prstGeom prst="rect">
+            <a:avLst/>
+          </a:prstGeom>
+          <a:noFill/>
+          <a:ln w="76200">
+            <a:noFill/>
+          </a:ln>
+          <a:effectLst/>
+        </p:spPr>
+        <p:style>
+          <a:lnRef idx="2">
+            <a:schemeClr val="accent6"/>
+          </a:lnRef>
+          <a:fillRef idx="1">
+            <a:schemeClr val="lt1"/>
+          </a:fillRef>
+          <a:effectRef idx="0">
+            <a:schemeClr val="accent6"/>
+          </a:effectRef>
+          <a:fontRef idx="minor">
+            <a:schemeClr val="dk1"/>
+          </a:fontRef>
+        </p:style>
+        <p:txBody>
+          <a:bodyPr rtlCol="0" anchor="t"/>
+          <a:lstStyle/>
+          <a:p>
+            <a:pPr algn="ctr"/>
+            <a:r>
+              <a:rPr lang="en-US" sz="3200" b="1" dirty="0" smtClean="0">
+                <a:solidFill>
+                  <a:schemeClr val="bg1"/>
+                </a:solidFill>
+              </a:rPr>
+              <a:t>Results</a:t>
+            </a:r>
+            <a:endParaRPr lang="en-US" sz="1000" b="1" dirty="0">
+              <a:solidFill>
+                <a:schemeClr val="bg1"/>
+              </a:solidFill>
+              <a:cs typeface="Arial" panose="020B0604020202020204" pitchFamily="34" charset="0"/>
+            </a:endParaRPr>
+          </a:p>
+          <a:p>
+            <a:pPr algn="ctr"/>
+            <a:endParaRPr lang="en-US" sz="2800" dirty="0" smtClean="0"/>
+          </a:p>
+          <a:p>
+            <a:pPr algn="ctr"/>
+            <a:endParaRPr lang="en-US" sz="2800" dirty="0"/>
+          </a:p>
+          <a:p>
+            <a:pPr algn="ctr"/>
+            <a:endParaRPr lang="en-US" sz="2800" dirty="0" smtClean="0"/>
+          </a:p>
+          <a:p>
+            <a:pPr algn="ctr"/>
+            <a:endParaRPr lang="en-US" sz="2800" dirty="0"/>
+          </a:p>
+          <a:p>
+            <a:pPr algn="ctr"/>
+            <a:endParaRPr lang="en-US" sz="2800" dirty="0" smtClean="0"/>
+          </a:p>
+          <a:p>
+            <a:pPr algn="ctr"/>
+            <a:endParaRPr lang="en-US" sz="2800" dirty="0"/>
+          </a:p>
+          <a:p>
+            <a:pPr algn="ctr"/>
+            <a:endParaRPr lang="en-US" sz="2800" dirty="0" smtClean="0"/>
+          </a:p>
+          <a:p>
+            <a:pPr algn="ctr"/>
+            <a:endParaRPr lang="en-US" sz="2800" dirty="0"/>
+          </a:p>
+          <a:p>
+            <a:pPr algn="ctr"/>
+            <a:endParaRPr lang="en-US" sz="2800" dirty="0" smtClean="0"/>
+          </a:p>
+          <a:p>
+            <a:pPr algn="ctr"/>
+            <a:endParaRPr lang="en-US" sz="3200" b="1" dirty="0">
+              <a:solidFill>
+                <a:schemeClr val="bg1"/>
+              </a:solidFill>
+            </a:endParaRPr>
+          </a:p>
+          <a:p>
+            <a:pPr algn="ctr"/>
+            <a:r>
+              <a:rPr lang="en-US" sz="3200" b="1" dirty="0" smtClean="0">
+                <a:solidFill>
+                  <a:schemeClr val="bg1"/>
+                </a:solidFill>
+              </a:rPr>
+              <a:t>Conclusions</a:t>
+            </a:r>
+            <a:endParaRPr lang="en-US" sz="3200" b="1" dirty="0">
+              <a:solidFill>
+                <a:schemeClr val="bg1"/>
+              </a:solidFill>
+              <a:cs typeface="Arial" panose="020B0604020202020204" pitchFamily="34" charset="0"/>
+            </a:endParaRPr>
+          </a:p>
+          <a:p>
+            <a:pPr algn="ctr"/>
+            <a:endParaRPr lang="en-US" sz="2800" dirty="0" smtClean="0"/>
+          </a:p>
+        </p:txBody>
+      </p:sp>
     </p:spTree>
   </p:cSld>
   <p:clrMapOvr>
     <a:masterClrMapping/>
   </p:clrMapOvr>
+  <p:timing>
+    <p:tnLst>
+      <p:par>
+        <p:cTn id="1" dur="indefinite" restart="never" nodeType="tmRoot"/>
+      </p:par>
+    </p:tnLst>
+  </p:timing>
 </p:sld>
 </file>
 

--- a/docs/urcad/poster.pptx
+++ b/docs/urcad/poster.pptx
@@ -595,35 +595,35 @@
           <a:p>
             <a:pPr lvl="0"/>
             <a:r>
-              <a:rPr lang="en-US" noProof="0" smtClean="0"/>
+              <a:rPr lang="en-US" noProof="0"/>
               <a:t>Click to edit Master text styles</a:t>
             </a:r>
           </a:p>
           <a:p>
             <a:pPr lvl="1"/>
             <a:r>
-              <a:rPr lang="en-US" noProof="0" smtClean="0"/>
+              <a:rPr lang="en-US" noProof="0"/>
               <a:t>Second level</a:t>
             </a:r>
           </a:p>
           <a:p>
             <a:pPr lvl="2"/>
             <a:r>
-              <a:rPr lang="en-US" noProof="0" smtClean="0"/>
+              <a:rPr lang="en-US" noProof="0"/>
               <a:t>Third level</a:t>
             </a:r>
           </a:p>
           <a:p>
             <a:pPr lvl="3"/>
             <a:r>
-              <a:rPr lang="en-US" noProof="0" smtClean="0"/>
+              <a:rPr lang="en-US" noProof="0"/>
               <a:t>Fourth level</a:t>
             </a:r>
           </a:p>
           <a:p>
             <a:pPr lvl="4"/>
             <a:r>
-              <a:rPr lang="en-US" noProof="0" smtClean="0"/>
+              <a:rPr lang="en-US" noProof="0"/>
               <a:t>Fifth level</a:t>
             </a:r>
           </a:p>
@@ -1034,7 +1034,7 @@
               <a:pPr eaLnBrk="1" hangingPunct="1"/>
               <a:t>1</a:t>
             </a:fld>
-            <a:endParaRPr lang="en-US" sz="1200" smtClean="0">
+            <a:endParaRPr lang="en-US" sz="1200">
               <a:latin typeface="Arial" charset="0"/>
             </a:endParaRPr>
           </a:p>
@@ -1096,7 +1096,7 @@
           <a:lstStyle/>
           <a:p>
             <a:pPr eaLnBrk="1" hangingPunct="1"/>
-            <a:endParaRPr lang="en-US" smtClean="0"/>
+            <a:endParaRPr lang="en-US"/>
           </a:p>
         </p:txBody>
       </p:sp>
@@ -1191,10 +1191,9 @@
           </a:lstStyle>
           <a:p>
             <a:r>
-              <a:rPr lang="en-US" smtClean="0"/>
+              <a:rPr lang="en-US"/>
               <a:t>Click to edit Master subtitle style</a:t>
             </a:r>
-            <a:endParaRPr lang="en-US"/>
           </a:p>
         </p:txBody>
       </p:sp>
@@ -1320,13 +1319,6 @@
   <p:clrMapOvr>
     <a:masterClrMapping/>
   </p:clrMapOvr>
-  <p:timing>
-    <p:tnLst>
-      <p:par>
-        <p:cTn id="1" dur="indefinite" restart="never" nodeType="tmRoot"/>
-      </p:par>
-    </p:tnLst>
-  </p:timing>
 </p:sldLayout>
 </file>
 
@@ -1371,10 +1363,9 @@
           <a:lstStyle/>
           <a:p>
             <a:r>
-              <a:rPr lang="en-US" smtClean="0"/>
+              <a:rPr lang="en-US"/>
               <a:t>Click to edit Master title style</a:t>
             </a:r>
-            <a:endParaRPr lang="en-US"/>
           </a:p>
         </p:txBody>
       </p:sp>
@@ -1403,38 +1394,37 @@
           <a:p>
             <a:pPr lvl="0"/>
             <a:r>
-              <a:rPr lang="en-US" smtClean="0"/>
+              <a:rPr lang="en-US"/>
               <a:t>Click to edit Master text styles</a:t>
             </a:r>
           </a:p>
           <a:p>
             <a:pPr lvl="1"/>
             <a:r>
-              <a:rPr lang="en-US" smtClean="0"/>
+              <a:rPr lang="en-US"/>
               <a:t>Second level</a:t>
             </a:r>
           </a:p>
           <a:p>
             <a:pPr lvl="2"/>
             <a:r>
-              <a:rPr lang="en-US" smtClean="0"/>
+              <a:rPr lang="en-US"/>
               <a:t>Third level</a:t>
             </a:r>
           </a:p>
           <a:p>
             <a:pPr lvl="3"/>
             <a:r>
-              <a:rPr lang="en-US" smtClean="0"/>
+              <a:rPr lang="en-US"/>
               <a:t>Fourth level</a:t>
             </a:r>
           </a:p>
           <a:p>
             <a:pPr lvl="4"/>
             <a:r>
-              <a:rPr lang="en-US" smtClean="0"/>
+              <a:rPr lang="en-US"/>
               <a:t>Fifth level</a:t>
             </a:r>
-            <a:endParaRPr lang="en-US"/>
           </a:p>
         </p:txBody>
       </p:sp>
@@ -1604,10 +1594,9 @@
           <a:lstStyle/>
           <a:p>
             <a:r>
-              <a:rPr lang="en-US" smtClean="0"/>
+              <a:rPr lang="en-US"/>
               <a:t>Click to edit Master title style</a:t>
             </a:r>
-            <a:endParaRPr lang="en-US"/>
           </a:p>
         </p:txBody>
       </p:sp>
@@ -1636,38 +1625,37 @@
           <a:p>
             <a:pPr lvl="0"/>
             <a:r>
-              <a:rPr lang="en-US" smtClean="0"/>
+              <a:rPr lang="en-US"/>
               <a:t>Click to edit Master text styles</a:t>
             </a:r>
           </a:p>
           <a:p>
             <a:pPr lvl="1"/>
             <a:r>
-              <a:rPr lang="en-US" smtClean="0"/>
+              <a:rPr lang="en-US"/>
               <a:t>Second level</a:t>
             </a:r>
           </a:p>
           <a:p>
             <a:pPr lvl="2"/>
             <a:r>
-              <a:rPr lang="en-US" smtClean="0"/>
+              <a:rPr lang="en-US"/>
               <a:t>Third level</a:t>
             </a:r>
           </a:p>
           <a:p>
             <a:pPr lvl="3"/>
             <a:r>
-              <a:rPr lang="en-US" smtClean="0"/>
+              <a:rPr lang="en-US"/>
               <a:t>Fourth level</a:t>
             </a:r>
           </a:p>
           <a:p>
             <a:pPr lvl="4"/>
             <a:r>
-              <a:rPr lang="en-US" smtClean="0"/>
+              <a:rPr lang="en-US"/>
               <a:t>Fifth level</a:t>
             </a:r>
-            <a:endParaRPr lang="en-US"/>
           </a:p>
         </p:txBody>
       </p:sp>
@@ -1793,13 +1781,6 @@
   <p:clrMapOvr>
     <a:masterClrMapping/>
   </p:clrMapOvr>
-  <p:timing>
-    <p:tnLst>
-      <p:par>
-        <p:cTn id="1" dur="indefinite" restart="never" nodeType="tmRoot"/>
-      </p:par>
-    </p:tnLst>
-  </p:timing>
 </p:sldLayout>
 </file>
 
@@ -1844,10 +1825,9 @@
           <a:lstStyle/>
           <a:p>
             <a:r>
-              <a:rPr lang="en-US" smtClean="0"/>
+              <a:rPr lang="en-US"/>
               <a:t>Click to edit Master title style</a:t>
             </a:r>
-            <a:endParaRPr lang="en-US"/>
           </a:p>
         </p:txBody>
       </p:sp>
@@ -1973,13 +1953,6 @@
   <p:clrMapOvr>
     <a:masterClrMapping/>
   </p:clrMapOvr>
-  <p:timing>
-    <p:tnLst>
-      <p:par>
-        <p:cTn id="1" dur="indefinite" restart="never" nodeType="tmRoot"/>
-      </p:par>
-    </p:tnLst>
-  </p:timing>
 </p:sldLayout>
 </file>
 
@@ -2028,10 +2001,9 @@
           </a:lstStyle>
           <a:p>
             <a:r>
-              <a:rPr lang="en-US" smtClean="0"/>
+              <a:rPr lang="en-US"/>
               <a:t>Click to edit Master title style</a:t>
             </a:r>
-            <a:endParaRPr lang="en-US"/>
           </a:p>
         </p:txBody>
       </p:sp>
@@ -2097,7 +2069,7 @@
           <a:p>
             <a:pPr lvl="0"/>
             <a:r>
-              <a:rPr lang="en-US" smtClean="0"/>
+              <a:rPr lang="en-US"/>
               <a:t>Click to edit Master text styles</a:t>
             </a:r>
           </a:p>
@@ -2225,13 +2197,6 @@
   <p:clrMapOvr>
     <a:masterClrMapping/>
   </p:clrMapOvr>
-  <p:timing>
-    <p:tnLst>
-      <p:par>
-        <p:cTn id="1" dur="indefinite" restart="never" nodeType="tmRoot"/>
-      </p:par>
-    </p:tnLst>
-  </p:timing>
 </p:sldLayout>
 </file>
 
@@ -2276,10 +2241,9 @@
           <a:lstStyle/>
           <a:p>
             <a:r>
-              <a:rPr lang="en-US" smtClean="0"/>
+              <a:rPr lang="en-US"/>
               <a:t>Click to edit Master title style</a:t>
             </a:r>
-            <a:endParaRPr lang="en-US"/>
           </a:p>
         </p:txBody>
       </p:sp>
@@ -2336,38 +2300,37 @@
           <a:p>
             <a:pPr lvl="0"/>
             <a:r>
-              <a:rPr lang="en-US" smtClean="0"/>
+              <a:rPr lang="en-US"/>
               <a:t>Click to edit Master text styles</a:t>
             </a:r>
           </a:p>
           <a:p>
             <a:pPr lvl="1"/>
             <a:r>
-              <a:rPr lang="en-US" smtClean="0"/>
+              <a:rPr lang="en-US"/>
               <a:t>Second level</a:t>
             </a:r>
           </a:p>
           <a:p>
             <a:pPr lvl="2"/>
             <a:r>
-              <a:rPr lang="en-US" smtClean="0"/>
+              <a:rPr lang="en-US"/>
               <a:t>Third level</a:t>
             </a:r>
           </a:p>
           <a:p>
             <a:pPr lvl="3"/>
             <a:r>
-              <a:rPr lang="en-US" smtClean="0"/>
+              <a:rPr lang="en-US"/>
               <a:t>Fourth level</a:t>
             </a:r>
           </a:p>
           <a:p>
             <a:pPr lvl="4"/>
             <a:r>
-              <a:rPr lang="en-US" smtClean="0"/>
+              <a:rPr lang="en-US"/>
               <a:t>Fifth level</a:t>
             </a:r>
-            <a:endParaRPr lang="en-US"/>
           </a:p>
         </p:txBody>
       </p:sp>
@@ -2424,38 +2387,37 @@
           <a:p>
             <a:pPr lvl="0"/>
             <a:r>
-              <a:rPr lang="en-US" smtClean="0"/>
+              <a:rPr lang="en-US"/>
               <a:t>Click to edit Master text styles</a:t>
             </a:r>
           </a:p>
           <a:p>
             <a:pPr lvl="1"/>
             <a:r>
-              <a:rPr lang="en-US" smtClean="0"/>
+              <a:rPr lang="en-US"/>
               <a:t>Second level</a:t>
             </a:r>
           </a:p>
           <a:p>
             <a:pPr lvl="2"/>
             <a:r>
-              <a:rPr lang="en-US" smtClean="0"/>
+              <a:rPr lang="en-US"/>
               <a:t>Third level</a:t>
             </a:r>
           </a:p>
           <a:p>
             <a:pPr lvl="3"/>
             <a:r>
-              <a:rPr lang="en-US" smtClean="0"/>
+              <a:rPr lang="en-US"/>
               <a:t>Fourth level</a:t>
             </a:r>
           </a:p>
           <a:p>
             <a:pPr lvl="4"/>
             <a:r>
-              <a:rPr lang="en-US" smtClean="0"/>
+              <a:rPr lang="en-US"/>
               <a:t>Fifth level</a:t>
             </a:r>
-            <a:endParaRPr lang="en-US"/>
           </a:p>
         </p:txBody>
       </p:sp>
@@ -2629,10 +2591,9 @@
           </a:lstStyle>
           <a:p>
             <a:r>
-              <a:rPr lang="en-US" smtClean="0"/>
+              <a:rPr lang="en-US"/>
               <a:t>Click to edit Master title style</a:t>
             </a:r>
-            <a:endParaRPr lang="en-US"/>
           </a:p>
         </p:txBody>
       </p:sp>
@@ -2698,7 +2659,7 @@
           <a:p>
             <a:pPr lvl="0"/>
             <a:r>
-              <a:rPr lang="en-US" smtClean="0"/>
+              <a:rPr lang="en-US"/>
               <a:t>Click to edit Master text styles</a:t>
             </a:r>
           </a:p>
@@ -2757,38 +2718,37 @@
           <a:p>
             <a:pPr lvl="0"/>
             <a:r>
-              <a:rPr lang="en-US" smtClean="0"/>
+              <a:rPr lang="en-US"/>
               <a:t>Click to edit Master text styles</a:t>
             </a:r>
           </a:p>
           <a:p>
             <a:pPr lvl="1"/>
             <a:r>
-              <a:rPr lang="en-US" smtClean="0"/>
+              <a:rPr lang="en-US"/>
               <a:t>Second level</a:t>
             </a:r>
           </a:p>
           <a:p>
             <a:pPr lvl="2"/>
             <a:r>
-              <a:rPr lang="en-US" smtClean="0"/>
+              <a:rPr lang="en-US"/>
               <a:t>Third level</a:t>
             </a:r>
           </a:p>
           <a:p>
             <a:pPr lvl="3"/>
             <a:r>
-              <a:rPr lang="en-US" smtClean="0"/>
+              <a:rPr lang="en-US"/>
               <a:t>Fourth level</a:t>
             </a:r>
           </a:p>
           <a:p>
             <a:pPr lvl="4"/>
             <a:r>
-              <a:rPr lang="en-US" smtClean="0"/>
+              <a:rPr lang="en-US"/>
               <a:t>Fifth level</a:t>
             </a:r>
-            <a:endParaRPr lang="en-US"/>
           </a:p>
         </p:txBody>
       </p:sp>
@@ -2854,7 +2814,7 @@
           <a:p>
             <a:pPr lvl="0"/>
             <a:r>
-              <a:rPr lang="en-US" smtClean="0"/>
+              <a:rPr lang="en-US"/>
               <a:t>Click to edit Master text styles</a:t>
             </a:r>
           </a:p>
@@ -2913,38 +2873,37 @@
           <a:p>
             <a:pPr lvl="0"/>
             <a:r>
-              <a:rPr lang="en-US" smtClean="0"/>
+              <a:rPr lang="en-US"/>
               <a:t>Click to edit Master text styles</a:t>
             </a:r>
           </a:p>
           <a:p>
             <a:pPr lvl="1"/>
             <a:r>
-              <a:rPr lang="en-US" smtClean="0"/>
+              <a:rPr lang="en-US"/>
               <a:t>Second level</a:t>
             </a:r>
           </a:p>
           <a:p>
             <a:pPr lvl="2"/>
             <a:r>
-              <a:rPr lang="en-US" smtClean="0"/>
+              <a:rPr lang="en-US"/>
               <a:t>Third level</a:t>
             </a:r>
           </a:p>
           <a:p>
             <a:pPr lvl="3"/>
             <a:r>
-              <a:rPr lang="en-US" smtClean="0"/>
+              <a:rPr lang="en-US"/>
               <a:t>Fourth level</a:t>
             </a:r>
           </a:p>
           <a:p>
             <a:pPr lvl="4"/>
             <a:r>
-              <a:rPr lang="en-US" smtClean="0"/>
+              <a:rPr lang="en-US"/>
               <a:t>Fifth level</a:t>
             </a:r>
-            <a:endParaRPr lang="en-US"/>
           </a:p>
         </p:txBody>
       </p:sp>
@@ -3114,10 +3073,9 @@
           <a:lstStyle/>
           <a:p>
             <a:r>
-              <a:rPr lang="en-US" smtClean="0"/>
+              <a:rPr lang="en-US"/>
               <a:t>Click to edit Master title style</a:t>
             </a:r>
-            <a:endParaRPr lang="en-US"/>
           </a:p>
         </p:txBody>
       </p:sp>
@@ -3433,10 +3391,9 @@
           </a:lstStyle>
           <a:p>
             <a:r>
-              <a:rPr lang="en-US" smtClean="0"/>
+              <a:rPr lang="en-US"/>
               <a:t>Click to edit Master title style</a:t>
             </a:r>
-            <a:endParaRPr lang="en-US"/>
           </a:p>
         </p:txBody>
       </p:sp>
@@ -3493,38 +3450,37 @@
           <a:p>
             <a:pPr lvl="0"/>
             <a:r>
-              <a:rPr lang="en-US" smtClean="0"/>
+              <a:rPr lang="en-US"/>
               <a:t>Click to edit Master text styles</a:t>
             </a:r>
           </a:p>
           <a:p>
             <a:pPr lvl="1"/>
             <a:r>
-              <a:rPr lang="en-US" smtClean="0"/>
+              <a:rPr lang="en-US"/>
               <a:t>Second level</a:t>
             </a:r>
           </a:p>
           <a:p>
             <a:pPr lvl="2"/>
             <a:r>
-              <a:rPr lang="en-US" smtClean="0"/>
+              <a:rPr lang="en-US"/>
               <a:t>Third level</a:t>
             </a:r>
           </a:p>
           <a:p>
             <a:pPr lvl="3"/>
             <a:r>
-              <a:rPr lang="en-US" smtClean="0"/>
+              <a:rPr lang="en-US"/>
               <a:t>Fourth level</a:t>
             </a:r>
           </a:p>
           <a:p>
             <a:pPr lvl="4"/>
             <a:r>
-              <a:rPr lang="en-US" smtClean="0"/>
+              <a:rPr lang="en-US"/>
               <a:t>Fifth level</a:t>
             </a:r>
-            <a:endParaRPr lang="en-US"/>
           </a:p>
         </p:txBody>
       </p:sp>
@@ -3590,7 +3546,7 @@
           <a:p>
             <a:pPr lvl="0"/>
             <a:r>
-              <a:rPr lang="en-US" smtClean="0"/>
+              <a:rPr lang="en-US"/>
               <a:t>Click to edit Master text styles</a:t>
             </a:r>
           </a:p>
@@ -3766,10 +3722,9 @@
           </a:lstStyle>
           <a:p>
             <a:r>
-              <a:rPr lang="en-US" smtClean="0"/>
+              <a:rPr lang="en-US"/>
               <a:t>Click to edit Master title style</a:t>
             </a:r>
-            <a:endParaRPr lang="en-US"/>
           </a:p>
         </p:txBody>
       </p:sp>
@@ -3834,7 +3789,7 @@
           </a:lstStyle>
           <a:p>
             <a:pPr lvl="0"/>
-            <a:endParaRPr lang="en-US" noProof="0" smtClean="0"/>
+            <a:endParaRPr lang="en-US" noProof="0"/>
           </a:p>
         </p:txBody>
       </p:sp>
@@ -3900,7 +3855,7 @@
           <a:p>
             <a:pPr lvl="0"/>
             <a:r>
-              <a:rPr lang="en-US" smtClean="0"/>
+              <a:rPr lang="en-US"/>
               <a:t>Click to edit Master text styles</a:t>
             </a:r>
           </a:p>
@@ -4028,13 +3983,6 @@
   <p:clrMapOvr>
     <a:masterClrMapping/>
   </p:clrMapOvr>
-  <p:timing>
-    <p:tnLst>
-      <p:par>
-        <p:cTn id="1" dur="indefinite" restart="never" nodeType="tmRoot"/>
-      </p:par>
-    </p:tnLst>
-  </p:timing>
 </p:sldLayout>
 </file>
 
@@ -4113,7 +4061,7 @@
               <a:buNone/>
               <a:tabLst/>
             </a:pPr>
-            <a:endParaRPr kumimoji="0" lang="en-US" sz="7500" b="0" i="0" u="none" strike="noStrike" cap="none" normalizeH="0" baseline="0" smtClean="0">
+            <a:endParaRPr kumimoji="0" lang="en-US" sz="7500" b="0" i="0" u="none" strike="noStrike" cap="none" normalizeH="0" baseline="0">
               <a:ln>
                 <a:noFill/>
               </a:ln>
@@ -4176,7 +4124,7 @@
               <a:buNone/>
               <a:tabLst/>
             </a:pPr>
-            <a:endParaRPr kumimoji="0" lang="en-US" sz="7500" b="0" i="0" u="none" strike="noStrike" cap="none" normalizeH="0" baseline="0" smtClean="0">
+            <a:endParaRPr kumimoji="0" lang="en-US" sz="7500" b="0" i="0" u="none" strike="noStrike" cap="none" normalizeH="0" baseline="0">
               <a:ln>
                 <a:noFill/>
               </a:ln>
@@ -4242,7 +4190,7 @@
               <a:buNone/>
               <a:tabLst/>
             </a:pPr>
-            <a:endParaRPr kumimoji="0" lang="en-US" sz="7500" b="0" i="0" u="none" strike="noStrike" cap="none" normalizeH="0" baseline="0" smtClean="0">
+            <a:endParaRPr kumimoji="0" lang="en-US" sz="7500" b="0" i="0" u="none" strike="noStrike" cap="none" normalizeH="0" baseline="0">
               <a:ln>
                 <a:noFill/>
               </a:ln>
@@ -4308,7 +4256,7 @@
               <a:buNone/>
               <a:tabLst/>
             </a:pPr>
-            <a:endParaRPr kumimoji="0" lang="en-US" sz="7500" b="0" i="0" u="none" strike="noStrike" cap="none" normalizeH="0" baseline="0" smtClean="0">
+            <a:endParaRPr kumimoji="0" lang="en-US" sz="7500" b="0" i="0" u="none" strike="noStrike" cap="none" normalizeH="0" baseline="0">
               <a:ln>
                 <a:noFill/>
               </a:ln>
@@ -4374,7 +4322,7 @@
               <a:buNone/>
               <a:tabLst/>
             </a:pPr>
-            <a:endParaRPr kumimoji="0" lang="en-US" sz="7500" b="0" i="0" u="none" strike="noStrike" cap="none" normalizeH="0" baseline="0" smtClean="0">
+            <a:endParaRPr kumimoji="0" lang="en-US" sz="7500" b="0" i="0" u="none" strike="noStrike" cap="none" normalizeH="0" baseline="0">
               <a:ln>
                 <a:noFill/>
               </a:ln>
@@ -4440,7 +4388,7 @@
               <a:buNone/>
               <a:tabLst/>
             </a:pPr>
-            <a:endParaRPr kumimoji="0" lang="en-US" sz="7500" b="0" i="0" u="none" strike="noStrike" cap="none" normalizeH="0" baseline="0" smtClean="0">
+            <a:endParaRPr kumimoji="0" lang="en-US" sz="7500" b="0" i="0" u="none" strike="noStrike" cap="none" normalizeH="0" baseline="0">
               <a:ln>
                 <a:noFill/>
               </a:ln>
@@ -4505,7 +4453,7 @@
               <a:buNone/>
               <a:tabLst/>
             </a:pPr>
-            <a:endParaRPr kumimoji="0" lang="en-US" sz="7500" b="0" i="0" u="none" strike="noStrike" cap="none" normalizeH="0" baseline="0" smtClean="0">
+            <a:endParaRPr kumimoji="0" lang="en-US" sz="7500" b="0" i="0" u="none" strike="noStrike" cap="none" normalizeH="0" baseline="0">
               <a:ln>
                 <a:noFill/>
               </a:ln>
@@ -4568,7 +4516,7 @@
               <a:buNone/>
               <a:tabLst/>
             </a:pPr>
-            <a:endParaRPr kumimoji="0" lang="en-US" sz="7500" b="0" i="0" u="none" strike="noStrike" cap="none" normalizeH="0" baseline="0" smtClean="0">
+            <a:endParaRPr kumimoji="0" lang="en-US" sz="7500" b="0" i="0" u="none" strike="noStrike" cap="none" normalizeH="0" baseline="0">
               <a:ln>
                 <a:noFill/>
               </a:ln>
@@ -4631,7 +4579,7 @@
               <a:buNone/>
               <a:tabLst/>
             </a:pPr>
-            <a:endParaRPr kumimoji="0" lang="en-US" sz="7500" b="0" i="0" u="none" strike="noStrike" cap="none" normalizeH="0" baseline="0" dirty="0" smtClean="0">
+            <a:endParaRPr kumimoji="0" lang="en-US" sz="7500" b="0" i="0" u="none" strike="noStrike" cap="none" normalizeH="0" baseline="0" dirty="0">
               <a:ln>
                 <a:noFill/>
               </a:ln>
@@ -4694,7 +4642,7 @@
               <a:buNone/>
               <a:tabLst/>
             </a:pPr>
-            <a:endParaRPr kumimoji="0" lang="en-US" sz="7500" b="0" i="0" u="none" strike="noStrike" cap="none" normalizeH="0" baseline="0" smtClean="0">
+            <a:endParaRPr kumimoji="0" lang="en-US" sz="7500" b="0" i="0" u="none" strike="noStrike" cap="none" normalizeH="0" baseline="0">
               <a:ln>
                 <a:noFill/>
               </a:ln>
@@ -4766,7 +4714,7 @@
               <a:buNone/>
               <a:tabLst/>
             </a:pPr>
-            <a:endParaRPr kumimoji="0" lang="en-US" sz="7500" b="0" i="0" u="none" strike="noStrike" cap="none" normalizeH="0" baseline="0" dirty="0" smtClean="0">
+            <a:endParaRPr kumimoji="0" lang="en-US" sz="7500" b="0" i="0" u="none" strike="noStrike" cap="none" normalizeH="0" baseline="0" dirty="0">
               <a:ln>
                 <a:noFill/>
               </a:ln>
@@ -5464,7 +5412,7 @@
               <a:buNone/>
               <a:tabLst/>
             </a:pPr>
-            <a:endParaRPr kumimoji="0" lang="en-US" sz="7500" b="0" i="0" u="none" strike="noStrike" cap="none" normalizeH="0" baseline="0" smtClean="0">
+            <a:endParaRPr kumimoji="0" lang="en-US" sz="7500" b="0" i="0" u="none" strike="noStrike" cap="none" normalizeH="0" baseline="0">
               <a:ln>
                 <a:noFill/>
               </a:ln>
@@ -5493,13 +5441,6 @@
     <p:sldLayoutId id="2147483658" r:id="rId10"/>
     <p:sldLayoutId id="2147483659" r:id="rId11"/>
   </p:sldLayoutIdLst>
-  <p:timing>
-    <p:tnLst>
-      <p:par>
-        <p:cTn id="1" dur="indefinite" restart="never" nodeType="tmRoot"/>
-      </p:par>
-    </p:tnLst>
-  </p:timing>
   <p:txStyles>
     <p:titleStyle>
       <a:lvl1pPr algn="ctr" defTabSz="2819400" rtl="0" eaLnBrk="0" fontAlgn="base" hangingPunct="0">
@@ -5931,7 +5872,7 @@
               <a:buChar char="§"/>
             </a:pPr>
             <a:r>
-              <a:rPr lang="en-US" sz="2800" b="1" dirty="0" smtClean="0">
+              <a:rPr lang="en-US" sz="2800" b="1" dirty="0">
                 <a:latin typeface="Arial" panose="020B0604020202020204" pitchFamily="34" charset="0"/>
               </a:rPr>
               <a:t>IO Handler</a:t>
@@ -5949,16 +5890,10 @@
               <a:buChar char="o"/>
             </a:pPr>
             <a:r>
-              <a:rPr lang="en-US" sz="2800" dirty="0" smtClean="0">
-                <a:latin typeface="Arial" panose="020B0604020202020204" pitchFamily="34" charset="0"/>
-              </a:rPr>
-              <a:t>Handles </a:t>
-            </a:r>
-            <a:r>
               <a:rPr lang="en-US" sz="2800" dirty="0">
                 <a:latin typeface="Arial" panose="020B0604020202020204" pitchFamily="34" charset="0"/>
               </a:rPr>
-              <a:t>all communication between GFAU and external device</a:t>
+              <a:t>Handles all communication between GFAU and external device</a:t>
             </a:r>
           </a:p>
           <a:p>
@@ -5973,22 +5908,10 @@
               <a:buChar char="o"/>
             </a:pPr>
             <a:r>
-              <a:rPr lang="en-US" sz="2800" dirty="0" smtClean="0">
-                <a:latin typeface="Arial" panose="020B0604020202020204" pitchFamily="34" charset="0"/>
-              </a:rPr>
-              <a:t>Asynchronous </a:t>
-            </a:r>
-            <a:r>
               <a:rPr lang="en-US" sz="2800" dirty="0">
                 <a:latin typeface="Arial" panose="020B0604020202020204" pitchFamily="34" charset="0"/>
               </a:rPr>
-              <a:t>parallel protocol and scalable IO bus make communication fast and </a:t>
-            </a:r>
-            <a:r>
-              <a:rPr lang="en-US" sz="2800" dirty="0" smtClean="0">
-                <a:latin typeface="Arial" panose="020B0604020202020204" pitchFamily="34" charset="0"/>
-              </a:rPr>
-              <a:t>flexible</a:t>
+              <a:t>Simple parallel protocol and scalable IO bus make communication fast and flexible</a:t>
             </a:r>
           </a:p>
           <a:p>
@@ -6017,7 +5940,7 @@
               <a:buFont typeface="Wingdings" panose="05000000000000000000" pitchFamily="2" charset="2"/>
               <a:buChar char="§"/>
             </a:pPr>
-            <a:endParaRPr lang="en-US" sz="2800" dirty="0" smtClean="0">
+            <a:endParaRPr lang="en-US" sz="2800" dirty="0">
               <a:latin typeface="Arial" panose="020B0604020202020204" pitchFamily="34" charset="0"/>
             </a:endParaRPr>
           </a:p>
@@ -6047,7 +5970,7 @@
               <a:buFont typeface="Wingdings" panose="05000000000000000000" pitchFamily="2" charset="2"/>
               <a:buChar char="§"/>
             </a:pPr>
-            <a:endParaRPr lang="en-US" sz="2800" dirty="0" smtClean="0">
+            <a:endParaRPr lang="en-US" sz="2800" dirty="0">
               <a:latin typeface="Arial" panose="020B0604020202020204" pitchFamily="34" charset="0"/>
             </a:endParaRPr>
           </a:p>
@@ -6077,7 +6000,7 @@
               <a:buFont typeface="Wingdings" panose="05000000000000000000" pitchFamily="2" charset="2"/>
               <a:buChar char="§"/>
             </a:pPr>
-            <a:endParaRPr lang="en-US" sz="2800" dirty="0" smtClean="0">
+            <a:endParaRPr lang="en-US" sz="2800" dirty="0">
               <a:latin typeface="Arial" panose="020B0604020202020204" pitchFamily="34" charset="0"/>
             </a:endParaRPr>
           </a:p>
@@ -6106,20 +6029,17 @@
               </a:spcAft>
             </a:pPr>
             <a:r>
-              <a:rPr lang="en-US" sz="2800" b="1" dirty="0" smtClean="0">
+              <a:rPr lang="en-US" sz="2800" b="1" dirty="0">
                 <a:latin typeface="Arial" panose="020B0604020202020204" pitchFamily="34" charset="0"/>
               </a:rPr>
               <a:t>      Figure 3: </a:t>
             </a:r>
             <a:r>
-              <a:rPr lang="en-US" sz="2800" dirty="0" smtClean="0">
+              <a:rPr lang="en-US" sz="2800" dirty="0">
                 <a:latin typeface="Arial" panose="020B0604020202020204" pitchFamily="34" charset="0"/>
               </a:rPr>
               <a:t>Timing Diagram </a:t>
             </a:r>
-            <a:endParaRPr lang="en-US" sz="2800" dirty="0">
-              <a:latin typeface="Arial" panose="020B0604020202020204" pitchFamily="34" charset="0"/>
-            </a:endParaRPr>
           </a:p>
           <a:p>
             <a:pPr marL="457200" lvl="1" indent="0">
@@ -6146,22 +6066,13 @@
               <a:buChar char="§"/>
             </a:pPr>
             <a:r>
-              <a:rPr lang="en-US" sz="2800" b="1" dirty="0" smtClean="0">
-                <a:solidFill>
-                  <a:srgbClr val="000000"/>
-                </a:solidFill>
-                <a:latin typeface="Arial" panose="020B0604020202020204" pitchFamily="34" charset="0"/>
-              </a:rPr>
-              <a:t>Memory </a:t>
-            </a:r>
-            <a:r>
               <a:rPr lang="en-US" sz="2800" b="1" dirty="0">
                 <a:solidFill>
                   <a:srgbClr val="000000"/>
                 </a:solidFill>
                 <a:latin typeface="Arial" panose="020B0604020202020204" pitchFamily="34" charset="0"/>
               </a:rPr>
-              <a:t>wrapper</a:t>
+              <a:t>Memory wrapper</a:t>
             </a:r>
           </a:p>
           <a:p>
@@ -6182,23 +6093,8 @@
                 </a:solidFill>
                 <a:latin typeface="Arial" panose="020B0604020202020204" pitchFamily="34" charset="0"/>
               </a:rPr>
-              <a:t>Handle memory read and write requests from the generator, operators and control </a:t>
+              <a:t>Handle memory read and write requests from the generator, operators and control unit</a:t>
             </a:r>
-            <a:r>
-              <a:rPr lang="en-US" sz="2800" dirty="0" smtClean="0">
-                <a:solidFill>
-                  <a:srgbClr val="000000"/>
-                </a:solidFill>
-                <a:latin typeface="Arial" panose="020B0604020202020204" pitchFamily="34" charset="0"/>
-              </a:rPr>
-              <a:t>unit</a:t>
-            </a:r>
-            <a:endParaRPr lang="en-US" sz="2800" dirty="0">
-              <a:solidFill>
-                <a:srgbClr val="000000"/>
-              </a:solidFill>
-              <a:latin typeface="Arial" panose="020B0604020202020204" pitchFamily="34" charset="0"/>
-            </a:endParaRPr>
           </a:p>
         </p:txBody>
       </p:sp>
@@ -6423,15 +6319,7 @@
                   <a:schemeClr val="bg1"/>
                 </a:solidFill>
               </a:rPr>
-              <a:t>What are Galois Fields</a:t>
-            </a:r>
-            <a:r>
-              <a:rPr lang="en-US" sz="3200" b="1" dirty="0" smtClean="0">
-                <a:solidFill>
-                  <a:schemeClr val="bg1"/>
-                </a:solidFill>
-              </a:rPr>
-              <a:t>?</a:t>
+              <a:t>What are Galois Fields?</a:t>
             </a:r>
             <a:endParaRPr lang="en-US" sz="1000" b="1" dirty="0">
               <a:solidFill>
@@ -6442,54 +6330,30 @@
           </a:p>
           <a:p>
             <a:pPr algn="ctr"/>
-            <a:endParaRPr lang="en-US" sz="2800" dirty="0" smtClean="0"/>
+            <a:endParaRPr lang="en-US" sz="2800" dirty="0"/>
           </a:p>
           <a:p>
             <a:pPr algn="just"/>
             <a:r>
               <a:rPr lang="en-US" sz="2800" dirty="0"/>
-              <a:t>Galois fields (pronounced “Gal-o-AH</a:t>
+              <a:t>Galois fields (pronounced “Gal-o-AH”), or fields with a finite field order, are a key part of number theory, abstract algebra, arithmetic algebraic geometry, and cryptography. In error detection and correction. Galois fields are utilized in cyclic redundancy check (CRC) which are used in digital networks and storage devices to detect accidental changes to raw data.</a:t>
             </a:r>
+          </a:p>
+          <a:p>
+            <a:pPr algn="just"/>
+            <a:endParaRPr lang="en-US" sz="2800" dirty="0"/>
+          </a:p>
+          <a:p>
             <a:r>
-              <a:rPr lang="en-US" sz="2800" dirty="0" smtClean="0"/>
-              <a:t>”), or fields with a finite field order</a:t>
-            </a:r>
-            <a:r>
-              <a:rPr lang="en-US" sz="2800" dirty="0" smtClean="0"/>
-              <a:t>, are </a:t>
-            </a:r>
-            <a:r>
-              <a:rPr lang="en-US" sz="2800" dirty="0" smtClean="0"/>
-              <a:t>a key part of number theory, abstract algebra, arithmetic algebraic geometry, and cryptography. In error detection and </a:t>
-            </a:r>
-            <a:r>
-              <a:rPr lang="en-US" sz="2800" dirty="0" smtClean="0"/>
-              <a:t>correction. Galois </a:t>
-            </a:r>
-            <a:r>
-              <a:rPr lang="en-US" sz="2800" dirty="0" smtClean="0"/>
-              <a:t>fields are utilized in cyclic redundancy check (CRC) which are used in digital networks and storage devices to detect accidental changes to raw data.</a:t>
-            </a:r>
-          </a:p>
-          <a:p>
-            <a:pPr algn="just"/>
-            <a:endParaRPr lang="en-US" sz="2800" dirty="0" smtClean="0"/>
-          </a:p>
-          <a:p>
-            <a:r>
-              <a:rPr lang="en-US" sz="2800" b="1" dirty="0" smtClean="0"/>
+              <a:rPr lang="en-US" sz="2800" b="1" dirty="0"/>
               <a:t>Table 1:</a:t>
             </a:r>
             <a:r>
-              <a:rPr lang="en-US" sz="2800" dirty="0" smtClean="0"/>
-              <a:t> Elements of </a:t>
+              <a:rPr lang="en-US" sz="2800" dirty="0"/>
+              <a:t> Elements of GF[</a:t>
             </a:r>
             <a:r>
-              <a:rPr lang="en-US" sz="2800" dirty="0" smtClean="0"/>
-              <a:t>GF[</a:t>
-            </a:r>
-            <a:r>
-              <a:rPr lang="en-US" sz="2800" dirty="0" smtClean="0">
+              <a:rPr lang="en-US" sz="2800" dirty="0">
                 <a:solidFill>
                   <a:srgbClr val="000000"/>
                 </a:solidFill>
@@ -6498,11 +6362,11 @@
               <a:t>x</a:t>
             </a:r>
             <a:r>
-              <a:rPr lang="en-US" sz="2800" dirty="0" smtClean="0"/>
+              <a:rPr lang="en-US" sz="2800" dirty="0"/>
               <a:t>](2</a:t>
             </a:r>
             <a:r>
-              <a:rPr lang="en-US" sz="2800" baseline="30000" dirty="0" smtClean="0">
+              <a:rPr lang="en-US" sz="2800" baseline="30000" dirty="0">
                 <a:solidFill>
                   <a:srgbClr val="000000"/>
                 </a:solidFill>
@@ -6511,11 +6375,11 @@
               <a:t>3</a:t>
             </a:r>
             <a:r>
-              <a:rPr lang="en-US" sz="2800" dirty="0" smtClean="0"/>
+              <a:rPr lang="en-US" sz="2800" dirty="0"/>
               <a:t>) = </a:t>
             </a:r>
             <a:r>
-              <a:rPr lang="en-US" sz="2800" dirty="0" smtClean="0">
+              <a:rPr lang="en-US" sz="2800" dirty="0">
                 <a:solidFill>
                   <a:srgbClr val="000000"/>
                 </a:solidFill>
@@ -6524,7 +6388,7 @@
               <a:t>x</a:t>
             </a:r>
             <a:r>
-              <a:rPr lang="en-US" sz="2800" baseline="30000" dirty="0" smtClean="0">
+              <a:rPr lang="en-US" sz="2800" baseline="30000" dirty="0">
                 <a:solidFill>
                   <a:srgbClr val="000000"/>
                 </a:solidFill>
@@ -6533,13 +6397,22 @@
               <a:t>3</a:t>
             </a:r>
             <a:r>
-              <a:rPr lang="en-US" sz="2800" dirty="0" smtClean="0">
+              <a:rPr lang="en-US" sz="2800" dirty="0">
                 <a:solidFill>
                   <a:srgbClr val="000000"/>
                 </a:solidFill>
                 <a:latin typeface="Arial" panose="020B0604020202020204" pitchFamily="34" charset="0"/>
               </a:rPr>
-              <a:t> </a:t>
+              <a:t> + x</a:t>
+            </a:r>
+            <a:r>
+              <a:rPr lang="en-US" sz="2800" baseline="30000" dirty="0">
+                <a:solidFill>
+                  <a:srgbClr val="000000"/>
+                </a:solidFill>
+                <a:latin typeface="Arial" panose="020B0604020202020204" pitchFamily="34" charset="0"/>
+              </a:rPr>
+              <a:t>2</a:t>
             </a:r>
             <a:r>
               <a:rPr lang="en-US" sz="2800" dirty="0">
@@ -6548,37 +6421,10 @@
                 </a:solidFill>
                 <a:latin typeface="Arial" panose="020B0604020202020204" pitchFamily="34" charset="0"/>
               </a:rPr>
-              <a:t>+ </a:t>
-            </a:r>
-            <a:r>
-              <a:rPr lang="en-US" sz="2800" dirty="0" smtClean="0">
-                <a:solidFill>
-                  <a:srgbClr val="000000"/>
-                </a:solidFill>
-                <a:latin typeface="Arial" panose="020B0604020202020204" pitchFamily="34" charset="0"/>
-              </a:rPr>
-              <a:t>x</a:t>
-            </a:r>
-            <a:r>
-              <a:rPr lang="en-US" sz="2800" baseline="30000" dirty="0" smtClean="0">
-                <a:solidFill>
-                  <a:srgbClr val="000000"/>
-                </a:solidFill>
-                <a:latin typeface="Arial" panose="020B0604020202020204" pitchFamily="34" charset="0"/>
-              </a:rPr>
-              <a:t>2</a:t>
-            </a:r>
-            <a:r>
-              <a:rPr lang="en-US" sz="2800" dirty="0" smtClean="0">
-                <a:solidFill>
-                  <a:srgbClr val="000000"/>
-                </a:solidFill>
-                <a:latin typeface="Arial" panose="020B0604020202020204" pitchFamily="34" charset="0"/>
-              </a:rPr>
               <a:t> + x</a:t>
             </a:r>
             <a:r>
-              <a:rPr lang="en-US" sz="2800" baseline="30000" dirty="0" smtClean="0">
+              <a:rPr lang="en-US" sz="2800" baseline="30000" dirty="0">
                 <a:solidFill>
                   <a:srgbClr val="000000"/>
                 </a:solidFill>
@@ -6589,7 +6435,7 @@
           </a:p>
           <a:p>
             <a:r>
-              <a:rPr lang="en-US" sz="2800" baseline="30000" dirty="0" smtClean="0">
+              <a:rPr lang="en-US" sz="2800" baseline="30000" dirty="0">
                 <a:solidFill>
                   <a:srgbClr val="000000"/>
                 </a:solidFill>
@@ -6600,7 +6446,7 @@
           </a:p>
           <a:p>
             <a:pPr algn="ctr"/>
-            <a:endParaRPr lang="en-US" sz="2800" baseline="30000" dirty="0" smtClean="0">
+            <a:endParaRPr lang="en-US" sz="2800" baseline="30000" dirty="0">
               <a:solidFill>
                 <a:srgbClr val="000000"/>
               </a:solidFill>
@@ -6618,7 +6464,7 @@
           </a:p>
           <a:p>
             <a:pPr algn="just"/>
-            <a:endParaRPr lang="en-US" sz="2800" baseline="30000" dirty="0" smtClean="0">
+            <a:endParaRPr lang="en-US" sz="2800" baseline="30000" dirty="0">
               <a:solidFill>
                 <a:srgbClr val="000000"/>
               </a:solidFill>
@@ -6636,16 +6482,7 @@
           </a:p>
           <a:p>
             <a:pPr algn="just"/>
-            <a:endParaRPr lang="en-US" sz="2800" baseline="30000" dirty="0" smtClean="0">
-              <a:solidFill>
-                <a:srgbClr val="000000"/>
-              </a:solidFill>
-              <a:latin typeface="Arial" panose="020B0604020202020204" pitchFamily="34" charset="0"/>
-            </a:endParaRPr>
-          </a:p>
-          <a:p>
-            <a:pPr algn="just"/>
-            <a:endParaRPr lang="en-US" sz="2800" baseline="30000" dirty="0" smtClean="0">
+            <a:endParaRPr lang="en-US" sz="2800" baseline="30000" dirty="0">
               <a:solidFill>
                 <a:srgbClr val="000000"/>
               </a:solidFill>
@@ -6672,7 +6509,7 @@
           </a:p>
           <a:p>
             <a:pPr algn="just"/>
-            <a:endParaRPr lang="en-US" sz="2800" baseline="30000" dirty="0" smtClean="0">
+            <a:endParaRPr lang="en-US" sz="2800" baseline="30000" dirty="0">
               <a:solidFill>
                 <a:srgbClr val="000000"/>
               </a:solidFill>
@@ -6690,7 +6527,7 @@
           </a:p>
           <a:p>
             <a:pPr algn="just"/>
-            <a:endParaRPr lang="en-US" sz="2800" baseline="30000" dirty="0" smtClean="0">
+            <a:endParaRPr lang="en-US" sz="2800" baseline="30000" dirty="0">
               <a:solidFill>
                 <a:srgbClr val="000000"/>
               </a:solidFill>
@@ -6717,7 +6554,7 @@
           </a:p>
           <a:p>
             <a:pPr algn="just"/>
-            <a:endParaRPr lang="en-US" sz="2800" baseline="30000" dirty="0" smtClean="0">
+            <a:endParaRPr lang="en-US" sz="2800" baseline="30000" dirty="0">
               <a:solidFill>
                 <a:srgbClr val="000000"/>
               </a:solidFill>
@@ -6725,21 +6562,22 @@
             </a:endParaRPr>
           </a:p>
           <a:p>
-            <a:r>
-              <a:rPr lang="en-US" sz="2800" b="1" dirty="0" smtClean="0">
-                <a:solidFill>
-                  <a:srgbClr val="000000"/>
-                </a:solidFill>
-              </a:rPr>
-              <a:t>                                                                Figure </a:t>
-            </a:r>
+            <a:pPr algn="just"/>
+            <a:endParaRPr lang="en-US" sz="2800" baseline="30000" dirty="0">
+              <a:solidFill>
+                <a:srgbClr val="000000"/>
+              </a:solidFill>
+              <a:latin typeface="Arial" panose="020B0604020202020204" pitchFamily="34" charset="0"/>
+            </a:endParaRPr>
+          </a:p>
+          <a:p>
             <a:r>
               <a:rPr lang="en-US" sz="2800" b="1" dirty="0">
                 <a:solidFill>
                   <a:srgbClr val="000000"/>
                 </a:solidFill>
               </a:rPr>
-              <a:t>1:</a:t>
+              <a:t>                                                                Figure 1:</a:t>
             </a:r>
             <a:r>
               <a:rPr lang="en-US" sz="2800" dirty="0">
@@ -6747,23 +6585,11 @@
                   <a:srgbClr val="000000"/>
                 </a:solidFill>
               </a:rPr>
-              <a:t> </a:t>
-            </a:r>
-            <a:r>
-              <a:rPr lang="en-US" sz="2800" dirty="0" smtClean="0">
-                <a:solidFill>
-                  <a:srgbClr val="000000"/>
-                </a:solidFill>
-              </a:rPr>
-              <a:t>Example 							        Operations </a:t>
-            </a:r>
-            <a:r>
-              <a:rPr lang="en-US" sz="2800" dirty="0" smtClean="0"/>
-              <a:t>in </a:t>
+              <a:t> Example 							        Operations </a:t>
             </a:r>
             <a:r>
               <a:rPr lang="en-US" sz="2800" dirty="0"/>
-              <a:t>GF[</a:t>
+              <a:t>in GF[</a:t>
             </a:r>
             <a:r>
               <a:rPr lang="en-US" sz="2800" dirty="0">
@@ -6791,7 +6617,7 @@
               <a:rPr lang="en-US" sz="2800" dirty="0"/>
               <a:t>)</a:t>
             </a:r>
-            <a:endParaRPr lang="en-US" sz="2800" baseline="30000" dirty="0" smtClean="0">
+            <a:endParaRPr lang="en-US" sz="2800" baseline="30000" dirty="0">
               <a:solidFill>
                 <a:srgbClr val="000000"/>
               </a:solidFill>
@@ -6800,19 +6626,11 @@
           </a:p>
           <a:p>
             <a:pPr algn="just"/>
-            <a:endParaRPr lang="en-US" sz="2800" baseline="30000" dirty="0" smtClean="0">
+            <a:endParaRPr lang="en-US" sz="2800" baseline="30000" dirty="0">
               <a:solidFill>
                 <a:srgbClr val="000000"/>
               </a:solidFill>
               <a:latin typeface="Arial" panose="020B0604020202020204" pitchFamily="34" charset="0"/>
-            </a:endParaRPr>
-          </a:p>
-          <a:p>
-            <a:pPr algn="ctr"/>
-            <a:endParaRPr lang="en-US" sz="1000" b="1" dirty="0" smtClean="0">
-              <a:solidFill>
-                <a:schemeClr val="bg1"/>
-              </a:solidFill>
             </a:endParaRPr>
           </a:p>
           <a:p>
@@ -6825,7 +6643,7 @@
           </a:p>
           <a:p>
             <a:pPr algn="ctr"/>
-            <a:endParaRPr lang="en-US" sz="1000" b="1" dirty="0" smtClean="0">
+            <a:endParaRPr lang="en-US" sz="1000" b="1" dirty="0">
               <a:solidFill>
                 <a:schemeClr val="bg1"/>
               </a:solidFill>
@@ -6849,8 +6667,16 @@
           </a:p>
           <a:p>
             <a:pPr algn="ctr"/>
+            <a:endParaRPr lang="en-US" sz="1000" b="1" dirty="0">
+              <a:solidFill>
+                <a:schemeClr val="bg1"/>
+              </a:solidFill>
+            </a:endParaRPr>
+          </a:p>
+          <a:p>
+            <a:pPr algn="ctr"/>
             <a:r>
-              <a:rPr lang="en-US" sz="3200" b="1" dirty="0" smtClean="0">
+              <a:rPr lang="en-US" sz="3200" b="1" dirty="0">
                 <a:solidFill>
                   <a:schemeClr val="bg1"/>
                 </a:solidFill>
@@ -6866,7 +6692,7 @@
           </a:p>
           <a:p>
             <a:pPr algn="ctr"/>
-            <a:endParaRPr lang="en-US" sz="2800" b="1" dirty="0" smtClean="0">
+            <a:endParaRPr lang="en-US" sz="2800" b="1" dirty="0">
               <a:solidFill>
                 <a:schemeClr val="bg1"/>
               </a:solidFill>
@@ -6876,7 +6702,7 @@
           <a:p>
             <a:pPr algn="just"/>
             <a:r>
-              <a:rPr lang="en-US" sz="2800" dirty="0" smtClean="0">
+              <a:rPr lang="en-US" sz="2800" dirty="0">
                 <a:solidFill>
                   <a:srgbClr val="000000"/>
                 </a:solidFill>
@@ -6887,7 +6713,7 @@
           </a:p>
           <a:p>
             <a:pPr algn="just"/>
-            <a:endParaRPr lang="en-US" sz="2800" dirty="0" smtClean="0">
+            <a:endParaRPr lang="en-US" sz="2800" dirty="0">
               <a:solidFill>
                 <a:srgbClr val="000000"/>
               </a:solidFill>
@@ -6897,7 +6723,7 @@
           <a:p>
             <a:pPr algn="ctr"/>
             <a:r>
-              <a:rPr lang="en-US" sz="3200" b="1" dirty="0" smtClean="0">
+              <a:rPr lang="en-US" sz="3200" b="1" dirty="0">
                 <a:solidFill>
                   <a:schemeClr val="bg1"/>
                 </a:solidFill>
@@ -6907,7 +6733,7 @@
           </a:p>
           <a:p>
             <a:pPr algn="ctr"/>
-            <a:endParaRPr lang="en-US" sz="2800" b="1" dirty="0" smtClean="0">
+            <a:endParaRPr lang="en-US" sz="2800" b="1" dirty="0">
               <a:solidFill>
                 <a:schemeClr val="bg1"/>
               </a:solidFill>
@@ -6920,7 +6746,7 @@
               <a:buChar char="§"/>
             </a:pPr>
             <a:r>
-              <a:rPr lang="en-US" sz="2800" dirty="0" smtClean="0">
+              <a:rPr lang="en-US" sz="2800" dirty="0">
                 <a:solidFill>
                   <a:srgbClr val="000000"/>
                 </a:solidFill>
@@ -6941,7 +6767,7 @@
               <a:buChar char="§"/>
             </a:pPr>
             <a:r>
-              <a:rPr lang="en-US" sz="2800" dirty="0" smtClean="0">
+              <a:rPr lang="en-US" sz="2800" dirty="0">
                 <a:solidFill>
                   <a:srgbClr val="000000"/>
                 </a:solidFill>
@@ -6962,22 +6788,13 @@
               <a:buChar char="§"/>
             </a:pPr>
             <a:r>
-              <a:rPr lang="en-US" sz="2800" dirty="0" smtClean="0">
-                <a:solidFill>
-                  <a:srgbClr val="000000"/>
-                </a:solidFill>
-                <a:latin typeface="Arial" panose="020B0604020202020204" pitchFamily="34" charset="0"/>
-              </a:rPr>
-              <a:t>Capability </a:t>
-            </a:r>
-            <a:r>
               <a:rPr lang="en-US" sz="2800" dirty="0">
                 <a:solidFill>
                   <a:srgbClr val="000000"/>
                 </a:solidFill>
                 <a:latin typeface="Arial" panose="020B0604020202020204" pitchFamily="34" charset="0"/>
               </a:rPr>
-              <a:t>of design limited only by external memory capacity</a:t>
+              <a:t>Capability of design limited only by external memory capacity</a:t>
             </a:r>
           </a:p>
           <a:p>
@@ -6992,62 +6809,18 @@
                 </a:solidFill>
                 <a:latin typeface="Arial" panose="020B0604020202020204" pitchFamily="34" charset="0"/>
               </a:rPr>
-              <a:t>Interface </a:t>
+              <a:t>Simple and </a:t>
             </a:r>
             <a:r>
-              <a:rPr lang="en-US" sz="2800" b="1" dirty="0">
+              <a:rPr lang="en-US" sz="2800">
                 <a:solidFill>
                   <a:srgbClr val="000000"/>
                 </a:solidFill>
                 <a:latin typeface="Arial" panose="020B0604020202020204" pitchFamily="34" charset="0"/>
               </a:rPr>
-              <a:t>&lt;BRIAN</a:t>
+              <a:t>flexible interface</a:t>
             </a:r>
-            <a:r>
-              <a:rPr lang="en-US" sz="2800" b="1" dirty="0" smtClean="0">
-                <a:solidFill>
-                  <a:srgbClr val="000000"/>
-                </a:solidFill>
-                <a:latin typeface="Arial" panose="020B0604020202020204" pitchFamily="34" charset="0"/>
-              </a:rPr>
-              <a:t>&gt;</a:t>
-            </a:r>
-          </a:p>
-          <a:p>
-            <a:pPr marL="457200" indent="-457200">
-              <a:buFont typeface="Wingdings" panose="05000000000000000000" pitchFamily="2" charset="2"/>
-              <a:buChar char="§"/>
-            </a:pPr>
-            <a:endParaRPr lang="en-US" sz="2800" b="1" dirty="0" smtClean="0">
-              <a:solidFill>
-                <a:srgbClr val="000000"/>
-              </a:solidFill>
-              <a:latin typeface="Arial" panose="020B0604020202020204" pitchFamily="34" charset="0"/>
-            </a:endParaRPr>
-          </a:p>
-          <a:p>
-            <a:pPr algn="ctr"/>
-            <a:r>
-              <a:rPr lang="en-US" sz="3200" b="1" dirty="0" smtClean="0">
-                <a:solidFill>
-                  <a:schemeClr val="bg1"/>
-                </a:solidFill>
-              </a:rPr>
-              <a:t>Design Overview</a:t>
-            </a:r>
-            <a:endParaRPr lang="en-US" sz="3200" b="1" dirty="0" smtClean="0">
-              <a:solidFill>
-                <a:schemeClr val="bg1"/>
-              </a:solidFill>
-              <a:cs typeface="Arial" panose="020B0604020202020204" pitchFamily="34" charset="0"/>
-            </a:endParaRPr>
-          </a:p>
-          <a:p>
-            <a:pPr marL="457200" indent="-457200">
-              <a:buFont typeface="Wingdings" panose="05000000000000000000" pitchFamily="2" charset="2"/>
-              <a:buChar char="§"/>
-            </a:pPr>
-            <a:endParaRPr lang="en-US" sz="2800" b="1" dirty="0" smtClean="0">
+            <a:endParaRPr lang="en-US" sz="2800" b="1" dirty="0">
               <a:solidFill>
                 <a:srgbClr val="000000"/>
               </a:solidFill>
@@ -7067,15 +6840,20 @@
             </a:endParaRPr>
           </a:p>
           <a:p>
-            <a:pPr marL="457200" indent="-457200">
-              <a:buFont typeface="Wingdings" panose="05000000000000000000" pitchFamily="2" charset="2"/>
-              <a:buChar char="§"/>
-            </a:pPr>
-            <a:endParaRPr lang="en-US" sz="2800" b="1" dirty="0" smtClean="0">
+            <a:pPr algn="ctr"/>
+            <a:r>
+              <a:rPr lang="en-US" sz="3200" b="1" dirty="0">
+                <a:solidFill>
+                  <a:schemeClr val="bg1"/>
+                </a:solidFill>
+              </a:rPr>
+              <a:t>Design Overview</a:t>
+            </a:r>
+            <a:endParaRPr lang="en-US" sz="3200" b="1" dirty="0">
               <a:solidFill>
-                <a:srgbClr val="000000"/>
+                <a:schemeClr val="bg1"/>
               </a:solidFill>
-              <a:latin typeface="Arial" panose="020B0604020202020204" pitchFamily="34" charset="0"/>
+              <a:cs typeface="Arial" panose="020B0604020202020204" pitchFamily="34" charset="0"/>
             </a:endParaRPr>
           </a:p>
           <a:p>
@@ -7095,7 +6873,7 @@
               <a:buFont typeface="Wingdings" panose="05000000000000000000" pitchFamily="2" charset="2"/>
               <a:buChar char="§"/>
             </a:pPr>
-            <a:endParaRPr lang="en-US" sz="2800" b="1" dirty="0" smtClean="0">
+            <a:endParaRPr lang="en-US" sz="2800" b="1" dirty="0">
               <a:solidFill>
                 <a:srgbClr val="000000"/>
               </a:solidFill>
@@ -7119,7 +6897,7 @@
               <a:buFont typeface="Wingdings" panose="05000000000000000000" pitchFamily="2" charset="2"/>
               <a:buChar char="§"/>
             </a:pPr>
-            <a:endParaRPr lang="en-US" sz="2800" b="1" dirty="0" smtClean="0">
+            <a:endParaRPr lang="en-US" sz="2800" b="1" dirty="0">
               <a:solidFill>
                 <a:srgbClr val="000000"/>
               </a:solidFill>
@@ -7139,6 +6917,10 @@
             </a:endParaRPr>
           </a:p>
           <a:p>
+            <a:pPr marL="457200" indent="-457200">
+              <a:buFont typeface="Wingdings" panose="05000000000000000000" pitchFamily="2" charset="2"/>
+              <a:buChar char="§"/>
+            </a:pPr>
             <a:endParaRPr lang="en-US" sz="2800" b="1" dirty="0">
               <a:solidFill>
                 <a:srgbClr val="000000"/>
@@ -7151,7 +6933,39 @@
               <a:buFont typeface="Wingdings" panose="05000000000000000000" pitchFamily="2" charset="2"/>
               <a:buChar char="§"/>
             </a:pPr>
-            <a:endParaRPr lang="en-US" sz="2800" b="1" dirty="0" smtClean="0">
+            <a:endParaRPr lang="en-US" sz="2800" b="1" dirty="0">
+              <a:solidFill>
+                <a:srgbClr val="000000"/>
+              </a:solidFill>
+              <a:latin typeface="Arial" panose="020B0604020202020204" pitchFamily="34" charset="0"/>
+            </a:endParaRPr>
+          </a:p>
+          <a:p>
+            <a:pPr marL="457200" indent="-457200">
+              <a:buFont typeface="Wingdings" panose="05000000000000000000" pitchFamily="2" charset="2"/>
+              <a:buChar char="§"/>
+            </a:pPr>
+            <a:endParaRPr lang="en-US" sz="2800" b="1" dirty="0">
+              <a:solidFill>
+                <a:srgbClr val="000000"/>
+              </a:solidFill>
+              <a:latin typeface="Arial" panose="020B0604020202020204" pitchFamily="34" charset="0"/>
+            </a:endParaRPr>
+          </a:p>
+          <a:p>
+            <a:endParaRPr lang="en-US" sz="2800" b="1" dirty="0">
+              <a:solidFill>
+                <a:srgbClr val="000000"/>
+              </a:solidFill>
+              <a:latin typeface="Arial" panose="020B0604020202020204" pitchFamily="34" charset="0"/>
+            </a:endParaRPr>
+          </a:p>
+          <a:p>
+            <a:pPr marL="457200" indent="-457200">
+              <a:buFont typeface="Wingdings" panose="05000000000000000000" pitchFamily="2" charset="2"/>
+              <a:buChar char="§"/>
+            </a:pPr>
+            <a:endParaRPr lang="en-US" sz="2800" b="1" dirty="0">
               <a:solidFill>
                 <a:srgbClr val="000000"/>
               </a:solidFill>
@@ -7192,7 +7006,7 @@
               <a:buFont typeface="Wingdings" panose="05000000000000000000" pitchFamily="2" charset="2"/>
               <a:buChar char="§"/>
             </a:pPr>
-            <a:endParaRPr lang="en-US" sz="2800" b="1" dirty="0" smtClean="0">
+            <a:endParaRPr lang="en-US" sz="2800" b="1" dirty="0">
               <a:solidFill>
                 <a:srgbClr val="000000"/>
               </a:solidFill>
@@ -7214,7 +7028,7 @@
           <a:p>
             <a:pPr algn="ctr"/>
             <a:r>
-              <a:rPr lang="en-US" sz="2800" b="1" dirty="0" smtClean="0">
+              <a:rPr lang="en-US" sz="2800" b="1" dirty="0">
                 <a:solidFill>
                   <a:schemeClr val="bg1"/>
                 </a:solidFill>
@@ -7747,7 +7561,7 @@
                         </a:spcAft>
                       </a:pPr>
                       <a:r>
-                        <a:rPr lang="en-US" sz="2600" b="0" i="0" u="none" strike="noStrike" dirty="0" smtClean="0">
+                        <a:rPr lang="en-US" sz="2600" b="0" i="0" u="none" strike="noStrike" dirty="0">
                           <a:solidFill>
                             <a:srgbClr val="000000"/>
                           </a:solidFill>
@@ -10612,7 +10426,7 @@
           <a:lstStyle/>
           <a:p>
             <a:r>
-              <a:rPr lang="en-US" sz="3200" b="1" dirty="0" smtClean="0">
+              <a:rPr lang="en-US" sz="3200" b="1" dirty="0">
                 <a:solidFill>
                   <a:srgbClr val="006435"/>
                 </a:solidFill>
@@ -10622,7 +10436,7 @@
             </a:r>
           </a:p>
           <a:p>
-            <a:endParaRPr lang="en-US" sz="1000" b="1" dirty="0" smtClean="0">
+            <a:endParaRPr lang="en-US" sz="1000" b="1" dirty="0">
               <a:solidFill>
                 <a:srgbClr val="006435"/>
               </a:solidFill>
@@ -10641,22 +10455,13 @@
               <a:buChar char="§"/>
             </a:pPr>
             <a:r>
-              <a:rPr lang="en-US" sz="2800" b="1" dirty="0" smtClean="0">
-                <a:solidFill>
-                  <a:srgbClr val="000000"/>
-                </a:solidFill>
-                <a:latin typeface="Arial" panose="020B0604020202020204" pitchFamily="34" charset="0"/>
-              </a:rPr>
-              <a:t>Global </a:t>
-            </a:r>
-            <a:r>
               <a:rPr lang="en-US" sz="2800" b="1" dirty="0">
                 <a:solidFill>
                   <a:srgbClr val="000000"/>
                 </a:solidFill>
                 <a:latin typeface="Arial" panose="020B0604020202020204" pitchFamily="34" charset="0"/>
               </a:rPr>
-              <a:t>Registers</a:t>
+              <a:t>Global Registers</a:t>
             </a:r>
           </a:p>
           <a:p>
@@ -10824,23 +10629,8 @@
                 </a:solidFill>
                 <a:latin typeface="Arial" panose="020B0604020202020204" pitchFamily="34" charset="0"/>
               </a:rPr>
-              <a:t>Checks null </a:t>
+              <a:t>Checks null errors</a:t>
             </a:r>
-            <a:r>
-              <a:rPr lang="en-US" sz="2800" dirty="0" smtClean="0">
-                <a:solidFill>
-                  <a:srgbClr val="000000"/>
-                </a:solidFill>
-                <a:latin typeface="Arial" panose="020B0604020202020204" pitchFamily="34" charset="0"/>
-              </a:rPr>
-              <a:t>errors</a:t>
-            </a:r>
-            <a:endParaRPr lang="en-US" sz="2800" dirty="0">
-              <a:solidFill>
-                <a:srgbClr val="000000"/>
-              </a:solidFill>
-              <a:latin typeface="Arial" panose="020B0604020202020204" pitchFamily="34" charset="0"/>
-            </a:endParaRPr>
           </a:p>
           <a:p>
             <a:pPr marL="457200" indent="-457200" algn="just">
@@ -10881,16 +10671,7 @@
                 </a:solidFill>
                 <a:latin typeface="Arial" panose="020B0604020202020204" pitchFamily="34" charset="0"/>
               </a:rPr>
-              <a:t>Determines operations requested through 6-bit </a:t>
-            </a:r>
-            <a:r>
-              <a:rPr lang="en-US" sz="2800" dirty="0" smtClean="0">
-                <a:solidFill>
-                  <a:srgbClr val="000000"/>
-                </a:solidFill>
-                <a:latin typeface="Arial" panose="020B0604020202020204" pitchFamily="34" charset="0"/>
-              </a:rPr>
-              <a:t>opcode</a:t>
+              <a:t>Determines operations requested through 6-bit opcode</a:t>
             </a:r>
           </a:p>
           <a:p>
@@ -10911,16 +10692,7 @@
                 </a:solidFill>
                 <a:latin typeface="Arial" panose="020B0604020202020204" pitchFamily="34" charset="0"/>
               </a:rPr>
-              <a:t>Converts operands into their counterpart forms if </a:t>
-            </a:r>
-            <a:r>
-              <a:rPr lang="en-US" sz="2800" dirty="0" smtClean="0">
-                <a:solidFill>
-                  <a:srgbClr val="000000"/>
-                </a:solidFill>
-                <a:latin typeface="Arial" panose="020B0604020202020204" pitchFamily="34" charset="0"/>
-              </a:rPr>
-              <a:t>necessary</a:t>
+              <a:t>Converts operands into their counterpart forms if necessary</a:t>
             </a:r>
           </a:p>
           <a:p>
@@ -11168,17 +10940,7 @@
                 <a:latin typeface="+mn-lt"/>
                 <a:cs typeface="Times New Roman" panose="02020603050405020304" pitchFamily="18" charset="0"/>
               </a:rPr>
-              <a:t>Galois Field Arithmetic Unit (GFAU</a:t>
-            </a:r>
-            <a:r>
-              <a:rPr lang="en-US" sz="5200" b="1" dirty="0" smtClean="0">
-                <a:solidFill>
-                  <a:schemeClr val="bg1"/>
-                </a:solidFill>
-                <a:latin typeface="+mn-lt"/>
-                <a:cs typeface="Times New Roman" panose="02020603050405020304" pitchFamily="18" charset="0"/>
-              </a:rPr>
-              <a:t>)</a:t>
+              <a:t>Galois Field Arithmetic Unit (GFAU)</a:t>
             </a:r>
           </a:p>
           <a:p>
@@ -11191,19 +10953,9 @@
                 <a:latin typeface="+mn-lt"/>
                 <a:cs typeface="Times New Roman" panose="02020603050405020304" pitchFamily="18" charset="0"/>
               </a:rPr>
-              <a:t> </a:t>
+              <a:t>   </a:t>
             </a:r>
-            <a:r>
-              <a:rPr lang="en-US" sz="1000" b="1" dirty="0" smtClean="0">
-                <a:solidFill>
-                  <a:schemeClr val="bg1"/>
-                </a:solidFill>
-                <a:latin typeface="+mn-lt"/>
-                <a:cs typeface="Times New Roman" panose="02020603050405020304" pitchFamily="18" charset="0"/>
-              </a:rPr>
-              <a:t>  </a:t>
-            </a:r>
-            <a:endParaRPr lang="en-US" sz="4600" dirty="0" smtClean="0">
+            <a:endParaRPr lang="en-US" sz="4600" dirty="0">
               <a:solidFill>
                 <a:schemeClr val="bg1"/>
               </a:solidFill>
@@ -11214,7 +10966,7 @@
           <a:p>
             <a:pPr algn="ctr"/>
             <a:r>
-              <a:rPr lang="en-US" sz="4000" b="1" dirty="0" err="1" smtClean="0">
+              <a:rPr lang="en-US" sz="4000" b="1" dirty="0" err="1">
                 <a:solidFill>
                   <a:schemeClr val="bg1"/>
                 </a:solidFill>
@@ -11224,16 +10976,6 @@
               <a:t>Sabbir</a:t>
             </a:r>
             <a:r>
-              <a:rPr lang="en-US" sz="4000" b="1" dirty="0" smtClean="0">
-                <a:solidFill>
-                  <a:schemeClr val="bg1"/>
-                </a:solidFill>
-                <a:latin typeface="+mn-lt"/>
-                <a:cs typeface="Times New Roman" panose="02020603050405020304" pitchFamily="18" charset="0"/>
-              </a:rPr>
-              <a:t> </a:t>
-            </a:r>
-            <a:r>
               <a:rPr lang="en-US" sz="4000" b="1" dirty="0">
                 <a:solidFill>
                   <a:schemeClr val="bg1"/>
@@ -11241,7 +10983,7 @@
                 <a:latin typeface="+mn-lt"/>
                 <a:cs typeface="Times New Roman" panose="02020603050405020304" pitchFamily="18" charset="0"/>
               </a:rPr>
-              <a:t>Ahmed, Jeffrey </a:t>
+              <a:t> Ahmed, Jeffrey </a:t>
             </a:r>
             <a:r>
               <a:rPr lang="en-US" sz="4000" b="1" dirty="0" err="1">
@@ -11291,45 +11033,8 @@
                 <a:latin typeface="+mj-lt"/>
                 <a:cs typeface="Times New Roman" panose="02020603050405020304" pitchFamily="18" charset="0"/>
               </a:rPr>
-              <a:t>Department of Computer Science and Electrical Engineering, </a:t>
+              <a:t>Department of Computer Science and Electrical Engineering, University of Maryland, Baltimore County</a:t>
             </a:r>
-            <a:r>
-              <a:rPr lang="en-US" sz="4000" dirty="0" smtClean="0">
-                <a:solidFill>
-                  <a:schemeClr val="bg1"/>
-                </a:solidFill>
-                <a:latin typeface="+mj-lt"/>
-                <a:cs typeface="Times New Roman" panose="02020603050405020304" pitchFamily="18" charset="0"/>
-              </a:rPr>
-              <a:t>University </a:t>
-            </a:r>
-            <a:r>
-              <a:rPr lang="en-US" sz="4000" dirty="0">
-                <a:solidFill>
-                  <a:schemeClr val="bg1"/>
-                </a:solidFill>
-                <a:latin typeface="+mj-lt"/>
-                <a:cs typeface="Times New Roman" panose="02020603050405020304" pitchFamily="18" charset="0"/>
-              </a:rPr>
-              <a:t>of Maryland, Baltimore </a:t>
-            </a:r>
-            <a:r>
-              <a:rPr lang="en-US" sz="4000" dirty="0" smtClean="0">
-                <a:solidFill>
-                  <a:schemeClr val="bg1"/>
-                </a:solidFill>
-                <a:latin typeface="+mj-lt"/>
-                <a:cs typeface="Times New Roman" panose="02020603050405020304" pitchFamily="18" charset="0"/>
-              </a:rPr>
-              <a:t>County</a:t>
-            </a:r>
-            <a:endParaRPr lang="en-US" sz="4000" dirty="0">
-              <a:solidFill>
-                <a:schemeClr val="bg1"/>
-              </a:solidFill>
-              <a:latin typeface="+mj-lt"/>
-              <a:cs typeface="Times New Roman" panose="02020603050405020304" pitchFamily="18" charset="0"/>
-            </a:endParaRPr>
           </a:p>
         </p:txBody>
       </p:sp>
@@ -11397,7 +11102,7 @@
                 <a:buNone/>
                 <a:tabLst/>
               </a:pPr>
-              <a:endParaRPr kumimoji="0" lang="en-US" sz="7500" b="0" i="0" u="none" strike="noStrike" cap="none" normalizeH="0" baseline="0" smtClean="0">
+              <a:endParaRPr kumimoji="0" lang="en-US" sz="7500" b="0" i="0" u="none" strike="noStrike" cap="none" normalizeH="0" baseline="0">
                 <a:ln>
                   <a:noFill/>
                 </a:ln>
@@ -11837,7 +11542,7 @@
               <a:tabLst/>
             </a:pPr>
             <a:r>
-              <a:rPr kumimoji="0" lang="en-US" sz="2800" b="1" i="0" u="none" strike="noStrike" cap="none" normalizeH="0" baseline="0" dirty="0" smtClean="0">
+              <a:rPr kumimoji="0" lang="en-US" sz="2800" b="1" i="0" u="none" strike="noStrike" cap="none" normalizeH="0" baseline="0" dirty="0">
                 <a:ln>
                   <a:noFill/>
                 </a:ln>
@@ -11850,7 +11555,7 @@
               <a:t>Figure</a:t>
             </a:r>
             <a:r>
-              <a:rPr kumimoji="0" lang="en-US" sz="2800" b="1" i="0" u="none" strike="noStrike" cap="none" normalizeH="0" dirty="0" smtClean="0">
+              <a:rPr kumimoji="0" lang="en-US" sz="2800" b="1" i="0" u="none" strike="noStrike" cap="none" normalizeH="0" dirty="0">
                 <a:ln>
                   <a:noFill/>
                 </a:ln>
@@ -11863,7 +11568,7 @@
               <a:t> x: </a:t>
             </a:r>
             <a:r>
-              <a:rPr kumimoji="0" lang="en-US" sz="2800" b="0" i="0" u="none" strike="noStrike" cap="none" normalizeH="0" dirty="0" smtClean="0">
+              <a:rPr kumimoji="0" lang="en-US" sz="2800" b="0" i="0" u="none" strike="noStrike" cap="none" normalizeH="0" dirty="0">
                 <a:ln>
                   <a:noFill/>
                 </a:ln>
@@ -11875,7 +11580,7 @@
               </a:rPr>
               <a:t>GFAU Block Schematic</a:t>
             </a:r>
-            <a:endParaRPr kumimoji="0" lang="en-US" sz="2800" b="0" i="0" u="none" strike="noStrike" cap="none" normalizeH="0" baseline="0" dirty="0" smtClean="0">
+            <a:endParaRPr kumimoji="0" lang="en-US" sz="2800" b="0" i="0" u="none" strike="noStrike" cap="none" normalizeH="0" baseline="0" dirty="0">
               <a:ln>
                 <a:noFill/>
               </a:ln>
@@ -11958,7 +11663,7 @@
           <a:p>
             <a:pPr algn="ctr"/>
             <a:r>
-              <a:rPr lang="en-US" sz="3200" b="1" dirty="0" smtClean="0">
+              <a:rPr lang="en-US" sz="3200" b="1" dirty="0">
                 <a:solidFill>
                   <a:schemeClr val="bg1"/>
                 </a:solidFill>
@@ -11974,7 +11679,7 @@
           </a:p>
           <a:p>
             <a:pPr algn="ctr"/>
-            <a:endParaRPr lang="en-US" sz="2800" dirty="0" smtClean="0"/>
+            <a:endParaRPr lang="en-US" sz="2800" dirty="0"/>
           </a:p>
           <a:p>
             <a:pPr algn="ctr"/>
@@ -11982,7 +11687,7 @@
           </a:p>
           <a:p>
             <a:pPr algn="ctr"/>
-            <a:endParaRPr lang="en-US" sz="2800" dirty="0" smtClean="0"/>
+            <a:endParaRPr lang="en-US" sz="2800" dirty="0"/>
           </a:p>
           <a:p>
             <a:pPr algn="ctr"/>
@@ -11990,7 +11695,7 @@
           </a:p>
           <a:p>
             <a:pPr algn="ctr"/>
-            <a:endParaRPr lang="en-US" sz="2800" dirty="0" smtClean="0"/>
+            <a:endParaRPr lang="en-US" sz="2800" dirty="0"/>
           </a:p>
           <a:p>
             <a:pPr algn="ctr"/>
@@ -11998,7 +11703,7 @@
           </a:p>
           <a:p>
             <a:pPr algn="ctr"/>
-            <a:endParaRPr lang="en-US" sz="2800" dirty="0" smtClean="0"/>
+            <a:endParaRPr lang="en-US" sz="2800" dirty="0"/>
           </a:p>
           <a:p>
             <a:pPr algn="ctr"/>
@@ -12006,7 +11711,7 @@
           </a:p>
           <a:p>
             <a:pPr algn="ctr"/>
-            <a:endParaRPr lang="en-US" sz="2800" dirty="0" smtClean="0"/>
+            <a:endParaRPr lang="en-US" sz="2800" dirty="0"/>
           </a:p>
           <a:p>
             <a:pPr algn="ctr"/>
@@ -12019,7 +11724,7 @@
           <a:p>
             <a:pPr algn="ctr"/>
             <a:r>
-              <a:rPr lang="en-US" sz="3200" b="1" dirty="0" smtClean="0">
+              <a:rPr lang="en-US" sz="3200" b="1" dirty="0">
                 <a:solidFill>
                   <a:schemeClr val="bg1"/>
                 </a:solidFill>
@@ -12035,7 +11740,7 @@
           </a:p>
           <a:p>
             <a:pPr algn="ctr"/>
-            <a:endParaRPr lang="en-US" sz="2800" dirty="0" smtClean="0"/>
+            <a:endParaRPr lang="en-US" sz="2800" dirty="0"/>
           </a:p>
         </p:txBody>
       </p:sp>
@@ -12044,13 +11749,6 @@
   <p:clrMapOvr>
     <a:masterClrMapping/>
   </p:clrMapOvr>
-  <p:timing>
-    <p:tnLst>
-      <p:par>
-        <p:cTn id="1" dur="indefinite" restart="never" nodeType="tmRoot"/>
-      </p:par>
-    </p:tnLst>
-  </p:timing>
 </p:sld>
 </file>
 

--- a/docs/urcad/poster.pptx
+++ b/docs/urcad/poster.pptx
@@ -4409,15 +4409,16 @@
         </p:nvSpPr>
         <p:spPr bwMode="auto">
           <a:xfrm>
-            <a:off x="0" y="2566813"/>
-            <a:ext cx="36575999" cy="25312097"/>
+            <a:off x="1" y="2566813"/>
+            <a:ext cx="36575999" cy="24865187"/>
           </a:xfrm>
           <a:prstGeom prst="rect">
             <a:avLst/>
           </a:prstGeom>
           <a:solidFill>
-            <a:schemeClr val="bg1">
-              <a:lumMod val="95000"/>
+            <a:schemeClr val="bg2">
+              <a:lumMod val="20000"/>
+              <a:lumOff val="80000"/>
             </a:schemeClr>
           </a:solidFill>
           <a:ln w="9525" cap="flat" cmpd="sng" algn="ctr">
@@ -4474,8 +4475,8 @@
         </p:nvSpPr>
         <p:spPr bwMode="auto">
           <a:xfrm>
-            <a:off x="569983" y="1981200"/>
-            <a:ext cx="10789920" cy="25897710"/>
+            <a:off x="510540" y="3276600"/>
+            <a:ext cx="10789920" cy="23658335"/>
           </a:xfrm>
           <a:prstGeom prst="rect">
             <a:avLst/>
@@ -4483,8 +4484,10 @@
           <a:solidFill>
             <a:schemeClr val="bg1"/>
           </a:solidFill>
-          <a:ln w="9525" cap="flat" cmpd="sng" algn="ctr">
-            <a:noFill/>
+          <a:ln w="76200" cap="flat" cmpd="sng" algn="ctr">
+            <a:solidFill>
+              <a:srgbClr val="0B9444"/>
+            </a:solidFill>
             <a:prstDash val="solid"/>
             <a:round/>
             <a:headEnd type="none" w="med" len="med"/>
@@ -4537,8 +4540,8 @@
         </p:nvSpPr>
         <p:spPr bwMode="auto">
           <a:xfrm>
-            <a:off x="11929886" y="2552445"/>
-            <a:ext cx="12641559" cy="10993413"/>
+            <a:off x="11952746" y="3276599"/>
+            <a:ext cx="12641559" cy="10058401"/>
           </a:xfrm>
           <a:prstGeom prst="rect">
             <a:avLst/>
@@ -4546,8 +4549,10 @@
           <a:solidFill>
             <a:schemeClr val="bg1"/>
           </a:solidFill>
-          <a:ln w="9525" cap="flat" cmpd="sng" algn="ctr">
-            <a:noFill/>
+          <a:ln w="76200" cap="flat" cmpd="sng" algn="ctr">
+            <a:solidFill>
+              <a:srgbClr val="0B9444"/>
+            </a:solidFill>
             <a:prstDash val="solid"/>
             <a:round/>
             <a:headEnd type="none" w="med" len="med"/>
@@ -4600,8 +4605,8 @@
         </p:nvSpPr>
         <p:spPr bwMode="auto">
           <a:xfrm>
-            <a:off x="25146000" y="2459579"/>
-            <a:ext cx="10789920" cy="11090851"/>
+            <a:off x="25275540" y="3276600"/>
+            <a:ext cx="10789920" cy="10062925"/>
           </a:xfrm>
           <a:prstGeom prst="rect">
             <a:avLst/>
@@ -4609,8 +4614,10 @@
           <a:solidFill>
             <a:schemeClr val="bg1"/>
           </a:solidFill>
-          <a:ln w="9525" cap="flat" cmpd="sng" algn="ctr">
-            <a:noFill/>
+          <a:ln w="76200" cap="flat" cmpd="sng" algn="ctr">
+            <a:solidFill>
+              <a:srgbClr val="0B9444"/>
+            </a:solidFill>
             <a:prstDash val="solid"/>
             <a:round/>
             <a:headEnd type="none" w="med" len="med"/>
@@ -4663,8 +4670,8 @@
         </p:nvSpPr>
         <p:spPr bwMode="auto">
           <a:xfrm>
-            <a:off x="-32658" y="44353"/>
-            <a:ext cx="36608657" cy="2751428"/>
+            <a:off x="-76200" y="-24540"/>
+            <a:ext cx="36728399" cy="2890131"/>
           </a:xfrm>
           <a:prstGeom prst="rect">
             <a:avLst/>
@@ -4735,8 +4742,8 @@
         </p:nvSpPr>
         <p:spPr>
           <a:xfrm>
-            <a:off x="-32658" y="-94349"/>
-            <a:ext cx="36608657" cy="2075549"/>
+            <a:off x="-76201" y="-21000"/>
+            <a:ext cx="36728399" cy="2075549"/>
           </a:xfrm>
           <a:custGeom>
             <a:avLst/>
@@ -5370,14 +5377,447 @@
         </p:nvSpPr>
         <p:spPr bwMode="auto">
           <a:xfrm>
-            <a:off x="11914502" y="14020800"/>
-            <a:ext cx="24026522" cy="12954000"/>
+            <a:off x="11937362" y="13944599"/>
+            <a:ext cx="24128098" cy="12990335"/>
           </a:xfrm>
           <a:prstGeom prst="rect">
             <a:avLst/>
           </a:prstGeom>
           <a:solidFill>
             <a:schemeClr val="bg1"/>
+          </a:solidFill>
+          <a:ln w="76200" cap="flat" cmpd="sng" algn="ctr">
+            <a:solidFill>
+              <a:srgbClr val="0B9444"/>
+            </a:solidFill>
+            <a:prstDash val="solid"/>
+            <a:round/>
+            <a:headEnd type="none" w="med" len="med"/>
+            <a:tailEnd type="none" w="med" len="med"/>
+          </a:ln>
+          <a:effectLst/>
+        </p:spPr>
+        <p:txBody>
+          <a:bodyPr vert="horz" wrap="square" lIns="91440" tIns="45720" rIns="91440" bIns="45720" numCol="1" rtlCol="0" anchor="t" anchorCtr="0" compatLnSpc="1">
+            <a:prstTxWarp prst="textNoShape">
+              <a:avLst/>
+            </a:prstTxWarp>
+          </a:bodyPr>
+          <a:lstStyle/>
+          <a:p>
+            <a:pPr marL="0" marR="0" indent="0" algn="l" defTabSz="3760788" rtl="0" eaLnBrk="1" fontAlgn="base" latinLnBrk="0" hangingPunct="1">
+              <a:lnSpc>
+                <a:spcPct val="100000"/>
+              </a:lnSpc>
+              <a:spcBef>
+                <a:spcPct val="0"/>
+              </a:spcBef>
+              <a:spcAft>
+                <a:spcPct val="0"/>
+              </a:spcAft>
+              <a:buClrTx/>
+              <a:buSzTx/>
+              <a:buFontTx/>
+              <a:buNone/>
+              <a:tabLst/>
+            </a:pPr>
+            <a:endParaRPr kumimoji="0" lang="en-US" sz="7500" b="0" i="0" u="none" strike="noStrike" cap="none" normalizeH="0" baseline="0">
+              <a:ln>
+                <a:noFill/>
+              </a:ln>
+              <a:solidFill>
+                <a:schemeClr val="tx1"/>
+              </a:solidFill>
+              <a:effectLst/>
+              <a:latin typeface="MS Gothic" pitchFamily="49" charset="-128"/>
+            </a:endParaRPr>
+          </a:p>
+        </p:txBody>
+      </p:sp>
+      <p:sp>
+        <p:nvSpPr>
+          <p:cNvPr id="22" name="Rectangle 21"/>
+          <p:cNvSpPr/>
+          <p:nvPr userDrawn="1"/>
+        </p:nvSpPr>
+        <p:spPr bwMode="auto">
+          <a:xfrm>
+            <a:off x="11985404" y="26414927"/>
+            <a:ext cx="24080056" cy="494607"/>
+          </a:xfrm>
+          <a:prstGeom prst="rect">
+            <a:avLst/>
+          </a:prstGeom>
+          <a:solidFill>
+            <a:srgbClr val="0B9444"/>
+          </a:solidFill>
+          <a:ln w="76200" cap="flat" cmpd="sng" algn="ctr">
+            <a:solidFill>
+              <a:srgbClr val="0B9444"/>
+            </a:solidFill>
+            <a:prstDash val="solid"/>
+            <a:round/>
+            <a:headEnd type="none" w="med" len="med"/>
+            <a:tailEnd type="none" w="med" len="med"/>
+          </a:ln>
+          <a:effectLst/>
+        </p:spPr>
+        <p:txBody>
+          <a:bodyPr vert="horz" wrap="square" lIns="91440" tIns="45720" rIns="91440" bIns="45720" numCol="1" rtlCol="0" anchor="t" anchorCtr="0" compatLnSpc="1">
+            <a:prstTxWarp prst="textNoShape">
+              <a:avLst/>
+            </a:prstTxWarp>
+          </a:bodyPr>
+          <a:lstStyle/>
+          <a:p>
+            <a:pPr marL="0" marR="0" indent="0" algn="ctr" defTabSz="3760788" rtl="0" eaLnBrk="1" fontAlgn="base" latinLnBrk="0" hangingPunct="1">
+              <a:lnSpc>
+                <a:spcPct val="100000"/>
+              </a:lnSpc>
+              <a:spcBef>
+                <a:spcPct val="0"/>
+              </a:spcBef>
+              <a:spcAft>
+                <a:spcPct val="0"/>
+              </a:spcAft>
+              <a:buClrTx/>
+              <a:buSzTx/>
+              <a:buFontTx/>
+              <a:buNone/>
+              <a:tabLst/>
+            </a:pPr>
+            <a:r>
+              <a:rPr kumimoji="0" lang="en-US" sz="2800" b="1" i="0" u="none" strike="noStrike" cap="none" normalizeH="0" baseline="0" dirty="0">
+                <a:ln>
+                  <a:noFill/>
+                </a:ln>
+                <a:solidFill>
+                  <a:schemeClr val="bg1"/>
+                </a:solidFill>
+                <a:effectLst/>
+                <a:latin typeface="+mj-lt"/>
+              </a:rPr>
+              <a:t>Figure</a:t>
+            </a:r>
+            <a:r>
+              <a:rPr kumimoji="0" lang="en-US" sz="2800" b="1" i="0" u="none" strike="noStrike" cap="none" normalizeH="0" dirty="0">
+                <a:ln>
+                  <a:noFill/>
+                </a:ln>
+                <a:solidFill>
+                  <a:schemeClr val="bg1"/>
+                </a:solidFill>
+                <a:effectLst/>
+                <a:latin typeface="+mj-lt"/>
+              </a:rPr>
+              <a:t> 4: </a:t>
+            </a:r>
+            <a:r>
+              <a:rPr kumimoji="0" lang="en-US" sz="2800" b="0" i="0" u="none" strike="noStrike" cap="none" normalizeH="0" dirty="0">
+                <a:ln>
+                  <a:noFill/>
+                </a:ln>
+                <a:solidFill>
+                  <a:schemeClr val="bg1"/>
+                </a:solidFill>
+                <a:effectLst/>
+                <a:latin typeface="+mj-lt"/>
+              </a:rPr>
+              <a:t>GFAU Block Schematic</a:t>
+            </a:r>
+            <a:endParaRPr kumimoji="0" lang="en-US" sz="2800" b="0" i="1" u="none" strike="noStrike" cap="none" normalizeH="0" baseline="0" dirty="0">
+              <a:ln>
+                <a:noFill/>
+              </a:ln>
+              <a:solidFill>
+                <a:schemeClr val="bg1"/>
+              </a:solidFill>
+              <a:effectLst/>
+              <a:latin typeface="+mj-lt"/>
+            </a:endParaRPr>
+          </a:p>
+        </p:txBody>
+      </p:sp>
+      <p:sp>
+        <p:nvSpPr>
+          <p:cNvPr id="23" name="Rectangle 22"/>
+          <p:cNvSpPr>
+            <a:spLocks noChangeArrowheads="1"/>
+          </p:cNvSpPr>
+          <p:nvPr userDrawn="1"/>
+        </p:nvSpPr>
+        <p:spPr bwMode="auto">
+          <a:xfrm>
+            <a:off x="535238" y="21183600"/>
+            <a:ext cx="10745733" cy="731520"/>
+          </a:xfrm>
+          <a:prstGeom prst="rect">
+            <a:avLst/>
+          </a:prstGeom>
+          <a:solidFill>
+            <a:srgbClr val="0B9444"/>
+          </a:solidFill>
+          <a:ln w="76200">
+            <a:noFill/>
+            <a:miter lim="800000"/>
+            <a:headEnd/>
+            <a:tailEnd/>
+          </a:ln>
+          <a:effectLst/>
+        </p:spPr>
+        <p:txBody>
+          <a:bodyPr wrap="square" lIns="57149" tIns="23379" rIns="57149" bIns="23379">
+            <a:spAutoFit/>
+          </a:bodyPr>
+          <a:lstStyle/>
+          <a:p>
+            <a:pPr algn="ctr"/>
+            <a:endParaRPr lang="en-US" sz="3600" b="1" dirty="0">
+              <a:solidFill>
+                <a:schemeClr val="bg1"/>
+              </a:solidFill>
+              <a:latin typeface="+mj-lt"/>
+              <a:cs typeface="Arial" panose="020B0604020202020204" pitchFamily="34" charset="0"/>
+            </a:endParaRPr>
+          </a:p>
+        </p:txBody>
+      </p:sp>
+      <p:sp>
+        <p:nvSpPr>
+          <p:cNvPr id="24" name="Rectangle 22"/>
+          <p:cNvSpPr>
+            <a:spLocks noChangeArrowheads="1"/>
+          </p:cNvSpPr>
+          <p:nvPr userDrawn="1"/>
+        </p:nvSpPr>
+        <p:spPr bwMode="auto">
+          <a:xfrm>
+            <a:off x="542894" y="3276599"/>
+            <a:ext cx="10738112" cy="731520"/>
+          </a:xfrm>
+          <a:prstGeom prst="rect">
+            <a:avLst/>
+          </a:prstGeom>
+          <a:solidFill>
+            <a:srgbClr val="0B9444"/>
+          </a:solidFill>
+          <a:ln w="76200">
+            <a:noFill/>
+            <a:miter lim="800000"/>
+            <a:headEnd/>
+            <a:tailEnd/>
+          </a:ln>
+          <a:effectLst/>
+        </p:spPr>
+        <p:txBody>
+          <a:bodyPr wrap="square" lIns="57149" tIns="23379" rIns="57149" bIns="23379">
+            <a:spAutoFit/>
+          </a:bodyPr>
+          <a:lstStyle/>
+          <a:p>
+            <a:pPr algn="ctr"/>
+            <a:endParaRPr lang="en-US" sz="3600" b="1" dirty="0">
+              <a:solidFill>
+                <a:schemeClr val="bg1"/>
+              </a:solidFill>
+              <a:latin typeface="+mj-lt"/>
+              <a:cs typeface="Arial" panose="020B0604020202020204" pitchFamily="34" charset="0"/>
+            </a:endParaRPr>
+          </a:p>
+        </p:txBody>
+      </p:sp>
+      <p:sp>
+        <p:nvSpPr>
+          <p:cNvPr id="25" name="Rectangle 22"/>
+          <p:cNvSpPr>
+            <a:spLocks noChangeArrowheads="1"/>
+          </p:cNvSpPr>
+          <p:nvPr userDrawn="1"/>
+        </p:nvSpPr>
+        <p:spPr bwMode="auto">
+          <a:xfrm>
+            <a:off x="533400" y="17305788"/>
+            <a:ext cx="10747571" cy="731520"/>
+          </a:xfrm>
+          <a:prstGeom prst="rect">
+            <a:avLst/>
+          </a:prstGeom>
+          <a:solidFill>
+            <a:srgbClr val="0B9444"/>
+          </a:solidFill>
+          <a:ln w="76200">
+            <a:noFill/>
+            <a:miter lim="800000"/>
+            <a:headEnd/>
+            <a:tailEnd/>
+          </a:ln>
+          <a:effectLst/>
+        </p:spPr>
+        <p:txBody>
+          <a:bodyPr wrap="square" lIns="57149" tIns="23379" rIns="57149" bIns="23379">
+            <a:spAutoFit/>
+          </a:bodyPr>
+          <a:lstStyle/>
+          <a:p>
+            <a:pPr algn="ctr"/>
+            <a:endParaRPr lang="en-US" sz="3600" b="1" dirty="0">
+              <a:solidFill>
+                <a:schemeClr val="bg1"/>
+              </a:solidFill>
+              <a:latin typeface="+mj-lt"/>
+              <a:cs typeface="Arial" panose="020B0604020202020204" pitchFamily="34" charset="0"/>
+            </a:endParaRPr>
+          </a:p>
+        </p:txBody>
+      </p:sp>
+      <p:sp>
+        <p:nvSpPr>
+          <p:cNvPr id="26" name="Rectangle 22"/>
+          <p:cNvSpPr>
+            <a:spLocks noChangeArrowheads="1"/>
+          </p:cNvSpPr>
+          <p:nvPr userDrawn="1"/>
+        </p:nvSpPr>
+        <p:spPr bwMode="auto">
+          <a:xfrm>
+            <a:off x="543215" y="14257788"/>
+            <a:ext cx="10737792" cy="731520"/>
+          </a:xfrm>
+          <a:prstGeom prst="rect">
+            <a:avLst/>
+          </a:prstGeom>
+          <a:solidFill>
+            <a:srgbClr val="0B9444"/>
+          </a:solidFill>
+          <a:ln w="76200">
+            <a:noFill/>
+            <a:miter lim="800000"/>
+            <a:headEnd/>
+            <a:tailEnd/>
+          </a:ln>
+          <a:effectLst/>
+        </p:spPr>
+        <p:txBody>
+          <a:bodyPr wrap="square" lIns="57149" tIns="23379" rIns="57149" bIns="23379">
+            <a:spAutoFit/>
+          </a:bodyPr>
+          <a:lstStyle/>
+          <a:p>
+            <a:pPr algn="ctr"/>
+            <a:endParaRPr lang="en-US" sz="3600" b="1" dirty="0">
+              <a:solidFill>
+                <a:schemeClr val="bg1"/>
+              </a:solidFill>
+              <a:latin typeface="+mj-lt"/>
+              <a:cs typeface="Arial" panose="020B0604020202020204" pitchFamily="34" charset="0"/>
+            </a:endParaRPr>
+          </a:p>
+        </p:txBody>
+      </p:sp>
+      <p:sp>
+        <p:nvSpPr>
+          <p:cNvPr id="27" name="Rectangle 22"/>
+          <p:cNvSpPr>
+            <a:spLocks noChangeArrowheads="1"/>
+          </p:cNvSpPr>
+          <p:nvPr userDrawn="1"/>
+        </p:nvSpPr>
+        <p:spPr bwMode="auto">
+          <a:xfrm>
+            <a:off x="25292965" y="3281599"/>
+            <a:ext cx="10749635" cy="731520"/>
+          </a:xfrm>
+          <a:prstGeom prst="rect">
+            <a:avLst/>
+          </a:prstGeom>
+          <a:solidFill>
+            <a:srgbClr val="0B9444"/>
+          </a:solidFill>
+          <a:ln w="76200">
+            <a:noFill/>
+            <a:miter lim="800000"/>
+            <a:headEnd/>
+            <a:tailEnd/>
+          </a:ln>
+          <a:effectLst/>
+        </p:spPr>
+        <p:txBody>
+          <a:bodyPr wrap="square" lIns="57149" tIns="23379" rIns="57149" bIns="23379">
+            <a:spAutoFit/>
+          </a:bodyPr>
+          <a:lstStyle/>
+          <a:p>
+            <a:pPr algn="ctr"/>
+            <a:endParaRPr lang="en-US" sz="3600" b="1" dirty="0">
+              <a:solidFill>
+                <a:schemeClr val="bg1"/>
+              </a:solidFill>
+              <a:latin typeface="+mj-lt"/>
+              <a:cs typeface="Arial" panose="020B0604020202020204" pitchFamily="34" charset="0"/>
+            </a:endParaRPr>
+          </a:p>
+        </p:txBody>
+      </p:sp>
+      <p:sp>
+        <p:nvSpPr>
+          <p:cNvPr id="28" name="Rectangle 22"/>
+          <p:cNvSpPr>
+            <a:spLocks noChangeArrowheads="1"/>
+          </p:cNvSpPr>
+          <p:nvPr userDrawn="1"/>
+        </p:nvSpPr>
+        <p:spPr bwMode="auto">
+          <a:xfrm>
+            <a:off x="25248552" y="10447788"/>
+            <a:ext cx="10794048" cy="731520"/>
+          </a:xfrm>
+          <a:prstGeom prst="rect">
+            <a:avLst/>
+          </a:prstGeom>
+          <a:solidFill>
+            <a:srgbClr val="0B9444"/>
+          </a:solidFill>
+          <a:ln w="76200">
+            <a:noFill/>
+            <a:miter lim="800000"/>
+            <a:headEnd/>
+            <a:tailEnd/>
+          </a:ln>
+          <a:effectLst/>
+        </p:spPr>
+        <p:txBody>
+          <a:bodyPr wrap="square" lIns="57149" tIns="23379" rIns="57149" bIns="23379">
+            <a:spAutoFit/>
+          </a:bodyPr>
+          <a:lstStyle/>
+          <a:p>
+            <a:pPr algn="ctr"/>
+            <a:endParaRPr lang="en-US" sz="3600" b="1" dirty="0">
+              <a:solidFill>
+                <a:schemeClr val="bg1"/>
+              </a:solidFill>
+              <a:latin typeface="+mj-lt"/>
+              <a:cs typeface="Arial" panose="020B0604020202020204" pitchFamily="34" charset="0"/>
+            </a:endParaRPr>
+          </a:p>
+        </p:txBody>
+      </p:sp>
+      <p:sp>
+        <p:nvSpPr>
+          <p:cNvPr id="29" name="Rectangle 28"/>
+          <p:cNvSpPr/>
+          <p:nvPr userDrawn="1"/>
+        </p:nvSpPr>
+        <p:spPr bwMode="auto">
+          <a:xfrm>
+            <a:off x="11951355" y="3276599"/>
+            <a:ext cx="3124200" cy="731520"/>
+          </a:xfrm>
+          <a:prstGeom prst="rect">
+            <a:avLst/>
+          </a:prstGeom>
+          <a:solidFill>
+            <a:srgbClr val="0B9444"/>
           </a:solidFill>
           <a:ln w="9525" cap="flat" cmpd="sng" algn="ctr">
             <a:noFill/>
@@ -5843,20 +6283,18 @@
         </p:nvSpPr>
         <p:spPr>
           <a:xfrm>
-            <a:off x="18288000" y="3789508"/>
+            <a:off x="18571621" y="3522077"/>
             <a:ext cx="5888579" cy="9571851"/>
           </a:xfrm>
           <a:prstGeom prst="rect">
             <a:avLst/>
           </a:prstGeom>
           <a:ln>
-            <a:solidFill>
-              <a:schemeClr val="bg1"/>
-            </a:solidFill>
+            <a:noFill/>
           </a:ln>
         </p:spPr>
         <p:txBody>
-          <a:bodyPr wrap="square" numCol="1">
+          <a:bodyPr wrap="square" numCol="1" anchor="ctr">
             <a:spAutoFit/>
           </a:bodyPr>
           <a:lstStyle/>
@@ -5873,7 +6311,7 @@
             </a:pPr>
             <a:r>
               <a:rPr lang="en-US" sz="2800" b="1" dirty="0">
-                <a:latin typeface="Arial" panose="020B0604020202020204" pitchFamily="34" charset="0"/>
+                <a:latin typeface="+mn-lt"/>
               </a:rPr>
               <a:t>IO Handler</a:t>
             </a:r>
@@ -5891,7 +6329,7 @@
             </a:pPr>
             <a:r>
               <a:rPr lang="en-US" sz="2800" dirty="0">
-                <a:latin typeface="Arial" panose="020B0604020202020204" pitchFamily="34" charset="0"/>
+                <a:latin typeface="+mn-lt"/>
               </a:rPr>
               <a:t>Handles all communication between GFAU and external device</a:t>
             </a:r>
@@ -5909,10 +6347,25 @@
             </a:pPr>
             <a:r>
               <a:rPr lang="en-US" sz="2800" dirty="0">
-                <a:latin typeface="Arial" panose="020B0604020202020204" pitchFamily="34" charset="0"/>
+                <a:latin typeface="+mn-lt"/>
               </a:rPr>
               <a:t>Simple parallel protocol and scalable IO bus make communication fast and flexible</a:t>
             </a:r>
+          </a:p>
+          <a:p>
+            <a:pPr marL="914400" lvl="1" indent="-457200">
+              <a:spcBef>
+                <a:spcPts val="0"/>
+              </a:spcBef>
+              <a:spcAft>
+                <a:spcPts val="0"/>
+              </a:spcAft>
+              <a:buFont typeface="Courier New" panose="02070309020205020404" pitchFamily="49" charset="0"/>
+              <a:buChar char="o"/>
+            </a:pPr>
+            <a:endParaRPr lang="en-US" sz="2800" dirty="0">
+              <a:latin typeface="+mn-lt"/>
+            </a:endParaRPr>
           </a:p>
           <a:p>
             <a:pPr marL="914400" lvl="1" indent="-457200">
@@ -5926,7 +6379,7 @@
               <a:buChar char="§"/>
             </a:pPr>
             <a:endParaRPr lang="en-US" sz="2800" dirty="0">
-              <a:latin typeface="Arial" panose="020B0604020202020204" pitchFamily="34" charset="0"/>
+              <a:latin typeface="+mn-lt"/>
             </a:endParaRPr>
           </a:p>
           <a:p>
@@ -5941,7 +6394,7 @@
               <a:buChar char="§"/>
             </a:pPr>
             <a:endParaRPr lang="en-US" sz="2800" dirty="0">
-              <a:latin typeface="Arial" panose="020B0604020202020204" pitchFamily="34" charset="0"/>
+              <a:latin typeface="+mn-lt"/>
             </a:endParaRPr>
           </a:p>
           <a:p>
@@ -5956,7 +6409,7 @@
               <a:buChar char="§"/>
             </a:pPr>
             <a:endParaRPr lang="en-US" sz="2800" dirty="0">
-              <a:latin typeface="Arial" panose="020B0604020202020204" pitchFamily="34" charset="0"/>
+              <a:latin typeface="+mn-lt"/>
             </a:endParaRPr>
           </a:p>
           <a:p>
@@ -5971,7 +6424,7 @@
               <a:buChar char="§"/>
             </a:pPr>
             <a:endParaRPr lang="en-US" sz="2800" dirty="0">
-              <a:latin typeface="Arial" panose="020B0604020202020204" pitchFamily="34" charset="0"/>
+              <a:latin typeface="+mn-lt"/>
             </a:endParaRPr>
           </a:p>
           <a:p>
@@ -5986,7 +6439,7 @@
               <a:buChar char="§"/>
             </a:pPr>
             <a:endParaRPr lang="en-US" sz="2800" dirty="0">
-              <a:latin typeface="Arial" panose="020B0604020202020204" pitchFamily="34" charset="0"/>
+              <a:latin typeface="+mn-lt"/>
             </a:endParaRPr>
           </a:p>
           <a:p>
@@ -6001,22 +6454,7 @@
               <a:buChar char="§"/>
             </a:pPr>
             <a:endParaRPr lang="en-US" sz="2800" dirty="0">
-              <a:latin typeface="Arial" panose="020B0604020202020204" pitchFamily="34" charset="0"/>
-            </a:endParaRPr>
-          </a:p>
-          <a:p>
-            <a:pPr marL="914400" lvl="1" indent="-457200">
-              <a:spcBef>
-                <a:spcPts val="0"/>
-              </a:spcBef>
-              <a:spcAft>
-                <a:spcPts val="0"/>
-              </a:spcAft>
-              <a:buFont typeface="Wingdings" panose="05000000000000000000" pitchFamily="2" charset="2"/>
-              <a:buChar char="§"/>
-            </a:pPr>
-            <a:endParaRPr lang="en-US" sz="2800" dirty="0">
-              <a:latin typeface="Arial" panose="020B0604020202020204" pitchFamily="34" charset="0"/>
+              <a:latin typeface="+mn-lt"/>
             </a:endParaRPr>
           </a:p>
           <a:p>
@@ -6030,13 +6468,13 @@
             </a:pPr>
             <a:r>
               <a:rPr lang="en-US" sz="2800" b="1" dirty="0">
-                <a:latin typeface="Arial" panose="020B0604020202020204" pitchFamily="34" charset="0"/>
+                <a:latin typeface="+mn-lt"/>
               </a:rPr>
               <a:t>      Figure 3: </a:t>
             </a:r>
             <a:r>
               <a:rPr lang="en-US" sz="2800" dirty="0">
-                <a:latin typeface="Arial" panose="020B0604020202020204" pitchFamily="34" charset="0"/>
+                <a:latin typeface="+mn-lt"/>
               </a:rPr>
               <a:t>Timing Diagram </a:t>
             </a:r>
@@ -6051,7 +6489,7 @@
               </a:spcAft>
             </a:pPr>
             <a:endParaRPr lang="en-US" sz="2800" dirty="0">
-              <a:latin typeface="Arial" panose="020B0604020202020204" pitchFamily="34" charset="0"/>
+              <a:latin typeface="+mn-lt"/>
             </a:endParaRPr>
           </a:p>
           <a:p>
@@ -6070,7 +6508,7 @@
                 <a:solidFill>
                   <a:srgbClr val="000000"/>
                 </a:solidFill>
-                <a:latin typeface="Arial" panose="020B0604020202020204" pitchFamily="34" charset="0"/>
+                <a:latin typeface="+mn-lt"/>
               </a:rPr>
               <a:t>Memory wrapper</a:t>
             </a:r>
@@ -6091,961 +6529,882 @@
                 <a:solidFill>
                   <a:srgbClr val="000000"/>
                 </a:solidFill>
-                <a:latin typeface="Arial" panose="020B0604020202020204" pitchFamily="34" charset="0"/>
+                <a:latin typeface="+mn-lt"/>
               </a:rPr>
               <a:t>Handle memory read and write requests from the generator, operators and control unit</a:t>
             </a:r>
           </a:p>
         </p:txBody>
       </p:sp>
-      <p:sp>
-        <p:nvSpPr>
-          <p:cNvPr id="31" name="Rectangle 22"/>
-          <p:cNvSpPr>
-            <a:spLocks noChangeArrowheads="1"/>
-          </p:cNvSpPr>
-          <p:nvPr/>
-        </p:nvSpPr>
-        <p:spPr bwMode="auto">
-          <a:xfrm>
-            <a:off x="569847" y="20658588"/>
-            <a:ext cx="10902521" cy="601212"/>
-          </a:xfrm>
-          <a:prstGeom prst="rect">
-            <a:avLst/>
-          </a:prstGeom>
-          <a:solidFill>
-            <a:srgbClr val="008D4A"/>
-          </a:solidFill>
-          <a:ln w="76200">
-            <a:noFill/>
-            <a:miter lim="800000"/>
-            <a:headEnd/>
-            <a:tailEnd/>
-          </a:ln>
-          <a:effectLst/>
-        </p:spPr>
-        <p:txBody>
-          <a:bodyPr wrap="square" lIns="57149" tIns="23379" rIns="57149" bIns="23379">
-            <a:spAutoFit/>
-          </a:bodyPr>
-          <a:lstStyle/>
-          <a:p>
-            <a:pPr algn="ctr"/>
-            <a:endParaRPr lang="en-US" sz="3600" b="1" dirty="0">
-              <a:solidFill>
-                <a:schemeClr val="bg1"/>
-              </a:solidFill>
-              <a:latin typeface="+mj-lt"/>
-              <a:cs typeface="Arial" panose="020B0604020202020204" pitchFamily="34" charset="0"/>
-            </a:endParaRPr>
-          </a:p>
-        </p:txBody>
-      </p:sp>
-      <p:sp>
-        <p:nvSpPr>
-          <p:cNvPr id="36" name="Rectangle 22"/>
-          <p:cNvSpPr>
-            <a:spLocks noChangeArrowheads="1"/>
-          </p:cNvSpPr>
-          <p:nvPr/>
-        </p:nvSpPr>
-        <p:spPr bwMode="auto">
-          <a:xfrm>
-            <a:off x="553417" y="3188296"/>
-            <a:ext cx="10881360" cy="601212"/>
-          </a:xfrm>
-          <a:prstGeom prst="rect">
-            <a:avLst/>
-          </a:prstGeom>
-          <a:solidFill>
-            <a:srgbClr val="008D4A"/>
-          </a:solidFill>
-          <a:ln w="76200">
-            <a:noFill/>
-            <a:miter lim="800000"/>
-            <a:headEnd/>
-            <a:tailEnd/>
-          </a:ln>
-          <a:effectLst/>
-        </p:spPr>
-        <p:txBody>
-          <a:bodyPr wrap="square" lIns="57149" tIns="23379" rIns="57149" bIns="23379">
-            <a:spAutoFit/>
-          </a:bodyPr>
-          <a:lstStyle/>
-          <a:p>
-            <a:pPr algn="ctr"/>
-            <a:endParaRPr lang="en-US" sz="3600" b="1" dirty="0">
-              <a:solidFill>
-                <a:schemeClr val="bg1"/>
-              </a:solidFill>
-              <a:latin typeface="+mj-lt"/>
-              <a:cs typeface="Arial" panose="020B0604020202020204" pitchFamily="34" charset="0"/>
-            </a:endParaRPr>
-          </a:p>
-        </p:txBody>
-      </p:sp>
-      <p:sp>
-        <p:nvSpPr>
-          <p:cNvPr id="29" name="Rectangle 22"/>
-          <p:cNvSpPr>
-            <a:spLocks noChangeArrowheads="1"/>
-          </p:cNvSpPr>
-          <p:nvPr/>
-        </p:nvSpPr>
-        <p:spPr bwMode="auto">
-          <a:xfrm>
-            <a:off x="568010" y="16696188"/>
-            <a:ext cx="10881360" cy="601212"/>
-          </a:xfrm>
-          <a:prstGeom prst="rect">
-            <a:avLst/>
-          </a:prstGeom>
-          <a:solidFill>
-            <a:srgbClr val="008D4A"/>
-          </a:solidFill>
-          <a:ln w="76200">
-            <a:noFill/>
-            <a:miter lim="800000"/>
-            <a:headEnd/>
-            <a:tailEnd/>
-          </a:ln>
-          <a:effectLst/>
-        </p:spPr>
-        <p:txBody>
-          <a:bodyPr wrap="square" lIns="57149" tIns="23379" rIns="57149" bIns="23379">
-            <a:spAutoFit/>
-          </a:bodyPr>
-          <a:lstStyle/>
-          <a:p>
-            <a:pPr algn="ctr"/>
-            <a:endParaRPr lang="en-US" sz="3600" b="1" dirty="0">
-              <a:solidFill>
-                <a:schemeClr val="bg1"/>
-              </a:solidFill>
-              <a:latin typeface="+mj-lt"/>
-              <a:cs typeface="Arial" panose="020B0604020202020204" pitchFamily="34" charset="0"/>
-            </a:endParaRPr>
-          </a:p>
-        </p:txBody>
-      </p:sp>
-      <p:sp>
-        <p:nvSpPr>
-          <p:cNvPr id="27" name="Rectangle 22"/>
-          <p:cNvSpPr>
-            <a:spLocks noChangeArrowheads="1"/>
-          </p:cNvSpPr>
-          <p:nvPr/>
-        </p:nvSpPr>
-        <p:spPr bwMode="auto">
-          <a:xfrm>
-            <a:off x="533400" y="13722029"/>
-            <a:ext cx="10881360" cy="601212"/>
-          </a:xfrm>
-          <a:prstGeom prst="rect">
-            <a:avLst/>
-          </a:prstGeom>
-          <a:solidFill>
-            <a:srgbClr val="008D4A"/>
-          </a:solidFill>
-          <a:ln w="76200">
-            <a:noFill/>
-            <a:miter lim="800000"/>
-            <a:headEnd/>
-            <a:tailEnd/>
-          </a:ln>
-          <a:effectLst/>
-        </p:spPr>
-        <p:txBody>
-          <a:bodyPr wrap="square" lIns="57149" tIns="23379" rIns="57149" bIns="23379">
-            <a:spAutoFit/>
-          </a:bodyPr>
-          <a:lstStyle/>
-          <a:p>
-            <a:pPr algn="ctr"/>
-            <a:endParaRPr lang="en-US" sz="3600" b="1" dirty="0">
-              <a:solidFill>
-                <a:schemeClr val="bg1"/>
-              </a:solidFill>
-              <a:latin typeface="+mj-lt"/>
-              <a:cs typeface="Arial" panose="020B0604020202020204" pitchFamily="34" charset="0"/>
-            </a:endParaRPr>
-          </a:p>
-        </p:txBody>
-      </p:sp>
-      <p:sp>
-        <p:nvSpPr>
-          <p:cNvPr id="20" name="Rectangle 19"/>
-          <p:cNvSpPr/>
-          <p:nvPr/>
-        </p:nvSpPr>
-        <p:spPr>
-          <a:xfrm flipH="1">
-            <a:off x="796609" y="3200400"/>
-            <a:ext cx="10354942" cy="4229978"/>
-          </a:xfrm>
-          <a:prstGeom prst="rect">
-            <a:avLst/>
-          </a:prstGeom>
-          <a:noFill/>
-          <a:ln w="76200">
-            <a:noFill/>
-          </a:ln>
-          <a:effectLst/>
-        </p:spPr>
-        <p:style>
-          <a:lnRef idx="2">
-            <a:schemeClr val="accent6"/>
-          </a:lnRef>
-          <a:fillRef idx="1">
-            <a:schemeClr val="lt1"/>
-          </a:fillRef>
-          <a:effectRef idx="0">
-            <a:schemeClr val="accent6"/>
-          </a:effectRef>
-          <a:fontRef idx="minor">
-            <a:schemeClr val="dk1"/>
-          </a:fontRef>
-        </p:style>
-        <p:txBody>
-          <a:bodyPr rtlCol="0" anchor="t"/>
-          <a:lstStyle/>
-          <a:p>
-            <a:pPr algn="ctr"/>
-            <a:r>
-              <a:rPr lang="en-US" sz="3200" b="1" dirty="0">
-                <a:solidFill>
-                  <a:schemeClr val="bg1"/>
-                </a:solidFill>
-              </a:rPr>
-              <a:t>What are Galois Fields?</a:t>
-            </a:r>
-            <a:endParaRPr lang="en-US" sz="1000" b="1" dirty="0">
-              <a:solidFill>
-                <a:schemeClr val="bg1"/>
-              </a:solidFill>
-              <a:cs typeface="Arial" panose="020B0604020202020204" pitchFamily="34" charset="0"/>
-            </a:endParaRPr>
-          </a:p>
-          <a:p>
-            <a:pPr algn="ctr"/>
-            <a:endParaRPr lang="en-US" sz="2800" dirty="0"/>
-          </a:p>
-          <a:p>
-            <a:pPr algn="just"/>
-            <a:r>
-              <a:rPr lang="en-US" sz="2800" dirty="0"/>
-              <a:t>Galois fields (pronounced “Gal-o-AH”), or fields with a finite field order, are a key part of number theory, abstract algebra, arithmetic algebraic geometry, and cryptography. In error detection and correction. Galois fields are utilized in cyclic redundancy check (CRC) which are used in digital networks and storage devices to detect accidental changes to raw data.</a:t>
-            </a:r>
-          </a:p>
-          <a:p>
-            <a:pPr algn="just"/>
-            <a:endParaRPr lang="en-US" sz="2800" dirty="0"/>
-          </a:p>
-          <a:p>
-            <a:r>
-              <a:rPr lang="en-US" sz="2800" b="1" dirty="0"/>
-              <a:t>Table 1:</a:t>
-            </a:r>
-            <a:r>
-              <a:rPr lang="en-US" sz="2800" dirty="0"/>
-              <a:t> Elements of GF[</a:t>
-            </a:r>
-            <a:r>
-              <a:rPr lang="en-US" sz="2800" dirty="0">
-                <a:solidFill>
-                  <a:srgbClr val="000000"/>
-                </a:solidFill>
-                <a:latin typeface="Arial" panose="020B0604020202020204" pitchFamily="34" charset="0"/>
-              </a:rPr>
-              <a:t>x</a:t>
-            </a:r>
-            <a:r>
-              <a:rPr lang="en-US" sz="2800" dirty="0"/>
-              <a:t>](2</a:t>
-            </a:r>
-            <a:r>
-              <a:rPr lang="en-US" sz="2800" baseline="30000" dirty="0">
-                <a:solidFill>
-                  <a:srgbClr val="000000"/>
-                </a:solidFill>
-                <a:latin typeface="Arial" panose="020B0604020202020204" pitchFamily="34" charset="0"/>
-              </a:rPr>
-              <a:t>3</a:t>
-            </a:r>
-            <a:r>
-              <a:rPr lang="en-US" sz="2800" dirty="0"/>
-              <a:t>) = </a:t>
-            </a:r>
-            <a:r>
-              <a:rPr lang="en-US" sz="2800" dirty="0">
-                <a:solidFill>
-                  <a:srgbClr val="000000"/>
-                </a:solidFill>
-                <a:latin typeface="Arial" panose="020B0604020202020204" pitchFamily="34" charset="0"/>
-              </a:rPr>
-              <a:t>x</a:t>
-            </a:r>
-            <a:r>
-              <a:rPr lang="en-US" sz="2800" baseline="30000" dirty="0">
-                <a:solidFill>
-                  <a:srgbClr val="000000"/>
-                </a:solidFill>
-                <a:latin typeface="Arial" panose="020B0604020202020204" pitchFamily="34" charset="0"/>
-              </a:rPr>
-              <a:t>3</a:t>
-            </a:r>
-            <a:r>
-              <a:rPr lang="en-US" sz="2800" dirty="0">
-                <a:solidFill>
-                  <a:srgbClr val="000000"/>
-                </a:solidFill>
-                <a:latin typeface="Arial" panose="020B0604020202020204" pitchFamily="34" charset="0"/>
-              </a:rPr>
-              <a:t> + x</a:t>
-            </a:r>
-            <a:r>
-              <a:rPr lang="en-US" sz="2800" baseline="30000" dirty="0">
-                <a:solidFill>
-                  <a:srgbClr val="000000"/>
-                </a:solidFill>
-                <a:latin typeface="Arial" panose="020B0604020202020204" pitchFamily="34" charset="0"/>
-              </a:rPr>
-              <a:t>2</a:t>
-            </a:r>
-            <a:r>
-              <a:rPr lang="en-US" sz="2800" dirty="0">
-                <a:solidFill>
-                  <a:srgbClr val="000000"/>
-                </a:solidFill>
-                <a:latin typeface="Arial" panose="020B0604020202020204" pitchFamily="34" charset="0"/>
-              </a:rPr>
-              <a:t> + x</a:t>
-            </a:r>
-            <a:r>
-              <a:rPr lang="en-US" sz="2800" baseline="30000" dirty="0">
-                <a:solidFill>
-                  <a:srgbClr val="000000"/>
-                </a:solidFill>
-                <a:latin typeface="Arial" panose="020B0604020202020204" pitchFamily="34" charset="0"/>
-              </a:rPr>
-              <a:t>0</a:t>
-            </a:r>
-          </a:p>
-          <a:p>
-            <a:r>
-              <a:rPr lang="en-US" sz="2800" baseline="30000" dirty="0">
-                <a:solidFill>
-                  <a:srgbClr val="000000"/>
-                </a:solidFill>
-                <a:latin typeface="Arial" panose="020B0604020202020204" pitchFamily="34" charset="0"/>
-              </a:rPr>
-              <a:t>    </a:t>
-            </a:r>
-          </a:p>
-          <a:p>
-            <a:pPr algn="ctr"/>
-            <a:endParaRPr lang="en-US" sz="2800" baseline="30000" dirty="0">
-              <a:solidFill>
-                <a:srgbClr val="000000"/>
-              </a:solidFill>
-              <a:latin typeface="Arial" panose="020B0604020202020204" pitchFamily="34" charset="0"/>
-            </a:endParaRPr>
-          </a:p>
-          <a:p>
-            <a:pPr algn="just"/>
-            <a:endParaRPr lang="en-US" sz="2800" baseline="30000" dirty="0">
-              <a:solidFill>
-                <a:srgbClr val="000000"/>
-              </a:solidFill>
-              <a:latin typeface="Arial" panose="020B0604020202020204" pitchFamily="34" charset="0"/>
-            </a:endParaRPr>
-          </a:p>
-          <a:p>
-            <a:pPr algn="just"/>
-            <a:endParaRPr lang="en-US" sz="2800" baseline="30000" dirty="0">
-              <a:solidFill>
-                <a:srgbClr val="000000"/>
-              </a:solidFill>
-              <a:latin typeface="Arial" panose="020B0604020202020204" pitchFamily="34" charset="0"/>
-            </a:endParaRPr>
-          </a:p>
-          <a:p>
-            <a:pPr algn="just"/>
-            <a:endParaRPr lang="en-US" sz="2800" baseline="30000" dirty="0">
-              <a:solidFill>
-                <a:srgbClr val="000000"/>
-              </a:solidFill>
-              <a:latin typeface="Arial" panose="020B0604020202020204" pitchFamily="34" charset="0"/>
-            </a:endParaRPr>
-          </a:p>
-          <a:p>
-            <a:pPr algn="just"/>
-            <a:endParaRPr lang="en-US" sz="2800" baseline="30000" dirty="0">
-              <a:solidFill>
-                <a:srgbClr val="000000"/>
-              </a:solidFill>
-              <a:latin typeface="Arial" panose="020B0604020202020204" pitchFamily="34" charset="0"/>
-            </a:endParaRPr>
-          </a:p>
-          <a:p>
-            <a:pPr algn="just"/>
-            <a:endParaRPr lang="en-US" sz="2800" baseline="30000" dirty="0">
-              <a:solidFill>
-                <a:srgbClr val="000000"/>
-              </a:solidFill>
-              <a:latin typeface="Arial" panose="020B0604020202020204" pitchFamily="34" charset="0"/>
-            </a:endParaRPr>
-          </a:p>
-          <a:p>
-            <a:pPr algn="just"/>
-            <a:endParaRPr lang="en-US" sz="2800" baseline="30000" dirty="0">
-              <a:solidFill>
-                <a:srgbClr val="000000"/>
-              </a:solidFill>
-              <a:latin typeface="Arial" panose="020B0604020202020204" pitchFamily="34" charset="0"/>
-            </a:endParaRPr>
-          </a:p>
-          <a:p>
-            <a:pPr algn="just"/>
-            <a:endParaRPr lang="en-US" sz="2800" baseline="30000" dirty="0">
-              <a:solidFill>
-                <a:srgbClr val="000000"/>
-              </a:solidFill>
-              <a:latin typeface="Arial" panose="020B0604020202020204" pitchFamily="34" charset="0"/>
-            </a:endParaRPr>
-          </a:p>
-          <a:p>
-            <a:pPr algn="just"/>
-            <a:endParaRPr lang="en-US" sz="2800" baseline="30000" dirty="0">
-              <a:solidFill>
-                <a:srgbClr val="000000"/>
-              </a:solidFill>
-              <a:latin typeface="Arial" panose="020B0604020202020204" pitchFamily="34" charset="0"/>
-            </a:endParaRPr>
-          </a:p>
-          <a:p>
-            <a:pPr algn="just"/>
-            <a:endParaRPr lang="en-US" sz="2800" baseline="30000" dirty="0">
-              <a:solidFill>
-                <a:srgbClr val="000000"/>
-              </a:solidFill>
-              <a:latin typeface="Arial" panose="020B0604020202020204" pitchFamily="34" charset="0"/>
-            </a:endParaRPr>
-          </a:p>
-          <a:p>
-            <a:pPr algn="just"/>
-            <a:endParaRPr lang="en-US" sz="2800" baseline="30000" dirty="0">
-              <a:solidFill>
-                <a:srgbClr val="000000"/>
-              </a:solidFill>
-              <a:latin typeface="Arial" panose="020B0604020202020204" pitchFamily="34" charset="0"/>
-            </a:endParaRPr>
-          </a:p>
-          <a:p>
-            <a:pPr algn="just"/>
-            <a:endParaRPr lang="en-US" sz="2800" baseline="30000" dirty="0">
-              <a:solidFill>
-                <a:srgbClr val="000000"/>
-              </a:solidFill>
-              <a:latin typeface="Arial" panose="020B0604020202020204" pitchFamily="34" charset="0"/>
-            </a:endParaRPr>
-          </a:p>
-          <a:p>
-            <a:pPr algn="just"/>
-            <a:endParaRPr lang="en-US" sz="2800" baseline="30000" dirty="0">
-              <a:solidFill>
-                <a:srgbClr val="000000"/>
-              </a:solidFill>
-              <a:latin typeface="Arial" panose="020B0604020202020204" pitchFamily="34" charset="0"/>
-            </a:endParaRPr>
-          </a:p>
-          <a:p>
-            <a:pPr algn="just"/>
-            <a:endParaRPr lang="en-US" sz="2800" baseline="30000" dirty="0">
-              <a:solidFill>
-                <a:srgbClr val="000000"/>
-              </a:solidFill>
-              <a:latin typeface="Arial" panose="020B0604020202020204" pitchFamily="34" charset="0"/>
-            </a:endParaRPr>
-          </a:p>
-          <a:p>
-            <a:r>
-              <a:rPr lang="en-US" sz="2800" b="1" dirty="0">
-                <a:solidFill>
-                  <a:srgbClr val="000000"/>
-                </a:solidFill>
-              </a:rPr>
-              <a:t>                                                                Figure 1:</a:t>
-            </a:r>
-            <a:r>
-              <a:rPr lang="en-US" sz="2800" dirty="0">
-                <a:solidFill>
-                  <a:srgbClr val="000000"/>
-                </a:solidFill>
-              </a:rPr>
-              <a:t> Example 							        Operations </a:t>
-            </a:r>
-            <a:r>
-              <a:rPr lang="en-US" sz="2800" dirty="0"/>
-              <a:t>in GF[</a:t>
-            </a:r>
-            <a:r>
-              <a:rPr lang="en-US" sz="2800" dirty="0">
-                <a:solidFill>
-                  <a:srgbClr val="000000"/>
-                </a:solidFill>
-                <a:latin typeface="Arial" panose="020B0604020202020204" pitchFamily="34" charset="0"/>
-              </a:rPr>
-              <a:t>x</a:t>
-            </a:r>
-            <a:r>
-              <a:rPr lang="en-US" sz="2800" dirty="0"/>
-              <a:t>](2</a:t>
-            </a:r>
-            <a:r>
-              <a:rPr lang="en-US" sz="2800" baseline="30000" dirty="0">
-                <a:solidFill>
-                  <a:srgbClr val="000000"/>
-                </a:solidFill>
-                <a:latin typeface="Arial" panose="020B0604020202020204" pitchFamily="34" charset="0"/>
-              </a:rPr>
-              <a:t>3</a:t>
-            </a:r>
-            <a:r>
-              <a:rPr lang="en-US" sz="2800" dirty="0"/>
-              <a:t>)</a:t>
-            </a:r>
-            <a:endParaRPr lang="en-US" sz="2800" baseline="30000" dirty="0">
-              <a:solidFill>
-                <a:srgbClr val="000000"/>
-              </a:solidFill>
-              <a:latin typeface="Arial" panose="020B0604020202020204" pitchFamily="34" charset="0"/>
-            </a:endParaRPr>
-          </a:p>
-          <a:p>
-            <a:pPr algn="just"/>
-            <a:endParaRPr lang="en-US" sz="2800" baseline="30000" dirty="0">
-              <a:solidFill>
-                <a:srgbClr val="000000"/>
-              </a:solidFill>
-              <a:latin typeface="Arial" panose="020B0604020202020204" pitchFamily="34" charset="0"/>
-            </a:endParaRPr>
-          </a:p>
-          <a:p>
-            <a:pPr algn="ctr"/>
-            <a:endParaRPr lang="en-US" sz="1000" b="1" dirty="0">
-              <a:solidFill>
-                <a:schemeClr val="bg1"/>
-              </a:solidFill>
-            </a:endParaRPr>
-          </a:p>
-          <a:p>
-            <a:pPr algn="ctr"/>
-            <a:endParaRPr lang="en-US" sz="1000" b="1" dirty="0">
-              <a:solidFill>
-                <a:schemeClr val="bg1"/>
-              </a:solidFill>
-            </a:endParaRPr>
-          </a:p>
-          <a:p>
-            <a:pPr algn="ctr"/>
-            <a:endParaRPr lang="en-US" sz="1000" b="1" dirty="0">
-              <a:solidFill>
-                <a:schemeClr val="bg1"/>
-              </a:solidFill>
-            </a:endParaRPr>
-          </a:p>
-          <a:p>
-            <a:pPr algn="ctr"/>
-            <a:endParaRPr lang="en-US" sz="1000" b="1" dirty="0">
-              <a:solidFill>
-                <a:schemeClr val="bg1"/>
-              </a:solidFill>
-            </a:endParaRPr>
-          </a:p>
-          <a:p>
-            <a:pPr algn="ctr"/>
-            <a:endParaRPr lang="en-US" sz="1000" b="1" dirty="0">
-              <a:solidFill>
-                <a:schemeClr val="bg1"/>
-              </a:solidFill>
-            </a:endParaRPr>
-          </a:p>
-          <a:p>
-            <a:pPr algn="ctr"/>
-            <a:r>
-              <a:rPr lang="en-US" sz="3200" b="1" dirty="0">
-                <a:solidFill>
-                  <a:schemeClr val="bg1"/>
-                </a:solidFill>
-              </a:rPr>
-              <a:t>Objective</a:t>
-            </a:r>
-            <a:endParaRPr lang="en-US" sz="3200" baseline="30000" dirty="0">
-              <a:solidFill>
-                <a:srgbClr val="000000"/>
-              </a:solidFill>
-              <a:latin typeface="Arial" panose="020B0604020202020204" pitchFamily="34" charset="0"/>
-            </a:endParaRPr>
-          </a:p>
-          <a:p>
-            <a:pPr algn="ctr"/>
-            <a:endParaRPr lang="en-US" sz="2800" b="1" dirty="0">
-              <a:solidFill>
-                <a:schemeClr val="bg1"/>
-              </a:solidFill>
-              <a:latin typeface="Arial" panose="020B0604020202020204" pitchFamily="34" charset="0"/>
-            </a:endParaRPr>
-          </a:p>
-          <a:p>
-            <a:pPr algn="just"/>
-            <a:r>
-              <a:rPr lang="en-US" sz="2800" dirty="0">
-                <a:solidFill>
-                  <a:srgbClr val="000000"/>
-                </a:solidFill>
-                <a:latin typeface="Arial" panose="020B0604020202020204" pitchFamily="34" charset="0"/>
-              </a:rPr>
-              <a:t>To design a scalable arithmetic logic unit (ALU) capable of generating elements in the Galois field of an irreducible polynomial and perform addition, subtraction, multiplication, division and logarithm for low powered devices.</a:t>
-            </a:r>
-          </a:p>
-          <a:p>
-            <a:pPr algn="just"/>
-            <a:endParaRPr lang="en-US" sz="2800" dirty="0">
-              <a:solidFill>
-                <a:srgbClr val="000000"/>
-              </a:solidFill>
-              <a:latin typeface="Arial" panose="020B0604020202020204" pitchFamily="34" charset="0"/>
-            </a:endParaRPr>
-          </a:p>
-          <a:p>
-            <a:pPr algn="ctr"/>
-            <a:r>
-              <a:rPr lang="en-US" sz="3200" b="1" dirty="0">
-                <a:solidFill>
-                  <a:schemeClr val="bg1"/>
-                </a:solidFill>
-              </a:rPr>
-              <a:t>Design Approach</a:t>
-            </a:r>
-          </a:p>
-          <a:p>
-            <a:pPr algn="ctr"/>
-            <a:endParaRPr lang="en-US" sz="2800" b="1" dirty="0">
-              <a:solidFill>
-                <a:schemeClr val="bg1"/>
-              </a:solidFill>
-              <a:latin typeface="Arial" panose="020B0604020202020204" pitchFamily="34" charset="0"/>
-            </a:endParaRPr>
-          </a:p>
-          <a:p>
-            <a:pPr marL="457200" indent="-457200">
-              <a:buFont typeface="Wingdings" panose="05000000000000000000" pitchFamily="2" charset="2"/>
-              <a:buChar char="§"/>
-            </a:pPr>
-            <a:r>
-              <a:rPr lang="en-US" sz="2800" dirty="0">
-                <a:solidFill>
-                  <a:srgbClr val="000000"/>
-                </a:solidFill>
-                <a:latin typeface="Arial" panose="020B0604020202020204" pitchFamily="34" charset="0"/>
-              </a:rPr>
-              <a:t>Scalable, parameterized and efficient design prioritized over specific platform hardware requirements</a:t>
-            </a:r>
-          </a:p>
-          <a:p>
-            <a:pPr marL="457200" indent="-457200">
-              <a:spcBef>
-                <a:spcPts val="0"/>
-              </a:spcBef>
-              <a:spcAft>
-                <a:spcPts val="0"/>
-              </a:spcAft>
-              <a:buFont typeface="Wingdings" panose="05000000000000000000" pitchFamily="2" charset="2"/>
-              <a:buChar char="§"/>
-            </a:pPr>
-            <a:r>
-              <a:rPr lang="en-US" sz="2800" dirty="0">
-                <a:solidFill>
-                  <a:srgbClr val="000000"/>
-                </a:solidFill>
-                <a:latin typeface="Arial" panose="020B0604020202020204" pitchFamily="34" charset="0"/>
-              </a:rPr>
-              <a:t>Designed entirely in VHSIC Hardware Description Language (VHDL) modules and packages</a:t>
-            </a:r>
-          </a:p>
-          <a:p>
-            <a:pPr marL="457200" indent="-457200">
-              <a:spcBef>
-                <a:spcPts val="0"/>
-              </a:spcBef>
-              <a:spcAft>
-                <a:spcPts val="0"/>
-              </a:spcAft>
-              <a:buFont typeface="Wingdings" panose="05000000000000000000" pitchFamily="2" charset="2"/>
-              <a:buChar char="§"/>
-            </a:pPr>
-            <a:r>
-              <a:rPr lang="en-US" sz="2800" dirty="0">
-                <a:solidFill>
-                  <a:srgbClr val="000000"/>
-                </a:solidFill>
-                <a:latin typeface="Arial" panose="020B0604020202020204" pitchFamily="34" charset="0"/>
-              </a:rPr>
-              <a:t>Capability of design limited only by external memory capacity</a:t>
-            </a:r>
-          </a:p>
-          <a:p>
-            <a:pPr marL="457200" indent="-457200">
-              <a:buFont typeface="Wingdings" panose="05000000000000000000" pitchFamily="2" charset="2"/>
-              <a:buChar char="§"/>
-            </a:pPr>
-            <a:r>
-              <a:rPr lang="en-US" sz="2800" dirty="0">
-                <a:solidFill>
-                  <a:srgbClr val="000000"/>
-                </a:solidFill>
-                <a:latin typeface="Arial" panose="020B0604020202020204" pitchFamily="34" charset="0"/>
-              </a:rPr>
-              <a:t>Simple and </a:t>
-            </a:r>
-            <a:r>
-              <a:rPr lang="en-US" sz="2800">
-                <a:solidFill>
-                  <a:srgbClr val="000000"/>
-                </a:solidFill>
-                <a:latin typeface="Arial" panose="020B0604020202020204" pitchFamily="34" charset="0"/>
-              </a:rPr>
-              <a:t>flexible interface</a:t>
-            </a:r>
-            <a:endParaRPr lang="en-US" sz="2800" b="1" dirty="0">
-              <a:solidFill>
-                <a:srgbClr val="000000"/>
-              </a:solidFill>
-              <a:latin typeface="Arial" panose="020B0604020202020204" pitchFamily="34" charset="0"/>
-            </a:endParaRPr>
-          </a:p>
-          <a:p>
-            <a:pPr marL="457200" indent="-457200">
-              <a:buFont typeface="Wingdings" panose="05000000000000000000" pitchFamily="2" charset="2"/>
-              <a:buChar char="§"/>
-            </a:pPr>
-            <a:endParaRPr lang="en-US" sz="2800" b="1" dirty="0">
-              <a:solidFill>
-                <a:srgbClr val="000000"/>
-              </a:solidFill>
-              <a:latin typeface="Arial" panose="020B0604020202020204" pitchFamily="34" charset="0"/>
-            </a:endParaRPr>
-          </a:p>
-          <a:p>
-            <a:pPr algn="ctr"/>
-            <a:r>
-              <a:rPr lang="en-US" sz="3200" b="1" dirty="0">
-                <a:solidFill>
-                  <a:schemeClr val="bg1"/>
-                </a:solidFill>
-              </a:rPr>
-              <a:t>Design Overview</a:t>
-            </a:r>
-            <a:endParaRPr lang="en-US" sz="3200" b="1" dirty="0">
-              <a:solidFill>
-                <a:schemeClr val="bg1"/>
-              </a:solidFill>
-              <a:cs typeface="Arial" panose="020B0604020202020204" pitchFamily="34" charset="0"/>
-            </a:endParaRPr>
-          </a:p>
-          <a:p>
-            <a:pPr marL="457200" indent="-457200">
-              <a:buFont typeface="Wingdings" panose="05000000000000000000" pitchFamily="2" charset="2"/>
-              <a:buChar char="§"/>
-            </a:pPr>
-            <a:endParaRPr lang="en-US" sz="2800" b="1" dirty="0">
-              <a:solidFill>
-                <a:srgbClr val="000000"/>
-              </a:solidFill>
-              <a:latin typeface="Arial" panose="020B0604020202020204" pitchFamily="34" charset="0"/>
-            </a:endParaRPr>
-          </a:p>
-          <a:p>
-            <a:pPr marL="457200" indent="-457200">
-              <a:buFont typeface="Wingdings" panose="05000000000000000000" pitchFamily="2" charset="2"/>
-              <a:buChar char="§"/>
-            </a:pPr>
-            <a:endParaRPr lang="en-US" sz="2800" b="1" dirty="0">
-              <a:solidFill>
-                <a:srgbClr val="000000"/>
-              </a:solidFill>
-              <a:latin typeface="Arial" panose="020B0604020202020204" pitchFamily="34" charset="0"/>
-            </a:endParaRPr>
-          </a:p>
-          <a:p>
-            <a:pPr marL="457200" indent="-457200">
-              <a:buFont typeface="Wingdings" panose="05000000000000000000" pitchFamily="2" charset="2"/>
-              <a:buChar char="§"/>
-            </a:pPr>
-            <a:endParaRPr lang="en-US" sz="2800" b="1" dirty="0">
-              <a:solidFill>
-                <a:srgbClr val="000000"/>
-              </a:solidFill>
-              <a:latin typeface="Arial" panose="020B0604020202020204" pitchFamily="34" charset="0"/>
-            </a:endParaRPr>
-          </a:p>
-          <a:p>
-            <a:pPr marL="457200" indent="-457200">
-              <a:buFont typeface="Wingdings" panose="05000000000000000000" pitchFamily="2" charset="2"/>
-              <a:buChar char="§"/>
-            </a:pPr>
-            <a:endParaRPr lang="en-US" sz="2800" b="1" dirty="0">
-              <a:solidFill>
-                <a:srgbClr val="000000"/>
-              </a:solidFill>
-              <a:latin typeface="Arial" panose="020B0604020202020204" pitchFamily="34" charset="0"/>
-            </a:endParaRPr>
-          </a:p>
-          <a:p>
-            <a:pPr marL="457200" indent="-457200">
-              <a:buFont typeface="Wingdings" panose="05000000000000000000" pitchFamily="2" charset="2"/>
-              <a:buChar char="§"/>
-            </a:pPr>
-            <a:endParaRPr lang="en-US" sz="2800" b="1" dirty="0">
-              <a:solidFill>
-                <a:srgbClr val="000000"/>
-              </a:solidFill>
-              <a:latin typeface="Arial" panose="020B0604020202020204" pitchFamily="34" charset="0"/>
-            </a:endParaRPr>
-          </a:p>
-          <a:p>
-            <a:pPr marL="457200" indent="-457200">
-              <a:buFont typeface="Wingdings" panose="05000000000000000000" pitchFamily="2" charset="2"/>
-              <a:buChar char="§"/>
-            </a:pPr>
-            <a:endParaRPr lang="en-US" sz="2800" b="1" dirty="0">
-              <a:solidFill>
-                <a:srgbClr val="000000"/>
-              </a:solidFill>
-              <a:latin typeface="Arial" panose="020B0604020202020204" pitchFamily="34" charset="0"/>
-            </a:endParaRPr>
-          </a:p>
-          <a:p>
-            <a:pPr marL="457200" indent="-457200">
-              <a:buFont typeface="Wingdings" panose="05000000000000000000" pitchFamily="2" charset="2"/>
-              <a:buChar char="§"/>
-            </a:pPr>
-            <a:endParaRPr lang="en-US" sz="2800" b="1" dirty="0">
-              <a:solidFill>
-                <a:srgbClr val="000000"/>
-              </a:solidFill>
-              <a:latin typeface="Arial" panose="020B0604020202020204" pitchFamily="34" charset="0"/>
-            </a:endParaRPr>
-          </a:p>
-          <a:p>
-            <a:pPr marL="457200" indent="-457200">
-              <a:buFont typeface="Wingdings" panose="05000000000000000000" pitchFamily="2" charset="2"/>
-              <a:buChar char="§"/>
-            </a:pPr>
-            <a:endParaRPr lang="en-US" sz="2800" b="1" dirty="0">
-              <a:solidFill>
-                <a:srgbClr val="000000"/>
-              </a:solidFill>
-              <a:latin typeface="Arial" panose="020B0604020202020204" pitchFamily="34" charset="0"/>
-            </a:endParaRPr>
-          </a:p>
-          <a:p>
-            <a:endParaRPr lang="en-US" sz="2800" b="1" dirty="0">
-              <a:solidFill>
-                <a:srgbClr val="000000"/>
-              </a:solidFill>
-              <a:latin typeface="Arial" panose="020B0604020202020204" pitchFamily="34" charset="0"/>
-            </a:endParaRPr>
-          </a:p>
-          <a:p>
-            <a:pPr marL="457200" indent="-457200">
-              <a:buFont typeface="Wingdings" panose="05000000000000000000" pitchFamily="2" charset="2"/>
-              <a:buChar char="§"/>
-            </a:pPr>
-            <a:endParaRPr lang="en-US" sz="2800" b="1" dirty="0">
-              <a:solidFill>
-                <a:srgbClr val="000000"/>
-              </a:solidFill>
-              <a:latin typeface="Arial" panose="020B0604020202020204" pitchFamily="34" charset="0"/>
-            </a:endParaRPr>
-          </a:p>
-          <a:p>
-            <a:pPr marL="457200" indent="-457200">
-              <a:buFont typeface="Wingdings" panose="05000000000000000000" pitchFamily="2" charset="2"/>
-              <a:buChar char="§"/>
-            </a:pPr>
-            <a:endParaRPr lang="en-US" sz="2800" b="1" dirty="0">
-              <a:solidFill>
-                <a:srgbClr val="000000"/>
-              </a:solidFill>
-              <a:latin typeface="Arial" panose="020B0604020202020204" pitchFamily="34" charset="0"/>
-            </a:endParaRPr>
-          </a:p>
-          <a:p>
-            <a:pPr algn="ctr"/>
-            <a:r>
-              <a:rPr lang="en-US" sz="2800" b="1" dirty="0">
-                <a:latin typeface="Arial" panose="020B0604020202020204" pitchFamily="34" charset="0"/>
-                <a:cs typeface="Arial" panose="020B0604020202020204" pitchFamily="34" charset="0"/>
-              </a:rPr>
-              <a:t>Figure 3: </a:t>
-            </a:r>
-            <a:r>
-              <a:rPr lang="en-US" sz="2800" dirty="0">
-                <a:latin typeface="Arial" panose="020B0604020202020204" pitchFamily="34" charset="0"/>
-                <a:cs typeface="Arial" panose="020B0604020202020204" pitchFamily="34" charset="0"/>
-              </a:rPr>
-              <a:t>Functional Flow Diagram</a:t>
-            </a:r>
-          </a:p>
-          <a:p>
-            <a:pPr marL="457200" indent="-457200">
-              <a:buFont typeface="Wingdings" panose="05000000000000000000" pitchFamily="2" charset="2"/>
-              <a:buChar char="§"/>
-            </a:pPr>
-            <a:endParaRPr lang="en-US" sz="2800" b="1" dirty="0">
-              <a:solidFill>
-                <a:srgbClr val="000000"/>
-              </a:solidFill>
-              <a:latin typeface="Arial" panose="020B0604020202020204" pitchFamily="34" charset="0"/>
-            </a:endParaRPr>
-          </a:p>
-          <a:p>
-            <a:pPr marL="457200" indent="-457200">
-              <a:buFont typeface="Wingdings" panose="05000000000000000000" pitchFamily="2" charset="2"/>
-              <a:buChar char="§"/>
-            </a:pPr>
-            <a:endParaRPr lang="en-US" sz="2800" b="1" dirty="0">
-              <a:solidFill>
-                <a:srgbClr val="000000"/>
-              </a:solidFill>
-              <a:latin typeface="Arial" panose="020B0604020202020204" pitchFamily="34" charset="0"/>
-            </a:endParaRPr>
-          </a:p>
-          <a:p>
-            <a:pPr algn="ctr"/>
-            <a:r>
-              <a:rPr lang="en-US" sz="2800" b="1" dirty="0">
-                <a:solidFill>
-                  <a:schemeClr val="bg1"/>
-                </a:solidFill>
-                <a:latin typeface="Arial" panose="020B0604020202020204" pitchFamily="34" charset="0"/>
-                <a:cs typeface="Arial" panose="020B0604020202020204" pitchFamily="34" charset="0"/>
-              </a:rPr>
-              <a:t> </a:t>
-            </a:r>
-            <a:endParaRPr lang="en-US" sz="2800" b="1" dirty="0">
-              <a:solidFill>
-                <a:srgbClr val="000000"/>
-              </a:solidFill>
-              <a:latin typeface="Arial" panose="020B0604020202020204" pitchFamily="34" charset="0"/>
-            </a:endParaRPr>
-          </a:p>
-        </p:txBody>
-      </p:sp>
+      <mc:AlternateContent xmlns:mc="http://schemas.openxmlformats.org/markup-compatibility/2006">
+        <mc:Choice xmlns:a14="http://schemas.microsoft.com/office/drawing/2010/main" Requires="a14">
+          <p:sp>
+            <p:nvSpPr>
+              <p:cNvPr id="20" name="Rectangle 19"/>
+              <p:cNvSpPr/>
+              <p:nvPr/>
+            </p:nvSpPr>
+            <p:spPr>
+              <a:xfrm flipH="1">
+                <a:off x="727187" y="3352800"/>
+                <a:ext cx="10354942" cy="4229978"/>
+              </a:xfrm>
+              <a:prstGeom prst="rect">
+                <a:avLst/>
+              </a:prstGeom>
+              <a:noFill/>
+              <a:ln w="76200">
+                <a:noFill/>
+              </a:ln>
+              <a:effectLst/>
+            </p:spPr>
+            <p:style>
+              <a:lnRef idx="2">
+                <a:schemeClr val="accent6"/>
+              </a:lnRef>
+              <a:fillRef idx="1">
+                <a:schemeClr val="lt1"/>
+              </a:fillRef>
+              <a:effectRef idx="0">
+                <a:schemeClr val="accent6"/>
+              </a:effectRef>
+              <a:fontRef idx="minor">
+                <a:schemeClr val="dk1"/>
+              </a:fontRef>
+            </p:style>
+            <p:txBody>
+              <a:bodyPr rtlCol="0" anchor="t"/>
+              <a:lstStyle/>
+              <a:p>
+                <a:pPr algn="ctr"/>
+                <a:r>
+                  <a:rPr lang="en-US" sz="3200" b="1" dirty="0">
+                    <a:solidFill>
+                      <a:schemeClr val="bg1"/>
+                    </a:solidFill>
+                  </a:rPr>
+                  <a:t>What are Galois Fields?</a:t>
+                </a:r>
+                <a:endParaRPr lang="en-US" sz="1000" b="1" dirty="0">
+                  <a:solidFill>
+                    <a:schemeClr val="bg1"/>
+                  </a:solidFill>
+                  <a:cs typeface="Arial" panose="020B0604020202020204" pitchFamily="34" charset="0"/>
+                </a:endParaRPr>
+              </a:p>
+              <a:p>
+                <a:pPr algn="ctr"/>
+                <a:endParaRPr lang="en-US" sz="2800" dirty="0"/>
+              </a:p>
+              <a:p>
+                <a:pPr algn="just"/>
+                <a:r>
+                  <a:rPr lang="en-US" sz="2800" dirty="0"/>
+                  <a:t>Galois fields (pronounced “Gal-o-AH”) are sets with finite field orders where addition and multiplication are well defined. They are. a key part of number theory, abstract algebra, arithmetic algebraic geometry, and cryptography. In error detection and correction, Galois fields are utilized in cyclic redundancy check (CRC) which are used in digital networks and storage devices to detect accidental changes to raw data.</a:t>
+                </a:r>
+              </a:p>
+              <a:p>
+                <a:pPr algn="just"/>
+                <a:endParaRPr lang="en-US" sz="2800" dirty="0"/>
+              </a:p>
+              <a:p>
+                <a:r>
+                  <a:rPr lang="en-US" sz="2800" b="1" dirty="0"/>
+                  <a:t>Table 1:</a:t>
+                </a:r>
+                <a:r>
+                  <a:rPr lang="en-US" sz="2800" dirty="0"/>
+                  <a:t> Elements of </a:t>
+                </a:r>
+                <a14:m>
+                  <m:oMath xmlns:m="http://schemas.openxmlformats.org/officeDocument/2006/math">
+                    <m:r>
+                      <a:rPr lang="en-US" sz="2800" i="1" dirty="0">
+                        <a:solidFill>
+                          <a:srgbClr val="000000"/>
+                        </a:solidFill>
+                        <a:latin typeface="Cambria Math" panose="02040503050406030204" pitchFamily="18" charset="0"/>
+                      </a:rPr>
+                      <m:t>𝐺𝐹</m:t>
+                    </m:r>
+                    <m:d>
+                      <m:dPr>
+                        <m:begChr m:val="["/>
+                        <m:endChr m:val="]"/>
+                        <m:ctrlPr>
+                          <a:rPr lang="en-US" sz="2800" i="1" dirty="0">
+                            <a:solidFill>
+                              <a:srgbClr val="000000"/>
+                            </a:solidFill>
+                            <a:latin typeface="Cambria Math" panose="02040503050406030204" pitchFamily="18" charset="0"/>
+                          </a:rPr>
+                        </m:ctrlPr>
+                      </m:dPr>
+                      <m:e>
+                        <m:r>
+                          <a:rPr lang="en-US" sz="2800" i="1" dirty="0">
+                            <a:solidFill>
+                              <a:srgbClr val="000000"/>
+                            </a:solidFill>
+                            <a:latin typeface="Cambria Math" panose="02040503050406030204" pitchFamily="18" charset="0"/>
+                          </a:rPr>
+                          <m:t>𝑥</m:t>
+                        </m:r>
+                      </m:e>
+                    </m:d>
+                    <m:d>
+                      <m:dPr>
+                        <m:ctrlPr>
+                          <a:rPr lang="en-US" sz="2800" i="1" dirty="0">
+                            <a:solidFill>
+                              <a:srgbClr val="000000"/>
+                            </a:solidFill>
+                            <a:latin typeface="Cambria Math" panose="02040503050406030204" pitchFamily="18" charset="0"/>
+                          </a:rPr>
+                        </m:ctrlPr>
+                      </m:dPr>
+                      <m:e>
+                        <m:r>
+                          <a:rPr lang="en-US" sz="2800" i="1" dirty="0">
+                            <a:solidFill>
+                              <a:srgbClr val="000000"/>
+                            </a:solidFill>
+                            <a:latin typeface="Cambria Math" panose="02040503050406030204" pitchFamily="18" charset="0"/>
+                          </a:rPr>
+                          <m:t>2</m:t>
+                        </m:r>
+                      </m:e>
+                    </m:d>
+                    <m:r>
+                      <a:rPr lang="en-US" sz="2800" b="0" i="1" dirty="0" smtClean="0">
+                        <a:solidFill>
+                          <a:srgbClr val="000000"/>
+                        </a:solidFill>
+                        <a:latin typeface="Cambria Math" panose="02040503050406030204" pitchFamily="18" charset="0"/>
+                      </a:rPr>
+                      <m:t>=</m:t>
+                    </m:r>
+                    <m:sSup>
+                      <m:sSupPr>
+                        <m:ctrlPr>
+                          <a:rPr lang="en-US" sz="2800" b="0" i="1" dirty="0" smtClean="0">
+                            <a:solidFill>
+                              <a:srgbClr val="000000"/>
+                            </a:solidFill>
+                            <a:latin typeface="Cambria Math" panose="02040503050406030204" pitchFamily="18" charset="0"/>
+                          </a:rPr>
+                        </m:ctrlPr>
+                      </m:sSupPr>
+                      <m:e>
+                        <m:r>
+                          <a:rPr lang="en-US" sz="2800" b="0" i="1" dirty="0" smtClean="0">
+                            <a:solidFill>
+                              <a:srgbClr val="000000"/>
+                            </a:solidFill>
+                            <a:latin typeface="Cambria Math" panose="02040503050406030204" pitchFamily="18" charset="0"/>
+                          </a:rPr>
+                          <m:t>𝑥</m:t>
+                        </m:r>
+                      </m:e>
+                      <m:sup>
+                        <m:r>
+                          <a:rPr lang="en-US" sz="2800" b="0" i="1" dirty="0" smtClean="0">
+                            <a:solidFill>
+                              <a:srgbClr val="000000"/>
+                            </a:solidFill>
+                            <a:latin typeface="Cambria Math" panose="02040503050406030204" pitchFamily="18" charset="0"/>
+                          </a:rPr>
+                          <m:t>3</m:t>
+                        </m:r>
+                      </m:sup>
+                    </m:sSup>
+                    <m:r>
+                      <a:rPr lang="en-US" sz="2800" b="0" i="1" dirty="0" smtClean="0">
+                        <a:solidFill>
+                          <a:srgbClr val="000000"/>
+                        </a:solidFill>
+                        <a:latin typeface="Cambria Math" panose="02040503050406030204" pitchFamily="18" charset="0"/>
+                      </a:rPr>
+                      <m:t>+</m:t>
+                    </m:r>
+                    <m:sSup>
+                      <m:sSupPr>
+                        <m:ctrlPr>
+                          <a:rPr lang="en-US" sz="2800" b="0" i="1" dirty="0" smtClean="0">
+                            <a:solidFill>
+                              <a:srgbClr val="000000"/>
+                            </a:solidFill>
+                            <a:latin typeface="Cambria Math" panose="02040503050406030204" pitchFamily="18" charset="0"/>
+                          </a:rPr>
+                        </m:ctrlPr>
+                      </m:sSupPr>
+                      <m:e>
+                        <m:r>
+                          <a:rPr lang="en-US" sz="2800" b="0" i="1" dirty="0" smtClean="0">
+                            <a:solidFill>
+                              <a:srgbClr val="000000"/>
+                            </a:solidFill>
+                            <a:latin typeface="Cambria Math" panose="02040503050406030204" pitchFamily="18" charset="0"/>
+                          </a:rPr>
+                          <m:t>𝑥</m:t>
+                        </m:r>
+                      </m:e>
+                      <m:sup>
+                        <m:r>
+                          <a:rPr lang="en-US" sz="2800" b="0" i="1" dirty="0" smtClean="0">
+                            <a:solidFill>
+                              <a:srgbClr val="000000"/>
+                            </a:solidFill>
+                            <a:latin typeface="Cambria Math" panose="02040503050406030204" pitchFamily="18" charset="0"/>
+                          </a:rPr>
+                          <m:t>2</m:t>
+                        </m:r>
+                      </m:sup>
+                    </m:sSup>
+                    <m:r>
+                      <a:rPr lang="en-US" sz="2800" b="0" i="1" dirty="0" smtClean="0">
+                        <a:solidFill>
+                          <a:srgbClr val="000000"/>
+                        </a:solidFill>
+                        <a:latin typeface="Cambria Math" panose="02040503050406030204" pitchFamily="18" charset="0"/>
+                      </a:rPr>
+                      <m:t>+</m:t>
+                    </m:r>
+                    <m:sSup>
+                      <m:sSupPr>
+                        <m:ctrlPr>
+                          <a:rPr lang="en-US" sz="2800" b="0" i="1" dirty="0" smtClean="0">
+                            <a:solidFill>
+                              <a:srgbClr val="000000"/>
+                            </a:solidFill>
+                            <a:latin typeface="Cambria Math" panose="02040503050406030204" pitchFamily="18" charset="0"/>
+                          </a:rPr>
+                        </m:ctrlPr>
+                      </m:sSupPr>
+                      <m:e>
+                        <m:r>
+                          <a:rPr lang="en-US" sz="2800" b="0" i="1" dirty="0" smtClean="0">
+                            <a:solidFill>
+                              <a:srgbClr val="000000"/>
+                            </a:solidFill>
+                            <a:latin typeface="Cambria Math" panose="02040503050406030204" pitchFamily="18" charset="0"/>
+                          </a:rPr>
+                          <m:t>𝑥</m:t>
+                        </m:r>
+                      </m:e>
+                      <m:sup>
+                        <m:r>
+                          <a:rPr lang="en-US" sz="2800" b="0" i="1" dirty="0" smtClean="0">
+                            <a:solidFill>
+                              <a:srgbClr val="000000"/>
+                            </a:solidFill>
+                            <a:latin typeface="Cambria Math" panose="02040503050406030204" pitchFamily="18" charset="0"/>
+                          </a:rPr>
+                          <m:t>0</m:t>
+                        </m:r>
+                      </m:sup>
+                    </m:sSup>
+                  </m:oMath>
+                </a14:m>
+                <a:endParaRPr lang="en-US" sz="2800" baseline="30000" dirty="0">
+                  <a:solidFill>
+                    <a:srgbClr val="000000"/>
+                  </a:solidFill>
+                  <a:latin typeface="Arial" panose="020B0604020202020204" pitchFamily="34" charset="0"/>
+                </a:endParaRPr>
+              </a:p>
+              <a:p>
+                <a:r>
+                  <a:rPr lang="en-US" sz="2800" baseline="30000" dirty="0">
+                    <a:solidFill>
+                      <a:srgbClr val="000000"/>
+                    </a:solidFill>
+                    <a:latin typeface="Arial" panose="020B0604020202020204" pitchFamily="34" charset="0"/>
+                  </a:rPr>
+                  <a:t>    </a:t>
+                </a:r>
+              </a:p>
+              <a:p>
+                <a:pPr algn="ctr"/>
+                <a:endParaRPr lang="en-US" sz="2800" baseline="30000" dirty="0">
+                  <a:solidFill>
+                    <a:srgbClr val="000000"/>
+                  </a:solidFill>
+                  <a:latin typeface="Arial" panose="020B0604020202020204" pitchFamily="34" charset="0"/>
+                </a:endParaRPr>
+              </a:p>
+              <a:p>
+                <a:pPr algn="just"/>
+                <a:endParaRPr lang="en-US" sz="2800" baseline="30000" dirty="0">
+                  <a:solidFill>
+                    <a:srgbClr val="000000"/>
+                  </a:solidFill>
+                  <a:latin typeface="Arial" panose="020B0604020202020204" pitchFamily="34" charset="0"/>
+                </a:endParaRPr>
+              </a:p>
+              <a:p>
+                <a:pPr algn="just"/>
+                <a:endParaRPr lang="en-US" sz="2800" baseline="30000" dirty="0">
+                  <a:solidFill>
+                    <a:srgbClr val="000000"/>
+                  </a:solidFill>
+                  <a:latin typeface="Arial" panose="020B0604020202020204" pitchFamily="34" charset="0"/>
+                </a:endParaRPr>
+              </a:p>
+              <a:p>
+                <a:pPr algn="just"/>
+                <a:endParaRPr lang="en-US" sz="2800" baseline="30000" dirty="0">
+                  <a:solidFill>
+                    <a:srgbClr val="000000"/>
+                  </a:solidFill>
+                  <a:latin typeface="Arial" panose="020B0604020202020204" pitchFamily="34" charset="0"/>
+                </a:endParaRPr>
+              </a:p>
+              <a:p>
+                <a:pPr algn="just"/>
+                <a:endParaRPr lang="en-US" sz="2800" baseline="30000" dirty="0">
+                  <a:solidFill>
+                    <a:srgbClr val="000000"/>
+                  </a:solidFill>
+                  <a:latin typeface="Arial" panose="020B0604020202020204" pitchFamily="34" charset="0"/>
+                </a:endParaRPr>
+              </a:p>
+              <a:p>
+                <a:pPr algn="just"/>
+                <a:endParaRPr lang="en-US" sz="2800" baseline="30000" dirty="0">
+                  <a:solidFill>
+                    <a:srgbClr val="000000"/>
+                  </a:solidFill>
+                  <a:latin typeface="Arial" panose="020B0604020202020204" pitchFamily="34" charset="0"/>
+                </a:endParaRPr>
+              </a:p>
+              <a:p>
+                <a:pPr algn="just"/>
+                <a:endParaRPr lang="en-US" sz="2800" baseline="30000" dirty="0">
+                  <a:solidFill>
+                    <a:srgbClr val="000000"/>
+                  </a:solidFill>
+                  <a:latin typeface="Arial" panose="020B0604020202020204" pitchFamily="34" charset="0"/>
+                </a:endParaRPr>
+              </a:p>
+              <a:p>
+                <a:pPr algn="just"/>
+                <a:endParaRPr lang="en-US" sz="2800" baseline="30000" dirty="0">
+                  <a:solidFill>
+                    <a:srgbClr val="000000"/>
+                  </a:solidFill>
+                  <a:latin typeface="Arial" panose="020B0604020202020204" pitchFamily="34" charset="0"/>
+                </a:endParaRPr>
+              </a:p>
+              <a:p>
+                <a:pPr algn="just"/>
+                <a:endParaRPr lang="en-US" sz="2800" baseline="30000" dirty="0">
+                  <a:solidFill>
+                    <a:srgbClr val="000000"/>
+                  </a:solidFill>
+                  <a:latin typeface="Arial" panose="020B0604020202020204" pitchFamily="34" charset="0"/>
+                </a:endParaRPr>
+              </a:p>
+              <a:p>
+                <a:pPr algn="just"/>
+                <a:endParaRPr lang="en-US" sz="2800" baseline="30000" dirty="0">
+                  <a:solidFill>
+                    <a:srgbClr val="000000"/>
+                  </a:solidFill>
+                  <a:latin typeface="Arial" panose="020B0604020202020204" pitchFamily="34" charset="0"/>
+                </a:endParaRPr>
+              </a:p>
+              <a:p>
+                <a:pPr algn="just"/>
+                <a:endParaRPr lang="en-US" sz="2800" baseline="30000" dirty="0">
+                  <a:solidFill>
+                    <a:srgbClr val="000000"/>
+                  </a:solidFill>
+                  <a:latin typeface="Arial" panose="020B0604020202020204" pitchFamily="34" charset="0"/>
+                </a:endParaRPr>
+              </a:p>
+              <a:p>
+                <a:pPr algn="just"/>
+                <a:endParaRPr lang="en-US" sz="2800" baseline="30000" dirty="0">
+                  <a:solidFill>
+                    <a:srgbClr val="000000"/>
+                  </a:solidFill>
+                  <a:latin typeface="Arial" panose="020B0604020202020204" pitchFamily="34" charset="0"/>
+                </a:endParaRPr>
+              </a:p>
+              <a:p>
+                <a:pPr algn="just"/>
+                <a:endParaRPr lang="en-US" sz="2800" baseline="30000" dirty="0">
+                  <a:solidFill>
+                    <a:srgbClr val="000000"/>
+                  </a:solidFill>
+                  <a:latin typeface="Arial" panose="020B0604020202020204" pitchFamily="34" charset="0"/>
+                </a:endParaRPr>
+              </a:p>
+              <a:p>
+                <a:pPr algn="just"/>
+                <a:endParaRPr lang="en-US" sz="2800" baseline="30000" dirty="0">
+                  <a:solidFill>
+                    <a:srgbClr val="000000"/>
+                  </a:solidFill>
+                  <a:latin typeface="Arial" panose="020B0604020202020204" pitchFamily="34" charset="0"/>
+                </a:endParaRPr>
+              </a:p>
+              <a:p>
+                <a:pPr algn="just"/>
+                <a:endParaRPr lang="en-US" sz="2800" baseline="30000" dirty="0">
+                  <a:solidFill>
+                    <a:srgbClr val="000000"/>
+                  </a:solidFill>
+                  <a:latin typeface="Arial" panose="020B0604020202020204" pitchFamily="34" charset="0"/>
+                </a:endParaRPr>
+              </a:p>
+              <a:p>
+                <a:r>
+                  <a:rPr lang="en-US" sz="2800" b="1" dirty="0">
+                    <a:solidFill>
+                      <a:srgbClr val="000000"/>
+                    </a:solidFill>
+                  </a:rPr>
+                  <a:t>                                                                  Figure 1:</a:t>
+                </a:r>
+                <a:r>
+                  <a:rPr lang="en-US" sz="2800" dirty="0">
+                    <a:solidFill>
+                      <a:srgbClr val="000000"/>
+                    </a:solidFill>
+                  </a:rPr>
+                  <a:t> Example 							          Operations </a:t>
+                </a:r>
+                <a:r>
+                  <a:rPr lang="en-US" sz="2800" dirty="0"/>
+                  <a:t>in </a:t>
+                </a:r>
+                <a14:m>
+                  <m:oMath xmlns:m="http://schemas.openxmlformats.org/officeDocument/2006/math">
+                    <m:r>
+                      <a:rPr lang="en-US" sz="2800" i="1" dirty="0">
+                        <a:solidFill>
+                          <a:srgbClr val="000000"/>
+                        </a:solidFill>
+                        <a:latin typeface="Cambria Math" panose="02040503050406030204" pitchFamily="18" charset="0"/>
+                      </a:rPr>
+                      <m:t>𝐺𝐹</m:t>
+                    </m:r>
+                    <m:r>
+                      <a:rPr lang="en-US" sz="2800" i="1" dirty="0">
+                        <a:solidFill>
+                          <a:srgbClr val="000000"/>
+                        </a:solidFill>
+                        <a:latin typeface="Cambria Math" panose="02040503050406030204" pitchFamily="18" charset="0"/>
+                      </a:rPr>
+                      <m:t>[</m:t>
+                    </m:r>
+                    <m:r>
+                      <a:rPr lang="en-US" sz="2800" i="1" dirty="0">
+                        <a:solidFill>
+                          <a:srgbClr val="000000"/>
+                        </a:solidFill>
+                        <a:latin typeface="Cambria Math" panose="02040503050406030204" pitchFamily="18" charset="0"/>
+                      </a:rPr>
+                      <m:t>𝑥</m:t>
+                    </m:r>
+                    <m:r>
+                      <a:rPr lang="en-US" sz="2800" i="1" dirty="0">
+                        <a:solidFill>
+                          <a:srgbClr val="000000"/>
+                        </a:solidFill>
+                        <a:latin typeface="Cambria Math" panose="02040503050406030204" pitchFamily="18" charset="0"/>
+                      </a:rPr>
+                      <m:t>](2)</m:t>
+                    </m:r>
+                  </m:oMath>
+                </a14:m>
+                <a:endParaRPr lang="en-US" sz="1000" b="1" dirty="0">
+                  <a:solidFill>
+                    <a:schemeClr val="bg1"/>
+                  </a:solidFill>
+                </a:endParaRPr>
+              </a:p>
+              <a:p>
+                <a:pPr algn="ctr"/>
+                <a:endParaRPr lang="en-US" sz="1000" b="1" dirty="0">
+                  <a:solidFill>
+                    <a:schemeClr val="bg1"/>
+                  </a:solidFill>
+                </a:endParaRPr>
+              </a:p>
+              <a:p>
+                <a:pPr algn="ctr"/>
+                <a:endParaRPr lang="en-US" sz="1000" b="1" dirty="0">
+                  <a:solidFill>
+                    <a:schemeClr val="bg1"/>
+                  </a:solidFill>
+                </a:endParaRPr>
+              </a:p>
+              <a:p>
+                <a:pPr algn="ctr"/>
+                <a:endParaRPr lang="en-US" sz="3200" b="1" dirty="0">
+                  <a:solidFill>
+                    <a:schemeClr val="bg1"/>
+                  </a:solidFill>
+                </a:endParaRPr>
+              </a:p>
+              <a:p>
+                <a:pPr algn="ctr"/>
+                <a:r>
+                  <a:rPr lang="en-US" sz="3200" b="1" dirty="0">
+                    <a:solidFill>
+                      <a:schemeClr val="bg1"/>
+                    </a:solidFill>
+                  </a:rPr>
+                  <a:t>Objective</a:t>
+                </a:r>
+                <a:endParaRPr lang="en-US" sz="3200" baseline="30000" dirty="0">
+                  <a:solidFill>
+                    <a:srgbClr val="000000"/>
+                  </a:solidFill>
+                  <a:latin typeface="Arial" panose="020B0604020202020204" pitchFamily="34" charset="0"/>
+                </a:endParaRPr>
+              </a:p>
+              <a:p>
+                <a:pPr algn="ctr"/>
+                <a:endParaRPr lang="en-US" sz="2800" b="1" dirty="0">
+                  <a:solidFill>
+                    <a:schemeClr val="bg1"/>
+                  </a:solidFill>
+                  <a:latin typeface="Arial" panose="020B0604020202020204" pitchFamily="34" charset="0"/>
+                </a:endParaRPr>
+              </a:p>
+              <a:p>
+                <a:pPr algn="just"/>
+                <a:r>
+                  <a:rPr lang="en-US" sz="2800" dirty="0">
+                    <a:solidFill>
+                      <a:srgbClr val="000000"/>
+                    </a:solidFill>
+                    <a:latin typeface="Arial" panose="020B0604020202020204" pitchFamily="34" charset="0"/>
+                  </a:rPr>
+                  <a:t>To design a scalable arithmetic logic unit (ALU) capable of generating elements in the Galois field of an irreducible polynomial and perform addition, subtraction, multiplication, division and logarithm for low powered devices.</a:t>
+                </a:r>
+              </a:p>
+              <a:p>
+                <a:pPr algn="just"/>
+                <a:endParaRPr lang="en-US" sz="2800" dirty="0">
+                  <a:solidFill>
+                    <a:srgbClr val="000000"/>
+                  </a:solidFill>
+                  <a:latin typeface="Arial" panose="020B0604020202020204" pitchFamily="34" charset="0"/>
+                </a:endParaRPr>
+              </a:p>
+              <a:p>
+                <a:pPr algn="ctr"/>
+                <a:r>
+                  <a:rPr lang="en-US" sz="3200" b="1" dirty="0">
+                    <a:solidFill>
+                      <a:schemeClr val="bg1"/>
+                    </a:solidFill>
+                  </a:rPr>
+                  <a:t>Design Approach</a:t>
+                </a:r>
+              </a:p>
+              <a:p>
+                <a:pPr algn="ctr"/>
+                <a:endParaRPr lang="en-US" sz="2800" b="1" dirty="0">
+                  <a:solidFill>
+                    <a:schemeClr val="bg1"/>
+                  </a:solidFill>
+                  <a:latin typeface="Arial" panose="020B0604020202020204" pitchFamily="34" charset="0"/>
+                </a:endParaRPr>
+              </a:p>
+              <a:p>
+                <a:pPr marL="457200" indent="-457200">
+                  <a:buFont typeface="Wingdings" panose="05000000000000000000" pitchFamily="2" charset="2"/>
+                  <a:buChar char="§"/>
+                </a:pPr>
+                <a:r>
+                  <a:rPr lang="en-US" sz="2800" dirty="0">
+                    <a:solidFill>
+                      <a:srgbClr val="000000"/>
+                    </a:solidFill>
+                    <a:latin typeface="Arial" panose="020B0604020202020204" pitchFamily="34" charset="0"/>
+                  </a:rPr>
+                  <a:t>Scalable, parameterized and efficient design prioritized over specific platform hardware requirements</a:t>
+                </a:r>
+              </a:p>
+              <a:p>
+                <a:pPr marL="457200" indent="-457200">
+                  <a:spcBef>
+                    <a:spcPts val="0"/>
+                  </a:spcBef>
+                  <a:spcAft>
+                    <a:spcPts val="0"/>
+                  </a:spcAft>
+                  <a:buFont typeface="Wingdings" panose="05000000000000000000" pitchFamily="2" charset="2"/>
+                  <a:buChar char="§"/>
+                </a:pPr>
+                <a:r>
+                  <a:rPr lang="en-US" sz="2800" dirty="0">
+                    <a:solidFill>
+                      <a:srgbClr val="000000"/>
+                    </a:solidFill>
+                    <a:latin typeface="Arial" panose="020B0604020202020204" pitchFamily="34" charset="0"/>
+                  </a:rPr>
+                  <a:t>Designed entirely in VHSIC Hardware Description Language (VHDL) modules and packages</a:t>
+                </a:r>
+              </a:p>
+              <a:p>
+                <a:pPr marL="457200" indent="-457200">
+                  <a:spcBef>
+                    <a:spcPts val="0"/>
+                  </a:spcBef>
+                  <a:spcAft>
+                    <a:spcPts val="0"/>
+                  </a:spcAft>
+                  <a:buFont typeface="Wingdings" panose="05000000000000000000" pitchFamily="2" charset="2"/>
+                  <a:buChar char="§"/>
+                </a:pPr>
+                <a:r>
+                  <a:rPr lang="en-US" sz="2800" dirty="0">
+                    <a:solidFill>
+                      <a:srgbClr val="000000"/>
+                    </a:solidFill>
+                    <a:latin typeface="Arial" panose="020B0604020202020204" pitchFamily="34" charset="0"/>
+                  </a:rPr>
+                  <a:t>Capability of design limited only by external memory capacity</a:t>
+                </a:r>
+              </a:p>
+              <a:p>
+                <a:pPr marL="457200" indent="-457200">
+                  <a:buFont typeface="Wingdings" panose="05000000000000000000" pitchFamily="2" charset="2"/>
+                  <a:buChar char="§"/>
+                </a:pPr>
+                <a:r>
+                  <a:rPr lang="en-US" sz="2800" dirty="0">
+                    <a:solidFill>
+                      <a:srgbClr val="000000"/>
+                    </a:solidFill>
+                    <a:latin typeface="Arial" panose="020B0604020202020204" pitchFamily="34" charset="0"/>
+                  </a:rPr>
+                  <a:t>Simple scalable interface for speed and flexibility.</a:t>
+                </a:r>
+              </a:p>
+              <a:p>
+                <a:pPr marL="457200" indent="-457200">
+                  <a:buFont typeface="Wingdings" panose="05000000000000000000" pitchFamily="2" charset="2"/>
+                  <a:buChar char="§"/>
+                </a:pPr>
+                <a:endParaRPr lang="en-US" sz="2800" b="1" dirty="0">
+                  <a:solidFill>
+                    <a:srgbClr val="000000"/>
+                  </a:solidFill>
+                  <a:latin typeface="Arial" panose="020B0604020202020204" pitchFamily="34" charset="0"/>
+                </a:endParaRPr>
+              </a:p>
+              <a:p>
+                <a:pPr algn="ctr"/>
+                <a:r>
+                  <a:rPr lang="en-US" sz="3200" b="1" dirty="0">
+                    <a:solidFill>
+                      <a:schemeClr val="bg1"/>
+                    </a:solidFill>
+                  </a:rPr>
+                  <a:t>Design Overview</a:t>
+                </a:r>
+                <a:endParaRPr lang="en-US" sz="3200" b="1" dirty="0">
+                  <a:solidFill>
+                    <a:schemeClr val="bg1"/>
+                  </a:solidFill>
+                  <a:cs typeface="Arial" panose="020B0604020202020204" pitchFamily="34" charset="0"/>
+                </a:endParaRPr>
+              </a:p>
+              <a:p>
+                <a:endParaRPr lang="en-US" sz="2800" b="1" dirty="0">
+                  <a:solidFill>
+                    <a:srgbClr val="000000"/>
+                  </a:solidFill>
+                  <a:latin typeface="Arial" panose="020B0604020202020204" pitchFamily="34" charset="0"/>
+                </a:endParaRPr>
+              </a:p>
+              <a:p>
+                <a:pPr marL="457200" indent="-457200">
+                  <a:buFont typeface="Wingdings" panose="05000000000000000000" pitchFamily="2" charset="2"/>
+                  <a:buChar char="§"/>
+                </a:pPr>
+                <a:endParaRPr lang="en-US" sz="2800" b="1" dirty="0">
+                  <a:solidFill>
+                    <a:srgbClr val="000000"/>
+                  </a:solidFill>
+                  <a:latin typeface="Arial" panose="020B0604020202020204" pitchFamily="34" charset="0"/>
+                </a:endParaRPr>
+              </a:p>
+              <a:p>
+                <a:pPr marL="457200" indent="-457200">
+                  <a:buFont typeface="Wingdings" panose="05000000000000000000" pitchFamily="2" charset="2"/>
+                  <a:buChar char="§"/>
+                </a:pPr>
+                <a:endParaRPr lang="en-US" sz="2800" b="1" dirty="0">
+                  <a:solidFill>
+                    <a:srgbClr val="000000"/>
+                  </a:solidFill>
+                  <a:latin typeface="Arial" panose="020B0604020202020204" pitchFamily="34" charset="0"/>
+                </a:endParaRPr>
+              </a:p>
+              <a:p>
+                <a:pPr marL="457200" indent="-457200">
+                  <a:buFont typeface="Wingdings" panose="05000000000000000000" pitchFamily="2" charset="2"/>
+                  <a:buChar char="§"/>
+                </a:pPr>
+                <a:endParaRPr lang="en-US" sz="2800" b="1" dirty="0">
+                  <a:solidFill>
+                    <a:srgbClr val="000000"/>
+                  </a:solidFill>
+                  <a:latin typeface="Arial" panose="020B0604020202020204" pitchFamily="34" charset="0"/>
+                </a:endParaRPr>
+              </a:p>
+              <a:p>
+                <a:pPr marL="457200" indent="-457200">
+                  <a:buFont typeface="Wingdings" panose="05000000000000000000" pitchFamily="2" charset="2"/>
+                  <a:buChar char="§"/>
+                </a:pPr>
+                <a:endParaRPr lang="en-US" sz="2800" b="1" dirty="0">
+                  <a:solidFill>
+                    <a:srgbClr val="000000"/>
+                  </a:solidFill>
+                  <a:latin typeface="Arial" panose="020B0604020202020204" pitchFamily="34" charset="0"/>
+                </a:endParaRPr>
+              </a:p>
+              <a:p>
+                <a:pPr marL="457200" indent="-457200">
+                  <a:buFont typeface="Wingdings" panose="05000000000000000000" pitchFamily="2" charset="2"/>
+                  <a:buChar char="§"/>
+                </a:pPr>
+                <a:endParaRPr lang="en-US" sz="2800" b="1" dirty="0">
+                  <a:solidFill>
+                    <a:srgbClr val="000000"/>
+                  </a:solidFill>
+                  <a:latin typeface="Arial" panose="020B0604020202020204" pitchFamily="34" charset="0"/>
+                </a:endParaRPr>
+              </a:p>
+              <a:p>
+                <a:pPr marL="457200" indent="-457200">
+                  <a:buFont typeface="Wingdings" panose="05000000000000000000" pitchFamily="2" charset="2"/>
+                  <a:buChar char="§"/>
+                </a:pPr>
+                <a:endParaRPr lang="en-US" sz="2800" b="1" dirty="0">
+                  <a:solidFill>
+                    <a:srgbClr val="000000"/>
+                  </a:solidFill>
+                  <a:latin typeface="Arial" panose="020B0604020202020204" pitchFamily="34" charset="0"/>
+                </a:endParaRPr>
+              </a:p>
+              <a:p>
+                <a:pPr marL="457200" indent="-457200">
+                  <a:buFont typeface="Wingdings" panose="05000000000000000000" pitchFamily="2" charset="2"/>
+                  <a:buChar char="§"/>
+                </a:pPr>
+                <a:endParaRPr lang="en-US" sz="2800" b="1" dirty="0">
+                  <a:solidFill>
+                    <a:srgbClr val="000000"/>
+                  </a:solidFill>
+                  <a:latin typeface="Arial" panose="020B0604020202020204" pitchFamily="34" charset="0"/>
+                </a:endParaRPr>
+              </a:p>
+              <a:p>
+                <a:endParaRPr lang="en-US" sz="2800" b="1" dirty="0">
+                  <a:solidFill>
+                    <a:srgbClr val="000000"/>
+                  </a:solidFill>
+                  <a:latin typeface="Arial" panose="020B0604020202020204" pitchFamily="34" charset="0"/>
+                </a:endParaRPr>
+              </a:p>
+              <a:p>
+                <a:endParaRPr lang="en-US" sz="2800" b="1" dirty="0">
+                  <a:solidFill>
+                    <a:srgbClr val="000000"/>
+                  </a:solidFill>
+                  <a:latin typeface="Arial" panose="020B0604020202020204" pitchFamily="34" charset="0"/>
+                </a:endParaRPr>
+              </a:p>
+              <a:p>
+                <a:pPr algn="ctr"/>
+                <a:r>
+                  <a:rPr lang="en-US" sz="2800" b="1" dirty="0">
+                    <a:latin typeface="Arial" panose="020B0604020202020204" pitchFamily="34" charset="0"/>
+                    <a:cs typeface="Arial" panose="020B0604020202020204" pitchFamily="34" charset="0"/>
+                  </a:rPr>
+                  <a:t>Figure 3: </a:t>
+                </a:r>
+                <a:r>
+                  <a:rPr lang="en-US" sz="2800" dirty="0">
+                    <a:latin typeface="Arial" panose="020B0604020202020204" pitchFamily="34" charset="0"/>
+                    <a:cs typeface="Arial" panose="020B0604020202020204" pitchFamily="34" charset="0"/>
+                  </a:rPr>
+                  <a:t>Functional Flow Diagram</a:t>
+                </a:r>
+                <a:r>
+                  <a:rPr lang="en-US" sz="2800" b="1" dirty="0">
+                    <a:solidFill>
+                      <a:schemeClr val="bg1"/>
+                    </a:solidFill>
+                    <a:latin typeface="Arial" panose="020B0604020202020204" pitchFamily="34" charset="0"/>
+                    <a:cs typeface="Arial" panose="020B0604020202020204" pitchFamily="34" charset="0"/>
+                  </a:rPr>
+                  <a:t> </a:t>
+                </a:r>
+                <a:endParaRPr lang="en-US" sz="2800" b="1" dirty="0">
+                  <a:solidFill>
+                    <a:srgbClr val="000000"/>
+                  </a:solidFill>
+                  <a:latin typeface="Arial" panose="020B0604020202020204" pitchFamily="34" charset="0"/>
+                </a:endParaRPr>
+              </a:p>
+            </p:txBody>
+          </p:sp>
+        </mc:Choice>
+        <mc:Fallback>
+          <p:sp>
+            <p:nvSpPr>
+              <p:cNvPr id="20" name="Rectangle 19"/>
+              <p:cNvSpPr>
+                <a:spLocks noRot="1" noChangeAspect="1" noMove="1" noResize="1" noEditPoints="1" noAdjustHandles="1" noChangeArrowheads="1" noChangeShapeType="1" noTextEdit="1"/>
+              </p:cNvSpPr>
+              <p:nvPr/>
+            </p:nvSpPr>
+            <p:spPr>
+              <a:xfrm flipH="1">
+                <a:off x="727187" y="3352800"/>
+                <a:ext cx="10354942" cy="4229978"/>
+              </a:xfrm>
+              <a:prstGeom prst="rect">
+                <a:avLst/>
+              </a:prstGeom>
+              <a:blipFill>
+                <a:blip r:embed="rId3"/>
+                <a:stretch>
+                  <a:fillRect l="-1177" t="-1873" r="-1177" b="-451729"/>
+                </a:stretch>
+              </a:blipFill>
+              <a:ln w="76200">
+                <a:noFill/>
+              </a:ln>
+              <a:effectLst/>
+            </p:spPr>
+            <p:txBody>
+              <a:bodyPr/>
+              <a:lstStyle/>
+              <a:p>
+                <a:r>
+                  <a:rPr lang="en-US">
+                    <a:noFill/>
+                  </a:rPr>
+                  <a:t> </a:t>
+                </a:r>
+              </a:p>
+            </p:txBody>
+          </p:sp>
+        </mc:Fallback>
+      </mc:AlternateContent>
       <p:sp>
         <p:nvSpPr>
           <p:cNvPr id="2" name="AutoShape 2" descr="Image result for uscis office of policy and strategy"/>
@@ -7172,13 +7531,13 @@
           <p:nvPr>
             <p:extLst>
               <p:ext uri="{D42A27DB-BD31-4B8C-83A1-F6EECF244321}">
-                <p14:modId xmlns:p14="http://schemas.microsoft.com/office/powerpoint/2010/main" val="1785663986"/>
+                <p14:modId xmlns:p14="http://schemas.microsoft.com/office/powerpoint/2010/main" val="1327839286"/>
               </p:ext>
             </p:extLst>
           </p:nvPr>
         </p:nvGraphicFramePr>
         <p:xfrm>
-          <a:off x="1014117" y="7679261"/>
+          <a:off x="1014117" y="8237014"/>
           <a:ext cx="5996283" cy="5478986"/>
         </p:xfrm>
         <a:graphic>
@@ -7552,7 +7911,7 @@
                     <a:bodyPr/>
                     <a:lstStyle/>
                     <a:p>
-                      <a:pPr rtl="0" fontAlgn="t">
+                      <a:pPr algn="ctr" rtl="0" fontAlgn="t">
                         <a:spcBef>
                           <a:spcPts val="0"/>
                         </a:spcBef>
@@ -7630,7 +7989,7 @@
                     <a:bodyPr/>
                     <a:lstStyle/>
                     <a:p>
-                      <a:pPr rtl="0" fontAlgn="t">
+                      <a:pPr algn="ctr" rtl="0" fontAlgn="t">
                         <a:spcBef>
                           <a:spcPts val="0"/>
                         </a:spcBef>
@@ -7708,7 +8067,7 @@
                     <a:bodyPr/>
                     <a:lstStyle/>
                     <a:p>
-                      <a:pPr rtl="0" fontAlgn="t">
+                      <a:pPr algn="ctr" rtl="0" fontAlgn="t">
                         <a:spcBef>
                           <a:spcPts val="0"/>
                         </a:spcBef>
@@ -7786,7 +8145,7 @@
                     <a:bodyPr/>
                     <a:lstStyle/>
                     <a:p>
-                      <a:pPr rtl="0" fontAlgn="t">
+                      <a:pPr algn="ctr" rtl="0" fontAlgn="t">
                         <a:spcBef>
                           <a:spcPts val="0"/>
                         </a:spcBef>
@@ -7865,13 +8224,13 @@
                   </a:ext>
                 </a:extLst>
               </a:tr>
-              <a:tr h="598156">
+              <a:tr h="517448">
                 <a:tc>
                   <a:txBody>
                     <a:bodyPr/>
                     <a:lstStyle/>
                     <a:p>
-                      <a:pPr rtl="0" fontAlgn="t">
+                      <a:pPr algn="ctr" rtl="0" fontAlgn="t">
                         <a:spcBef>
                           <a:spcPts val="0"/>
                         </a:spcBef>
@@ -7960,7 +8319,7 @@
                     <a:bodyPr/>
                     <a:lstStyle/>
                     <a:p>
-                      <a:pPr rtl="0" fontAlgn="t">
+                      <a:pPr algn="ctr" rtl="0" fontAlgn="t">
                         <a:spcBef>
                           <a:spcPts val="0"/>
                         </a:spcBef>
@@ -8038,7 +8397,7 @@
                     <a:bodyPr/>
                     <a:lstStyle/>
                     <a:p>
-                      <a:pPr rtl="0" fontAlgn="t">
+                      <a:pPr algn="ctr" rtl="0" fontAlgn="t">
                         <a:spcBef>
                           <a:spcPts val="0"/>
                         </a:spcBef>
@@ -8127,7 +8486,7 @@
                     <a:bodyPr/>
                     <a:lstStyle/>
                     <a:p>
-                      <a:pPr rtl="0" fontAlgn="t">
+                      <a:pPr algn="ctr" rtl="0" fontAlgn="t">
                         <a:spcBef>
                           <a:spcPts val="0"/>
                         </a:spcBef>
@@ -8206,13 +8565,13 @@
                   </a:ext>
                 </a:extLst>
               </a:tr>
-              <a:tr h="598156">
+              <a:tr h="444586">
                 <a:tc>
                   <a:txBody>
                     <a:bodyPr/>
                     <a:lstStyle/>
                     <a:p>
-                      <a:pPr rtl="0" fontAlgn="t">
+                      <a:pPr algn="ctr" rtl="0" fontAlgn="t">
                         <a:spcBef>
                           <a:spcPts val="0"/>
                         </a:spcBef>
@@ -8301,7 +8660,7 @@
                     <a:bodyPr/>
                     <a:lstStyle/>
                     <a:p>
-                      <a:pPr rtl="0" fontAlgn="t">
+                      <a:pPr algn="ctr" rtl="0" fontAlgn="t">
                         <a:spcBef>
                           <a:spcPts val="0"/>
                         </a:spcBef>
@@ -8379,7 +8738,7 @@
                     <a:bodyPr/>
                     <a:lstStyle/>
                     <a:p>
-                      <a:pPr rtl="0" fontAlgn="t">
+                      <a:pPr algn="ctr" rtl="0" fontAlgn="t">
                         <a:spcBef>
                           <a:spcPts val="0"/>
                         </a:spcBef>
@@ -8479,7 +8838,7 @@
                     <a:bodyPr/>
                     <a:lstStyle/>
                     <a:p>
-                      <a:pPr rtl="0" fontAlgn="t">
+                      <a:pPr algn="ctr" rtl="0" fontAlgn="t">
                         <a:spcBef>
                           <a:spcPts val="0"/>
                         </a:spcBef>
@@ -8564,7 +8923,7 @@
                     <a:bodyPr/>
                     <a:lstStyle/>
                     <a:p>
-                      <a:pPr rtl="0" fontAlgn="t">
+                      <a:pPr algn="ctr" rtl="0" fontAlgn="t">
                         <a:spcBef>
                           <a:spcPts val="0"/>
                         </a:spcBef>
@@ -8653,7 +9012,7 @@
                     <a:bodyPr/>
                     <a:lstStyle/>
                     <a:p>
-                      <a:pPr rtl="0" fontAlgn="t">
+                      <a:pPr algn="ctr" rtl="0" fontAlgn="t">
                         <a:spcBef>
                           <a:spcPts val="0"/>
                         </a:spcBef>
@@ -8731,7 +9090,7 @@
                     <a:bodyPr/>
                     <a:lstStyle/>
                     <a:p>
-                      <a:pPr rtl="0" fontAlgn="t">
+                      <a:pPr algn="ctr" rtl="0" fontAlgn="t">
                         <a:spcBef>
                           <a:spcPts val="0"/>
                         </a:spcBef>
@@ -8831,7 +9190,7 @@
                     <a:bodyPr/>
                     <a:lstStyle/>
                     <a:p>
-                      <a:pPr rtl="0" fontAlgn="t">
+                      <a:pPr algn="ctr" rtl="0" fontAlgn="t">
                         <a:spcBef>
                           <a:spcPts val="0"/>
                         </a:spcBef>
@@ -8916,7 +9275,7 @@
                     <a:bodyPr/>
                     <a:lstStyle/>
                     <a:p>
-                      <a:pPr rtl="0" fontAlgn="t">
+                      <a:pPr algn="ctr" rtl="0" fontAlgn="t">
                         <a:spcBef>
                           <a:spcPts val="0"/>
                         </a:spcBef>
@@ -8925,7 +9284,7 @@
                         </a:spcAft>
                       </a:pPr>
                       <a:r>
-                        <a:rPr lang="en-US" sz="2600" b="0" i="0" u="none" strike="noStrike">
+                        <a:rPr lang="en-US" sz="2600" b="0" i="0" u="none" strike="noStrike" dirty="0">
                           <a:solidFill>
                             <a:srgbClr val="000000"/>
                           </a:solidFill>
@@ -8936,7 +9295,7 @@
                         <a:t>x</a:t>
                       </a:r>
                       <a:r>
-                        <a:rPr lang="en-US" sz="2600" b="0" i="0" u="none" strike="noStrike" baseline="30000">
+                        <a:rPr lang="en-US" sz="2600" b="0" i="0" u="none" strike="noStrike" baseline="30000" dirty="0">
                           <a:solidFill>
                             <a:srgbClr val="000000"/>
                           </a:solidFill>
@@ -8946,7 +9305,7 @@
                         </a:rPr>
                         <a:t>3</a:t>
                       </a:r>
-                      <a:endParaRPr lang="en-US" sz="2600">
+                      <a:endParaRPr lang="en-US" sz="2600" dirty="0">
                         <a:effectLst/>
                         <a:latin typeface="+mn-lt"/>
                         <a:cs typeface="Arial" panose="020B0604020202020204" pitchFamily="34" charset="0"/>
@@ -9005,7 +9364,7 @@
                     <a:bodyPr/>
                     <a:lstStyle/>
                     <a:p>
-                      <a:pPr rtl="0" fontAlgn="t">
+                      <a:pPr algn="ctr" rtl="0" fontAlgn="t">
                         <a:spcBef>
                           <a:spcPts val="0"/>
                         </a:spcBef>
@@ -9083,7 +9442,7 @@
                     <a:bodyPr/>
                     <a:lstStyle/>
                     <a:p>
-                      <a:pPr rtl="0" fontAlgn="t">
+                      <a:pPr algn="ctr" rtl="0" fontAlgn="t">
                         <a:spcBef>
                           <a:spcPts val="0"/>
                         </a:spcBef>
@@ -9194,7 +9553,7 @@
                     <a:bodyPr/>
                     <a:lstStyle/>
                     <a:p>
-                      <a:pPr rtl="0" fontAlgn="t">
+                      <a:pPr algn="ctr" rtl="0" fontAlgn="t">
                         <a:spcBef>
                           <a:spcPts val="0"/>
                         </a:spcBef>
@@ -9279,7 +9638,7 @@
                     <a:bodyPr/>
                     <a:lstStyle/>
                     <a:p>
-                      <a:pPr rtl="0" fontAlgn="t">
+                      <a:pPr algn="ctr" rtl="0" fontAlgn="t">
                         <a:spcBef>
                           <a:spcPts val="0"/>
                         </a:spcBef>
@@ -9368,7 +9727,7 @@
                     <a:bodyPr/>
                     <a:lstStyle/>
                     <a:p>
-                      <a:pPr rtl="0" fontAlgn="t">
+                      <a:pPr algn="ctr" rtl="0" fontAlgn="t">
                         <a:spcBef>
                           <a:spcPts val="0"/>
                         </a:spcBef>
@@ -9377,7 +9736,7 @@
                         </a:spcAft>
                       </a:pPr>
                       <a:r>
-                        <a:rPr lang="en-US" sz="2600" b="0" i="0" u="none" strike="noStrike">
+                        <a:rPr lang="en-US" sz="2600" b="0" i="0" u="none" strike="noStrike" dirty="0">
                           <a:solidFill>
                             <a:srgbClr val="000000"/>
                           </a:solidFill>
@@ -9387,7 +9746,7 @@
                         </a:rPr>
                         <a:t>100</a:t>
                       </a:r>
-                      <a:endParaRPr lang="en-US" sz="2600">
+                      <a:endParaRPr lang="en-US" sz="2600" dirty="0">
                         <a:effectLst/>
                         <a:latin typeface="+mn-lt"/>
                         <a:cs typeface="Arial" panose="020B0604020202020204" pitchFamily="34" charset="0"/>
@@ -9446,7 +9805,7 @@
                     <a:bodyPr/>
                     <a:lstStyle/>
                     <a:p>
-                      <a:pPr rtl="0" fontAlgn="t">
+                      <a:pPr algn="ctr" rtl="0" fontAlgn="t">
                         <a:spcBef>
                           <a:spcPts val="0"/>
                         </a:spcBef>
@@ -9579,7 +9938,7 @@
                     <a:bodyPr/>
                     <a:lstStyle/>
                     <a:p>
-                      <a:pPr rtl="0" fontAlgn="t">
+                      <a:pPr algn="ctr" rtl="0" fontAlgn="t">
                         <a:spcBef>
                           <a:spcPts val="0"/>
                         </a:spcBef>
@@ -9664,7 +10023,7 @@
                     <a:bodyPr/>
                     <a:lstStyle/>
                     <a:p>
-                      <a:pPr rtl="0" fontAlgn="t">
+                      <a:pPr algn="ctr" rtl="0" fontAlgn="t">
                         <a:spcBef>
                           <a:spcPts val="0"/>
                         </a:spcBef>
@@ -9753,7 +10112,7 @@
                     <a:bodyPr/>
                     <a:lstStyle/>
                     <a:p>
-                      <a:pPr rtl="0" fontAlgn="t">
+                      <a:pPr algn="ctr" rtl="0" fontAlgn="t">
                         <a:spcBef>
                           <a:spcPts val="0"/>
                         </a:spcBef>
@@ -9831,7 +10190,7 @@
                     <a:bodyPr/>
                     <a:lstStyle/>
                     <a:p>
-                      <a:pPr rtl="0" fontAlgn="t">
+                      <a:pPr algn="ctr" rtl="0" fontAlgn="t">
                         <a:spcBef>
                           <a:spcPts val="0"/>
                         </a:spcBef>
@@ -9942,7 +10301,7 @@
                     <a:bodyPr/>
                     <a:lstStyle/>
                     <a:p>
-                      <a:pPr rtl="0" fontAlgn="t">
+                      <a:pPr algn="ctr" rtl="0" fontAlgn="t">
                         <a:spcBef>
                           <a:spcPts val="0"/>
                         </a:spcBef>
@@ -10027,7 +10386,7 @@
                     <a:bodyPr/>
                     <a:lstStyle/>
                     <a:p>
-                      <a:pPr rtl="0" fontAlgn="t">
+                      <a:pPr algn="ctr" rtl="0" fontAlgn="t">
                         <a:spcBef>
                           <a:spcPts val="0"/>
                         </a:spcBef>
@@ -10116,7 +10475,7 @@
                     <a:bodyPr/>
                     <a:lstStyle/>
                     <a:p>
-                      <a:pPr rtl="0" fontAlgn="t">
+                      <a:pPr algn="ctr" rtl="0" fontAlgn="t">
                         <a:spcBef>
                           <a:spcPts val="0"/>
                         </a:spcBef>
@@ -10194,7 +10553,7 @@
                     <a:bodyPr/>
                     <a:lstStyle/>
                     <a:p>
-                      <a:pPr rtl="0" fontAlgn="t">
+                      <a:pPr algn="ctr" rtl="0" fontAlgn="t">
                         <a:spcBef>
                           <a:spcPts val="0"/>
                         </a:spcBef>
@@ -10316,7 +10675,7 @@
                     <a:bodyPr/>
                     <a:lstStyle/>
                     <a:p>
-                      <a:pPr rtl="0" fontAlgn="t">
+                      <a:pPr algn="ctr" rtl="0" fontAlgn="t">
                         <a:spcBef>
                           <a:spcPts val="0"/>
                         </a:spcBef>
@@ -10399,362 +10758,460 @@
           </a:graphicData>
         </a:graphic>
       </p:graphicFrame>
-      <p:sp>
-        <p:nvSpPr>
-          <p:cNvPr id="13" name="Rectangle 12"/>
-          <p:cNvSpPr/>
-          <p:nvPr/>
-        </p:nvSpPr>
-        <p:spPr>
-          <a:xfrm>
-            <a:off x="12158688" y="3118306"/>
-            <a:ext cx="5997324" cy="11079956"/>
-          </a:xfrm>
-          <a:prstGeom prst="rect">
-            <a:avLst/>
-          </a:prstGeom>
-          <a:ln>
-            <a:solidFill>
-              <a:schemeClr val="bg1"/>
-            </a:solidFill>
-          </a:ln>
-        </p:spPr>
-        <p:txBody>
-          <a:bodyPr wrap="square" numCol="1">
-            <a:spAutoFit/>
-          </a:bodyPr>
-          <a:lstStyle/>
-          <a:p>
-            <a:r>
-              <a:rPr lang="en-US" sz="3200" b="1" dirty="0">
-                <a:solidFill>
-                  <a:srgbClr val="006435"/>
-                </a:solidFill>
-                <a:latin typeface="Arial" panose="020B0604020202020204" pitchFamily="34" charset="0"/>
-              </a:rPr>
-              <a:t>Modules</a:t>
-            </a:r>
-          </a:p>
-          <a:p>
-            <a:endParaRPr lang="en-US" sz="1000" b="1" dirty="0">
-              <a:solidFill>
-                <a:srgbClr val="006435"/>
-              </a:solidFill>
-              <a:latin typeface="Arial" panose="020B0604020202020204" pitchFamily="34" charset="0"/>
-            </a:endParaRPr>
-          </a:p>
-          <a:p>
-            <a:pPr marL="457200" indent="-457200">
-              <a:spcBef>
-                <a:spcPts val="0"/>
-              </a:spcBef>
-              <a:spcAft>
-                <a:spcPts val="0"/>
-              </a:spcAft>
-              <a:buFont typeface="Wingdings" panose="05000000000000000000" pitchFamily="2" charset="2"/>
-              <a:buChar char="§"/>
-            </a:pPr>
-            <a:r>
-              <a:rPr lang="en-US" sz="2800" b="1" dirty="0">
-                <a:solidFill>
-                  <a:srgbClr val="000000"/>
-                </a:solidFill>
-                <a:latin typeface="Arial" panose="020B0604020202020204" pitchFamily="34" charset="0"/>
-              </a:rPr>
-              <a:t>Global Registers</a:t>
-            </a:r>
-          </a:p>
-          <a:p>
-            <a:pPr marL="914400" lvl="1" indent="-457200">
-              <a:spcBef>
-                <a:spcPts val="0"/>
-              </a:spcBef>
-              <a:spcAft>
-                <a:spcPts val="0"/>
-              </a:spcAft>
-              <a:buFont typeface="Courier New" panose="02070309020205020404" pitchFamily="49" charset="0"/>
-              <a:buChar char="o"/>
-            </a:pPr>
-            <a:r>
-              <a:rPr lang="en-US" sz="2800" dirty="0">
-                <a:solidFill>
-                  <a:srgbClr val="000000"/>
-                </a:solidFill>
-                <a:latin typeface="Arial" panose="020B0604020202020204" pitchFamily="34" charset="0"/>
-              </a:rPr>
-              <a:t>Generated by priority encoders</a:t>
-            </a:r>
-          </a:p>
-          <a:p>
-            <a:pPr marL="914400" lvl="1" indent="-457200">
-              <a:spcBef>
-                <a:spcPts val="0"/>
-              </a:spcBef>
-              <a:spcAft>
-                <a:spcPts val="0"/>
-              </a:spcAft>
-              <a:buFont typeface="Courier New" panose="02070309020205020404" pitchFamily="49" charset="0"/>
-              <a:buChar char="o"/>
-            </a:pPr>
-            <a:r>
-              <a:rPr lang="en-US" sz="2800" dirty="0">
-                <a:solidFill>
-                  <a:srgbClr val="000000"/>
-                </a:solidFill>
-                <a:latin typeface="Arial" panose="020B0604020202020204" pitchFamily="34" charset="0"/>
-              </a:rPr>
-              <a:t>Size index, most significant bit index, and mask</a:t>
-            </a:r>
-          </a:p>
-          <a:p>
-            <a:pPr marL="457200" indent="-457200" algn="just">
-              <a:spcBef>
-                <a:spcPts val="0"/>
-              </a:spcBef>
-              <a:spcAft>
-                <a:spcPts val="0"/>
-              </a:spcAft>
-              <a:buFont typeface="Wingdings" panose="05000000000000000000" pitchFamily="2" charset="2"/>
-              <a:buChar char="§"/>
-            </a:pPr>
-            <a:r>
-              <a:rPr lang="en-US" sz="2800" b="1" dirty="0">
-                <a:solidFill>
-                  <a:srgbClr val="000000"/>
-                </a:solidFill>
-                <a:latin typeface="Arial" panose="020B0604020202020204" pitchFamily="34" charset="0"/>
-              </a:rPr>
-              <a:t>Generator</a:t>
-            </a:r>
-          </a:p>
-          <a:p>
-            <a:pPr marL="914400" lvl="1" indent="-457200">
-              <a:spcBef>
-                <a:spcPts val="0"/>
-              </a:spcBef>
-              <a:spcAft>
-                <a:spcPts val="0"/>
-              </a:spcAft>
-              <a:buFont typeface="Courier New" panose="02070309020205020404" pitchFamily="49" charset="0"/>
-              <a:buChar char="o"/>
-            </a:pPr>
-            <a:r>
-              <a:rPr lang="en-US" sz="2800" dirty="0">
-                <a:solidFill>
-                  <a:srgbClr val="000000"/>
-                </a:solidFill>
-                <a:latin typeface="Arial" panose="020B0604020202020204" pitchFamily="34" charset="0"/>
-              </a:rPr>
-              <a:t>Generates elements in their element and polynomial forms</a:t>
-            </a:r>
-          </a:p>
-          <a:p>
-            <a:pPr marL="914400" lvl="1" indent="-457200">
-              <a:spcBef>
-                <a:spcPts val="0"/>
-              </a:spcBef>
-              <a:spcAft>
-                <a:spcPts val="0"/>
-              </a:spcAft>
-              <a:buFont typeface="Courier New" panose="02070309020205020404" pitchFamily="49" charset="0"/>
-              <a:buChar char="o"/>
-            </a:pPr>
-            <a:r>
-              <a:rPr lang="en-US" sz="2800" dirty="0">
-                <a:solidFill>
-                  <a:srgbClr val="000000"/>
-                </a:solidFill>
-                <a:latin typeface="Arial" panose="020B0604020202020204" pitchFamily="34" charset="0"/>
-              </a:rPr>
-              <a:t>Alerts the user when process is complete</a:t>
-            </a:r>
-          </a:p>
-          <a:p>
-            <a:pPr marL="457200" indent="-457200">
-              <a:spcBef>
-                <a:spcPts val="0"/>
-              </a:spcBef>
-              <a:spcAft>
-                <a:spcPts val="0"/>
-              </a:spcAft>
-              <a:buFont typeface="Wingdings" panose="05000000000000000000" pitchFamily="2" charset="2"/>
-              <a:buChar char="§"/>
-            </a:pPr>
-            <a:r>
-              <a:rPr lang="en-US" sz="2800" b="1" dirty="0">
-                <a:solidFill>
-                  <a:srgbClr val="000000"/>
-                </a:solidFill>
-                <a:latin typeface="Arial" panose="020B0604020202020204" pitchFamily="34" charset="0"/>
-              </a:rPr>
-              <a:t>Operators</a:t>
-            </a:r>
-          </a:p>
-          <a:p>
-            <a:pPr marL="914400" lvl="1" indent="-457200">
-              <a:spcBef>
-                <a:spcPts val="0"/>
-              </a:spcBef>
-              <a:spcAft>
-                <a:spcPts val="0"/>
-              </a:spcAft>
-              <a:buFont typeface="Courier New" panose="02070309020205020404" pitchFamily="49" charset="0"/>
-              <a:buChar char="o"/>
-            </a:pPr>
-            <a:r>
-              <a:rPr lang="en-US" sz="2800" dirty="0">
-                <a:solidFill>
-                  <a:srgbClr val="000000"/>
-                </a:solidFill>
-                <a:latin typeface="Arial" panose="020B0604020202020204" pitchFamily="34" charset="0"/>
-              </a:rPr>
-              <a:t>Performs addition, subtraction, multiplication, division and logarithm of Galois operands</a:t>
-            </a:r>
-          </a:p>
-          <a:p>
-            <a:pPr marL="914400" lvl="1" indent="-457200">
-              <a:spcBef>
-                <a:spcPts val="0"/>
-              </a:spcBef>
-              <a:spcAft>
-                <a:spcPts val="0"/>
-              </a:spcAft>
-              <a:buFont typeface="Courier New" panose="02070309020205020404" pitchFamily="49" charset="0"/>
-              <a:buChar char="o"/>
-            </a:pPr>
-            <a:r>
-              <a:rPr lang="en-US" sz="2800" dirty="0">
-                <a:solidFill>
-                  <a:srgbClr val="000000"/>
-                </a:solidFill>
-                <a:latin typeface="Arial" panose="020B0604020202020204" pitchFamily="34" charset="0"/>
-              </a:rPr>
-              <a:t>Checks null errors</a:t>
-            </a:r>
-          </a:p>
-          <a:p>
-            <a:pPr marL="457200" indent="-457200" algn="just">
-              <a:spcBef>
-                <a:spcPts val="0"/>
-              </a:spcBef>
-              <a:spcAft>
-                <a:spcPts val="0"/>
-              </a:spcAft>
-              <a:buFont typeface="Wingdings" panose="05000000000000000000" pitchFamily="2" charset="2"/>
-              <a:buChar char="§"/>
-            </a:pPr>
-            <a:r>
-              <a:rPr lang="en-US" sz="2800" b="1" dirty="0">
-                <a:solidFill>
-                  <a:srgbClr val="000000"/>
-                </a:solidFill>
-                <a:latin typeface="Arial" panose="020B0604020202020204" pitchFamily="34" charset="0"/>
-              </a:rPr>
-              <a:t>Control unit</a:t>
-            </a:r>
-          </a:p>
-          <a:p>
-            <a:pPr marL="914400" lvl="1" indent="-457200">
-              <a:spcBef>
-                <a:spcPts val="0"/>
-              </a:spcBef>
-              <a:spcAft>
-                <a:spcPts val="0"/>
-              </a:spcAft>
-              <a:buFont typeface="Courier New" panose="02070309020205020404" pitchFamily="49" charset="0"/>
-              <a:buChar char="o"/>
-            </a:pPr>
-            <a:r>
-              <a:rPr lang="en-US" sz="2800" dirty="0">
-                <a:solidFill>
-                  <a:srgbClr val="000000"/>
-                </a:solidFill>
-                <a:latin typeface="Arial" panose="020B0604020202020204" pitchFamily="34" charset="0"/>
-              </a:rPr>
-              <a:t>Determines operations requested through 6-bit opcode</a:t>
-            </a:r>
-          </a:p>
-          <a:p>
-            <a:pPr marL="914400" lvl="1" indent="-457200">
-              <a:spcBef>
-                <a:spcPts val="0"/>
-              </a:spcBef>
-              <a:spcAft>
-                <a:spcPts val="0"/>
-              </a:spcAft>
-              <a:buFont typeface="Courier New" panose="02070309020205020404" pitchFamily="49" charset="0"/>
-              <a:buChar char="o"/>
-            </a:pPr>
-            <a:r>
-              <a:rPr lang="en-US" sz="2800" dirty="0">
-                <a:solidFill>
-                  <a:srgbClr val="000000"/>
-                </a:solidFill>
-                <a:latin typeface="Arial" panose="020B0604020202020204" pitchFamily="34" charset="0"/>
-              </a:rPr>
-              <a:t>Converts operands into their counterpart forms if necessary</a:t>
-            </a:r>
-          </a:p>
-          <a:p>
-            <a:pPr marL="914400" lvl="1" indent="-457200">
-              <a:spcBef>
-                <a:spcPts val="0"/>
-              </a:spcBef>
-              <a:spcAft>
-                <a:spcPts val="0"/>
-              </a:spcAft>
-              <a:buFont typeface="Courier New" panose="02070309020205020404" pitchFamily="49" charset="0"/>
-              <a:buChar char="o"/>
-            </a:pPr>
-            <a:r>
-              <a:rPr lang="en-US" sz="2800" dirty="0">
-                <a:solidFill>
-                  <a:srgbClr val="000000"/>
-                </a:solidFill>
-                <a:latin typeface="Arial" panose="020B0604020202020204" pitchFamily="34" charset="0"/>
-              </a:rPr>
-              <a:t>Checks operand memberships and null operands</a:t>
-            </a:r>
-            <a:endParaRPr lang="en-US" sz="2800" b="1" dirty="0">
-              <a:latin typeface="Arial" panose="020B0604020202020204" pitchFamily="34" charset="0"/>
-            </a:endParaRPr>
-          </a:p>
-          <a:p>
-            <a:pPr marL="457200" lvl="1" indent="0">
-              <a:spcBef>
-                <a:spcPts val="0"/>
-              </a:spcBef>
-              <a:spcAft>
-                <a:spcPts val="0"/>
-              </a:spcAft>
-            </a:pPr>
-            <a:endParaRPr lang="en-US" sz="2800" dirty="0">
-              <a:solidFill>
-                <a:srgbClr val="000000"/>
-              </a:solidFill>
-              <a:latin typeface="Arial" panose="020B0604020202020204" pitchFamily="34" charset="0"/>
-            </a:endParaRPr>
-          </a:p>
-          <a:p>
-            <a:pPr marL="914400" lvl="1" indent="-457200">
-              <a:spcBef>
-                <a:spcPts val="0"/>
-              </a:spcBef>
-              <a:spcAft>
-                <a:spcPts val="0"/>
-              </a:spcAft>
-              <a:buFont typeface="Wingdings" panose="05000000000000000000" pitchFamily="2" charset="2"/>
-              <a:buChar char="§"/>
-            </a:pPr>
-            <a:endParaRPr lang="en-US" sz="2800" dirty="0">
-              <a:solidFill>
-                <a:srgbClr val="000000"/>
-              </a:solidFill>
-              <a:latin typeface="Arial" panose="020B0604020202020204" pitchFamily="34" charset="0"/>
-            </a:endParaRPr>
-          </a:p>
-        </p:txBody>
-      </p:sp>
+      <mc:AlternateContent xmlns:mc="http://schemas.openxmlformats.org/markup-compatibility/2006" xmlns:a14="http://schemas.microsoft.com/office/drawing/2010/main">
+        <mc:Choice Requires="a14">
+          <p:sp>
+            <p:nvSpPr>
+              <p:cNvPr id="13" name="Rectangle 12"/>
+              <p:cNvSpPr/>
+              <p:nvPr/>
+            </p:nvSpPr>
+            <p:spPr>
+              <a:xfrm>
+                <a:off x="12115800" y="3352800"/>
+                <a:ext cx="6198552" cy="9510296"/>
+              </a:xfrm>
+              <a:prstGeom prst="rect">
+                <a:avLst/>
+              </a:prstGeom>
+              <a:ln>
+                <a:noFill/>
+              </a:ln>
+            </p:spPr>
+            <p:txBody>
+              <a:bodyPr wrap="square" numCol="1">
+                <a:spAutoFit/>
+              </a:bodyPr>
+              <a:lstStyle/>
+              <a:p>
+                <a:r>
+                  <a:rPr lang="en-US" sz="3200" b="1" dirty="0">
+                    <a:solidFill>
+                      <a:schemeClr val="bg1"/>
+                    </a:solidFill>
+                    <a:latin typeface="+mn-lt"/>
+                  </a:rPr>
+                  <a:t>    Modules</a:t>
+                </a:r>
+                <a:endParaRPr lang="en-US" sz="2800" b="1" dirty="0">
+                  <a:solidFill>
+                    <a:schemeClr val="bg1"/>
+                  </a:solidFill>
+                  <a:latin typeface="+mn-lt"/>
+                </a:endParaRPr>
+              </a:p>
+              <a:p>
+                <a:endParaRPr lang="en-US" sz="2400" b="1" dirty="0">
+                  <a:solidFill>
+                    <a:srgbClr val="006435"/>
+                  </a:solidFill>
+                  <a:latin typeface="+mn-lt"/>
+                </a:endParaRPr>
+              </a:p>
+              <a:p>
+                <a:pPr marL="457200" indent="-457200">
+                  <a:spcBef>
+                    <a:spcPts val="0"/>
+                  </a:spcBef>
+                  <a:spcAft>
+                    <a:spcPts val="0"/>
+                  </a:spcAft>
+                  <a:buFont typeface="Wingdings" panose="05000000000000000000" pitchFamily="2" charset="2"/>
+                  <a:buChar char="§"/>
+                </a:pPr>
+                <a:r>
+                  <a:rPr lang="en-US" sz="2800" b="1" dirty="0">
+                    <a:solidFill>
+                      <a:srgbClr val="000000"/>
+                    </a:solidFill>
+                    <a:latin typeface="+mn-lt"/>
+                  </a:rPr>
+                  <a:t>Global Registers</a:t>
+                </a:r>
+              </a:p>
+              <a:p>
+                <a:pPr marL="914400" lvl="1" indent="-457200">
+                  <a:spcBef>
+                    <a:spcPts val="0"/>
+                  </a:spcBef>
+                  <a:spcAft>
+                    <a:spcPts val="0"/>
+                  </a:spcAft>
+                  <a:buFont typeface="Courier New" panose="02070309020205020404" pitchFamily="49" charset="0"/>
+                  <a:buChar char="o"/>
+                </a:pPr>
+                <a:r>
+                  <a:rPr lang="en-US" sz="2800" dirty="0">
+                    <a:solidFill>
+                      <a:srgbClr val="000000"/>
+                    </a:solidFill>
+                    <a:latin typeface="+mn-lt"/>
+                  </a:rPr>
+                  <a:t>Generated by priority encoders</a:t>
+                </a:r>
+              </a:p>
+              <a:p>
+                <a:pPr marL="914400" lvl="1" indent="-457200">
+                  <a:spcBef>
+                    <a:spcPts val="0"/>
+                  </a:spcBef>
+                  <a:spcAft>
+                    <a:spcPts val="0"/>
+                  </a:spcAft>
+                  <a:buFont typeface="Courier New" panose="02070309020205020404" pitchFamily="49" charset="0"/>
+                  <a:buChar char="o"/>
+                </a:pPr>
+                <a:r>
+                  <a:rPr lang="en-US" sz="2800" dirty="0">
+                    <a:solidFill>
+                      <a:srgbClr val="000000"/>
+                    </a:solidFill>
+                    <a:latin typeface="+mn-lt"/>
+                  </a:rPr>
+                  <a:t>Size index, most significant bit index, and mask</a:t>
+                </a:r>
+              </a:p>
+              <a:p>
+                <a:pPr marL="457200" indent="-457200">
+                  <a:spcBef>
+                    <a:spcPts val="0"/>
+                  </a:spcBef>
+                  <a:spcAft>
+                    <a:spcPts val="0"/>
+                  </a:spcAft>
+                  <a:buFont typeface="Wingdings" panose="05000000000000000000" pitchFamily="2" charset="2"/>
+                  <a:buChar char="§"/>
+                </a:pPr>
+                <a:r>
+                  <a:rPr lang="en-US" sz="2800" b="1" dirty="0">
+                    <a:solidFill>
+                      <a:srgbClr val="000000"/>
+                    </a:solidFill>
+                    <a:latin typeface="+mn-lt"/>
+                  </a:rPr>
+                  <a:t>Generator</a:t>
+                </a:r>
+              </a:p>
+              <a:p>
+                <a:pPr marL="914400" lvl="1" indent="-457200">
+                  <a:spcBef>
+                    <a:spcPts val="0"/>
+                  </a:spcBef>
+                  <a:spcAft>
+                    <a:spcPts val="0"/>
+                  </a:spcAft>
+                  <a:buFont typeface="Courier New" panose="02070309020205020404" pitchFamily="49" charset="0"/>
+                  <a:buChar char="o"/>
+                </a:pPr>
+                <a:r>
+                  <a:rPr lang="en-US" sz="2800" dirty="0">
+                    <a:solidFill>
+                      <a:srgbClr val="000000"/>
+                    </a:solidFill>
+                    <a:latin typeface="+mn-lt"/>
+                  </a:rPr>
+                  <a:t>Generates elements in their element and polynomial forms</a:t>
+                </a:r>
+              </a:p>
+              <a:p>
+                <a:pPr marL="457200" indent="-457200">
+                  <a:spcBef>
+                    <a:spcPts val="0"/>
+                  </a:spcBef>
+                  <a:spcAft>
+                    <a:spcPts val="0"/>
+                  </a:spcAft>
+                  <a:buFont typeface="Wingdings" panose="05000000000000000000" pitchFamily="2" charset="2"/>
+                  <a:buChar char="§"/>
+                </a:pPr>
+                <a:r>
+                  <a:rPr lang="en-US" sz="2800" b="1" dirty="0">
+                    <a:solidFill>
+                      <a:srgbClr val="000000"/>
+                    </a:solidFill>
+                    <a:latin typeface="+mn-lt"/>
+                  </a:rPr>
+                  <a:t>Operators</a:t>
+                </a:r>
+              </a:p>
+              <a:p>
+                <a:pPr marL="914400" lvl="1" indent="-457200">
+                  <a:spcBef>
+                    <a:spcPts val="0"/>
+                  </a:spcBef>
+                  <a:spcAft>
+                    <a:spcPts val="0"/>
+                  </a:spcAft>
+                  <a:buFont typeface="Courier New" panose="02070309020205020404" pitchFamily="49" charset="0"/>
+                  <a:buChar char="o"/>
+                </a:pPr>
+                <a:r>
+                  <a:rPr lang="en-US" sz="2800" dirty="0">
+                    <a:solidFill>
+                      <a:srgbClr val="000000"/>
+                    </a:solidFill>
+                    <a:latin typeface="+mn-lt"/>
+                  </a:rPr>
+                  <a:t>Performs addition, subtraction, multiplication, division and logarithm of Galois operands</a:t>
+                </a:r>
+              </a:p>
+              <a:p>
+                <a:pPr marL="914400" lvl="1" indent="-457200">
+                  <a:spcBef>
+                    <a:spcPts val="0"/>
+                  </a:spcBef>
+                  <a:spcAft>
+                    <a:spcPts val="0"/>
+                  </a:spcAft>
+                  <a:buFont typeface="Courier New" panose="02070309020205020404" pitchFamily="49" charset="0"/>
+                  <a:buChar char="o"/>
+                </a:pPr>
+                <a:r>
+                  <a:rPr lang="en-US" sz="2800" dirty="0">
+                    <a:solidFill>
+                      <a:srgbClr val="000000"/>
+                    </a:solidFill>
+                    <a:latin typeface="+mn-lt"/>
+                  </a:rPr>
+                  <a:t>Checks null errors</a:t>
+                </a:r>
+              </a:p>
+              <a:p>
+                <a:pPr marL="457200" indent="-457200">
+                  <a:spcBef>
+                    <a:spcPts val="0"/>
+                  </a:spcBef>
+                  <a:spcAft>
+                    <a:spcPts val="0"/>
+                  </a:spcAft>
+                  <a:buFont typeface="Wingdings" panose="05000000000000000000" pitchFamily="2" charset="2"/>
+                  <a:buChar char="§"/>
+                </a:pPr>
+                <a:r>
+                  <a:rPr lang="en-US" sz="2800" b="1" dirty="0">
+                    <a:solidFill>
+                      <a:srgbClr val="000000"/>
+                    </a:solidFill>
+                    <a:latin typeface="+mn-lt"/>
+                  </a:rPr>
+                  <a:t>Control unit</a:t>
+                </a:r>
+              </a:p>
+              <a:p>
+                <a:pPr marL="914400" lvl="1" indent="-457200">
+                  <a:spcBef>
+                    <a:spcPts val="0"/>
+                  </a:spcBef>
+                  <a:spcAft>
+                    <a:spcPts val="0"/>
+                  </a:spcAft>
+                  <a:buFont typeface="Courier New" panose="02070309020205020404" pitchFamily="49" charset="0"/>
+                  <a:buChar char="o"/>
+                </a:pPr>
+                <a:r>
+                  <a:rPr lang="en-US" sz="2800" dirty="0">
+                    <a:solidFill>
+                      <a:srgbClr val="000000"/>
+                    </a:solidFill>
+                    <a:latin typeface="+mn-lt"/>
+                  </a:rPr>
+                  <a:t>Determines operations requested through 6-bit opcode</a:t>
+                </a:r>
+              </a:p>
+              <a:p>
+                <a:pPr marL="914400" lvl="1" indent="-457200">
+                  <a:spcBef>
+                    <a:spcPts val="0"/>
+                  </a:spcBef>
+                  <a:spcAft>
+                    <a:spcPts val="0"/>
+                  </a:spcAft>
+                  <a:buFont typeface="Courier New" panose="02070309020205020404" pitchFamily="49" charset="0"/>
+                  <a:buChar char="o"/>
+                </a:pPr>
+                <a:r>
+                  <a:rPr lang="en-US" sz="2800" dirty="0">
+                    <a:solidFill>
+                      <a:srgbClr val="000000"/>
+                    </a:solidFill>
+                    <a:latin typeface="+mn-lt"/>
+                  </a:rPr>
+                  <a:t>Converts operands into their counterpart forms if necessary</a:t>
+                </a:r>
+              </a:p>
+              <a:p>
+                <a:pPr marL="914400" lvl="1" indent="-457200">
+                  <a:spcBef>
+                    <a:spcPts val="0"/>
+                  </a:spcBef>
+                  <a:spcAft>
+                    <a:spcPts val="0"/>
+                  </a:spcAft>
+                  <a:buFont typeface="Courier New" panose="02070309020205020404" pitchFamily="49" charset="0"/>
+                  <a:buChar char="o"/>
+                </a:pPr>
+                <a:r>
+                  <a:rPr lang="en-US" sz="2800" dirty="0">
+                    <a:solidFill>
+                      <a:srgbClr val="000000"/>
+                    </a:solidFill>
+                    <a:latin typeface="+mn-lt"/>
+                  </a:rPr>
+                  <a:t>Checks operand memberships (</a:t>
+                </a:r>
+                <a14:m>
+                  <m:oMath xmlns:m="http://schemas.openxmlformats.org/officeDocument/2006/math">
+                    <m:r>
+                      <a:rPr lang="en-US" sz="2800" b="0" i="1" dirty="0">
+                        <a:solidFill>
+                          <a:srgbClr val="000000"/>
+                        </a:solidFill>
+                        <a:latin typeface="Cambria Math" panose="02040503050406030204" pitchFamily="18" charset="0"/>
+                      </a:rPr>
+                      <m:t>𝑥</m:t>
+                    </m:r>
+                    <m:r>
+                      <a:rPr lang="en-US" sz="2800" b="0" i="1" dirty="0">
+                        <a:solidFill>
+                          <a:srgbClr val="000000"/>
+                        </a:solidFill>
+                        <a:latin typeface="Cambria Math" panose="02040503050406030204" pitchFamily="18" charset="0"/>
+                      </a:rPr>
+                      <m:t>∈</m:t>
+                    </m:r>
+                    <m:r>
+                      <a:rPr lang="en-US" sz="2800" b="0" i="1" dirty="0">
+                        <a:solidFill>
+                          <a:srgbClr val="000000"/>
+                        </a:solidFill>
+                        <a:latin typeface="Cambria Math" panose="02040503050406030204" pitchFamily="18" charset="0"/>
+                      </a:rPr>
+                      <m:t>𝐺𝐹</m:t>
+                    </m:r>
+                    <m:r>
+                      <a:rPr lang="en-US" sz="2800" b="0" i="1" dirty="0">
+                        <a:solidFill>
+                          <a:srgbClr val="000000"/>
+                        </a:solidFill>
+                        <a:latin typeface="Cambria Math" panose="02040503050406030204" pitchFamily="18" charset="0"/>
+                      </a:rPr>
+                      <m:t>[</m:t>
+                    </m:r>
+                    <m:r>
+                      <a:rPr lang="en-US" sz="2800" b="0" i="1" dirty="0">
+                        <a:solidFill>
+                          <a:srgbClr val="000000"/>
+                        </a:solidFill>
+                        <a:latin typeface="Cambria Math" panose="02040503050406030204" pitchFamily="18" charset="0"/>
+                      </a:rPr>
+                      <m:t>𝑥</m:t>
+                    </m:r>
+                    <m:r>
+                      <a:rPr lang="en-US" sz="2800" b="0" i="1" dirty="0">
+                        <a:solidFill>
+                          <a:srgbClr val="000000"/>
+                        </a:solidFill>
+                        <a:latin typeface="Cambria Math" panose="02040503050406030204" pitchFamily="18" charset="0"/>
+                      </a:rPr>
+                      <m:t>](2)</m:t>
+                    </m:r>
+                  </m:oMath>
+                </a14:m>
+                <a:r>
+                  <a:rPr lang="en-US" sz="2800" dirty="0">
+                    <a:latin typeface="+mn-lt"/>
+                  </a:rPr>
+                  <a:t>) </a:t>
+                </a:r>
+                <a:r>
+                  <a:rPr lang="en-US" sz="2800" dirty="0">
+                    <a:solidFill>
+                      <a:srgbClr val="000000"/>
+                    </a:solidFill>
+                    <a:latin typeface="+mn-lt"/>
+                  </a:rPr>
+                  <a:t>and null operands (</a:t>
+                </a:r>
+                <a14:m>
+                  <m:oMath xmlns:m="http://schemas.openxmlformats.org/officeDocument/2006/math">
+                    <m:r>
+                      <a:rPr lang="en-US" sz="2800" b="0" i="1" smtClean="0">
+                        <a:solidFill>
+                          <a:srgbClr val="000000"/>
+                        </a:solidFill>
+                        <a:latin typeface="Cambria Math" panose="02040503050406030204" pitchFamily="18" charset="0"/>
+                      </a:rPr>
+                      <m:t>𝑥</m:t>
+                    </m:r>
+                    <m:r>
+                      <a:rPr lang="en-US" sz="2800" b="0" i="1" smtClean="0">
+                        <a:solidFill>
+                          <a:srgbClr val="000000"/>
+                        </a:solidFill>
+                        <a:latin typeface="Cambria Math" panose="02040503050406030204" pitchFamily="18" charset="0"/>
+                      </a:rPr>
+                      <m:t>=∅</m:t>
+                    </m:r>
+                  </m:oMath>
+                </a14:m>
+                <a:r>
+                  <a:rPr lang="en-US" sz="2800" dirty="0">
+                    <a:latin typeface="+mn-lt"/>
+                  </a:rPr>
+                  <a:t>)</a:t>
+                </a:r>
+                <a:endParaRPr lang="en-US" sz="2800" dirty="0">
+                  <a:solidFill>
+                    <a:srgbClr val="000000"/>
+                  </a:solidFill>
+                  <a:latin typeface="+mn-lt"/>
+                </a:endParaRPr>
+              </a:p>
+            </p:txBody>
+          </p:sp>
+        </mc:Choice>
+        <mc:Fallback xmlns="">
+          <p:sp>
+            <p:nvSpPr>
+              <p:cNvPr id="13" name="Rectangle 12"/>
+              <p:cNvSpPr>
+                <a:spLocks noRot="1" noChangeAspect="1" noMove="1" noResize="1" noEditPoints="1" noAdjustHandles="1" noChangeArrowheads="1" noChangeShapeType="1" noTextEdit="1"/>
+              </p:cNvSpPr>
+              <p:nvPr/>
+            </p:nvSpPr>
+            <p:spPr>
+              <a:xfrm>
+                <a:off x="12115800" y="3352800"/>
+                <a:ext cx="6198552" cy="9510296"/>
+              </a:xfrm>
+              <a:prstGeom prst="rect">
+                <a:avLst/>
+              </a:prstGeom>
+              <a:blipFill rotWithShape="0">
+                <a:blip r:embed="rId4"/>
+                <a:stretch>
+                  <a:fillRect l="-1772" t="-833" b="-1474"/>
+                </a:stretch>
+              </a:blipFill>
+              <a:ln>
+                <a:noFill/>
+              </a:ln>
+            </p:spPr>
+            <p:txBody>
+              <a:bodyPr/>
+              <a:lstStyle/>
+              <a:p>
+                <a:r>
+                  <a:rPr lang="en-US">
+                    <a:noFill/>
+                  </a:rPr>
+                  <a:t> </a:t>
+                </a:r>
+              </a:p>
+            </p:txBody>
+          </p:sp>
+        </mc:Fallback>
+      </mc:AlternateContent>
       <p:pic>
         <p:nvPicPr>
           <p:cNvPr id="1108" name="Picture 84" descr="https://lh3.googleusercontent.com/hirWeZPpTW3JSU8t2ZEciFTJecjhN545DjPiLO7AvdCYXt9-Fc3nb0h3tPFPZk_eh36qvLvmiUc-IHuioHspDzrsrwTocV_pih5epDNdE-g44myI_rBU618ZRZt0eCcm7tpfBq5J"/>
@@ -10764,7 +11221,7 @@
           <p:nvPr/>
         </p:nvPicPr>
         <p:blipFill>
-          <a:blip r:embed="rId3" cstate="print">
+          <a:blip r:embed="rId5" cstate="print">
             <a:extLst>
               <a:ext uri="{28A0092B-C50C-407E-A947-70E740481C1C}">
                 <a14:useLocalDpi xmlns:a14="http://schemas.microsoft.com/office/drawing/2010/main" val="0"/>
@@ -10778,13 +11235,16 @@
         </p:blipFill>
         <p:spPr bwMode="auto">
           <a:xfrm>
-            <a:off x="19203069" y="7673558"/>
+            <a:off x="19504719" y="7352247"/>
             <a:ext cx="4664453" cy="2496364"/>
           </a:xfrm>
           <a:prstGeom prst="rect">
             <a:avLst/>
           </a:prstGeom>
           <a:noFill/>
+          <a:ln w="57150">
+            <a:noFill/>
+          </a:ln>
           <a:extLst>
             <a:ext uri="{909E8E84-426E-40DD-AFC4-6F175D3DCCD1}">
               <a14:hiddenFill xmlns:a14="http://schemas.microsoft.com/office/drawing/2010/main">
@@ -10798,14 +11258,14 @@
       </p:pic>
       <p:pic>
         <p:nvPicPr>
-          <p:cNvPr id="1111" name="Picture 87" descr="https://upload.wikimedia.org/wikipedia/commons/thumb/e/e3/UMBC_COEIT.png/220px-UMBC_COEIT.png"/>
+          <p:cNvPr id="1113" name="Picture 89" descr="https://scontent-mxp1-1.xx.fbcdn.net/v/t1.15752-0/p280x280/30652785_1796136467117485_6815788828721152000_n.png?_nc_cat=0&amp;_nc_ad=z-m&amp;_nc_cid=0&amp;oh=fd45fc814522a281d1bd8fb8de0de416&amp;oe=5B5F007D"/>
           <p:cNvPicPr>
             <a:picLocks noChangeAspect="1" noChangeArrowheads="1"/>
           </p:cNvPicPr>
           <p:nvPr/>
         </p:nvPicPr>
         <p:blipFill>
-          <a:blip r:embed="rId4">
+          <a:blip r:embed="rId6">
             <a:extLst>
               <a:ext uri="{28A0092B-C50C-407E-A947-70E740481C1C}">
                 <a14:useLocalDpi xmlns:a14="http://schemas.microsoft.com/office/drawing/2010/main" val="0"/>
@@ -10819,69 +11279,7 @@
         </p:blipFill>
         <p:spPr bwMode="auto">
           <a:xfrm>
-            <a:off x="539708" y="425045"/>
-            <a:ext cx="2095500" cy="1857376"/>
-          </a:xfrm>
-          <a:prstGeom prst="rect">
-            <a:avLst/>
-          </a:prstGeom>
-          <a:solidFill>
-            <a:srgbClr val="FFFFFF">
-              <a:shade val="85000"/>
-            </a:srgbClr>
-          </a:solidFill>
-          <a:ln w="88900" cap="sq">
-            <a:solidFill>
-              <a:srgbClr val="FFFFFF"/>
-            </a:solidFill>
-            <a:miter lim="800000"/>
-          </a:ln>
-          <a:effectLst>
-            <a:outerShdw blurRad="55000" dist="18000" dir="5400000" algn="tl" rotWithShape="0">
-              <a:srgbClr val="000000">
-                <a:alpha val="40000"/>
-              </a:srgbClr>
-            </a:outerShdw>
-          </a:effectLst>
-          <a:scene3d>
-            <a:camera prst="orthographicFront"/>
-            <a:lightRig rig="twoPt" dir="t">
-              <a:rot lat="0" lon="0" rev="7200000"/>
-            </a:lightRig>
-          </a:scene3d>
-          <a:sp3d>
-            <a:bevelT w="25400" h="19050"/>
-            <a:contourClr>
-              <a:srgbClr val="FFFFFF"/>
-            </a:contourClr>
-          </a:sp3d>
-          <a:extLst/>
-        </p:spPr>
-      </p:pic>
-      <p:pic>
-        <p:nvPicPr>
-          <p:cNvPr id="1113" name="Picture 89" descr="https://scontent-mxp1-1.xx.fbcdn.net/v/t1.15752-0/p280x280/30652785_1796136467117485_6815788828721152000_n.png?_nc_cat=0&amp;_nc_ad=z-m&amp;_nc_cid=0&amp;oh=fd45fc814522a281d1bd8fb8de0de416&amp;oe=5B5F007D"/>
-          <p:cNvPicPr>
-            <a:picLocks noChangeAspect="1" noChangeArrowheads="1"/>
-          </p:cNvPicPr>
-          <p:nvPr/>
-        </p:nvPicPr>
-        <p:blipFill>
-          <a:blip r:embed="rId5">
-            <a:extLst>
-              <a:ext uri="{28A0092B-C50C-407E-A947-70E740481C1C}">
-                <a14:useLocalDpi xmlns:a14="http://schemas.microsoft.com/office/drawing/2010/main" val="0"/>
-              </a:ext>
-            </a:extLst>
-          </a:blip>
-          <a:srcRect/>
-          <a:stretch>
-            <a:fillRect/>
-          </a:stretch>
-        </p:blipFill>
-        <p:spPr bwMode="auto">
-          <a:xfrm>
-            <a:off x="31775400" y="456195"/>
+            <a:off x="31800775" y="609600"/>
             <a:ext cx="4165625" cy="1530676"/>
           </a:xfrm>
           <a:prstGeom prst="rect">
@@ -10893,10 +11291,10 @@
             </a:solidFill>
           </a:ln>
           <a:effectLst>
-            <a:outerShdw blurRad="292100" dist="139700" dir="2700000" algn="tl" rotWithShape="0">
-              <a:srgbClr val="333333">
-                <a:alpha val="65000"/>
-              </a:srgbClr>
+            <a:outerShdw blurRad="368300" dist="114300" dir="2700000" sx="103000" sy="103000" algn="tl" rotWithShape="0">
+              <a:prstClr val="black">
+                <a:alpha val="36000"/>
+              </a:prstClr>
             </a:outerShdw>
           </a:effectLst>
           <a:extLst>
@@ -10918,8 +11316,8 @@
         </p:nvSpPr>
         <p:spPr>
           <a:xfrm>
-            <a:off x="-38100" y="215112"/>
-            <a:ext cx="36575998" cy="2277547"/>
+            <a:off x="152401" y="163350"/>
+            <a:ext cx="36575998" cy="2554545"/>
           </a:xfrm>
           <a:prstGeom prst="rect">
             <a:avLst/>
@@ -10933,7 +11331,7 @@
           <a:p>
             <a:pPr algn="ctr"/>
             <a:r>
-              <a:rPr lang="en-US" sz="5200" b="1" dirty="0">
+              <a:rPr lang="en-US" sz="5500" b="1" dirty="0">
                 <a:solidFill>
                   <a:schemeClr val="bg1"/>
                 </a:solidFill>
@@ -10955,7 +11353,37 @@
               </a:rPr>
               <a:t>   </a:t>
             </a:r>
-            <a:endParaRPr lang="en-US" sz="4600" dirty="0">
+            <a:endParaRPr lang="en-US" sz="500" b="1" dirty="0">
+              <a:solidFill>
+                <a:schemeClr val="bg1"/>
+              </a:solidFill>
+              <a:latin typeface="+mn-lt"/>
+              <a:cs typeface="Times New Roman" panose="02020603050405020304" pitchFamily="18" charset="0"/>
+            </a:endParaRPr>
+          </a:p>
+          <a:p>
+            <a:pPr algn="ctr"/>
+            <a:endParaRPr lang="en-US" sz="500" b="1" dirty="0">
+              <a:solidFill>
+                <a:schemeClr val="bg1"/>
+              </a:solidFill>
+              <a:latin typeface="+mn-lt"/>
+              <a:cs typeface="Times New Roman" panose="02020603050405020304" pitchFamily="18" charset="0"/>
+            </a:endParaRPr>
+          </a:p>
+          <a:p>
+            <a:pPr algn="ctr"/>
+            <a:endParaRPr lang="en-US" sz="500" b="1" dirty="0">
+              <a:solidFill>
+                <a:schemeClr val="bg1"/>
+              </a:solidFill>
+              <a:latin typeface="+mn-lt"/>
+              <a:cs typeface="Times New Roman" panose="02020603050405020304" pitchFamily="18" charset="0"/>
+            </a:endParaRPr>
+          </a:p>
+          <a:p>
+            <a:pPr algn="ctr"/>
+            <a:endParaRPr lang="en-US" sz="500" dirty="0">
               <a:solidFill>
                 <a:schemeClr val="bg1"/>
               </a:solidFill>
@@ -11046,10 +11474,10 @@
         </p:nvGrpSpPr>
         <p:grpSpPr>
           <a:xfrm>
-            <a:off x="7392619" y="7679261"/>
-            <a:ext cx="3376082" cy="4086730"/>
-            <a:chOff x="6856244" y="9207972"/>
-            <a:chExt cx="3648817" cy="4519362"/>
+            <a:off x="7633610" y="8410070"/>
+            <a:ext cx="3034390" cy="4086730"/>
+            <a:chOff x="7101994" y="9207972"/>
+            <a:chExt cx="3279522" cy="4519362"/>
           </a:xfrm>
         </p:grpSpPr>
         <p:sp>
@@ -11060,8 +11488,8 @@
           </p:nvSpPr>
           <p:spPr bwMode="auto">
             <a:xfrm>
-              <a:off x="6856244" y="9207972"/>
-              <a:ext cx="3648817" cy="4519362"/>
+              <a:off x="7101994" y="9207972"/>
+              <a:ext cx="3279522" cy="4519362"/>
             </a:xfrm>
             <a:prstGeom prst="roundRect">
               <a:avLst/>
@@ -11124,7 +11552,7 @@
             <p:nvPr/>
           </p:nvPicPr>
           <p:blipFill>
-            <a:blip r:embed="rId6">
+            <a:blip r:embed="rId7">
               <a:extLst>
                 <a:ext uri="{28A0092B-C50C-407E-A947-70E740481C1C}">
                   <a14:useLocalDpi xmlns:a14="http://schemas.microsoft.com/office/drawing/2010/main" val="0"/>
@@ -11165,7 +11593,7 @@
             <p:nvPr/>
           </p:nvPicPr>
           <p:blipFill>
-            <a:blip r:embed="rId7">
+            <a:blip r:embed="rId8">
               <a:extLst>
                 <a:ext uri="{28A0092B-C50C-407E-A947-70E740481C1C}">
                   <a14:useLocalDpi xmlns:a14="http://schemas.microsoft.com/office/drawing/2010/main" val="0"/>
@@ -11206,7 +11634,7 @@
             <p:nvPr/>
           </p:nvPicPr>
           <p:blipFill>
-            <a:blip r:embed="rId8">
+            <a:blip r:embed="rId9">
               <a:extLst>
                 <a:ext uri="{28A0092B-C50C-407E-A947-70E740481C1C}">
                   <a14:useLocalDpi xmlns:a14="http://schemas.microsoft.com/office/drawing/2010/main" val="0"/>
@@ -11247,7 +11675,7 @@
             <p:nvPr/>
           </p:nvPicPr>
           <p:blipFill>
-            <a:blip r:embed="rId9">
+            <a:blip r:embed="rId10">
               <a:extLst>
                 <a:ext uri="{28A0092B-C50C-407E-A947-70E740481C1C}">
                   <a14:useLocalDpi xmlns:a14="http://schemas.microsoft.com/office/drawing/2010/main" val="0"/>
@@ -11288,7 +11716,7 @@
             <p:nvPr/>
           </p:nvPicPr>
           <p:blipFill>
-            <a:blip r:embed="rId10">
+            <a:blip r:embed="rId11">
               <a:extLst>
                 <a:ext uri="{28A0092B-C50C-407E-A947-70E740481C1C}">
                   <a14:useLocalDpi xmlns:a14="http://schemas.microsoft.com/office/drawing/2010/main" val="0"/>
@@ -11329,7 +11757,7 @@
             <p:nvPr/>
           </p:nvPicPr>
           <p:blipFill>
-            <a:blip r:embed="rId11">
+            <a:blip r:embed="rId12">
               <a:extLst>
                 <a:ext uri="{28A0092B-C50C-407E-A947-70E740481C1C}">
                   <a14:useLocalDpi xmlns:a14="http://schemas.microsoft.com/office/drawing/2010/main" val="0"/>
@@ -11371,7 +11799,7 @@
           <p:nvPr/>
         </p:nvPicPr>
         <p:blipFill>
-          <a:blip r:embed="rId12">
+          <a:blip r:embed="rId13">
             <a:extLst>
               <a:ext uri="{28A0092B-C50C-407E-A947-70E740481C1C}">
                 <a14:useLocalDpi xmlns:a14="http://schemas.microsoft.com/office/drawing/2010/main" val="0"/>
@@ -11385,8 +11813,8 @@
         </p:blipFill>
         <p:spPr bwMode="auto">
           <a:xfrm>
-            <a:off x="664638" y="21820822"/>
-            <a:ext cx="10902521" cy="3858578"/>
+            <a:off x="685800" y="22250400"/>
+            <a:ext cx="10486913" cy="3685622"/>
           </a:xfrm>
           <a:prstGeom prst="rect">
             <a:avLst/>
@@ -11405,234 +11833,14 @@
       </p:pic>
       <p:sp>
         <p:nvSpPr>
-          <p:cNvPr id="33" name="Rectangle 22"/>
-          <p:cNvSpPr>
-            <a:spLocks noChangeArrowheads="1"/>
-          </p:cNvSpPr>
-          <p:nvPr/>
-        </p:nvSpPr>
-        <p:spPr bwMode="auto">
-          <a:xfrm>
-            <a:off x="25172351" y="3200399"/>
-            <a:ext cx="10698480" cy="601212"/>
-          </a:xfrm>
-          <a:prstGeom prst="rect">
-            <a:avLst/>
-          </a:prstGeom>
-          <a:solidFill>
-            <a:srgbClr val="008D4A"/>
-          </a:solidFill>
-          <a:ln w="76200">
-            <a:noFill/>
-            <a:miter lim="800000"/>
-            <a:headEnd/>
-            <a:tailEnd/>
-          </a:ln>
-          <a:effectLst/>
-        </p:spPr>
-        <p:txBody>
-          <a:bodyPr wrap="square" lIns="57149" tIns="23379" rIns="57149" bIns="23379">
-            <a:spAutoFit/>
-          </a:bodyPr>
-          <a:lstStyle/>
-          <a:p>
-            <a:pPr algn="ctr"/>
-            <a:endParaRPr lang="en-US" sz="3600" b="1" dirty="0">
-              <a:solidFill>
-                <a:schemeClr val="bg1"/>
-              </a:solidFill>
-              <a:latin typeface="+mj-lt"/>
-              <a:cs typeface="Arial" panose="020B0604020202020204" pitchFamily="34" charset="0"/>
-            </a:endParaRPr>
-          </a:p>
-        </p:txBody>
-      </p:sp>
-      <p:sp>
-        <p:nvSpPr>
-          <p:cNvPr id="37" name="Rectangle 22"/>
-          <p:cNvSpPr>
-            <a:spLocks noChangeArrowheads="1"/>
-          </p:cNvSpPr>
-          <p:nvPr/>
-        </p:nvSpPr>
-        <p:spPr bwMode="auto">
-          <a:xfrm>
-            <a:off x="25172351" y="8005736"/>
-            <a:ext cx="10698480" cy="601212"/>
-          </a:xfrm>
-          <a:prstGeom prst="rect">
-            <a:avLst/>
-          </a:prstGeom>
-          <a:solidFill>
-            <a:srgbClr val="008D4A"/>
-          </a:solidFill>
-          <a:ln w="76200">
-            <a:noFill/>
-            <a:miter lim="800000"/>
-            <a:headEnd/>
-            <a:tailEnd/>
-          </a:ln>
-          <a:effectLst/>
-        </p:spPr>
-        <p:txBody>
-          <a:bodyPr wrap="square" lIns="57149" tIns="23379" rIns="57149" bIns="23379">
-            <a:spAutoFit/>
-          </a:bodyPr>
-          <a:lstStyle/>
-          <a:p>
-            <a:pPr algn="ctr"/>
-            <a:endParaRPr lang="en-US" sz="3600" b="1" dirty="0">
-              <a:solidFill>
-                <a:schemeClr val="bg1"/>
-              </a:solidFill>
-              <a:latin typeface="+mj-lt"/>
-              <a:cs typeface="Arial" panose="020B0604020202020204" pitchFamily="34" charset="0"/>
-            </a:endParaRPr>
-          </a:p>
-        </p:txBody>
-      </p:sp>
-      <p:sp>
-        <p:nvSpPr>
-          <p:cNvPr id="5" name="Rectangle 4"/>
-          <p:cNvSpPr/>
-          <p:nvPr/>
-        </p:nvSpPr>
-        <p:spPr bwMode="auto">
-          <a:xfrm>
-            <a:off x="11914503" y="26974799"/>
-            <a:ext cx="24026522" cy="494607"/>
-          </a:xfrm>
-          <a:prstGeom prst="rect">
-            <a:avLst/>
-          </a:prstGeom>
-          <a:solidFill>
-            <a:srgbClr val="0B9444"/>
-          </a:solidFill>
-          <a:ln w="9525" cap="flat" cmpd="sng" algn="ctr">
-            <a:noFill/>
-            <a:prstDash val="solid"/>
-            <a:round/>
-            <a:headEnd type="none" w="med" len="med"/>
-            <a:tailEnd type="none" w="med" len="med"/>
-          </a:ln>
-          <a:effectLst/>
-        </p:spPr>
-        <p:txBody>
-          <a:bodyPr vert="horz" wrap="square" lIns="91440" tIns="45720" rIns="91440" bIns="45720" numCol="1" rtlCol="0" anchor="t" anchorCtr="0" compatLnSpc="1">
-            <a:prstTxWarp prst="textNoShape">
-              <a:avLst/>
-            </a:prstTxWarp>
-          </a:bodyPr>
-          <a:lstStyle/>
-          <a:p>
-            <a:pPr marL="0" marR="0" indent="0" algn="ctr" defTabSz="3760788" rtl="0" eaLnBrk="1" fontAlgn="base" latinLnBrk="0" hangingPunct="1">
-              <a:lnSpc>
-                <a:spcPct val="100000"/>
-              </a:lnSpc>
-              <a:spcBef>
-                <a:spcPct val="0"/>
-              </a:spcBef>
-              <a:spcAft>
-                <a:spcPct val="0"/>
-              </a:spcAft>
-              <a:buClrTx/>
-              <a:buSzTx/>
-              <a:buFontTx/>
-              <a:buNone/>
-              <a:tabLst/>
-            </a:pPr>
-            <a:r>
-              <a:rPr kumimoji="0" lang="en-US" sz="2800" b="1" i="0" u="none" strike="noStrike" cap="none" normalizeH="0" baseline="0" dirty="0">
-                <a:ln>
-                  <a:noFill/>
-                </a:ln>
-                <a:solidFill>
-                  <a:schemeClr val="bg1"/>
-                </a:solidFill>
-                <a:effectLst/>
-                <a:latin typeface="+mj-lt"/>
-              </a:rPr>
-              <a:t>Figure</a:t>
-            </a:r>
-            <a:r>
-              <a:rPr kumimoji="0" lang="en-US" sz="2800" b="1" i="0" u="none" strike="noStrike" cap="none" normalizeH="0" dirty="0">
-                <a:ln>
-                  <a:noFill/>
-                </a:ln>
-                <a:solidFill>
-                  <a:schemeClr val="bg1"/>
-                </a:solidFill>
-                <a:effectLst/>
-                <a:latin typeface="+mj-lt"/>
-              </a:rPr>
-              <a:t> x: </a:t>
-            </a:r>
-            <a:r>
-              <a:rPr kumimoji="0" lang="en-US" sz="2800" b="0" i="0" u="none" strike="noStrike" cap="none" normalizeH="0" dirty="0">
-                <a:ln>
-                  <a:noFill/>
-                </a:ln>
-                <a:solidFill>
-                  <a:schemeClr val="bg1"/>
-                </a:solidFill>
-                <a:effectLst/>
-                <a:latin typeface="+mj-lt"/>
-              </a:rPr>
-              <a:t>GFAU Block Schematic</a:t>
-            </a:r>
-            <a:endParaRPr kumimoji="0" lang="en-US" sz="2800" b="0" i="0" u="none" strike="noStrike" cap="none" normalizeH="0" baseline="0" dirty="0">
-              <a:ln>
-                <a:noFill/>
-              </a:ln>
-              <a:solidFill>
-                <a:schemeClr val="bg1"/>
-              </a:solidFill>
-              <a:effectLst/>
-              <a:latin typeface="+mj-lt"/>
-            </a:endParaRPr>
-          </a:p>
-        </p:txBody>
-      </p:sp>
-      <p:pic>
-        <p:nvPicPr>
-          <p:cNvPr id="9" name="Picture 8"/>
-          <p:cNvPicPr>
-            <a:picLocks noChangeAspect="1"/>
-          </p:cNvPicPr>
-          <p:nvPr/>
-        </p:nvPicPr>
-        <p:blipFill>
-          <a:blip r:embed="rId13">
-            <a:extLst>
-              <a:ext uri="{28A0092B-C50C-407E-A947-70E740481C1C}">
-                <a14:useLocalDpi xmlns:a14="http://schemas.microsoft.com/office/drawing/2010/main" val="0"/>
-              </a:ext>
-            </a:extLst>
-          </a:blip>
-          <a:stretch>
-            <a:fillRect/>
-          </a:stretch>
-        </p:blipFill>
-        <p:spPr>
-          <a:xfrm>
-            <a:off x="11914503" y="14325600"/>
-            <a:ext cx="23642945" cy="12328469"/>
-          </a:xfrm>
-          <a:prstGeom prst="rect">
-            <a:avLst/>
-          </a:prstGeom>
-        </p:spPr>
-      </p:pic>
-      <p:sp>
-        <p:nvSpPr>
           <p:cNvPr id="38" name="Rectangle 37"/>
           <p:cNvSpPr/>
           <p:nvPr/>
         </p:nvSpPr>
         <p:spPr>
           <a:xfrm flipH="1">
-            <a:off x="25344120" y="3200399"/>
-            <a:ext cx="10354942" cy="10160959"/>
+            <a:off x="25450800" y="3326441"/>
+            <a:ext cx="10403205" cy="10160959"/>
           </a:xfrm>
           <a:prstGeom prst="rect">
             <a:avLst/>
@@ -11723,6 +11931,46 @@
           </a:p>
           <a:p>
             <a:pPr algn="ctr"/>
+            <a:endParaRPr lang="en-US" sz="3200" b="1" dirty="0">
+              <a:solidFill>
+                <a:schemeClr val="bg1"/>
+              </a:solidFill>
+            </a:endParaRPr>
+          </a:p>
+          <a:p>
+            <a:pPr algn="ctr"/>
+            <a:endParaRPr lang="en-US" sz="3200" b="1" dirty="0">
+              <a:solidFill>
+                <a:schemeClr val="bg1"/>
+              </a:solidFill>
+            </a:endParaRPr>
+          </a:p>
+          <a:p>
+            <a:pPr algn="ctr"/>
+            <a:endParaRPr lang="en-US" sz="3200" b="1" dirty="0">
+              <a:solidFill>
+                <a:schemeClr val="bg1"/>
+              </a:solidFill>
+            </a:endParaRPr>
+          </a:p>
+          <a:p>
+            <a:pPr algn="ctr"/>
+            <a:endParaRPr lang="en-US" sz="3200" b="1" dirty="0">
+              <a:solidFill>
+                <a:schemeClr val="bg1"/>
+              </a:solidFill>
+            </a:endParaRPr>
+          </a:p>
+          <a:p>
+            <a:pPr algn="ctr"/>
+            <a:endParaRPr lang="en-US" sz="3200" b="1" dirty="0">
+              <a:solidFill>
+                <a:schemeClr val="bg1"/>
+              </a:solidFill>
+            </a:endParaRPr>
+          </a:p>
+          <a:p>
+            <a:pPr algn="ctr"/>
             <a:r>
               <a:rPr lang="en-US" sz="3200" b="1" dirty="0">
                 <a:solidFill>
@@ -11744,6 +11992,256 @@
           </a:p>
         </p:txBody>
       </p:sp>
+      <p:pic>
+        <p:nvPicPr>
+          <p:cNvPr id="7" name="Picture 6"/>
+          <p:cNvPicPr>
+            <a:picLocks noChangeAspect="1"/>
+          </p:cNvPicPr>
+          <p:nvPr/>
+        </p:nvPicPr>
+        <p:blipFill>
+          <a:blip r:embed="rId14" cstate="print">
+            <a:extLst>
+              <a:ext uri="{28A0092B-C50C-407E-A947-70E740481C1C}">
+                <a14:useLocalDpi xmlns:a14="http://schemas.microsoft.com/office/drawing/2010/main" val="0"/>
+              </a:ext>
+            </a:extLst>
+          </a:blip>
+          <a:stretch>
+            <a:fillRect/>
+          </a:stretch>
+        </p:blipFill>
+        <p:spPr>
+          <a:xfrm>
+            <a:off x="12496800" y="14132905"/>
+            <a:ext cx="23148667" cy="12232295"/>
+          </a:xfrm>
+          <a:prstGeom prst="rect">
+            <a:avLst/>
+          </a:prstGeom>
+        </p:spPr>
+      </p:pic>
+      <p:sp>
+        <p:nvSpPr>
+          <p:cNvPr id="11" name="Rectangle 10"/>
+          <p:cNvSpPr/>
+          <p:nvPr/>
+        </p:nvSpPr>
+        <p:spPr>
+          <a:xfrm>
+            <a:off x="28117800" y="13927672"/>
+            <a:ext cx="7519788" cy="507831"/>
+          </a:xfrm>
+          <a:prstGeom prst="rect">
+            <a:avLst/>
+          </a:prstGeom>
+        </p:spPr>
+        <p:txBody>
+          <a:bodyPr wrap="square">
+            <a:spAutoFit/>
+          </a:bodyPr>
+          <a:lstStyle/>
+          <a:p>
+            <a:pPr algn="r"/>
+            <a:r>
+              <a:rPr lang="en-US" sz="2700" b="1" i="1" dirty="0">
+                <a:latin typeface="+mj-lt"/>
+              </a:rPr>
+              <a:t>n</a:t>
+            </a:r>
+            <a:r>
+              <a:rPr lang="en-US" sz="2700" i="1" dirty="0">
+                <a:latin typeface="+mj-lt"/>
+              </a:rPr>
+              <a:t> </a:t>
+            </a:r>
+            <a:r>
+              <a:rPr lang="en-US" sz="2700" dirty="0">
+                <a:latin typeface="+mj-lt"/>
+              </a:rPr>
+              <a:t>is the Maximum Number of Degrees</a:t>
+            </a:r>
+          </a:p>
+        </p:txBody>
+      </p:sp>
+      <p:pic>
+        <p:nvPicPr>
+          <p:cNvPr id="1026" name="Picture 2" descr="https://styleguide.umbc.edu/files/2014/02/UMBC-horizontal-color.png"/>
+          <p:cNvPicPr>
+            <a:picLocks noChangeAspect="1" noChangeArrowheads="1"/>
+          </p:cNvPicPr>
+          <p:nvPr/>
+        </p:nvPicPr>
+        <p:blipFill>
+          <a:blip r:embed="rId15">
+            <a:extLst>
+              <a:ext uri="{28A0092B-C50C-407E-A947-70E740481C1C}">
+                <a14:useLocalDpi xmlns:a14="http://schemas.microsoft.com/office/drawing/2010/main" val="0"/>
+              </a:ext>
+            </a:extLst>
+          </a:blip>
+          <a:srcRect/>
+          <a:stretch>
+            <a:fillRect/>
+          </a:stretch>
+        </p:blipFill>
+        <p:spPr bwMode="auto">
+          <a:xfrm>
+            <a:off x="577825" y="612622"/>
+            <a:ext cx="4171950" cy="1419226"/>
+          </a:xfrm>
+          <a:prstGeom prst="rect">
+            <a:avLst/>
+          </a:prstGeom>
+          <a:solidFill>
+            <a:schemeClr val="bg1"/>
+          </a:solidFill>
+          <a:ln w="76200">
+            <a:solidFill>
+              <a:schemeClr val="bg1"/>
+            </a:solidFill>
+          </a:ln>
+          <a:effectLst>
+            <a:outerShdw blurRad="368300" dist="114300" dir="2700000" sx="103000" sy="103000" algn="tl" rotWithShape="0">
+              <a:prstClr val="black">
+                <a:alpha val="36000"/>
+              </a:prstClr>
+            </a:outerShdw>
+          </a:effectLst>
+        </p:spPr>
+      </p:pic>
+      <p:cxnSp>
+        <p:nvCxnSpPr>
+          <p:cNvPr id="30" name="Straight Connector 29"/>
+          <p:cNvCxnSpPr/>
+          <p:nvPr/>
+        </p:nvCxnSpPr>
+        <p:spPr bwMode="auto">
+          <a:xfrm>
+            <a:off x="18440400" y="3709735"/>
+            <a:ext cx="0" cy="8887330"/>
+          </a:xfrm>
+          <a:prstGeom prst="line">
+            <a:avLst/>
+          </a:prstGeom>
+          <a:solidFill>
+            <a:schemeClr val="accent1"/>
+          </a:solidFill>
+          <a:ln w="9525" cap="flat" cmpd="sng" algn="ctr">
+            <a:solidFill>
+              <a:srgbClr val="0B9444"/>
+            </a:solidFill>
+            <a:prstDash val="solid"/>
+            <a:round/>
+            <a:headEnd type="none" w="med" len="med"/>
+            <a:tailEnd type="none" w="med" len="med"/>
+          </a:ln>
+          <a:effectLst/>
+        </p:spPr>
+      </p:cxnSp>
+      <p:pic>
+        <p:nvPicPr>
+          <p:cNvPr id="46" name="Picture 45"/>
+          <p:cNvPicPr>
+            <a:picLocks noChangeAspect="1"/>
+          </p:cNvPicPr>
+          <p:nvPr/>
+        </p:nvPicPr>
+        <p:blipFill rotWithShape="1">
+          <a:blip r:embed="rId16">
+            <a:extLst>
+              <a:ext uri="{28A0092B-C50C-407E-A947-70E740481C1C}">
+                <a14:useLocalDpi xmlns:a14="http://schemas.microsoft.com/office/drawing/2010/main" val="0"/>
+              </a:ext>
+            </a:extLst>
+          </a:blip>
+          <a:srcRect t="3492" r="2516"/>
+          <a:stretch/>
+        </p:blipFill>
+        <p:spPr>
+          <a:xfrm>
+            <a:off x="25389995" y="4085173"/>
+            <a:ext cx="5455610" cy="1986949"/>
+          </a:xfrm>
+          <a:prstGeom prst="rect">
+            <a:avLst/>
+          </a:prstGeom>
+          <a:ln w="19050">
+            <a:solidFill>
+              <a:schemeClr val="tx1"/>
+            </a:solidFill>
+          </a:ln>
+        </p:spPr>
+      </p:pic>
+      <p:pic>
+        <p:nvPicPr>
+          <p:cNvPr id="47" name="Picture 46"/>
+          <p:cNvPicPr>
+            <a:picLocks noChangeAspect="1"/>
+          </p:cNvPicPr>
+          <p:nvPr/>
+        </p:nvPicPr>
+        <p:blipFill rotWithShape="1">
+          <a:blip r:embed="rId17">
+            <a:extLst>
+              <a:ext uri="{28A0092B-C50C-407E-A947-70E740481C1C}">
+                <a14:useLocalDpi xmlns:a14="http://schemas.microsoft.com/office/drawing/2010/main" val="0"/>
+              </a:ext>
+            </a:extLst>
+          </a:blip>
+          <a:srcRect t="2853" r="1456" b="521"/>
+          <a:stretch/>
+        </p:blipFill>
+        <p:spPr>
+          <a:xfrm>
+            <a:off x="25389487" y="6199176"/>
+            <a:ext cx="5456118" cy="1986949"/>
+          </a:xfrm>
+          <a:prstGeom prst="rect">
+            <a:avLst/>
+          </a:prstGeom>
+          <a:ln w="19050">
+            <a:solidFill>
+              <a:schemeClr val="tx1"/>
+            </a:solidFill>
+          </a:ln>
+        </p:spPr>
+      </p:pic>
+      <p:pic>
+        <p:nvPicPr>
+          <p:cNvPr id="58" name="Picture 57"/>
+          <p:cNvPicPr>
+            <a:picLocks noChangeAspect="1"/>
+          </p:cNvPicPr>
+          <p:nvPr/>
+        </p:nvPicPr>
+        <p:blipFill rotWithShape="1">
+          <a:blip r:embed="rId17">
+            <a:extLst>
+              <a:ext uri="{28A0092B-C50C-407E-A947-70E740481C1C}">
+                <a14:useLocalDpi xmlns:a14="http://schemas.microsoft.com/office/drawing/2010/main" val="0"/>
+              </a:ext>
+            </a:extLst>
+          </a:blip>
+          <a:srcRect t="2853" r="1456" b="521"/>
+          <a:stretch/>
+        </p:blipFill>
+        <p:spPr>
+          <a:xfrm>
+            <a:off x="25399012" y="8308002"/>
+            <a:ext cx="5456118" cy="1986949"/>
+          </a:xfrm>
+          <a:prstGeom prst="rect">
+            <a:avLst/>
+          </a:prstGeom>
+          <a:ln w="19050">
+            <a:solidFill>
+              <a:schemeClr val="tx1"/>
+            </a:solidFill>
+          </a:ln>
+        </p:spPr>
+      </p:pic>
     </p:spTree>
   </p:cSld>
   <p:clrMapOvr>

--- a/docs/urcad/poster.pptx
+++ b/docs/urcad/poster.pptx
@@ -5092,7 +5092,7 @@
         </p:nvSpPr>
         <p:spPr bwMode="auto">
           <a:xfrm>
-            <a:off x="535238" y="21183600"/>
+            <a:off x="535238" y="21251412"/>
             <a:ext cx="10745733" cy="731520"/>
           </a:xfrm>
           <a:prstGeom prst="rect">
@@ -5180,7 +5180,7 @@
         </p:nvSpPr>
         <p:spPr bwMode="auto">
           <a:xfrm>
-            <a:off x="533400" y="17305788"/>
+            <a:off x="533400" y="17373600"/>
             <a:ext cx="10747571" cy="731520"/>
           </a:xfrm>
           <a:prstGeom prst="rect">
@@ -5312,7 +5312,7 @@
         </p:nvSpPr>
         <p:spPr bwMode="auto">
           <a:xfrm>
-            <a:off x="23765747" y="9982200"/>
+            <a:off x="23765747" y="10241280"/>
             <a:ext cx="12276853" cy="731520"/>
           </a:xfrm>
           <a:prstGeom prst="rect">
@@ -5821,7 +5821,7 @@
       </p:grpSpPr>
       <p:pic>
         <p:nvPicPr>
-          <p:cNvPr id="27" name="Picture 26"/>
+          <p:cNvPr id="10" name="Picture 9"/>
           <p:cNvPicPr>
             <a:picLocks noChangeAspect="1"/>
           </p:cNvPicPr>
@@ -5841,8 +5841,316 @@
         </p:blipFill>
         <p:spPr>
           <a:xfrm>
-            <a:off x="23926800" y="6873269"/>
-            <a:ext cx="4648200" cy="2523308"/>
+            <a:off x="23926800" y="7101302"/>
+            <a:ext cx="3491144" cy="2984365"/>
+          </a:xfrm>
+          <a:prstGeom prst="rect">
+            <a:avLst/>
+          </a:prstGeom>
+          <a:ln w="38100">
+            <a:solidFill>
+              <a:schemeClr val="tx1"/>
+            </a:solidFill>
+          </a:ln>
+        </p:spPr>
+      </p:pic>
+      <p:sp>
+        <p:nvSpPr>
+          <p:cNvPr id="38" name="Rectangle 37"/>
+          <p:cNvSpPr/>
+          <p:nvPr/>
+        </p:nvSpPr>
+        <p:spPr>
+          <a:xfrm flipH="1">
+            <a:off x="23850600" y="3352800"/>
+            <a:ext cx="12106210" cy="10050990"/>
+          </a:xfrm>
+          <a:prstGeom prst="rect">
+            <a:avLst/>
+          </a:prstGeom>
+          <a:noFill/>
+          <a:ln w="76200">
+            <a:noFill/>
+          </a:ln>
+          <a:effectLst/>
+        </p:spPr>
+        <p:style>
+          <a:lnRef idx="2">
+            <a:schemeClr val="accent6"/>
+          </a:lnRef>
+          <a:fillRef idx="1">
+            <a:schemeClr val="lt1"/>
+          </a:fillRef>
+          <a:effectRef idx="0">
+            <a:schemeClr val="accent6"/>
+          </a:effectRef>
+          <a:fontRef idx="minor">
+            <a:schemeClr val="dk1"/>
+          </a:fontRef>
+        </p:style>
+        <p:txBody>
+          <a:bodyPr rtlCol="0" anchor="t"/>
+          <a:lstStyle/>
+          <a:p>
+            <a:pPr algn="ctr"/>
+            <a:r>
+              <a:rPr lang="en-US" sz="3200" b="1" dirty="0" smtClean="0">
+                <a:solidFill>
+                  <a:schemeClr val="bg1"/>
+                </a:solidFill>
+              </a:rPr>
+              <a:t>Results</a:t>
+            </a:r>
+          </a:p>
+          <a:p>
+            <a:pPr algn="ctr"/>
+            <a:endParaRPr lang="en-US" sz="2790" dirty="0" smtClean="0"/>
+          </a:p>
+          <a:p>
+            <a:pPr algn="ctr"/>
+            <a:endParaRPr lang="en-US" sz="2790" dirty="0"/>
+          </a:p>
+          <a:p>
+            <a:pPr algn="ctr"/>
+            <a:endParaRPr lang="en-US" sz="2790" dirty="0" smtClean="0"/>
+          </a:p>
+          <a:p>
+            <a:pPr algn="ctr"/>
+            <a:endParaRPr lang="en-US" sz="2790" dirty="0"/>
+          </a:p>
+          <a:p>
+            <a:pPr algn="ctr"/>
+            <a:endParaRPr lang="en-US" sz="2790" dirty="0" smtClean="0"/>
+          </a:p>
+          <a:p>
+            <a:pPr algn="ctr"/>
+            <a:endParaRPr lang="en-US" sz="2790" dirty="0"/>
+          </a:p>
+          <a:p>
+            <a:pPr algn="ctr"/>
+            <a:endParaRPr lang="en-US" sz="2790" dirty="0" smtClean="0"/>
+          </a:p>
+          <a:p>
+            <a:pPr algn="ctr"/>
+            <a:endParaRPr lang="en-US" sz="2790" dirty="0"/>
+          </a:p>
+          <a:p>
+            <a:pPr algn="ctr"/>
+            <a:endParaRPr lang="en-US" sz="2790" dirty="0"/>
+          </a:p>
+          <a:p>
+            <a:pPr algn="ctr"/>
+            <a:endParaRPr lang="en-US" sz="2790" dirty="0"/>
+          </a:p>
+          <a:p>
+            <a:pPr algn="ctr"/>
+            <a:endParaRPr lang="en-US" sz="2790" b="1" dirty="0">
+              <a:solidFill>
+                <a:schemeClr val="bg1"/>
+              </a:solidFill>
+            </a:endParaRPr>
+          </a:p>
+          <a:p>
+            <a:pPr algn="ctr"/>
+            <a:endParaRPr lang="en-US" sz="2790" b="1" dirty="0">
+              <a:solidFill>
+                <a:schemeClr val="bg1"/>
+              </a:solidFill>
+            </a:endParaRPr>
+          </a:p>
+          <a:p>
+            <a:pPr algn="ctr"/>
+            <a:endParaRPr lang="en-US" sz="2790" b="1" dirty="0">
+              <a:solidFill>
+                <a:schemeClr val="bg1"/>
+              </a:solidFill>
+            </a:endParaRPr>
+          </a:p>
+          <a:p>
+            <a:pPr algn="ctr"/>
+            <a:endParaRPr lang="en-US" sz="2790" b="1" dirty="0" smtClean="0">
+              <a:solidFill>
+                <a:schemeClr val="bg1"/>
+              </a:solidFill>
+            </a:endParaRPr>
+          </a:p>
+          <a:p>
+            <a:pPr algn="ctr"/>
+            <a:endParaRPr lang="en-US" sz="500" b="1" dirty="0" smtClean="0">
+              <a:solidFill>
+                <a:schemeClr val="bg1"/>
+              </a:solidFill>
+            </a:endParaRPr>
+          </a:p>
+          <a:p>
+            <a:pPr algn="ctr"/>
+            <a:endParaRPr lang="en-US" sz="500" b="1" dirty="0">
+              <a:solidFill>
+                <a:schemeClr val="bg1"/>
+              </a:solidFill>
+            </a:endParaRPr>
+          </a:p>
+          <a:p>
+            <a:pPr algn="ctr"/>
+            <a:endParaRPr lang="en-US" sz="500" b="1" dirty="0" smtClean="0">
+              <a:solidFill>
+                <a:schemeClr val="bg1"/>
+              </a:solidFill>
+            </a:endParaRPr>
+          </a:p>
+          <a:p>
+            <a:pPr algn="ctr"/>
+            <a:endParaRPr lang="en-US" sz="500" b="1" dirty="0">
+              <a:solidFill>
+                <a:schemeClr val="bg1"/>
+              </a:solidFill>
+            </a:endParaRPr>
+          </a:p>
+          <a:p>
+            <a:pPr algn="ctr"/>
+            <a:endParaRPr lang="en-US" sz="500" b="1" dirty="0" smtClean="0">
+              <a:solidFill>
+                <a:schemeClr val="bg1"/>
+              </a:solidFill>
+            </a:endParaRPr>
+          </a:p>
+          <a:p>
+            <a:pPr algn="ctr"/>
+            <a:endParaRPr lang="en-US" sz="500" b="1" dirty="0">
+              <a:solidFill>
+                <a:schemeClr val="bg1"/>
+              </a:solidFill>
+            </a:endParaRPr>
+          </a:p>
+          <a:p>
+            <a:pPr algn="ctr"/>
+            <a:endParaRPr lang="en-US" sz="500" b="1" dirty="0" smtClean="0">
+              <a:solidFill>
+                <a:schemeClr val="bg1"/>
+              </a:solidFill>
+            </a:endParaRPr>
+          </a:p>
+          <a:p>
+            <a:pPr algn="ctr"/>
+            <a:r>
+              <a:rPr lang="en-US" sz="3200" b="1" dirty="0" smtClean="0">
+                <a:solidFill>
+                  <a:schemeClr val="bg1"/>
+                </a:solidFill>
+              </a:rPr>
+              <a:t>Conclusion</a:t>
+            </a:r>
+            <a:endParaRPr lang="en-US" sz="1000" b="1" dirty="0">
+              <a:solidFill>
+                <a:schemeClr val="bg1"/>
+              </a:solidFill>
+            </a:endParaRPr>
+          </a:p>
+          <a:p>
+            <a:pPr algn="ctr"/>
+            <a:endParaRPr lang="en-US" sz="500" b="1" dirty="0" smtClean="0">
+              <a:solidFill>
+                <a:schemeClr val="bg1"/>
+              </a:solidFill>
+            </a:endParaRPr>
+          </a:p>
+          <a:p>
+            <a:pPr algn="ctr"/>
+            <a:endParaRPr lang="en-US" sz="500" b="1" dirty="0">
+              <a:solidFill>
+                <a:schemeClr val="bg1"/>
+              </a:solidFill>
+            </a:endParaRPr>
+          </a:p>
+          <a:p>
+            <a:pPr algn="ctr"/>
+            <a:endParaRPr lang="en-US" sz="200" b="1" dirty="0">
+              <a:solidFill>
+                <a:schemeClr val="bg1"/>
+              </a:solidFill>
+            </a:endParaRPr>
+          </a:p>
+          <a:p>
+            <a:pPr algn="ctr"/>
+            <a:endParaRPr lang="en-US" sz="200" b="1" dirty="0" smtClean="0">
+              <a:solidFill>
+                <a:schemeClr val="bg1"/>
+              </a:solidFill>
+            </a:endParaRPr>
+          </a:p>
+          <a:p>
+            <a:pPr algn="ctr"/>
+            <a:endParaRPr lang="en-US" sz="200" b="1" dirty="0" smtClean="0">
+              <a:solidFill>
+                <a:schemeClr val="bg1"/>
+              </a:solidFill>
+            </a:endParaRPr>
+          </a:p>
+          <a:p>
+            <a:pPr algn="just"/>
+            <a:r>
+              <a:rPr lang="en-US" sz="2700" dirty="0"/>
+              <a:t>The GFAU </a:t>
+            </a:r>
+            <a:r>
+              <a:rPr lang="en-US" sz="2700" dirty="0" smtClean="0"/>
+              <a:t>achieved the objectives </a:t>
+            </a:r>
+            <a:r>
+              <a:rPr lang="en-US" sz="2700" dirty="0"/>
+              <a:t>with minimal hardware usage. The design was parameterized to be both </a:t>
+            </a:r>
+            <a:r>
+              <a:rPr lang="en-US" sz="2700" dirty="0" smtClean="0"/>
+              <a:t>scalable </a:t>
+            </a:r>
+            <a:r>
+              <a:rPr lang="en-US" sz="2700" dirty="0"/>
+              <a:t>and </a:t>
+            </a:r>
+            <a:r>
+              <a:rPr lang="en-US" sz="2700" dirty="0" smtClean="0"/>
+              <a:t>inexpensive </a:t>
+            </a:r>
+            <a:r>
+              <a:rPr lang="en-US" sz="2700" dirty="0"/>
+              <a:t>enough </a:t>
+            </a:r>
+            <a:r>
+              <a:rPr lang="en-US" sz="2700" dirty="0" smtClean="0"/>
+              <a:t>to interface </a:t>
+            </a:r>
+            <a:r>
+              <a:rPr lang="en-US" sz="2700" dirty="0"/>
+              <a:t>with microcontrollers. Future improvements may include: generate the multiplicative inverse of an element, check if input polynomials are primitive in linear time, and further optimize the overall hardware usage.</a:t>
+            </a:r>
+          </a:p>
+        </p:txBody>
+      </p:sp>
+      <p:pic>
+        <p:nvPicPr>
+          <p:cNvPr id="27" name="Picture 26"/>
+          <p:cNvPicPr>
+            <a:picLocks noChangeAspect="1"/>
+          </p:cNvPicPr>
+          <p:nvPr/>
+        </p:nvPicPr>
+        <p:blipFill>
+          <a:blip r:embed="rId4">
+            <a:extLst>
+              <a:ext uri="{28A0092B-C50C-407E-A947-70E740481C1C}">
+                <a14:useLocalDpi xmlns:a14="http://schemas.microsoft.com/office/drawing/2010/main" val="0"/>
+              </a:ext>
+            </a:extLst>
+          </a:blip>
+          <a:stretch>
+            <a:fillRect/>
+          </a:stretch>
+        </p:blipFill>
+        <p:spPr>
+          <a:xfrm>
+            <a:off x="23926800" y="4191000"/>
+            <a:ext cx="4951713" cy="2699915"/>
           </a:xfrm>
           <a:prstGeom prst="rect">
             <a:avLst/>
@@ -5862,7 +6170,7 @@
         </p:nvSpPr>
         <p:spPr bwMode="auto">
           <a:xfrm>
-            <a:off x="28139683" y="6874594"/>
+            <a:off x="26974800" y="7098475"/>
             <a:ext cx="455913" cy="432103"/>
           </a:xfrm>
           <a:prstGeom prst="rect">
@@ -5916,8 +6224,8 @@
           </a:p>
         </p:txBody>
       </p:sp>
-      <mc:AlternateContent xmlns:mc="http://schemas.openxmlformats.org/markup-compatibility/2006">
-        <mc:Choice xmlns:a14="http://schemas.microsoft.com/office/drawing/2010/main" Requires="a14">
+      <mc:AlternateContent xmlns:mc="http://schemas.openxmlformats.org/markup-compatibility/2006" xmlns:a14="http://schemas.microsoft.com/office/drawing/2010/main">
+        <mc:Choice Requires="a14">
           <p:sp>
             <p:nvSpPr>
               <p:cNvPr id="13" name="Rectangle 12"/>
@@ -6240,7 +6548,7 @@
                         <a:solidFill>
                           <a:srgbClr val="000000"/>
                         </a:solidFill>
-                        <a:latin typeface="+mn-lt"/>
+                        <a:latin typeface="Cambria Math" panose="02040503050406030204" pitchFamily="18" charset="0"/>
                       </a:rPr>
                       <m:t>𝑥</m:t>
                     </m:r>
@@ -6249,7 +6557,7 @@
                         <a:solidFill>
                           <a:srgbClr val="000000"/>
                         </a:solidFill>
-                        <a:latin typeface="+mn-lt"/>
+                        <a:latin typeface="Cambria Math" panose="02040503050406030204" pitchFamily="18" charset="0"/>
                       </a:rPr>
                       <m:t>∈</m:t>
                     </m:r>
@@ -6258,7 +6566,7 @@
                         <a:solidFill>
                           <a:srgbClr val="000000"/>
                         </a:solidFill>
-                        <a:latin typeface="+mn-lt"/>
+                        <a:latin typeface="Cambria Math" panose="02040503050406030204" pitchFamily="18" charset="0"/>
                       </a:rPr>
                       <m:t>𝐺𝐹</m:t>
                     </m:r>
@@ -6267,7 +6575,7 @@
                         <a:solidFill>
                           <a:srgbClr val="000000"/>
                         </a:solidFill>
-                        <a:latin typeface="+mn-lt"/>
+                        <a:latin typeface="Cambria Math" panose="02040503050406030204" pitchFamily="18" charset="0"/>
                       </a:rPr>
                       <m:t>[</m:t>
                     </m:r>
@@ -6276,7 +6584,7 @@
                         <a:solidFill>
                           <a:srgbClr val="000000"/>
                         </a:solidFill>
-                        <a:latin typeface="+mn-lt"/>
+                        <a:latin typeface="Cambria Math" panose="02040503050406030204" pitchFamily="18" charset="0"/>
                       </a:rPr>
                       <m:t>𝑥</m:t>
                     </m:r>
@@ -6285,7 +6593,7 @@
                         <a:solidFill>
                           <a:srgbClr val="000000"/>
                         </a:solidFill>
-                        <a:latin typeface="+mn-lt"/>
+                        <a:latin typeface="Cambria Math" panose="02040503050406030204" pitchFamily="18" charset="0"/>
                       </a:rPr>
                       <m:t>](2)</m:t>
                     </m:r>
@@ -6313,7 +6621,7 @@
                         <a:solidFill>
                           <a:srgbClr val="000000"/>
                         </a:solidFill>
-                        <a:latin typeface="+mn-lt"/>
+                        <a:latin typeface="Cambria Math" panose="02040503050406030204" pitchFamily="18" charset="0"/>
                       </a:rPr>
                       <m:t>𝑥</m:t>
                     </m:r>
@@ -6322,7 +6630,7 @@
                         <a:solidFill>
                           <a:srgbClr val="000000"/>
                         </a:solidFill>
-                        <a:latin typeface="+mn-lt"/>
+                        <a:latin typeface="Cambria Math" panose="02040503050406030204" pitchFamily="18" charset="0"/>
                       </a:rPr>
                       <m:t>=∅</m:t>
                     </m:r>
@@ -6344,7 +6652,7 @@
             </p:txBody>
           </p:sp>
         </mc:Choice>
-        <mc:Fallback>
+        <mc:Fallback xmlns="">
           <p:sp>
             <p:nvSpPr>
               <p:cNvPr id="13" name="Rectangle 12"/>
@@ -6362,7 +6670,7 @@
                 <a:avLst/>
               </a:prstGeom>
               <a:blipFill rotWithShape="0">
-                <a:blip r:embed="rId4"/>
+                <a:blip r:embed="rId5"/>
                 <a:stretch>
                   <a:fillRect l="-2310" t="-805" r="-2420" b="-1115"/>
                 </a:stretch>
@@ -6449,8 +6757,8 @@
           </a:p>
         </p:txBody>
       </p:sp>
-      <mc:AlternateContent xmlns:mc="http://schemas.openxmlformats.org/markup-compatibility/2006" xmlns:a14="http://schemas.microsoft.com/office/drawing/2010/main">
-        <mc:Choice Requires="a14">
+      <mc:AlternateContent xmlns:mc="http://schemas.openxmlformats.org/markup-compatibility/2006">
+        <mc:Choice xmlns:a14="http://schemas.microsoft.com/office/drawing/2010/main" Requires="a14">
           <p:sp>
             <p:nvSpPr>
               <p:cNvPr id="20" name="Rectangle 19"/>
@@ -6521,12 +6829,17 @@
                 </a:r>
                 <a:r>
                   <a:rPr lang="en-US" sz="2800" dirty="0"/>
-                  <a:t>a key part of number theory, abstract algebra, arithmetic algebraic geometry, and cryptography. In error detection and correction, Galois fields are utilized in cyclic redundancy check (CRC) which are used in digital networks and storage devices to detect accidental changes to raw data.</a:t>
+                  <a:t>a key part of number theory, abstract algebra, arithmetic algebraic geometry, and cryptography. In error detection and correction, Galois fields are utilized in cyclic redundancy check (CRC) which are used in digital networks and storage devices to detect accidental changes to raw data</a:t>
                 </a:r>
+                <a:r>
+                  <a:rPr lang="en-US" sz="2800" dirty="0" smtClean="0"/>
+                  <a:t>.</a:t>
+                </a:r>
+                <a:endParaRPr lang="en-US" sz="1000" dirty="0" smtClean="0"/>
               </a:p>
               <a:p>
                 <a:pPr algn="just"/>
-                <a:endParaRPr lang="en-US" sz="2800" dirty="0"/>
+                <a:endParaRPr lang="en-US" sz="1000" dirty="0"/>
               </a:p>
               <a:p>
                 <a:r>
@@ -6738,7 +7051,31 @@
               </a:p>
               <a:p>
                 <a:pPr algn="r"/>
-                <a:endParaRPr lang="en-US" sz="2800" dirty="0" smtClean="0">
+                <a:endParaRPr lang="en-US" sz="1400" dirty="0" smtClean="0">
+                  <a:solidFill>
+                    <a:srgbClr val="000000"/>
+                  </a:solidFill>
+                </a:endParaRPr>
+              </a:p>
+              <a:p>
+                <a:pPr algn="r"/>
+                <a:endParaRPr lang="en-US" sz="1400" dirty="0" smtClean="0">
+                  <a:solidFill>
+                    <a:srgbClr val="000000"/>
+                  </a:solidFill>
+                </a:endParaRPr>
+              </a:p>
+              <a:p>
+                <a:pPr algn="r"/>
+                <a:endParaRPr lang="en-US" sz="1400" dirty="0">
+                  <a:solidFill>
+                    <a:srgbClr val="000000"/>
+                  </a:solidFill>
+                </a:endParaRPr>
+              </a:p>
+              <a:p>
+                <a:pPr algn="r"/>
+                <a:endParaRPr lang="en-US" sz="700" dirty="0" smtClean="0">
                   <a:solidFill>
                     <a:srgbClr val="000000"/>
                   </a:solidFill>
@@ -6752,7 +7089,7 @@
                       <a:srgbClr val="000000"/>
                     </a:solidFill>
                   </a:rPr>
-                  <a:t>                                                                      </a:t>
+                  <a:t>                                                                       </a:t>
                 </a:r>
                 <a14:m>
                   <m:oMath xmlns:m="http://schemas.openxmlformats.org/officeDocument/2006/math">
@@ -6900,7 +7237,7 @@
                       <a:srgbClr val="000000"/>
                     </a:solidFill>
                   </a:rPr>
-                  <a:t>	                                                             </a:t>
+                  <a:t>	                                                              </a:t>
                 </a:r>
                 <a14:m>
                   <m:oMath xmlns:m="http://schemas.openxmlformats.org/officeDocument/2006/math">
@@ -7048,7 +7385,7 @@
                       <a:srgbClr val="000000"/>
                     </a:solidFill>
                   </a:rPr>
-                  <a:t>	                                                             </a:t>
+                  <a:t>	                                                              </a:t>
                 </a:r>
                 <a14:m>
                   <m:oMath xmlns:m="http://schemas.openxmlformats.org/officeDocument/2006/math">
@@ -7196,7 +7533,7 @@
                       <a:srgbClr val="000000"/>
                     </a:solidFill>
                   </a:rPr>
-                  <a:t>	                                                        </a:t>
+                  <a:t>	                                                            </a:t>
                 </a:r>
                 <a14:m>
                   <m:oMath xmlns:m="http://schemas.openxmlformats.org/officeDocument/2006/math">
@@ -7330,7 +7667,15 @@
                       <a:srgbClr val="000000"/>
                     </a:solidFill>
                   </a:rPr>
-                  <a:t>    Figure </a:t>
+                  <a:t>    </a:t>
+                </a:r>
+                <a:r>
+                  <a:rPr lang="en-US" sz="2800" b="1" dirty="0" smtClean="0">
+                    <a:solidFill>
+                      <a:srgbClr val="000000"/>
+                    </a:solidFill>
+                  </a:rPr>
+                  <a:t>  Figure </a:t>
                 </a:r>
                 <a:r>
                   <a:rPr lang="en-US" sz="2800" b="1" dirty="0">
@@ -7346,7 +7691,7 @@
                       <a:srgbClr val="000000"/>
                     </a:solidFill>
                   </a:rPr>
-                  <a:t> Example 							          </a:t>
+                  <a:t> Example 							       </a:t>
                 </a:r>
                 <a:r>
                   <a:rPr lang="en-US" sz="2800" dirty="0" smtClean="0">
@@ -7354,7 +7699,7 @@
                       <a:srgbClr val="000000"/>
                     </a:solidFill>
                   </a:rPr>
-                  <a:t>    Operations </a:t>
+                  <a:t>Operations </a:t>
                 </a:r>
                 <a:r>
                   <a:rPr lang="en-US" sz="2800" dirty="0"/>
@@ -7381,6 +7726,14 @@
                     </a:solidFill>
                   </a:rPr>
                   <a:t>                                                                     </a:t>
+                </a:r>
+                <a:r>
+                  <a:rPr lang="en-US" sz="2800" dirty="0" smtClean="0">
+                    <a:solidFill>
+                      <a:srgbClr val="000000"/>
+                    </a:solidFill>
+                  </a:rPr>
+                  <a:t>  </a:t>
                 </a:r>
                 <a14:m>
                   <m:oMath xmlns:m="http://schemas.openxmlformats.org/officeDocument/2006/math">
@@ -7446,7 +7799,7 @@
               </a:p>
               <a:p>
                 <a:pPr algn="ctr"/>
-                <a:endParaRPr lang="en-US" sz="1000" b="1" dirty="0" smtClean="0">
+                <a:endParaRPr lang="en-US" sz="1000" b="1" dirty="0">
                   <a:solidFill>
                     <a:schemeClr val="bg1"/>
                   </a:solidFill>
@@ -7751,7 +8104,14 @@
                     <a:latin typeface="Arial" panose="020B0604020202020204" pitchFamily="34" charset="0"/>
                     <a:cs typeface="Arial" panose="020B0604020202020204" pitchFamily="34" charset="0"/>
                   </a:rPr>
-                  <a:t>Figure 3: </a:t>
+                  <a:t>Figure </a:t>
+                </a:r>
+                <a:r>
+                  <a:rPr lang="en-US" sz="2800" b="1" dirty="0" smtClean="0">
+                    <a:latin typeface="Arial" panose="020B0604020202020204" pitchFamily="34" charset="0"/>
+                    <a:cs typeface="Arial" panose="020B0604020202020204" pitchFamily="34" charset="0"/>
+                  </a:rPr>
+                  <a:t>2: </a:t>
                 </a:r>
                 <a:r>
                   <a:rPr lang="en-US" sz="2800" dirty="0">
@@ -7780,7 +8140,7 @@
             </p:txBody>
           </p:sp>
         </mc:Choice>
-        <mc:Fallback xmlns="">
+        <mc:Fallback>
           <p:sp>
             <p:nvSpPr>
               <p:cNvPr id="20" name="Rectangle 19"/>
@@ -7798,9 +8158,9 @@
                 <a:avLst/>
               </a:prstGeom>
               <a:blipFill rotWithShape="0">
-                <a:blip r:embed="rId5"/>
+                <a:blip r:embed="rId6"/>
                 <a:stretch>
-                  <a:fillRect l="-1177" t="-1873" r="-1177" b="-452450"/>
+                  <a:fillRect l="-1177" t="-1873" r="-1236" b="-453602"/>
                 </a:stretch>
               </a:blipFill>
               <a:ln w="76200">
@@ -8022,8 +8382,17 @@
               <a:rPr lang="en-US" sz="2790" dirty="0" smtClean="0">
                 <a:latin typeface="+mn-lt"/>
               </a:rPr>
-              <a:t>Timing Diagram </a:t>
+              <a:t>IO Interface</a:t>
             </a:r>
+            <a:r>
+              <a:rPr lang="en-US" sz="2790" dirty="0" smtClean="0">
+                <a:latin typeface="+mn-lt"/>
+              </a:rPr>
+              <a:t> </a:t>
+            </a:r>
+            <a:endParaRPr lang="en-US" sz="2790" dirty="0" smtClean="0">
+              <a:latin typeface="+mn-lt"/>
+            </a:endParaRPr>
           </a:p>
           <a:p>
             <a:pPr marL="457200" lvl="1" indent="0">
@@ -8214,13 +8583,13 @@
               <p:nvPr>
                 <p:extLst>
                   <p:ext uri="{D42A27DB-BD31-4B8C-83A1-F6EECF244321}">
-                    <p14:modId xmlns:p14="http://schemas.microsoft.com/office/powerpoint/2010/main" val="1869209542"/>
+                    <p14:modId xmlns:p14="http://schemas.microsoft.com/office/powerpoint/2010/main" val="1801660237"/>
                   </p:ext>
                 </p:extLst>
               </p:nvPr>
             </p:nvGraphicFramePr>
             <p:xfrm>
-              <a:off x="862886" y="8217683"/>
+              <a:off x="862886" y="8064548"/>
               <a:ext cx="6583178" cy="5727652"/>
             </p:xfrm>
             <a:graphic>
@@ -12147,13 +12516,13 @@
               <p:nvPr>
                 <p:extLst>
                   <p:ext uri="{D42A27DB-BD31-4B8C-83A1-F6EECF244321}">
-                    <p14:modId xmlns:p14="http://schemas.microsoft.com/office/powerpoint/2010/main" val="1869209542"/>
+                    <p14:modId xmlns:p14="http://schemas.microsoft.com/office/powerpoint/2010/main" val="1801660237"/>
                   </p:ext>
                 </p:extLst>
               </p:nvPr>
             </p:nvGraphicFramePr>
             <p:xfrm>
-              <a:off x="862886" y="8217683"/>
+              <a:off x="862886" y="8064548"/>
               <a:ext cx="6583178" cy="5727652"/>
             </p:xfrm>
             <a:graphic>
@@ -12164,28 +12533,28 @@
                     <a:gridCol w="1424283">
                       <a:extLst>
                         <a:ext uri="{9D8B030D-6E8A-4147-A177-3AD203B41FA5}">
-                          <a16:colId xmlns:a16="http://schemas.microsoft.com/office/drawing/2014/main" xmlns="" val="20000"/>
+                          <a16:colId xmlns:a16="http://schemas.microsoft.com/office/drawing/2014/main" xmlns="" xmlns:a14="http://schemas.microsoft.com/office/drawing/2010/main" val="20000"/>
                         </a:ext>
                       </a:extLst>
                     </a:gridCol>
                     <a:gridCol w="1371600">
                       <a:extLst>
                         <a:ext uri="{9D8B030D-6E8A-4147-A177-3AD203B41FA5}">
-                          <a16:colId xmlns:a16="http://schemas.microsoft.com/office/drawing/2014/main" xmlns="" val="20001"/>
+                          <a16:colId xmlns:a16="http://schemas.microsoft.com/office/drawing/2014/main" xmlns="" xmlns:a14="http://schemas.microsoft.com/office/drawing/2010/main" val="20001"/>
                         </a:ext>
                       </a:extLst>
                     </a:gridCol>
                     <a:gridCol w="2415695">
                       <a:extLst>
                         <a:ext uri="{9D8B030D-6E8A-4147-A177-3AD203B41FA5}">
-                          <a16:colId xmlns:a16="http://schemas.microsoft.com/office/drawing/2014/main" xmlns="" val="20002"/>
+                          <a16:colId xmlns:a16="http://schemas.microsoft.com/office/drawing/2014/main" xmlns="" xmlns:a14="http://schemas.microsoft.com/office/drawing/2010/main" val="20002"/>
                         </a:ext>
                       </a:extLst>
                     </a:gridCol>
                     <a:gridCol w="1371600">
                       <a:extLst>
                         <a:ext uri="{9D8B030D-6E8A-4147-A177-3AD203B41FA5}">
-                          <a16:colId xmlns:a16="http://schemas.microsoft.com/office/drawing/2014/main" xmlns="" val="20003"/>
+                          <a16:colId xmlns:a16="http://schemas.microsoft.com/office/drawing/2014/main" xmlns="" xmlns:a14="http://schemas.microsoft.com/office/drawing/2010/main" val="20003"/>
                         </a:ext>
                       </a:extLst>
                     </a:gridCol>
@@ -12517,7 +12886,7 @@
                     </a:tc>
                     <a:extLst>
                       <a:ext uri="{0D108BD9-81ED-4DB2-BD59-A6C34878D82A}">
-                        <a16:rowId xmlns:a16="http://schemas.microsoft.com/office/drawing/2014/main" xmlns="" val="10000"/>
+                        <a16:rowId xmlns:a16="http://schemas.microsoft.com/office/drawing/2014/main" xmlns="" xmlns:a14="http://schemas.microsoft.com/office/drawing/2010/main" val="10000"/>
                       </a:ext>
                     </a:extLst>
                   </a:tr>
@@ -12576,9 +12945,9 @@
                           <a:prstDash val="solid"/>
                         </a:lnBlToTr>
                         <a:blipFill rotWithShape="0">
-                          <a:blip r:embed="rId6"/>
+                          <a:blip r:embed="rId7"/>
                           <a:stretch>
-                            <a:fillRect l="-855" t="-100952" r="-364103" b="-701905"/>
+                            <a:fillRect l="-855" t="-100000" r="-364103" b="-702857"/>
                           </a:stretch>
                         </a:blipFill>
                       </a:tcPr>
@@ -12637,9 +13006,9 @@
                           <a:prstDash val="solid"/>
                         </a:lnBlToTr>
                         <a:blipFill rotWithShape="0">
-                          <a:blip r:embed="rId6"/>
+                          <a:blip r:embed="rId7"/>
                           <a:stretch>
-                            <a:fillRect l="-104889" t="-100952" r="-278667" b="-701905"/>
+                            <a:fillRect l="-104889" t="-100000" r="-278667" b="-702857"/>
                           </a:stretch>
                         </a:blipFill>
                       </a:tcPr>
@@ -12698,9 +13067,9 @@
                           <a:prstDash val="solid"/>
                         </a:lnBlToTr>
                         <a:blipFill rotWithShape="0">
-                          <a:blip r:embed="rId6"/>
+                          <a:blip r:embed="rId7"/>
                           <a:stretch>
-                            <a:fillRect l="-116121" t="-100952" r="-57935" b="-701905"/>
+                            <a:fillRect l="-116121" t="-100000" r="-57935" b="-702857"/>
                           </a:stretch>
                         </a:blipFill>
                       </a:tcPr>
@@ -12759,16 +13128,16 @@
                           <a:prstDash val="solid"/>
                         </a:lnBlToTr>
                         <a:blipFill rotWithShape="0">
-                          <a:blip r:embed="rId6"/>
+                          <a:blip r:embed="rId7"/>
                           <a:stretch>
-                            <a:fillRect l="-381333" t="-100952" r="-2222" b="-701905"/>
+                            <a:fillRect l="-381333" t="-100000" r="-2222" b="-702857"/>
                           </a:stretch>
                         </a:blipFill>
                       </a:tcPr>
                     </a:tc>
                     <a:extLst>
                       <a:ext uri="{0D108BD9-81ED-4DB2-BD59-A6C34878D82A}">
-                        <a16:rowId xmlns:a16="http://schemas.microsoft.com/office/drawing/2014/main" xmlns="" val="10001"/>
+                        <a16:rowId xmlns:a16="http://schemas.microsoft.com/office/drawing/2014/main" xmlns="" xmlns:a14="http://schemas.microsoft.com/office/drawing/2010/main" val="10001"/>
                       </a:ext>
                     </a:extLst>
                   </a:tr>
@@ -12827,9 +13196,9 @@
                           <a:prstDash val="solid"/>
                         </a:lnBlToTr>
                         <a:blipFill rotWithShape="0">
-                          <a:blip r:embed="rId6"/>
+                          <a:blip r:embed="rId7"/>
                           <a:stretch>
-                            <a:fillRect l="-855" t="-202885" r="-364103" b="-608654"/>
+                            <a:fillRect l="-855" t="-200000" r="-364103" b="-602857"/>
                           </a:stretch>
                         </a:blipFill>
                       </a:tcPr>
@@ -12888,9 +13257,9 @@
                           <a:prstDash val="solid"/>
                         </a:lnBlToTr>
                         <a:blipFill rotWithShape="0">
-                          <a:blip r:embed="rId6"/>
+                          <a:blip r:embed="rId7"/>
                           <a:stretch>
-                            <a:fillRect l="-104889" t="-202885" r="-278667" b="-608654"/>
+                            <a:fillRect l="-104889" t="-200000" r="-278667" b="-602857"/>
                           </a:stretch>
                         </a:blipFill>
                       </a:tcPr>
@@ -12949,9 +13318,9 @@
                           <a:prstDash val="solid"/>
                         </a:lnBlToTr>
                         <a:blipFill rotWithShape="0">
-                          <a:blip r:embed="rId6"/>
+                          <a:blip r:embed="rId7"/>
                           <a:stretch>
-                            <a:fillRect l="-116121" t="-202885" r="-57935" b="-608654"/>
+                            <a:fillRect l="-116121" t="-200000" r="-57935" b="-602857"/>
                           </a:stretch>
                         </a:blipFill>
                       </a:tcPr>
@@ -13010,16 +13379,16 @@
                           <a:prstDash val="solid"/>
                         </a:lnBlToTr>
                         <a:blipFill rotWithShape="0">
-                          <a:blip r:embed="rId6"/>
+                          <a:blip r:embed="rId7"/>
                           <a:stretch>
-                            <a:fillRect l="-381333" t="-202885" r="-2222" b="-608654"/>
+                            <a:fillRect l="-381333" t="-200000" r="-2222" b="-602857"/>
                           </a:stretch>
                         </a:blipFill>
                       </a:tcPr>
                     </a:tc>
                     <a:extLst>
                       <a:ext uri="{0D108BD9-81ED-4DB2-BD59-A6C34878D82A}">
-                        <a16:rowId xmlns:a16="http://schemas.microsoft.com/office/drawing/2014/main" xmlns="" val="10002"/>
+                        <a16:rowId xmlns:a16="http://schemas.microsoft.com/office/drawing/2014/main" xmlns="" xmlns:a14="http://schemas.microsoft.com/office/drawing/2010/main" val="10002"/>
                       </a:ext>
                     </a:extLst>
                   </a:tr>
@@ -13078,9 +13447,9 @@
                           <a:prstDash val="solid"/>
                         </a:lnBlToTr>
                         <a:blipFill rotWithShape="0">
-                          <a:blip r:embed="rId6"/>
+                          <a:blip r:embed="rId7"/>
                           <a:stretch>
-                            <a:fillRect l="-855" t="-300000" r="-364103" b="-502857"/>
+                            <a:fillRect l="-855" t="-302885" r="-364103" b="-508654"/>
                           </a:stretch>
                         </a:blipFill>
                       </a:tcPr>
@@ -13139,9 +13508,9 @@
                           <a:prstDash val="solid"/>
                         </a:lnBlToTr>
                         <a:blipFill rotWithShape="0">
-                          <a:blip r:embed="rId6"/>
+                          <a:blip r:embed="rId7"/>
                           <a:stretch>
-                            <a:fillRect l="-104889" t="-300000" r="-278667" b="-502857"/>
+                            <a:fillRect l="-104889" t="-302885" r="-278667" b="-508654"/>
                           </a:stretch>
                         </a:blipFill>
                       </a:tcPr>
@@ -13200,9 +13569,9 @@
                           <a:prstDash val="solid"/>
                         </a:lnBlToTr>
                         <a:blipFill rotWithShape="0">
-                          <a:blip r:embed="rId6"/>
+                          <a:blip r:embed="rId7"/>
                           <a:stretch>
-                            <a:fillRect l="-116121" t="-300000" r="-57935" b="-502857"/>
+                            <a:fillRect l="-116121" t="-302885" r="-57935" b="-508654"/>
                           </a:stretch>
                         </a:blipFill>
                       </a:tcPr>
@@ -13261,16 +13630,16 @@
                           <a:prstDash val="solid"/>
                         </a:lnBlToTr>
                         <a:blipFill rotWithShape="0">
-                          <a:blip r:embed="rId6"/>
+                          <a:blip r:embed="rId7"/>
                           <a:stretch>
-                            <a:fillRect l="-381333" t="-300000" r="-2222" b="-502857"/>
+                            <a:fillRect l="-381333" t="-302885" r="-2222" b="-508654"/>
                           </a:stretch>
                         </a:blipFill>
                       </a:tcPr>
                     </a:tc>
                     <a:extLst>
                       <a:ext uri="{0D108BD9-81ED-4DB2-BD59-A6C34878D82A}">
-                        <a16:rowId xmlns:a16="http://schemas.microsoft.com/office/drawing/2014/main" xmlns="" val="10003"/>
+                        <a16:rowId xmlns:a16="http://schemas.microsoft.com/office/drawing/2014/main" xmlns="" xmlns:a14="http://schemas.microsoft.com/office/drawing/2010/main" val="10003"/>
                       </a:ext>
                     </a:extLst>
                   </a:tr>
@@ -13329,9 +13698,9 @@
                           <a:prstDash val="solid"/>
                         </a:lnBlToTr>
                         <a:blipFill rotWithShape="0">
-                          <a:blip r:embed="rId6"/>
+                          <a:blip r:embed="rId7"/>
                           <a:stretch>
-                            <a:fillRect l="-855" t="-403846" r="-364103" b="-407692"/>
+                            <a:fillRect l="-855" t="-399048" r="-364103" b="-403810"/>
                           </a:stretch>
                         </a:blipFill>
                       </a:tcPr>
@@ -13390,9 +13759,9 @@
                           <a:prstDash val="solid"/>
                         </a:lnBlToTr>
                         <a:blipFill rotWithShape="0">
-                          <a:blip r:embed="rId6"/>
+                          <a:blip r:embed="rId7"/>
                           <a:stretch>
-                            <a:fillRect l="-104889" t="-403846" r="-278667" b="-407692"/>
+                            <a:fillRect l="-104889" t="-399048" r="-278667" b="-403810"/>
                           </a:stretch>
                         </a:blipFill>
                       </a:tcPr>
@@ -13451,9 +13820,9 @@
                           <a:prstDash val="solid"/>
                         </a:lnBlToTr>
                         <a:blipFill rotWithShape="0">
-                          <a:blip r:embed="rId6"/>
+                          <a:blip r:embed="rId7"/>
                           <a:stretch>
-                            <a:fillRect l="-116121" t="-403846" r="-57935" b="-407692"/>
+                            <a:fillRect l="-116121" t="-399048" r="-57935" b="-403810"/>
                           </a:stretch>
                         </a:blipFill>
                       </a:tcPr>
@@ -13512,16 +13881,16 @@
                           <a:prstDash val="solid"/>
                         </a:lnBlToTr>
                         <a:blipFill rotWithShape="0">
-                          <a:blip r:embed="rId6"/>
+                          <a:blip r:embed="rId7"/>
                           <a:stretch>
-                            <a:fillRect l="-381333" t="-403846" r="-2222" b="-407692"/>
+                            <a:fillRect l="-381333" t="-399048" r="-2222" b="-403810"/>
                           </a:stretch>
                         </a:blipFill>
                       </a:tcPr>
                     </a:tc>
                     <a:extLst>
                       <a:ext uri="{0D108BD9-81ED-4DB2-BD59-A6C34878D82A}">
-                        <a16:rowId xmlns:a16="http://schemas.microsoft.com/office/drawing/2014/main" xmlns="" val="10004"/>
+                        <a16:rowId xmlns:a16="http://schemas.microsoft.com/office/drawing/2014/main" xmlns="" xmlns:a14="http://schemas.microsoft.com/office/drawing/2010/main" val="10004"/>
                       </a:ext>
                     </a:extLst>
                   </a:tr>
@@ -13580,9 +13949,9 @@
                           <a:prstDash val="solid"/>
                         </a:lnBlToTr>
                         <a:blipFill rotWithShape="0">
-                          <a:blip r:embed="rId6"/>
+                          <a:blip r:embed="rId7"/>
                           <a:stretch>
-                            <a:fillRect l="-855" t="-499048" r="-364103" b="-303810"/>
+                            <a:fillRect l="-855" t="-503846" r="-364103" b="-307692"/>
                           </a:stretch>
                         </a:blipFill>
                       </a:tcPr>
@@ -13641,9 +14010,9 @@
                           <a:prstDash val="solid"/>
                         </a:lnBlToTr>
                         <a:blipFill rotWithShape="0">
-                          <a:blip r:embed="rId6"/>
+                          <a:blip r:embed="rId7"/>
                           <a:stretch>
-                            <a:fillRect l="-104889" t="-499048" r="-278667" b="-303810"/>
+                            <a:fillRect l="-104889" t="-503846" r="-278667" b="-307692"/>
                           </a:stretch>
                         </a:blipFill>
                       </a:tcPr>
@@ -13702,9 +14071,9 @@
                           <a:prstDash val="solid"/>
                         </a:lnBlToTr>
                         <a:blipFill rotWithShape="0">
-                          <a:blip r:embed="rId6"/>
+                          <a:blip r:embed="rId7"/>
                           <a:stretch>
-                            <a:fillRect l="-116121" t="-499048" r="-57935" b="-303810"/>
+                            <a:fillRect l="-116121" t="-503846" r="-57935" b="-307692"/>
                           </a:stretch>
                         </a:blipFill>
                       </a:tcPr>
@@ -13763,16 +14132,16 @@
                           <a:prstDash val="solid"/>
                         </a:lnBlToTr>
                         <a:blipFill rotWithShape="0">
-                          <a:blip r:embed="rId6"/>
+                          <a:blip r:embed="rId7"/>
                           <a:stretch>
-                            <a:fillRect l="-381333" t="-499048" r="-2222" b="-303810"/>
+                            <a:fillRect l="-381333" t="-503846" r="-2222" b="-307692"/>
                           </a:stretch>
                         </a:blipFill>
                       </a:tcPr>
                     </a:tc>
                     <a:extLst>
                       <a:ext uri="{0D108BD9-81ED-4DB2-BD59-A6C34878D82A}">
-                        <a16:rowId xmlns:a16="http://schemas.microsoft.com/office/drawing/2014/main" xmlns="" val="10005"/>
+                        <a16:rowId xmlns:a16="http://schemas.microsoft.com/office/drawing/2014/main" xmlns="" xmlns:a14="http://schemas.microsoft.com/office/drawing/2010/main" val="10005"/>
                       </a:ext>
                     </a:extLst>
                   </a:tr>
@@ -13831,9 +14200,9 @@
                           <a:prstDash val="solid"/>
                         </a:lnBlToTr>
                         <a:blipFill rotWithShape="0">
-                          <a:blip r:embed="rId6"/>
+                          <a:blip r:embed="rId7"/>
                           <a:stretch>
-                            <a:fillRect l="-855" t="-604808" r="-364103" b="-206731"/>
+                            <a:fillRect l="-855" t="-598095" r="-364103" b="-204762"/>
                           </a:stretch>
                         </a:blipFill>
                       </a:tcPr>
@@ -13892,9 +14261,9 @@
                           <a:prstDash val="solid"/>
                         </a:lnBlToTr>
                         <a:blipFill rotWithShape="0">
-                          <a:blip r:embed="rId6"/>
+                          <a:blip r:embed="rId7"/>
                           <a:stretch>
-                            <a:fillRect l="-104889" t="-604808" r="-278667" b="-206731"/>
+                            <a:fillRect l="-104889" t="-598095" r="-278667" b="-204762"/>
                           </a:stretch>
                         </a:blipFill>
                       </a:tcPr>
@@ -13953,9 +14322,9 @@
                           <a:prstDash val="solid"/>
                         </a:lnBlToTr>
                         <a:blipFill rotWithShape="0">
-                          <a:blip r:embed="rId6"/>
+                          <a:blip r:embed="rId7"/>
                           <a:stretch>
-                            <a:fillRect l="-116121" t="-604808" r="-57935" b="-206731"/>
+                            <a:fillRect l="-116121" t="-598095" r="-57935" b="-204762"/>
                           </a:stretch>
                         </a:blipFill>
                       </a:tcPr>
@@ -14014,16 +14383,16 @@
                           <a:prstDash val="solid"/>
                         </a:lnBlToTr>
                         <a:blipFill rotWithShape="0">
-                          <a:blip r:embed="rId6"/>
+                          <a:blip r:embed="rId7"/>
                           <a:stretch>
-                            <a:fillRect l="-381333" t="-604808" r="-2222" b="-206731"/>
+                            <a:fillRect l="-381333" t="-598095" r="-2222" b="-204762"/>
                           </a:stretch>
                         </a:blipFill>
                       </a:tcPr>
                     </a:tc>
                     <a:extLst>
                       <a:ext uri="{0D108BD9-81ED-4DB2-BD59-A6C34878D82A}">
-                        <a16:rowId xmlns:a16="http://schemas.microsoft.com/office/drawing/2014/main" xmlns="" val="10006"/>
+                        <a16:rowId xmlns:a16="http://schemas.microsoft.com/office/drawing/2014/main" xmlns="" xmlns:a14="http://schemas.microsoft.com/office/drawing/2010/main" val="10006"/>
                       </a:ext>
                     </a:extLst>
                   </a:tr>
@@ -14082,9 +14451,9 @@
                           <a:prstDash val="solid"/>
                         </a:lnBlToTr>
                         <a:blipFill rotWithShape="0">
-                          <a:blip r:embed="rId6"/>
+                          <a:blip r:embed="rId7"/>
                           <a:stretch>
-                            <a:fillRect l="-855" t="-691509" r="-364103" b="-102830"/>
+                            <a:fillRect l="-855" t="-698095" r="-364103" b="-104762"/>
                           </a:stretch>
                         </a:blipFill>
                       </a:tcPr>
@@ -14143,9 +14512,9 @@
                           <a:prstDash val="solid"/>
                         </a:lnBlToTr>
                         <a:blipFill rotWithShape="0">
-                          <a:blip r:embed="rId6"/>
+                          <a:blip r:embed="rId7"/>
                           <a:stretch>
-                            <a:fillRect l="-104889" t="-691509" r="-278667" b="-102830"/>
+                            <a:fillRect l="-104889" t="-698095" r="-278667" b="-104762"/>
                           </a:stretch>
                         </a:blipFill>
                       </a:tcPr>
@@ -14204,9 +14573,9 @@
                           <a:prstDash val="solid"/>
                         </a:lnBlToTr>
                         <a:blipFill rotWithShape="0">
-                          <a:blip r:embed="rId6"/>
+                          <a:blip r:embed="rId7"/>
                           <a:stretch>
-                            <a:fillRect l="-116121" t="-691509" r="-57935" b="-102830"/>
+                            <a:fillRect l="-116121" t="-698095" r="-57935" b="-104762"/>
                           </a:stretch>
                         </a:blipFill>
                       </a:tcPr>
@@ -14265,16 +14634,16 @@
                           <a:prstDash val="solid"/>
                         </a:lnBlToTr>
                         <a:blipFill rotWithShape="0">
-                          <a:blip r:embed="rId6"/>
+                          <a:blip r:embed="rId7"/>
                           <a:stretch>
-                            <a:fillRect l="-381333" t="-691509" r="-2222" b="-102830"/>
+                            <a:fillRect l="-381333" t="-698095" r="-2222" b="-104762"/>
                           </a:stretch>
                         </a:blipFill>
                       </a:tcPr>
                     </a:tc>
                     <a:extLst>
                       <a:ext uri="{0D108BD9-81ED-4DB2-BD59-A6C34878D82A}">
-                        <a16:rowId xmlns:a16="http://schemas.microsoft.com/office/drawing/2014/main" xmlns="" val="10007"/>
+                        <a16:rowId xmlns:a16="http://schemas.microsoft.com/office/drawing/2014/main" xmlns="" xmlns:a14="http://schemas.microsoft.com/office/drawing/2010/main" val="10007"/>
                       </a:ext>
                     </a:extLst>
                   </a:tr>
@@ -14333,9 +14702,9 @@
                           <a:prstDash val="solid"/>
                         </a:lnBlToTr>
                         <a:blipFill rotWithShape="0">
-                          <a:blip r:embed="rId6"/>
+                          <a:blip r:embed="rId7"/>
                           <a:stretch>
-                            <a:fillRect l="-855" t="-806731" r="-364103" b="-4808"/>
+                            <a:fillRect l="-855" t="-798095" r="-364103" b="-4762"/>
                           </a:stretch>
                         </a:blipFill>
                       </a:tcPr>
@@ -14394,9 +14763,9 @@
                           <a:prstDash val="solid"/>
                         </a:lnBlToTr>
                         <a:blipFill rotWithShape="0">
-                          <a:blip r:embed="rId6"/>
+                          <a:blip r:embed="rId7"/>
                           <a:stretch>
-                            <a:fillRect l="-104889" t="-806731" r="-278667" b="-4808"/>
+                            <a:fillRect l="-104889" t="-798095" r="-278667" b="-4762"/>
                           </a:stretch>
                         </a:blipFill>
                       </a:tcPr>
@@ -14455,9 +14824,9 @@
                           <a:prstDash val="solid"/>
                         </a:lnBlToTr>
                         <a:blipFill rotWithShape="0">
-                          <a:blip r:embed="rId6"/>
+                          <a:blip r:embed="rId7"/>
                           <a:stretch>
-                            <a:fillRect l="-116121" t="-806731" r="-57935" b="-4808"/>
+                            <a:fillRect l="-116121" t="-798095" r="-57935" b="-4762"/>
                           </a:stretch>
                         </a:blipFill>
                       </a:tcPr>
@@ -14516,16 +14885,16 @@
                           <a:prstDash val="solid"/>
                         </a:lnBlToTr>
                         <a:blipFill rotWithShape="0">
-                          <a:blip r:embed="rId6"/>
+                          <a:blip r:embed="rId7"/>
                           <a:stretch>
-                            <a:fillRect l="-381333" t="-806731" r="-2222" b="-4808"/>
+                            <a:fillRect l="-381333" t="-798095" r="-2222" b="-4762"/>
                           </a:stretch>
                         </a:blipFill>
                       </a:tcPr>
                     </a:tc>
                     <a:extLst>
                       <a:ext uri="{0D108BD9-81ED-4DB2-BD59-A6C34878D82A}">
-                        <a16:rowId xmlns:a16="http://schemas.microsoft.com/office/drawing/2014/main" xmlns="" val="10008"/>
+                        <a16:rowId xmlns:a16="http://schemas.microsoft.com/office/drawing/2014/main" xmlns="" xmlns:a14="http://schemas.microsoft.com/office/drawing/2010/main" val="10008"/>
                       </a:ext>
                     </a:extLst>
                   </a:tr>
@@ -14544,7 +14913,7 @@
           <p:nvPr/>
         </p:nvPicPr>
         <p:blipFill>
-          <a:blip r:embed="rId7" cstate="print">
+          <a:blip r:embed="rId8" cstate="print">
             <a:extLst>
               <a:ext uri="{28A0092B-C50C-407E-A947-70E740481C1C}">
                 <a14:useLocalDpi xmlns:a14="http://schemas.microsoft.com/office/drawing/2010/main" val="0"/>
@@ -14588,7 +14957,7 @@
           <p:nvPr/>
         </p:nvPicPr>
         <p:blipFill>
-          <a:blip r:embed="rId8">
+          <a:blip r:embed="rId9">
             <a:extLst>
               <a:ext uri="{28A0092B-C50C-407E-A947-70E740481C1C}">
                 <a14:useLocalDpi xmlns:a14="http://schemas.microsoft.com/office/drawing/2010/main" val="0"/>
@@ -14798,7 +15167,7 @@
           <p:nvPr/>
         </p:nvPicPr>
         <p:blipFill>
-          <a:blip r:embed="rId9">
+          <a:blip r:embed="rId10">
             <a:extLst>
               <a:ext uri="{28A0092B-C50C-407E-A947-70E740481C1C}">
                 <a14:useLocalDpi xmlns:a14="http://schemas.microsoft.com/office/drawing/2010/main" val="0"/>
@@ -14830,211 +15199,6 @@
           </a:extLst>
         </p:spPr>
       </p:pic>
-      <p:sp>
-        <p:nvSpPr>
-          <p:cNvPr id="38" name="Rectangle 37"/>
-          <p:cNvSpPr/>
-          <p:nvPr/>
-        </p:nvSpPr>
-        <p:spPr>
-          <a:xfrm flipH="1">
-            <a:off x="23850600" y="3352800"/>
-            <a:ext cx="12106210" cy="10050990"/>
-          </a:xfrm>
-          <a:prstGeom prst="rect">
-            <a:avLst/>
-          </a:prstGeom>
-          <a:noFill/>
-          <a:ln w="76200">
-            <a:noFill/>
-          </a:ln>
-          <a:effectLst/>
-        </p:spPr>
-        <p:style>
-          <a:lnRef idx="2">
-            <a:schemeClr val="accent6"/>
-          </a:lnRef>
-          <a:fillRef idx="1">
-            <a:schemeClr val="lt1"/>
-          </a:fillRef>
-          <a:effectRef idx="0">
-            <a:schemeClr val="accent6"/>
-          </a:effectRef>
-          <a:fontRef idx="minor">
-            <a:schemeClr val="dk1"/>
-          </a:fontRef>
-        </p:style>
-        <p:txBody>
-          <a:bodyPr rtlCol="0" anchor="t"/>
-          <a:lstStyle/>
-          <a:p>
-            <a:pPr algn="ctr"/>
-            <a:r>
-              <a:rPr lang="en-US" sz="3200" b="1" dirty="0" smtClean="0">
-                <a:solidFill>
-                  <a:schemeClr val="bg1"/>
-                </a:solidFill>
-              </a:rPr>
-              <a:t>Results</a:t>
-            </a:r>
-          </a:p>
-          <a:p>
-            <a:pPr algn="ctr"/>
-            <a:endParaRPr lang="en-US" sz="2790" dirty="0" smtClean="0"/>
-          </a:p>
-          <a:p>
-            <a:pPr algn="ctr"/>
-            <a:endParaRPr lang="en-US" sz="2790" dirty="0"/>
-          </a:p>
-          <a:p>
-            <a:pPr algn="ctr"/>
-            <a:endParaRPr lang="en-US" sz="2790" dirty="0" smtClean="0"/>
-          </a:p>
-          <a:p>
-            <a:pPr algn="ctr"/>
-            <a:endParaRPr lang="en-US" sz="2790" dirty="0"/>
-          </a:p>
-          <a:p>
-            <a:pPr algn="ctr"/>
-            <a:endParaRPr lang="en-US" sz="2790" dirty="0" smtClean="0"/>
-          </a:p>
-          <a:p>
-            <a:pPr algn="ctr"/>
-            <a:endParaRPr lang="en-US" sz="2790" dirty="0"/>
-          </a:p>
-          <a:p>
-            <a:pPr algn="ctr"/>
-            <a:endParaRPr lang="en-US" sz="2790" dirty="0" smtClean="0"/>
-          </a:p>
-          <a:p>
-            <a:pPr algn="ctr"/>
-            <a:endParaRPr lang="en-US" sz="2790" dirty="0"/>
-          </a:p>
-          <a:p>
-            <a:pPr algn="ctr"/>
-            <a:endParaRPr lang="en-US" sz="2790" dirty="0"/>
-          </a:p>
-          <a:p>
-            <a:pPr algn="ctr"/>
-            <a:endParaRPr lang="en-US" sz="2790" dirty="0"/>
-          </a:p>
-          <a:p>
-            <a:pPr algn="ctr"/>
-            <a:endParaRPr lang="en-US" sz="2790" b="1" dirty="0">
-              <a:solidFill>
-                <a:schemeClr val="bg1"/>
-              </a:solidFill>
-            </a:endParaRPr>
-          </a:p>
-          <a:p>
-            <a:pPr algn="ctr"/>
-            <a:endParaRPr lang="en-US" sz="2790" b="1" dirty="0">
-              <a:solidFill>
-                <a:schemeClr val="bg1"/>
-              </a:solidFill>
-            </a:endParaRPr>
-          </a:p>
-          <a:p>
-            <a:pPr algn="ctr"/>
-            <a:endParaRPr lang="en-US" sz="2790" b="1" dirty="0">
-              <a:solidFill>
-                <a:schemeClr val="bg1"/>
-              </a:solidFill>
-            </a:endParaRPr>
-          </a:p>
-          <a:p>
-            <a:pPr algn="ctr"/>
-            <a:endParaRPr lang="en-US" sz="2790" b="1" dirty="0" smtClean="0">
-              <a:solidFill>
-                <a:schemeClr val="bg1"/>
-              </a:solidFill>
-            </a:endParaRPr>
-          </a:p>
-          <a:p>
-            <a:pPr algn="ctr"/>
-            <a:endParaRPr lang="en-US" sz="500" b="1" dirty="0" smtClean="0">
-              <a:solidFill>
-                <a:schemeClr val="bg1"/>
-              </a:solidFill>
-            </a:endParaRPr>
-          </a:p>
-          <a:p>
-            <a:pPr algn="ctr"/>
-            <a:endParaRPr lang="en-US" sz="500" b="1" dirty="0">
-              <a:solidFill>
-                <a:schemeClr val="bg1"/>
-              </a:solidFill>
-            </a:endParaRPr>
-          </a:p>
-          <a:p>
-            <a:pPr algn="ctr"/>
-            <a:endParaRPr lang="en-US" sz="500" b="1" dirty="0" smtClean="0">
-              <a:solidFill>
-                <a:schemeClr val="bg1"/>
-              </a:solidFill>
-            </a:endParaRPr>
-          </a:p>
-          <a:p>
-            <a:pPr algn="ctr"/>
-            <a:r>
-              <a:rPr lang="en-US" sz="3200" b="1" dirty="0" smtClean="0">
-                <a:solidFill>
-                  <a:schemeClr val="bg1"/>
-                </a:solidFill>
-              </a:rPr>
-              <a:t>Conclusion</a:t>
-            </a:r>
-          </a:p>
-          <a:p>
-            <a:pPr algn="ctr"/>
-            <a:endParaRPr lang="en-US" sz="2790" b="1" dirty="0" smtClean="0">
-              <a:solidFill>
-                <a:schemeClr val="bg1"/>
-              </a:solidFill>
-            </a:endParaRPr>
-          </a:p>
-          <a:p>
-            <a:pPr algn="just"/>
-            <a:r>
-              <a:rPr lang="en-US" sz="2790" dirty="0"/>
-              <a:t>The GFAU </a:t>
-            </a:r>
-            <a:r>
-              <a:rPr lang="en-US" sz="2790" dirty="0" smtClean="0"/>
-              <a:t>achieved the objectives </a:t>
-            </a:r>
-            <a:r>
-              <a:rPr lang="en-US" sz="2790" dirty="0"/>
-              <a:t>with minimal hardware usage. The design was parameterized to be both </a:t>
-            </a:r>
-            <a:r>
-              <a:rPr lang="en-US" sz="2790" dirty="0" smtClean="0"/>
-              <a:t>scalable </a:t>
-            </a:r>
-            <a:r>
-              <a:rPr lang="en-US" sz="2790" dirty="0"/>
-              <a:t>and </a:t>
-            </a:r>
-            <a:r>
-              <a:rPr lang="en-US" sz="2790" dirty="0" smtClean="0"/>
-              <a:t>inexpensive </a:t>
-            </a:r>
-            <a:r>
-              <a:rPr lang="en-US" sz="2790" dirty="0"/>
-              <a:t>enough </a:t>
-            </a:r>
-            <a:r>
-              <a:rPr lang="en-US" sz="2790" dirty="0" smtClean="0"/>
-              <a:t>to interface </a:t>
-            </a:r>
-            <a:r>
-              <a:rPr lang="en-US" sz="2790" dirty="0"/>
-              <a:t>with microcontrollers. Future improvements may include: generate the multiplicative inverse of an element, check if input polynomials are primitive in linear time, and further optimize the overall hardware usage.</a:t>
-            </a:r>
-            <a:endParaRPr lang="en-US" sz="2790" dirty="0"/>
-          </a:p>
-        </p:txBody>
-      </p:sp>
       <p:pic>
         <p:nvPicPr>
           <p:cNvPr id="7" name="Picture 6"/>
@@ -15044,7 +15208,7 @@
           <p:nvPr/>
         </p:nvPicPr>
         <p:blipFill>
-          <a:blip r:embed="rId10" cstate="print">
+          <a:blip r:embed="rId11" cstate="print">
             <a:extLst>
               <a:ext uri="{28A0092B-C50C-407E-A947-70E740481C1C}">
                 <a14:useLocalDpi xmlns:a14="http://schemas.microsoft.com/office/drawing/2010/main" val="0"/>
@@ -15117,7 +15281,7 @@
           <p:nvPr/>
         </p:nvPicPr>
         <p:blipFill>
-          <a:blip r:embed="rId11">
+          <a:blip r:embed="rId12">
             <a:extLst>
               <a:ext uri="{28A0092B-C50C-407E-A947-70E740481C1C}">
                 <a14:useLocalDpi xmlns:a14="http://schemas.microsoft.com/office/drawing/2010/main" val="0"/>
@@ -15185,14 +15349,14 @@
       </p:cxnSp>
       <p:pic>
         <p:nvPicPr>
-          <p:cNvPr id="28" name="Picture 27"/>
+          <p:cNvPr id="39" name="Picture 38"/>
           <p:cNvPicPr>
             <a:picLocks noChangeAspect="1"/>
           </p:cNvPicPr>
           <p:nvPr/>
         </p:nvPicPr>
         <p:blipFill>
-          <a:blip r:embed="rId12">
+          <a:blip r:embed="rId13">
             <a:extLst>
               <a:ext uri="{28A0092B-C50C-407E-A947-70E740481C1C}">
                 <a14:useLocalDpi xmlns:a14="http://schemas.microsoft.com/office/drawing/2010/main" val="0"/>
@@ -15205,43 +15369,8 @@
         </p:blipFill>
         <p:spPr>
           <a:xfrm>
-            <a:off x="30080888" y="4299005"/>
-            <a:ext cx="5739604" cy="2286114"/>
-          </a:xfrm>
-          <a:prstGeom prst="rect">
-            <a:avLst/>
-          </a:prstGeom>
-          <a:ln w="38100">
-            <a:solidFill>
-              <a:schemeClr val="tx1"/>
-            </a:solidFill>
-          </a:ln>
-        </p:spPr>
-      </p:pic>
-      <p:pic>
-        <p:nvPicPr>
-          <p:cNvPr id="39" name="Picture 38"/>
-          <p:cNvPicPr>
-            <a:picLocks noChangeAspect="1"/>
-          </p:cNvPicPr>
-          <p:nvPr/>
-        </p:nvPicPr>
-        <p:blipFill>
-          <a:blip r:embed="rId12">
-            <a:extLst>
-              <a:ext uri="{28A0092B-C50C-407E-A947-70E740481C1C}">
-                <a14:useLocalDpi xmlns:a14="http://schemas.microsoft.com/office/drawing/2010/main" val="0"/>
-              </a:ext>
-            </a:extLst>
-          </a:blip>
-          <a:stretch>
-            <a:fillRect/>
-          </a:stretch>
-        </p:blipFill>
-        <p:spPr>
-          <a:xfrm>
-            <a:off x="23948590" y="4299005"/>
-            <a:ext cx="5739604" cy="2286114"/>
+            <a:off x="29108400" y="4191000"/>
+            <a:ext cx="6752033" cy="2689370"/>
           </a:xfrm>
           <a:prstGeom prst="rect">
             <a:avLst/>
@@ -15263,8 +15392,8 @@
         </p:nvSpPr>
         <p:spPr bwMode="auto">
           <a:xfrm>
-            <a:off x="28651200" y="6739723"/>
-            <a:ext cx="7180806" cy="3090077"/>
+            <a:off x="27598726" y="7254656"/>
+            <a:ext cx="8291474" cy="2677656"/>
           </a:xfrm>
           <a:prstGeom prst="rect">
             <a:avLst/>
@@ -15411,112 +15540,36 @@
           <a:p>
             <a:pPr algn="just"/>
             <a:r>
-              <a:rPr kumimoji="0" lang="en-US" altLang="en-US" sz="2800" b="1" i="0" u="none" strike="noStrike" cap="none" normalizeH="0" baseline="0" dirty="0" smtClean="0">
-                <a:ln>
-                  <a:noFill/>
-                </a:ln>
-                <a:solidFill>
-                  <a:srgbClr val="222222"/>
-                </a:solidFill>
-                <a:effectLst/>
-                <a:cs typeface="Arial" panose="020B0604020202020204" pitchFamily="34" charset="0"/>
-              </a:rPr>
-              <a:t>Figure 4: </a:t>
+              <a:rPr lang="en-US" sz="2800" b="1" dirty="0"/>
+              <a:t>Figure </a:t>
             </a:r>
             <a:r>
-              <a:rPr lang="en-US" altLang="en-US" sz="2800" dirty="0" smtClean="0">
-                <a:solidFill>
-                  <a:srgbClr val="222222"/>
-                </a:solidFill>
-                <a:cs typeface="Arial" panose="020B0604020202020204" pitchFamily="34" charset="0"/>
-              </a:rPr>
-              <a:t>W</a:t>
+              <a:rPr lang="en-US" sz="2800" b="1" dirty="0" smtClean="0"/>
+              <a:t>5: </a:t>
             </a:r>
             <a:r>
-              <a:rPr kumimoji="0" lang="en-US" altLang="en-US" sz="2800" b="0" i="0" u="none" strike="noStrike" cap="none" normalizeH="0" baseline="0" dirty="0" smtClean="0">
-                <a:ln>
-                  <a:noFill/>
-                </a:ln>
-                <a:solidFill>
-                  <a:srgbClr val="222222"/>
-                </a:solidFill>
-                <a:effectLst/>
-                <a:cs typeface="Arial" panose="020B0604020202020204" pitchFamily="34" charset="0"/>
-              </a:rPr>
-              <a:t>aveforms generated by the high-level modules. </a:t>
+              <a:rPr lang="en-US" sz="2800" dirty="0"/>
+              <a:t>Waveforms generated by the high-level modules. (a) The elements and their corresponding memory addresses. (b) The addition, multiplication, division and logarithm of the operands. </a:t>
             </a:r>
             <a:r>
-              <a:rPr lang="en-US" altLang="en-US" sz="2800" dirty="0">
-                <a:solidFill>
-                  <a:srgbClr val="222222"/>
-                </a:solidFill>
-                <a:cs typeface="Arial" panose="020B0604020202020204" pitchFamily="34" charset="0"/>
-              </a:rPr>
-              <a:t>(a</a:t>
+              <a:rPr lang="en-US" sz="2800" dirty="0" smtClean="0"/>
+              <a:t>(</a:t>
             </a:r>
             <a:r>
-              <a:rPr lang="en-US" altLang="en-US" sz="2800" dirty="0" smtClean="0">
-                <a:solidFill>
-                  <a:srgbClr val="222222"/>
-                </a:solidFill>
-                <a:cs typeface="Arial" panose="020B0604020202020204" pitchFamily="34" charset="0"/>
-              </a:rPr>
-              <a:t>) </a:t>
+              <a:rPr lang="en-US" sz="2800" dirty="0"/>
+              <a:t>c) </a:t>
             </a:r>
             <a:r>
-              <a:rPr kumimoji="0" lang="en-US" altLang="en-US" sz="2800" b="0" i="0" u="none" strike="noStrike" cap="none" normalizeH="0" baseline="0" dirty="0" smtClean="0">
-                <a:ln>
-                  <a:noFill/>
-                </a:ln>
-                <a:solidFill>
-                  <a:srgbClr val="222222"/>
-                </a:solidFill>
-                <a:effectLst/>
-                <a:cs typeface="Arial" panose="020B0604020202020204" pitchFamily="34" charset="0"/>
-              </a:rPr>
-              <a:t>The elements and their corresponding memory addresses. (b) The opcode determined the operation selected and checked for</a:t>
+              <a:rPr lang="en-US" sz="2800" dirty="0" smtClean="0"/>
+              <a:t>The </a:t>
             </a:r>
             <a:r>
-              <a:rPr kumimoji="0" lang="en-US" altLang="en-US" sz="2800" b="0" i="0" u="none" strike="noStrike" cap="none" normalizeH="0" dirty="0" smtClean="0">
-                <a:ln>
-                  <a:noFill/>
-                </a:ln>
-                <a:solidFill>
-                  <a:srgbClr val="222222"/>
-                </a:solidFill>
-                <a:effectLst/>
-                <a:cs typeface="Arial" panose="020B0604020202020204" pitchFamily="34" charset="0"/>
-              </a:rPr>
-              <a:t> </a:t>
+              <a:rPr lang="en-US" sz="2800" dirty="0"/>
+              <a:t>opcode determined the operation selected and checked for nulls and conversions.</a:t>
             </a:r>
-            <a:r>
-              <a:rPr lang="en-US" altLang="en-US" sz="2800" dirty="0" smtClean="0">
-                <a:solidFill>
-                  <a:srgbClr val="222222"/>
-                </a:solidFill>
-                <a:cs typeface="Arial" panose="020B0604020202020204" pitchFamily="34" charset="0"/>
-              </a:rPr>
-              <a:t>nulls and conversions.</a:t>
-            </a:r>
-            <a:r>
-              <a:rPr lang="en-US" altLang="en-US" sz="2800" dirty="0">
-                <a:solidFill>
-                  <a:srgbClr val="222222"/>
-                </a:solidFill>
-                <a:cs typeface="Arial" panose="020B0604020202020204" pitchFamily="34" charset="0"/>
-              </a:rPr>
-              <a:t> (c) The addition, multiplication, division and logarithm of the operands</a:t>
-            </a:r>
-            <a:r>
-              <a:rPr lang="en-US" altLang="en-US" sz="2800" dirty="0" smtClean="0">
-                <a:solidFill>
-                  <a:srgbClr val="222222"/>
-                </a:solidFill>
-                <a:cs typeface="Arial" panose="020B0604020202020204" pitchFamily="34" charset="0"/>
-              </a:rPr>
-              <a:t>.</a:t>
-            </a:r>
-            <a:endParaRPr lang="en-US" sz="2800" dirty="0"/>
+            <a:endParaRPr lang="en-US" sz="2700" dirty="0">
+              <a:latin typeface="+mn-lt"/>
+            </a:endParaRPr>
           </a:p>
         </p:txBody>
       </p:sp>
@@ -15528,7 +15581,7 @@
         </p:nvSpPr>
         <p:spPr>
           <a:xfrm>
-            <a:off x="28184737" y="6755978"/>
+            <a:off x="27026609" y="7007079"/>
             <a:ext cx="365806" cy="523220"/>
           </a:xfrm>
           <a:prstGeom prst="rect">
@@ -15542,12 +15595,12 @@
           <a:lstStyle/>
           <a:p>
             <a:r>
-              <a:rPr lang="en-US" sz="2800" b="1" dirty="0">
+              <a:rPr lang="en-US" sz="2800" b="1" dirty="0" smtClean="0">
                 <a:solidFill>
                   <a:schemeClr val="bg1"/>
                 </a:solidFill>
               </a:rPr>
-              <a:t>a</a:t>
+              <a:t>c</a:t>
             </a:r>
             <a:endParaRPr lang="en-US" sz="2800" dirty="0">
               <a:solidFill>
@@ -15565,7 +15618,7 @@
         </p:nvSpPr>
         <p:spPr bwMode="auto">
           <a:xfrm>
-            <a:off x="35399565" y="4272795"/>
+            <a:off x="35434287" y="4184851"/>
             <a:ext cx="455913" cy="432103"/>
           </a:xfrm>
           <a:prstGeom prst="rect">
@@ -15627,7 +15680,7 @@
         </p:nvSpPr>
         <p:spPr>
           <a:xfrm>
-            <a:off x="35466201" y="4171498"/>
+            <a:off x="35509200" y="4114800"/>
             <a:ext cx="365806" cy="523220"/>
           </a:xfrm>
           <a:prstGeom prst="rect">
@@ -15641,12 +15694,12 @@
           <a:lstStyle/>
           <a:p>
             <a:r>
-              <a:rPr lang="en-US" sz="2800" b="1" dirty="0" smtClean="0">
+              <a:rPr lang="en-US" sz="2800" b="1" dirty="0">
                 <a:solidFill>
                   <a:schemeClr val="bg1"/>
                 </a:solidFill>
               </a:rPr>
-              <a:t>c</a:t>
+              <a:t>b</a:t>
             </a:r>
             <a:endParaRPr lang="en-US" sz="2800" dirty="0">
               <a:solidFill>
@@ -15664,7 +15717,7 @@
         </p:nvSpPr>
         <p:spPr bwMode="auto">
           <a:xfrm>
-            <a:off x="29258963" y="4299005"/>
+            <a:off x="28422600" y="4191000"/>
             <a:ext cx="455913" cy="432103"/>
           </a:xfrm>
           <a:prstGeom prst="rect">
@@ -15726,7 +15779,7 @@
         </p:nvSpPr>
         <p:spPr>
           <a:xfrm>
-            <a:off x="29325599" y="4232985"/>
+            <a:off x="28467653" y="4090482"/>
             <a:ext cx="365806" cy="523220"/>
           </a:xfrm>
           <a:prstGeom prst="rect">
@@ -15745,7 +15798,7 @@
                   <a:schemeClr val="bg1"/>
                 </a:solidFill>
               </a:rPr>
-              <a:t>b</a:t>
+              <a:t>a</a:t>
             </a:r>
             <a:endParaRPr lang="en-US" sz="2800" dirty="0">
               <a:solidFill>
